--- a/THEE_project.pptx
+++ b/THEE_project.pptx
@@ -10923,6 +10923,113 @@
           <a:chExt cx="0" cy="0"/>
         </a:xfrm>
       </p:grpSpPr>
+      <p:pic>
+        <p:nvPicPr>
+          <p:cNvPr id="9" name="Grafik 8" descr="Ein Bild, das Text, Diagramm, Screenshot, Schrift enthält.&#10;&#10;KI-generierte Inhalte können fehlerhaft sein.">
+            <a:extLst>
+              <a:ext uri="{FF2B5EF4-FFF2-40B4-BE49-F238E27FC236}">
+                <a16:creationId xmlns:a16="http://schemas.microsoft.com/office/drawing/2014/main" id="{8A8A826D-1322-785C-EEC7-C78077239A34}"/>
+              </a:ext>
+            </a:extLst>
+          </p:cNvPr>
+          <p:cNvPicPr>
+            <a:picLocks noChangeAspect="1"/>
+          </p:cNvPicPr>
+          <p:nvPr/>
+        </p:nvPicPr>
+        <p:blipFill>
+          <a:blip r:embed="rId2">
+            <a:extLst>
+              <a:ext uri="{28A0092B-C50C-407E-A947-70E740481C1C}">
+                <a14:useLocalDpi xmlns:a14="http://schemas.microsoft.com/office/drawing/2010/main" val="0"/>
+              </a:ext>
+            </a:extLst>
+          </a:blip>
+          <a:stretch>
+            <a:fillRect/>
+          </a:stretch>
+        </p:blipFill>
+        <p:spPr>
+          <a:xfrm>
+            <a:off x="0" y="3687846"/>
+            <a:ext cx="3801035" cy="3187966"/>
+          </a:xfrm>
+          <a:prstGeom prst="rect">
+            <a:avLst/>
+          </a:prstGeom>
+        </p:spPr>
+      </p:pic>
+      <p:pic>
+        <p:nvPicPr>
+          <p:cNvPr id="5" name="Inhaltsplatzhalter 4" descr="Ein Bild, das Text, Diagramm, Reihe, Schrift enthält.&#10;&#10;KI-generierte Inhalte können fehlerhaft sein.">
+            <a:extLst>
+              <a:ext uri="{FF2B5EF4-FFF2-40B4-BE49-F238E27FC236}">
+                <a16:creationId xmlns:a16="http://schemas.microsoft.com/office/drawing/2014/main" id="{9F3D3B1C-B956-FC78-6247-98786858B2D4}"/>
+              </a:ext>
+            </a:extLst>
+          </p:cNvPr>
+          <p:cNvPicPr>
+            <a:picLocks noGrp="1" noChangeAspect="1"/>
+          </p:cNvPicPr>
+          <p:nvPr>
+            <p:ph idx="1"/>
+          </p:nvPr>
+        </p:nvPicPr>
+        <p:blipFill>
+          <a:blip r:embed="rId3">
+            <a:extLst>
+              <a:ext uri="{28A0092B-C50C-407E-A947-70E740481C1C}">
+                <a14:useLocalDpi xmlns:a14="http://schemas.microsoft.com/office/drawing/2010/main" val="0"/>
+              </a:ext>
+            </a:extLst>
+          </a:blip>
+          <a:stretch>
+            <a:fillRect/>
+          </a:stretch>
+        </p:blipFill>
+        <p:spPr>
+          <a:xfrm>
+            <a:off x="7315200" y="3793111"/>
+            <a:ext cx="3675530" cy="3082701"/>
+          </a:xfrm>
+        </p:spPr>
+      </p:pic>
+      <p:pic>
+        <p:nvPicPr>
+          <p:cNvPr id="7" name="Grafik 6">
+            <a:extLst>
+              <a:ext uri="{FF2B5EF4-FFF2-40B4-BE49-F238E27FC236}">
+                <a16:creationId xmlns:a16="http://schemas.microsoft.com/office/drawing/2014/main" id="{5BFBA0A0-986F-6CD4-7F83-DC042D4F7E8C}"/>
+              </a:ext>
+            </a:extLst>
+          </p:cNvPr>
+          <p:cNvPicPr>
+            <a:picLocks noChangeAspect="1"/>
+          </p:cNvPicPr>
+          <p:nvPr/>
+        </p:nvPicPr>
+        <p:blipFill>
+          <a:blip r:embed="rId4">
+            <a:extLst>
+              <a:ext uri="{28A0092B-C50C-407E-A947-70E740481C1C}">
+                <a14:useLocalDpi xmlns:a14="http://schemas.microsoft.com/office/drawing/2010/main" val="0"/>
+              </a:ext>
+            </a:extLst>
+          </a:blip>
+          <a:stretch>
+            <a:fillRect/>
+          </a:stretch>
+        </p:blipFill>
+        <p:spPr>
+          <a:xfrm>
+            <a:off x="3522008" y="956189"/>
+            <a:ext cx="4185919" cy="3510771"/>
+          </a:xfrm>
+          <a:prstGeom prst="rect">
+            <a:avLst/>
+          </a:prstGeom>
+        </p:spPr>
+      </p:pic>
       <p:sp>
         <p:nvSpPr>
           <p:cNvPr id="2" name="Titel 1">
@@ -10988,113 +11095,6 @@
           </a:p>
         </p:txBody>
       </p:sp>
-      <p:pic>
-        <p:nvPicPr>
-          <p:cNvPr id="7" name="Grafik 6">
-            <a:extLst>
-              <a:ext uri="{FF2B5EF4-FFF2-40B4-BE49-F238E27FC236}">
-                <a16:creationId xmlns:a16="http://schemas.microsoft.com/office/drawing/2014/main" id="{5BFBA0A0-986F-6CD4-7F83-DC042D4F7E8C}"/>
-              </a:ext>
-            </a:extLst>
-          </p:cNvPr>
-          <p:cNvPicPr>
-            <a:picLocks noChangeAspect="1"/>
-          </p:cNvPicPr>
-          <p:nvPr/>
-        </p:nvPicPr>
-        <p:blipFill>
-          <a:blip r:embed="rId2">
-            <a:extLst>
-              <a:ext uri="{28A0092B-C50C-407E-A947-70E740481C1C}">
-                <a14:useLocalDpi xmlns:a14="http://schemas.microsoft.com/office/drawing/2010/main" val="0"/>
-              </a:ext>
-            </a:extLst>
-          </a:blip>
-          <a:stretch>
-            <a:fillRect/>
-          </a:stretch>
-        </p:blipFill>
-        <p:spPr>
-          <a:xfrm>
-            <a:off x="3848304" y="901972"/>
-            <a:ext cx="4495391" cy="3770328"/>
-          </a:xfrm>
-          <a:prstGeom prst="rect">
-            <a:avLst/>
-          </a:prstGeom>
-        </p:spPr>
-      </p:pic>
-      <p:pic>
-        <p:nvPicPr>
-          <p:cNvPr id="5" name="Inhaltsplatzhalter 4" descr="Ein Bild, das Text, Diagramm, Reihe, Schrift enthält.&#10;&#10;KI-generierte Inhalte können fehlerhaft sein.">
-            <a:extLst>
-              <a:ext uri="{FF2B5EF4-FFF2-40B4-BE49-F238E27FC236}">
-                <a16:creationId xmlns:a16="http://schemas.microsoft.com/office/drawing/2014/main" id="{9F3D3B1C-B956-FC78-6247-98786858B2D4}"/>
-              </a:ext>
-            </a:extLst>
-          </p:cNvPr>
-          <p:cNvPicPr>
-            <a:picLocks noGrp="1" noChangeAspect="1"/>
-          </p:cNvPicPr>
-          <p:nvPr>
-            <p:ph idx="1"/>
-          </p:nvPr>
-        </p:nvPicPr>
-        <p:blipFill>
-          <a:blip r:embed="rId3">
-            <a:extLst>
-              <a:ext uri="{28A0092B-C50C-407E-A947-70E740481C1C}">
-                <a14:useLocalDpi xmlns:a14="http://schemas.microsoft.com/office/drawing/2010/main" val="0"/>
-              </a:ext>
-            </a:extLst>
-          </a:blip>
-          <a:stretch>
-            <a:fillRect/>
-          </a:stretch>
-        </p:blipFill>
-        <p:spPr>
-          <a:xfrm>
-            <a:off x="8006080" y="3347230"/>
-            <a:ext cx="4185919" cy="3510770"/>
-          </a:xfrm>
-        </p:spPr>
-      </p:pic>
-      <p:pic>
-        <p:nvPicPr>
-          <p:cNvPr id="9" name="Grafik 8" descr="Ein Bild, das Text, Diagramm, Screenshot, Schrift enthält.&#10;&#10;KI-generierte Inhalte können fehlerhaft sein.">
-            <a:extLst>
-              <a:ext uri="{FF2B5EF4-FFF2-40B4-BE49-F238E27FC236}">
-                <a16:creationId xmlns:a16="http://schemas.microsoft.com/office/drawing/2014/main" id="{8A8A826D-1322-785C-EEC7-C78077239A34}"/>
-              </a:ext>
-            </a:extLst>
-          </p:cNvPr>
-          <p:cNvPicPr>
-            <a:picLocks noChangeAspect="1"/>
-          </p:cNvPicPr>
-          <p:nvPr/>
-        </p:nvPicPr>
-        <p:blipFill>
-          <a:blip r:embed="rId4">
-            <a:extLst>
-              <a:ext uri="{28A0092B-C50C-407E-A947-70E740481C1C}">
-                <a14:useLocalDpi xmlns:a14="http://schemas.microsoft.com/office/drawing/2010/main" val="0"/>
-              </a:ext>
-            </a:extLst>
-          </a:blip>
-          <a:stretch>
-            <a:fillRect/>
-          </a:stretch>
-        </p:blipFill>
-        <p:spPr>
-          <a:xfrm>
-            <a:off x="1" y="3365044"/>
-            <a:ext cx="4071208" cy="3414562"/>
-          </a:xfrm>
-          <a:prstGeom prst="rect">
-            <a:avLst/>
-          </a:prstGeom>
-        </p:spPr>
-      </p:pic>
       <p:sp>
         <p:nvSpPr>
           <p:cNvPr id="10" name="Textfeld 9">
@@ -11461,42 +11461,6 @@
           <a:chExt cx="0" cy="0"/>
         </a:xfrm>
       </p:grpSpPr>
-      <p:pic>
-        <p:nvPicPr>
-          <p:cNvPr id="7" name="Grafik 6">
-            <a:extLst>
-              <a:ext uri="{FF2B5EF4-FFF2-40B4-BE49-F238E27FC236}">
-                <a16:creationId xmlns:a16="http://schemas.microsoft.com/office/drawing/2014/main" id="{1DAE38D4-F6F3-C876-02B3-005DB9A72CE8}"/>
-              </a:ext>
-            </a:extLst>
-          </p:cNvPr>
-          <p:cNvPicPr>
-            <a:picLocks noChangeAspect="1"/>
-          </p:cNvPicPr>
-          <p:nvPr/>
-        </p:nvPicPr>
-        <p:blipFill>
-          <a:blip r:embed="rId2">
-            <a:extLst>
-              <a:ext uri="{28A0092B-C50C-407E-A947-70E740481C1C}">
-                <a14:useLocalDpi xmlns:a14="http://schemas.microsoft.com/office/drawing/2010/main" val="0"/>
-              </a:ext>
-            </a:extLst>
-          </a:blip>
-          <a:stretch>
-            <a:fillRect/>
-          </a:stretch>
-        </p:blipFill>
-        <p:spPr>
-          <a:xfrm>
-            <a:off x="1" y="3322319"/>
-            <a:ext cx="4139417" cy="3471769"/>
-          </a:xfrm>
-          <a:prstGeom prst="rect">
-            <a:avLst/>
-          </a:prstGeom>
-        </p:spPr>
-      </p:pic>
       <p:sp>
         <p:nvSpPr>
           <p:cNvPr id="2" name="Titel 1">
@@ -11562,41 +11526,6 @@
           </a:p>
         </p:txBody>
       </p:sp>
-      <p:pic>
-        <p:nvPicPr>
-          <p:cNvPr id="5" name="Inhaltsplatzhalter 4">
-            <a:extLst>
-              <a:ext uri="{FF2B5EF4-FFF2-40B4-BE49-F238E27FC236}">
-                <a16:creationId xmlns:a16="http://schemas.microsoft.com/office/drawing/2014/main" id="{A120981A-76D2-D045-6D32-C63C6615B709}"/>
-              </a:ext>
-            </a:extLst>
-          </p:cNvPr>
-          <p:cNvPicPr>
-            <a:picLocks noGrp="1" noChangeAspect="1"/>
-          </p:cNvPicPr>
-          <p:nvPr>
-            <p:ph idx="1"/>
-          </p:nvPr>
-        </p:nvPicPr>
-        <p:blipFill>
-          <a:blip r:embed="rId3">
-            <a:extLst>
-              <a:ext uri="{28A0092B-C50C-407E-A947-70E740481C1C}">
-                <a14:useLocalDpi xmlns:a14="http://schemas.microsoft.com/office/drawing/2010/main" val="0"/>
-              </a:ext>
-            </a:extLst>
-          </a:blip>
-          <a:stretch>
-            <a:fillRect/>
-          </a:stretch>
-        </p:blipFill>
-        <p:spPr>
-          <a:xfrm>
-            <a:off x="7752077" y="3134196"/>
-            <a:ext cx="4439921" cy="3723804"/>
-          </a:xfrm>
-        </p:spPr>
-      </p:pic>
       <p:sp>
         <p:nvSpPr>
           <p:cNvPr id="8" name="Textfeld 7">
@@ -11666,10 +11595,82 @@
       </p:sp>
       <p:pic>
         <p:nvPicPr>
-          <p:cNvPr id="10" name="Grafik 9" descr="Ein Bild, das Text, Screenshot, Diagramm, Schrift enthält.&#10;&#10;KI-generierte Inhalte können fehlerhaft sein.">
+          <p:cNvPr id="14" name="Grafik 13" descr="Ein Bild, das Text, Screenshot, Diagramm, Schrift enthält.&#10;&#10;KI-generierte Inhalte können fehlerhaft sein.">
             <a:extLst>
               <a:ext uri="{FF2B5EF4-FFF2-40B4-BE49-F238E27FC236}">
-                <a16:creationId xmlns:a16="http://schemas.microsoft.com/office/drawing/2014/main" id="{7DF03FD8-2F12-E3E2-7BAA-2F2D40B15C49}"/>
+                <a16:creationId xmlns:a16="http://schemas.microsoft.com/office/drawing/2014/main" id="{C204177C-A947-7960-E3B9-369818887CC3}"/>
+              </a:ext>
+            </a:extLst>
+          </p:cNvPr>
+          <p:cNvPicPr>
+            <a:picLocks noChangeAspect="1"/>
+          </p:cNvPicPr>
+          <p:nvPr/>
+        </p:nvPicPr>
+        <p:blipFill>
+          <a:blip r:embed="rId2">
+            <a:extLst>
+              <a:ext uri="{28A0092B-C50C-407E-A947-70E740481C1C}">
+                <a14:useLocalDpi xmlns:a14="http://schemas.microsoft.com/office/drawing/2010/main" val="0"/>
+              </a:ext>
+            </a:extLst>
+          </a:blip>
+          <a:stretch>
+            <a:fillRect/>
+          </a:stretch>
+        </p:blipFill>
+        <p:spPr>
+          <a:xfrm>
+            <a:off x="3446724" y="1501483"/>
+            <a:ext cx="3944375" cy="3308185"/>
+          </a:xfrm>
+          <a:prstGeom prst="rect">
+            <a:avLst/>
+          </a:prstGeom>
+        </p:spPr>
+      </p:pic>
+      <p:pic>
+        <p:nvPicPr>
+          <p:cNvPr id="16" name="Grafik 15" descr="Ein Bild, das Text, Screenshot, Diagramm, Schrift enthält.&#10;&#10;KI-generierte Inhalte können fehlerhaft sein.">
+            <a:extLst>
+              <a:ext uri="{FF2B5EF4-FFF2-40B4-BE49-F238E27FC236}">
+                <a16:creationId xmlns:a16="http://schemas.microsoft.com/office/drawing/2014/main" id="{133BFD49-2417-F877-1B07-8B1896DB2535}"/>
+              </a:ext>
+            </a:extLst>
+          </p:cNvPr>
+          <p:cNvPicPr>
+            <a:picLocks noChangeAspect="1"/>
+          </p:cNvPicPr>
+          <p:nvPr/>
+        </p:nvPicPr>
+        <p:blipFill>
+          <a:blip r:embed="rId3">
+            <a:extLst>
+              <a:ext uri="{28A0092B-C50C-407E-A947-70E740481C1C}">
+                <a14:useLocalDpi xmlns:a14="http://schemas.microsoft.com/office/drawing/2010/main" val="0"/>
+              </a:ext>
+            </a:extLst>
+          </a:blip>
+          <a:stretch>
+            <a:fillRect/>
+          </a:stretch>
+        </p:blipFill>
+        <p:spPr>
+          <a:xfrm>
+            <a:off x="7093744" y="3702424"/>
+            <a:ext cx="3762417" cy="3155576"/>
+          </a:xfrm>
+          <a:prstGeom prst="rect">
+            <a:avLst/>
+          </a:prstGeom>
+        </p:spPr>
+      </p:pic>
+      <p:pic>
+        <p:nvPicPr>
+          <p:cNvPr id="18" name="Grafik 17" descr="Ein Bild, das Text, Screenshot, Schrift, Diagramm enthält.&#10;&#10;KI-generierte Inhalte können fehlerhaft sein.">
+            <a:extLst>
+              <a:ext uri="{FF2B5EF4-FFF2-40B4-BE49-F238E27FC236}">
+                <a16:creationId xmlns:a16="http://schemas.microsoft.com/office/drawing/2014/main" id="{CB7F0EB2-04B3-0591-3C8E-816BB9BBEF39}"/>
               </a:ext>
             </a:extLst>
           </p:cNvPr>
@@ -11692,8 +11693,8 @@
         </p:blipFill>
         <p:spPr>
           <a:xfrm>
-            <a:off x="3837838" y="1535057"/>
-            <a:ext cx="4203804" cy="3525771"/>
+            <a:off x="0" y="3816182"/>
+            <a:ext cx="3586259" cy="3007830"/>
           </a:xfrm>
           <a:prstGeom prst="rect">
             <a:avLst/>

--- a/THEE_project.pptx
+++ b/THEE_project.pptx
@@ -4,6 +4,9 @@
   <p:sldMasterIdLst>
     <p:sldMasterId id="2147483648" r:id="rId1"/>
   </p:sldMasterIdLst>
+  <p:notesMasterIdLst>
+    <p:notesMasterId r:id="rId10"/>
+  </p:notesMasterIdLst>
   <p:sldIdLst>
     <p:sldId id="256" r:id="rId2"/>
     <p:sldId id="257" r:id="rId3"/>
@@ -6409,6 +6412,443 @@
 </inkml:ink>
 </file>
 
+<file path=ppt/notesMasters/notesMaster1.xml><?xml version="1.0" encoding="utf-8"?>
+<p:notesMaster xmlns:a="http://schemas.openxmlformats.org/drawingml/2006/main" xmlns:r="http://schemas.openxmlformats.org/officeDocument/2006/relationships" xmlns:p="http://schemas.openxmlformats.org/presentationml/2006/main">
+  <p:cSld>
+    <p:bg>
+      <p:bgRef idx="1001">
+        <a:schemeClr val="bg1"/>
+      </p:bgRef>
+    </p:bg>
+    <p:spTree>
+      <p:nvGrpSpPr>
+        <p:cNvPr id="1" name=""/>
+        <p:cNvGrpSpPr/>
+        <p:nvPr/>
+      </p:nvGrpSpPr>
+      <p:grpSpPr>
+        <a:xfrm>
+          <a:off x="0" y="0"/>
+          <a:ext cx="0" cy="0"/>
+          <a:chOff x="0" y="0"/>
+          <a:chExt cx="0" cy="0"/>
+        </a:xfrm>
+      </p:grpSpPr>
+      <p:sp>
+        <p:nvSpPr>
+          <p:cNvPr id="2" name="Kopfzeilenplatzhalter 1"/>
+          <p:cNvSpPr>
+            <a:spLocks noGrp="1"/>
+          </p:cNvSpPr>
+          <p:nvPr>
+            <p:ph type="hdr" sz="quarter"/>
+          </p:nvPr>
+        </p:nvSpPr>
+        <p:spPr>
+          <a:xfrm>
+            <a:off x="0" y="0"/>
+            <a:ext cx="2971800" cy="458788"/>
+          </a:xfrm>
+          <a:prstGeom prst="rect">
+            <a:avLst/>
+          </a:prstGeom>
+        </p:spPr>
+        <p:txBody>
+          <a:bodyPr vert="horz" lIns="91440" tIns="45720" rIns="91440" bIns="45720" rtlCol="0"/>
+          <a:lstStyle>
+            <a:lvl1pPr algn="l">
+              <a:defRPr sz="1200"/>
+            </a:lvl1pPr>
+          </a:lstStyle>
+          <a:p>
+            <a:endParaRPr lang="de-CH"/>
+          </a:p>
+        </p:txBody>
+      </p:sp>
+      <p:sp>
+        <p:nvSpPr>
+          <p:cNvPr id="3" name="Datumsplatzhalter 2"/>
+          <p:cNvSpPr>
+            <a:spLocks noGrp="1"/>
+          </p:cNvSpPr>
+          <p:nvPr>
+            <p:ph type="dt" idx="1"/>
+          </p:nvPr>
+        </p:nvSpPr>
+        <p:spPr>
+          <a:xfrm>
+            <a:off x="3884613" y="0"/>
+            <a:ext cx="2971800" cy="458788"/>
+          </a:xfrm>
+          <a:prstGeom prst="rect">
+            <a:avLst/>
+          </a:prstGeom>
+        </p:spPr>
+        <p:txBody>
+          <a:bodyPr vert="horz" lIns="91440" tIns="45720" rIns="91440" bIns="45720" rtlCol="0"/>
+          <a:lstStyle>
+            <a:lvl1pPr algn="r">
+              <a:defRPr sz="1200"/>
+            </a:lvl1pPr>
+          </a:lstStyle>
+          <a:p>
+            <a:fld id="{93FA88E9-93B3-420F-BCE0-F4D06BD81121}" type="datetimeFigureOut">
+              <a:rPr lang="de-CH" smtClean="0"/>
+              <a:t>28.10.2025</a:t>
+            </a:fld>
+            <a:endParaRPr lang="de-CH"/>
+          </a:p>
+        </p:txBody>
+      </p:sp>
+      <p:sp>
+        <p:nvSpPr>
+          <p:cNvPr id="4" name="Folienbildplatzhalter 3"/>
+          <p:cNvSpPr>
+            <a:spLocks noGrp="1" noRot="1" noChangeAspect="1"/>
+          </p:cNvSpPr>
+          <p:nvPr>
+            <p:ph type="sldImg" idx="2"/>
+          </p:nvPr>
+        </p:nvSpPr>
+        <p:spPr>
+          <a:xfrm>
+            <a:off x="685800" y="1143000"/>
+            <a:ext cx="5486400" cy="3086100"/>
+          </a:xfrm>
+          <a:prstGeom prst="rect">
+            <a:avLst/>
+          </a:prstGeom>
+          <a:noFill/>
+          <a:ln w="12700">
+            <a:solidFill>
+              <a:prstClr val="black"/>
+            </a:solidFill>
+          </a:ln>
+        </p:spPr>
+        <p:txBody>
+          <a:bodyPr vert="horz" lIns="91440" tIns="45720" rIns="91440" bIns="45720" rtlCol="0" anchor="ctr"/>
+          <a:lstStyle/>
+          <a:p>
+            <a:endParaRPr lang="de-CH"/>
+          </a:p>
+        </p:txBody>
+      </p:sp>
+      <p:sp>
+        <p:nvSpPr>
+          <p:cNvPr id="5" name="Notizenplatzhalter 4"/>
+          <p:cNvSpPr>
+            <a:spLocks noGrp="1"/>
+          </p:cNvSpPr>
+          <p:nvPr>
+            <p:ph type="body" sz="quarter" idx="3"/>
+          </p:nvPr>
+        </p:nvSpPr>
+        <p:spPr>
+          <a:xfrm>
+            <a:off x="685800" y="4400550"/>
+            <a:ext cx="5486400" cy="3600450"/>
+          </a:xfrm>
+          <a:prstGeom prst="rect">
+            <a:avLst/>
+          </a:prstGeom>
+        </p:spPr>
+        <p:txBody>
+          <a:bodyPr vert="horz" lIns="91440" tIns="45720" rIns="91440" bIns="45720" rtlCol="0"/>
+          <a:lstStyle/>
+          <a:p>
+            <a:pPr lvl="0"/>
+            <a:r>
+              <a:rPr lang="de-DE"/>
+              <a:t>Mastertextformat bearbeiten</a:t>
+            </a:r>
+          </a:p>
+          <a:p>
+            <a:pPr lvl="1"/>
+            <a:r>
+              <a:rPr lang="de-DE"/>
+              <a:t>Zweite Ebene</a:t>
+            </a:r>
+          </a:p>
+          <a:p>
+            <a:pPr lvl="2"/>
+            <a:r>
+              <a:rPr lang="de-DE"/>
+              <a:t>Dritte Ebene</a:t>
+            </a:r>
+          </a:p>
+          <a:p>
+            <a:pPr lvl="3"/>
+            <a:r>
+              <a:rPr lang="de-DE"/>
+              <a:t>Vierte Ebene</a:t>
+            </a:r>
+          </a:p>
+          <a:p>
+            <a:pPr lvl="4"/>
+            <a:r>
+              <a:rPr lang="de-DE"/>
+              <a:t>Fünfte Ebene</a:t>
+            </a:r>
+            <a:endParaRPr lang="de-CH"/>
+          </a:p>
+        </p:txBody>
+      </p:sp>
+      <p:sp>
+        <p:nvSpPr>
+          <p:cNvPr id="6" name="Fußzeilenplatzhalter 5"/>
+          <p:cNvSpPr>
+            <a:spLocks noGrp="1"/>
+          </p:cNvSpPr>
+          <p:nvPr>
+            <p:ph type="ftr" sz="quarter" idx="4"/>
+          </p:nvPr>
+        </p:nvSpPr>
+        <p:spPr>
+          <a:xfrm>
+            <a:off x="0" y="8685213"/>
+            <a:ext cx="2971800" cy="458787"/>
+          </a:xfrm>
+          <a:prstGeom prst="rect">
+            <a:avLst/>
+          </a:prstGeom>
+        </p:spPr>
+        <p:txBody>
+          <a:bodyPr vert="horz" lIns="91440" tIns="45720" rIns="91440" bIns="45720" rtlCol="0" anchor="b"/>
+          <a:lstStyle>
+            <a:lvl1pPr algn="l">
+              <a:defRPr sz="1200"/>
+            </a:lvl1pPr>
+          </a:lstStyle>
+          <a:p>
+            <a:endParaRPr lang="de-CH"/>
+          </a:p>
+        </p:txBody>
+      </p:sp>
+      <p:sp>
+        <p:nvSpPr>
+          <p:cNvPr id="7" name="Foliennummernplatzhalter 6"/>
+          <p:cNvSpPr>
+            <a:spLocks noGrp="1"/>
+          </p:cNvSpPr>
+          <p:nvPr>
+            <p:ph type="sldNum" sz="quarter" idx="5"/>
+          </p:nvPr>
+        </p:nvSpPr>
+        <p:spPr>
+          <a:xfrm>
+            <a:off x="3884613" y="8685213"/>
+            <a:ext cx="2971800" cy="458787"/>
+          </a:xfrm>
+          <a:prstGeom prst="rect">
+            <a:avLst/>
+          </a:prstGeom>
+        </p:spPr>
+        <p:txBody>
+          <a:bodyPr vert="horz" lIns="91440" tIns="45720" rIns="91440" bIns="45720" rtlCol="0" anchor="b"/>
+          <a:lstStyle>
+            <a:lvl1pPr algn="r">
+              <a:defRPr sz="1200"/>
+            </a:lvl1pPr>
+          </a:lstStyle>
+          <a:p>
+            <a:fld id="{9A598A07-29FE-4608-97B8-E8CEA932EBDE}" type="slidenum">
+              <a:rPr lang="de-CH" smtClean="0"/>
+              <a:t>‹Nr.›</a:t>
+            </a:fld>
+            <a:endParaRPr lang="de-CH"/>
+          </a:p>
+        </p:txBody>
+      </p:sp>
+    </p:spTree>
+    <p:extLst>
+      <p:ext uri="{BB962C8B-B14F-4D97-AF65-F5344CB8AC3E}">
+        <p14:creationId xmlns:p14="http://schemas.microsoft.com/office/powerpoint/2010/main" val="1508694867"/>
+      </p:ext>
+    </p:extLst>
+  </p:cSld>
+  <p:clrMap bg1="lt1" tx1="dk1" bg2="lt2" tx2="dk2" accent1="accent1" accent2="accent2" accent3="accent3" accent4="accent4" accent5="accent5" accent6="accent6" hlink="hlink" folHlink="folHlink"/>
+  <p:notesStyle>
+    <a:lvl1pPr marL="0" algn="l" defTabSz="914400" rtl="0" eaLnBrk="1" latinLnBrk="0" hangingPunct="1">
+      <a:defRPr sz="1200" kern="1200">
+        <a:solidFill>
+          <a:schemeClr val="tx1"/>
+        </a:solidFill>
+        <a:latin typeface="+mn-lt"/>
+        <a:ea typeface="+mn-ea"/>
+        <a:cs typeface="+mn-cs"/>
+      </a:defRPr>
+    </a:lvl1pPr>
+    <a:lvl2pPr marL="457200" algn="l" defTabSz="914400" rtl="0" eaLnBrk="1" latinLnBrk="0" hangingPunct="1">
+      <a:defRPr sz="1200" kern="1200">
+        <a:solidFill>
+          <a:schemeClr val="tx1"/>
+        </a:solidFill>
+        <a:latin typeface="+mn-lt"/>
+        <a:ea typeface="+mn-ea"/>
+        <a:cs typeface="+mn-cs"/>
+      </a:defRPr>
+    </a:lvl2pPr>
+    <a:lvl3pPr marL="914400" algn="l" defTabSz="914400" rtl="0" eaLnBrk="1" latinLnBrk="0" hangingPunct="1">
+      <a:defRPr sz="1200" kern="1200">
+        <a:solidFill>
+          <a:schemeClr val="tx1"/>
+        </a:solidFill>
+        <a:latin typeface="+mn-lt"/>
+        <a:ea typeface="+mn-ea"/>
+        <a:cs typeface="+mn-cs"/>
+      </a:defRPr>
+    </a:lvl3pPr>
+    <a:lvl4pPr marL="1371600" algn="l" defTabSz="914400" rtl="0" eaLnBrk="1" latinLnBrk="0" hangingPunct="1">
+      <a:defRPr sz="1200" kern="1200">
+        <a:solidFill>
+          <a:schemeClr val="tx1"/>
+        </a:solidFill>
+        <a:latin typeface="+mn-lt"/>
+        <a:ea typeface="+mn-ea"/>
+        <a:cs typeface="+mn-cs"/>
+      </a:defRPr>
+    </a:lvl4pPr>
+    <a:lvl5pPr marL="1828800" algn="l" defTabSz="914400" rtl="0" eaLnBrk="1" latinLnBrk="0" hangingPunct="1">
+      <a:defRPr sz="1200" kern="1200">
+        <a:solidFill>
+          <a:schemeClr val="tx1"/>
+        </a:solidFill>
+        <a:latin typeface="+mn-lt"/>
+        <a:ea typeface="+mn-ea"/>
+        <a:cs typeface="+mn-cs"/>
+      </a:defRPr>
+    </a:lvl5pPr>
+    <a:lvl6pPr marL="2286000" algn="l" defTabSz="914400" rtl="0" eaLnBrk="1" latinLnBrk="0" hangingPunct="1">
+      <a:defRPr sz="1200" kern="1200">
+        <a:solidFill>
+          <a:schemeClr val="tx1"/>
+        </a:solidFill>
+        <a:latin typeface="+mn-lt"/>
+        <a:ea typeface="+mn-ea"/>
+        <a:cs typeface="+mn-cs"/>
+      </a:defRPr>
+    </a:lvl6pPr>
+    <a:lvl7pPr marL="2743200" algn="l" defTabSz="914400" rtl="0" eaLnBrk="1" latinLnBrk="0" hangingPunct="1">
+      <a:defRPr sz="1200" kern="1200">
+        <a:solidFill>
+          <a:schemeClr val="tx1"/>
+        </a:solidFill>
+        <a:latin typeface="+mn-lt"/>
+        <a:ea typeface="+mn-ea"/>
+        <a:cs typeface="+mn-cs"/>
+      </a:defRPr>
+    </a:lvl7pPr>
+    <a:lvl8pPr marL="3200400" algn="l" defTabSz="914400" rtl="0" eaLnBrk="1" latinLnBrk="0" hangingPunct="1">
+      <a:defRPr sz="1200" kern="1200">
+        <a:solidFill>
+          <a:schemeClr val="tx1"/>
+        </a:solidFill>
+        <a:latin typeface="+mn-lt"/>
+        <a:ea typeface="+mn-ea"/>
+        <a:cs typeface="+mn-cs"/>
+      </a:defRPr>
+    </a:lvl8pPr>
+    <a:lvl9pPr marL="3657600" algn="l" defTabSz="914400" rtl="0" eaLnBrk="1" latinLnBrk="0" hangingPunct="1">
+      <a:defRPr sz="1200" kern="1200">
+        <a:solidFill>
+          <a:schemeClr val="tx1"/>
+        </a:solidFill>
+        <a:latin typeface="+mn-lt"/>
+        <a:ea typeface="+mn-ea"/>
+        <a:cs typeface="+mn-cs"/>
+      </a:defRPr>
+    </a:lvl9pPr>
+  </p:notesStyle>
+</p:notesMaster>
+</file>
+
+<file path=ppt/notesSlides/notesSlide1.xml><?xml version="1.0" encoding="utf-8"?>
+<p:notes xmlns:a="http://schemas.openxmlformats.org/drawingml/2006/main" xmlns:r="http://schemas.openxmlformats.org/officeDocument/2006/relationships" xmlns:p="http://schemas.openxmlformats.org/presentationml/2006/main">
+  <p:cSld>
+    <p:spTree>
+      <p:nvGrpSpPr>
+        <p:cNvPr id="1" name=""/>
+        <p:cNvGrpSpPr/>
+        <p:nvPr/>
+      </p:nvGrpSpPr>
+      <p:grpSpPr>
+        <a:xfrm>
+          <a:off x="0" y="0"/>
+          <a:ext cx="0" cy="0"/>
+          <a:chOff x="0" y="0"/>
+          <a:chExt cx="0" cy="0"/>
+        </a:xfrm>
+      </p:grpSpPr>
+      <p:sp>
+        <p:nvSpPr>
+          <p:cNvPr id="2" name="Folienbildplatzhalter 1"/>
+          <p:cNvSpPr>
+            <a:spLocks noGrp="1" noRot="1" noChangeAspect="1"/>
+          </p:cNvSpPr>
+          <p:nvPr>
+            <p:ph type="sldImg"/>
+          </p:nvPr>
+        </p:nvSpPr>
+        <p:spPr/>
+      </p:sp>
+      <p:sp>
+        <p:nvSpPr>
+          <p:cNvPr id="3" name="Notizenplatzhalter 2"/>
+          <p:cNvSpPr>
+            <a:spLocks noGrp="1"/>
+          </p:cNvSpPr>
+          <p:nvPr>
+            <p:ph type="body" idx="1"/>
+          </p:nvPr>
+        </p:nvSpPr>
+        <p:spPr/>
+        <p:txBody>
+          <a:bodyPr/>
+          <a:lstStyle/>
+          <a:p>
+            <a:r>
+              <a:rPr lang="de-CH" dirty="0"/>
+              <a:t>u</a:t>
+            </a:r>
+          </a:p>
+        </p:txBody>
+      </p:sp>
+      <p:sp>
+        <p:nvSpPr>
+          <p:cNvPr id="4" name="Foliennummernplatzhalter 3"/>
+          <p:cNvSpPr>
+            <a:spLocks noGrp="1"/>
+          </p:cNvSpPr>
+          <p:nvPr>
+            <p:ph type="sldNum" sz="quarter" idx="5"/>
+          </p:nvPr>
+        </p:nvSpPr>
+        <p:spPr/>
+        <p:txBody>
+          <a:bodyPr/>
+          <a:lstStyle/>
+          <a:p>
+            <a:fld id="{9A598A07-29FE-4608-97B8-E8CEA932EBDE}" type="slidenum">
+              <a:rPr lang="de-CH" smtClean="0"/>
+              <a:t>8</a:t>
+            </a:fld>
+            <a:endParaRPr lang="de-CH"/>
+          </a:p>
+        </p:txBody>
+      </p:sp>
+    </p:spTree>
+    <p:extLst>
+      <p:ext uri="{BB962C8B-B14F-4D97-AF65-F5344CB8AC3E}">
+        <p14:creationId xmlns:p14="http://schemas.microsoft.com/office/powerpoint/2010/main" val="2802225348"/>
+      </p:ext>
+    </p:extLst>
+  </p:cSld>
+  <p:clrMapOvr>
+    <a:masterClrMapping/>
+  </p:clrMapOvr>
+</p:notes>
+</file>
+
 <file path=ppt/slideLayouts/slideLayout1.xml><?xml version="1.0" encoding="utf-8"?>
 <p:sldLayout xmlns:a="http://schemas.openxmlformats.org/drawingml/2006/main" xmlns:r="http://schemas.openxmlformats.org/officeDocument/2006/relationships" xmlns:p="http://schemas.openxmlformats.org/presentationml/2006/main" type="title" preserve="1">
   <p:cSld name="Titelfolie">
@@ -11733,10 +12173,10 @@
       </p:grpSpPr>
       <p:pic>
         <p:nvPicPr>
-          <p:cNvPr id="7" name="Grafik 6">
+          <p:cNvPr id="12" name="Grafik 11" descr="Ein Bild, das Text, Screenshot, Schrift, Diagramm enthält.&#10;&#10;KI-generierte Inhalte können fehlerhaft sein.">
             <a:extLst>
               <a:ext uri="{FF2B5EF4-FFF2-40B4-BE49-F238E27FC236}">
-                <a16:creationId xmlns:a16="http://schemas.microsoft.com/office/drawing/2014/main" id="{35C3E923-6E68-939A-4B46-1A2556469F76}"/>
+                <a16:creationId xmlns:a16="http://schemas.microsoft.com/office/drawing/2014/main" id="{4026D054-BA1A-A736-7242-2BD4EC343E91}"/>
               </a:ext>
             </a:extLst>
           </p:cNvPr>
@@ -11746,7 +12186,7 @@
           <p:nvPr/>
         </p:nvPicPr>
         <p:blipFill>
-          <a:blip r:embed="rId2">
+          <a:blip r:embed="rId3">
             <a:extLst>
               <a:ext uri="{28A0092B-C50C-407E-A947-70E740481C1C}">
                 <a14:useLocalDpi xmlns:a14="http://schemas.microsoft.com/office/drawing/2010/main" val="0"/>
@@ -11759,47 +12199,12 @@
         </p:blipFill>
         <p:spPr>
           <a:xfrm>
-            <a:off x="0" y="3261358"/>
-            <a:ext cx="4288302" cy="3596641"/>
+            <a:off x="3576918" y="1308222"/>
+            <a:ext cx="3697568" cy="3101185"/>
           </a:xfrm>
           <a:prstGeom prst="rect">
             <a:avLst/>
           </a:prstGeom>
-        </p:spPr>
-      </p:pic>
-      <p:pic>
-        <p:nvPicPr>
-          <p:cNvPr id="5" name="Inhaltsplatzhalter 4">
-            <a:extLst>
-              <a:ext uri="{FF2B5EF4-FFF2-40B4-BE49-F238E27FC236}">
-                <a16:creationId xmlns:a16="http://schemas.microsoft.com/office/drawing/2014/main" id="{530176FA-7389-FBA6-6398-7DCE7B3B42EA}"/>
-              </a:ext>
-            </a:extLst>
-          </p:cNvPr>
-          <p:cNvPicPr>
-            <a:picLocks noGrp="1" noChangeAspect="1"/>
-          </p:cNvPicPr>
-          <p:nvPr>
-            <p:ph idx="1"/>
-          </p:nvPr>
-        </p:nvPicPr>
-        <p:blipFill>
-          <a:blip r:embed="rId3">
-            <a:extLst>
-              <a:ext uri="{28A0092B-C50C-407E-A947-70E740481C1C}">
-                <a14:useLocalDpi xmlns:a14="http://schemas.microsoft.com/office/drawing/2010/main" val="0"/>
-              </a:ext>
-            </a:extLst>
-          </a:blip>
-          <a:stretch>
-            <a:fillRect/>
-          </a:stretch>
-        </p:blipFill>
-        <p:spPr>
-          <a:xfrm>
-            <a:off x="3994241" y="1380803"/>
-            <a:ext cx="4203517" cy="3525530"/>
-          </a:xfrm>
         </p:spPr>
       </p:pic>
       <p:sp>
@@ -11867,12 +12272,91 @@
           </a:p>
         </p:txBody>
       </p:sp>
+      <p:sp>
+        <p:nvSpPr>
+          <p:cNvPr id="10" name="Textfeld 9">
+            <a:extLst>
+              <a:ext uri="{FF2B5EF4-FFF2-40B4-BE49-F238E27FC236}">
+                <a16:creationId xmlns:a16="http://schemas.microsoft.com/office/drawing/2014/main" id="{D7FDAA47-8D10-039B-A05B-ED4FEE16CD6E}"/>
+              </a:ext>
+            </a:extLst>
+          </p:cNvPr>
+          <p:cNvSpPr txBox="1"/>
+          <p:nvPr/>
+        </p:nvSpPr>
+        <p:spPr>
+          <a:xfrm>
+            <a:off x="838201" y="1931763"/>
+            <a:ext cx="3611880" cy="1200329"/>
+          </a:xfrm>
+          <a:prstGeom prst="rect">
+            <a:avLst/>
+          </a:prstGeom>
+          <a:noFill/>
+        </p:spPr>
+        <p:txBody>
+          <a:bodyPr wrap="square" rtlCol="0">
+            <a:spAutoFit/>
+          </a:bodyPr>
+          <a:lstStyle/>
+          <a:p>
+            <a:r>
+              <a:rPr lang="de-CH" sz="2400" dirty="0"/>
+              <a:t>Initial </a:t>
+            </a:r>
+            <a:r>
+              <a:rPr lang="de-CH" sz="2400" dirty="0" err="1"/>
+              <a:t>populations</a:t>
+            </a:r>
+            <a:r>
+              <a:rPr lang="de-CH" sz="2400" dirty="0"/>
+              <a:t> </a:t>
+            </a:r>
+            <a:r>
+              <a:rPr lang="de-CH" sz="2400" dirty="0" err="1"/>
+              <a:t>for</a:t>
+            </a:r>
+            <a:r>
+              <a:rPr lang="de-CH" sz="2400" dirty="0"/>
+              <a:t> </a:t>
+            </a:r>
+          </a:p>
+          <a:p>
+            <a:r>
+              <a:rPr lang="de-CH" sz="2400" dirty="0"/>
+              <a:t>all </a:t>
+            </a:r>
+            <a:r>
+              <a:rPr lang="de-CH" sz="2400" dirty="0" err="1"/>
+              <a:t>four</a:t>
+            </a:r>
+            <a:r>
+              <a:rPr lang="de-CH" sz="2400" dirty="0"/>
+              <a:t> </a:t>
+            </a:r>
+            <a:r>
+              <a:rPr lang="de-CH" sz="2400" dirty="0" err="1"/>
+              <a:t>mutants</a:t>
+            </a:r>
+            <a:r>
+              <a:rPr lang="de-CH" sz="2400" dirty="0"/>
+              <a:t>: </a:t>
+            </a:r>
+          </a:p>
+          <a:p>
+            <a:r>
+              <a:rPr lang="de-CH" sz="2400" dirty="0"/>
+              <a:t>N = 50</a:t>
+            </a:r>
+          </a:p>
+        </p:txBody>
+      </p:sp>
       <p:pic>
         <p:nvPicPr>
-          <p:cNvPr id="9" name="Grafik 8" descr="Ein Bild, das Text, Screenshot, Diagramm, Grafiken enthält.&#10;&#10;KI-generierte Inhalte können fehlerhaft sein.">
+          <p:cNvPr id="16" name="Grafik 15" descr="Ein Bild, das Text, Diagramm, Screenshot, Reihe enthält.&#10;&#10;KI-generierte Inhalte können fehlerhaft sein.">
             <a:extLst>
               <a:ext uri="{FF2B5EF4-FFF2-40B4-BE49-F238E27FC236}">
-                <a16:creationId xmlns:a16="http://schemas.microsoft.com/office/drawing/2014/main" id="{EDB4AAC9-E495-13F0-D78F-F004761FE242}"/>
+                <a16:creationId xmlns:a16="http://schemas.microsoft.com/office/drawing/2014/main" id="{6B72FC8A-26A8-DFDF-B19B-2988933B4582}"/>
               </a:ext>
             </a:extLst>
           </p:cNvPr>
@@ -11895,81 +12379,50 @@
         </p:blipFill>
         <p:spPr>
           <a:xfrm>
-            <a:off x="7903698" y="3261360"/>
-            <a:ext cx="4288302" cy="3596640"/>
+            <a:off x="6988498" y="3564772"/>
+            <a:ext cx="3926541" cy="3293228"/>
           </a:xfrm>
           <a:prstGeom prst="rect">
             <a:avLst/>
           </a:prstGeom>
         </p:spPr>
       </p:pic>
-      <p:sp>
-        <p:nvSpPr>
-          <p:cNvPr id="10" name="Textfeld 9">
+      <p:pic>
+        <p:nvPicPr>
+          <p:cNvPr id="18" name="Grafik 17" descr="Ein Bild, das Text, Screenshot, Diagramm, Reihe enthält.&#10;&#10;KI-generierte Inhalte können fehlerhaft sein.">
             <a:extLst>
               <a:ext uri="{FF2B5EF4-FFF2-40B4-BE49-F238E27FC236}">
-                <a16:creationId xmlns:a16="http://schemas.microsoft.com/office/drawing/2014/main" id="{D7FDAA47-8D10-039B-A05B-ED4FEE16CD6E}"/>
+                <a16:creationId xmlns:a16="http://schemas.microsoft.com/office/drawing/2014/main" id="{ED435320-DDAF-895F-719B-77C3FBB8B6EC}"/>
               </a:ext>
             </a:extLst>
           </p:cNvPr>
-          <p:cNvSpPr txBox="1"/>
+          <p:cNvPicPr>
+            <a:picLocks noChangeAspect="1"/>
+          </p:cNvPicPr>
           <p:nvPr/>
-        </p:nvSpPr>
+        </p:nvPicPr>
+        <p:blipFill>
+          <a:blip r:embed="rId5">
+            <a:extLst>
+              <a:ext uri="{28A0092B-C50C-407E-A947-70E740481C1C}">
+                <a14:useLocalDpi xmlns:a14="http://schemas.microsoft.com/office/drawing/2010/main" val="0"/>
+              </a:ext>
+            </a:extLst>
+          </a:blip>
+          <a:stretch>
+            <a:fillRect/>
+          </a:stretch>
+        </p:blipFill>
         <p:spPr>
           <a:xfrm>
-            <a:off x="838201" y="1931763"/>
-            <a:ext cx="3611880" cy="830997"/>
+            <a:off x="0" y="3549734"/>
+            <a:ext cx="3926541" cy="3293228"/>
           </a:xfrm>
           <a:prstGeom prst="rect">
             <a:avLst/>
           </a:prstGeom>
-          <a:noFill/>
         </p:spPr>
-        <p:txBody>
-          <a:bodyPr wrap="square" rtlCol="0">
-            <a:spAutoFit/>
-          </a:bodyPr>
-          <a:lstStyle/>
-          <a:p>
-            <a:r>
-              <a:rPr lang="de-CH" sz="2400" dirty="0"/>
-              <a:t>Initial </a:t>
-            </a:r>
-            <a:r>
-              <a:rPr lang="de-CH" sz="2400" dirty="0" err="1"/>
-              <a:t>populations</a:t>
-            </a:r>
-            <a:r>
-              <a:rPr lang="de-CH" sz="2400" dirty="0"/>
-              <a:t> </a:t>
-            </a:r>
-            <a:r>
-              <a:rPr lang="de-CH" sz="2400" dirty="0" err="1"/>
-              <a:t>for</a:t>
-            </a:r>
-            <a:r>
-              <a:rPr lang="de-CH" sz="2400" dirty="0"/>
-              <a:t> all </a:t>
-            </a:r>
-            <a:r>
-              <a:rPr lang="de-CH" sz="2400" dirty="0" err="1"/>
-              <a:t>four</a:t>
-            </a:r>
-            <a:r>
-              <a:rPr lang="de-CH" sz="2400" dirty="0"/>
-              <a:t> </a:t>
-            </a:r>
-            <a:r>
-              <a:rPr lang="de-CH" sz="2400" dirty="0" err="1"/>
-              <a:t>mutants</a:t>
-            </a:r>
-            <a:r>
-              <a:rPr lang="de-CH" sz="2400" dirty="0"/>
-              <a:t>: N = 50</a:t>
-            </a:r>
-          </a:p>
-        </p:txBody>
-      </p:sp>
+      </p:pic>
     </p:spTree>
     <p:extLst>
       <p:ext uri="{BB962C8B-B14F-4D97-AF65-F5344CB8AC3E}">
@@ -12296,4 +12749,319 @@
     </a:ext>
   </a:extLst>
 </a:theme>
+</file>
+
+<file path=ppt/theme/theme2.xml><?xml version="1.0" encoding="utf-8"?>
+<a:theme xmlns:a="http://schemas.openxmlformats.org/drawingml/2006/main" name="Office">
+  <a:themeElements>
+    <a:clrScheme name="Office">
+      <a:dk1>
+        <a:sysClr val="windowText" lastClr="000000"/>
+      </a:dk1>
+      <a:lt1>
+        <a:sysClr val="window" lastClr="FFFFFF"/>
+      </a:lt1>
+      <a:dk2>
+        <a:srgbClr val="0E2841"/>
+      </a:dk2>
+      <a:lt2>
+        <a:srgbClr val="E8E8E8"/>
+      </a:lt2>
+      <a:accent1>
+        <a:srgbClr val="156082"/>
+      </a:accent1>
+      <a:accent2>
+        <a:srgbClr val="E97132"/>
+      </a:accent2>
+      <a:accent3>
+        <a:srgbClr val="196B24"/>
+      </a:accent3>
+      <a:accent4>
+        <a:srgbClr val="0F9ED5"/>
+      </a:accent4>
+      <a:accent5>
+        <a:srgbClr val="A02B93"/>
+      </a:accent5>
+      <a:accent6>
+        <a:srgbClr val="4EA72E"/>
+      </a:accent6>
+      <a:hlink>
+        <a:srgbClr val="467886"/>
+      </a:hlink>
+      <a:folHlink>
+        <a:srgbClr val="96607D"/>
+      </a:folHlink>
+    </a:clrScheme>
+    <a:fontScheme name="Office">
+      <a:majorFont>
+        <a:latin typeface="Aptos Display" panose="02110004020202020204"/>
+        <a:ea typeface=""/>
+        <a:cs typeface=""/>
+        <a:font script="Jpan" typeface="游ゴシック Light"/>
+        <a:font script="Hang" typeface="맑은 고딕"/>
+        <a:font script="Hans" typeface="等线 Light"/>
+        <a:font script="Hant" typeface="新細明體"/>
+        <a:font script="Arab" typeface="Times New Roman"/>
+        <a:font script="Hebr" typeface="Times New Roman"/>
+        <a:font script="Thai" typeface="Angsana New"/>
+        <a:font script="Ethi" typeface="Nyala"/>
+        <a:font script="Beng" typeface="Vrinda"/>
+        <a:font script="Gujr" typeface="Shruti"/>
+        <a:font script="Khmr" typeface="MoolBoran"/>
+        <a:font script="Knda" typeface="Tunga"/>
+        <a:font script="Guru" typeface="Raavi"/>
+        <a:font script="Cans" typeface="Euphemia"/>
+        <a:font script="Cher" typeface="Plantagenet Cherokee"/>
+        <a:font script="Yiii" typeface="Microsoft Yi Baiti"/>
+        <a:font script="Tibt" typeface="Microsoft Himalaya"/>
+        <a:font script="Thaa" typeface="MV Boli"/>
+        <a:font script="Deva" typeface="Mangal"/>
+        <a:font script="Telu" typeface="Gautami"/>
+        <a:font script="Taml" typeface="Latha"/>
+        <a:font script="Syrc" typeface="Estrangelo Edessa"/>
+        <a:font script="Orya" typeface="Kalinga"/>
+        <a:font script="Mlym" typeface="Kartika"/>
+        <a:font script="Laoo" typeface="DokChampa"/>
+        <a:font script="Sinh" typeface="Iskoola Pota"/>
+        <a:font script="Mong" typeface="Mongolian Baiti"/>
+        <a:font script="Viet" typeface="Times New Roman"/>
+        <a:font script="Uigh" typeface="Microsoft Uighur"/>
+        <a:font script="Geor" typeface="Sylfaen"/>
+        <a:font script="Armn" typeface="Arial"/>
+        <a:font script="Bugi" typeface="Leelawadee UI"/>
+        <a:font script="Bopo" typeface="Microsoft JhengHei"/>
+        <a:font script="Java" typeface="Javanese Text"/>
+        <a:font script="Lisu" typeface="Segoe UI"/>
+        <a:font script="Mymr" typeface="Myanmar Text"/>
+        <a:font script="Nkoo" typeface="Ebrima"/>
+        <a:font script="Olck" typeface="Nirmala UI"/>
+        <a:font script="Osma" typeface="Ebrima"/>
+        <a:font script="Phag" typeface="Phagspa"/>
+        <a:font script="Syrn" typeface="Estrangelo Edessa"/>
+        <a:font script="Syrj" typeface="Estrangelo Edessa"/>
+        <a:font script="Syre" typeface="Estrangelo Edessa"/>
+        <a:font script="Sora" typeface="Nirmala UI"/>
+        <a:font script="Tale" typeface="Microsoft Tai Le"/>
+        <a:font script="Talu" typeface="Microsoft New Tai Lue"/>
+        <a:font script="Tfng" typeface="Ebrima"/>
+      </a:majorFont>
+      <a:minorFont>
+        <a:latin typeface="Aptos" panose="02110004020202020204"/>
+        <a:ea typeface=""/>
+        <a:cs typeface=""/>
+        <a:font script="Jpan" typeface="游ゴシック"/>
+        <a:font script="Hang" typeface="맑은 고딕"/>
+        <a:font script="Hans" typeface="等线"/>
+        <a:font script="Hant" typeface="新細明體"/>
+        <a:font script="Arab" typeface="Arial"/>
+        <a:font script="Hebr" typeface="Arial"/>
+        <a:font script="Thai" typeface="Cordia New"/>
+        <a:font script="Ethi" typeface="Nyala"/>
+        <a:font script="Beng" typeface="Vrinda"/>
+        <a:font script="Gujr" typeface="Shruti"/>
+        <a:font script="Khmr" typeface="DaunPenh"/>
+        <a:font script="Knda" typeface="Tunga"/>
+        <a:font script="Guru" typeface="Raavi"/>
+        <a:font script="Cans" typeface="Euphemia"/>
+        <a:font script="Cher" typeface="Plantagenet Cherokee"/>
+        <a:font script="Yiii" typeface="Microsoft Yi Baiti"/>
+        <a:font script="Tibt" typeface="Microsoft Himalaya"/>
+        <a:font script="Thaa" typeface="MV Boli"/>
+        <a:font script="Deva" typeface="Mangal"/>
+        <a:font script="Telu" typeface="Gautami"/>
+        <a:font script="Taml" typeface="Latha"/>
+        <a:font script="Syrc" typeface="Estrangelo Edessa"/>
+        <a:font script="Orya" typeface="Kalinga"/>
+        <a:font script="Mlym" typeface="Kartika"/>
+        <a:font script="Laoo" typeface="DokChampa"/>
+        <a:font script="Sinh" typeface="Iskoola Pota"/>
+        <a:font script="Mong" typeface="Mongolian Baiti"/>
+        <a:font script="Viet" typeface="Arial"/>
+        <a:font script="Uigh" typeface="Microsoft Uighur"/>
+        <a:font script="Geor" typeface="Sylfaen"/>
+        <a:font script="Armn" typeface="Arial"/>
+        <a:font script="Bugi" typeface="Leelawadee UI"/>
+        <a:font script="Bopo" typeface="Microsoft JhengHei"/>
+        <a:font script="Java" typeface="Javanese Text"/>
+        <a:font script="Lisu" typeface="Segoe UI"/>
+        <a:font script="Mymr" typeface="Myanmar Text"/>
+        <a:font script="Nkoo" typeface="Ebrima"/>
+        <a:font script="Olck" typeface="Nirmala UI"/>
+        <a:font script="Osma" typeface="Ebrima"/>
+        <a:font script="Phag" typeface="Phagspa"/>
+        <a:font script="Syrn" typeface="Estrangelo Edessa"/>
+        <a:font script="Syrj" typeface="Estrangelo Edessa"/>
+        <a:font script="Syre" typeface="Estrangelo Edessa"/>
+        <a:font script="Sora" typeface="Nirmala UI"/>
+        <a:font script="Tale" typeface="Microsoft Tai Le"/>
+        <a:font script="Talu" typeface="Microsoft New Tai Lue"/>
+        <a:font script="Tfng" typeface="Ebrima"/>
+      </a:minorFont>
+    </a:fontScheme>
+    <a:fmtScheme name="Office">
+      <a:fillStyleLst>
+        <a:solidFill>
+          <a:schemeClr val="phClr"/>
+        </a:solidFill>
+        <a:gradFill rotWithShape="1">
+          <a:gsLst>
+            <a:gs pos="0">
+              <a:schemeClr val="phClr">
+                <a:lumMod val="110000"/>
+                <a:satMod val="105000"/>
+                <a:tint val="67000"/>
+              </a:schemeClr>
+            </a:gs>
+            <a:gs pos="50000">
+              <a:schemeClr val="phClr">
+                <a:lumMod val="105000"/>
+                <a:satMod val="103000"/>
+                <a:tint val="73000"/>
+              </a:schemeClr>
+            </a:gs>
+            <a:gs pos="100000">
+              <a:schemeClr val="phClr">
+                <a:lumMod val="105000"/>
+                <a:satMod val="109000"/>
+                <a:tint val="81000"/>
+              </a:schemeClr>
+            </a:gs>
+          </a:gsLst>
+          <a:lin ang="5400000" scaled="0"/>
+        </a:gradFill>
+        <a:gradFill rotWithShape="1">
+          <a:gsLst>
+            <a:gs pos="0">
+              <a:schemeClr val="phClr">
+                <a:satMod val="103000"/>
+                <a:lumMod val="102000"/>
+                <a:tint val="94000"/>
+              </a:schemeClr>
+            </a:gs>
+            <a:gs pos="50000">
+              <a:schemeClr val="phClr">
+                <a:satMod val="110000"/>
+                <a:lumMod val="100000"/>
+                <a:shade val="100000"/>
+              </a:schemeClr>
+            </a:gs>
+            <a:gs pos="100000">
+              <a:schemeClr val="phClr">
+                <a:lumMod val="99000"/>
+                <a:satMod val="120000"/>
+                <a:shade val="78000"/>
+              </a:schemeClr>
+            </a:gs>
+          </a:gsLst>
+          <a:lin ang="5400000" scaled="0"/>
+        </a:gradFill>
+      </a:fillStyleLst>
+      <a:lnStyleLst>
+        <a:ln w="12700" cap="flat" cmpd="sng" algn="ctr">
+          <a:solidFill>
+            <a:schemeClr val="phClr"/>
+          </a:solidFill>
+          <a:prstDash val="solid"/>
+          <a:miter lim="800000"/>
+        </a:ln>
+        <a:ln w="19050" cap="flat" cmpd="sng" algn="ctr">
+          <a:solidFill>
+            <a:schemeClr val="phClr"/>
+          </a:solidFill>
+          <a:prstDash val="solid"/>
+          <a:miter lim="800000"/>
+        </a:ln>
+        <a:ln w="25400" cap="flat" cmpd="sng" algn="ctr">
+          <a:solidFill>
+            <a:schemeClr val="phClr"/>
+          </a:solidFill>
+          <a:prstDash val="solid"/>
+          <a:miter lim="800000"/>
+        </a:ln>
+      </a:lnStyleLst>
+      <a:effectStyleLst>
+        <a:effectStyle>
+          <a:effectLst/>
+        </a:effectStyle>
+        <a:effectStyle>
+          <a:effectLst/>
+        </a:effectStyle>
+        <a:effectStyle>
+          <a:effectLst>
+            <a:outerShdw blurRad="57150" dist="19050" dir="5400000" algn="ctr" rotWithShape="0">
+              <a:srgbClr val="000000">
+                <a:alpha val="63000"/>
+              </a:srgbClr>
+            </a:outerShdw>
+          </a:effectLst>
+        </a:effectStyle>
+      </a:effectStyleLst>
+      <a:bgFillStyleLst>
+        <a:solidFill>
+          <a:schemeClr val="phClr"/>
+        </a:solidFill>
+        <a:solidFill>
+          <a:schemeClr val="phClr">
+            <a:tint val="95000"/>
+            <a:satMod val="170000"/>
+          </a:schemeClr>
+        </a:solidFill>
+        <a:gradFill rotWithShape="1">
+          <a:gsLst>
+            <a:gs pos="0">
+              <a:schemeClr val="phClr">
+                <a:tint val="93000"/>
+                <a:satMod val="150000"/>
+                <a:shade val="98000"/>
+                <a:lumMod val="102000"/>
+              </a:schemeClr>
+            </a:gs>
+            <a:gs pos="50000">
+              <a:schemeClr val="phClr">
+                <a:tint val="98000"/>
+                <a:satMod val="130000"/>
+                <a:shade val="90000"/>
+                <a:lumMod val="103000"/>
+              </a:schemeClr>
+            </a:gs>
+            <a:gs pos="100000">
+              <a:schemeClr val="phClr">
+                <a:shade val="63000"/>
+                <a:satMod val="120000"/>
+              </a:schemeClr>
+            </a:gs>
+          </a:gsLst>
+          <a:lin ang="5400000" scaled="0"/>
+        </a:gradFill>
+      </a:bgFillStyleLst>
+    </a:fmtScheme>
+  </a:themeElements>
+  <a:objectDefaults>
+    <a:lnDef>
+      <a:spPr/>
+      <a:bodyPr/>
+      <a:lstStyle/>
+      <a:style>
+        <a:lnRef idx="2">
+          <a:schemeClr val="accent1"/>
+        </a:lnRef>
+        <a:fillRef idx="0">
+          <a:schemeClr val="accent1"/>
+        </a:fillRef>
+        <a:effectRef idx="1">
+          <a:schemeClr val="accent1"/>
+        </a:effectRef>
+        <a:fontRef idx="minor">
+          <a:schemeClr val="tx1"/>
+        </a:fontRef>
+      </a:style>
+    </a:lnDef>
+  </a:objectDefaults>
+  <a:extraClrSchemeLst/>
+  <a:extLst>
+    <a:ext uri="{05A4C25C-085E-4340-85A3-A5531E510DB2}">
+      <thm15:themeFamily xmlns:thm15="http://schemas.microsoft.com/office/thememl/2012/main" name="Office Theme" id="{2E142A2C-CD16-42D6-873A-C26D2A0506FA}" vid="{1BDDFF52-6CD6-40A5-AB3C-68EB2F1E4D0A}"/>
+    </a:ext>
+  </a:extLst>
+</a:theme>
 </file>
--- a/THEE_project.pptx
+++ b/THEE_project.pptx
@@ -9,10 +9,14 @@
     <p:sldId id="257" r:id="rId3"/>
     <p:sldId id="258" r:id="rId4"/>
     <p:sldId id="259" r:id="rId5"/>
-    <p:sldId id="261" r:id="rId6"/>
-    <p:sldId id="263" r:id="rId7"/>
-    <p:sldId id="260" r:id="rId8"/>
-    <p:sldId id="262" r:id="rId9"/>
+    <p:sldId id="265" r:id="rId6"/>
+    <p:sldId id="266" r:id="rId7"/>
+    <p:sldId id="267" r:id="rId8"/>
+    <p:sldId id="261" r:id="rId9"/>
+    <p:sldId id="263" r:id="rId10"/>
+    <p:sldId id="260" r:id="rId11"/>
+    <p:sldId id="262" r:id="rId12"/>
+    <p:sldId id="268" r:id="rId13"/>
   </p:sldIdLst>
   <p:sldSz cx="12192000" cy="6858000"/>
   <p:notesSz cx="6858000" cy="9144000"/>
@@ -111,6 +115,11 @@
       </a:defRPr>
     </a:lvl9pPr>
   </p:defaultTextStyle>
+  <p:extLst>
+    <p:ext uri="{EFAFB233-063F-42B5-8137-9DF3F51BA10A}">
+      <p15:sldGuideLst xmlns:p15="http://schemas.microsoft.com/office/powerpoint/2012/main"/>
+    </p:ext>
+  </p:extLst>
 </p:presentation>
 </file>
 
@@ -6612,7 +6621,7 @@
           <a:p>
             <a:fld id="{2A07F06B-CB54-47B8-86A8-70FF2417EE14}" type="slidenum">
               <a:rPr lang="de-CH" smtClean="0"/>
-              <a:t>‹Nr.›</a:t>
+              <a:t>‹#›</a:t>
             </a:fld>
             <a:endParaRPr lang="de-CH"/>
           </a:p>
@@ -6812,7 +6821,7 @@
           <a:p>
             <a:fld id="{2A07F06B-CB54-47B8-86A8-70FF2417EE14}" type="slidenum">
               <a:rPr lang="de-CH" smtClean="0"/>
-              <a:t>‹Nr.›</a:t>
+              <a:t>‹#›</a:t>
             </a:fld>
             <a:endParaRPr lang="de-CH"/>
           </a:p>
@@ -7022,7 +7031,7 @@
           <a:p>
             <a:fld id="{2A07F06B-CB54-47B8-86A8-70FF2417EE14}" type="slidenum">
               <a:rPr lang="de-CH" smtClean="0"/>
-              <a:t>‹Nr.›</a:t>
+              <a:t>‹#›</a:t>
             </a:fld>
             <a:endParaRPr lang="de-CH"/>
           </a:p>
@@ -7222,7 +7231,7 @@
           <a:p>
             <a:fld id="{2A07F06B-CB54-47B8-86A8-70FF2417EE14}" type="slidenum">
               <a:rPr lang="de-CH" smtClean="0"/>
-              <a:t>‹Nr.›</a:t>
+              <a:t>‹#›</a:t>
             </a:fld>
             <a:endParaRPr lang="de-CH"/>
           </a:p>
@@ -7498,7 +7507,7 @@
           <a:p>
             <a:fld id="{2A07F06B-CB54-47B8-86A8-70FF2417EE14}" type="slidenum">
               <a:rPr lang="de-CH" smtClean="0"/>
-              <a:t>‹Nr.›</a:t>
+              <a:t>‹#›</a:t>
             </a:fld>
             <a:endParaRPr lang="de-CH"/>
           </a:p>
@@ -7766,7 +7775,7 @@
           <a:p>
             <a:fld id="{2A07F06B-CB54-47B8-86A8-70FF2417EE14}" type="slidenum">
               <a:rPr lang="de-CH" smtClean="0"/>
-              <a:t>‹Nr.›</a:t>
+              <a:t>‹#›</a:t>
             </a:fld>
             <a:endParaRPr lang="de-CH"/>
           </a:p>
@@ -8181,7 +8190,7 @@
           <a:p>
             <a:fld id="{2A07F06B-CB54-47B8-86A8-70FF2417EE14}" type="slidenum">
               <a:rPr lang="de-CH" smtClean="0"/>
-              <a:t>‹Nr.›</a:t>
+              <a:t>‹#›</a:t>
             </a:fld>
             <a:endParaRPr lang="de-CH"/>
           </a:p>
@@ -8323,7 +8332,7 @@
           <a:p>
             <a:fld id="{2A07F06B-CB54-47B8-86A8-70FF2417EE14}" type="slidenum">
               <a:rPr lang="de-CH" smtClean="0"/>
-              <a:t>‹Nr.›</a:t>
+              <a:t>‹#›</a:t>
             </a:fld>
             <a:endParaRPr lang="de-CH"/>
           </a:p>
@@ -8436,7 +8445,7 @@
           <a:p>
             <a:fld id="{2A07F06B-CB54-47B8-86A8-70FF2417EE14}" type="slidenum">
               <a:rPr lang="de-CH" smtClean="0"/>
-              <a:t>‹Nr.›</a:t>
+              <a:t>‹#›</a:t>
             </a:fld>
             <a:endParaRPr lang="de-CH"/>
           </a:p>
@@ -8749,7 +8758,7 @@
           <a:p>
             <a:fld id="{2A07F06B-CB54-47B8-86A8-70FF2417EE14}" type="slidenum">
               <a:rPr lang="de-CH" smtClean="0"/>
-              <a:t>‹Nr.›</a:t>
+              <a:t>‹#›</a:t>
             </a:fld>
             <a:endParaRPr lang="de-CH"/>
           </a:p>
@@ -9038,7 +9047,7 @@
           <a:p>
             <a:fld id="{2A07F06B-CB54-47B8-86A8-70FF2417EE14}" type="slidenum">
               <a:rPr lang="de-CH" smtClean="0"/>
-              <a:t>‹Nr.›</a:t>
+              <a:t>‹#›</a:t>
             </a:fld>
             <a:endParaRPr lang="de-CH"/>
           </a:p>
@@ -9317,7 +9326,7 @@
           <a:p>
             <a:fld id="{2A07F06B-CB54-47B8-86A8-70FF2417EE14}" type="slidenum">
               <a:rPr lang="de-CH" smtClean="0"/>
-              <a:t>‹Nr.›</a:t>
+              <a:t>‹#›</a:t>
             </a:fld>
             <a:endParaRPr lang="de-CH"/>
           </a:p>
@@ -10351,6 +10360,624 @@
 </p:sld>
 </file>
 
+<file path=ppt/slides/slide10.xml><?xml version="1.0" encoding="utf-8"?>
+<p:sld xmlns:a="http://schemas.openxmlformats.org/drawingml/2006/main" xmlns:r="http://schemas.openxmlformats.org/officeDocument/2006/relationships" xmlns:p="http://schemas.openxmlformats.org/presentationml/2006/main">
+  <p:cSld>
+    <p:spTree>
+      <p:nvGrpSpPr>
+        <p:cNvPr id="1" name=""/>
+        <p:cNvGrpSpPr/>
+        <p:nvPr/>
+      </p:nvGrpSpPr>
+      <p:grpSpPr>
+        <a:xfrm>
+          <a:off x="0" y="0"/>
+          <a:ext cx="0" cy="0"/>
+          <a:chOff x="0" y="0"/>
+          <a:chExt cx="0" cy="0"/>
+        </a:xfrm>
+      </p:grpSpPr>
+      <p:pic>
+        <p:nvPicPr>
+          <p:cNvPr id="7" name="Grafik 6">
+            <a:extLst>
+              <a:ext uri="{FF2B5EF4-FFF2-40B4-BE49-F238E27FC236}">
+                <a16:creationId xmlns:a16="http://schemas.microsoft.com/office/drawing/2014/main" id="{1DAE38D4-F6F3-C876-02B3-005DB9A72CE8}"/>
+              </a:ext>
+            </a:extLst>
+          </p:cNvPr>
+          <p:cNvPicPr>
+            <a:picLocks noChangeAspect="1"/>
+          </p:cNvPicPr>
+          <p:nvPr/>
+        </p:nvPicPr>
+        <p:blipFill>
+          <a:blip r:embed="rId2">
+            <a:extLst>
+              <a:ext uri="{28A0092B-C50C-407E-A947-70E740481C1C}">
+                <a14:useLocalDpi xmlns:a14="http://schemas.microsoft.com/office/drawing/2010/main" val="0"/>
+              </a:ext>
+            </a:extLst>
+          </a:blip>
+          <a:stretch>
+            <a:fillRect/>
+          </a:stretch>
+        </p:blipFill>
+        <p:spPr>
+          <a:xfrm>
+            <a:off x="1" y="3322319"/>
+            <a:ext cx="4139417" cy="3471769"/>
+          </a:xfrm>
+          <a:prstGeom prst="rect">
+            <a:avLst/>
+          </a:prstGeom>
+        </p:spPr>
+      </p:pic>
+      <p:sp>
+        <p:nvSpPr>
+          <p:cNvPr id="2" name="Titel 1">
+            <a:extLst>
+              <a:ext uri="{FF2B5EF4-FFF2-40B4-BE49-F238E27FC236}">
+                <a16:creationId xmlns:a16="http://schemas.microsoft.com/office/drawing/2014/main" id="{03493042-59F9-758F-63FD-D905482F5A90}"/>
+              </a:ext>
+            </a:extLst>
+          </p:cNvPr>
+          <p:cNvSpPr>
+            <a:spLocks noGrp="1"/>
+          </p:cNvSpPr>
+          <p:nvPr>
+            <p:ph type="title"/>
+          </p:nvPr>
+        </p:nvSpPr>
+        <p:spPr/>
+        <p:txBody>
+          <a:bodyPr/>
+          <a:lstStyle/>
+          <a:p>
+            <a:r>
+              <a:rPr lang="de-CH" dirty="0"/>
+              <a:t>Plot </a:t>
+            </a:r>
+            <a:r>
+              <a:rPr lang="de-CH" dirty="0" err="1"/>
+              <a:t>showing</a:t>
+            </a:r>
+            <a:r>
+              <a:rPr lang="de-CH" dirty="0"/>
+              <a:t> multiple </a:t>
+            </a:r>
+            <a:r>
+              <a:rPr lang="de-CH" dirty="0" err="1"/>
+              <a:t>populations</a:t>
+            </a:r>
+            <a:r>
+              <a:rPr lang="de-CH" dirty="0"/>
+              <a:t> </a:t>
+            </a:r>
+            <a:r>
+              <a:rPr lang="de-CH" dirty="0" err="1"/>
+              <a:t>over</a:t>
+            </a:r>
+            <a:r>
+              <a:rPr lang="de-CH" dirty="0"/>
+              <a:t> a </a:t>
+            </a:r>
+            <a:r>
+              <a:rPr lang="de-CH" dirty="0" err="1"/>
+              <a:t>thousand</a:t>
+            </a:r>
+            <a:r>
+              <a:rPr lang="de-CH" dirty="0"/>
+              <a:t> </a:t>
+            </a:r>
+            <a:r>
+              <a:rPr lang="de-CH" dirty="0" err="1"/>
+              <a:t>generations</a:t>
+            </a:r>
+            <a:endParaRPr lang="de-CH" dirty="0"/>
+          </a:p>
+        </p:txBody>
+      </p:sp>
+      <p:pic>
+        <p:nvPicPr>
+          <p:cNvPr id="5" name="Inhaltsplatzhalter 4">
+            <a:extLst>
+              <a:ext uri="{FF2B5EF4-FFF2-40B4-BE49-F238E27FC236}">
+                <a16:creationId xmlns:a16="http://schemas.microsoft.com/office/drawing/2014/main" id="{A120981A-76D2-D045-6D32-C63C6615B709}"/>
+              </a:ext>
+            </a:extLst>
+          </p:cNvPr>
+          <p:cNvPicPr>
+            <a:picLocks noGrp="1" noChangeAspect="1"/>
+          </p:cNvPicPr>
+          <p:nvPr>
+            <p:ph idx="1"/>
+          </p:nvPr>
+        </p:nvPicPr>
+        <p:blipFill>
+          <a:blip r:embed="rId3">
+            <a:extLst>
+              <a:ext uri="{28A0092B-C50C-407E-A947-70E740481C1C}">
+                <a14:useLocalDpi xmlns:a14="http://schemas.microsoft.com/office/drawing/2010/main" val="0"/>
+              </a:ext>
+            </a:extLst>
+          </a:blip>
+          <a:stretch>
+            <a:fillRect/>
+          </a:stretch>
+        </p:blipFill>
+        <p:spPr>
+          <a:xfrm>
+            <a:off x="7752077" y="3134196"/>
+            <a:ext cx="4439921" cy="3723804"/>
+          </a:xfrm>
+        </p:spPr>
+      </p:pic>
+      <p:sp>
+        <p:nvSpPr>
+          <p:cNvPr id="8" name="Textfeld 7">
+            <a:extLst>
+              <a:ext uri="{FF2B5EF4-FFF2-40B4-BE49-F238E27FC236}">
+                <a16:creationId xmlns:a16="http://schemas.microsoft.com/office/drawing/2014/main" id="{0D514E63-125A-3336-1788-D4AC7FAFFF22}"/>
+              </a:ext>
+            </a:extLst>
+          </p:cNvPr>
+          <p:cNvSpPr txBox="1"/>
+          <p:nvPr/>
+        </p:nvSpPr>
+        <p:spPr>
+          <a:xfrm>
+            <a:off x="838201" y="1931763"/>
+            <a:ext cx="2860040" cy="1200329"/>
+          </a:xfrm>
+          <a:prstGeom prst="rect">
+            <a:avLst/>
+          </a:prstGeom>
+          <a:noFill/>
+        </p:spPr>
+        <p:txBody>
+          <a:bodyPr wrap="square" rtlCol="0">
+            <a:spAutoFit/>
+          </a:bodyPr>
+          <a:lstStyle/>
+          <a:p>
+            <a:r>
+              <a:rPr lang="de-CH" sz="2400" dirty="0"/>
+              <a:t>Initial </a:t>
+            </a:r>
+            <a:r>
+              <a:rPr lang="de-CH" sz="2400" dirty="0" err="1"/>
+              <a:t>populations</a:t>
+            </a:r>
+            <a:r>
+              <a:rPr lang="de-CH" sz="2400" dirty="0"/>
+              <a:t> </a:t>
+            </a:r>
+            <a:r>
+              <a:rPr lang="de-CH" sz="2400" dirty="0" err="1"/>
+              <a:t>for</a:t>
+            </a:r>
+            <a:r>
+              <a:rPr lang="de-CH" sz="2400" dirty="0"/>
+              <a:t> all </a:t>
+            </a:r>
+            <a:r>
+              <a:rPr lang="de-CH" sz="2400" dirty="0" err="1"/>
+              <a:t>four</a:t>
+            </a:r>
+            <a:r>
+              <a:rPr lang="de-CH" sz="2400" dirty="0"/>
+              <a:t> </a:t>
+            </a:r>
+            <a:r>
+              <a:rPr lang="de-CH" sz="2400" dirty="0" err="1"/>
+              <a:t>mutants</a:t>
+            </a:r>
+            <a:r>
+              <a:rPr lang="de-CH" sz="2400" dirty="0"/>
+              <a:t>: N = 30</a:t>
+            </a:r>
+          </a:p>
+        </p:txBody>
+      </p:sp>
+      <p:pic>
+        <p:nvPicPr>
+          <p:cNvPr id="10" name="Grafik 9" descr="Ein Bild, das Text, Screenshot, Diagramm, Schrift enthält.&#10;&#10;KI-generierte Inhalte können fehlerhaft sein.">
+            <a:extLst>
+              <a:ext uri="{FF2B5EF4-FFF2-40B4-BE49-F238E27FC236}">
+                <a16:creationId xmlns:a16="http://schemas.microsoft.com/office/drawing/2014/main" id="{7DF03FD8-2F12-E3E2-7BAA-2F2D40B15C49}"/>
+              </a:ext>
+            </a:extLst>
+          </p:cNvPr>
+          <p:cNvPicPr>
+            <a:picLocks noChangeAspect="1"/>
+          </p:cNvPicPr>
+          <p:nvPr/>
+        </p:nvPicPr>
+        <p:blipFill>
+          <a:blip r:embed="rId4">
+            <a:extLst>
+              <a:ext uri="{28A0092B-C50C-407E-A947-70E740481C1C}">
+                <a14:useLocalDpi xmlns:a14="http://schemas.microsoft.com/office/drawing/2010/main" val="0"/>
+              </a:ext>
+            </a:extLst>
+          </a:blip>
+          <a:stretch>
+            <a:fillRect/>
+          </a:stretch>
+        </p:blipFill>
+        <p:spPr>
+          <a:xfrm>
+            <a:off x="3837838" y="1535057"/>
+            <a:ext cx="4203804" cy="3525771"/>
+          </a:xfrm>
+          <a:prstGeom prst="rect">
+            <a:avLst/>
+          </a:prstGeom>
+        </p:spPr>
+      </p:pic>
+    </p:spTree>
+    <p:extLst>
+      <p:ext uri="{BB962C8B-B14F-4D97-AF65-F5344CB8AC3E}">
+        <p14:creationId xmlns:p14="http://schemas.microsoft.com/office/powerpoint/2010/main" val="4126068761"/>
+      </p:ext>
+    </p:extLst>
+  </p:cSld>
+  <p:clrMapOvr>
+    <a:masterClrMapping/>
+  </p:clrMapOvr>
+</p:sld>
+</file>
+
+<file path=ppt/slides/slide11.xml><?xml version="1.0" encoding="utf-8"?>
+<p:sld xmlns:a="http://schemas.openxmlformats.org/drawingml/2006/main" xmlns:r="http://schemas.openxmlformats.org/officeDocument/2006/relationships" xmlns:p="http://schemas.openxmlformats.org/presentationml/2006/main">
+  <p:cSld>
+    <p:spTree>
+      <p:nvGrpSpPr>
+        <p:cNvPr id="1" name=""/>
+        <p:cNvGrpSpPr/>
+        <p:nvPr/>
+      </p:nvGrpSpPr>
+      <p:grpSpPr>
+        <a:xfrm>
+          <a:off x="0" y="0"/>
+          <a:ext cx="0" cy="0"/>
+          <a:chOff x="0" y="0"/>
+          <a:chExt cx="0" cy="0"/>
+        </a:xfrm>
+      </p:grpSpPr>
+      <p:pic>
+        <p:nvPicPr>
+          <p:cNvPr id="7" name="Grafik 6">
+            <a:extLst>
+              <a:ext uri="{FF2B5EF4-FFF2-40B4-BE49-F238E27FC236}">
+                <a16:creationId xmlns:a16="http://schemas.microsoft.com/office/drawing/2014/main" id="{35C3E923-6E68-939A-4B46-1A2556469F76}"/>
+              </a:ext>
+            </a:extLst>
+          </p:cNvPr>
+          <p:cNvPicPr>
+            <a:picLocks noChangeAspect="1"/>
+          </p:cNvPicPr>
+          <p:nvPr/>
+        </p:nvPicPr>
+        <p:blipFill>
+          <a:blip r:embed="rId2">
+            <a:extLst>
+              <a:ext uri="{28A0092B-C50C-407E-A947-70E740481C1C}">
+                <a14:useLocalDpi xmlns:a14="http://schemas.microsoft.com/office/drawing/2010/main" val="0"/>
+              </a:ext>
+            </a:extLst>
+          </a:blip>
+          <a:stretch>
+            <a:fillRect/>
+          </a:stretch>
+        </p:blipFill>
+        <p:spPr>
+          <a:xfrm>
+            <a:off x="0" y="3261358"/>
+            <a:ext cx="4288302" cy="3596641"/>
+          </a:xfrm>
+          <a:prstGeom prst="rect">
+            <a:avLst/>
+          </a:prstGeom>
+        </p:spPr>
+      </p:pic>
+      <p:pic>
+        <p:nvPicPr>
+          <p:cNvPr id="5" name="Inhaltsplatzhalter 4">
+            <a:extLst>
+              <a:ext uri="{FF2B5EF4-FFF2-40B4-BE49-F238E27FC236}">
+                <a16:creationId xmlns:a16="http://schemas.microsoft.com/office/drawing/2014/main" id="{530176FA-7389-FBA6-6398-7DCE7B3B42EA}"/>
+              </a:ext>
+            </a:extLst>
+          </p:cNvPr>
+          <p:cNvPicPr>
+            <a:picLocks noGrp="1" noChangeAspect="1"/>
+          </p:cNvPicPr>
+          <p:nvPr>
+            <p:ph idx="1"/>
+          </p:nvPr>
+        </p:nvPicPr>
+        <p:blipFill>
+          <a:blip r:embed="rId3">
+            <a:extLst>
+              <a:ext uri="{28A0092B-C50C-407E-A947-70E740481C1C}">
+                <a14:useLocalDpi xmlns:a14="http://schemas.microsoft.com/office/drawing/2010/main" val="0"/>
+              </a:ext>
+            </a:extLst>
+          </a:blip>
+          <a:stretch>
+            <a:fillRect/>
+          </a:stretch>
+        </p:blipFill>
+        <p:spPr>
+          <a:xfrm>
+            <a:off x="3994241" y="1380803"/>
+            <a:ext cx="4203517" cy="3525530"/>
+          </a:xfrm>
+        </p:spPr>
+      </p:pic>
+      <p:sp>
+        <p:nvSpPr>
+          <p:cNvPr id="2" name="Titel 1">
+            <a:extLst>
+              <a:ext uri="{FF2B5EF4-FFF2-40B4-BE49-F238E27FC236}">
+                <a16:creationId xmlns:a16="http://schemas.microsoft.com/office/drawing/2014/main" id="{AB052475-74BA-3738-B41C-332AAEC22DAF}"/>
+              </a:ext>
+            </a:extLst>
+          </p:cNvPr>
+          <p:cNvSpPr>
+            <a:spLocks noGrp="1"/>
+          </p:cNvSpPr>
+          <p:nvPr>
+            <p:ph type="title"/>
+          </p:nvPr>
+        </p:nvSpPr>
+        <p:spPr/>
+        <p:txBody>
+          <a:bodyPr/>
+          <a:lstStyle/>
+          <a:p>
+            <a:r>
+              <a:rPr lang="de-CH" dirty="0"/>
+              <a:t>Plot </a:t>
+            </a:r>
+            <a:r>
+              <a:rPr lang="de-CH" dirty="0" err="1"/>
+              <a:t>showing</a:t>
+            </a:r>
+            <a:r>
+              <a:rPr lang="de-CH" dirty="0"/>
+              <a:t> multiple </a:t>
+            </a:r>
+            <a:r>
+              <a:rPr lang="de-CH" dirty="0" err="1"/>
+              <a:t>populations</a:t>
+            </a:r>
+            <a:r>
+              <a:rPr lang="de-CH" dirty="0"/>
+              <a:t> </a:t>
+            </a:r>
+            <a:r>
+              <a:rPr lang="de-CH" dirty="0" err="1"/>
+              <a:t>over</a:t>
+            </a:r>
+            <a:r>
+              <a:rPr lang="de-CH" dirty="0"/>
+              <a:t> a </a:t>
+            </a:r>
+            <a:r>
+              <a:rPr lang="de-CH" dirty="0" err="1"/>
+              <a:t>thousand</a:t>
+            </a:r>
+            <a:r>
+              <a:rPr lang="de-CH" dirty="0"/>
+              <a:t> </a:t>
+            </a:r>
+            <a:r>
+              <a:rPr lang="de-CH" dirty="0" err="1"/>
+              <a:t>generations</a:t>
+            </a:r>
+            <a:endParaRPr lang="de-CH" dirty="0"/>
+          </a:p>
+        </p:txBody>
+      </p:sp>
+      <p:pic>
+        <p:nvPicPr>
+          <p:cNvPr id="9" name="Grafik 8" descr="Ein Bild, das Text, Screenshot, Diagramm, Grafiken enthält.&#10;&#10;KI-generierte Inhalte können fehlerhaft sein.">
+            <a:extLst>
+              <a:ext uri="{FF2B5EF4-FFF2-40B4-BE49-F238E27FC236}">
+                <a16:creationId xmlns:a16="http://schemas.microsoft.com/office/drawing/2014/main" id="{EDB4AAC9-E495-13F0-D78F-F004761FE242}"/>
+              </a:ext>
+            </a:extLst>
+          </p:cNvPr>
+          <p:cNvPicPr>
+            <a:picLocks noChangeAspect="1"/>
+          </p:cNvPicPr>
+          <p:nvPr/>
+        </p:nvPicPr>
+        <p:blipFill>
+          <a:blip r:embed="rId4">
+            <a:extLst>
+              <a:ext uri="{28A0092B-C50C-407E-A947-70E740481C1C}">
+                <a14:useLocalDpi xmlns:a14="http://schemas.microsoft.com/office/drawing/2010/main" val="0"/>
+              </a:ext>
+            </a:extLst>
+          </a:blip>
+          <a:stretch>
+            <a:fillRect/>
+          </a:stretch>
+        </p:blipFill>
+        <p:spPr>
+          <a:xfrm>
+            <a:off x="7903698" y="3261360"/>
+            <a:ext cx="4288302" cy="3596640"/>
+          </a:xfrm>
+          <a:prstGeom prst="rect">
+            <a:avLst/>
+          </a:prstGeom>
+        </p:spPr>
+      </p:pic>
+      <p:sp>
+        <p:nvSpPr>
+          <p:cNvPr id="10" name="Textfeld 9">
+            <a:extLst>
+              <a:ext uri="{FF2B5EF4-FFF2-40B4-BE49-F238E27FC236}">
+                <a16:creationId xmlns:a16="http://schemas.microsoft.com/office/drawing/2014/main" id="{D7FDAA47-8D10-039B-A05B-ED4FEE16CD6E}"/>
+              </a:ext>
+            </a:extLst>
+          </p:cNvPr>
+          <p:cNvSpPr txBox="1"/>
+          <p:nvPr/>
+        </p:nvSpPr>
+        <p:spPr>
+          <a:xfrm>
+            <a:off x="838201" y="1931763"/>
+            <a:ext cx="3611880" cy="830997"/>
+          </a:xfrm>
+          <a:prstGeom prst="rect">
+            <a:avLst/>
+          </a:prstGeom>
+          <a:noFill/>
+        </p:spPr>
+        <p:txBody>
+          <a:bodyPr wrap="square" rtlCol="0">
+            <a:spAutoFit/>
+          </a:bodyPr>
+          <a:lstStyle/>
+          <a:p>
+            <a:r>
+              <a:rPr lang="de-CH" sz="2400" dirty="0"/>
+              <a:t>Initial </a:t>
+            </a:r>
+            <a:r>
+              <a:rPr lang="de-CH" sz="2400" dirty="0" err="1"/>
+              <a:t>populations</a:t>
+            </a:r>
+            <a:r>
+              <a:rPr lang="de-CH" sz="2400" dirty="0"/>
+              <a:t> </a:t>
+            </a:r>
+            <a:r>
+              <a:rPr lang="de-CH" sz="2400" dirty="0" err="1"/>
+              <a:t>for</a:t>
+            </a:r>
+            <a:r>
+              <a:rPr lang="de-CH" sz="2400" dirty="0"/>
+              <a:t> all </a:t>
+            </a:r>
+            <a:r>
+              <a:rPr lang="de-CH" sz="2400" dirty="0" err="1"/>
+              <a:t>four</a:t>
+            </a:r>
+            <a:r>
+              <a:rPr lang="de-CH" sz="2400" dirty="0"/>
+              <a:t> </a:t>
+            </a:r>
+            <a:r>
+              <a:rPr lang="de-CH" sz="2400" dirty="0" err="1"/>
+              <a:t>mutants</a:t>
+            </a:r>
+            <a:r>
+              <a:rPr lang="de-CH" sz="2400" dirty="0"/>
+              <a:t>: N = 50</a:t>
+            </a:r>
+          </a:p>
+        </p:txBody>
+      </p:sp>
+    </p:spTree>
+    <p:extLst>
+      <p:ext uri="{BB962C8B-B14F-4D97-AF65-F5344CB8AC3E}">
+        <p14:creationId xmlns:p14="http://schemas.microsoft.com/office/powerpoint/2010/main" val="788690148"/>
+      </p:ext>
+    </p:extLst>
+  </p:cSld>
+  <p:clrMapOvr>
+    <a:masterClrMapping/>
+  </p:clrMapOvr>
+</p:sld>
+</file>
+
+<file path=ppt/slides/slide12.xml><?xml version="1.0" encoding="utf-8"?>
+<p:sld xmlns:a="http://schemas.openxmlformats.org/drawingml/2006/main" xmlns:r="http://schemas.openxmlformats.org/officeDocument/2006/relationships" xmlns:p="http://schemas.openxmlformats.org/presentationml/2006/main">
+  <p:cSld>
+    <p:spTree>
+      <p:nvGrpSpPr>
+        <p:cNvPr id="1" name=""/>
+        <p:cNvGrpSpPr/>
+        <p:nvPr/>
+      </p:nvGrpSpPr>
+      <p:grpSpPr>
+        <a:xfrm>
+          <a:off x="0" y="0"/>
+          <a:ext cx="0" cy="0"/>
+          <a:chOff x="0" y="0"/>
+          <a:chExt cx="0" cy="0"/>
+        </a:xfrm>
+      </p:grpSpPr>
+      <p:sp>
+        <p:nvSpPr>
+          <p:cNvPr id="2" name="Title 1">
+            <a:extLst>
+              <a:ext uri="{FF2B5EF4-FFF2-40B4-BE49-F238E27FC236}">
+                <a16:creationId xmlns:a16="http://schemas.microsoft.com/office/drawing/2014/main" id="{7BF74AB2-23F5-068B-F7E2-A0B1BDF43899}"/>
+              </a:ext>
+            </a:extLst>
+          </p:cNvPr>
+          <p:cNvSpPr>
+            <a:spLocks noGrp="1"/>
+          </p:cNvSpPr>
+          <p:nvPr>
+            <p:ph type="title"/>
+          </p:nvPr>
+        </p:nvSpPr>
+        <p:spPr/>
+        <p:txBody>
+          <a:bodyPr/>
+          <a:lstStyle/>
+          <a:p>
+            <a:endParaRPr lang="de-CH" dirty="0"/>
+          </a:p>
+        </p:txBody>
+      </p:sp>
+      <p:sp>
+        <p:nvSpPr>
+          <p:cNvPr id="3" name="Content Placeholder 2">
+            <a:extLst>
+              <a:ext uri="{FF2B5EF4-FFF2-40B4-BE49-F238E27FC236}">
+                <a16:creationId xmlns:a16="http://schemas.microsoft.com/office/drawing/2014/main" id="{DEA82F65-F7F7-6CF5-65C9-7522904AFB46}"/>
+              </a:ext>
+            </a:extLst>
+          </p:cNvPr>
+          <p:cNvSpPr>
+            <a:spLocks noGrp="1"/>
+          </p:cNvSpPr>
+          <p:nvPr>
+            <p:ph idx="1"/>
+          </p:nvPr>
+        </p:nvSpPr>
+        <p:spPr/>
+        <p:txBody>
+          <a:bodyPr/>
+          <a:lstStyle/>
+          <a:p>
+            <a:endParaRPr lang="de-CH"/>
+          </a:p>
+        </p:txBody>
+      </p:sp>
+    </p:spTree>
+    <p:extLst>
+      <p:ext uri="{BB962C8B-B14F-4D97-AF65-F5344CB8AC3E}">
+        <p14:creationId xmlns:p14="http://schemas.microsoft.com/office/powerpoint/2010/main" val="3090059377"/>
+      </p:ext>
+    </p:extLst>
+  </p:cSld>
+  <p:clrMapOvr>
+    <a:masterClrMapping/>
+  </p:clrMapOvr>
+</p:sld>
+</file>
+
 <file path=ppt/slides/slide2.xml><?xml version="1.0" encoding="utf-8"?>
 <p:sld xmlns:a="http://schemas.openxmlformats.org/drawingml/2006/main" xmlns:r="http://schemas.openxmlformats.org/officeDocument/2006/relationships" xmlns:p="http://schemas.openxmlformats.org/presentationml/2006/main">
   <p:cSld>
@@ -10842,8 +11469,8 @@
           </a:p>
         </p:txBody>
       </p:sp>
-      <mc:AlternateContent xmlns:mc="http://schemas.openxmlformats.org/markup-compatibility/2006">
-        <mc:Choice xmlns:p14="http://schemas.microsoft.com/office/powerpoint/2010/main" Requires="p14">
+      <mc:AlternateContent xmlns:mc="http://schemas.openxmlformats.org/markup-compatibility/2006" xmlns:p14="http://schemas.microsoft.com/office/powerpoint/2010/main">
+        <mc:Choice Requires="p14">
           <p:contentPart p14:bwMode="auto" r:id="rId2">
             <p14:nvContentPartPr>
               <p14:cNvPr id="5" name="Freihand 4">
@@ -10862,7 +11489,7 @@
             </p14:xfrm>
           </p:contentPart>
         </mc:Choice>
-        <mc:Fallback>
+        <mc:Fallback xmlns="">
           <p:pic>
             <p:nvPicPr>
               <p:cNvPr id="5" name="Freihand 4">
@@ -10925,10 +11552,10 @@
       </p:grpSpPr>
       <p:sp>
         <p:nvSpPr>
-          <p:cNvPr id="2" name="Titel 1">
+          <p:cNvPr id="4" name="Title 3">
             <a:extLst>
               <a:ext uri="{FF2B5EF4-FFF2-40B4-BE49-F238E27FC236}">
-                <a16:creationId xmlns:a16="http://schemas.microsoft.com/office/drawing/2014/main" id="{6E14644D-1FC8-F260-4A79-EB69FA2AF150}"/>
+                <a16:creationId xmlns:a16="http://schemas.microsoft.com/office/drawing/2014/main" id="{620EF4F1-642E-6733-2B49-DF44E982AFB9}"/>
               </a:ext>
             </a:extLst>
           </p:cNvPr>
@@ -10941,231 +11568,212 @@
         </p:nvSpPr>
         <p:spPr/>
         <p:txBody>
-          <a:bodyPr/>
+          <a:bodyPr>
+            <a:normAutofit fontScale="90000"/>
+          </a:bodyPr>
           <a:lstStyle/>
           <a:p>
             <a:r>
+              <a:rPr lang="en-GB" sz="4000" dirty="0"/>
+              <a:t>Parameters and variables-Deviations from base-model</a:t>
+            </a:r>
+            <a:br>
               <a:rPr lang="de-CH" dirty="0"/>
-              <a:t>Plot </a:t>
-            </a:r>
-            <a:r>
-              <a:rPr lang="de-CH" dirty="0" err="1"/>
-              <a:t>showing</a:t>
-            </a:r>
-            <a:r>
-              <a:rPr lang="de-CH" dirty="0"/>
-              <a:t> </a:t>
-            </a:r>
-            <a:r>
-              <a:rPr lang="de-CH" dirty="0" err="1"/>
-              <a:t>one</a:t>
-            </a:r>
-            <a:r>
-              <a:rPr lang="de-CH" dirty="0"/>
-              <a:t> </a:t>
-            </a:r>
-            <a:r>
-              <a:rPr lang="de-CH" dirty="0" err="1"/>
-              <a:t>population</a:t>
-            </a:r>
-            <a:r>
-              <a:rPr lang="de-CH" dirty="0"/>
-              <a:t> </a:t>
-            </a:r>
-            <a:r>
-              <a:rPr lang="de-CH" dirty="0" err="1"/>
-              <a:t>over</a:t>
-            </a:r>
-            <a:r>
-              <a:rPr lang="de-CH" dirty="0"/>
-              <a:t> multiple </a:t>
-            </a:r>
-            <a:r>
-              <a:rPr lang="de-CH" dirty="0" err="1"/>
-              <a:t>generations</a:t>
-            </a:r>
+            </a:br>
             <a:endParaRPr lang="de-CH" dirty="0"/>
           </a:p>
         </p:txBody>
       </p:sp>
-      <p:pic>
-        <p:nvPicPr>
-          <p:cNvPr id="7" name="Grafik 6">
+      <p:sp>
+        <p:nvSpPr>
+          <p:cNvPr id="5" name="Content Placeholder 4">
             <a:extLst>
               <a:ext uri="{FF2B5EF4-FFF2-40B4-BE49-F238E27FC236}">
-                <a16:creationId xmlns:a16="http://schemas.microsoft.com/office/drawing/2014/main" id="{5BFBA0A0-986F-6CD4-7F83-DC042D4F7E8C}"/>
+                <a16:creationId xmlns:a16="http://schemas.microsoft.com/office/drawing/2014/main" id="{DCEB1593-B8DA-FBE3-6E4C-1F8D57A2CBA1}"/>
               </a:ext>
             </a:extLst>
           </p:cNvPr>
-          <p:cNvPicPr>
-            <a:picLocks noChangeAspect="1"/>
-          </p:cNvPicPr>
-          <p:nvPr/>
-        </p:nvPicPr>
-        <p:blipFill>
-          <a:blip r:embed="rId2">
-            <a:extLst>
-              <a:ext uri="{28A0092B-C50C-407E-A947-70E740481C1C}">
-                <a14:useLocalDpi xmlns:a14="http://schemas.microsoft.com/office/drawing/2010/main" val="0"/>
-              </a:ext>
-            </a:extLst>
-          </a:blip>
-          <a:stretch>
-            <a:fillRect/>
-          </a:stretch>
-        </p:blipFill>
-        <p:spPr>
-          <a:xfrm>
-            <a:off x="3848304" y="901972"/>
-            <a:ext cx="4495391" cy="3770328"/>
-          </a:xfrm>
-          <a:prstGeom prst="rect">
-            <a:avLst/>
-          </a:prstGeom>
-        </p:spPr>
-      </p:pic>
-      <p:pic>
-        <p:nvPicPr>
-          <p:cNvPr id="5" name="Inhaltsplatzhalter 4" descr="Ein Bild, das Text, Diagramm, Reihe, Schrift enthält.&#10;&#10;KI-generierte Inhalte können fehlerhaft sein.">
-            <a:extLst>
-              <a:ext uri="{FF2B5EF4-FFF2-40B4-BE49-F238E27FC236}">
-                <a16:creationId xmlns:a16="http://schemas.microsoft.com/office/drawing/2014/main" id="{9F3D3B1C-B956-FC78-6247-98786858B2D4}"/>
-              </a:ext>
-            </a:extLst>
-          </p:cNvPr>
-          <p:cNvPicPr>
-            <a:picLocks noGrp="1" noChangeAspect="1"/>
-          </p:cNvPicPr>
+          <p:cNvSpPr>
+            <a:spLocks noGrp="1"/>
+          </p:cNvSpPr>
           <p:nvPr>
             <p:ph idx="1"/>
           </p:nvPr>
-        </p:nvPicPr>
-        <p:blipFill>
-          <a:blip r:embed="rId3">
-            <a:extLst>
-              <a:ext uri="{28A0092B-C50C-407E-A947-70E740481C1C}">
-                <a14:useLocalDpi xmlns:a14="http://schemas.microsoft.com/office/drawing/2010/main" val="0"/>
-              </a:ext>
-            </a:extLst>
-          </a:blip>
-          <a:stretch>
-            <a:fillRect/>
-          </a:stretch>
-        </p:blipFill>
-        <p:spPr>
-          <a:xfrm>
-            <a:off x="8006080" y="3347230"/>
-            <a:ext cx="4185919" cy="3510770"/>
-          </a:xfrm>
-        </p:spPr>
-      </p:pic>
-      <p:pic>
-        <p:nvPicPr>
-          <p:cNvPr id="9" name="Grafik 8" descr="Ein Bild, das Text, Diagramm, Screenshot, Schrift enthält.&#10;&#10;KI-generierte Inhalte können fehlerhaft sein.">
-            <a:extLst>
-              <a:ext uri="{FF2B5EF4-FFF2-40B4-BE49-F238E27FC236}">
-                <a16:creationId xmlns:a16="http://schemas.microsoft.com/office/drawing/2014/main" id="{8A8A826D-1322-785C-EEC7-C78077239A34}"/>
-              </a:ext>
-            </a:extLst>
-          </p:cNvPr>
-          <p:cNvPicPr>
-            <a:picLocks noChangeAspect="1"/>
-          </p:cNvPicPr>
-          <p:nvPr/>
-        </p:nvPicPr>
-        <p:blipFill>
-          <a:blip r:embed="rId4">
-            <a:extLst>
-              <a:ext uri="{28A0092B-C50C-407E-A947-70E740481C1C}">
-                <a14:useLocalDpi xmlns:a14="http://schemas.microsoft.com/office/drawing/2010/main" val="0"/>
-              </a:ext>
-            </a:extLst>
-          </a:blip>
-          <a:stretch>
-            <a:fillRect/>
-          </a:stretch>
-        </p:blipFill>
-        <p:spPr>
-          <a:xfrm>
-            <a:off x="1" y="3365044"/>
-            <a:ext cx="4071208" cy="3414562"/>
-          </a:xfrm>
-          <a:prstGeom prst="rect">
-            <a:avLst/>
-          </a:prstGeom>
-        </p:spPr>
-      </p:pic>
-      <p:sp>
-        <p:nvSpPr>
-          <p:cNvPr id="10" name="Textfeld 9">
-            <a:extLst>
-              <a:ext uri="{FF2B5EF4-FFF2-40B4-BE49-F238E27FC236}">
-                <a16:creationId xmlns:a16="http://schemas.microsoft.com/office/drawing/2014/main" id="{FE385058-2D25-45A4-0481-B32C3599EEA1}"/>
-              </a:ext>
-            </a:extLst>
-          </p:cNvPr>
-          <p:cNvSpPr txBox="1"/>
-          <p:nvPr/>
         </p:nvSpPr>
         <p:spPr>
           <a:xfrm>
-            <a:off x="838199" y="1913343"/>
-            <a:ext cx="2860041" cy="1200329"/>
+            <a:off x="838200" y="1317170"/>
+            <a:ext cx="10515600" cy="5420513"/>
           </a:xfrm>
-          <a:prstGeom prst="rect">
-            <a:avLst/>
-          </a:prstGeom>
-          <a:noFill/>
         </p:spPr>
         <p:txBody>
-          <a:bodyPr wrap="square" rtlCol="0">
-            <a:spAutoFit/>
+          <a:bodyPr>
+            <a:normAutofit/>
           </a:bodyPr>
           <a:lstStyle/>
           <a:p>
-            <a:r>
-              <a:rPr lang="de-CH" sz="2400" dirty="0"/>
-              <a:t>Initial </a:t>
-            </a:r>
-            <a:r>
-              <a:rPr lang="de-CH" sz="2400" dirty="0" err="1"/>
-              <a:t>populations</a:t>
-            </a:r>
-            <a:r>
-              <a:rPr lang="de-CH" sz="2400" dirty="0"/>
-              <a:t> </a:t>
-            </a:r>
-            <a:r>
-              <a:rPr lang="de-CH" sz="2400" dirty="0" err="1"/>
-              <a:t>for</a:t>
-            </a:r>
-            <a:r>
-              <a:rPr lang="de-CH" sz="2400" dirty="0"/>
-              <a:t> all </a:t>
-            </a:r>
-            <a:r>
-              <a:rPr lang="de-CH" sz="2400" dirty="0" err="1"/>
-              <a:t>four</a:t>
-            </a:r>
-            <a:r>
-              <a:rPr lang="de-CH" sz="2400" dirty="0"/>
-              <a:t> </a:t>
-            </a:r>
-            <a:r>
-              <a:rPr lang="de-CH" sz="2400" dirty="0" err="1"/>
-              <a:t>mutants</a:t>
-            </a:r>
-            <a:r>
-              <a:rPr lang="de-CH" sz="2400" dirty="0"/>
-              <a:t>: N = 30</a:t>
-            </a:r>
+            <a:pPr>
+              <a:lnSpc>
+                <a:spcPct val="150000"/>
+              </a:lnSpc>
+            </a:pPr>
+            <a:r>
+              <a:rPr lang="en-GB" dirty="0" err="1"/>
+              <a:t>N_end_wd</a:t>
+            </a:r>
+            <a:r>
+              <a:rPr lang="en-GB" dirty="0"/>
+              <a:t>, </a:t>
+            </a:r>
+            <a:r>
+              <a:rPr lang="en-GB" dirty="0" err="1"/>
+              <a:t>N_end_wb</a:t>
+            </a:r>
+            <a:r>
+              <a:rPr lang="en-GB" dirty="0"/>
+              <a:t>, </a:t>
+            </a:r>
+            <a:r>
+              <a:rPr lang="en-GB" dirty="0" err="1"/>
+              <a:t>N_end_sd</a:t>
+            </a:r>
+            <a:r>
+              <a:rPr lang="en-GB" dirty="0"/>
+              <a:t>, </a:t>
+            </a:r>
+            <a:r>
+              <a:rPr lang="en-GB" dirty="0" err="1"/>
+              <a:t>N_end_sb</a:t>
+            </a:r>
+            <a:endParaRPr lang="en-GB" dirty="0"/>
+          </a:p>
+          <a:p>
+            <a:pPr>
+              <a:lnSpc>
+                <a:spcPct val="150000"/>
+              </a:lnSpc>
+            </a:pPr>
+            <a:r>
+              <a:rPr lang="en-GB" dirty="0" err="1"/>
+              <a:t>Init_wd</a:t>
+            </a:r>
+            <a:r>
+              <a:rPr lang="en-GB" dirty="0"/>
+              <a:t>, </a:t>
+            </a:r>
+            <a:r>
+              <a:rPr lang="en-GB" dirty="0" err="1"/>
+              <a:t>init_wb</a:t>
+            </a:r>
+            <a:r>
+              <a:rPr lang="en-GB" dirty="0"/>
+              <a:t>, </a:t>
+            </a:r>
+            <a:r>
+              <a:rPr lang="en-GB" dirty="0" err="1"/>
+              <a:t>init_sd</a:t>
+            </a:r>
+            <a:r>
+              <a:rPr lang="en-GB" dirty="0"/>
+              <a:t>, </a:t>
+            </a:r>
+            <a:r>
+              <a:rPr lang="en-GB" dirty="0" err="1"/>
+              <a:t>init_sb</a:t>
+            </a:r>
+            <a:endParaRPr lang="en-GB" dirty="0"/>
+          </a:p>
+          <a:p>
+            <a:pPr>
+              <a:lnSpc>
+                <a:spcPct val="150000"/>
+              </a:lnSpc>
+            </a:pPr>
+            <a:r>
+              <a:rPr lang="en-GB" dirty="0" err="1"/>
+              <a:t>decay_rate_wm</a:t>
+            </a:r>
+            <a:endParaRPr lang="en-GB" dirty="0"/>
+          </a:p>
+          <a:p>
+            <a:pPr>
+              <a:lnSpc>
+                <a:spcPct val="150000"/>
+              </a:lnSpc>
+            </a:pPr>
+            <a:r>
+              <a:rPr lang="en-GB" dirty="0" err="1"/>
+              <a:t>Decay_rate_sm</a:t>
+            </a:r>
+            <a:endParaRPr lang="en-GB" dirty="0"/>
+          </a:p>
+          <a:p>
+            <a:pPr>
+              <a:lnSpc>
+                <a:spcPct val="150000"/>
+              </a:lnSpc>
+            </a:pPr>
+            <a:r>
+              <a:rPr lang="en-GB" dirty="0" err="1"/>
+              <a:t>S_wm</a:t>
+            </a:r>
+            <a:r>
+              <a:rPr lang="en-GB" dirty="0"/>
+              <a:t>: selective strength of weak mutation</a:t>
+            </a:r>
+          </a:p>
+          <a:p>
+            <a:pPr>
+              <a:lnSpc>
+                <a:spcPct val="150000"/>
+              </a:lnSpc>
+            </a:pPr>
+            <a:r>
+              <a:rPr lang="en-GB" dirty="0" err="1"/>
+              <a:t>S_sm</a:t>
+            </a:r>
+            <a:r>
+              <a:rPr lang="en-GB" dirty="0"/>
+              <a:t>: selective </a:t>
+            </a:r>
+            <a:r>
+              <a:rPr lang="en-GB" dirty="0" err="1"/>
+              <a:t>strengthof</a:t>
+            </a:r>
+            <a:r>
+              <a:rPr lang="en-GB" dirty="0"/>
+              <a:t> strong mutation</a:t>
+            </a:r>
+          </a:p>
+          <a:p>
+            <a:pPr>
+              <a:lnSpc>
+                <a:spcPct val="150000"/>
+              </a:lnSpc>
+            </a:pPr>
+            <a:r>
+              <a:rPr lang="en-GB" dirty="0" err="1"/>
+              <a:t>m_rate_wm</a:t>
+            </a:r>
+            <a:r>
+              <a:rPr lang="en-GB" dirty="0"/>
+              <a:t>, </a:t>
+            </a:r>
+            <a:r>
+              <a:rPr lang="en-GB" dirty="0" err="1"/>
+              <a:t>m_rate_sm</a:t>
+            </a:r>
+            <a:endParaRPr lang="en-GB" dirty="0"/>
+          </a:p>
+          <a:p>
+            <a:endParaRPr lang="en-GB" dirty="0"/>
           </a:p>
         </p:txBody>
       </p:sp>
     </p:spTree>
     <p:extLst>
       <p:ext uri="{BB962C8B-B14F-4D97-AF65-F5344CB8AC3E}">
-        <p14:creationId xmlns:p14="http://schemas.microsoft.com/office/powerpoint/2010/main" val="2040584766"/>
+        <p14:creationId xmlns:p14="http://schemas.microsoft.com/office/powerpoint/2010/main" val="528252806"/>
       </p:ext>
     </p:extLst>
   </p:cSld>
@@ -11194,10 +11802,10 @@
       </p:grpSpPr>
       <p:sp>
         <p:nvSpPr>
-          <p:cNvPr id="2" name="Titel 1">
+          <p:cNvPr id="2" name="Title 1">
             <a:extLst>
               <a:ext uri="{FF2B5EF4-FFF2-40B4-BE49-F238E27FC236}">
-                <a16:creationId xmlns:a16="http://schemas.microsoft.com/office/drawing/2014/main" id="{2BCBAAC2-B731-A0B9-E93A-88C7B19B44A5}"/>
+                <a16:creationId xmlns:a16="http://schemas.microsoft.com/office/drawing/2014/main" id="{49FAAE0A-073C-CB24-C19F-6ABD930C92A8}"/>
               </a:ext>
             </a:extLst>
           </p:cNvPr>
@@ -11214,227 +11822,115 @@
           <a:lstStyle/>
           <a:p>
             <a:r>
-              <a:rPr lang="de-CH" dirty="0"/>
-              <a:t>Plot </a:t>
-            </a:r>
-            <a:r>
-              <a:rPr lang="de-CH" dirty="0" err="1"/>
-              <a:t>showing</a:t>
-            </a:r>
-            <a:r>
-              <a:rPr lang="de-CH" dirty="0"/>
-              <a:t> </a:t>
-            </a:r>
-            <a:r>
-              <a:rPr lang="de-CH" dirty="0" err="1"/>
-              <a:t>one</a:t>
-            </a:r>
-            <a:r>
-              <a:rPr lang="de-CH" dirty="0"/>
-              <a:t> </a:t>
-            </a:r>
-            <a:r>
-              <a:rPr lang="de-CH" dirty="0" err="1"/>
-              <a:t>population</a:t>
-            </a:r>
-            <a:r>
-              <a:rPr lang="de-CH" dirty="0"/>
-              <a:t> </a:t>
-            </a:r>
-            <a:r>
-              <a:rPr lang="de-CH" dirty="0" err="1"/>
-              <a:t>over</a:t>
-            </a:r>
-            <a:r>
-              <a:rPr lang="de-CH" dirty="0"/>
-              <a:t> multiple </a:t>
-            </a:r>
-            <a:r>
-              <a:rPr lang="de-CH" dirty="0" err="1"/>
-              <a:t>generations</a:t>
+              <a:rPr lang="en-GB" dirty="0"/>
+              <a:t>Plot-choices in our model</a:t>
             </a:r>
             <a:endParaRPr lang="de-CH" dirty="0"/>
           </a:p>
         </p:txBody>
       </p:sp>
-      <p:pic>
-        <p:nvPicPr>
-          <p:cNvPr id="5" name="Inhaltsplatzhalter 4" descr="Ein Bild, das Text, Screenshot, Schrift, Diagramm enthält.&#10;&#10;KI-generierte Inhalte können fehlerhaft sein.">
+      <p:sp>
+        <p:nvSpPr>
+          <p:cNvPr id="3" name="Content Placeholder 2">
             <a:extLst>
               <a:ext uri="{FF2B5EF4-FFF2-40B4-BE49-F238E27FC236}">
-                <a16:creationId xmlns:a16="http://schemas.microsoft.com/office/drawing/2014/main" id="{3076232D-E9E4-FC16-D795-93A90A5DB318}"/>
+                <a16:creationId xmlns:a16="http://schemas.microsoft.com/office/drawing/2014/main" id="{60BA0FFC-2D2C-9C6B-D673-32CD703BB578}"/>
               </a:ext>
             </a:extLst>
           </p:cNvPr>
-          <p:cNvPicPr>
-            <a:picLocks noGrp="1" noChangeAspect="1"/>
-          </p:cNvPicPr>
+          <p:cNvSpPr>
+            <a:spLocks noGrp="1"/>
+          </p:cNvSpPr>
           <p:nvPr>
             <p:ph idx="1"/>
           </p:nvPr>
-        </p:nvPicPr>
-        <p:blipFill>
-          <a:blip r:embed="rId2">
-            <a:extLst>
-              <a:ext uri="{28A0092B-C50C-407E-A947-70E740481C1C}">
-                <a14:useLocalDpi xmlns:a14="http://schemas.microsoft.com/office/drawing/2010/main" val="0"/>
-              </a:ext>
-            </a:extLst>
-          </a:blip>
-          <a:stretch>
-            <a:fillRect/>
-          </a:stretch>
-        </p:blipFill>
-        <p:spPr>
-          <a:xfrm>
-            <a:off x="-55676" y="3145481"/>
-            <a:ext cx="4434635" cy="3719372"/>
-          </a:xfrm>
-        </p:spPr>
-      </p:pic>
-      <p:pic>
-        <p:nvPicPr>
-          <p:cNvPr id="9" name="Grafik 8" descr="Ein Bild, das Text, Screenshot, Schrift, Reihe enthält.&#10;&#10;KI-generierte Inhalte können fehlerhaft sein.">
-            <a:extLst>
-              <a:ext uri="{FF2B5EF4-FFF2-40B4-BE49-F238E27FC236}">
-                <a16:creationId xmlns:a16="http://schemas.microsoft.com/office/drawing/2014/main" id="{2767FC86-5039-0DCD-9A18-0BF72288387D}"/>
-              </a:ext>
-            </a:extLst>
-          </p:cNvPr>
-          <p:cNvPicPr>
-            <a:picLocks noChangeAspect="1"/>
-          </p:cNvPicPr>
-          <p:nvPr/>
-        </p:nvPicPr>
-        <p:blipFill>
-          <a:blip r:embed="rId3">
-            <a:extLst>
-              <a:ext uri="{28A0092B-C50C-407E-A947-70E740481C1C}">
-                <a14:useLocalDpi xmlns:a14="http://schemas.microsoft.com/office/drawing/2010/main" val="0"/>
-              </a:ext>
-            </a:extLst>
-          </a:blip>
-          <a:stretch>
-            <a:fillRect/>
-          </a:stretch>
-        </p:blipFill>
-        <p:spPr>
-          <a:xfrm>
-            <a:off x="4140654" y="1027906"/>
-            <a:ext cx="4068626" cy="3412396"/>
-          </a:xfrm>
-          <a:prstGeom prst="rect">
-            <a:avLst/>
-          </a:prstGeom>
-        </p:spPr>
-      </p:pic>
-      <p:pic>
-        <p:nvPicPr>
-          <p:cNvPr id="11" name="Grafik 10" descr="Ein Bild, das Text, Screenshot, Schrift, Reihe enthält.&#10;&#10;KI-generierte Inhalte können fehlerhaft sein.">
-            <a:extLst>
-              <a:ext uri="{FF2B5EF4-FFF2-40B4-BE49-F238E27FC236}">
-                <a16:creationId xmlns:a16="http://schemas.microsoft.com/office/drawing/2014/main" id="{F3D46F62-CDAB-7DF2-D5AD-8ECD93880F9B}"/>
-              </a:ext>
-            </a:extLst>
-          </p:cNvPr>
-          <p:cNvPicPr>
-            <a:picLocks noChangeAspect="1"/>
-          </p:cNvPicPr>
-          <p:nvPr/>
-        </p:nvPicPr>
-        <p:blipFill>
-          <a:blip r:embed="rId4">
-            <a:extLst>
-              <a:ext uri="{28A0092B-C50C-407E-A947-70E740481C1C}">
-                <a14:useLocalDpi xmlns:a14="http://schemas.microsoft.com/office/drawing/2010/main" val="0"/>
-              </a:ext>
-            </a:extLst>
-          </a:blip>
-          <a:stretch>
-            <a:fillRect/>
-          </a:stretch>
-        </p:blipFill>
-        <p:spPr>
-          <a:xfrm>
-            <a:off x="7934961" y="3247735"/>
-            <a:ext cx="4257039" cy="3570420"/>
-          </a:xfrm>
-          <a:prstGeom prst="rect">
-            <a:avLst/>
-          </a:prstGeom>
-        </p:spPr>
-      </p:pic>
-      <p:sp>
-        <p:nvSpPr>
-          <p:cNvPr id="12" name="Textfeld 11">
-            <a:extLst>
-              <a:ext uri="{FF2B5EF4-FFF2-40B4-BE49-F238E27FC236}">
-                <a16:creationId xmlns:a16="http://schemas.microsoft.com/office/drawing/2014/main" id="{B68D9DDB-0CE3-1D30-2602-4D6B0A8319E6}"/>
-              </a:ext>
-            </a:extLst>
-          </p:cNvPr>
-          <p:cNvSpPr txBox="1"/>
-          <p:nvPr/>
         </p:nvSpPr>
         <p:spPr>
           <a:xfrm>
-            <a:off x="838200" y="2047406"/>
-            <a:ext cx="2860040" cy="1200329"/>
+            <a:off x="838200" y="1491916"/>
+            <a:ext cx="10515600" cy="5366084"/>
           </a:xfrm>
-          <a:prstGeom prst="rect">
-            <a:avLst/>
-          </a:prstGeom>
-          <a:noFill/>
         </p:spPr>
         <p:txBody>
-          <a:bodyPr wrap="square" rtlCol="0">
-            <a:spAutoFit/>
+          <a:bodyPr>
+            <a:normAutofit/>
           </a:bodyPr>
           <a:lstStyle/>
           <a:p>
-            <a:r>
-              <a:rPr lang="de-CH" sz="2400" dirty="0"/>
-              <a:t>Initial </a:t>
-            </a:r>
-            <a:r>
-              <a:rPr lang="de-CH" sz="2400" dirty="0" err="1"/>
-              <a:t>populations</a:t>
-            </a:r>
-            <a:r>
-              <a:rPr lang="de-CH" sz="2400" dirty="0"/>
-              <a:t> </a:t>
-            </a:r>
-            <a:r>
-              <a:rPr lang="de-CH" sz="2400" dirty="0" err="1"/>
-              <a:t>for</a:t>
-            </a:r>
-            <a:r>
-              <a:rPr lang="de-CH" sz="2400" dirty="0"/>
-              <a:t> all </a:t>
-            </a:r>
-            <a:r>
-              <a:rPr lang="de-CH" sz="2400" dirty="0" err="1"/>
-              <a:t>four</a:t>
-            </a:r>
-            <a:r>
-              <a:rPr lang="de-CH" sz="2400" dirty="0"/>
-              <a:t> </a:t>
-            </a:r>
-            <a:r>
-              <a:rPr lang="de-CH" sz="2400" dirty="0" err="1"/>
-              <a:t>mutants</a:t>
-            </a:r>
-            <a:r>
-              <a:rPr lang="de-CH" sz="2400" dirty="0"/>
-              <a:t>: N = 50</a:t>
-            </a:r>
+            <a:pPr lvl="0"/>
+            <a:r>
+              <a:rPr lang="en-GB" dirty="0"/>
+              <a:t>Manly: package ggplot2</a:t>
+            </a:r>
+            <a:endParaRPr lang="de-CH" dirty="0"/>
+          </a:p>
+          <a:p>
+            <a:pPr lvl="0"/>
+            <a:r>
+              <a:rPr lang="en-GB" dirty="0"/>
+              <a:t>Scatterplots to visualize the frequency of each mutation separately after </a:t>
+            </a:r>
+            <a:r>
+              <a:rPr lang="en-GB" dirty="0" err="1"/>
+              <a:t>max_gen</a:t>
+            </a:r>
+            <a:r>
+              <a:rPr lang="en-GB" dirty="0"/>
+              <a:t> (1000 generations) </a:t>
+            </a:r>
+            <a:endParaRPr lang="de-CH" dirty="0"/>
+          </a:p>
+          <a:p>
+            <a:pPr lvl="0"/>
+            <a:r>
+              <a:rPr lang="en-GB" dirty="0"/>
+              <a:t>Advantages: every replicate can be visualized; unexpected results are easier to interpret for us than with using boxplots</a:t>
+            </a:r>
+            <a:endParaRPr lang="de-CH" dirty="0"/>
+          </a:p>
+          <a:p>
+            <a:pPr lvl="0"/>
+            <a:r>
+              <a:rPr lang="en-GB" dirty="0" err="1"/>
+              <a:t>ggplot</a:t>
+            </a:r>
+            <a:r>
+              <a:rPr lang="en-GB" dirty="0"/>
+              <a:t>-boxplot to visualize the rescue probability depending on the selection coefficient for all 4 mutants </a:t>
+            </a:r>
+            <a:r>
+              <a:rPr lang="en-GB" dirty="0">
+                <a:sym typeface="Wingdings" panose="05000000000000000000" pitchFamily="2" charset="2"/>
+              </a:rPr>
+              <a:t></a:t>
+            </a:r>
+            <a:r>
+              <a:rPr lang="en-GB" dirty="0"/>
+              <a:t> in this case boxplot gave a better overview for us</a:t>
+            </a:r>
+            <a:endParaRPr lang="de-CH" dirty="0"/>
+          </a:p>
+          <a:p>
+            <a:pPr lvl="0"/>
+            <a:r>
+              <a:rPr lang="en-GB" dirty="0" err="1"/>
+              <a:t>ggplot</a:t>
+            </a:r>
+            <a:r>
+              <a:rPr lang="en-GB" dirty="0"/>
+              <a:t>-heatmap to be able to combine rescue probability, selection coefficients and mutation rates all in one plot </a:t>
+            </a:r>
+            <a:endParaRPr lang="de-CH" dirty="0"/>
+          </a:p>
+          <a:p>
+            <a:endParaRPr lang="de-CH" dirty="0"/>
           </a:p>
         </p:txBody>
       </p:sp>
     </p:spTree>
     <p:extLst>
       <p:ext uri="{BB962C8B-B14F-4D97-AF65-F5344CB8AC3E}">
-        <p14:creationId xmlns:p14="http://schemas.microsoft.com/office/powerpoint/2010/main" val="2339112011"/>
+        <p14:creationId xmlns:p14="http://schemas.microsoft.com/office/powerpoint/2010/main" val="2365937612"/>
       </p:ext>
     </p:extLst>
   </p:cSld>
@@ -11463,10 +11959,10 @@
       </p:grpSpPr>
       <p:pic>
         <p:nvPicPr>
-          <p:cNvPr id="7" name="Grafik 6">
+          <p:cNvPr id="8" name="Picture 7">
             <a:extLst>
               <a:ext uri="{FF2B5EF4-FFF2-40B4-BE49-F238E27FC236}">
-                <a16:creationId xmlns:a16="http://schemas.microsoft.com/office/drawing/2014/main" id="{1DAE38D4-F6F3-C876-02B3-005DB9A72CE8}"/>
+                <a16:creationId xmlns:a16="http://schemas.microsoft.com/office/drawing/2014/main" id="{96E3E938-96DB-157D-EAAA-479F391C7B2B}"/>
               </a:ext>
             </a:extLst>
           </p:cNvPr>
@@ -11476,200 +11972,27 @@
           <p:nvPr/>
         </p:nvPicPr>
         <p:blipFill>
-          <a:blip r:embed="rId2">
-            <a:extLst>
-              <a:ext uri="{28A0092B-C50C-407E-A947-70E740481C1C}">
-                <a14:useLocalDpi xmlns:a14="http://schemas.microsoft.com/office/drawing/2010/main" val="0"/>
-              </a:ext>
-            </a:extLst>
-          </a:blip>
+          <a:blip r:embed="rId2"/>
           <a:stretch>
             <a:fillRect/>
           </a:stretch>
         </p:blipFill>
         <p:spPr>
           <a:xfrm>
-            <a:off x="1" y="3322319"/>
-            <a:ext cx="4139417" cy="3471769"/>
+            <a:off x="88136" y="6039741"/>
+            <a:ext cx="5629619" cy="818259"/>
           </a:xfrm>
           <a:prstGeom prst="rect">
             <a:avLst/>
           </a:prstGeom>
         </p:spPr>
       </p:pic>
-      <p:sp>
-        <p:nvSpPr>
-          <p:cNvPr id="2" name="Titel 1">
+      <p:pic>
+        <p:nvPicPr>
+          <p:cNvPr id="11" name="Picture 10">
             <a:extLst>
               <a:ext uri="{FF2B5EF4-FFF2-40B4-BE49-F238E27FC236}">
-                <a16:creationId xmlns:a16="http://schemas.microsoft.com/office/drawing/2014/main" id="{03493042-59F9-758F-63FD-D905482F5A90}"/>
-              </a:ext>
-            </a:extLst>
-          </p:cNvPr>
-          <p:cNvSpPr>
-            <a:spLocks noGrp="1"/>
-          </p:cNvSpPr>
-          <p:nvPr>
-            <p:ph type="title"/>
-          </p:nvPr>
-        </p:nvSpPr>
-        <p:spPr/>
-        <p:txBody>
-          <a:bodyPr/>
-          <a:lstStyle/>
-          <a:p>
-            <a:r>
-              <a:rPr lang="de-CH" dirty="0"/>
-              <a:t>Plot </a:t>
-            </a:r>
-            <a:r>
-              <a:rPr lang="de-CH" dirty="0" err="1"/>
-              <a:t>showing</a:t>
-            </a:r>
-            <a:r>
-              <a:rPr lang="de-CH" dirty="0"/>
-              <a:t> multiple </a:t>
-            </a:r>
-            <a:r>
-              <a:rPr lang="de-CH" dirty="0" err="1"/>
-              <a:t>populations</a:t>
-            </a:r>
-            <a:r>
-              <a:rPr lang="de-CH" dirty="0"/>
-              <a:t> </a:t>
-            </a:r>
-            <a:r>
-              <a:rPr lang="de-CH" dirty="0" err="1"/>
-              <a:t>over</a:t>
-            </a:r>
-            <a:r>
-              <a:rPr lang="de-CH" dirty="0"/>
-              <a:t> a </a:t>
-            </a:r>
-            <a:r>
-              <a:rPr lang="de-CH" dirty="0" err="1"/>
-              <a:t>thousand</a:t>
-            </a:r>
-            <a:r>
-              <a:rPr lang="de-CH" dirty="0"/>
-              <a:t> </a:t>
-            </a:r>
-            <a:r>
-              <a:rPr lang="de-CH" dirty="0" err="1"/>
-              <a:t>generations</a:t>
-            </a:r>
-            <a:endParaRPr lang="de-CH" dirty="0"/>
-          </a:p>
-        </p:txBody>
-      </p:sp>
-      <p:pic>
-        <p:nvPicPr>
-          <p:cNvPr id="5" name="Inhaltsplatzhalter 4">
-            <a:extLst>
-              <a:ext uri="{FF2B5EF4-FFF2-40B4-BE49-F238E27FC236}">
-                <a16:creationId xmlns:a16="http://schemas.microsoft.com/office/drawing/2014/main" id="{A120981A-76D2-D045-6D32-C63C6615B709}"/>
-              </a:ext>
-            </a:extLst>
-          </p:cNvPr>
-          <p:cNvPicPr>
-            <a:picLocks noGrp="1" noChangeAspect="1"/>
-          </p:cNvPicPr>
-          <p:nvPr>
-            <p:ph idx="1"/>
-          </p:nvPr>
-        </p:nvPicPr>
-        <p:blipFill>
-          <a:blip r:embed="rId3">
-            <a:extLst>
-              <a:ext uri="{28A0092B-C50C-407E-A947-70E740481C1C}">
-                <a14:useLocalDpi xmlns:a14="http://schemas.microsoft.com/office/drawing/2010/main" val="0"/>
-              </a:ext>
-            </a:extLst>
-          </a:blip>
-          <a:stretch>
-            <a:fillRect/>
-          </a:stretch>
-        </p:blipFill>
-        <p:spPr>
-          <a:xfrm>
-            <a:off x="7752077" y="3134196"/>
-            <a:ext cx="4439921" cy="3723804"/>
-          </a:xfrm>
-        </p:spPr>
-      </p:pic>
-      <p:sp>
-        <p:nvSpPr>
-          <p:cNvPr id="8" name="Textfeld 7">
-            <a:extLst>
-              <a:ext uri="{FF2B5EF4-FFF2-40B4-BE49-F238E27FC236}">
-                <a16:creationId xmlns:a16="http://schemas.microsoft.com/office/drawing/2014/main" id="{0D514E63-125A-3336-1788-D4AC7FAFFF22}"/>
-              </a:ext>
-            </a:extLst>
-          </p:cNvPr>
-          <p:cNvSpPr txBox="1"/>
-          <p:nvPr/>
-        </p:nvSpPr>
-        <p:spPr>
-          <a:xfrm>
-            <a:off x="838201" y="1931763"/>
-            <a:ext cx="2860040" cy="1200329"/>
-          </a:xfrm>
-          <a:prstGeom prst="rect">
-            <a:avLst/>
-          </a:prstGeom>
-          <a:noFill/>
-        </p:spPr>
-        <p:txBody>
-          <a:bodyPr wrap="square" rtlCol="0">
-            <a:spAutoFit/>
-          </a:bodyPr>
-          <a:lstStyle/>
-          <a:p>
-            <a:r>
-              <a:rPr lang="de-CH" sz="2400" dirty="0"/>
-              <a:t>Initial </a:t>
-            </a:r>
-            <a:r>
-              <a:rPr lang="de-CH" sz="2400" dirty="0" err="1"/>
-              <a:t>populations</a:t>
-            </a:r>
-            <a:r>
-              <a:rPr lang="de-CH" sz="2400" dirty="0"/>
-              <a:t> </a:t>
-            </a:r>
-            <a:r>
-              <a:rPr lang="de-CH" sz="2400" dirty="0" err="1"/>
-              <a:t>for</a:t>
-            </a:r>
-            <a:r>
-              <a:rPr lang="de-CH" sz="2400" dirty="0"/>
-              <a:t> all </a:t>
-            </a:r>
-            <a:r>
-              <a:rPr lang="de-CH" sz="2400" dirty="0" err="1"/>
-              <a:t>four</a:t>
-            </a:r>
-            <a:r>
-              <a:rPr lang="de-CH" sz="2400" dirty="0"/>
-              <a:t> </a:t>
-            </a:r>
-            <a:r>
-              <a:rPr lang="de-CH" sz="2400" dirty="0" err="1"/>
-              <a:t>mutants</a:t>
-            </a:r>
-            <a:r>
-              <a:rPr lang="de-CH" sz="2400" dirty="0"/>
-              <a:t>: N = 30</a:t>
-            </a:r>
-          </a:p>
-        </p:txBody>
-      </p:sp>
-      <p:pic>
-        <p:nvPicPr>
-          <p:cNvPr id="10" name="Grafik 9" descr="Ein Bild, das Text, Screenshot, Diagramm, Schrift enthält.&#10;&#10;KI-generierte Inhalte können fehlerhaft sein.">
-            <a:extLst>
-              <a:ext uri="{FF2B5EF4-FFF2-40B4-BE49-F238E27FC236}">
-                <a16:creationId xmlns:a16="http://schemas.microsoft.com/office/drawing/2014/main" id="{7DF03FD8-2F12-E3E2-7BAA-2F2D40B15C49}"/>
+                <a16:creationId xmlns:a16="http://schemas.microsoft.com/office/drawing/2014/main" id="{F48C4CB0-1F95-AE56-8E21-920E42CCD0F2}"/>
               </a:ext>
             </a:extLst>
           </p:cNvPr>
@@ -11679,21 +12002,15 @@
           <p:nvPr/>
         </p:nvPicPr>
         <p:blipFill>
-          <a:blip r:embed="rId4">
-            <a:extLst>
-              <a:ext uri="{28A0092B-C50C-407E-A947-70E740481C1C}">
-                <a14:useLocalDpi xmlns:a14="http://schemas.microsoft.com/office/drawing/2010/main" val="0"/>
-              </a:ext>
-            </a:extLst>
-          </a:blip>
+          <a:blip r:embed="rId3"/>
           <a:stretch>
             <a:fillRect/>
           </a:stretch>
         </p:blipFill>
         <p:spPr>
           <a:xfrm>
-            <a:off x="3837838" y="1535057"/>
-            <a:ext cx="4203804" cy="3525771"/>
+            <a:off x="1189823" y="169816"/>
+            <a:ext cx="9420554" cy="5870780"/>
           </a:xfrm>
           <a:prstGeom prst="rect">
             <a:avLst/>
@@ -11703,7 +12020,7 @@
     </p:spTree>
     <p:extLst>
       <p:ext uri="{BB962C8B-B14F-4D97-AF65-F5344CB8AC3E}">
-        <p14:creationId xmlns:p14="http://schemas.microsoft.com/office/powerpoint/2010/main" val="4126068761"/>
+        <p14:creationId xmlns:p14="http://schemas.microsoft.com/office/powerpoint/2010/main" val="3601942910"/>
       </p:ext>
     </p:extLst>
   </p:cSld>
@@ -11730,12 +12047,77 @@
           <a:chExt cx="0" cy="0"/>
         </a:xfrm>
       </p:grpSpPr>
+      <p:sp>
+        <p:nvSpPr>
+          <p:cNvPr id="2" name="Titel 1">
+            <a:extLst>
+              <a:ext uri="{FF2B5EF4-FFF2-40B4-BE49-F238E27FC236}">
+                <a16:creationId xmlns:a16="http://schemas.microsoft.com/office/drawing/2014/main" id="{6E14644D-1FC8-F260-4A79-EB69FA2AF150}"/>
+              </a:ext>
+            </a:extLst>
+          </p:cNvPr>
+          <p:cNvSpPr>
+            <a:spLocks noGrp="1"/>
+          </p:cNvSpPr>
+          <p:nvPr>
+            <p:ph type="title"/>
+          </p:nvPr>
+        </p:nvSpPr>
+        <p:spPr/>
+        <p:txBody>
+          <a:bodyPr/>
+          <a:lstStyle/>
+          <a:p>
+            <a:r>
+              <a:rPr lang="de-CH" dirty="0"/>
+              <a:t>Plot </a:t>
+            </a:r>
+            <a:r>
+              <a:rPr lang="de-CH" dirty="0" err="1"/>
+              <a:t>showing</a:t>
+            </a:r>
+            <a:r>
+              <a:rPr lang="de-CH" dirty="0"/>
+              <a:t> </a:t>
+            </a:r>
+            <a:r>
+              <a:rPr lang="de-CH" dirty="0" err="1"/>
+              <a:t>one</a:t>
+            </a:r>
+            <a:r>
+              <a:rPr lang="de-CH" dirty="0"/>
+              <a:t> </a:t>
+            </a:r>
+            <a:r>
+              <a:rPr lang="de-CH" dirty="0" err="1"/>
+              <a:t>population</a:t>
+            </a:r>
+            <a:r>
+              <a:rPr lang="de-CH" dirty="0"/>
+              <a:t> </a:t>
+            </a:r>
+            <a:r>
+              <a:rPr lang="de-CH" dirty="0" err="1"/>
+              <a:t>over</a:t>
+            </a:r>
+            <a:r>
+              <a:rPr lang="de-CH" dirty="0"/>
+              <a:t> multiple </a:t>
+            </a:r>
+            <a:r>
+              <a:rPr lang="de-CH" dirty="0" err="1"/>
+              <a:t>generations</a:t>
+            </a:r>
+            <a:endParaRPr lang="de-CH" dirty="0"/>
+          </a:p>
+        </p:txBody>
+      </p:sp>
       <p:pic>
         <p:nvPicPr>
           <p:cNvPr id="7" name="Grafik 6">
             <a:extLst>
               <a:ext uri="{FF2B5EF4-FFF2-40B4-BE49-F238E27FC236}">
-                <a16:creationId xmlns:a16="http://schemas.microsoft.com/office/drawing/2014/main" id="{35C3E923-6E68-939A-4B46-1A2556469F76}"/>
+                <a16:creationId xmlns:a16="http://schemas.microsoft.com/office/drawing/2014/main" id="{5BFBA0A0-986F-6CD4-7F83-DC042D4F7E8C}"/>
               </a:ext>
             </a:extLst>
           </p:cNvPr>
@@ -11758,8 +12140,8 @@
         </p:blipFill>
         <p:spPr>
           <a:xfrm>
-            <a:off x="0" y="3261358"/>
-            <a:ext cx="4288302" cy="3596641"/>
+            <a:off x="3848304" y="901972"/>
+            <a:ext cx="4495391" cy="3770328"/>
           </a:xfrm>
           <a:prstGeom prst="rect">
             <a:avLst/>
@@ -11768,10 +12150,10 @@
       </p:pic>
       <p:pic>
         <p:nvPicPr>
-          <p:cNvPr id="5" name="Inhaltsplatzhalter 4">
+          <p:cNvPr id="5" name="Inhaltsplatzhalter 4" descr="Ein Bild, das Text, Diagramm, Reihe, Schrift enthält.&#10;&#10;KI-generierte Inhalte können fehlerhaft sein.">
             <a:extLst>
               <a:ext uri="{FF2B5EF4-FFF2-40B4-BE49-F238E27FC236}">
-                <a16:creationId xmlns:a16="http://schemas.microsoft.com/office/drawing/2014/main" id="{530176FA-7389-FBA6-6398-7DCE7B3B42EA}"/>
+                <a16:creationId xmlns:a16="http://schemas.microsoft.com/office/drawing/2014/main" id="{9F3D3B1C-B956-FC78-6247-98786858B2D4}"/>
               </a:ext>
             </a:extLst>
           </p:cNvPr>
@@ -11796,17 +12178,150 @@
         </p:blipFill>
         <p:spPr>
           <a:xfrm>
-            <a:off x="3994241" y="1380803"/>
-            <a:ext cx="4203517" cy="3525530"/>
+            <a:off x="8006080" y="3347230"/>
+            <a:ext cx="4185919" cy="3510770"/>
           </a:xfrm>
         </p:spPr>
       </p:pic>
+      <p:pic>
+        <p:nvPicPr>
+          <p:cNvPr id="9" name="Grafik 8" descr="Ein Bild, das Text, Diagramm, Screenshot, Schrift enthält.&#10;&#10;KI-generierte Inhalte können fehlerhaft sein.">
+            <a:extLst>
+              <a:ext uri="{FF2B5EF4-FFF2-40B4-BE49-F238E27FC236}">
+                <a16:creationId xmlns:a16="http://schemas.microsoft.com/office/drawing/2014/main" id="{8A8A826D-1322-785C-EEC7-C78077239A34}"/>
+              </a:ext>
+            </a:extLst>
+          </p:cNvPr>
+          <p:cNvPicPr>
+            <a:picLocks noChangeAspect="1"/>
+          </p:cNvPicPr>
+          <p:nvPr/>
+        </p:nvPicPr>
+        <p:blipFill>
+          <a:blip r:embed="rId4">
+            <a:extLst>
+              <a:ext uri="{28A0092B-C50C-407E-A947-70E740481C1C}">
+                <a14:useLocalDpi xmlns:a14="http://schemas.microsoft.com/office/drawing/2010/main" val="0"/>
+              </a:ext>
+            </a:extLst>
+          </a:blip>
+          <a:stretch>
+            <a:fillRect/>
+          </a:stretch>
+        </p:blipFill>
+        <p:spPr>
+          <a:xfrm>
+            <a:off x="1" y="3365044"/>
+            <a:ext cx="4071208" cy="3414562"/>
+          </a:xfrm>
+          <a:prstGeom prst="rect">
+            <a:avLst/>
+          </a:prstGeom>
+        </p:spPr>
+      </p:pic>
+      <p:sp>
+        <p:nvSpPr>
+          <p:cNvPr id="10" name="Textfeld 9">
+            <a:extLst>
+              <a:ext uri="{FF2B5EF4-FFF2-40B4-BE49-F238E27FC236}">
+                <a16:creationId xmlns:a16="http://schemas.microsoft.com/office/drawing/2014/main" id="{FE385058-2D25-45A4-0481-B32C3599EEA1}"/>
+              </a:ext>
+            </a:extLst>
+          </p:cNvPr>
+          <p:cNvSpPr txBox="1"/>
+          <p:nvPr/>
+        </p:nvSpPr>
+        <p:spPr>
+          <a:xfrm>
+            <a:off x="838199" y="1913343"/>
+            <a:ext cx="2860041" cy="1200329"/>
+          </a:xfrm>
+          <a:prstGeom prst="rect">
+            <a:avLst/>
+          </a:prstGeom>
+          <a:noFill/>
+        </p:spPr>
+        <p:txBody>
+          <a:bodyPr wrap="square" rtlCol="0">
+            <a:spAutoFit/>
+          </a:bodyPr>
+          <a:lstStyle/>
+          <a:p>
+            <a:r>
+              <a:rPr lang="de-CH" sz="2400" dirty="0"/>
+              <a:t>Initial </a:t>
+            </a:r>
+            <a:r>
+              <a:rPr lang="de-CH" sz="2400" dirty="0" err="1"/>
+              <a:t>populations</a:t>
+            </a:r>
+            <a:r>
+              <a:rPr lang="de-CH" sz="2400" dirty="0"/>
+              <a:t> </a:t>
+            </a:r>
+            <a:r>
+              <a:rPr lang="de-CH" sz="2400" dirty="0" err="1"/>
+              <a:t>for</a:t>
+            </a:r>
+            <a:r>
+              <a:rPr lang="de-CH" sz="2400" dirty="0"/>
+              <a:t> all </a:t>
+            </a:r>
+            <a:r>
+              <a:rPr lang="de-CH" sz="2400" dirty="0" err="1"/>
+              <a:t>four</a:t>
+            </a:r>
+            <a:r>
+              <a:rPr lang="de-CH" sz="2400" dirty="0"/>
+              <a:t> </a:t>
+            </a:r>
+            <a:r>
+              <a:rPr lang="de-CH" sz="2400" dirty="0" err="1"/>
+              <a:t>mutants</a:t>
+            </a:r>
+            <a:r>
+              <a:rPr lang="de-CH" sz="2400" dirty="0"/>
+              <a:t>: N = 30</a:t>
+            </a:r>
+          </a:p>
+        </p:txBody>
+      </p:sp>
+    </p:spTree>
+    <p:extLst>
+      <p:ext uri="{BB962C8B-B14F-4D97-AF65-F5344CB8AC3E}">
+        <p14:creationId xmlns:p14="http://schemas.microsoft.com/office/powerpoint/2010/main" val="2040584766"/>
+      </p:ext>
+    </p:extLst>
+  </p:cSld>
+  <p:clrMapOvr>
+    <a:masterClrMapping/>
+  </p:clrMapOvr>
+</p:sld>
+</file>
+
+<file path=ppt/slides/slide9.xml><?xml version="1.0" encoding="utf-8"?>
+<p:sld xmlns:a="http://schemas.openxmlformats.org/drawingml/2006/main" xmlns:r="http://schemas.openxmlformats.org/officeDocument/2006/relationships" xmlns:p="http://schemas.openxmlformats.org/presentationml/2006/main">
+  <p:cSld>
+    <p:spTree>
+      <p:nvGrpSpPr>
+        <p:cNvPr id="1" name=""/>
+        <p:cNvGrpSpPr/>
+        <p:nvPr/>
+      </p:nvGrpSpPr>
+      <p:grpSpPr>
+        <a:xfrm>
+          <a:off x="0" y="0"/>
+          <a:ext cx="0" cy="0"/>
+          <a:chOff x="0" y="0"/>
+          <a:chExt cx="0" cy="0"/>
+        </a:xfrm>
+      </p:grpSpPr>
       <p:sp>
         <p:nvSpPr>
           <p:cNvPr id="2" name="Titel 1">
             <a:extLst>
               <a:ext uri="{FF2B5EF4-FFF2-40B4-BE49-F238E27FC236}">
-                <a16:creationId xmlns:a16="http://schemas.microsoft.com/office/drawing/2014/main" id="{AB052475-74BA-3738-B41C-332AAEC22DAF}"/>
+                <a16:creationId xmlns:a16="http://schemas.microsoft.com/office/drawing/2014/main" id="{2BCBAAC2-B731-A0B9-E93A-88C7B19B44A5}"/>
               </a:ext>
             </a:extLst>
           </p:cNvPr>
@@ -11832,11 +12347,11 @@
             </a:r>
             <a:r>
               <a:rPr lang="de-CH" dirty="0"/>
-              <a:t> multiple </a:t>
+              <a:t> </a:t>
             </a:r>
             <a:r>
               <a:rPr lang="de-CH" dirty="0" err="1"/>
-              <a:t>populations</a:t>
+              <a:t>one</a:t>
             </a:r>
             <a:r>
               <a:rPr lang="de-CH" dirty="0"/>
@@ -11844,19 +12359,19 @@
             </a:r>
             <a:r>
               <a:rPr lang="de-CH" dirty="0" err="1"/>
-              <a:t>over</a:t>
-            </a:r>
-            <a:r>
-              <a:rPr lang="de-CH" dirty="0"/>
-              <a:t> a </a:t>
-            </a:r>
-            <a:r>
-              <a:rPr lang="de-CH" dirty="0" err="1"/>
-              <a:t>thousand</a:t>
+              <a:t>population</a:t>
             </a:r>
             <a:r>
               <a:rPr lang="de-CH" dirty="0"/>
               <a:t> </a:t>
+            </a:r>
+            <a:r>
+              <a:rPr lang="de-CH" dirty="0" err="1"/>
+              <a:t>over</a:t>
+            </a:r>
+            <a:r>
+              <a:rPr lang="de-CH" dirty="0"/>
+              <a:t> multiple </a:t>
             </a:r>
             <a:r>
               <a:rPr lang="de-CH" dirty="0" err="1"/>
@@ -11868,10 +12383,81 @@
       </p:sp>
       <p:pic>
         <p:nvPicPr>
-          <p:cNvPr id="9" name="Grafik 8" descr="Ein Bild, das Text, Screenshot, Diagramm, Grafiken enthält.&#10;&#10;KI-generierte Inhalte können fehlerhaft sein.">
+          <p:cNvPr id="5" name="Inhaltsplatzhalter 4" descr="Ein Bild, das Text, Screenshot, Schrift, Diagramm enthält.&#10;&#10;KI-generierte Inhalte können fehlerhaft sein.">
             <a:extLst>
               <a:ext uri="{FF2B5EF4-FFF2-40B4-BE49-F238E27FC236}">
-                <a16:creationId xmlns:a16="http://schemas.microsoft.com/office/drawing/2014/main" id="{EDB4AAC9-E495-13F0-D78F-F004761FE242}"/>
+                <a16:creationId xmlns:a16="http://schemas.microsoft.com/office/drawing/2014/main" id="{3076232D-E9E4-FC16-D795-93A90A5DB318}"/>
+              </a:ext>
+            </a:extLst>
+          </p:cNvPr>
+          <p:cNvPicPr>
+            <a:picLocks noGrp="1" noChangeAspect="1"/>
+          </p:cNvPicPr>
+          <p:nvPr>
+            <p:ph idx="1"/>
+          </p:nvPr>
+        </p:nvPicPr>
+        <p:blipFill>
+          <a:blip r:embed="rId2">
+            <a:extLst>
+              <a:ext uri="{28A0092B-C50C-407E-A947-70E740481C1C}">
+                <a14:useLocalDpi xmlns:a14="http://schemas.microsoft.com/office/drawing/2010/main" val="0"/>
+              </a:ext>
+            </a:extLst>
+          </a:blip>
+          <a:stretch>
+            <a:fillRect/>
+          </a:stretch>
+        </p:blipFill>
+        <p:spPr>
+          <a:xfrm>
+            <a:off x="-55676" y="3145481"/>
+            <a:ext cx="4434635" cy="3719372"/>
+          </a:xfrm>
+        </p:spPr>
+      </p:pic>
+      <p:pic>
+        <p:nvPicPr>
+          <p:cNvPr id="9" name="Grafik 8" descr="Ein Bild, das Text, Screenshot, Schrift, Reihe enthält.&#10;&#10;KI-generierte Inhalte können fehlerhaft sein.">
+            <a:extLst>
+              <a:ext uri="{FF2B5EF4-FFF2-40B4-BE49-F238E27FC236}">
+                <a16:creationId xmlns:a16="http://schemas.microsoft.com/office/drawing/2014/main" id="{2767FC86-5039-0DCD-9A18-0BF72288387D}"/>
+              </a:ext>
+            </a:extLst>
+          </p:cNvPr>
+          <p:cNvPicPr>
+            <a:picLocks noChangeAspect="1"/>
+          </p:cNvPicPr>
+          <p:nvPr/>
+        </p:nvPicPr>
+        <p:blipFill>
+          <a:blip r:embed="rId3">
+            <a:extLst>
+              <a:ext uri="{28A0092B-C50C-407E-A947-70E740481C1C}">
+                <a14:useLocalDpi xmlns:a14="http://schemas.microsoft.com/office/drawing/2010/main" val="0"/>
+              </a:ext>
+            </a:extLst>
+          </a:blip>
+          <a:stretch>
+            <a:fillRect/>
+          </a:stretch>
+        </p:blipFill>
+        <p:spPr>
+          <a:xfrm>
+            <a:off x="4140654" y="1027906"/>
+            <a:ext cx="4068626" cy="3412396"/>
+          </a:xfrm>
+          <a:prstGeom prst="rect">
+            <a:avLst/>
+          </a:prstGeom>
+        </p:spPr>
+      </p:pic>
+      <p:pic>
+        <p:nvPicPr>
+          <p:cNvPr id="11" name="Grafik 10" descr="Ein Bild, das Text, Screenshot, Schrift, Reihe enthält.&#10;&#10;KI-generierte Inhalte können fehlerhaft sein.">
+            <a:extLst>
+              <a:ext uri="{FF2B5EF4-FFF2-40B4-BE49-F238E27FC236}">
+                <a16:creationId xmlns:a16="http://schemas.microsoft.com/office/drawing/2014/main" id="{F3D46F62-CDAB-7DF2-D5AD-8ECD93880F9B}"/>
               </a:ext>
             </a:extLst>
           </p:cNvPr>
@@ -11894,8 +12480,8 @@
         </p:blipFill>
         <p:spPr>
           <a:xfrm>
-            <a:off x="7903698" y="3261360"/>
-            <a:ext cx="4288302" cy="3596640"/>
+            <a:off x="7934961" y="3247735"/>
+            <a:ext cx="4257039" cy="3570420"/>
           </a:xfrm>
           <a:prstGeom prst="rect">
             <a:avLst/>
@@ -11904,10 +12490,10 @@
       </p:pic>
       <p:sp>
         <p:nvSpPr>
-          <p:cNvPr id="10" name="Textfeld 9">
+          <p:cNvPr id="12" name="Textfeld 11">
             <a:extLst>
               <a:ext uri="{FF2B5EF4-FFF2-40B4-BE49-F238E27FC236}">
-                <a16:creationId xmlns:a16="http://schemas.microsoft.com/office/drawing/2014/main" id="{D7FDAA47-8D10-039B-A05B-ED4FEE16CD6E}"/>
+                <a16:creationId xmlns:a16="http://schemas.microsoft.com/office/drawing/2014/main" id="{B68D9DDB-0CE3-1D30-2602-4D6B0A8319E6}"/>
               </a:ext>
             </a:extLst>
           </p:cNvPr>
@@ -11916,8 +12502,8 @@
         </p:nvSpPr>
         <p:spPr>
           <a:xfrm>
-            <a:off x="838201" y="1931763"/>
-            <a:ext cx="3611880" cy="830997"/>
+            <a:off x="838200" y="2047406"/>
+            <a:ext cx="2860040" cy="1200329"/>
           </a:xfrm>
           <a:prstGeom prst="rect">
             <a:avLst/>
@@ -11972,7 +12558,7 @@
     </p:spTree>
     <p:extLst>
       <p:ext uri="{BB962C8B-B14F-4D97-AF65-F5344CB8AC3E}">
-        <p14:creationId xmlns:p14="http://schemas.microsoft.com/office/powerpoint/2010/main" val="788690148"/>
+        <p14:creationId xmlns:p14="http://schemas.microsoft.com/office/powerpoint/2010/main" val="2339112011"/>
       </p:ext>
     </p:extLst>
   </p:cSld>

--- a/THEE_project.pptx
+++ b/THEE_project.pptx
@@ -6621,7 +6621,7 @@
           <a:p>
             <a:fld id="{2A07F06B-CB54-47B8-86A8-70FF2417EE14}" type="slidenum">
               <a:rPr lang="de-CH" smtClean="0"/>
-              <a:t>‹#›</a:t>
+              <a:t>‹Nr.›</a:t>
             </a:fld>
             <a:endParaRPr lang="de-CH"/>
           </a:p>
@@ -6821,7 +6821,7 @@
           <a:p>
             <a:fld id="{2A07F06B-CB54-47B8-86A8-70FF2417EE14}" type="slidenum">
               <a:rPr lang="de-CH" smtClean="0"/>
-              <a:t>‹#›</a:t>
+              <a:t>‹Nr.›</a:t>
             </a:fld>
             <a:endParaRPr lang="de-CH"/>
           </a:p>
@@ -7031,7 +7031,7 @@
           <a:p>
             <a:fld id="{2A07F06B-CB54-47B8-86A8-70FF2417EE14}" type="slidenum">
               <a:rPr lang="de-CH" smtClean="0"/>
-              <a:t>‹#›</a:t>
+              <a:t>‹Nr.›</a:t>
             </a:fld>
             <a:endParaRPr lang="de-CH"/>
           </a:p>
@@ -7231,7 +7231,7 @@
           <a:p>
             <a:fld id="{2A07F06B-CB54-47B8-86A8-70FF2417EE14}" type="slidenum">
               <a:rPr lang="de-CH" smtClean="0"/>
-              <a:t>‹#›</a:t>
+              <a:t>‹Nr.›</a:t>
             </a:fld>
             <a:endParaRPr lang="de-CH"/>
           </a:p>
@@ -7507,7 +7507,7 @@
           <a:p>
             <a:fld id="{2A07F06B-CB54-47B8-86A8-70FF2417EE14}" type="slidenum">
               <a:rPr lang="de-CH" smtClean="0"/>
-              <a:t>‹#›</a:t>
+              <a:t>‹Nr.›</a:t>
             </a:fld>
             <a:endParaRPr lang="de-CH"/>
           </a:p>
@@ -7775,7 +7775,7 @@
           <a:p>
             <a:fld id="{2A07F06B-CB54-47B8-86A8-70FF2417EE14}" type="slidenum">
               <a:rPr lang="de-CH" smtClean="0"/>
-              <a:t>‹#›</a:t>
+              <a:t>‹Nr.›</a:t>
             </a:fld>
             <a:endParaRPr lang="de-CH"/>
           </a:p>
@@ -8190,7 +8190,7 @@
           <a:p>
             <a:fld id="{2A07F06B-CB54-47B8-86A8-70FF2417EE14}" type="slidenum">
               <a:rPr lang="de-CH" smtClean="0"/>
-              <a:t>‹#›</a:t>
+              <a:t>‹Nr.›</a:t>
             </a:fld>
             <a:endParaRPr lang="de-CH"/>
           </a:p>
@@ -8332,7 +8332,7 @@
           <a:p>
             <a:fld id="{2A07F06B-CB54-47B8-86A8-70FF2417EE14}" type="slidenum">
               <a:rPr lang="de-CH" smtClean="0"/>
-              <a:t>‹#›</a:t>
+              <a:t>‹Nr.›</a:t>
             </a:fld>
             <a:endParaRPr lang="de-CH"/>
           </a:p>
@@ -8445,7 +8445,7 @@
           <a:p>
             <a:fld id="{2A07F06B-CB54-47B8-86A8-70FF2417EE14}" type="slidenum">
               <a:rPr lang="de-CH" smtClean="0"/>
-              <a:t>‹#›</a:t>
+              <a:t>‹Nr.›</a:t>
             </a:fld>
             <a:endParaRPr lang="de-CH"/>
           </a:p>
@@ -8758,7 +8758,7 @@
           <a:p>
             <a:fld id="{2A07F06B-CB54-47B8-86A8-70FF2417EE14}" type="slidenum">
               <a:rPr lang="de-CH" smtClean="0"/>
-              <a:t>‹#›</a:t>
+              <a:t>‹Nr.›</a:t>
             </a:fld>
             <a:endParaRPr lang="de-CH"/>
           </a:p>
@@ -9047,7 +9047,7 @@
           <a:p>
             <a:fld id="{2A07F06B-CB54-47B8-86A8-70FF2417EE14}" type="slidenum">
               <a:rPr lang="de-CH" smtClean="0"/>
-              <a:t>‹#›</a:t>
+              <a:t>‹Nr.›</a:t>
             </a:fld>
             <a:endParaRPr lang="de-CH"/>
           </a:p>
@@ -9326,7 +9326,7 @@
           <a:p>
             <a:fld id="{2A07F06B-CB54-47B8-86A8-70FF2417EE14}" type="slidenum">
               <a:rPr lang="de-CH" smtClean="0"/>
-              <a:t>‹#›</a:t>
+              <a:t>‹Nr.›</a:t>
             </a:fld>
             <a:endParaRPr lang="de-CH"/>
           </a:p>
@@ -10379,10 +10379,10 @@
       </p:grpSpPr>
       <p:pic>
         <p:nvPicPr>
-          <p:cNvPr id="7" name="Grafik 6">
+          <p:cNvPr id="14" name="Grafik 13" descr="Ein Bild, das Text, Screenshot, Schrift, Diagramm enthält.&#10;&#10;KI-generierte Inhalte können fehlerhaft sein.">
             <a:extLst>
               <a:ext uri="{FF2B5EF4-FFF2-40B4-BE49-F238E27FC236}">
-                <a16:creationId xmlns:a16="http://schemas.microsoft.com/office/drawing/2014/main" id="{1DAE38D4-F6F3-C876-02B3-005DB9A72CE8}"/>
+                <a16:creationId xmlns:a16="http://schemas.microsoft.com/office/drawing/2014/main" id="{D782B588-ECE0-C3F9-5EB2-F894E28B2EC0}"/>
               </a:ext>
             </a:extLst>
           </p:cNvPr>
@@ -10405,8 +10405,8 @@
         </p:blipFill>
         <p:spPr>
           <a:xfrm>
-            <a:off x="1" y="3322319"/>
-            <a:ext cx="4139417" cy="3471769"/>
+            <a:off x="3891280" y="944674"/>
+            <a:ext cx="4409439" cy="3698239"/>
           </a:xfrm>
           <a:prstGeom prst="rect">
             <a:avLst/>
@@ -10478,41 +10478,6 @@
           </a:p>
         </p:txBody>
       </p:sp>
-      <p:pic>
-        <p:nvPicPr>
-          <p:cNvPr id="5" name="Inhaltsplatzhalter 4">
-            <a:extLst>
-              <a:ext uri="{FF2B5EF4-FFF2-40B4-BE49-F238E27FC236}">
-                <a16:creationId xmlns:a16="http://schemas.microsoft.com/office/drawing/2014/main" id="{A120981A-76D2-D045-6D32-C63C6615B709}"/>
-              </a:ext>
-            </a:extLst>
-          </p:cNvPr>
-          <p:cNvPicPr>
-            <a:picLocks noGrp="1" noChangeAspect="1"/>
-          </p:cNvPicPr>
-          <p:nvPr>
-            <p:ph idx="1"/>
-          </p:nvPr>
-        </p:nvPicPr>
-        <p:blipFill>
-          <a:blip r:embed="rId3">
-            <a:extLst>
-              <a:ext uri="{28A0092B-C50C-407E-A947-70E740481C1C}">
-                <a14:useLocalDpi xmlns:a14="http://schemas.microsoft.com/office/drawing/2010/main" val="0"/>
-              </a:ext>
-            </a:extLst>
-          </a:blip>
-          <a:stretch>
-            <a:fillRect/>
-          </a:stretch>
-        </p:blipFill>
-        <p:spPr>
-          <a:xfrm>
-            <a:off x="7752077" y="3134196"/>
-            <a:ext cx="4439921" cy="3723804"/>
-          </a:xfrm>
-        </p:spPr>
-      </p:pic>
       <p:sp>
         <p:nvSpPr>
           <p:cNvPr id="8" name="Textfeld 7">
@@ -10582,10 +10547,46 @@
       </p:sp>
       <p:pic>
         <p:nvPicPr>
-          <p:cNvPr id="10" name="Grafik 9" descr="Ein Bild, das Text, Screenshot, Diagramm, Schrift enthält.&#10;&#10;KI-generierte Inhalte können fehlerhaft sein.">
+          <p:cNvPr id="16" name="Grafik 15" descr="Ein Bild, das Text, Screenshot, Schrift, Diagramm enthält.&#10;&#10;KI-generierte Inhalte können fehlerhaft sein.">
             <a:extLst>
               <a:ext uri="{FF2B5EF4-FFF2-40B4-BE49-F238E27FC236}">
-                <a16:creationId xmlns:a16="http://schemas.microsoft.com/office/drawing/2014/main" id="{7DF03FD8-2F12-E3E2-7BAA-2F2D40B15C49}"/>
+                <a16:creationId xmlns:a16="http://schemas.microsoft.com/office/drawing/2014/main" id="{1CF1B61E-9E85-A7F5-0FA4-6FA0435C6607}"/>
+              </a:ext>
+            </a:extLst>
+          </p:cNvPr>
+          <p:cNvPicPr>
+            <a:picLocks noChangeAspect="1"/>
+          </p:cNvPicPr>
+          <p:nvPr/>
+        </p:nvPicPr>
+        <p:blipFill>
+          <a:blip r:embed="rId3">
+            <a:extLst>
+              <a:ext uri="{28A0092B-C50C-407E-A947-70E740481C1C}">
+                <a14:useLocalDpi xmlns:a14="http://schemas.microsoft.com/office/drawing/2010/main" val="0"/>
+              </a:ext>
+            </a:extLst>
+          </a:blip>
+          <a:stretch>
+            <a:fillRect/>
+          </a:stretch>
+        </p:blipFill>
+        <p:spPr>
+          <a:xfrm>
+            <a:off x="0" y="3312161"/>
+            <a:ext cx="4227733" cy="3545840"/>
+          </a:xfrm>
+          <a:prstGeom prst="rect">
+            <a:avLst/>
+          </a:prstGeom>
+        </p:spPr>
+      </p:pic>
+      <p:pic>
+        <p:nvPicPr>
+          <p:cNvPr id="12" name="Grafik 11" descr="Ein Bild, das Text, Screenshot, Diagramm, Schrift enthält.&#10;&#10;KI-generierte Inhalte können fehlerhaft sein.">
+            <a:extLst>
+              <a:ext uri="{FF2B5EF4-FFF2-40B4-BE49-F238E27FC236}">
+                <a16:creationId xmlns:a16="http://schemas.microsoft.com/office/drawing/2014/main" id="{0C2DE09A-9A31-12A2-1F69-ACD721E6B79D}"/>
               </a:ext>
             </a:extLst>
           </p:cNvPr>
@@ -10608,8 +10609,8 @@
         </p:blipFill>
         <p:spPr>
           <a:xfrm>
-            <a:off x="3837838" y="1535057"/>
-            <a:ext cx="4203804" cy="3525771"/>
+            <a:off x="7964266" y="3312159"/>
+            <a:ext cx="4227733" cy="3545841"/>
           </a:xfrm>
           <a:prstGeom prst="rect">
             <a:avLst/>
@@ -10648,10 +10649,10 @@
       </p:grpSpPr>
       <p:pic>
         <p:nvPicPr>
-          <p:cNvPr id="7" name="Grafik 6">
+          <p:cNvPr id="8" name="Grafik 7" descr="Ein Bild, das Text, Screenshot, Diagramm, Reihe enthält.&#10;&#10;KI-generierte Inhalte können fehlerhaft sein.">
             <a:extLst>
               <a:ext uri="{FF2B5EF4-FFF2-40B4-BE49-F238E27FC236}">
-                <a16:creationId xmlns:a16="http://schemas.microsoft.com/office/drawing/2014/main" id="{35C3E923-6E68-939A-4B46-1A2556469F76}"/>
+                <a16:creationId xmlns:a16="http://schemas.microsoft.com/office/drawing/2014/main" id="{5826D9C8-40EE-E2DF-3ECB-1D159335CC42}"/>
               </a:ext>
             </a:extLst>
           </p:cNvPr>
@@ -10674,8 +10675,8 @@
         </p:blipFill>
         <p:spPr>
           <a:xfrm>
-            <a:off x="0" y="3261358"/>
-            <a:ext cx="4288302" cy="3596641"/>
+            <a:off x="1" y="3287580"/>
+            <a:ext cx="4257039" cy="3570420"/>
           </a:xfrm>
           <a:prstGeom prst="rect">
             <a:avLst/>
@@ -10684,19 +10685,17 @@
       </p:pic>
       <p:pic>
         <p:nvPicPr>
-          <p:cNvPr id="5" name="Inhaltsplatzhalter 4">
+          <p:cNvPr id="12" name="Grafik 11" descr="Ein Bild, das Text, Diagramm, Screenshot, Reihe enthält.&#10;&#10;KI-generierte Inhalte können fehlerhaft sein.">
             <a:extLst>
               <a:ext uri="{FF2B5EF4-FFF2-40B4-BE49-F238E27FC236}">
-                <a16:creationId xmlns:a16="http://schemas.microsoft.com/office/drawing/2014/main" id="{530176FA-7389-FBA6-6398-7DCE7B3B42EA}"/>
+                <a16:creationId xmlns:a16="http://schemas.microsoft.com/office/drawing/2014/main" id="{E1E9B559-AD7C-093F-0D20-535A35961994}"/>
               </a:ext>
             </a:extLst>
           </p:cNvPr>
           <p:cNvPicPr>
-            <a:picLocks noGrp="1" noChangeAspect="1"/>
+            <a:picLocks noChangeAspect="1"/>
           </p:cNvPicPr>
-          <p:nvPr>
-            <p:ph idx="1"/>
-          </p:nvPr>
+          <p:nvPr/>
         </p:nvPicPr>
         <p:blipFill>
           <a:blip r:embed="rId3">
@@ -10712,9 +10711,48 @@
         </p:blipFill>
         <p:spPr>
           <a:xfrm>
-            <a:off x="3994241" y="1380803"/>
-            <a:ext cx="4203517" cy="3525530"/>
+            <a:off x="7731760" y="3117154"/>
+            <a:ext cx="4460240" cy="3740846"/>
           </a:xfrm>
+          <a:prstGeom prst="rect">
+            <a:avLst/>
+          </a:prstGeom>
+        </p:spPr>
+      </p:pic>
+      <p:pic>
+        <p:nvPicPr>
+          <p:cNvPr id="14" name="Grafik 13" descr="Ein Bild, das Text, Screenshot, Schrift, Diagramm enthält.&#10;&#10;KI-generierte Inhalte können fehlerhaft sein.">
+            <a:extLst>
+              <a:ext uri="{FF2B5EF4-FFF2-40B4-BE49-F238E27FC236}">
+                <a16:creationId xmlns:a16="http://schemas.microsoft.com/office/drawing/2014/main" id="{877F9DB5-3919-82D2-72C7-66A3E003D38B}"/>
+              </a:ext>
+            </a:extLst>
+          </p:cNvPr>
+          <p:cNvPicPr>
+            <a:picLocks noChangeAspect="1"/>
+          </p:cNvPicPr>
+          <p:nvPr/>
+        </p:nvPicPr>
+        <p:blipFill>
+          <a:blip r:embed="rId4">
+            <a:extLst>
+              <a:ext uri="{28A0092B-C50C-407E-A947-70E740481C1C}">
+                <a14:useLocalDpi xmlns:a14="http://schemas.microsoft.com/office/drawing/2010/main" val="0"/>
+              </a:ext>
+            </a:extLst>
+          </a:blip>
+          <a:stretch>
+            <a:fillRect/>
+          </a:stretch>
+        </p:blipFill>
+        <p:spPr>
+          <a:xfrm>
+            <a:off x="3936796" y="1287913"/>
+            <a:ext cx="4133312" cy="3466649"/>
+          </a:xfrm>
+          <a:prstGeom prst="rect">
+            <a:avLst/>
+          </a:prstGeom>
         </p:spPr>
       </p:pic>
       <p:sp>
@@ -10782,42 +10820,6 @@
           </a:p>
         </p:txBody>
       </p:sp>
-      <p:pic>
-        <p:nvPicPr>
-          <p:cNvPr id="9" name="Grafik 8" descr="Ein Bild, das Text, Screenshot, Diagramm, Grafiken enthält.&#10;&#10;KI-generierte Inhalte können fehlerhaft sein.">
-            <a:extLst>
-              <a:ext uri="{FF2B5EF4-FFF2-40B4-BE49-F238E27FC236}">
-                <a16:creationId xmlns:a16="http://schemas.microsoft.com/office/drawing/2014/main" id="{EDB4AAC9-E495-13F0-D78F-F004761FE242}"/>
-              </a:ext>
-            </a:extLst>
-          </p:cNvPr>
-          <p:cNvPicPr>
-            <a:picLocks noChangeAspect="1"/>
-          </p:cNvPicPr>
-          <p:nvPr/>
-        </p:nvPicPr>
-        <p:blipFill>
-          <a:blip r:embed="rId4">
-            <a:extLst>
-              <a:ext uri="{28A0092B-C50C-407E-A947-70E740481C1C}">
-                <a14:useLocalDpi xmlns:a14="http://schemas.microsoft.com/office/drawing/2010/main" val="0"/>
-              </a:ext>
-            </a:extLst>
-          </a:blip>
-          <a:stretch>
-            <a:fillRect/>
-          </a:stretch>
-        </p:blipFill>
-        <p:spPr>
-          <a:xfrm>
-            <a:off x="7903698" y="3261360"/>
-            <a:ext cx="4288302" cy="3596640"/>
-          </a:xfrm>
-          <a:prstGeom prst="rect">
-            <a:avLst/>
-          </a:prstGeom>
-        </p:spPr>
-      </p:pic>
       <p:sp>
         <p:nvSpPr>
           <p:cNvPr id="10" name="Textfeld 9">

--- a/THEE_project.pptx
+++ b/THEE_project.pptx
@@ -17,6 +17,7 @@
     <p:sldId id="260" r:id="rId11"/>
     <p:sldId id="262" r:id="rId12"/>
     <p:sldId id="268" r:id="rId13"/>
+    <p:sldId id="269" r:id="rId14"/>
   </p:sldIdLst>
   <p:sldSz cx="12192000" cy="6858000"/>
   <p:notesSz cx="6858000" cy="9144000"/>
@@ -10901,6 +10902,14 @@
 <file path=ppt/slides/slide12.xml><?xml version="1.0" encoding="utf-8"?>
 <p:sld xmlns:a="http://schemas.openxmlformats.org/drawingml/2006/main" xmlns:r="http://schemas.openxmlformats.org/officeDocument/2006/relationships" xmlns:p="http://schemas.openxmlformats.org/presentationml/2006/main">
   <p:cSld>
+    <p:bg>
+      <p:bgPr>
+        <a:solidFill>
+          <a:schemeClr val="bg1"/>
+        </a:solidFill>
+        <a:effectLst/>
+      </p:bgPr>
+    </p:bg>
     <p:spTree>
       <p:nvGrpSpPr>
         <p:cNvPr id="1" name=""/>
@@ -10917,51 +10926,291 @@
       </p:grpSpPr>
       <p:sp>
         <p:nvSpPr>
-          <p:cNvPr id="2" name="Title 1">
+          <p:cNvPr id="12" name="Rectangle 11">
             <a:extLst>
               <a:ext uri="{FF2B5EF4-FFF2-40B4-BE49-F238E27FC236}">
-                <a16:creationId xmlns:a16="http://schemas.microsoft.com/office/drawing/2014/main" id="{7BF74AB2-23F5-068B-F7E2-A0B1BDF43899}"/>
+                <a16:creationId xmlns:a16="http://schemas.microsoft.com/office/drawing/2014/main" id="{A9F529C3-C941-49FD-8C67-82F134F64BDB}"/>
+              </a:ext>
+              <a:ext uri="{C183D7F6-B498-43B3-948B-1728B52AA6E4}">
+                <adec:decorative xmlns:adec="http://schemas.microsoft.com/office/drawing/2017/decorative" val="1"/>
               </a:ext>
             </a:extLst>
           </p:cNvPr>
           <p:cNvSpPr>
-            <a:spLocks noGrp="1"/>
+            <a:spLocks noGrp="1" noRot="1" noChangeAspect="1" noMove="1" noResize="1" noEditPoints="1" noAdjustHandles="1" noChangeArrowheads="1" noChangeShapeType="1" noTextEdit="1"/>
           </p:cNvSpPr>
           <p:nvPr>
-            <p:ph type="title"/>
+            <p:extLst>
+              <p:ext uri="{386F3935-93C4-4BCD-93E2-E3B085C9AB24}">
+                <p16:designElem xmlns:p16="http://schemas.microsoft.com/office/powerpoint/2015/main" val="1"/>
+              </p:ext>
+            </p:extLst>
           </p:nvPr>
         </p:nvSpPr>
-        <p:spPr/>
+        <p:spPr>
+          <a:xfrm>
+            <a:off x="0" y="0"/>
+            <a:ext cx="12192000" cy="6858000"/>
+          </a:xfrm>
+          <a:prstGeom prst="rect">
+            <a:avLst/>
+          </a:prstGeom>
+          <a:solidFill>
+            <a:schemeClr val="tx1">
+              <a:lumMod val="50000"/>
+              <a:lumOff val="50000"/>
+              <a:alpha val="30000"/>
+            </a:schemeClr>
+          </a:solidFill>
+          <a:ln>
+            <a:noFill/>
+          </a:ln>
+        </p:spPr>
+        <p:style>
+          <a:lnRef idx="2">
+            <a:schemeClr val="accent1">
+              <a:shade val="50000"/>
+            </a:schemeClr>
+          </a:lnRef>
+          <a:fillRef idx="1">
+            <a:schemeClr val="accent1"/>
+          </a:fillRef>
+          <a:effectRef idx="0">
+            <a:schemeClr val="accent1"/>
+          </a:effectRef>
+          <a:fontRef idx="minor">
+            <a:schemeClr val="lt1"/>
+          </a:fontRef>
+        </p:style>
         <p:txBody>
-          <a:bodyPr/>
+          <a:bodyPr rtlCol="0" anchor="ctr"/>
           <a:lstStyle/>
           <a:p>
-            <a:endParaRPr lang="de-CH" dirty="0"/>
+            <a:pPr algn="ctr"/>
+            <a:endParaRPr lang="en-US"/>
           </a:p>
         </p:txBody>
       </p:sp>
       <p:sp>
         <p:nvSpPr>
-          <p:cNvPr id="3" name="Content Placeholder 2">
+          <p:cNvPr id="14" name="Rectangle 13">
             <a:extLst>
               <a:ext uri="{FF2B5EF4-FFF2-40B4-BE49-F238E27FC236}">
-                <a16:creationId xmlns:a16="http://schemas.microsoft.com/office/drawing/2014/main" id="{DEA82F65-F7F7-6CF5-65C9-7522904AFB46}"/>
+                <a16:creationId xmlns:a16="http://schemas.microsoft.com/office/drawing/2014/main" id="{20586029-32A0-47E5-9AEC-AE3ABA6B94D0}"/>
+              </a:ext>
+              <a:ext uri="{C183D7F6-B498-43B3-948B-1728B52AA6E4}">
+                <adec:decorative xmlns:adec="http://schemas.microsoft.com/office/drawing/2017/decorative" val="1"/>
               </a:ext>
             </a:extLst>
           </p:cNvPr>
           <p:cNvSpPr>
-            <a:spLocks noGrp="1"/>
+            <a:spLocks noGrp="1" noRot="1" noChangeAspect="1" noMove="1" noResize="1" noEditPoints="1" noAdjustHandles="1" noChangeArrowheads="1" noChangeShapeType="1" noTextEdit="1"/>
           </p:cNvSpPr>
+          <p:nvPr>
+            <p:extLst>
+              <p:ext uri="{386F3935-93C4-4BCD-93E2-E3B085C9AB24}">
+                <p16:designElem xmlns:p16="http://schemas.microsoft.com/office/powerpoint/2015/main" val="1"/>
+              </p:ext>
+            </p:extLst>
+          </p:nvPr>
+        </p:nvSpPr>
+        <p:spPr>
+          <a:xfrm>
+            <a:off x="477012" y="480060"/>
+            <a:ext cx="11237976" cy="5897880"/>
+          </a:xfrm>
+          <a:prstGeom prst="rect">
+            <a:avLst/>
+          </a:prstGeom>
+          <a:solidFill>
+            <a:srgbClr val="FFFFFF"/>
+          </a:solidFill>
+          <a:ln w="9525">
+            <a:noFill/>
+          </a:ln>
+          <a:effectLst>
+            <a:outerShdw blurRad="63500" dist="17780" dir="5400000" algn="t" rotWithShape="0">
+              <a:prstClr val="black">
+                <a:alpha val="43000"/>
+              </a:prstClr>
+            </a:outerShdw>
+          </a:effectLst>
+        </p:spPr>
+        <p:style>
+          <a:lnRef idx="2">
+            <a:schemeClr val="accent1">
+              <a:shade val="50000"/>
+            </a:schemeClr>
+          </a:lnRef>
+          <a:fillRef idx="1">
+            <a:schemeClr val="accent1"/>
+          </a:fillRef>
+          <a:effectRef idx="0">
+            <a:schemeClr val="accent1"/>
+          </a:effectRef>
+          <a:fontRef idx="minor">
+            <a:schemeClr val="lt1"/>
+          </a:fontRef>
+        </p:style>
+        <p:txBody>
+          <a:bodyPr rtlCol="0" anchor="ctr"/>
+          <a:lstStyle/>
+          <a:p>
+            <a:pPr algn="ctr"/>
+            <a:endParaRPr lang="en-US"/>
+          </a:p>
+        </p:txBody>
+      </p:sp>
+      <p:pic>
+        <p:nvPicPr>
+          <p:cNvPr id="5" name="Content Placeholder 4">
+            <a:extLst>
+              <a:ext uri="{FF2B5EF4-FFF2-40B4-BE49-F238E27FC236}">
+                <a16:creationId xmlns:a16="http://schemas.microsoft.com/office/drawing/2014/main" id="{56484558-BBEA-533D-DFD2-5C398EE64271}"/>
+              </a:ext>
+            </a:extLst>
+          </p:cNvPr>
+          <p:cNvPicPr>
+            <a:picLocks noGrp="1" noChangeAspect="1"/>
+          </p:cNvPicPr>
           <p:nvPr>
             <p:ph idx="1"/>
           </p:nvPr>
+        </p:nvPicPr>
+        <p:blipFill>
+          <a:blip r:embed="rId2"/>
+          <a:stretch>
+            <a:fillRect/>
+          </a:stretch>
+        </p:blipFill>
+        <p:spPr>
+          <a:xfrm>
+            <a:off x="643467" y="1800874"/>
+            <a:ext cx="5294716" cy="3256249"/>
+          </a:xfrm>
+          <a:prstGeom prst="rect">
+            <a:avLst/>
+          </a:prstGeom>
+        </p:spPr>
+      </p:pic>
+      <p:cxnSp>
+        <p:nvCxnSpPr>
+          <p:cNvPr id="16" name="Straight Connector 15">
+            <a:extLst>
+              <a:ext uri="{FF2B5EF4-FFF2-40B4-BE49-F238E27FC236}">
+                <a16:creationId xmlns:a16="http://schemas.microsoft.com/office/drawing/2014/main" id="{8C730EAB-A532-4295-A302-FB4B90DB9F5E}"/>
+              </a:ext>
+              <a:ext uri="{C183D7F6-B498-43B3-948B-1728B52AA6E4}">
+                <adec:decorative xmlns:adec="http://schemas.microsoft.com/office/drawing/2017/decorative" val="1"/>
+              </a:ext>
+            </a:extLst>
+          </p:cNvPr>
+          <p:cNvCxnSpPr>
+            <a:cxnSpLocks noGrp="1" noRot="1" noChangeAspect="1" noMove="1" noResize="1" noEditPoints="1" noAdjustHandles="1" noChangeArrowheads="1" noChangeShapeType="1"/>
+          </p:cNvCxnSpPr>
+          <p:nvPr>
+            <p:extLst>
+              <p:ext uri="{386F3935-93C4-4BCD-93E2-E3B085C9AB24}">
+                <p16:designElem xmlns:p16="http://schemas.microsoft.com/office/powerpoint/2015/main" val="1"/>
+              </p:ext>
+            </p:extLst>
+          </p:nvPr>
+        </p:nvCxnSpPr>
+        <p:spPr>
+          <a:xfrm>
+            <a:off x="6079958" y="1143000"/>
+            <a:ext cx="0" cy="4572000"/>
+          </a:xfrm>
+          <a:prstGeom prst="line">
+            <a:avLst/>
+          </a:prstGeom>
+          <a:ln>
+            <a:solidFill>
+              <a:srgbClr val="4E4E4E"/>
+            </a:solidFill>
+          </a:ln>
+        </p:spPr>
+        <p:style>
+          <a:lnRef idx="1">
+            <a:schemeClr val="accent1"/>
+          </a:lnRef>
+          <a:fillRef idx="0">
+            <a:schemeClr val="accent1"/>
+          </a:fillRef>
+          <a:effectRef idx="0">
+            <a:schemeClr val="accent1"/>
+          </a:effectRef>
+          <a:fontRef idx="minor">
+            <a:schemeClr val="tx1"/>
+          </a:fontRef>
+        </p:style>
+      </p:cxnSp>
+      <p:pic>
+        <p:nvPicPr>
+          <p:cNvPr id="7" name="Picture 6">
+            <a:extLst>
+              <a:ext uri="{FF2B5EF4-FFF2-40B4-BE49-F238E27FC236}">
+                <a16:creationId xmlns:a16="http://schemas.microsoft.com/office/drawing/2014/main" id="{DD0EDA03-4C8D-C25F-D8F7-E05AC65357D8}"/>
+              </a:ext>
+            </a:extLst>
+          </p:cNvPr>
+          <p:cNvPicPr>
+            <a:picLocks noChangeAspect="1"/>
+          </p:cNvPicPr>
+          <p:nvPr/>
+        </p:nvPicPr>
+        <p:blipFill>
+          <a:blip r:embed="rId3"/>
+          <a:stretch>
+            <a:fillRect/>
+          </a:stretch>
+        </p:blipFill>
+        <p:spPr>
+          <a:xfrm>
+            <a:off x="6253817" y="1787639"/>
+            <a:ext cx="5294715" cy="3282722"/>
+          </a:xfrm>
+          <a:prstGeom prst="rect">
+            <a:avLst/>
+          </a:prstGeom>
+        </p:spPr>
+      </p:pic>
+      <p:sp>
+        <p:nvSpPr>
+          <p:cNvPr id="9" name="TextBox 8">
+            <a:extLst>
+              <a:ext uri="{FF2B5EF4-FFF2-40B4-BE49-F238E27FC236}">
+                <a16:creationId xmlns:a16="http://schemas.microsoft.com/office/drawing/2014/main" id="{6A4A18E2-60E8-7904-6D2B-A7F2BA01B2C0}"/>
+              </a:ext>
+            </a:extLst>
+          </p:cNvPr>
+          <p:cNvSpPr txBox="1"/>
+          <p:nvPr/>
         </p:nvSpPr>
-        <p:spPr/>
+        <p:spPr>
+          <a:xfrm>
+            <a:off x="1850598" y="5639273"/>
+            <a:ext cx="8175169" cy="738664"/>
+          </a:xfrm>
+          <a:prstGeom prst="rect">
+            <a:avLst/>
+          </a:prstGeom>
+          <a:noFill/>
+        </p:spPr>
         <p:txBody>
-          <a:bodyPr/>
+          <a:bodyPr wrap="square">
+            <a:spAutoFit/>
+          </a:bodyPr>
           <a:lstStyle/>
           <a:p>
-            <a:endParaRPr lang="de-CH"/>
+            <a:r>
+              <a:rPr lang="de-CH" sz="1400" dirty="0" err="1"/>
+              <a:t>init_wd</a:t>
+            </a:r>
+            <a:r>
+              <a:rPr lang="de-CH" sz="1400" dirty="0"/>
+              <a:t> &lt;- 30init_wb &lt;- 30init_sd &lt;- 30init_sb &lt;- 30m_rate_wm &lt;- 0.001m_rate_sm &lt;- 0.005decay_rate_wm &lt;- 0.1decay_rate_sm &lt;- 0.2s_wm &lt;- 0.2s_sm &lt;- 0.3max_gen &lt;- 1000,no_replicates &lt;- 50</a:t>
+            </a:r>
           </a:p>
         </p:txBody>
       </p:sp>
@@ -10969,6 +11218,334 @@
     <p:extLst>
       <p:ext uri="{BB962C8B-B14F-4D97-AF65-F5344CB8AC3E}">
         <p14:creationId xmlns:p14="http://schemas.microsoft.com/office/powerpoint/2010/main" val="3090059377"/>
+      </p:ext>
+    </p:extLst>
+  </p:cSld>
+  <p:clrMapOvr>
+    <a:masterClrMapping/>
+  </p:clrMapOvr>
+</p:sld>
+</file>
+
+<file path=ppt/slides/slide13.xml><?xml version="1.0" encoding="utf-8"?>
+<p:sld xmlns:a="http://schemas.openxmlformats.org/drawingml/2006/main" xmlns:r="http://schemas.openxmlformats.org/officeDocument/2006/relationships" xmlns:p="http://schemas.openxmlformats.org/presentationml/2006/main">
+  <p:cSld>
+    <p:bg>
+      <p:bgPr>
+        <a:solidFill>
+          <a:schemeClr val="bg1"/>
+        </a:solidFill>
+        <a:effectLst/>
+      </p:bgPr>
+    </p:bg>
+    <p:spTree>
+      <p:nvGrpSpPr>
+        <p:cNvPr id="1" name=""/>
+        <p:cNvGrpSpPr/>
+        <p:nvPr/>
+      </p:nvGrpSpPr>
+      <p:grpSpPr>
+        <a:xfrm>
+          <a:off x="0" y="0"/>
+          <a:ext cx="0" cy="0"/>
+          <a:chOff x="0" y="0"/>
+          <a:chExt cx="0" cy="0"/>
+        </a:xfrm>
+      </p:grpSpPr>
+      <p:sp>
+        <p:nvSpPr>
+          <p:cNvPr id="12" name="Rectangle 11">
+            <a:extLst>
+              <a:ext uri="{FF2B5EF4-FFF2-40B4-BE49-F238E27FC236}">
+                <a16:creationId xmlns:a16="http://schemas.microsoft.com/office/drawing/2014/main" id="{A9F529C3-C941-49FD-8C67-82F134F64BDB}"/>
+              </a:ext>
+              <a:ext uri="{C183D7F6-B498-43B3-948B-1728B52AA6E4}">
+                <adec:decorative xmlns:adec="http://schemas.microsoft.com/office/drawing/2017/decorative" val="1"/>
+              </a:ext>
+            </a:extLst>
+          </p:cNvPr>
+          <p:cNvSpPr>
+            <a:spLocks noGrp="1" noRot="1" noChangeAspect="1" noMove="1" noResize="1" noEditPoints="1" noAdjustHandles="1" noChangeArrowheads="1" noChangeShapeType="1" noTextEdit="1"/>
+          </p:cNvSpPr>
+          <p:nvPr>
+            <p:extLst>
+              <p:ext uri="{386F3935-93C4-4BCD-93E2-E3B085C9AB24}">
+                <p16:designElem xmlns:p16="http://schemas.microsoft.com/office/powerpoint/2015/main" val="1"/>
+              </p:ext>
+            </p:extLst>
+          </p:nvPr>
+        </p:nvSpPr>
+        <p:spPr>
+          <a:xfrm>
+            <a:off x="0" y="0"/>
+            <a:ext cx="12192000" cy="6858000"/>
+          </a:xfrm>
+          <a:prstGeom prst="rect">
+            <a:avLst/>
+          </a:prstGeom>
+          <a:solidFill>
+            <a:schemeClr val="tx1">
+              <a:lumMod val="50000"/>
+              <a:lumOff val="50000"/>
+              <a:alpha val="30000"/>
+            </a:schemeClr>
+          </a:solidFill>
+          <a:ln>
+            <a:noFill/>
+          </a:ln>
+        </p:spPr>
+        <p:style>
+          <a:lnRef idx="2">
+            <a:schemeClr val="accent1">
+              <a:shade val="50000"/>
+            </a:schemeClr>
+          </a:lnRef>
+          <a:fillRef idx="1">
+            <a:schemeClr val="accent1"/>
+          </a:fillRef>
+          <a:effectRef idx="0">
+            <a:schemeClr val="accent1"/>
+          </a:effectRef>
+          <a:fontRef idx="minor">
+            <a:schemeClr val="lt1"/>
+          </a:fontRef>
+        </p:style>
+        <p:txBody>
+          <a:bodyPr rtlCol="0" anchor="ctr"/>
+          <a:lstStyle/>
+          <a:p>
+            <a:pPr algn="ctr"/>
+            <a:endParaRPr lang="en-US"/>
+          </a:p>
+        </p:txBody>
+      </p:sp>
+      <p:sp>
+        <p:nvSpPr>
+          <p:cNvPr id="14" name="Rectangle 13">
+            <a:extLst>
+              <a:ext uri="{FF2B5EF4-FFF2-40B4-BE49-F238E27FC236}">
+                <a16:creationId xmlns:a16="http://schemas.microsoft.com/office/drawing/2014/main" id="{20586029-32A0-47E5-9AEC-AE3ABA6B94D0}"/>
+              </a:ext>
+              <a:ext uri="{C183D7F6-B498-43B3-948B-1728B52AA6E4}">
+                <adec:decorative xmlns:adec="http://schemas.microsoft.com/office/drawing/2017/decorative" val="1"/>
+              </a:ext>
+            </a:extLst>
+          </p:cNvPr>
+          <p:cNvSpPr>
+            <a:spLocks noGrp="1" noRot="1" noChangeAspect="1" noMove="1" noResize="1" noEditPoints="1" noAdjustHandles="1" noChangeArrowheads="1" noChangeShapeType="1" noTextEdit="1"/>
+          </p:cNvSpPr>
+          <p:nvPr>
+            <p:extLst>
+              <p:ext uri="{386F3935-93C4-4BCD-93E2-E3B085C9AB24}">
+                <p16:designElem xmlns:p16="http://schemas.microsoft.com/office/powerpoint/2015/main" val="1"/>
+              </p:ext>
+            </p:extLst>
+          </p:nvPr>
+        </p:nvSpPr>
+        <p:spPr>
+          <a:xfrm>
+            <a:off x="477012" y="480060"/>
+            <a:ext cx="11237976" cy="5897880"/>
+          </a:xfrm>
+          <a:prstGeom prst="rect">
+            <a:avLst/>
+          </a:prstGeom>
+          <a:solidFill>
+            <a:srgbClr val="FFFFFF"/>
+          </a:solidFill>
+          <a:ln w="9525">
+            <a:noFill/>
+          </a:ln>
+          <a:effectLst>
+            <a:outerShdw blurRad="63500" dist="17780" dir="5400000" algn="t" rotWithShape="0">
+              <a:prstClr val="black">
+                <a:alpha val="43000"/>
+              </a:prstClr>
+            </a:outerShdw>
+          </a:effectLst>
+        </p:spPr>
+        <p:style>
+          <a:lnRef idx="2">
+            <a:schemeClr val="accent1">
+              <a:shade val="50000"/>
+            </a:schemeClr>
+          </a:lnRef>
+          <a:fillRef idx="1">
+            <a:schemeClr val="accent1"/>
+          </a:fillRef>
+          <a:effectRef idx="0">
+            <a:schemeClr val="accent1"/>
+          </a:effectRef>
+          <a:fontRef idx="minor">
+            <a:schemeClr val="lt1"/>
+          </a:fontRef>
+        </p:style>
+        <p:txBody>
+          <a:bodyPr rtlCol="0" anchor="ctr"/>
+          <a:lstStyle/>
+          <a:p>
+            <a:pPr algn="ctr"/>
+            <a:endParaRPr lang="en-US"/>
+          </a:p>
+        </p:txBody>
+      </p:sp>
+      <p:pic>
+        <p:nvPicPr>
+          <p:cNvPr id="5" name="Content Placeholder 4">
+            <a:extLst>
+              <a:ext uri="{FF2B5EF4-FFF2-40B4-BE49-F238E27FC236}">
+                <a16:creationId xmlns:a16="http://schemas.microsoft.com/office/drawing/2014/main" id="{442F3483-4C3C-05F3-ED6F-2DDDB64A0AAA}"/>
+              </a:ext>
+            </a:extLst>
+          </p:cNvPr>
+          <p:cNvPicPr>
+            <a:picLocks noGrp="1" noChangeAspect="1"/>
+          </p:cNvPicPr>
+          <p:nvPr>
+            <p:ph idx="1"/>
+          </p:nvPr>
+        </p:nvPicPr>
+        <p:blipFill>
+          <a:blip r:embed="rId2"/>
+          <a:stretch>
+            <a:fillRect/>
+          </a:stretch>
+        </p:blipFill>
+        <p:spPr>
+          <a:xfrm>
+            <a:off x="643467" y="1807492"/>
+            <a:ext cx="5294716" cy="3243013"/>
+          </a:xfrm>
+          <a:prstGeom prst="rect">
+            <a:avLst/>
+          </a:prstGeom>
+        </p:spPr>
+      </p:pic>
+      <p:cxnSp>
+        <p:nvCxnSpPr>
+          <p:cNvPr id="16" name="Straight Connector 15">
+            <a:extLst>
+              <a:ext uri="{FF2B5EF4-FFF2-40B4-BE49-F238E27FC236}">
+                <a16:creationId xmlns:a16="http://schemas.microsoft.com/office/drawing/2014/main" id="{8C730EAB-A532-4295-A302-FB4B90DB9F5E}"/>
+              </a:ext>
+              <a:ext uri="{C183D7F6-B498-43B3-948B-1728B52AA6E4}">
+                <adec:decorative xmlns:adec="http://schemas.microsoft.com/office/drawing/2017/decorative" val="1"/>
+              </a:ext>
+            </a:extLst>
+          </p:cNvPr>
+          <p:cNvCxnSpPr>
+            <a:cxnSpLocks noGrp="1" noRot="1" noChangeAspect="1" noMove="1" noResize="1" noEditPoints="1" noAdjustHandles="1" noChangeArrowheads="1" noChangeShapeType="1"/>
+          </p:cNvCxnSpPr>
+          <p:nvPr>
+            <p:extLst>
+              <p:ext uri="{386F3935-93C4-4BCD-93E2-E3B085C9AB24}">
+                <p16:designElem xmlns:p16="http://schemas.microsoft.com/office/powerpoint/2015/main" val="1"/>
+              </p:ext>
+            </p:extLst>
+          </p:nvPr>
+        </p:nvCxnSpPr>
+        <p:spPr>
+          <a:xfrm>
+            <a:off x="6079958" y="1143000"/>
+            <a:ext cx="0" cy="4572000"/>
+          </a:xfrm>
+          <a:prstGeom prst="line">
+            <a:avLst/>
+          </a:prstGeom>
+          <a:ln>
+            <a:solidFill>
+              <a:srgbClr val="4E4E4E"/>
+            </a:solidFill>
+          </a:ln>
+        </p:spPr>
+        <p:style>
+          <a:lnRef idx="1">
+            <a:schemeClr val="accent1"/>
+          </a:lnRef>
+          <a:fillRef idx="0">
+            <a:schemeClr val="accent1"/>
+          </a:fillRef>
+          <a:effectRef idx="0">
+            <a:schemeClr val="accent1"/>
+          </a:effectRef>
+          <a:fontRef idx="minor">
+            <a:schemeClr val="tx1"/>
+          </a:fontRef>
+        </p:style>
+      </p:cxnSp>
+      <p:pic>
+        <p:nvPicPr>
+          <p:cNvPr id="7" name="Picture 6">
+            <a:extLst>
+              <a:ext uri="{FF2B5EF4-FFF2-40B4-BE49-F238E27FC236}">
+                <a16:creationId xmlns:a16="http://schemas.microsoft.com/office/drawing/2014/main" id="{1EA42C00-70FF-EAE2-39BB-C0A0A942C971}"/>
+              </a:ext>
+            </a:extLst>
+          </p:cNvPr>
+          <p:cNvPicPr>
+            <a:picLocks noChangeAspect="1"/>
+          </p:cNvPicPr>
+          <p:nvPr/>
+        </p:nvPicPr>
+        <p:blipFill>
+          <a:blip r:embed="rId3"/>
+          <a:stretch>
+            <a:fillRect/>
+          </a:stretch>
+        </p:blipFill>
+        <p:spPr>
+          <a:xfrm>
+            <a:off x="6253817" y="1787639"/>
+            <a:ext cx="5294715" cy="3282722"/>
+          </a:xfrm>
+          <a:prstGeom prst="rect">
+            <a:avLst/>
+          </a:prstGeom>
+        </p:spPr>
+      </p:pic>
+      <p:sp>
+        <p:nvSpPr>
+          <p:cNvPr id="9" name="TextBox 8">
+            <a:extLst>
+              <a:ext uri="{FF2B5EF4-FFF2-40B4-BE49-F238E27FC236}">
+                <a16:creationId xmlns:a16="http://schemas.microsoft.com/office/drawing/2014/main" id="{BFF6B2DD-6AA6-6AE2-56FD-AE2562AC8EA1}"/>
+              </a:ext>
+            </a:extLst>
+          </p:cNvPr>
+          <p:cNvSpPr txBox="1"/>
+          <p:nvPr/>
+        </p:nvSpPr>
+        <p:spPr>
+          <a:xfrm>
+            <a:off x="2133573" y="5715000"/>
+            <a:ext cx="8490883" cy="523220"/>
+          </a:xfrm>
+          <a:prstGeom prst="rect">
+            <a:avLst/>
+          </a:prstGeom>
+          <a:noFill/>
+        </p:spPr>
+        <p:txBody>
+          <a:bodyPr wrap="square">
+            <a:spAutoFit/>
+          </a:bodyPr>
+          <a:lstStyle/>
+          <a:p>
+            <a:r>
+              <a:rPr lang="de-CH" sz="1400" dirty="0" err="1"/>
+              <a:t>init_wd</a:t>
+            </a:r>
+            <a:r>
+              <a:rPr lang="de-CH" sz="1400" dirty="0"/>
+              <a:t> &lt;- 30init_wb &lt;- 30init_sd &lt;- 30init_sb &lt;- 30m_rate_wm &lt;- 0.001m_rate_sm &lt;- 0.005decay_rate_wm &lt;- 0.1decay_rate_sm &lt;- 0.2s_wm &lt;- 0.2s_sm &lt;- 0.3max_gen &lt;- 1000,no_replicates &lt;- 50</a:t>
+            </a:r>
+          </a:p>
+        </p:txBody>
+      </p:sp>
+    </p:spTree>
+    <p:extLst>
+      <p:ext uri="{BB962C8B-B14F-4D97-AF65-F5344CB8AC3E}">
+        <p14:creationId xmlns:p14="http://schemas.microsoft.com/office/powerpoint/2010/main" val="2544409277"/>
       </p:ext>
     </p:extLst>
   </p:cSld>

--- a/THEE_project.pptx
+++ b/THEE_project.pptx
@@ -10,14 +10,15 @@
     <p:sldId id="258" r:id="rId4"/>
     <p:sldId id="259" r:id="rId5"/>
     <p:sldId id="265" r:id="rId6"/>
-    <p:sldId id="266" r:id="rId7"/>
-    <p:sldId id="267" r:id="rId8"/>
-    <p:sldId id="261" r:id="rId9"/>
-    <p:sldId id="263" r:id="rId10"/>
-    <p:sldId id="260" r:id="rId11"/>
-    <p:sldId id="262" r:id="rId12"/>
-    <p:sldId id="268" r:id="rId13"/>
-    <p:sldId id="269" r:id="rId14"/>
+    <p:sldId id="267" r:id="rId7"/>
+    <p:sldId id="261" r:id="rId8"/>
+    <p:sldId id="263" r:id="rId9"/>
+    <p:sldId id="260" r:id="rId10"/>
+    <p:sldId id="262" r:id="rId11"/>
+    <p:sldId id="269" r:id="rId12"/>
+    <p:sldId id="270" r:id="rId13"/>
+    <p:sldId id="271" r:id="rId14"/>
+    <p:sldId id="272" r:id="rId15"/>
   </p:sldIdLst>
   <p:sldSz cx="12192000" cy="6858000"/>
   <p:notesSz cx="6858000" cy="9144000"/>
@@ -2434,10 +2435,10 @@
         <a:lstStyle/>
         <a:p>
           <a:r>
-            <a:rPr lang="en-US"/>
+            <a:rPr lang="en-US" dirty="0"/>
             <a:t>How do 2 mutations, which can alternate between beneficial and deleterious versions of the same strength, influence the probability of rescue and how does their frequency in the population change?</a:t>
           </a:r>
-          <a:endParaRPr lang="de-CH"/>
+          <a:endParaRPr lang="de-CH" dirty="0"/>
         </a:p>
       </dgm:t>
     </dgm:pt>
@@ -3356,10 +3357,10 @@
             <a:buChar char="•"/>
           </a:pPr>
           <a:r>
-            <a:rPr lang="en-US" sz="2200" kern="1200"/>
+            <a:rPr lang="en-US" sz="2200" kern="1200" dirty="0"/>
             <a:t>How do 2 mutations, which can alternate between beneficial and deleterious versions of the same strength, influence the probability of rescue and how does their frequency in the population change?</a:t>
           </a:r>
-          <a:endParaRPr lang="de-CH" sz="2200" kern="1200"/>
+          <a:endParaRPr lang="de-CH" sz="2200" kern="1200" dirty="0"/>
         </a:p>
       </dsp:txBody>
       <dsp:txXfrm>
@@ -6568,7 +6569,7 @@
           <a:p>
             <a:fld id="{256E0D5A-877C-43E6-8161-BEA82FD88084}" type="datetimeFigureOut">
               <a:rPr lang="de-CH" smtClean="0"/>
-              <a:t>28.10.2025</a:t>
+              <a:t>29.10.2025</a:t>
             </a:fld>
             <a:endParaRPr lang="de-CH"/>
           </a:p>
@@ -6768,7 +6769,7 @@
           <a:p>
             <a:fld id="{256E0D5A-877C-43E6-8161-BEA82FD88084}" type="datetimeFigureOut">
               <a:rPr lang="de-CH" smtClean="0"/>
-              <a:t>28.10.2025</a:t>
+              <a:t>29.10.2025</a:t>
             </a:fld>
             <a:endParaRPr lang="de-CH"/>
           </a:p>
@@ -6978,7 +6979,7 @@
           <a:p>
             <a:fld id="{256E0D5A-877C-43E6-8161-BEA82FD88084}" type="datetimeFigureOut">
               <a:rPr lang="de-CH" smtClean="0"/>
-              <a:t>28.10.2025</a:t>
+              <a:t>29.10.2025</a:t>
             </a:fld>
             <a:endParaRPr lang="de-CH"/>
           </a:p>
@@ -7178,7 +7179,7 @@
           <a:p>
             <a:fld id="{256E0D5A-877C-43E6-8161-BEA82FD88084}" type="datetimeFigureOut">
               <a:rPr lang="de-CH" smtClean="0"/>
-              <a:t>28.10.2025</a:t>
+              <a:t>29.10.2025</a:t>
             </a:fld>
             <a:endParaRPr lang="de-CH"/>
           </a:p>
@@ -7454,7 +7455,7 @@
           <a:p>
             <a:fld id="{256E0D5A-877C-43E6-8161-BEA82FD88084}" type="datetimeFigureOut">
               <a:rPr lang="de-CH" smtClean="0"/>
-              <a:t>28.10.2025</a:t>
+              <a:t>29.10.2025</a:t>
             </a:fld>
             <a:endParaRPr lang="de-CH"/>
           </a:p>
@@ -7722,7 +7723,7 @@
           <a:p>
             <a:fld id="{256E0D5A-877C-43E6-8161-BEA82FD88084}" type="datetimeFigureOut">
               <a:rPr lang="de-CH" smtClean="0"/>
-              <a:t>28.10.2025</a:t>
+              <a:t>29.10.2025</a:t>
             </a:fld>
             <a:endParaRPr lang="de-CH"/>
           </a:p>
@@ -8137,7 +8138,7 @@
           <a:p>
             <a:fld id="{256E0D5A-877C-43E6-8161-BEA82FD88084}" type="datetimeFigureOut">
               <a:rPr lang="de-CH" smtClean="0"/>
-              <a:t>28.10.2025</a:t>
+              <a:t>29.10.2025</a:t>
             </a:fld>
             <a:endParaRPr lang="de-CH"/>
           </a:p>
@@ -8279,7 +8280,7 @@
           <a:p>
             <a:fld id="{256E0D5A-877C-43E6-8161-BEA82FD88084}" type="datetimeFigureOut">
               <a:rPr lang="de-CH" smtClean="0"/>
-              <a:t>28.10.2025</a:t>
+              <a:t>29.10.2025</a:t>
             </a:fld>
             <a:endParaRPr lang="de-CH"/>
           </a:p>
@@ -8392,7 +8393,7 @@
           <a:p>
             <a:fld id="{256E0D5A-877C-43E6-8161-BEA82FD88084}" type="datetimeFigureOut">
               <a:rPr lang="de-CH" smtClean="0"/>
-              <a:t>28.10.2025</a:t>
+              <a:t>29.10.2025</a:t>
             </a:fld>
             <a:endParaRPr lang="de-CH"/>
           </a:p>
@@ -8705,7 +8706,7 @@
           <a:p>
             <a:fld id="{256E0D5A-877C-43E6-8161-BEA82FD88084}" type="datetimeFigureOut">
               <a:rPr lang="de-CH" smtClean="0"/>
-              <a:t>28.10.2025</a:t>
+              <a:t>29.10.2025</a:t>
             </a:fld>
             <a:endParaRPr lang="de-CH"/>
           </a:p>
@@ -8994,7 +8995,7 @@
           <a:p>
             <a:fld id="{256E0D5A-877C-43E6-8161-BEA82FD88084}" type="datetimeFigureOut">
               <a:rPr lang="de-CH" smtClean="0"/>
-              <a:t>28.10.2025</a:t>
+              <a:t>29.10.2025</a:t>
             </a:fld>
             <a:endParaRPr lang="de-CH"/>
           </a:p>
@@ -9237,7 +9238,7 @@
           <a:p>
             <a:fld id="{256E0D5A-877C-43E6-8161-BEA82FD88084}" type="datetimeFigureOut">
               <a:rPr lang="de-CH" smtClean="0"/>
-              <a:t>28.10.2025</a:t>
+              <a:t>29.10.2025</a:t>
             </a:fld>
             <a:endParaRPr lang="de-CH"/>
           </a:p>
@@ -10222,13 +10223,90 @@
           <a:p>
             <a:pPr algn="l"/>
             <a:r>
-              <a:rPr lang="de-CH" sz="4800">
+              <a:rPr lang="de-CH" sz="4800" dirty="0">
                 <a:solidFill>
                   <a:srgbClr val="FFFFFF"/>
                 </a:solidFill>
               </a:rPr>
-              <a:t>A computational model for bacteria resistance</a:t>
-            </a:r>
+              <a:t>A </a:t>
+            </a:r>
+            <a:r>
+              <a:rPr lang="de-CH" sz="4800" dirty="0" err="1">
+                <a:solidFill>
+                  <a:srgbClr val="FFFFFF"/>
+                </a:solidFill>
+              </a:rPr>
+              <a:t>computational</a:t>
+            </a:r>
+            <a:r>
+              <a:rPr lang="de-CH" sz="4800" dirty="0">
+                <a:solidFill>
+                  <a:srgbClr val="FFFFFF"/>
+                </a:solidFill>
+              </a:rPr>
+              <a:t> </a:t>
+            </a:r>
+            <a:r>
+              <a:rPr lang="de-CH" sz="4800" dirty="0" err="1">
+                <a:solidFill>
+                  <a:srgbClr val="FFFFFF"/>
+                </a:solidFill>
+              </a:rPr>
+              <a:t>model</a:t>
+            </a:r>
+            <a:r>
+              <a:rPr lang="de-CH" sz="4800" dirty="0">
+                <a:solidFill>
+                  <a:srgbClr val="FFFFFF"/>
+                </a:solidFill>
+              </a:rPr>
+              <a:t> </a:t>
+            </a:r>
+            <a:r>
+              <a:rPr lang="de-CH" sz="4800" dirty="0" err="1">
+                <a:solidFill>
+                  <a:srgbClr val="FFFFFF"/>
+                </a:solidFill>
+              </a:rPr>
+              <a:t>for</a:t>
+            </a:r>
+            <a:r>
+              <a:rPr lang="de-CH" sz="4800" dirty="0">
+                <a:solidFill>
+                  <a:srgbClr val="FFFFFF"/>
+                </a:solidFill>
+              </a:rPr>
+              <a:t> </a:t>
+            </a:r>
+            <a:r>
+              <a:rPr lang="de-CH" sz="4800" dirty="0" err="1">
+                <a:solidFill>
+                  <a:srgbClr val="FFFFFF"/>
+                </a:solidFill>
+              </a:rPr>
+              <a:t>bacterial</a:t>
+            </a:r>
+            <a:r>
+              <a:rPr lang="de-CH" sz="4800" dirty="0">
+                <a:solidFill>
+                  <a:srgbClr val="FFFFFF"/>
+                </a:solidFill>
+              </a:rPr>
+              <a:t> </a:t>
+            </a:r>
+            <a:r>
+              <a:rPr lang="de-CH" sz="4800" dirty="0" err="1">
+                <a:solidFill>
+                  <a:srgbClr val="FFFFFF"/>
+                </a:solidFill>
+              </a:rPr>
+              <a:t>resistance</a:t>
+            </a:r>
+            <a:endParaRPr lang="de-CH" sz="4800" dirty="0">
+              <a:solidFill>
+                <a:srgbClr val="FFFFFF"/>
+              </a:solidFill>
+            </a:endParaRPr>
           </a:p>
         </p:txBody>
       </p:sp>
@@ -10380,10 +10458,10 @@
       </p:grpSpPr>
       <p:pic>
         <p:nvPicPr>
-          <p:cNvPr id="7" name="Grafik 6">
+          <p:cNvPr id="8" name="Grafik 7" descr="Ein Bild, das Text, Screenshot, Diagramm, Reihe enthält.&#10;&#10;KI-generierte Inhalte können fehlerhaft sein.">
             <a:extLst>
               <a:ext uri="{FF2B5EF4-FFF2-40B4-BE49-F238E27FC236}">
-                <a16:creationId xmlns:a16="http://schemas.microsoft.com/office/drawing/2014/main" id="{1DAE38D4-F6F3-C876-02B3-005DB9A72CE8}"/>
+                <a16:creationId xmlns:a16="http://schemas.microsoft.com/office/drawing/2014/main" id="{5826D9C8-40EE-E2DF-3ECB-1D159335CC42}"/>
               </a:ext>
             </a:extLst>
           </p:cNvPr>
@@ -10406,8 +10484,80 @@
         </p:blipFill>
         <p:spPr>
           <a:xfrm>
-            <a:off x="1" y="3322319"/>
-            <a:ext cx="4139417" cy="3471769"/>
+            <a:off x="1" y="3287580"/>
+            <a:ext cx="4257039" cy="3570420"/>
+          </a:xfrm>
+          <a:prstGeom prst="rect">
+            <a:avLst/>
+          </a:prstGeom>
+        </p:spPr>
+      </p:pic>
+      <p:pic>
+        <p:nvPicPr>
+          <p:cNvPr id="12" name="Grafik 11" descr="Ein Bild, das Text, Diagramm, Screenshot, Reihe enthält.&#10;&#10;KI-generierte Inhalte können fehlerhaft sein.">
+            <a:extLst>
+              <a:ext uri="{FF2B5EF4-FFF2-40B4-BE49-F238E27FC236}">
+                <a16:creationId xmlns:a16="http://schemas.microsoft.com/office/drawing/2014/main" id="{E1E9B559-AD7C-093F-0D20-535A35961994}"/>
+              </a:ext>
+            </a:extLst>
+          </p:cNvPr>
+          <p:cNvPicPr>
+            <a:picLocks noChangeAspect="1"/>
+          </p:cNvPicPr>
+          <p:nvPr/>
+        </p:nvPicPr>
+        <p:blipFill>
+          <a:blip r:embed="rId3">
+            <a:extLst>
+              <a:ext uri="{28A0092B-C50C-407E-A947-70E740481C1C}">
+                <a14:useLocalDpi xmlns:a14="http://schemas.microsoft.com/office/drawing/2010/main" val="0"/>
+              </a:ext>
+            </a:extLst>
+          </a:blip>
+          <a:stretch>
+            <a:fillRect/>
+          </a:stretch>
+        </p:blipFill>
+        <p:spPr>
+          <a:xfrm>
+            <a:off x="7731760" y="3117154"/>
+            <a:ext cx="4460240" cy="3740846"/>
+          </a:xfrm>
+          <a:prstGeom prst="rect">
+            <a:avLst/>
+          </a:prstGeom>
+        </p:spPr>
+      </p:pic>
+      <p:pic>
+        <p:nvPicPr>
+          <p:cNvPr id="14" name="Grafik 13" descr="Ein Bild, das Text, Screenshot, Schrift, Diagramm enthält.&#10;&#10;KI-generierte Inhalte können fehlerhaft sein.">
+            <a:extLst>
+              <a:ext uri="{FF2B5EF4-FFF2-40B4-BE49-F238E27FC236}">
+                <a16:creationId xmlns:a16="http://schemas.microsoft.com/office/drawing/2014/main" id="{877F9DB5-3919-82D2-72C7-66A3E003D38B}"/>
+              </a:ext>
+            </a:extLst>
+          </p:cNvPr>
+          <p:cNvPicPr>
+            <a:picLocks noChangeAspect="1"/>
+          </p:cNvPicPr>
+          <p:nvPr/>
+        </p:nvPicPr>
+        <p:blipFill>
+          <a:blip r:embed="rId4">
+            <a:extLst>
+              <a:ext uri="{28A0092B-C50C-407E-A947-70E740481C1C}">
+                <a14:useLocalDpi xmlns:a14="http://schemas.microsoft.com/office/drawing/2010/main" val="0"/>
+              </a:ext>
+            </a:extLst>
+          </a:blip>
+          <a:stretch>
+            <a:fillRect/>
+          </a:stretch>
+        </p:blipFill>
+        <p:spPr>
+          <a:xfrm>
+            <a:off x="3936796" y="1287913"/>
+            <a:ext cx="4133312" cy="3466649"/>
           </a:xfrm>
           <a:prstGeom prst="rect">
             <a:avLst/>
@@ -10419,7 +10569,7 @@
           <p:cNvPr id="2" name="Titel 1">
             <a:extLst>
               <a:ext uri="{FF2B5EF4-FFF2-40B4-BE49-F238E27FC236}">
-                <a16:creationId xmlns:a16="http://schemas.microsoft.com/office/drawing/2014/main" id="{03493042-59F9-758F-63FD-D905482F5A90}"/>
+                <a16:creationId xmlns:a16="http://schemas.microsoft.com/office/drawing/2014/main" id="{AB052475-74BA-3738-B41C-332AAEC22DAF}"/>
               </a:ext>
             </a:extLst>
           </p:cNvPr>
@@ -10479,47 +10629,12 @@
           </a:p>
         </p:txBody>
       </p:sp>
-      <p:pic>
-        <p:nvPicPr>
-          <p:cNvPr id="5" name="Inhaltsplatzhalter 4">
+      <p:sp>
+        <p:nvSpPr>
+          <p:cNvPr id="10" name="Textfeld 9">
             <a:extLst>
               <a:ext uri="{FF2B5EF4-FFF2-40B4-BE49-F238E27FC236}">
-                <a16:creationId xmlns:a16="http://schemas.microsoft.com/office/drawing/2014/main" id="{A120981A-76D2-D045-6D32-C63C6615B709}"/>
-              </a:ext>
-            </a:extLst>
-          </p:cNvPr>
-          <p:cNvPicPr>
-            <a:picLocks noGrp="1" noChangeAspect="1"/>
-          </p:cNvPicPr>
-          <p:nvPr>
-            <p:ph idx="1"/>
-          </p:nvPr>
-        </p:nvPicPr>
-        <p:blipFill>
-          <a:blip r:embed="rId3">
-            <a:extLst>
-              <a:ext uri="{28A0092B-C50C-407E-A947-70E740481C1C}">
-                <a14:useLocalDpi xmlns:a14="http://schemas.microsoft.com/office/drawing/2010/main" val="0"/>
-              </a:ext>
-            </a:extLst>
-          </a:blip>
-          <a:stretch>
-            <a:fillRect/>
-          </a:stretch>
-        </p:blipFill>
-        <p:spPr>
-          <a:xfrm>
-            <a:off x="7752077" y="3134196"/>
-            <a:ext cx="4439921" cy="3723804"/>
-          </a:xfrm>
-        </p:spPr>
-      </p:pic>
-      <p:sp>
-        <p:nvSpPr>
-          <p:cNvPr id="8" name="Textfeld 7">
-            <a:extLst>
-              <a:ext uri="{FF2B5EF4-FFF2-40B4-BE49-F238E27FC236}">
-                <a16:creationId xmlns:a16="http://schemas.microsoft.com/office/drawing/2014/main" id="{0D514E63-125A-3336-1788-D4AC7FAFFF22}"/>
+                <a16:creationId xmlns:a16="http://schemas.microsoft.com/office/drawing/2014/main" id="{D7FDAA47-8D10-039B-A05B-ED4FEE16CD6E}"/>
               </a:ext>
             </a:extLst>
           </p:cNvPr>
@@ -10529,7 +10644,7 @@
         <p:spPr>
           <a:xfrm>
             <a:off x="838201" y="1931763"/>
-            <a:ext cx="2860040" cy="1200329"/>
+            <a:ext cx="3611880" cy="830997"/>
           </a:xfrm>
           <a:prstGeom prst="rect">
             <a:avLst/>
@@ -10576,51 +10691,15 @@
             </a:r>
             <a:r>
               <a:rPr lang="de-CH" sz="2400" dirty="0"/>
-              <a:t>: N = 30</a:t>
+              <a:t>: N = 50</a:t>
             </a:r>
           </a:p>
         </p:txBody>
       </p:sp>
-      <p:pic>
-        <p:nvPicPr>
-          <p:cNvPr id="10" name="Grafik 9" descr="Ein Bild, das Text, Screenshot, Diagramm, Schrift enthält.&#10;&#10;KI-generierte Inhalte können fehlerhaft sein.">
-            <a:extLst>
-              <a:ext uri="{FF2B5EF4-FFF2-40B4-BE49-F238E27FC236}">
-                <a16:creationId xmlns:a16="http://schemas.microsoft.com/office/drawing/2014/main" id="{7DF03FD8-2F12-E3E2-7BAA-2F2D40B15C49}"/>
-              </a:ext>
-            </a:extLst>
-          </p:cNvPr>
-          <p:cNvPicPr>
-            <a:picLocks noChangeAspect="1"/>
-          </p:cNvPicPr>
-          <p:nvPr/>
-        </p:nvPicPr>
-        <p:blipFill>
-          <a:blip r:embed="rId4">
-            <a:extLst>
-              <a:ext uri="{28A0092B-C50C-407E-A947-70E740481C1C}">
-                <a14:useLocalDpi xmlns:a14="http://schemas.microsoft.com/office/drawing/2010/main" val="0"/>
-              </a:ext>
-            </a:extLst>
-          </a:blip>
-          <a:stretch>
-            <a:fillRect/>
-          </a:stretch>
-        </p:blipFill>
-        <p:spPr>
-          <a:xfrm>
-            <a:off x="3837838" y="1535057"/>
-            <a:ext cx="4203804" cy="3525771"/>
-          </a:xfrm>
-          <a:prstGeom prst="rect">
-            <a:avLst/>
-          </a:prstGeom>
-        </p:spPr>
-      </p:pic>
     </p:spTree>
     <p:extLst>
       <p:ext uri="{BB962C8B-B14F-4D97-AF65-F5344CB8AC3E}">
-        <p14:creationId xmlns:p14="http://schemas.microsoft.com/office/powerpoint/2010/main" val="4126068761"/>
+        <p14:creationId xmlns:p14="http://schemas.microsoft.com/office/powerpoint/2010/main" val="788690148"/>
       </p:ext>
     </p:extLst>
   </p:cSld>
@@ -10649,420 +10728,6 @@
       </p:grpSpPr>
       <p:pic>
         <p:nvPicPr>
-          <p:cNvPr id="7" name="Grafik 6">
-            <a:extLst>
-              <a:ext uri="{FF2B5EF4-FFF2-40B4-BE49-F238E27FC236}">
-                <a16:creationId xmlns:a16="http://schemas.microsoft.com/office/drawing/2014/main" id="{35C3E923-6E68-939A-4B46-1A2556469F76}"/>
-              </a:ext>
-            </a:extLst>
-          </p:cNvPr>
-          <p:cNvPicPr>
-            <a:picLocks noChangeAspect="1"/>
-          </p:cNvPicPr>
-          <p:nvPr/>
-        </p:nvPicPr>
-        <p:blipFill>
-          <a:blip r:embed="rId2">
-            <a:extLst>
-              <a:ext uri="{28A0092B-C50C-407E-A947-70E740481C1C}">
-                <a14:useLocalDpi xmlns:a14="http://schemas.microsoft.com/office/drawing/2010/main" val="0"/>
-              </a:ext>
-            </a:extLst>
-          </a:blip>
-          <a:stretch>
-            <a:fillRect/>
-          </a:stretch>
-        </p:blipFill>
-        <p:spPr>
-          <a:xfrm>
-            <a:off x="0" y="3261358"/>
-            <a:ext cx="4288302" cy="3596641"/>
-          </a:xfrm>
-          <a:prstGeom prst="rect">
-            <a:avLst/>
-          </a:prstGeom>
-        </p:spPr>
-      </p:pic>
-      <p:pic>
-        <p:nvPicPr>
-          <p:cNvPr id="5" name="Inhaltsplatzhalter 4">
-            <a:extLst>
-              <a:ext uri="{FF2B5EF4-FFF2-40B4-BE49-F238E27FC236}">
-                <a16:creationId xmlns:a16="http://schemas.microsoft.com/office/drawing/2014/main" id="{530176FA-7389-FBA6-6398-7DCE7B3B42EA}"/>
-              </a:ext>
-            </a:extLst>
-          </p:cNvPr>
-          <p:cNvPicPr>
-            <a:picLocks noGrp="1" noChangeAspect="1"/>
-          </p:cNvPicPr>
-          <p:nvPr>
-            <p:ph idx="1"/>
-          </p:nvPr>
-        </p:nvPicPr>
-        <p:blipFill>
-          <a:blip r:embed="rId3">
-            <a:extLst>
-              <a:ext uri="{28A0092B-C50C-407E-A947-70E740481C1C}">
-                <a14:useLocalDpi xmlns:a14="http://schemas.microsoft.com/office/drawing/2010/main" val="0"/>
-              </a:ext>
-            </a:extLst>
-          </a:blip>
-          <a:stretch>
-            <a:fillRect/>
-          </a:stretch>
-        </p:blipFill>
-        <p:spPr>
-          <a:xfrm>
-            <a:off x="3994241" y="1380803"/>
-            <a:ext cx="4203517" cy="3525530"/>
-          </a:xfrm>
-        </p:spPr>
-      </p:pic>
-      <p:sp>
-        <p:nvSpPr>
-          <p:cNvPr id="2" name="Titel 1">
-            <a:extLst>
-              <a:ext uri="{FF2B5EF4-FFF2-40B4-BE49-F238E27FC236}">
-                <a16:creationId xmlns:a16="http://schemas.microsoft.com/office/drawing/2014/main" id="{AB052475-74BA-3738-B41C-332AAEC22DAF}"/>
-              </a:ext>
-            </a:extLst>
-          </p:cNvPr>
-          <p:cNvSpPr>
-            <a:spLocks noGrp="1"/>
-          </p:cNvSpPr>
-          <p:nvPr>
-            <p:ph type="title"/>
-          </p:nvPr>
-        </p:nvSpPr>
-        <p:spPr/>
-        <p:txBody>
-          <a:bodyPr/>
-          <a:lstStyle/>
-          <a:p>
-            <a:r>
-              <a:rPr lang="de-CH" dirty="0"/>
-              <a:t>Plot </a:t>
-            </a:r>
-            <a:r>
-              <a:rPr lang="de-CH" dirty="0" err="1"/>
-              <a:t>showing</a:t>
-            </a:r>
-            <a:r>
-              <a:rPr lang="de-CH" dirty="0"/>
-              <a:t> multiple </a:t>
-            </a:r>
-            <a:r>
-              <a:rPr lang="de-CH" dirty="0" err="1"/>
-              <a:t>populations</a:t>
-            </a:r>
-            <a:r>
-              <a:rPr lang="de-CH" dirty="0"/>
-              <a:t> </a:t>
-            </a:r>
-            <a:r>
-              <a:rPr lang="de-CH" dirty="0" err="1"/>
-              <a:t>over</a:t>
-            </a:r>
-            <a:r>
-              <a:rPr lang="de-CH" dirty="0"/>
-              <a:t> a </a:t>
-            </a:r>
-            <a:r>
-              <a:rPr lang="de-CH" dirty="0" err="1"/>
-              <a:t>thousand</a:t>
-            </a:r>
-            <a:r>
-              <a:rPr lang="de-CH" dirty="0"/>
-              <a:t> </a:t>
-            </a:r>
-            <a:r>
-              <a:rPr lang="de-CH" dirty="0" err="1"/>
-              <a:t>generations</a:t>
-            </a:r>
-            <a:endParaRPr lang="de-CH" dirty="0"/>
-          </a:p>
-        </p:txBody>
-      </p:sp>
-      <p:pic>
-        <p:nvPicPr>
-          <p:cNvPr id="9" name="Grafik 8" descr="Ein Bild, das Text, Screenshot, Diagramm, Grafiken enthält.&#10;&#10;KI-generierte Inhalte können fehlerhaft sein.">
-            <a:extLst>
-              <a:ext uri="{FF2B5EF4-FFF2-40B4-BE49-F238E27FC236}">
-                <a16:creationId xmlns:a16="http://schemas.microsoft.com/office/drawing/2014/main" id="{EDB4AAC9-E495-13F0-D78F-F004761FE242}"/>
-              </a:ext>
-            </a:extLst>
-          </p:cNvPr>
-          <p:cNvPicPr>
-            <a:picLocks noChangeAspect="1"/>
-          </p:cNvPicPr>
-          <p:nvPr/>
-        </p:nvPicPr>
-        <p:blipFill>
-          <a:blip r:embed="rId4">
-            <a:extLst>
-              <a:ext uri="{28A0092B-C50C-407E-A947-70E740481C1C}">
-                <a14:useLocalDpi xmlns:a14="http://schemas.microsoft.com/office/drawing/2010/main" val="0"/>
-              </a:ext>
-            </a:extLst>
-          </a:blip>
-          <a:stretch>
-            <a:fillRect/>
-          </a:stretch>
-        </p:blipFill>
-        <p:spPr>
-          <a:xfrm>
-            <a:off x="7903698" y="3261360"/>
-            <a:ext cx="4288302" cy="3596640"/>
-          </a:xfrm>
-          <a:prstGeom prst="rect">
-            <a:avLst/>
-          </a:prstGeom>
-        </p:spPr>
-      </p:pic>
-      <p:sp>
-        <p:nvSpPr>
-          <p:cNvPr id="10" name="Textfeld 9">
-            <a:extLst>
-              <a:ext uri="{FF2B5EF4-FFF2-40B4-BE49-F238E27FC236}">
-                <a16:creationId xmlns:a16="http://schemas.microsoft.com/office/drawing/2014/main" id="{D7FDAA47-8D10-039B-A05B-ED4FEE16CD6E}"/>
-              </a:ext>
-            </a:extLst>
-          </p:cNvPr>
-          <p:cNvSpPr txBox="1"/>
-          <p:nvPr/>
-        </p:nvSpPr>
-        <p:spPr>
-          <a:xfrm>
-            <a:off x="838201" y="1931763"/>
-            <a:ext cx="3611880" cy="830997"/>
-          </a:xfrm>
-          <a:prstGeom prst="rect">
-            <a:avLst/>
-          </a:prstGeom>
-          <a:noFill/>
-        </p:spPr>
-        <p:txBody>
-          <a:bodyPr wrap="square" rtlCol="0">
-            <a:spAutoFit/>
-          </a:bodyPr>
-          <a:lstStyle/>
-          <a:p>
-            <a:r>
-              <a:rPr lang="de-CH" sz="2400" dirty="0"/>
-              <a:t>Initial </a:t>
-            </a:r>
-            <a:r>
-              <a:rPr lang="de-CH" sz="2400" dirty="0" err="1"/>
-              <a:t>populations</a:t>
-            </a:r>
-            <a:r>
-              <a:rPr lang="de-CH" sz="2400" dirty="0"/>
-              <a:t> </a:t>
-            </a:r>
-            <a:r>
-              <a:rPr lang="de-CH" sz="2400" dirty="0" err="1"/>
-              <a:t>for</a:t>
-            </a:r>
-            <a:r>
-              <a:rPr lang="de-CH" sz="2400" dirty="0"/>
-              <a:t> all </a:t>
-            </a:r>
-            <a:r>
-              <a:rPr lang="de-CH" sz="2400" dirty="0" err="1"/>
-              <a:t>four</a:t>
-            </a:r>
-            <a:r>
-              <a:rPr lang="de-CH" sz="2400" dirty="0"/>
-              <a:t> </a:t>
-            </a:r>
-            <a:r>
-              <a:rPr lang="de-CH" sz="2400" dirty="0" err="1"/>
-              <a:t>mutants</a:t>
-            </a:r>
-            <a:r>
-              <a:rPr lang="de-CH" sz="2400" dirty="0"/>
-              <a:t>: N = 50</a:t>
-            </a:r>
-          </a:p>
-        </p:txBody>
-      </p:sp>
-    </p:spTree>
-    <p:extLst>
-      <p:ext uri="{BB962C8B-B14F-4D97-AF65-F5344CB8AC3E}">
-        <p14:creationId xmlns:p14="http://schemas.microsoft.com/office/powerpoint/2010/main" val="788690148"/>
-      </p:ext>
-    </p:extLst>
-  </p:cSld>
-  <p:clrMapOvr>
-    <a:masterClrMapping/>
-  </p:clrMapOvr>
-</p:sld>
-</file>
-
-<file path=ppt/slides/slide12.xml><?xml version="1.0" encoding="utf-8"?>
-<p:sld xmlns:a="http://schemas.openxmlformats.org/drawingml/2006/main" xmlns:r="http://schemas.openxmlformats.org/officeDocument/2006/relationships" xmlns:p="http://schemas.openxmlformats.org/presentationml/2006/main">
-  <p:cSld>
-    <p:bg>
-      <p:bgPr>
-        <a:solidFill>
-          <a:schemeClr val="bg1"/>
-        </a:solidFill>
-        <a:effectLst/>
-      </p:bgPr>
-    </p:bg>
-    <p:spTree>
-      <p:nvGrpSpPr>
-        <p:cNvPr id="1" name=""/>
-        <p:cNvGrpSpPr/>
-        <p:nvPr/>
-      </p:nvGrpSpPr>
-      <p:grpSpPr>
-        <a:xfrm>
-          <a:off x="0" y="0"/>
-          <a:ext cx="0" cy="0"/>
-          <a:chOff x="0" y="0"/>
-          <a:chExt cx="0" cy="0"/>
-        </a:xfrm>
-      </p:grpSpPr>
-      <p:sp>
-        <p:nvSpPr>
-          <p:cNvPr id="12" name="Rectangle 11">
-            <a:extLst>
-              <a:ext uri="{FF2B5EF4-FFF2-40B4-BE49-F238E27FC236}">
-                <a16:creationId xmlns:a16="http://schemas.microsoft.com/office/drawing/2014/main" id="{A9F529C3-C941-49FD-8C67-82F134F64BDB}"/>
-              </a:ext>
-              <a:ext uri="{C183D7F6-B498-43B3-948B-1728B52AA6E4}">
-                <adec:decorative xmlns:adec="http://schemas.microsoft.com/office/drawing/2017/decorative" val="1"/>
-              </a:ext>
-            </a:extLst>
-          </p:cNvPr>
-          <p:cNvSpPr>
-            <a:spLocks noGrp="1" noRot="1" noChangeAspect="1" noMove="1" noResize="1" noEditPoints="1" noAdjustHandles="1" noChangeArrowheads="1" noChangeShapeType="1" noTextEdit="1"/>
-          </p:cNvSpPr>
-          <p:nvPr>
-            <p:extLst>
-              <p:ext uri="{386F3935-93C4-4BCD-93E2-E3B085C9AB24}">
-                <p16:designElem xmlns:p16="http://schemas.microsoft.com/office/powerpoint/2015/main" val="1"/>
-              </p:ext>
-            </p:extLst>
-          </p:nvPr>
-        </p:nvSpPr>
-        <p:spPr>
-          <a:xfrm>
-            <a:off x="0" y="0"/>
-            <a:ext cx="12192000" cy="6858000"/>
-          </a:xfrm>
-          <a:prstGeom prst="rect">
-            <a:avLst/>
-          </a:prstGeom>
-          <a:solidFill>
-            <a:schemeClr val="tx1">
-              <a:lumMod val="50000"/>
-              <a:lumOff val="50000"/>
-              <a:alpha val="30000"/>
-            </a:schemeClr>
-          </a:solidFill>
-          <a:ln>
-            <a:noFill/>
-          </a:ln>
-        </p:spPr>
-        <p:style>
-          <a:lnRef idx="2">
-            <a:schemeClr val="accent1">
-              <a:shade val="50000"/>
-            </a:schemeClr>
-          </a:lnRef>
-          <a:fillRef idx="1">
-            <a:schemeClr val="accent1"/>
-          </a:fillRef>
-          <a:effectRef idx="0">
-            <a:schemeClr val="accent1"/>
-          </a:effectRef>
-          <a:fontRef idx="minor">
-            <a:schemeClr val="lt1"/>
-          </a:fontRef>
-        </p:style>
-        <p:txBody>
-          <a:bodyPr rtlCol="0" anchor="ctr"/>
-          <a:lstStyle/>
-          <a:p>
-            <a:pPr algn="ctr"/>
-            <a:endParaRPr lang="en-US"/>
-          </a:p>
-        </p:txBody>
-      </p:sp>
-      <p:sp>
-        <p:nvSpPr>
-          <p:cNvPr id="14" name="Rectangle 13">
-            <a:extLst>
-              <a:ext uri="{FF2B5EF4-FFF2-40B4-BE49-F238E27FC236}">
-                <a16:creationId xmlns:a16="http://schemas.microsoft.com/office/drawing/2014/main" id="{20586029-32A0-47E5-9AEC-AE3ABA6B94D0}"/>
-              </a:ext>
-              <a:ext uri="{C183D7F6-B498-43B3-948B-1728B52AA6E4}">
-                <adec:decorative xmlns:adec="http://schemas.microsoft.com/office/drawing/2017/decorative" val="1"/>
-              </a:ext>
-            </a:extLst>
-          </p:cNvPr>
-          <p:cNvSpPr>
-            <a:spLocks noGrp="1" noRot="1" noChangeAspect="1" noMove="1" noResize="1" noEditPoints="1" noAdjustHandles="1" noChangeArrowheads="1" noChangeShapeType="1" noTextEdit="1"/>
-          </p:cNvSpPr>
-          <p:nvPr>
-            <p:extLst>
-              <p:ext uri="{386F3935-93C4-4BCD-93E2-E3B085C9AB24}">
-                <p16:designElem xmlns:p16="http://schemas.microsoft.com/office/powerpoint/2015/main" val="1"/>
-              </p:ext>
-            </p:extLst>
-          </p:nvPr>
-        </p:nvSpPr>
-        <p:spPr>
-          <a:xfrm>
-            <a:off x="477012" y="480060"/>
-            <a:ext cx="11237976" cy="5897880"/>
-          </a:xfrm>
-          <a:prstGeom prst="rect">
-            <a:avLst/>
-          </a:prstGeom>
-          <a:solidFill>
-            <a:srgbClr val="FFFFFF"/>
-          </a:solidFill>
-          <a:ln w="9525">
-            <a:noFill/>
-          </a:ln>
-          <a:effectLst>
-            <a:outerShdw blurRad="63500" dist="17780" dir="5400000" algn="t" rotWithShape="0">
-              <a:prstClr val="black">
-                <a:alpha val="43000"/>
-              </a:prstClr>
-            </a:outerShdw>
-          </a:effectLst>
-        </p:spPr>
-        <p:style>
-          <a:lnRef idx="2">
-            <a:schemeClr val="accent1">
-              <a:shade val="50000"/>
-            </a:schemeClr>
-          </a:lnRef>
-          <a:fillRef idx="1">
-            <a:schemeClr val="accent1"/>
-          </a:fillRef>
-          <a:effectRef idx="0">
-            <a:schemeClr val="accent1"/>
-          </a:effectRef>
-          <a:fontRef idx="minor">
-            <a:schemeClr val="lt1"/>
-          </a:fontRef>
-        </p:style>
-        <p:txBody>
-          <a:bodyPr rtlCol="0" anchor="ctr"/>
-          <a:lstStyle/>
-          <a:p>
-            <a:pPr algn="ctr"/>
-            <a:endParaRPr lang="en-US"/>
-          </a:p>
-        </p:txBody>
-      </p:sp>
-      <p:pic>
-        <p:nvPicPr>
           <p:cNvPr id="5" name="Content Placeholder 4">
             <a:extLst>
               <a:ext uri="{FF2B5EF4-FFF2-40B4-BE49-F238E27FC236}">
@@ -11093,58 +10758,6 @@
           </a:prstGeom>
         </p:spPr>
       </p:pic>
-      <p:cxnSp>
-        <p:nvCxnSpPr>
-          <p:cNvPr id="16" name="Straight Connector 15">
-            <a:extLst>
-              <a:ext uri="{FF2B5EF4-FFF2-40B4-BE49-F238E27FC236}">
-                <a16:creationId xmlns:a16="http://schemas.microsoft.com/office/drawing/2014/main" id="{8C730EAB-A532-4295-A302-FB4B90DB9F5E}"/>
-              </a:ext>
-              <a:ext uri="{C183D7F6-B498-43B3-948B-1728B52AA6E4}">
-                <adec:decorative xmlns:adec="http://schemas.microsoft.com/office/drawing/2017/decorative" val="1"/>
-              </a:ext>
-            </a:extLst>
-          </p:cNvPr>
-          <p:cNvCxnSpPr>
-            <a:cxnSpLocks noGrp="1" noRot="1" noChangeAspect="1" noMove="1" noResize="1" noEditPoints="1" noAdjustHandles="1" noChangeArrowheads="1" noChangeShapeType="1"/>
-          </p:cNvCxnSpPr>
-          <p:nvPr>
-            <p:extLst>
-              <p:ext uri="{386F3935-93C4-4BCD-93E2-E3B085C9AB24}">
-                <p16:designElem xmlns:p16="http://schemas.microsoft.com/office/powerpoint/2015/main" val="1"/>
-              </p:ext>
-            </p:extLst>
-          </p:nvPr>
-        </p:nvCxnSpPr>
-        <p:spPr>
-          <a:xfrm>
-            <a:off x="6079958" y="1143000"/>
-            <a:ext cx="0" cy="4572000"/>
-          </a:xfrm>
-          <a:prstGeom prst="line">
-            <a:avLst/>
-          </a:prstGeom>
-          <a:ln>
-            <a:solidFill>
-              <a:srgbClr val="4E4E4E"/>
-            </a:solidFill>
-          </a:ln>
-        </p:spPr>
-        <p:style>
-          <a:lnRef idx="1">
-            <a:schemeClr val="accent1"/>
-          </a:lnRef>
-          <a:fillRef idx="0">
-            <a:schemeClr val="accent1"/>
-          </a:fillRef>
-          <a:effectRef idx="0">
-            <a:schemeClr val="accent1"/>
-          </a:effectRef>
-          <a:fontRef idx="minor">
-            <a:schemeClr val="tx1"/>
-          </a:fontRef>
-        </p:style>
-      </p:cxnSp>
       <p:pic>
         <p:nvPicPr>
           <p:cNvPr id="7" name="Picture 6">
@@ -11214,10 +10827,173 @@
           </a:p>
         </p:txBody>
       </p:sp>
+      <p:sp>
+        <p:nvSpPr>
+          <p:cNvPr id="2" name="TextBox 1">
+            <a:extLst>
+              <a:ext uri="{FF2B5EF4-FFF2-40B4-BE49-F238E27FC236}">
+                <a16:creationId xmlns:a16="http://schemas.microsoft.com/office/drawing/2014/main" id="{A60ED06A-EC21-C1EC-4142-91DCFE742427}"/>
+              </a:ext>
+            </a:extLst>
+          </p:cNvPr>
+          <p:cNvSpPr txBox="1"/>
+          <p:nvPr/>
+        </p:nvSpPr>
+        <p:spPr>
+          <a:xfrm>
+            <a:off x="751114" y="163286"/>
+            <a:ext cx="10199915" cy="1230085"/>
+          </a:xfrm>
+          <a:prstGeom prst="rect">
+            <a:avLst/>
+          </a:prstGeom>
+          <a:noFill/>
+        </p:spPr>
+        <p:txBody>
+          <a:bodyPr wrap="square" rtlCol="0">
+            <a:spAutoFit/>
+          </a:bodyPr>
+          <a:lstStyle/>
+          <a:p>
+            <a:endParaRPr lang="de-CH"/>
+          </a:p>
+        </p:txBody>
+      </p:sp>
     </p:spTree>
     <p:extLst>
       <p:ext uri="{BB962C8B-B14F-4D97-AF65-F5344CB8AC3E}">
-        <p14:creationId xmlns:p14="http://schemas.microsoft.com/office/powerpoint/2010/main" val="3090059377"/>
+        <p14:creationId xmlns:p14="http://schemas.microsoft.com/office/powerpoint/2010/main" val="1714171063"/>
+      </p:ext>
+    </p:extLst>
+  </p:cSld>
+  <p:clrMapOvr>
+    <a:masterClrMapping/>
+  </p:clrMapOvr>
+</p:sld>
+</file>
+
+<file path=ppt/slides/slide12.xml><?xml version="1.0" encoding="utf-8"?>
+<p:sld xmlns:a="http://schemas.openxmlformats.org/drawingml/2006/main" xmlns:r="http://schemas.openxmlformats.org/officeDocument/2006/relationships" xmlns:p="http://schemas.openxmlformats.org/presentationml/2006/main">
+  <p:cSld>
+    <p:spTree>
+      <p:nvGrpSpPr>
+        <p:cNvPr id="1" name=""/>
+        <p:cNvGrpSpPr/>
+        <p:nvPr/>
+      </p:nvGrpSpPr>
+      <p:grpSpPr>
+        <a:xfrm>
+          <a:off x="0" y="0"/>
+          <a:ext cx="0" cy="0"/>
+          <a:chOff x="0" y="0"/>
+          <a:chExt cx="0" cy="0"/>
+        </a:xfrm>
+      </p:grpSpPr>
+      <p:pic>
+        <p:nvPicPr>
+          <p:cNvPr id="5" name="Content Placeholder 4">
+            <a:extLst>
+              <a:ext uri="{FF2B5EF4-FFF2-40B4-BE49-F238E27FC236}">
+                <a16:creationId xmlns:a16="http://schemas.microsoft.com/office/drawing/2014/main" id="{442F3483-4C3C-05F3-ED6F-2DDDB64A0AAA}"/>
+              </a:ext>
+            </a:extLst>
+          </p:cNvPr>
+          <p:cNvPicPr>
+            <a:picLocks noGrp="1" noChangeAspect="1"/>
+          </p:cNvPicPr>
+          <p:nvPr>
+            <p:ph idx="1"/>
+          </p:nvPr>
+        </p:nvPicPr>
+        <p:blipFill>
+          <a:blip r:embed="rId2"/>
+          <a:stretch>
+            <a:fillRect/>
+          </a:stretch>
+        </p:blipFill>
+        <p:spPr>
+          <a:xfrm>
+            <a:off x="240694" y="1502692"/>
+            <a:ext cx="5697489" cy="3489711"/>
+          </a:xfrm>
+          <a:prstGeom prst="rect">
+            <a:avLst/>
+          </a:prstGeom>
+        </p:spPr>
+      </p:pic>
+      <p:pic>
+        <p:nvPicPr>
+          <p:cNvPr id="7" name="Picture 6">
+            <a:extLst>
+              <a:ext uri="{FF2B5EF4-FFF2-40B4-BE49-F238E27FC236}">
+                <a16:creationId xmlns:a16="http://schemas.microsoft.com/office/drawing/2014/main" id="{1EA42C00-70FF-EAE2-39BB-C0A0A942C971}"/>
+              </a:ext>
+            </a:extLst>
+          </p:cNvPr>
+          <p:cNvPicPr>
+            <a:picLocks noChangeAspect="1"/>
+          </p:cNvPicPr>
+          <p:nvPr/>
+        </p:nvPicPr>
+        <p:blipFill>
+          <a:blip r:embed="rId3"/>
+          <a:stretch>
+            <a:fillRect/>
+          </a:stretch>
+        </p:blipFill>
+        <p:spPr>
+          <a:xfrm>
+            <a:off x="5938183" y="1502692"/>
+            <a:ext cx="5851095" cy="3627677"/>
+          </a:xfrm>
+          <a:prstGeom prst="rect">
+            <a:avLst/>
+          </a:prstGeom>
+        </p:spPr>
+      </p:pic>
+      <p:sp>
+        <p:nvSpPr>
+          <p:cNvPr id="9" name="TextBox 8">
+            <a:extLst>
+              <a:ext uri="{FF2B5EF4-FFF2-40B4-BE49-F238E27FC236}">
+                <a16:creationId xmlns:a16="http://schemas.microsoft.com/office/drawing/2014/main" id="{BFF6B2DD-6AA6-6AE2-56FD-AE2562AC8EA1}"/>
+              </a:ext>
+            </a:extLst>
+          </p:cNvPr>
+          <p:cNvSpPr txBox="1"/>
+          <p:nvPr/>
+        </p:nvSpPr>
+        <p:spPr>
+          <a:xfrm>
+            <a:off x="2133573" y="5715000"/>
+            <a:ext cx="8490883" cy="523220"/>
+          </a:xfrm>
+          <a:prstGeom prst="rect">
+            <a:avLst/>
+          </a:prstGeom>
+          <a:noFill/>
+        </p:spPr>
+        <p:txBody>
+          <a:bodyPr wrap="square">
+            <a:spAutoFit/>
+          </a:bodyPr>
+          <a:lstStyle/>
+          <a:p>
+            <a:r>
+              <a:rPr lang="de-CH" sz="1400" dirty="0" err="1"/>
+              <a:t>init_wd</a:t>
+            </a:r>
+            <a:r>
+              <a:rPr lang="de-CH" sz="1400" dirty="0"/>
+              <a:t> &lt;- 30init_wb &lt;- 30init_sd &lt;- 30init_sb &lt;- 30m_rate_wm &lt;- 0.001m_rate_sm &lt;- 0.005decay_rate_wm &lt;- 0.1decay_rate_sm &lt;- 0.2s_wm &lt;- 0.2s_sm &lt;- 0.3max_gen &lt;- 1000,no_replicates &lt;- 50</a:t>
+            </a:r>
+          </a:p>
+        </p:txBody>
+      </p:sp>
+    </p:spTree>
+    <p:extLst>
+      <p:ext uri="{BB962C8B-B14F-4D97-AF65-F5344CB8AC3E}">
+        <p14:creationId xmlns:p14="http://schemas.microsoft.com/office/powerpoint/2010/main" val="2544409277"/>
       </p:ext>
     </p:extLst>
   </p:cSld>
@@ -11252,12 +11028,42 @@
           <a:chExt cx="0" cy="0"/>
         </a:xfrm>
       </p:grpSpPr>
+      <p:pic>
+        <p:nvPicPr>
+          <p:cNvPr id="11" name="Picture 10">
+            <a:extLst>
+              <a:ext uri="{FF2B5EF4-FFF2-40B4-BE49-F238E27FC236}">
+                <a16:creationId xmlns:a16="http://schemas.microsoft.com/office/drawing/2014/main" id="{591EB2BD-D872-37C5-CA49-463AB2EFC65B}"/>
+              </a:ext>
+            </a:extLst>
+          </p:cNvPr>
+          <p:cNvPicPr>
+            <a:picLocks noChangeAspect="1"/>
+          </p:cNvPicPr>
+          <p:nvPr/>
+        </p:nvPicPr>
+        <p:blipFill>
+          <a:blip r:embed="rId2"/>
+          <a:stretch>
+            <a:fillRect/>
+          </a:stretch>
+        </p:blipFill>
+        <p:spPr>
+          <a:xfrm>
+            <a:off x="7022885" y="3525673"/>
+            <a:ext cx="4453533" cy="3251079"/>
+          </a:xfrm>
+          <a:prstGeom prst="rect">
+            <a:avLst/>
+          </a:prstGeom>
+        </p:spPr>
+      </p:pic>
       <p:sp>
         <p:nvSpPr>
-          <p:cNvPr id="12" name="Rectangle 11">
+          <p:cNvPr id="19" name="Rectangle 18">
             <a:extLst>
               <a:ext uri="{FF2B5EF4-FFF2-40B4-BE49-F238E27FC236}">
-                <a16:creationId xmlns:a16="http://schemas.microsoft.com/office/drawing/2014/main" id="{A9F529C3-C941-49FD-8C67-82F134F64BDB}"/>
+                <a16:creationId xmlns:a16="http://schemas.microsoft.com/office/drawing/2014/main" id="{417CDA24-35F8-4540-8C52-3096D6D94949}"/>
               </a:ext>
               <a:ext uri="{C183D7F6-B498-43B3-948B-1728B52AA6E4}">
                 <adec:decorative xmlns:adec="http://schemas.microsoft.com/office/drawing/2017/decorative" val="1"/>
@@ -11277,17 +11083,16 @@
         </p:nvSpPr>
         <p:spPr>
           <a:xfrm>
-            <a:off x="0" y="0"/>
-            <a:ext cx="12192000" cy="6858000"/>
+            <a:off x="6050280" y="0"/>
+            <a:ext cx="91440" cy="6858000"/>
           </a:xfrm>
           <a:prstGeom prst="rect">
             <a:avLst/>
           </a:prstGeom>
           <a:solidFill>
             <a:schemeClr val="tx1">
-              <a:lumMod val="50000"/>
-              <a:lumOff val="50000"/>
-              <a:alpha val="30000"/>
+              <a:lumMod val="75000"/>
+              <a:lumOff val="25000"/>
             </a:schemeClr>
           </a:solidFill>
           <a:ln>
@@ -11319,12 +11124,42 @@
           </a:p>
         </p:txBody>
       </p:sp>
+      <p:pic>
+        <p:nvPicPr>
+          <p:cNvPr id="5" name="Picture 4">
+            <a:extLst>
+              <a:ext uri="{FF2B5EF4-FFF2-40B4-BE49-F238E27FC236}">
+                <a16:creationId xmlns:a16="http://schemas.microsoft.com/office/drawing/2014/main" id="{AA32F8ED-B5C0-05F3-7F17-D4A8D0A3121D}"/>
+              </a:ext>
+            </a:extLst>
+          </p:cNvPr>
+          <p:cNvPicPr>
+            <a:picLocks noChangeAspect="1"/>
+          </p:cNvPicPr>
+          <p:nvPr/>
+        </p:nvPicPr>
+        <p:blipFill>
+          <a:blip r:embed="rId3"/>
+          <a:stretch>
+            <a:fillRect/>
+          </a:stretch>
+        </p:blipFill>
+        <p:spPr>
+          <a:xfrm>
+            <a:off x="906786" y="126355"/>
+            <a:ext cx="4147170" cy="3245160"/>
+          </a:xfrm>
+          <a:prstGeom prst="rect">
+            <a:avLst/>
+          </a:prstGeom>
+        </p:spPr>
+      </p:pic>
       <p:sp>
         <p:nvSpPr>
-          <p:cNvPr id="14" name="Rectangle 13">
+          <p:cNvPr id="18" name="Rectangle 17">
             <a:extLst>
               <a:ext uri="{FF2B5EF4-FFF2-40B4-BE49-F238E27FC236}">
-                <a16:creationId xmlns:a16="http://schemas.microsoft.com/office/drawing/2014/main" id="{20586029-32A0-47E5-9AEC-AE3ABA6B94D0}"/>
+                <a16:creationId xmlns:a16="http://schemas.microsoft.com/office/drawing/2014/main" id="{8658BFE0-4E65-4174-9C75-687C94E88273}"/>
               </a:ext>
               <a:ext uri="{C183D7F6-B498-43B3-948B-1728B52AA6E4}">
                 <adec:decorative xmlns:adec="http://schemas.microsoft.com/office/drawing/2017/decorative" val="1"/>
@@ -11344,25 +11179,21 @@
         </p:nvSpPr>
         <p:spPr>
           <a:xfrm>
-            <a:off x="477012" y="480060"/>
-            <a:ext cx="11237976" cy="5897880"/>
+            <a:off x="0" y="3383280"/>
+            <a:ext cx="6126480" cy="91440"/>
           </a:xfrm>
           <a:prstGeom prst="rect">
             <a:avLst/>
           </a:prstGeom>
           <a:solidFill>
-            <a:srgbClr val="FFFFFF"/>
+            <a:schemeClr val="tx1">
+              <a:lumMod val="75000"/>
+              <a:lumOff val="25000"/>
+            </a:schemeClr>
           </a:solidFill>
-          <a:ln w="9525">
+          <a:ln>
             <a:noFill/>
           </a:ln>
-          <a:effectLst>
-            <a:outerShdw blurRad="63500" dist="17780" dir="5400000" algn="t" rotWithShape="0">
-              <a:prstClr val="black">
-                <a:alpha val="43000"/>
-              </a:prstClr>
-            </a:outerShdw>
-          </a:effectLst>
         </p:spPr>
         <p:style>
           <a:lnRef idx="2">
@@ -11389,53 +11220,21 @@
           </a:p>
         </p:txBody>
       </p:sp>
-      <p:pic>
-        <p:nvPicPr>
-          <p:cNvPr id="5" name="Content Placeholder 4">
+      <p:sp>
+        <p:nvSpPr>
+          <p:cNvPr id="20" name="Rectangle 19">
             <a:extLst>
               <a:ext uri="{FF2B5EF4-FFF2-40B4-BE49-F238E27FC236}">
-                <a16:creationId xmlns:a16="http://schemas.microsoft.com/office/drawing/2014/main" id="{442F3483-4C3C-05F3-ED6F-2DDDB64A0AAA}"/>
+                <a16:creationId xmlns:a16="http://schemas.microsoft.com/office/drawing/2014/main" id="{FA75DFED-A0C1-4A83-BE1D-0271C1826EF6}"/>
+              </a:ext>
+              <a:ext uri="{C183D7F6-B498-43B3-948B-1728B52AA6E4}">
+                <adec:decorative xmlns:adec="http://schemas.microsoft.com/office/drawing/2017/decorative" val="1"/>
               </a:ext>
             </a:extLst>
           </p:cNvPr>
-          <p:cNvPicPr>
-            <a:picLocks noGrp="1" noChangeAspect="1"/>
-          </p:cNvPicPr>
-          <p:nvPr>
-            <p:ph idx="1"/>
-          </p:nvPr>
-        </p:nvPicPr>
-        <p:blipFill>
-          <a:blip r:embed="rId2"/>
-          <a:stretch>
-            <a:fillRect/>
-          </a:stretch>
-        </p:blipFill>
-        <p:spPr>
-          <a:xfrm>
-            <a:off x="643467" y="1807492"/>
-            <a:ext cx="5294716" cy="3243013"/>
-          </a:xfrm>
-          <a:prstGeom prst="rect">
-            <a:avLst/>
-          </a:prstGeom>
-        </p:spPr>
-      </p:pic>
-      <p:cxnSp>
-        <p:nvCxnSpPr>
-          <p:cNvPr id="16" name="Straight Connector 15">
-            <a:extLst>
-              <a:ext uri="{FF2B5EF4-FFF2-40B4-BE49-F238E27FC236}">
-                <a16:creationId xmlns:a16="http://schemas.microsoft.com/office/drawing/2014/main" id="{8C730EAB-A532-4295-A302-FB4B90DB9F5E}"/>
-              </a:ext>
-              <a:ext uri="{C183D7F6-B498-43B3-948B-1728B52AA6E4}">
-                <adec:decorative xmlns:adec="http://schemas.microsoft.com/office/drawing/2017/decorative" val="1"/>
-              </a:ext>
-            </a:extLst>
-          </p:cNvPr>
-          <p:cNvCxnSpPr>
-            <a:cxnSpLocks noGrp="1" noRot="1" noChangeAspect="1" noMove="1" noResize="1" noEditPoints="1" noAdjustHandles="1" noChangeArrowheads="1" noChangeShapeType="1"/>
-          </p:cNvCxnSpPr>
+          <p:cNvSpPr>
+            <a:spLocks noGrp="1" noRot="1" noChangeAspect="1" noMove="1" noResize="1" noEditPoints="1" noAdjustHandles="1" noChangeArrowheads="1" noChangeShapeType="1" noTextEdit="1"/>
+          </p:cNvSpPr>
           <p:nvPr>
             <p:extLst>
               <p:ext uri="{386F3935-93C4-4BCD-93E2-E3B085C9AB24}">
@@ -11443,42 +11242,56 @@
               </p:ext>
             </p:extLst>
           </p:nvPr>
-        </p:nvCxnSpPr>
+        </p:nvSpPr>
         <p:spPr>
           <a:xfrm>
-            <a:off x="6079958" y="1143000"/>
-            <a:ext cx="0" cy="4572000"/>
+            <a:off x="6065520" y="3383280"/>
+            <a:ext cx="6126480" cy="91440"/>
           </a:xfrm>
-          <a:prstGeom prst="line">
+          <a:prstGeom prst="rect">
             <a:avLst/>
           </a:prstGeom>
+          <a:solidFill>
+            <a:schemeClr val="tx1">
+              <a:lumMod val="75000"/>
+              <a:lumOff val="25000"/>
+            </a:schemeClr>
+          </a:solidFill>
           <a:ln>
-            <a:solidFill>
-              <a:srgbClr val="4E4E4E"/>
-            </a:solidFill>
+            <a:noFill/>
           </a:ln>
         </p:spPr>
         <p:style>
-          <a:lnRef idx="1">
-            <a:schemeClr val="accent1"/>
+          <a:lnRef idx="2">
+            <a:schemeClr val="accent1">
+              <a:shade val="50000"/>
+            </a:schemeClr>
           </a:lnRef>
-          <a:fillRef idx="0">
+          <a:fillRef idx="1">
             <a:schemeClr val="accent1"/>
           </a:fillRef>
           <a:effectRef idx="0">
             <a:schemeClr val="accent1"/>
           </a:effectRef>
           <a:fontRef idx="minor">
-            <a:schemeClr val="tx1"/>
+            <a:schemeClr val="lt1"/>
           </a:fontRef>
         </p:style>
-      </p:cxnSp>
+        <p:txBody>
+          <a:bodyPr rtlCol="0" anchor="ctr"/>
+          <a:lstStyle/>
+          <a:p>
+            <a:pPr algn="ctr"/>
+            <a:endParaRPr lang="en-US"/>
+          </a:p>
+        </p:txBody>
+      </p:sp>
       <p:pic>
         <p:nvPicPr>
           <p:cNvPr id="7" name="Picture 6">
             <a:extLst>
               <a:ext uri="{FF2B5EF4-FFF2-40B4-BE49-F238E27FC236}">
-                <a16:creationId xmlns:a16="http://schemas.microsoft.com/office/drawing/2014/main" id="{1EA42C00-70FF-EAE2-39BB-C0A0A942C971}"/>
+                <a16:creationId xmlns:a16="http://schemas.microsoft.com/office/drawing/2014/main" id="{4DB0F3BC-5BB3-4FA8-84EE-7AB34CC58DCB}"/>
               </a:ext>
             </a:extLst>
           </p:cNvPr>
@@ -11488,15 +11301,45 @@
           <p:nvPr/>
         </p:nvPicPr>
         <p:blipFill>
-          <a:blip r:embed="rId3"/>
+          <a:blip r:embed="rId4"/>
           <a:stretch>
             <a:fillRect/>
           </a:stretch>
         </p:blipFill>
         <p:spPr>
           <a:xfrm>
-            <a:off x="6253817" y="1787639"/>
-            <a:ext cx="5294715" cy="3282722"/>
+            <a:off x="6965050" y="35997"/>
+            <a:ext cx="4569204" cy="3335518"/>
+          </a:xfrm>
+          <a:prstGeom prst="rect">
+            <a:avLst/>
+          </a:prstGeom>
+        </p:spPr>
+      </p:pic>
+      <p:pic>
+        <p:nvPicPr>
+          <p:cNvPr id="9" name="Picture 8">
+            <a:extLst>
+              <a:ext uri="{FF2B5EF4-FFF2-40B4-BE49-F238E27FC236}">
+                <a16:creationId xmlns:a16="http://schemas.microsoft.com/office/drawing/2014/main" id="{A46C3F18-DE9B-0A55-4889-9B8ED94DF332}"/>
+              </a:ext>
+            </a:extLst>
+          </p:cNvPr>
+          <p:cNvPicPr>
+            <a:picLocks noChangeAspect="1"/>
+          </p:cNvPicPr>
+          <p:nvPr/>
+        </p:nvPicPr>
+        <p:blipFill>
+          <a:blip r:embed="rId5"/>
+          <a:stretch>
+            <a:fillRect/>
+          </a:stretch>
+        </p:blipFill>
+        <p:spPr>
+          <a:xfrm>
+            <a:off x="906786" y="3696597"/>
+            <a:ext cx="4176482" cy="3080155"/>
           </a:xfrm>
           <a:prstGeom prst="rect">
             <a:avLst/>
@@ -11505,10 +11348,10 @@
       </p:pic>
       <p:sp>
         <p:nvSpPr>
-          <p:cNvPr id="9" name="TextBox 8">
+          <p:cNvPr id="2" name="TextBox 1">
             <a:extLst>
               <a:ext uri="{FF2B5EF4-FFF2-40B4-BE49-F238E27FC236}">
-                <a16:creationId xmlns:a16="http://schemas.microsoft.com/office/drawing/2014/main" id="{BFF6B2DD-6AA6-6AE2-56FD-AE2562AC8EA1}"/>
+                <a16:creationId xmlns:a16="http://schemas.microsoft.com/office/drawing/2014/main" id="{B0D7AA42-C68B-C927-D21E-34F73AD545C3}"/>
               </a:ext>
             </a:extLst>
           </p:cNvPr>
@@ -11517,8 +11360,8 @@
         </p:nvSpPr>
         <p:spPr>
           <a:xfrm>
-            <a:off x="2133573" y="5715000"/>
-            <a:ext cx="8490883" cy="523220"/>
+            <a:off x="4451258" y="191589"/>
+            <a:ext cx="1426028" cy="954107"/>
           </a:xfrm>
           <a:prstGeom prst="rect">
             <a:avLst/>
@@ -11526,18 +11369,54 @@
           <a:noFill/>
         </p:spPr>
         <p:txBody>
-          <a:bodyPr wrap="square">
+          <a:bodyPr wrap="square" rtlCol="0">
             <a:spAutoFit/>
           </a:bodyPr>
           <a:lstStyle/>
           <a:p>
             <a:r>
+              <a:rPr lang="de-CH" sz="1400" dirty="0"/>
+              <a:t>Initial </a:t>
+            </a:r>
+            <a:r>
               <a:rPr lang="de-CH" sz="1400" dirty="0" err="1"/>
-              <a:t>init_wd</a:t>
+              <a:t>population</a:t>
             </a:r>
             <a:r>
               <a:rPr lang="de-CH" sz="1400" dirty="0"/>
-              <a:t> &lt;- 30init_wb &lt;- 30init_sd &lt;- 30init_sb &lt;- 30m_rate_wm &lt;- 0.001m_rate_sm &lt;- 0.005decay_rate_wm &lt;- 0.1decay_rate_sm &lt;- 0.2s_wm &lt;- 0.2s_sm &lt;- 0.3max_gen &lt;- 1000,no_replicates &lt;- 50</a:t>
+              <a:t> </a:t>
+            </a:r>
+            <a:r>
+              <a:rPr lang="de-CH" sz="1400" dirty="0" err="1"/>
+              <a:t>size</a:t>
+            </a:r>
+            <a:r>
+              <a:rPr lang="de-CH" sz="1400" dirty="0"/>
+              <a:t> </a:t>
+            </a:r>
+            <a:r>
+              <a:rPr lang="de-CH" sz="1400" dirty="0" err="1"/>
+              <a:t>for</a:t>
+            </a:r>
+            <a:r>
+              <a:rPr lang="de-CH" sz="1400" dirty="0"/>
+              <a:t> all </a:t>
+            </a:r>
+            <a:r>
+              <a:rPr lang="de-CH" sz="1400" dirty="0" err="1"/>
+              <a:t>four</a:t>
+            </a:r>
+            <a:r>
+              <a:rPr lang="de-CH" sz="1400" dirty="0"/>
+              <a:t> </a:t>
+            </a:r>
+            <a:r>
+              <a:rPr lang="de-CH" sz="1400" dirty="0" err="1"/>
+              <a:t>mutants</a:t>
+            </a:r>
+            <a:r>
+              <a:rPr lang="de-CH" sz="1400" dirty="0"/>
+              <a:t>: N=50</a:t>
             </a:r>
           </a:p>
         </p:txBody>
@@ -11545,7 +11424,657 @@
     </p:spTree>
     <p:extLst>
       <p:ext uri="{BB962C8B-B14F-4D97-AF65-F5344CB8AC3E}">
-        <p14:creationId xmlns:p14="http://schemas.microsoft.com/office/powerpoint/2010/main" val="2544409277"/>
+        <p14:creationId xmlns:p14="http://schemas.microsoft.com/office/powerpoint/2010/main" val="1681305938"/>
+      </p:ext>
+    </p:extLst>
+  </p:cSld>
+  <p:clrMapOvr>
+    <a:masterClrMapping/>
+  </p:clrMapOvr>
+</p:sld>
+</file>
+
+<file path=ppt/slides/slide14.xml><?xml version="1.0" encoding="utf-8"?>
+<p:sld xmlns:a="http://schemas.openxmlformats.org/drawingml/2006/main" xmlns:r="http://schemas.openxmlformats.org/officeDocument/2006/relationships" xmlns:p="http://schemas.openxmlformats.org/presentationml/2006/main">
+  <p:cSld>
+    <p:spTree>
+      <p:nvGrpSpPr>
+        <p:cNvPr id="1" name=""/>
+        <p:cNvGrpSpPr/>
+        <p:nvPr/>
+      </p:nvGrpSpPr>
+      <p:grpSpPr>
+        <a:xfrm>
+          <a:off x="0" y="0"/>
+          <a:ext cx="0" cy="0"/>
+          <a:chOff x="0" y="0"/>
+          <a:chExt cx="0" cy="0"/>
+        </a:xfrm>
+      </p:grpSpPr>
+      <p:sp>
+        <p:nvSpPr>
+          <p:cNvPr id="2" name="Title 1">
+            <a:extLst>
+              <a:ext uri="{FF2B5EF4-FFF2-40B4-BE49-F238E27FC236}">
+                <a16:creationId xmlns:a16="http://schemas.microsoft.com/office/drawing/2014/main" id="{FE927052-81FC-A921-40D7-3FBE8DAB94B3}"/>
+              </a:ext>
+            </a:extLst>
+          </p:cNvPr>
+          <p:cNvSpPr>
+            <a:spLocks noGrp="1"/>
+          </p:cNvSpPr>
+          <p:nvPr>
+            <p:ph type="title"/>
+          </p:nvPr>
+        </p:nvSpPr>
+        <p:spPr/>
+        <p:txBody>
+          <a:bodyPr>
+            <a:normAutofit/>
+          </a:bodyPr>
+          <a:lstStyle/>
+          <a:p>
+            <a:r>
+              <a:rPr lang="de-CH" sz="4000" dirty="0"/>
+              <a:t>Biological-</a:t>
+            </a:r>
+            <a:r>
+              <a:rPr lang="de-CH" sz="4000" dirty="0" err="1"/>
+              <a:t>applications</a:t>
+            </a:r>
+            <a:r>
+              <a:rPr lang="de-CH" sz="4000" dirty="0"/>
+              <a:t>-Anti </a:t>
+            </a:r>
+            <a:r>
+              <a:rPr lang="de-CH" sz="4000" dirty="0" err="1"/>
+              <a:t>microbial</a:t>
+            </a:r>
+            <a:r>
+              <a:rPr lang="de-CH" sz="4000" dirty="0"/>
+              <a:t> </a:t>
+            </a:r>
+            <a:r>
+              <a:rPr lang="de-CH" sz="4000" dirty="0" err="1"/>
+              <a:t>resistance</a:t>
+            </a:r>
+            <a:endParaRPr lang="de-CH" sz="4000" dirty="0"/>
+          </a:p>
+        </p:txBody>
+      </p:sp>
+      <p:sp>
+        <p:nvSpPr>
+          <p:cNvPr id="3" name="Content Placeholder 2">
+            <a:extLst>
+              <a:ext uri="{FF2B5EF4-FFF2-40B4-BE49-F238E27FC236}">
+                <a16:creationId xmlns:a16="http://schemas.microsoft.com/office/drawing/2014/main" id="{0AD8E2FF-06F5-7054-3D07-9B2428436BE5}"/>
+              </a:ext>
+            </a:extLst>
+          </p:cNvPr>
+          <p:cNvSpPr>
+            <a:spLocks noGrp="1"/>
+          </p:cNvSpPr>
+          <p:nvPr>
+            <p:ph idx="1"/>
+          </p:nvPr>
+        </p:nvSpPr>
+        <p:spPr>
+          <a:xfrm>
+            <a:off x="838200" y="1404257"/>
+            <a:ext cx="10515600" cy="4772706"/>
+          </a:xfrm>
+        </p:spPr>
+        <p:txBody>
+          <a:bodyPr>
+            <a:normAutofit/>
+          </a:bodyPr>
+          <a:lstStyle/>
+          <a:p>
+            <a:pPr marL="0" indent="0">
+              <a:buNone/>
+            </a:pPr>
+            <a:endParaRPr lang="en-US" sz="1100" dirty="0"/>
+          </a:p>
+          <a:p>
+            <a:pPr marL="0" indent="0">
+              <a:buNone/>
+            </a:pPr>
+            <a:r>
+              <a:rPr lang="en-US" sz="1100" dirty="0"/>
+              <a:t>Sophie </a:t>
+            </a:r>
+            <a:r>
+              <a:rPr lang="en-US" sz="1100" dirty="0" err="1"/>
+              <a:t>Maisnier</a:t>
+            </a:r>
+            <a:r>
+              <a:rPr lang="en-US" sz="1100" dirty="0"/>
+              <a:t>-Patin, Dan I Andersson, Adaptation to the deleterious effects of antimicrobial drug resistance mutations by compensatory evolution, Research in Microbiology, Volume 155, Issue 5, 2004, Pages 360-369, ISSN 0923-2508, (</a:t>
+            </a:r>
+            <a:r>
+              <a:rPr lang="en-US" sz="1100" dirty="0">
+                <a:hlinkClick r:id="rId2"/>
+              </a:rPr>
+              <a:t>https://www.sciencedirect.com/science/article/pii/S0923250804000683</a:t>
+            </a:r>
+            <a:r>
+              <a:rPr lang="en-US" sz="1100" dirty="0"/>
+              <a:t>) </a:t>
+            </a:r>
+          </a:p>
+          <a:p>
+            <a:pPr marL="0" indent="0">
+              <a:buNone/>
+            </a:pPr>
+            <a:r>
+              <a:rPr lang="de-CH" sz="2000" dirty="0" err="1"/>
+              <a:t>Similarities</a:t>
+            </a:r>
+            <a:r>
+              <a:rPr lang="de-CH" sz="2000" dirty="0"/>
+              <a:t>:</a:t>
+            </a:r>
+          </a:p>
+          <a:p>
+            <a:r>
+              <a:rPr lang="de-CH" sz="2000" dirty="0"/>
+              <a:t>Resistance </a:t>
+            </a:r>
+            <a:r>
+              <a:rPr lang="de-CH" sz="2000" dirty="0" err="1"/>
+              <a:t>to</a:t>
+            </a:r>
+            <a:r>
+              <a:rPr lang="de-CH" sz="2000" dirty="0"/>
+              <a:t> </a:t>
+            </a:r>
+            <a:r>
+              <a:rPr lang="de-CH" sz="2000" dirty="0" err="1"/>
+              <a:t>antimicrobial</a:t>
+            </a:r>
+            <a:r>
+              <a:rPr lang="de-CH" sz="2000" dirty="0"/>
+              <a:t> </a:t>
+            </a:r>
+            <a:r>
+              <a:rPr lang="de-CH" sz="2000" dirty="0" err="1"/>
+              <a:t>drugs</a:t>
+            </a:r>
+            <a:r>
+              <a:rPr lang="de-CH" sz="2000" dirty="0"/>
+              <a:t> </a:t>
+            </a:r>
+            <a:r>
+              <a:rPr lang="de-CH" sz="2000" dirty="0" err="1"/>
+              <a:t>comes</a:t>
+            </a:r>
+            <a:r>
+              <a:rPr lang="de-CH" sz="2000" dirty="0"/>
+              <a:t> with </a:t>
+            </a:r>
+            <a:r>
+              <a:rPr lang="de-CH" sz="2000" dirty="0" err="1"/>
+              <a:t>fitness</a:t>
+            </a:r>
+            <a:r>
+              <a:rPr lang="de-CH" sz="2000" dirty="0"/>
+              <a:t> </a:t>
+            </a:r>
+            <a:r>
+              <a:rPr lang="de-CH" sz="2000" dirty="0" err="1"/>
+              <a:t>costs</a:t>
+            </a:r>
+            <a:endParaRPr lang="de-CH" sz="2000" dirty="0"/>
+          </a:p>
+          <a:p>
+            <a:r>
+              <a:rPr lang="de-CH" sz="2000" dirty="0" err="1"/>
+              <a:t>Mutations</a:t>
+            </a:r>
+            <a:r>
+              <a:rPr lang="de-CH" sz="2000" dirty="0"/>
+              <a:t> </a:t>
+            </a:r>
+            <a:r>
+              <a:rPr lang="de-CH" sz="2000" dirty="0" err="1"/>
+              <a:t>as</a:t>
+            </a:r>
+            <a:r>
+              <a:rPr lang="de-CH" sz="2000" dirty="0"/>
+              <a:t> a </a:t>
+            </a:r>
+            <a:r>
+              <a:rPr lang="de-CH" sz="2000" dirty="0" err="1"/>
+              <a:t>way</a:t>
+            </a:r>
+            <a:r>
+              <a:rPr lang="de-CH" sz="2000" dirty="0"/>
+              <a:t> </a:t>
+            </a:r>
+            <a:r>
+              <a:rPr lang="de-CH" sz="2000" dirty="0" err="1"/>
+              <a:t>to</a:t>
+            </a:r>
+            <a:r>
+              <a:rPr lang="de-CH" sz="2000" dirty="0"/>
+              <a:t> </a:t>
+            </a:r>
+            <a:r>
+              <a:rPr lang="de-CH" sz="2000" dirty="0" err="1"/>
+              <a:t>mask</a:t>
+            </a:r>
+            <a:r>
+              <a:rPr lang="de-CH" sz="2000" dirty="0"/>
+              <a:t> </a:t>
+            </a:r>
+            <a:r>
+              <a:rPr lang="de-CH" sz="2000" dirty="0" err="1"/>
+              <a:t>effect</a:t>
+            </a:r>
+            <a:r>
+              <a:rPr lang="de-CH" sz="2000" dirty="0"/>
+              <a:t> </a:t>
+            </a:r>
+            <a:r>
+              <a:rPr lang="de-CH" sz="2000" dirty="0" err="1"/>
+              <a:t>of</a:t>
+            </a:r>
+            <a:r>
+              <a:rPr lang="de-CH" sz="2000" dirty="0"/>
+              <a:t> </a:t>
+            </a:r>
+            <a:r>
+              <a:rPr lang="de-CH" sz="2000" dirty="0" err="1"/>
+              <a:t>deleterious</a:t>
+            </a:r>
+            <a:r>
+              <a:rPr lang="de-CH" sz="2000" dirty="0"/>
+              <a:t> </a:t>
+            </a:r>
+            <a:r>
+              <a:rPr lang="de-CH" sz="2000" dirty="0" err="1"/>
+              <a:t>effects</a:t>
+            </a:r>
+            <a:r>
+              <a:rPr lang="de-CH" sz="2000" dirty="0" err="1">
+                <a:sym typeface="Wingdings" panose="05000000000000000000" pitchFamily="2" charset="2"/>
+              </a:rPr>
+              <a:t>important</a:t>
+            </a:r>
+            <a:r>
+              <a:rPr lang="de-CH" sz="2000" dirty="0">
+                <a:sym typeface="Wingdings" panose="05000000000000000000" pitchFamily="2" charset="2"/>
+              </a:rPr>
+              <a:t> </a:t>
+            </a:r>
+            <a:r>
+              <a:rPr lang="de-CH" sz="2000" dirty="0" err="1">
+                <a:sym typeface="Wingdings" panose="05000000000000000000" pitchFamily="2" charset="2"/>
+              </a:rPr>
+              <a:t>for</a:t>
+            </a:r>
+            <a:r>
+              <a:rPr lang="de-CH" sz="2000" dirty="0">
+                <a:sym typeface="Wingdings" panose="05000000000000000000" pitchFamily="2" charset="2"/>
+              </a:rPr>
+              <a:t> </a:t>
+            </a:r>
+            <a:r>
+              <a:rPr lang="de-CH" sz="2000" dirty="0" err="1">
+                <a:sym typeface="Wingdings" panose="05000000000000000000" pitchFamily="2" charset="2"/>
+              </a:rPr>
+              <a:t>adaptation</a:t>
+            </a:r>
+            <a:r>
+              <a:rPr lang="de-CH" sz="2000" dirty="0">
+                <a:sym typeface="Wingdings" panose="05000000000000000000" pitchFamily="2" charset="2"/>
+              </a:rPr>
+              <a:t>/</a:t>
+            </a:r>
+            <a:r>
+              <a:rPr lang="de-CH" sz="2000" dirty="0" err="1">
+                <a:sym typeface="Wingdings" panose="05000000000000000000" pitchFamily="2" charset="2"/>
+              </a:rPr>
+              <a:t>evolution</a:t>
+            </a:r>
+            <a:endParaRPr lang="de-CH" sz="2000" dirty="0">
+              <a:sym typeface="Wingdings" panose="05000000000000000000" pitchFamily="2" charset="2"/>
+            </a:endParaRPr>
+          </a:p>
+          <a:p>
+            <a:r>
+              <a:rPr lang="de-CH" sz="2000" dirty="0">
+                <a:sym typeface="Wingdings" panose="05000000000000000000" pitchFamily="2" charset="2"/>
+              </a:rPr>
+              <a:t>Haploid, </a:t>
+            </a:r>
+            <a:r>
+              <a:rPr lang="de-CH" sz="2000" dirty="0" err="1">
+                <a:sym typeface="Wingdings" panose="05000000000000000000" pitchFamily="2" charset="2"/>
+              </a:rPr>
+              <a:t>asexuall</a:t>
+            </a:r>
+            <a:r>
+              <a:rPr lang="de-CH" sz="2000" dirty="0">
+                <a:sym typeface="Wingdings" panose="05000000000000000000" pitchFamily="2" charset="2"/>
+              </a:rPr>
+              <a:t> </a:t>
+            </a:r>
+            <a:r>
+              <a:rPr lang="de-CH" sz="2000" dirty="0" err="1">
+                <a:sym typeface="Wingdings" panose="05000000000000000000" pitchFamily="2" charset="2"/>
+              </a:rPr>
+              <a:t>populations</a:t>
+            </a:r>
+            <a:endParaRPr lang="de-CH" sz="2000" dirty="0">
+              <a:sym typeface="Wingdings" panose="05000000000000000000" pitchFamily="2" charset="2"/>
+            </a:endParaRPr>
+          </a:p>
+          <a:p>
+            <a:pPr marL="0" indent="0">
+              <a:buNone/>
+            </a:pPr>
+            <a:r>
+              <a:rPr lang="de-CH" sz="2000" dirty="0" err="1">
+                <a:sym typeface="Wingdings" panose="05000000000000000000" pitchFamily="2" charset="2"/>
+              </a:rPr>
+              <a:t>Limitations</a:t>
+            </a:r>
+            <a:r>
+              <a:rPr lang="de-CH" sz="2000" dirty="0">
+                <a:sym typeface="Wingdings" panose="05000000000000000000" pitchFamily="2" charset="2"/>
+              </a:rPr>
+              <a:t>:</a:t>
+            </a:r>
+          </a:p>
+          <a:p>
+            <a:r>
+              <a:rPr lang="de-CH" sz="2000" dirty="0">
+                <a:sym typeface="Wingdings" panose="05000000000000000000" pitchFamily="2" charset="2"/>
+              </a:rPr>
+              <a:t>Models still </a:t>
+            </a:r>
+            <a:r>
+              <a:rPr lang="de-CH" sz="2000" dirty="0" err="1">
+                <a:sym typeface="Wingdings" panose="05000000000000000000" pitchFamily="2" charset="2"/>
+              </a:rPr>
+              <a:t>are</a:t>
+            </a:r>
+            <a:r>
+              <a:rPr lang="de-CH" sz="2000" dirty="0">
+                <a:sym typeface="Wingdings" panose="05000000000000000000" pitchFamily="2" charset="2"/>
+              </a:rPr>
+              <a:t> different: </a:t>
+            </a:r>
+            <a:r>
+              <a:rPr lang="de-CH" sz="2000" dirty="0" err="1">
+                <a:sym typeface="Wingdings" panose="05000000000000000000" pitchFamily="2" charset="2"/>
+              </a:rPr>
+              <a:t>no</a:t>
+            </a:r>
+            <a:r>
+              <a:rPr lang="de-CH" sz="2000" dirty="0">
+                <a:sym typeface="Wingdings" panose="05000000000000000000" pitchFamily="2" charset="2"/>
+              </a:rPr>
+              <a:t> </a:t>
+            </a:r>
+            <a:r>
+              <a:rPr lang="de-CH" sz="2000" dirty="0" err="1">
+                <a:sym typeface="Wingdings" panose="05000000000000000000" pitchFamily="2" charset="2"/>
+              </a:rPr>
+              <a:t>use</a:t>
+            </a:r>
+            <a:r>
+              <a:rPr lang="de-CH" sz="2000" dirty="0">
+                <a:sym typeface="Wingdings" panose="05000000000000000000" pitchFamily="2" charset="2"/>
+              </a:rPr>
+              <a:t> </a:t>
+            </a:r>
+            <a:r>
+              <a:rPr lang="de-CH" sz="2000" dirty="0" err="1">
+                <a:sym typeface="Wingdings" panose="05000000000000000000" pitchFamily="2" charset="2"/>
+              </a:rPr>
+              <a:t>of</a:t>
+            </a:r>
+            <a:r>
+              <a:rPr lang="de-CH" sz="2000" dirty="0">
+                <a:sym typeface="Wingdings" panose="05000000000000000000" pitchFamily="2" charset="2"/>
+              </a:rPr>
+              <a:t> </a:t>
+            </a:r>
+            <a:r>
+              <a:rPr lang="de-CH" sz="2000" dirty="0" err="1">
+                <a:sym typeface="Wingdings" panose="05000000000000000000" pitchFamily="2" charset="2"/>
+              </a:rPr>
+              <a:t>exactly</a:t>
+            </a:r>
+            <a:r>
+              <a:rPr lang="de-CH" sz="2000" dirty="0">
+                <a:sym typeface="Wingdings" panose="05000000000000000000" pitchFamily="2" charset="2"/>
+              </a:rPr>
+              <a:t> 2 </a:t>
+            </a:r>
+            <a:r>
+              <a:rPr lang="de-CH" sz="2000" dirty="0" err="1">
+                <a:sym typeface="Wingdings" panose="05000000000000000000" pitchFamily="2" charset="2"/>
+              </a:rPr>
+              <a:t>deleterious</a:t>
+            </a:r>
+            <a:r>
+              <a:rPr lang="de-CH" sz="2000" dirty="0">
+                <a:sym typeface="Wingdings" panose="05000000000000000000" pitchFamily="2" charset="2"/>
+              </a:rPr>
+              <a:t> </a:t>
+            </a:r>
+            <a:r>
+              <a:rPr lang="de-CH" sz="2000" dirty="0" err="1">
+                <a:sym typeface="Wingdings" panose="05000000000000000000" pitchFamily="2" charset="2"/>
+              </a:rPr>
+              <a:t>mutations</a:t>
+            </a:r>
+            <a:r>
+              <a:rPr lang="de-CH" sz="2000" dirty="0">
+                <a:sym typeface="Wingdings" panose="05000000000000000000" pitchFamily="2" charset="2"/>
+              </a:rPr>
+              <a:t> </a:t>
+            </a:r>
+            <a:r>
+              <a:rPr lang="de-CH" sz="2000" dirty="0" err="1">
+                <a:sym typeface="Wingdings" panose="05000000000000000000" pitchFamily="2" charset="2"/>
+              </a:rPr>
+              <a:t>which</a:t>
+            </a:r>
+            <a:r>
+              <a:rPr lang="de-CH" sz="2000" dirty="0">
+                <a:sym typeface="Wingdings" panose="05000000000000000000" pitchFamily="2" charset="2"/>
+              </a:rPr>
+              <a:t> </a:t>
+            </a:r>
+            <a:r>
+              <a:rPr lang="de-CH" sz="2000" dirty="0" err="1">
+                <a:sym typeface="Wingdings" panose="05000000000000000000" pitchFamily="2" charset="2"/>
+              </a:rPr>
+              <a:t>mutate</a:t>
+            </a:r>
+            <a:r>
+              <a:rPr lang="de-CH" sz="2000" dirty="0">
+                <a:sym typeface="Wingdings" panose="05000000000000000000" pitchFamily="2" charset="2"/>
+              </a:rPr>
+              <a:t>, </a:t>
+            </a:r>
+            <a:r>
+              <a:rPr lang="de-CH" sz="2000" dirty="0" err="1">
+                <a:sym typeface="Wingdings" panose="05000000000000000000" pitchFamily="2" charset="2"/>
+              </a:rPr>
+              <a:t>including</a:t>
+            </a:r>
+            <a:r>
+              <a:rPr lang="de-CH" sz="2000" dirty="0">
+                <a:sym typeface="Wingdings" panose="05000000000000000000" pitchFamily="2" charset="2"/>
+              </a:rPr>
+              <a:t> back </a:t>
+            </a:r>
+            <a:r>
+              <a:rPr lang="de-CH" sz="2000" dirty="0" err="1">
+                <a:sym typeface="Wingdings" panose="05000000000000000000" pitchFamily="2" charset="2"/>
+              </a:rPr>
+              <a:t>mutations</a:t>
+            </a:r>
+            <a:r>
+              <a:rPr lang="de-CH" sz="2000" dirty="0">
+                <a:sym typeface="Wingdings" panose="05000000000000000000" pitchFamily="2" charset="2"/>
+              </a:rPr>
+              <a:t> </a:t>
+            </a:r>
+          </a:p>
+          <a:p>
+            <a:r>
+              <a:rPr lang="de-CH" sz="2000" dirty="0">
+                <a:sym typeface="Wingdings" panose="05000000000000000000" pitchFamily="2" charset="2"/>
+              </a:rPr>
+              <a:t>Can not </a:t>
+            </a:r>
+            <a:r>
+              <a:rPr lang="de-CH" sz="2000" dirty="0" err="1">
+                <a:sym typeface="Wingdings" panose="05000000000000000000" pitchFamily="2" charset="2"/>
+              </a:rPr>
+              <a:t>really</a:t>
+            </a:r>
+            <a:r>
+              <a:rPr lang="de-CH" sz="2000" dirty="0">
+                <a:sym typeface="Wingdings" panose="05000000000000000000" pitchFamily="2" charset="2"/>
+              </a:rPr>
+              <a:t> </a:t>
+            </a:r>
+            <a:r>
+              <a:rPr lang="de-CH" sz="2000" dirty="0" err="1">
+                <a:sym typeface="Wingdings" panose="05000000000000000000" pitchFamily="2" charset="2"/>
+              </a:rPr>
+              <a:t>confirm</a:t>
+            </a:r>
+            <a:r>
+              <a:rPr lang="de-CH" sz="2000" dirty="0">
+                <a:sym typeface="Wingdings" panose="05000000000000000000" pitchFamily="2" charset="2"/>
+              </a:rPr>
+              <a:t> </a:t>
+            </a:r>
+            <a:r>
+              <a:rPr lang="de-CH" sz="2000" dirty="0" err="1">
+                <a:sym typeface="Wingdings" panose="05000000000000000000" pitchFamily="2" charset="2"/>
+              </a:rPr>
+              <a:t>or</a:t>
+            </a:r>
+            <a:r>
+              <a:rPr lang="de-CH" sz="2000" dirty="0">
+                <a:sym typeface="Wingdings" panose="05000000000000000000" pitchFamily="2" charset="2"/>
+              </a:rPr>
+              <a:t> </a:t>
+            </a:r>
+            <a:r>
+              <a:rPr lang="de-CH" sz="2000" dirty="0" err="1">
+                <a:sym typeface="Wingdings" panose="05000000000000000000" pitchFamily="2" charset="2"/>
+              </a:rPr>
+              <a:t>disprove</a:t>
+            </a:r>
+            <a:r>
+              <a:rPr lang="de-CH" sz="2000" dirty="0">
+                <a:sym typeface="Wingdings" panose="05000000000000000000" pitchFamily="2" charset="2"/>
+              </a:rPr>
+              <a:t> </a:t>
+            </a:r>
+            <a:r>
+              <a:rPr lang="de-CH" sz="2000" dirty="0" err="1">
+                <a:sym typeface="Wingdings" panose="05000000000000000000" pitchFamily="2" charset="2"/>
+              </a:rPr>
+              <a:t>our</a:t>
+            </a:r>
+            <a:r>
+              <a:rPr lang="de-CH" sz="2000" dirty="0">
+                <a:sym typeface="Wingdings" panose="05000000000000000000" pitchFamily="2" charset="2"/>
+              </a:rPr>
+              <a:t> </a:t>
+            </a:r>
+            <a:r>
+              <a:rPr lang="de-CH" sz="2000" dirty="0" err="1">
+                <a:sym typeface="Wingdings" panose="05000000000000000000" pitchFamily="2" charset="2"/>
+              </a:rPr>
+              <a:t>results</a:t>
+            </a:r>
+            <a:r>
+              <a:rPr lang="de-CH" sz="2000" dirty="0">
+                <a:sym typeface="Wingdings" panose="05000000000000000000" pitchFamily="2" charset="2"/>
+              </a:rPr>
+              <a:t> </a:t>
+            </a:r>
+            <a:r>
+              <a:rPr lang="de-CH" sz="2000" dirty="0" err="1">
+                <a:sym typeface="Wingdings" panose="05000000000000000000" pitchFamily="2" charset="2"/>
+              </a:rPr>
+              <a:t>that</a:t>
+            </a:r>
+            <a:r>
+              <a:rPr lang="de-CH" sz="2000" dirty="0">
+                <a:sym typeface="Wingdings" panose="05000000000000000000" pitchFamily="2" charset="2"/>
+              </a:rPr>
+              <a:t> </a:t>
+            </a:r>
+            <a:r>
+              <a:rPr lang="de-CH" sz="2000" dirty="0" err="1">
+                <a:sym typeface="Wingdings" panose="05000000000000000000" pitchFamily="2" charset="2"/>
+              </a:rPr>
+              <a:t>the</a:t>
+            </a:r>
+            <a:r>
+              <a:rPr lang="de-CH" sz="2000" dirty="0">
+                <a:sym typeface="Wingdings" panose="05000000000000000000" pitchFamily="2" charset="2"/>
+              </a:rPr>
+              <a:t> strong </a:t>
+            </a:r>
+            <a:r>
+              <a:rPr lang="de-CH" sz="2000" dirty="0" err="1">
+                <a:sym typeface="Wingdings" panose="05000000000000000000" pitchFamily="2" charset="2"/>
+              </a:rPr>
+              <a:t>mutation</a:t>
+            </a:r>
+            <a:r>
+              <a:rPr lang="de-CH" sz="2000" dirty="0">
+                <a:sym typeface="Wingdings" panose="05000000000000000000" pitchFamily="2" charset="2"/>
+              </a:rPr>
+              <a:t> </a:t>
+            </a:r>
+            <a:r>
+              <a:rPr lang="de-CH" sz="2000" dirty="0" err="1">
+                <a:sym typeface="Wingdings" panose="05000000000000000000" pitchFamily="2" charset="2"/>
+              </a:rPr>
+              <a:t>does</a:t>
+            </a:r>
+            <a:r>
+              <a:rPr lang="de-CH" sz="2000" dirty="0">
+                <a:sym typeface="Wingdings" panose="05000000000000000000" pitchFamily="2" charset="2"/>
+              </a:rPr>
+              <a:t> </a:t>
+            </a:r>
+            <a:r>
+              <a:rPr lang="de-CH" sz="2000" dirty="0" err="1">
+                <a:sym typeface="Wingdings" panose="05000000000000000000" pitchFamily="2" charset="2"/>
+              </a:rPr>
+              <a:t>better</a:t>
+            </a:r>
+            <a:endParaRPr lang="de-CH" sz="2000">
+              <a:sym typeface="Wingdings" panose="05000000000000000000" pitchFamily="2" charset="2"/>
+            </a:endParaRPr>
+          </a:p>
+          <a:p>
+            <a:endParaRPr lang="de-CH" sz="2000" dirty="0">
+              <a:sym typeface="Wingdings" panose="05000000000000000000" pitchFamily="2" charset="2"/>
+            </a:endParaRPr>
+          </a:p>
+        </p:txBody>
+      </p:sp>
+    </p:spTree>
+    <p:extLst>
+      <p:ext uri="{BB962C8B-B14F-4D97-AF65-F5344CB8AC3E}">
+        <p14:creationId xmlns:p14="http://schemas.microsoft.com/office/powerpoint/2010/main" val="1055885848"/>
       </p:ext>
     </p:extLst>
   </p:cSld>
@@ -12113,6 +12642,14 @@
 <file path=ppt/slides/slide5.xml><?xml version="1.0" encoding="utf-8"?>
 <p:sld xmlns:a="http://schemas.openxmlformats.org/drawingml/2006/main" xmlns:r="http://schemas.openxmlformats.org/officeDocument/2006/relationships" xmlns:p="http://schemas.openxmlformats.org/presentationml/2006/main">
   <p:cSld>
+    <p:bg>
+      <p:bgPr>
+        <a:solidFill>
+          <a:schemeClr val="bg1"/>
+        </a:solidFill>
+        <a:effectLst/>
+      </p:bgPr>
+    </p:bg>
     <p:spTree>
       <p:nvGrpSpPr>
         <p:cNvPr id="1" name=""/>
@@ -12355,169 +12892,12 @@
     </p:extLst>
   </p:cSld>
   <p:clrMapOvr>
-    <a:masterClrMapping/>
+    <a:overrideClrMapping bg1="lt1" tx1="dk1" bg2="lt2" tx2="dk2" accent1="accent1" accent2="accent2" accent3="accent3" accent4="accent4" accent5="accent5" accent6="accent6" hlink="hlink" folHlink="folHlink"/>
   </p:clrMapOvr>
 </p:sld>
 </file>
 
 <file path=ppt/slides/slide6.xml><?xml version="1.0" encoding="utf-8"?>
-<p:sld xmlns:a="http://schemas.openxmlformats.org/drawingml/2006/main" xmlns:r="http://schemas.openxmlformats.org/officeDocument/2006/relationships" xmlns:p="http://schemas.openxmlformats.org/presentationml/2006/main">
-  <p:cSld>
-    <p:spTree>
-      <p:nvGrpSpPr>
-        <p:cNvPr id="1" name=""/>
-        <p:cNvGrpSpPr/>
-        <p:nvPr/>
-      </p:nvGrpSpPr>
-      <p:grpSpPr>
-        <a:xfrm>
-          <a:off x="0" y="0"/>
-          <a:ext cx="0" cy="0"/>
-          <a:chOff x="0" y="0"/>
-          <a:chExt cx="0" cy="0"/>
-        </a:xfrm>
-      </p:grpSpPr>
-      <p:sp>
-        <p:nvSpPr>
-          <p:cNvPr id="2" name="Title 1">
-            <a:extLst>
-              <a:ext uri="{FF2B5EF4-FFF2-40B4-BE49-F238E27FC236}">
-                <a16:creationId xmlns:a16="http://schemas.microsoft.com/office/drawing/2014/main" id="{49FAAE0A-073C-CB24-C19F-6ABD930C92A8}"/>
-              </a:ext>
-            </a:extLst>
-          </p:cNvPr>
-          <p:cNvSpPr>
-            <a:spLocks noGrp="1"/>
-          </p:cNvSpPr>
-          <p:nvPr>
-            <p:ph type="title"/>
-          </p:nvPr>
-        </p:nvSpPr>
-        <p:spPr/>
-        <p:txBody>
-          <a:bodyPr/>
-          <a:lstStyle/>
-          <a:p>
-            <a:r>
-              <a:rPr lang="en-GB" dirty="0"/>
-              <a:t>Plot-choices in our model</a:t>
-            </a:r>
-            <a:endParaRPr lang="de-CH" dirty="0"/>
-          </a:p>
-        </p:txBody>
-      </p:sp>
-      <p:sp>
-        <p:nvSpPr>
-          <p:cNvPr id="3" name="Content Placeholder 2">
-            <a:extLst>
-              <a:ext uri="{FF2B5EF4-FFF2-40B4-BE49-F238E27FC236}">
-                <a16:creationId xmlns:a16="http://schemas.microsoft.com/office/drawing/2014/main" id="{60BA0FFC-2D2C-9C6B-D673-32CD703BB578}"/>
-              </a:ext>
-            </a:extLst>
-          </p:cNvPr>
-          <p:cNvSpPr>
-            <a:spLocks noGrp="1"/>
-          </p:cNvSpPr>
-          <p:nvPr>
-            <p:ph idx="1"/>
-          </p:nvPr>
-        </p:nvSpPr>
-        <p:spPr>
-          <a:xfrm>
-            <a:off x="838200" y="1491916"/>
-            <a:ext cx="10515600" cy="5366084"/>
-          </a:xfrm>
-        </p:spPr>
-        <p:txBody>
-          <a:bodyPr>
-            <a:normAutofit/>
-          </a:bodyPr>
-          <a:lstStyle/>
-          <a:p>
-            <a:pPr lvl="0"/>
-            <a:r>
-              <a:rPr lang="en-GB" dirty="0"/>
-              <a:t>Manly: package ggplot2</a:t>
-            </a:r>
-            <a:endParaRPr lang="de-CH" dirty="0"/>
-          </a:p>
-          <a:p>
-            <a:pPr lvl="0"/>
-            <a:r>
-              <a:rPr lang="en-GB" dirty="0"/>
-              <a:t>Scatterplots to visualize the frequency of each mutation separately after </a:t>
-            </a:r>
-            <a:r>
-              <a:rPr lang="en-GB" dirty="0" err="1"/>
-              <a:t>max_gen</a:t>
-            </a:r>
-            <a:r>
-              <a:rPr lang="en-GB" dirty="0"/>
-              <a:t> (1000 generations) </a:t>
-            </a:r>
-            <a:endParaRPr lang="de-CH" dirty="0"/>
-          </a:p>
-          <a:p>
-            <a:pPr lvl="0"/>
-            <a:r>
-              <a:rPr lang="en-GB" dirty="0"/>
-              <a:t>Advantages: every replicate can be visualized; unexpected results are easier to interpret for us than with using boxplots</a:t>
-            </a:r>
-            <a:endParaRPr lang="de-CH" dirty="0"/>
-          </a:p>
-          <a:p>
-            <a:pPr lvl="0"/>
-            <a:r>
-              <a:rPr lang="en-GB" dirty="0" err="1"/>
-              <a:t>ggplot</a:t>
-            </a:r>
-            <a:r>
-              <a:rPr lang="en-GB" dirty="0"/>
-              <a:t>-boxplot to visualize the rescue probability depending on the selection coefficient for all 4 mutants </a:t>
-            </a:r>
-            <a:r>
-              <a:rPr lang="en-GB" dirty="0">
-                <a:sym typeface="Wingdings" panose="05000000000000000000" pitchFamily="2" charset="2"/>
-              </a:rPr>
-              <a:t></a:t>
-            </a:r>
-            <a:r>
-              <a:rPr lang="en-GB" dirty="0"/>
-              <a:t> in this case boxplot gave a better overview for us</a:t>
-            </a:r>
-            <a:endParaRPr lang="de-CH" dirty="0"/>
-          </a:p>
-          <a:p>
-            <a:pPr lvl="0"/>
-            <a:r>
-              <a:rPr lang="en-GB" dirty="0" err="1"/>
-              <a:t>ggplot</a:t>
-            </a:r>
-            <a:r>
-              <a:rPr lang="en-GB" dirty="0"/>
-              <a:t>-heatmap to be able to combine rescue probability, selection coefficients and mutation rates all in one plot </a:t>
-            </a:r>
-            <a:endParaRPr lang="de-CH" dirty="0"/>
-          </a:p>
-          <a:p>
-            <a:endParaRPr lang="de-CH" dirty="0"/>
-          </a:p>
-        </p:txBody>
-      </p:sp>
-    </p:spTree>
-    <p:extLst>
-      <p:ext uri="{BB962C8B-B14F-4D97-AF65-F5344CB8AC3E}">
-        <p14:creationId xmlns:p14="http://schemas.microsoft.com/office/powerpoint/2010/main" val="2365937612"/>
-      </p:ext>
-    </p:extLst>
-  </p:cSld>
-  <p:clrMapOvr>
-    <a:masterClrMapping/>
-  </p:clrMapOvr>
-</p:sld>
-</file>
-
-<file path=ppt/slides/slide7.xml><?xml version="1.0" encoding="utf-8"?>
 <p:sld xmlns:a="http://schemas.openxmlformats.org/drawingml/2006/main" xmlns:r="http://schemas.openxmlformats.org/officeDocument/2006/relationships" xmlns:p="http://schemas.openxmlformats.org/presentationml/2006/main">
   <p:cSld>
     <p:spTree>
@@ -12607,6 +12987,275 @@
 </p:sld>
 </file>
 
+<file path=ppt/slides/slide7.xml><?xml version="1.0" encoding="utf-8"?>
+<p:sld xmlns:a="http://schemas.openxmlformats.org/drawingml/2006/main" xmlns:r="http://schemas.openxmlformats.org/officeDocument/2006/relationships" xmlns:p="http://schemas.openxmlformats.org/presentationml/2006/main">
+  <p:cSld>
+    <p:spTree>
+      <p:nvGrpSpPr>
+        <p:cNvPr id="1" name=""/>
+        <p:cNvGrpSpPr/>
+        <p:nvPr/>
+      </p:nvGrpSpPr>
+      <p:grpSpPr>
+        <a:xfrm>
+          <a:off x="0" y="0"/>
+          <a:ext cx="0" cy="0"/>
+          <a:chOff x="0" y="0"/>
+          <a:chExt cx="0" cy="0"/>
+        </a:xfrm>
+      </p:grpSpPr>
+      <p:sp>
+        <p:nvSpPr>
+          <p:cNvPr id="2" name="Titel 1">
+            <a:extLst>
+              <a:ext uri="{FF2B5EF4-FFF2-40B4-BE49-F238E27FC236}">
+                <a16:creationId xmlns:a16="http://schemas.microsoft.com/office/drawing/2014/main" id="{6E14644D-1FC8-F260-4A79-EB69FA2AF150}"/>
+              </a:ext>
+            </a:extLst>
+          </p:cNvPr>
+          <p:cNvSpPr>
+            <a:spLocks noGrp="1"/>
+          </p:cNvSpPr>
+          <p:nvPr>
+            <p:ph type="title"/>
+          </p:nvPr>
+        </p:nvSpPr>
+        <p:spPr/>
+        <p:txBody>
+          <a:bodyPr/>
+          <a:lstStyle/>
+          <a:p>
+            <a:r>
+              <a:rPr lang="de-CH" dirty="0"/>
+              <a:t>Plot </a:t>
+            </a:r>
+            <a:r>
+              <a:rPr lang="de-CH" dirty="0" err="1"/>
+              <a:t>showing</a:t>
+            </a:r>
+            <a:r>
+              <a:rPr lang="de-CH" dirty="0"/>
+              <a:t> </a:t>
+            </a:r>
+            <a:r>
+              <a:rPr lang="de-CH" dirty="0" err="1"/>
+              <a:t>one</a:t>
+            </a:r>
+            <a:r>
+              <a:rPr lang="de-CH" dirty="0"/>
+              <a:t> </a:t>
+            </a:r>
+            <a:r>
+              <a:rPr lang="de-CH" dirty="0" err="1"/>
+              <a:t>population</a:t>
+            </a:r>
+            <a:r>
+              <a:rPr lang="de-CH" dirty="0"/>
+              <a:t> </a:t>
+            </a:r>
+            <a:r>
+              <a:rPr lang="de-CH" dirty="0" err="1"/>
+              <a:t>over</a:t>
+            </a:r>
+            <a:r>
+              <a:rPr lang="de-CH" dirty="0"/>
+              <a:t> multiple </a:t>
+            </a:r>
+            <a:r>
+              <a:rPr lang="de-CH" dirty="0" err="1"/>
+              <a:t>generations</a:t>
+            </a:r>
+            <a:endParaRPr lang="de-CH" dirty="0"/>
+          </a:p>
+        </p:txBody>
+      </p:sp>
+      <p:pic>
+        <p:nvPicPr>
+          <p:cNvPr id="7" name="Grafik 6">
+            <a:extLst>
+              <a:ext uri="{FF2B5EF4-FFF2-40B4-BE49-F238E27FC236}">
+                <a16:creationId xmlns:a16="http://schemas.microsoft.com/office/drawing/2014/main" id="{5BFBA0A0-986F-6CD4-7F83-DC042D4F7E8C}"/>
+              </a:ext>
+            </a:extLst>
+          </p:cNvPr>
+          <p:cNvPicPr>
+            <a:picLocks noChangeAspect="1"/>
+          </p:cNvPicPr>
+          <p:nvPr/>
+        </p:nvPicPr>
+        <p:blipFill>
+          <a:blip r:embed="rId2">
+            <a:extLst>
+              <a:ext uri="{28A0092B-C50C-407E-A947-70E740481C1C}">
+                <a14:useLocalDpi xmlns:a14="http://schemas.microsoft.com/office/drawing/2010/main" val="0"/>
+              </a:ext>
+            </a:extLst>
+          </a:blip>
+          <a:stretch>
+            <a:fillRect/>
+          </a:stretch>
+        </p:blipFill>
+        <p:spPr>
+          <a:xfrm>
+            <a:off x="3848304" y="901972"/>
+            <a:ext cx="4495391" cy="3770328"/>
+          </a:xfrm>
+          <a:prstGeom prst="rect">
+            <a:avLst/>
+          </a:prstGeom>
+        </p:spPr>
+      </p:pic>
+      <p:pic>
+        <p:nvPicPr>
+          <p:cNvPr id="5" name="Inhaltsplatzhalter 4" descr="Ein Bild, das Text, Diagramm, Reihe, Schrift enthält.&#10;&#10;KI-generierte Inhalte können fehlerhaft sein.">
+            <a:extLst>
+              <a:ext uri="{FF2B5EF4-FFF2-40B4-BE49-F238E27FC236}">
+                <a16:creationId xmlns:a16="http://schemas.microsoft.com/office/drawing/2014/main" id="{9F3D3B1C-B956-FC78-6247-98786858B2D4}"/>
+              </a:ext>
+            </a:extLst>
+          </p:cNvPr>
+          <p:cNvPicPr>
+            <a:picLocks noGrp="1" noChangeAspect="1"/>
+          </p:cNvPicPr>
+          <p:nvPr>
+            <p:ph idx="1"/>
+          </p:nvPr>
+        </p:nvPicPr>
+        <p:blipFill>
+          <a:blip r:embed="rId3">
+            <a:extLst>
+              <a:ext uri="{28A0092B-C50C-407E-A947-70E740481C1C}">
+                <a14:useLocalDpi xmlns:a14="http://schemas.microsoft.com/office/drawing/2010/main" val="0"/>
+              </a:ext>
+            </a:extLst>
+          </a:blip>
+          <a:stretch>
+            <a:fillRect/>
+          </a:stretch>
+        </p:blipFill>
+        <p:spPr>
+          <a:xfrm>
+            <a:off x="8006080" y="3347230"/>
+            <a:ext cx="4185919" cy="3510770"/>
+          </a:xfrm>
+        </p:spPr>
+      </p:pic>
+      <p:pic>
+        <p:nvPicPr>
+          <p:cNvPr id="9" name="Grafik 8" descr="Ein Bild, das Text, Diagramm, Screenshot, Schrift enthält.&#10;&#10;KI-generierte Inhalte können fehlerhaft sein.">
+            <a:extLst>
+              <a:ext uri="{FF2B5EF4-FFF2-40B4-BE49-F238E27FC236}">
+                <a16:creationId xmlns:a16="http://schemas.microsoft.com/office/drawing/2014/main" id="{8A8A826D-1322-785C-EEC7-C78077239A34}"/>
+              </a:ext>
+            </a:extLst>
+          </p:cNvPr>
+          <p:cNvPicPr>
+            <a:picLocks noChangeAspect="1"/>
+          </p:cNvPicPr>
+          <p:nvPr/>
+        </p:nvPicPr>
+        <p:blipFill>
+          <a:blip r:embed="rId4">
+            <a:extLst>
+              <a:ext uri="{28A0092B-C50C-407E-A947-70E740481C1C}">
+                <a14:useLocalDpi xmlns:a14="http://schemas.microsoft.com/office/drawing/2010/main" val="0"/>
+              </a:ext>
+            </a:extLst>
+          </a:blip>
+          <a:stretch>
+            <a:fillRect/>
+          </a:stretch>
+        </p:blipFill>
+        <p:spPr>
+          <a:xfrm>
+            <a:off x="1" y="3365044"/>
+            <a:ext cx="4071208" cy="3414562"/>
+          </a:xfrm>
+          <a:prstGeom prst="rect">
+            <a:avLst/>
+          </a:prstGeom>
+        </p:spPr>
+      </p:pic>
+      <p:sp>
+        <p:nvSpPr>
+          <p:cNvPr id="10" name="Textfeld 9">
+            <a:extLst>
+              <a:ext uri="{FF2B5EF4-FFF2-40B4-BE49-F238E27FC236}">
+                <a16:creationId xmlns:a16="http://schemas.microsoft.com/office/drawing/2014/main" id="{FE385058-2D25-45A4-0481-B32C3599EEA1}"/>
+              </a:ext>
+            </a:extLst>
+          </p:cNvPr>
+          <p:cNvSpPr txBox="1"/>
+          <p:nvPr/>
+        </p:nvSpPr>
+        <p:spPr>
+          <a:xfrm>
+            <a:off x="838199" y="1913343"/>
+            <a:ext cx="2860041" cy="1200329"/>
+          </a:xfrm>
+          <a:prstGeom prst="rect">
+            <a:avLst/>
+          </a:prstGeom>
+          <a:noFill/>
+        </p:spPr>
+        <p:txBody>
+          <a:bodyPr wrap="square" rtlCol="0">
+            <a:spAutoFit/>
+          </a:bodyPr>
+          <a:lstStyle/>
+          <a:p>
+            <a:r>
+              <a:rPr lang="de-CH" sz="2400" dirty="0"/>
+              <a:t>Initial </a:t>
+            </a:r>
+            <a:r>
+              <a:rPr lang="de-CH" sz="2400" dirty="0" err="1"/>
+              <a:t>populations</a:t>
+            </a:r>
+            <a:r>
+              <a:rPr lang="de-CH" sz="2400" dirty="0"/>
+              <a:t> </a:t>
+            </a:r>
+            <a:r>
+              <a:rPr lang="de-CH" sz="2400" dirty="0" err="1"/>
+              <a:t>for</a:t>
+            </a:r>
+            <a:r>
+              <a:rPr lang="de-CH" sz="2400" dirty="0"/>
+              <a:t> all </a:t>
+            </a:r>
+            <a:r>
+              <a:rPr lang="de-CH" sz="2400" dirty="0" err="1"/>
+              <a:t>four</a:t>
+            </a:r>
+            <a:r>
+              <a:rPr lang="de-CH" sz="2400" dirty="0"/>
+              <a:t> </a:t>
+            </a:r>
+            <a:r>
+              <a:rPr lang="de-CH" sz="2400" dirty="0" err="1"/>
+              <a:t>mutants</a:t>
+            </a:r>
+            <a:r>
+              <a:rPr lang="de-CH" sz="2400" dirty="0"/>
+              <a:t>: N = 30</a:t>
+            </a:r>
+          </a:p>
+        </p:txBody>
+      </p:sp>
+    </p:spTree>
+    <p:extLst>
+      <p:ext uri="{BB962C8B-B14F-4D97-AF65-F5344CB8AC3E}">
+        <p14:creationId xmlns:p14="http://schemas.microsoft.com/office/powerpoint/2010/main" val="2040584766"/>
+      </p:ext>
+    </p:extLst>
+  </p:cSld>
+  <p:clrMapOvr>
+    <a:masterClrMapping/>
+  </p:clrMapOvr>
+</p:sld>
+</file>
+
 <file path=ppt/slides/slide8.xml><?xml version="1.0" encoding="utf-8"?>
 <p:sld xmlns:a="http://schemas.openxmlformats.org/drawingml/2006/main" xmlns:r="http://schemas.openxmlformats.org/officeDocument/2006/relationships" xmlns:p="http://schemas.openxmlformats.org/presentationml/2006/main">
   <p:cSld>
@@ -12629,7 +13278,7 @@
           <p:cNvPr id="2" name="Titel 1">
             <a:extLst>
               <a:ext uri="{FF2B5EF4-FFF2-40B4-BE49-F238E27FC236}">
-                <a16:creationId xmlns:a16="http://schemas.microsoft.com/office/drawing/2014/main" id="{6E14644D-1FC8-F260-4A79-EB69FA2AF150}"/>
+                <a16:creationId xmlns:a16="http://schemas.microsoft.com/office/drawing/2014/main" id="{2BCBAAC2-B731-A0B9-E93A-88C7B19B44A5}"/>
               </a:ext>
             </a:extLst>
           </p:cNvPr>
@@ -12691,46 +13340,10 @@
       </p:sp>
       <p:pic>
         <p:nvPicPr>
-          <p:cNvPr id="7" name="Grafik 6">
+          <p:cNvPr id="5" name="Inhaltsplatzhalter 4" descr="Ein Bild, das Text, Screenshot, Schrift, Diagramm enthält.&#10;&#10;KI-generierte Inhalte können fehlerhaft sein.">
             <a:extLst>
               <a:ext uri="{FF2B5EF4-FFF2-40B4-BE49-F238E27FC236}">
-                <a16:creationId xmlns:a16="http://schemas.microsoft.com/office/drawing/2014/main" id="{5BFBA0A0-986F-6CD4-7F83-DC042D4F7E8C}"/>
-              </a:ext>
-            </a:extLst>
-          </p:cNvPr>
-          <p:cNvPicPr>
-            <a:picLocks noChangeAspect="1"/>
-          </p:cNvPicPr>
-          <p:nvPr/>
-        </p:nvPicPr>
-        <p:blipFill>
-          <a:blip r:embed="rId2">
-            <a:extLst>
-              <a:ext uri="{28A0092B-C50C-407E-A947-70E740481C1C}">
-                <a14:useLocalDpi xmlns:a14="http://schemas.microsoft.com/office/drawing/2010/main" val="0"/>
-              </a:ext>
-            </a:extLst>
-          </a:blip>
-          <a:stretch>
-            <a:fillRect/>
-          </a:stretch>
-        </p:blipFill>
-        <p:spPr>
-          <a:xfrm>
-            <a:off x="3848304" y="901972"/>
-            <a:ext cx="4495391" cy="3770328"/>
-          </a:xfrm>
-          <a:prstGeom prst="rect">
-            <a:avLst/>
-          </a:prstGeom>
-        </p:spPr>
-      </p:pic>
-      <p:pic>
-        <p:nvPicPr>
-          <p:cNvPr id="5" name="Inhaltsplatzhalter 4" descr="Ein Bild, das Text, Diagramm, Reihe, Schrift enthält.&#10;&#10;KI-generierte Inhalte können fehlerhaft sein.">
-            <a:extLst>
-              <a:ext uri="{FF2B5EF4-FFF2-40B4-BE49-F238E27FC236}">
-                <a16:creationId xmlns:a16="http://schemas.microsoft.com/office/drawing/2014/main" id="{9F3D3B1C-B956-FC78-6247-98786858B2D4}"/>
+                <a16:creationId xmlns:a16="http://schemas.microsoft.com/office/drawing/2014/main" id="{3076232D-E9E4-FC16-D795-93A90A5DB318}"/>
               </a:ext>
             </a:extLst>
           </p:cNvPr>
@@ -12742,7 +13355,7 @@
           </p:nvPr>
         </p:nvPicPr>
         <p:blipFill>
-          <a:blip r:embed="rId3">
+          <a:blip r:embed="rId2">
             <a:extLst>
               <a:ext uri="{28A0092B-C50C-407E-A947-70E740481C1C}">
                 <a14:useLocalDpi xmlns:a14="http://schemas.microsoft.com/office/drawing/2010/main" val="0"/>
@@ -12755,17 +13368,53 @@
         </p:blipFill>
         <p:spPr>
           <a:xfrm>
-            <a:off x="8006080" y="3347230"/>
-            <a:ext cx="4185919" cy="3510770"/>
+            <a:off x="-55676" y="3145481"/>
+            <a:ext cx="4434635" cy="3719372"/>
           </a:xfrm>
         </p:spPr>
       </p:pic>
       <p:pic>
         <p:nvPicPr>
-          <p:cNvPr id="9" name="Grafik 8" descr="Ein Bild, das Text, Diagramm, Screenshot, Schrift enthält.&#10;&#10;KI-generierte Inhalte können fehlerhaft sein.">
+          <p:cNvPr id="9" name="Grafik 8" descr="Ein Bild, das Text, Screenshot, Schrift, Reihe enthält.&#10;&#10;KI-generierte Inhalte können fehlerhaft sein.">
             <a:extLst>
               <a:ext uri="{FF2B5EF4-FFF2-40B4-BE49-F238E27FC236}">
-                <a16:creationId xmlns:a16="http://schemas.microsoft.com/office/drawing/2014/main" id="{8A8A826D-1322-785C-EEC7-C78077239A34}"/>
+                <a16:creationId xmlns:a16="http://schemas.microsoft.com/office/drawing/2014/main" id="{2767FC86-5039-0DCD-9A18-0BF72288387D}"/>
+              </a:ext>
+            </a:extLst>
+          </p:cNvPr>
+          <p:cNvPicPr>
+            <a:picLocks noChangeAspect="1"/>
+          </p:cNvPicPr>
+          <p:nvPr/>
+        </p:nvPicPr>
+        <p:blipFill>
+          <a:blip r:embed="rId3">
+            <a:extLst>
+              <a:ext uri="{28A0092B-C50C-407E-A947-70E740481C1C}">
+                <a14:useLocalDpi xmlns:a14="http://schemas.microsoft.com/office/drawing/2010/main" val="0"/>
+              </a:ext>
+            </a:extLst>
+          </a:blip>
+          <a:stretch>
+            <a:fillRect/>
+          </a:stretch>
+        </p:blipFill>
+        <p:spPr>
+          <a:xfrm>
+            <a:off x="4140654" y="1027906"/>
+            <a:ext cx="4068626" cy="3412396"/>
+          </a:xfrm>
+          <a:prstGeom prst="rect">
+            <a:avLst/>
+          </a:prstGeom>
+        </p:spPr>
+      </p:pic>
+      <p:pic>
+        <p:nvPicPr>
+          <p:cNvPr id="11" name="Grafik 10" descr="Ein Bild, das Text, Screenshot, Schrift, Reihe enthält.&#10;&#10;KI-generierte Inhalte können fehlerhaft sein.">
+            <a:extLst>
+              <a:ext uri="{FF2B5EF4-FFF2-40B4-BE49-F238E27FC236}">
+                <a16:creationId xmlns:a16="http://schemas.microsoft.com/office/drawing/2014/main" id="{F3D46F62-CDAB-7DF2-D5AD-8ECD93880F9B}"/>
               </a:ext>
             </a:extLst>
           </p:cNvPr>
@@ -12788,8 +13437,8 @@
         </p:blipFill>
         <p:spPr>
           <a:xfrm>
-            <a:off x="1" y="3365044"/>
-            <a:ext cx="4071208" cy="3414562"/>
+            <a:off x="7934961" y="3247735"/>
+            <a:ext cx="4257039" cy="3570420"/>
           </a:xfrm>
           <a:prstGeom prst="rect">
             <a:avLst/>
@@ -12798,10 +13447,10 @@
       </p:pic>
       <p:sp>
         <p:nvSpPr>
-          <p:cNvPr id="10" name="Textfeld 9">
+          <p:cNvPr id="12" name="Textfeld 11">
             <a:extLst>
               <a:ext uri="{FF2B5EF4-FFF2-40B4-BE49-F238E27FC236}">
-                <a16:creationId xmlns:a16="http://schemas.microsoft.com/office/drawing/2014/main" id="{FE385058-2D25-45A4-0481-B32C3599EEA1}"/>
+                <a16:creationId xmlns:a16="http://schemas.microsoft.com/office/drawing/2014/main" id="{B68D9DDB-0CE3-1D30-2602-4D6B0A8319E6}"/>
               </a:ext>
             </a:extLst>
           </p:cNvPr>
@@ -12810,8 +13459,8 @@
         </p:nvSpPr>
         <p:spPr>
           <a:xfrm>
-            <a:off x="838199" y="1913343"/>
-            <a:ext cx="2860041" cy="1200329"/>
+            <a:off x="838200" y="2047406"/>
+            <a:ext cx="2860040" cy="1200329"/>
           </a:xfrm>
           <a:prstGeom prst="rect">
             <a:avLst/>
@@ -12858,7 +13507,7 @@
             </a:r>
             <a:r>
               <a:rPr lang="de-CH" sz="2400" dirty="0"/>
-              <a:t>: N = 30</a:t>
+              <a:t>: N = 50</a:t>
             </a:r>
           </a:p>
         </p:txBody>
@@ -12866,7 +13515,7 @@
     </p:spTree>
     <p:extLst>
       <p:ext uri="{BB962C8B-B14F-4D97-AF65-F5344CB8AC3E}">
-        <p14:creationId xmlns:p14="http://schemas.microsoft.com/office/powerpoint/2010/main" val="2040584766"/>
+        <p14:creationId xmlns:p14="http://schemas.microsoft.com/office/powerpoint/2010/main" val="2339112011"/>
       </p:ext>
     </p:extLst>
   </p:cSld>
@@ -12893,12 +13542,48 @@
           <a:chExt cx="0" cy="0"/>
         </a:xfrm>
       </p:grpSpPr>
+      <p:pic>
+        <p:nvPicPr>
+          <p:cNvPr id="14" name="Grafik 13" descr="Ein Bild, das Text, Screenshot, Schrift, Diagramm enthält.&#10;&#10;KI-generierte Inhalte können fehlerhaft sein.">
+            <a:extLst>
+              <a:ext uri="{FF2B5EF4-FFF2-40B4-BE49-F238E27FC236}">
+                <a16:creationId xmlns:a16="http://schemas.microsoft.com/office/drawing/2014/main" id="{D782B588-ECE0-C3F9-5EB2-F894E28B2EC0}"/>
+              </a:ext>
+            </a:extLst>
+          </p:cNvPr>
+          <p:cNvPicPr>
+            <a:picLocks noChangeAspect="1"/>
+          </p:cNvPicPr>
+          <p:nvPr/>
+        </p:nvPicPr>
+        <p:blipFill>
+          <a:blip r:embed="rId2">
+            <a:extLst>
+              <a:ext uri="{28A0092B-C50C-407E-A947-70E740481C1C}">
+                <a14:useLocalDpi xmlns:a14="http://schemas.microsoft.com/office/drawing/2010/main" val="0"/>
+              </a:ext>
+            </a:extLst>
+          </a:blip>
+          <a:stretch>
+            <a:fillRect/>
+          </a:stretch>
+        </p:blipFill>
+        <p:spPr>
+          <a:xfrm>
+            <a:off x="3891280" y="944674"/>
+            <a:ext cx="4409439" cy="3698239"/>
+          </a:xfrm>
+          <a:prstGeom prst="rect">
+            <a:avLst/>
+          </a:prstGeom>
+        </p:spPr>
+      </p:pic>
       <p:sp>
         <p:nvSpPr>
           <p:cNvPr id="2" name="Titel 1">
             <a:extLst>
               <a:ext uri="{FF2B5EF4-FFF2-40B4-BE49-F238E27FC236}">
-                <a16:creationId xmlns:a16="http://schemas.microsoft.com/office/drawing/2014/main" id="{2BCBAAC2-B731-A0B9-E93A-88C7B19B44A5}"/>
+                <a16:creationId xmlns:a16="http://schemas.microsoft.com/office/drawing/2014/main" id="{03493042-59F9-758F-63FD-D905482F5A90}"/>
               </a:ext>
             </a:extLst>
           </p:cNvPr>
@@ -12924,11 +13609,11 @@
             </a:r>
             <a:r>
               <a:rPr lang="de-CH" dirty="0"/>
-              <a:t> </a:t>
+              <a:t> multiple </a:t>
             </a:r>
             <a:r>
               <a:rPr lang="de-CH" dirty="0" err="1"/>
-              <a:t>one</a:t>
+              <a:t>populations</a:t>
             </a:r>
             <a:r>
               <a:rPr lang="de-CH" dirty="0"/>
@@ -12936,7 +13621,15 @@
             </a:r>
             <a:r>
               <a:rPr lang="de-CH" dirty="0" err="1"/>
-              <a:t>population</a:t>
+              <a:t>over</a:t>
+            </a:r>
+            <a:r>
+              <a:rPr lang="de-CH" dirty="0"/>
+              <a:t> a </a:t>
+            </a:r>
+            <a:r>
+              <a:rPr lang="de-CH" dirty="0" err="1"/>
+              <a:t>thousand</a:t>
             </a:r>
             <a:r>
               <a:rPr lang="de-CH" dirty="0"/>
@@ -12944,61 +13637,85 @@
             </a:r>
             <a:r>
               <a:rPr lang="de-CH" dirty="0" err="1"/>
-              <a:t>over</a:t>
-            </a:r>
-            <a:r>
-              <a:rPr lang="de-CH" dirty="0"/>
-              <a:t> multiple </a:t>
-            </a:r>
-            <a:r>
-              <a:rPr lang="de-CH" dirty="0" err="1"/>
               <a:t>generations</a:t>
             </a:r>
             <a:endParaRPr lang="de-CH" dirty="0"/>
+          </a:p>
+        </p:txBody>
+      </p:sp>
+      <p:sp>
+        <p:nvSpPr>
+          <p:cNvPr id="8" name="Textfeld 7">
+            <a:extLst>
+              <a:ext uri="{FF2B5EF4-FFF2-40B4-BE49-F238E27FC236}">
+                <a16:creationId xmlns:a16="http://schemas.microsoft.com/office/drawing/2014/main" id="{0D514E63-125A-3336-1788-D4AC7FAFFF22}"/>
+              </a:ext>
+            </a:extLst>
+          </p:cNvPr>
+          <p:cNvSpPr txBox="1"/>
+          <p:nvPr/>
+        </p:nvSpPr>
+        <p:spPr>
+          <a:xfrm>
+            <a:off x="838201" y="1931763"/>
+            <a:ext cx="2860040" cy="1200329"/>
+          </a:xfrm>
+          <a:prstGeom prst="rect">
+            <a:avLst/>
+          </a:prstGeom>
+          <a:noFill/>
+        </p:spPr>
+        <p:txBody>
+          <a:bodyPr wrap="square" rtlCol="0">
+            <a:spAutoFit/>
+          </a:bodyPr>
+          <a:lstStyle/>
+          <a:p>
+            <a:r>
+              <a:rPr lang="de-CH" sz="2400" dirty="0"/>
+              <a:t>Initial </a:t>
+            </a:r>
+            <a:r>
+              <a:rPr lang="de-CH" sz="2400" dirty="0" err="1"/>
+              <a:t>populations</a:t>
+            </a:r>
+            <a:r>
+              <a:rPr lang="de-CH" sz="2400" dirty="0"/>
+              <a:t> </a:t>
+            </a:r>
+            <a:r>
+              <a:rPr lang="de-CH" sz="2400" dirty="0" err="1"/>
+              <a:t>for</a:t>
+            </a:r>
+            <a:r>
+              <a:rPr lang="de-CH" sz="2400" dirty="0"/>
+              <a:t> all </a:t>
+            </a:r>
+            <a:r>
+              <a:rPr lang="de-CH" sz="2400" dirty="0" err="1"/>
+              <a:t>four</a:t>
+            </a:r>
+            <a:r>
+              <a:rPr lang="de-CH" sz="2400" dirty="0"/>
+              <a:t> </a:t>
+            </a:r>
+            <a:r>
+              <a:rPr lang="de-CH" sz="2400" dirty="0" err="1"/>
+              <a:t>mutants</a:t>
+            </a:r>
+            <a:r>
+              <a:rPr lang="de-CH" sz="2400" dirty="0"/>
+              <a:t>: N = 30</a:t>
+            </a:r>
           </a:p>
         </p:txBody>
       </p:sp>
       <p:pic>
         <p:nvPicPr>
-          <p:cNvPr id="5" name="Inhaltsplatzhalter 4" descr="Ein Bild, das Text, Screenshot, Schrift, Diagramm enthält.&#10;&#10;KI-generierte Inhalte können fehlerhaft sein.">
+          <p:cNvPr id="16" name="Grafik 15" descr="Ein Bild, das Text, Screenshot, Schrift, Diagramm enthält.&#10;&#10;KI-generierte Inhalte können fehlerhaft sein.">
             <a:extLst>
               <a:ext uri="{FF2B5EF4-FFF2-40B4-BE49-F238E27FC236}">
-                <a16:creationId xmlns:a16="http://schemas.microsoft.com/office/drawing/2014/main" id="{3076232D-E9E4-FC16-D795-93A90A5DB318}"/>
-              </a:ext>
-            </a:extLst>
-          </p:cNvPr>
-          <p:cNvPicPr>
-            <a:picLocks noGrp="1" noChangeAspect="1"/>
-          </p:cNvPicPr>
-          <p:nvPr>
-            <p:ph idx="1"/>
-          </p:nvPr>
-        </p:nvPicPr>
-        <p:blipFill>
-          <a:blip r:embed="rId2">
-            <a:extLst>
-              <a:ext uri="{28A0092B-C50C-407E-A947-70E740481C1C}">
-                <a14:useLocalDpi xmlns:a14="http://schemas.microsoft.com/office/drawing/2010/main" val="0"/>
-              </a:ext>
-            </a:extLst>
-          </a:blip>
-          <a:stretch>
-            <a:fillRect/>
-          </a:stretch>
-        </p:blipFill>
-        <p:spPr>
-          <a:xfrm>
-            <a:off x="-55676" y="3145481"/>
-            <a:ext cx="4434635" cy="3719372"/>
-          </a:xfrm>
-        </p:spPr>
-      </p:pic>
-      <p:pic>
-        <p:nvPicPr>
-          <p:cNvPr id="9" name="Grafik 8" descr="Ein Bild, das Text, Screenshot, Schrift, Reihe enthält.&#10;&#10;KI-generierte Inhalte können fehlerhaft sein.">
-            <a:extLst>
-              <a:ext uri="{FF2B5EF4-FFF2-40B4-BE49-F238E27FC236}">
-                <a16:creationId xmlns:a16="http://schemas.microsoft.com/office/drawing/2014/main" id="{2767FC86-5039-0DCD-9A18-0BF72288387D}"/>
+                <a16:creationId xmlns:a16="http://schemas.microsoft.com/office/drawing/2014/main" id="{1CF1B61E-9E85-A7F5-0FA4-6FA0435C6607}"/>
               </a:ext>
             </a:extLst>
           </p:cNvPr>
@@ -13021,8 +13738,8 @@
         </p:blipFill>
         <p:spPr>
           <a:xfrm>
-            <a:off x="4140654" y="1027906"/>
-            <a:ext cx="4068626" cy="3412396"/>
+            <a:off x="0" y="3312161"/>
+            <a:ext cx="4227733" cy="3545840"/>
           </a:xfrm>
           <a:prstGeom prst="rect">
             <a:avLst/>
@@ -13031,10 +13748,10 @@
       </p:pic>
       <p:pic>
         <p:nvPicPr>
-          <p:cNvPr id="11" name="Grafik 10" descr="Ein Bild, das Text, Screenshot, Schrift, Reihe enthält.&#10;&#10;KI-generierte Inhalte können fehlerhaft sein.">
+          <p:cNvPr id="12" name="Grafik 11" descr="Ein Bild, das Text, Screenshot, Diagramm, Schrift enthält.&#10;&#10;KI-generierte Inhalte können fehlerhaft sein.">
             <a:extLst>
               <a:ext uri="{FF2B5EF4-FFF2-40B4-BE49-F238E27FC236}">
-                <a16:creationId xmlns:a16="http://schemas.microsoft.com/office/drawing/2014/main" id="{F3D46F62-CDAB-7DF2-D5AD-8ECD93880F9B}"/>
+                <a16:creationId xmlns:a16="http://schemas.microsoft.com/office/drawing/2014/main" id="{0C2DE09A-9A31-12A2-1F69-ACD721E6B79D}"/>
               </a:ext>
             </a:extLst>
           </p:cNvPr>
@@ -13057,85 +13774,18 @@
         </p:blipFill>
         <p:spPr>
           <a:xfrm>
-            <a:off x="7934961" y="3247735"/>
-            <a:ext cx="4257039" cy="3570420"/>
+            <a:off x="7964266" y="3312159"/>
+            <a:ext cx="4227733" cy="3545841"/>
           </a:xfrm>
           <a:prstGeom prst="rect">
             <a:avLst/>
           </a:prstGeom>
         </p:spPr>
       </p:pic>
-      <p:sp>
-        <p:nvSpPr>
-          <p:cNvPr id="12" name="Textfeld 11">
-            <a:extLst>
-              <a:ext uri="{FF2B5EF4-FFF2-40B4-BE49-F238E27FC236}">
-                <a16:creationId xmlns:a16="http://schemas.microsoft.com/office/drawing/2014/main" id="{B68D9DDB-0CE3-1D30-2602-4D6B0A8319E6}"/>
-              </a:ext>
-            </a:extLst>
-          </p:cNvPr>
-          <p:cNvSpPr txBox="1"/>
-          <p:nvPr/>
-        </p:nvSpPr>
-        <p:spPr>
-          <a:xfrm>
-            <a:off x="838200" y="2047406"/>
-            <a:ext cx="2860040" cy="1200329"/>
-          </a:xfrm>
-          <a:prstGeom prst="rect">
-            <a:avLst/>
-          </a:prstGeom>
-          <a:noFill/>
-        </p:spPr>
-        <p:txBody>
-          <a:bodyPr wrap="square" rtlCol="0">
-            <a:spAutoFit/>
-          </a:bodyPr>
-          <a:lstStyle/>
-          <a:p>
-            <a:r>
-              <a:rPr lang="de-CH" sz="2400" dirty="0"/>
-              <a:t>Initial </a:t>
-            </a:r>
-            <a:r>
-              <a:rPr lang="de-CH" sz="2400" dirty="0" err="1"/>
-              <a:t>populations</a:t>
-            </a:r>
-            <a:r>
-              <a:rPr lang="de-CH" sz="2400" dirty="0"/>
-              <a:t> </a:t>
-            </a:r>
-            <a:r>
-              <a:rPr lang="de-CH" sz="2400" dirty="0" err="1"/>
-              <a:t>for</a:t>
-            </a:r>
-            <a:r>
-              <a:rPr lang="de-CH" sz="2400" dirty="0"/>
-              <a:t> all </a:t>
-            </a:r>
-            <a:r>
-              <a:rPr lang="de-CH" sz="2400" dirty="0" err="1"/>
-              <a:t>four</a:t>
-            </a:r>
-            <a:r>
-              <a:rPr lang="de-CH" sz="2400" dirty="0"/>
-              <a:t> </a:t>
-            </a:r>
-            <a:r>
-              <a:rPr lang="de-CH" sz="2400" dirty="0" err="1"/>
-              <a:t>mutants</a:t>
-            </a:r>
-            <a:r>
-              <a:rPr lang="de-CH" sz="2400" dirty="0"/>
-              <a:t>: N = 50</a:t>
-            </a:r>
-          </a:p>
-        </p:txBody>
-      </p:sp>
     </p:spTree>
     <p:extLst>
       <p:ext uri="{BB962C8B-B14F-4D97-AF65-F5344CB8AC3E}">
-        <p14:creationId xmlns:p14="http://schemas.microsoft.com/office/powerpoint/2010/main" val="2339112011"/>
+        <p14:creationId xmlns:p14="http://schemas.microsoft.com/office/powerpoint/2010/main" val="4126068761"/>
       </p:ext>
     </p:extLst>
   </p:cSld>
@@ -13458,4 +14108,47 @@
     </a:ext>
   </a:extLst>
 </a:theme>
+</file>
+
+<file path=ppt/theme/themeOverride1.xml><?xml version="1.0" encoding="utf-8"?>
+<a:themeOverride xmlns:a="http://schemas.openxmlformats.org/drawingml/2006/main">
+  <a:clrScheme name="Office">
+    <a:dk1>
+      <a:sysClr val="windowText" lastClr="000000"/>
+    </a:dk1>
+    <a:lt1>
+      <a:sysClr val="window" lastClr="FFFFFF"/>
+    </a:lt1>
+    <a:dk2>
+      <a:srgbClr val="0E2841"/>
+    </a:dk2>
+    <a:lt2>
+      <a:srgbClr val="E8E8E8"/>
+    </a:lt2>
+    <a:accent1>
+      <a:srgbClr val="156082"/>
+    </a:accent1>
+    <a:accent2>
+      <a:srgbClr val="E97132"/>
+    </a:accent2>
+    <a:accent3>
+      <a:srgbClr val="196B24"/>
+    </a:accent3>
+    <a:accent4>
+      <a:srgbClr val="0F9ED5"/>
+    </a:accent4>
+    <a:accent5>
+      <a:srgbClr val="A02B93"/>
+    </a:accent5>
+    <a:accent6>
+      <a:srgbClr val="4EA72E"/>
+    </a:accent6>
+    <a:hlink>
+      <a:srgbClr val="467886"/>
+    </a:hlink>
+    <a:folHlink>
+      <a:srgbClr val="96607D"/>
+    </a:folHlink>
+  </a:clrScheme>
+</a:themeOverride>
 </file>
--- a/THEE_project.pptx
+++ b/THEE_project.pptx
@@ -10712,6 +10712,14 @@
 <file path=ppt/slides/slide11.xml><?xml version="1.0" encoding="utf-8"?>
 <p:sld xmlns:a="http://schemas.openxmlformats.org/drawingml/2006/main" xmlns:r="http://schemas.openxmlformats.org/officeDocument/2006/relationships" xmlns:p="http://schemas.openxmlformats.org/presentationml/2006/main">
   <p:cSld>
+    <p:bg>
+      <p:bgPr>
+        <a:solidFill>
+          <a:schemeClr val="bg1"/>
+        </a:solidFill>
+        <a:effectLst/>
+      </p:bgPr>
+    </p:bg>
     <p:spTree>
       <p:nvGrpSpPr>
         <p:cNvPr id="1" name=""/>
@@ -10726,38 +10734,133 @@
           <a:chExt cx="0" cy="0"/>
         </a:xfrm>
       </p:grpSpPr>
-      <p:pic>
-        <p:nvPicPr>
-          <p:cNvPr id="5" name="Content Placeholder 4">
+      <p:sp useBgFill="1">
+        <p:nvSpPr>
+          <p:cNvPr id="12" name="Rectangle 11">
             <a:extLst>
               <a:ext uri="{FF2B5EF4-FFF2-40B4-BE49-F238E27FC236}">
-                <a16:creationId xmlns:a16="http://schemas.microsoft.com/office/drawing/2014/main" id="{56484558-BBEA-533D-DFD2-5C398EE64271}"/>
+                <a16:creationId xmlns:a16="http://schemas.microsoft.com/office/drawing/2014/main" id="{99ED5833-B85B-4103-8A3B-CAB0308E6C15}"/>
+              </a:ext>
+              <a:ext uri="{C183D7F6-B498-43B3-948B-1728B52AA6E4}">
+                <adec:decorative xmlns:adec="http://schemas.microsoft.com/office/drawing/2017/decorative" val="1"/>
               </a:ext>
             </a:extLst>
           </p:cNvPr>
-          <p:cNvPicPr>
-            <a:picLocks noGrp="1" noChangeAspect="1"/>
-          </p:cNvPicPr>
+          <p:cNvSpPr>
+            <a:spLocks noGrp="1" noRot="1" noChangeAspect="1" noMove="1" noResize="1" noEditPoints="1" noAdjustHandles="1" noChangeArrowheads="1" noChangeShapeType="1" noTextEdit="1"/>
+          </p:cNvSpPr>
           <p:nvPr>
-            <p:ph idx="1"/>
+            <p:extLst>
+              <p:ext uri="{386F3935-93C4-4BCD-93E2-E3B085C9AB24}">
+                <p16:designElem xmlns:p16="http://schemas.microsoft.com/office/powerpoint/2015/main" val="1"/>
+              </p:ext>
+            </p:extLst>
           </p:nvPr>
-        </p:nvPicPr>
-        <p:blipFill>
-          <a:blip r:embed="rId2"/>
-          <a:stretch>
-            <a:fillRect/>
-          </a:stretch>
-        </p:blipFill>
+        </p:nvSpPr>
         <p:spPr>
           <a:xfrm>
-            <a:off x="643467" y="1800874"/>
-            <a:ext cx="5294716" cy="3256249"/>
+            <a:off x="-1" y="0"/>
+            <a:ext cx="12188952" cy="6858000"/>
+          </a:xfrm>
+          <a:prstGeom prst="rect">
+            <a:avLst/>
+          </a:prstGeom>
+          <a:ln>
+            <a:noFill/>
+          </a:ln>
+        </p:spPr>
+        <p:style>
+          <a:lnRef idx="2">
+            <a:schemeClr val="accent1">
+              <a:shade val="50000"/>
+            </a:schemeClr>
+          </a:lnRef>
+          <a:fillRef idx="1">
+            <a:schemeClr val="accent1"/>
+          </a:fillRef>
+          <a:effectRef idx="0">
+            <a:schemeClr val="accent1"/>
+          </a:effectRef>
+          <a:fontRef idx="minor">
+            <a:schemeClr val="lt1"/>
+          </a:fontRef>
+        </p:style>
+        <p:txBody>
+          <a:bodyPr rtlCol="0" anchor="ctr"/>
+          <a:lstStyle/>
+          <a:p>
+            <a:pPr algn="ctr"/>
+            <a:endParaRPr lang="en-US"/>
+          </a:p>
+        </p:txBody>
+      </p:sp>
+      <p:sp>
+        <p:nvSpPr>
+          <p:cNvPr id="3" name="TextBox 2">
+            <a:extLst>
+              <a:ext uri="{FF2B5EF4-FFF2-40B4-BE49-F238E27FC236}">
+                <a16:creationId xmlns:a16="http://schemas.microsoft.com/office/drawing/2014/main" id="{036AD891-9F25-A444-D851-2EC467495233}"/>
+              </a:ext>
+            </a:extLst>
+          </p:cNvPr>
+          <p:cNvSpPr txBox="1"/>
+          <p:nvPr/>
+        </p:nvSpPr>
+        <p:spPr>
+          <a:xfrm>
+            <a:off x="1196656" y="756824"/>
+            <a:ext cx="9795638" cy="1114380"/>
           </a:xfrm>
           <a:prstGeom prst="rect">
             <a:avLst/>
           </a:prstGeom>
         </p:spPr>
-      </p:pic>
+        <p:txBody>
+          <a:bodyPr vert="horz" lIns="91440" tIns="45720" rIns="91440" bIns="45720" rtlCol="0" anchor="b">
+            <a:normAutofit/>
+          </a:bodyPr>
+          <a:lstStyle/>
+          <a:p>
+            <a:pPr algn="ctr">
+              <a:lnSpc>
+                <a:spcPct val="90000"/>
+              </a:lnSpc>
+              <a:spcBef>
+                <a:spcPct val="0"/>
+              </a:spcBef>
+              <a:spcAft>
+                <a:spcPts val="600"/>
+              </a:spcAft>
+            </a:pPr>
+            <a:r>
+              <a:rPr lang="en-US" sz="3300" dirty="0">
+                <a:latin typeface="+mj-lt"/>
+                <a:ea typeface="+mj-ea"/>
+                <a:cs typeface="+mj-cs"/>
+              </a:rPr>
+              <a:t>Scatterplots showing the frequency of each mutation depending on different selection coefficients</a:t>
+            </a:r>
+          </a:p>
+          <a:p>
+            <a:pPr algn="ctr">
+              <a:lnSpc>
+                <a:spcPct val="90000"/>
+              </a:lnSpc>
+              <a:spcBef>
+                <a:spcPct val="0"/>
+              </a:spcBef>
+              <a:spcAft>
+                <a:spcPts val="600"/>
+              </a:spcAft>
+            </a:pPr>
+            <a:endParaRPr lang="en-US" sz="3300" dirty="0">
+              <a:latin typeface="+mj-lt"/>
+              <a:ea typeface="+mj-ea"/>
+              <a:cs typeface="+mj-cs"/>
+            </a:endParaRPr>
+          </a:p>
+        </p:txBody>
+      </p:sp>
       <p:pic>
         <p:nvPicPr>
           <p:cNvPr id="7" name="Picture 6">
@@ -10780,85 +10883,46 @@
         </p:blipFill>
         <p:spPr>
           <a:xfrm>
-            <a:off x="6253817" y="1787639"/>
-            <a:ext cx="5294715" cy="3282722"/>
+            <a:off x="396674" y="2335030"/>
+            <a:ext cx="5699326" cy="3533582"/>
           </a:xfrm>
           <a:prstGeom prst="rect">
             <a:avLst/>
           </a:prstGeom>
         </p:spPr>
       </p:pic>
-      <p:sp>
-        <p:nvSpPr>
-          <p:cNvPr id="9" name="TextBox 8">
+      <p:pic>
+        <p:nvPicPr>
+          <p:cNvPr id="5" name="Content Placeholder 4">
             <a:extLst>
               <a:ext uri="{FF2B5EF4-FFF2-40B4-BE49-F238E27FC236}">
-                <a16:creationId xmlns:a16="http://schemas.microsoft.com/office/drawing/2014/main" id="{6A4A18E2-60E8-7904-6D2B-A7F2BA01B2C0}"/>
+                <a16:creationId xmlns:a16="http://schemas.microsoft.com/office/drawing/2014/main" id="{56484558-BBEA-533D-DFD2-5C398EE64271}"/>
               </a:ext>
             </a:extLst>
           </p:cNvPr>
-          <p:cNvSpPr txBox="1"/>
-          <p:nvPr/>
-        </p:nvSpPr>
+          <p:cNvPicPr>
+            <a:picLocks noGrp="1" noChangeAspect="1"/>
+          </p:cNvPicPr>
+          <p:nvPr>
+            <p:ph idx="1"/>
+          </p:nvPr>
+        </p:nvPicPr>
+        <p:blipFill>
+          <a:blip r:embed="rId4"/>
+          <a:stretch>
+            <a:fillRect/>
+          </a:stretch>
+        </p:blipFill>
         <p:spPr>
           <a:xfrm>
-            <a:off x="1850598" y="5639273"/>
-            <a:ext cx="8175169" cy="738664"/>
+            <a:off x="6163709" y="2335030"/>
+            <a:ext cx="5957533" cy="3663882"/>
           </a:xfrm>
           <a:prstGeom prst="rect">
             <a:avLst/>
           </a:prstGeom>
-          <a:noFill/>
         </p:spPr>
-        <p:txBody>
-          <a:bodyPr wrap="square">
-            <a:spAutoFit/>
-          </a:bodyPr>
-          <a:lstStyle/>
-          <a:p>
-            <a:r>
-              <a:rPr lang="de-CH" sz="1400" dirty="0" err="1"/>
-              <a:t>init_wd</a:t>
-            </a:r>
-            <a:r>
-              <a:rPr lang="de-CH" sz="1400" dirty="0"/>
-              <a:t> &lt;- 30init_wb &lt;- 30init_sd &lt;- 30init_sb &lt;- 30m_rate_wm &lt;- 0.001m_rate_sm &lt;- 0.005decay_rate_wm &lt;- 0.1decay_rate_sm &lt;- 0.2s_wm &lt;- 0.2s_sm &lt;- 0.3max_gen &lt;- 1000,no_replicates &lt;- 50</a:t>
-            </a:r>
-          </a:p>
-        </p:txBody>
-      </p:sp>
-      <p:sp>
-        <p:nvSpPr>
-          <p:cNvPr id="2" name="TextBox 1">
-            <a:extLst>
-              <a:ext uri="{FF2B5EF4-FFF2-40B4-BE49-F238E27FC236}">
-                <a16:creationId xmlns:a16="http://schemas.microsoft.com/office/drawing/2014/main" id="{A60ED06A-EC21-C1EC-4142-91DCFE742427}"/>
-              </a:ext>
-            </a:extLst>
-          </p:cNvPr>
-          <p:cNvSpPr txBox="1"/>
-          <p:nvPr/>
-        </p:nvSpPr>
-        <p:spPr>
-          <a:xfrm>
-            <a:off x="751114" y="163286"/>
-            <a:ext cx="10199915" cy="1230085"/>
-          </a:xfrm>
-          <a:prstGeom prst="rect">
-            <a:avLst/>
-          </a:prstGeom>
-          <a:noFill/>
-        </p:spPr>
-        <p:txBody>
-          <a:bodyPr wrap="square" rtlCol="0">
-            <a:spAutoFit/>
-          </a:bodyPr>
-          <a:lstStyle/>
-          <a:p>
-            <a:endParaRPr lang="de-CH"/>
-          </a:p>
-        </p:txBody>
-      </p:sp>
+      </p:pic>
     </p:spTree>
     <p:extLst>
       <p:ext uri="{BB962C8B-B14F-4D97-AF65-F5344CB8AC3E}">
@@ -10875,6 +10939,14 @@
 <file path=ppt/slides/slide12.xml><?xml version="1.0" encoding="utf-8"?>
 <p:sld xmlns:a="http://schemas.openxmlformats.org/drawingml/2006/main" xmlns:r="http://schemas.openxmlformats.org/officeDocument/2006/relationships" xmlns:p="http://schemas.openxmlformats.org/presentationml/2006/main">
   <p:cSld>
+    <p:bg>
+      <p:bgPr>
+        <a:solidFill>
+          <a:schemeClr val="bg1"/>
+        </a:solidFill>
+        <a:effectLst/>
+      </p:bgPr>
+    </p:bg>
     <p:spTree>
       <p:nvGrpSpPr>
         <p:cNvPr id="1" name=""/>
@@ -10889,6 +10961,145 @@
           <a:chExt cx="0" cy="0"/>
         </a:xfrm>
       </p:grpSpPr>
+      <p:sp useBgFill="1">
+        <p:nvSpPr>
+          <p:cNvPr id="41" name="Rectangle 40">
+            <a:extLst>
+              <a:ext uri="{FF2B5EF4-FFF2-40B4-BE49-F238E27FC236}">
+                <a16:creationId xmlns:a16="http://schemas.microsoft.com/office/drawing/2014/main" id="{99ED5833-B85B-4103-8A3B-CAB0308E6C15}"/>
+              </a:ext>
+              <a:ext uri="{C183D7F6-B498-43B3-948B-1728B52AA6E4}">
+                <adec:decorative xmlns:adec="http://schemas.microsoft.com/office/drawing/2017/decorative" val="1"/>
+              </a:ext>
+            </a:extLst>
+          </p:cNvPr>
+          <p:cNvSpPr>
+            <a:spLocks noGrp="1" noRot="1" noChangeAspect="1" noMove="1" noResize="1" noEditPoints="1" noAdjustHandles="1" noChangeArrowheads="1" noChangeShapeType="1" noTextEdit="1"/>
+          </p:cNvSpPr>
+          <p:nvPr>
+            <p:extLst>
+              <p:ext uri="{386F3935-93C4-4BCD-93E2-E3B085C9AB24}">
+                <p16:designElem xmlns:p16="http://schemas.microsoft.com/office/powerpoint/2015/main" val="1"/>
+              </p:ext>
+            </p:extLst>
+          </p:nvPr>
+        </p:nvSpPr>
+        <p:spPr>
+          <a:xfrm>
+            <a:off x="-1" y="0"/>
+            <a:ext cx="12188952" cy="6858000"/>
+          </a:xfrm>
+          <a:prstGeom prst="rect">
+            <a:avLst/>
+          </a:prstGeom>
+          <a:ln>
+            <a:noFill/>
+          </a:ln>
+        </p:spPr>
+        <p:style>
+          <a:lnRef idx="2">
+            <a:schemeClr val="accent1">
+              <a:shade val="50000"/>
+            </a:schemeClr>
+          </a:lnRef>
+          <a:fillRef idx="1">
+            <a:schemeClr val="accent1"/>
+          </a:fillRef>
+          <a:effectRef idx="0">
+            <a:schemeClr val="accent1"/>
+          </a:effectRef>
+          <a:fontRef idx="minor">
+            <a:schemeClr val="lt1"/>
+          </a:fontRef>
+        </p:style>
+        <p:txBody>
+          <a:bodyPr rtlCol="0" anchor="ctr"/>
+          <a:lstStyle/>
+          <a:p>
+            <a:pPr algn="ctr"/>
+            <a:endParaRPr lang="en-US"/>
+          </a:p>
+        </p:txBody>
+      </p:sp>
+      <p:sp>
+        <p:nvSpPr>
+          <p:cNvPr id="2" name="TextBox 1">
+            <a:extLst>
+              <a:ext uri="{FF2B5EF4-FFF2-40B4-BE49-F238E27FC236}">
+                <a16:creationId xmlns:a16="http://schemas.microsoft.com/office/drawing/2014/main" id="{75B2F437-8CEB-45B2-3B60-2BCB6172960D}"/>
+              </a:ext>
+            </a:extLst>
+          </p:cNvPr>
+          <p:cNvSpPr txBox="1"/>
+          <p:nvPr/>
+        </p:nvSpPr>
+        <p:spPr>
+          <a:xfrm>
+            <a:off x="1198181" y="560881"/>
+            <a:ext cx="9795638" cy="1114380"/>
+          </a:xfrm>
+          <a:prstGeom prst="rect">
+            <a:avLst/>
+          </a:prstGeom>
+        </p:spPr>
+        <p:txBody>
+          <a:bodyPr vert="horz" lIns="91440" tIns="45720" rIns="91440" bIns="45720" rtlCol="0" anchor="b">
+            <a:normAutofit/>
+          </a:bodyPr>
+          <a:lstStyle/>
+          <a:p>
+            <a:pPr algn="ctr">
+              <a:lnSpc>
+                <a:spcPct val="90000"/>
+              </a:lnSpc>
+              <a:spcBef>
+                <a:spcPct val="0"/>
+              </a:spcBef>
+              <a:spcAft>
+                <a:spcPts val="600"/>
+              </a:spcAft>
+            </a:pPr>
+            <a:r>
+              <a:rPr lang="en-US" sz="3300" dirty="0">
+                <a:latin typeface="+mj-lt"/>
+                <a:ea typeface="+mj-ea"/>
+                <a:cs typeface="+mj-cs"/>
+              </a:rPr>
+              <a:t>Scatterplots showing the frequency of each mutation depending on different selection coefficients</a:t>
+            </a:r>
+          </a:p>
+        </p:txBody>
+      </p:sp>
+      <p:pic>
+        <p:nvPicPr>
+          <p:cNvPr id="7" name="Picture 6">
+            <a:extLst>
+              <a:ext uri="{FF2B5EF4-FFF2-40B4-BE49-F238E27FC236}">
+                <a16:creationId xmlns:a16="http://schemas.microsoft.com/office/drawing/2014/main" id="{1EA42C00-70FF-EAE2-39BB-C0A0A942C971}"/>
+              </a:ext>
+            </a:extLst>
+          </p:cNvPr>
+          <p:cNvPicPr>
+            <a:picLocks noChangeAspect="1"/>
+          </p:cNvPicPr>
+          <p:nvPr/>
+        </p:nvPicPr>
+        <p:blipFill>
+          <a:blip r:embed="rId2"/>
+          <a:stretch>
+            <a:fillRect/>
+          </a:stretch>
+        </p:blipFill>
+        <p:spPr>
+          <a:xfrm>
+            <a:off x="0" y="2569028"/>
+            <a:ext cx="6252463" cy="3876527"/>
+          </a:xfrm>
+          <a:prstGeom prst="rect">
+            <a:avLst/>
+          </a:prstGeom>
+        </p:spPr>
+      </p:pic>
       <p:pic>
         <p:nvPicPr>
           <p:cNvPr id="5" name="Content Placeholder 4">
@@ -10906,36 +11117,6 @@
           </p:nvPr>
         </p:nvPicPr>
         <p:blipFill>
-          <a:blip r:embed="rId2"/>
-          <a:stretch>
-            <a:fillRect/>
-          </a:stretch>
-        </p:blipFill>
-        <p:spPr>
-          <a:xfrm>
-            <a:off x="240694" y="1502692"/>
-            <a:ext cx="5697489" cy="3489711"/>
-          </a:xfrm>
-          <a:prstGeom prst="rect">
-            <a:avLst/>
-          </a:prstGeom>
-        </p:spPr>
-      </p:pic>
-      <p:pic>
-        <p:nvPicPr>
-          <p:cNvPr id="7" name="Picture 6">
-            <a:extLst>
-              <a:ext uri="{FF2B5EF4-FFF2-40B4-BE49-F238E27FC236}">
-                <a16:creationId xmlns:a16="http://schemas.microsoft.com/office/drawing/2014/main" id="{1EA42C00-70FF-EAE2-39BB-C0A0A942C971}"/>
-              </a:ext>
-            </a:extLst>
-          </p:cNvPr>
-          <p:cNvPicPr>
-            <a:picLocks noChangeAspect="1"/>
-          </p:cNvPicPr>
-          <p:nvPr/>
-        </p:nvPicPr>
-        <p:blipFill>
           <a:blip r:embed="rId3"/>
           <a:stretch>
             <a:fillRect/>
@@ -10943,53 +11124,14 @@
         </p:blipFill>
         <p:spPr>
           <a:xfrm>
-            <a:off x="5938183" y="1502692"/>
-            <a:ext cx="5851095" cy="3627677"/>
+            <a:off x="5917835" y="2569028"/>
+            <a:ext cx="6001270" cy="3675778"/>
           </a:xfrm>
           <a:prstGeom prst="rect">
             <a:avLst/>
           </a:prstGeom>
         </p:spPr>
       </p:pic>
-      <p:sp>
-        <p:nvSpPr>
-          <p:cNvPr id="9" name="TextBox 8">
-            <a:extLst>
-              <a:ext uri="{FF2B5EF4-FFF2-40B4-BE49-F238E27FC236}">
-                <a16:creationId xmlns:a16="http://schemas.microsoft.com/office/drawing/2014/main" id="{BFF6B2DD-6AA6-6AE2-56FD-AE2562AC8EA1}"/>
-              </a:ext>
-            </a:extLst>
-          </p:cNvPr>
-          <p:cNvSpPr txBox="1"/>
-          <p:nvPr/>
-        </p:nvSpPr>
-        <p:spPr>
-          <a:xfrm>
-            <a:off x="2133573" y="5715000"/>
-            <a:ext cx="8490883" cy="523220"/>
-          </a:xfrm>
-          <a:prstGeom prst="rect">
-            <a:avLst/>
-          </a:prstGeom>
-          <a:noFill/>
-        </p:spPr>
-        <p:txBody>
-          <a:bodyPr wrap="square">
-            <a:spAutoFit/>
-          </a:bodyPr>
-          <a:lstStyle/>
-          <a:p>
-            <a:r>
-              <a:rPr lang="de-CH" sz="1400" dirty="0" err="1"/>
-              <a:t>init_wd</a:t>
-            </a:r>
-            <a:r>
-              <a:rPr lang="de-CH" sz="1400" dirty="0"/>
-              <a:t> &lt;- 30init_wb &lt;- 30init_sd &lt;- 30init_sb &lt;- 30m_rate_wm &lt;- 0.001m_rate_sm &lt;- 0.005decay_rate_wm &lt;- 0.1decay_rate_sm &lt;- 0.2s_wm &lt;- 0.2s_sm &lt;- 0.3max_gen &lt;- 1000,no_replicates &lt;- 50</a:t>
-            </a:r>
-          </a:p>
-        </p:txBody>
-      </p:sp>
     </p:spTree>
     <p:extLst>
       <p:ext uri="{BB962C8B-B14F-4D97-AF65-F5344CB8AC3E}">
@@ -11437,6 +11579,14 @@
 <file path=ppt/slides/slide14.xml><?xml version="1.0" encoding="utf-8"?>
 <p:sld xmlns:a="http://schemas.openxmlformats.org/drawingml/2006/main" xmlns:r="http://schemas.openxmlformats.org/officeDocument/2006/relationships" xmlns:p="http://schemas.openxmlformats.org/presentationml/2006/main">
   <p:cSld>
+    <p:bg>
+      <p:bgPr>
+        <a:solidFill>
+          <a:schemeClr val="bg1"/>
+        </a:solidFill>
+        <a:effectLst/>
+      </p:bgPr>
+    </p:bg>
     <p:spTree>
       <p:nvGrpSpPr>
         <p:cNvPr id="1" name=""/>
@@ -11553,7 +11703,7 @@
             </a:r>
             <a:r>
               <a:rPr lang="en-US" sz="1100" dirty="0">
-                <a:hlinkClick r:id="rId2"/>
+                <a:hlinkClick r:id="rId3"/>
               </a:rPr>
               <a:t>https://www.sciencedirect.com/science/article/pii/S0923250804000683</a:t>
             </a:r>
@@ -12079,7 +12229,7 @@
     </p:extLst>
   </p:cSld>
   <p:clrMapOvr>
-    <a:masterClrMapping/>
+    <a:overrideClrMapping bg1="lt1" tx1="dk1" bg2="lt2" tx2="dk2" accent1="accent1" accent2="accent2" accent3="accent3" accent4="accent4" accent5="accent5" accent6="accent6" hlink="hlink" folHlink="folHlink"/>
   </p:clrMapOvr>
 </p:sld>
 </file>
@@ -14151,4 +14301,90 @@
     </a:folHlink>
   </a:clrScheme>
 </a:themeOverride>
+</file>
+
+<file path=ppt/theme/themeOverride2.xml><?xml version="1.0" encoding="utf-8"?>
+<a:themeOverride xmlns:a="http://schemas.openxmlformats.org/drawingml/2006/main">
+  <a:clrScheme name="Office">
+    <a:dk1>
+      <a:sysClr val="windowText" lastClr="000000"/>
+    </a:dk1>
+    <a:lt1>
+      <a:sysClr val="window" lastClr="FFFFFF"/>
+    </a:lt1>
+    <a:dk2>
+      <a:srgbClr val="0E2841"/>
+    </a:dk2>
+    <a:lt2>
+      <a:srgbClr val="E8E8E8"/>
+    </a:lt2>
+    <a:accent1>
+      <a:srgbClr val="156082"/>
+    </a:accent1>
+    <a:accent2>
+      <a:srgbClr val="E97132"/>
+    </a:accent2>
+    <a:accent3>
+      <a:srgbClr val="196B24"/>
+    </a:accent3>
+    <a:accent4>
+      <a:srgbClr val="0F9ED5"/>
+    </a:accent4>
+    <a:accent5>
+      <a:srgbClr val="A02B93"/>
+    </a:accent5>
+    <a:accent6>
+      <a:srgbClr val="4EA72E"/>
+    </a:accent6>
+    <a:hlink>
+      <a:srgbClr val="467886"/>
+    </a:hlink>
+    <a:folHlink>
+      <a:srgbClr val="96607D"/>
+    </a:folHlink>
+  </a:clrScheme>
+</a:themeOverride>
+</file>
+
+<file path=ppt/theme/themeOverride3.xml><?xml version="1.0" encoding="utf-8"?>
+<a:themeOverride xmlns:a="http://schemas.openxmlformats.org/drawingml/2006/main">
+  <a:clrScheme name="Office">
+    <a:dk1>
+      <a:sysClr val="windowText" lastClr="000000"/>
+    </a:dk1>
+    <a:lt1>
+      <a:sysClr val="window" lastClr="FFFFFF"/>
+    </a:lt1>
+    <a:dk2>
+      <a:srgbClr val="0E2841"/>
+    </a:dk2>
+    <a:lt2>
+      <a:srgbClr val="E8E8E8"/>
+    </a:lt2>
+    <a:accent1>
+      <a:srgbClr val="156082"/>
+    </a:accent1>
+    <a:accent2>
+      <a:srgbClr val="E97132"/>
+    </a:accent2>
+    <a:accent3>
+      <a:srgbClr val="196B24"/>
+    </a:accent3>
+    <a:accent4>
+      <a:srgbClr val="0F9ED5"/>
+    </a:accent4>
+    <a:accent5>
+      <a:srgbClr val="A02B93"/>
+    </a:accent5>
+    <a:accent6>
+      <a:srgbClr val="4EA72E"/>
+    </a:accent6>
+    <a:hlink>
+      <a:srgbClr val="467886"/>
+    </a:hlink>
+    <a:folHlink>
+      <a:srgbClr val="96607D"/>
+    </a:folHlink>
+  </a:clrScheme>
+</a:themeOverride>
 </file>
--- a/THEE_project.pptx
+++ b/THEE_project.pptx
@@ -11670,45 +11670,560 @@
         </p:nvSpPr>
         <p:spPr>
           <a:xfrm>
-            <a:off x="838200" y="1404257"/>
-            <a:ext cx="10515600" cy="4772706"/>
+            <a:off x="838200" y="1774370"/>
+            <a:ext cx="10515600" cy="4942115"/>
           </a:xfrm>
         </p:spPr>
         <p:txBody>
           <a:bodyPr>
-            <a:normAutofit/>
+            <a:normAutofit fontScale="92500" lnSpcReduction="20000"/>
           </a:bodyPr>
           <a:lstStyle/>
           <a:p>
             <a:pPr marL="0" indent="0">
               <a:buNone/>
             </a:pPr>
-            <a:endParaRPr lang="en-US" sz="1100" dirty="0"/>
+            <a:r>
+              <a:rPr lang="de-CH" sz="2200" b="1" dirty="0" err="1"/>
+              <a:t>Similarities</a:t>
+            </a:r>
+            <a:r>
+              <a:rPr lang="de-CH" sz="2200" b="1" dirty="0"/>
+              <a:t>:</a:t>
+            </a:r>
+          </a:p>
+          <a:p>
+            <a:r>
+              <a:rPr lang="de-CH" sz="2200" dirty="0"/>
+              <a:t>Resistance </a:t>
+            </a:r>
+            <a:r>
+              <a:rPr lang="de-CH" sz="2200" dirty="0" err="1"/>
+              <a:t>to</a:t>
+            </a:r>
+            <a:r>
+              <a:rPr lang="de-CH" sz="2200" dirty="0"/>
+              <a:t> </a:t>
+            </a:r>
+            <a:r>
+              <a:rPr lang="de-CH" sz="2200" dirty="0" err="1"/>
+              <a:t>antimicrobial</a:t>
+            </a:r>
+            <a:r>
+              <a:rPr lang="de-CH" sz="2200" dirty="0"/>
+              <a:t> </a:t>
+            </a:r>
+            <a:r>
+              <a:rPr lang="de-CH" sz="2200" dirty="0" err="1"/>
+              <a:t>drugs</a:t>
+            </a:r>
+            <a:r>
+              <a:rPr lang="de-CH" sz="2200" dirty="0"/>
+              <a:t> </a:t>
+            </a:r>
+            <a:r>
+              <a:rPr lang="de-CH" sz="2200" dirty="0" err="1"/>
+              <a:t>comes</a:t>
+            </a:r>
+            <a:r>
+              <a:rPr lang="de-CH" sz="2200" dirty="0"/>
+              <a:t> with </a:t>
+            </a:r>
+            <a:r>
+              <a:rPr lang="de-CH" sz="2200" dirty="0" err="1"/>
+              <a:t>fitness</a:t>
+            </a:r>
+            <a:r>
+              <a:rPr lang="de-CH" sz="2200" dirty="0"/>
+              <a:t> </a:t>
+            </a:r>
+            <a:r>
+              <a:rPr lang="de-CH" sz="2200" dirty="0" err="1"/>
+              <a:t>costs</a:t>
+            </a:r>
+            <a:endParaRPr lang="de-CH" sz="2200" dirty="0"/>
+          </a:p>
+          <a:p>
+            <a:r>
+              <a:rPr lang="de-CH" sz="2200" dirty="0" err="1"/>
+              <a:t>Mutations</a:t>
+            </a:r>
+            <a:r>
+              <a:rPr lang="de-CH" sz="2200" dirty="0"/>
+              <a:t> </a:t>
+            </a:r>
+            <a:r>
+              <a:rPr lang="de-CH" sz="2200" dirty="0" err="1"/>
+              <a:t>as</a:t>
+            </a:r>
+            <a:r>
+              <a:rPr lang="de-CH" sz="2200" dirty="0"/>
+              <a:t> a </a:t>
+            </a:r>
+            <a:r>
+              <a:rPr lang="de-CH" sz="2200" dirty="0" err="1"/>
+              <a:t>way</a:t>
+            </a:r>
+            <a:r>
+              <a:rPr lang="de-CH" sz="2200" dirty="0"/>
+              <a:t> </a:t>
+            </a:r>
+            <a:r>
+              <a:rPr lang="de-CH" sz="2200" dirty="0" err="1"/>
+              <a:t>to</a:t>
+            </a:r>
+            <a:r>
+              <a:rPr lang="de-CH" sz="2200" dirty="0"/>
+              <a:t> </a:t>
+            </a:r>
+            <a:r>
+              <a:rPr lang="de-CH" sz="2200" dirty="0" err="1"/>
+              <a:t>mask</a:t>
+            </a:r>
+            <a:r>
+              <a:rPr lang="de-CH" sz="2200" dirty="0"/>
+              <a:t> </a:t>
+            </a:r>
+            <a:r>
+              <a:rPr lang="de-CH" sz="2200" dirty="0" err="1"/>
+              <a:t>effect</a:t>
+            </a:r>
+            <a:r>
+              <a:rPr lang="de-CH" sz="2200" dirty="0"/>
+              <a:t> </a:t>
+            </a:r>
+            <a:r>
+              <a:rPr lang="de-CH" sz="2200" dirty="0" err="1"/>
+              <a:t>of</a:t>
+            </a:r>
+            <a:r>
+              <a:rPr lang="de-CH" sz="2200" dirty="0"/>
+              <a:t> </a:t>
+            </a:r>
+            <a:r>
+              <a:rPr lang="de-CH" sz="2200" dirty="0" err="1"/>
+              <a:t>deleterious</a:t>
+            </a:r>
+            <a:r>
+              <a:rPr lang="de-CH" sz="2200" dirty="0"/>
+              <a:t> </a:t>
+            </a:r>
+            <a:r>
+              <a:rPr lang="de-CH" sz="2200" dirty="0" err="1"/>
+              <a:t>effects</a:t>
+            </a:r>
+            <a:r>
+              <a:rPr lang="de-CH" sz="2200" dirty="0" err="1">
+                <a:sym typeface="Wingdings" panose="05000000000000000000" pitchFamily="2" charset="2"/>
+              </a:rPr>
+              <a:t>important</a:t>
+            </a:r>
+            <a:r>
+              <a:rPr lang="de-CH" sz="2200" dirty="0">
+                <a:sym typeface="Wingdings" panose="05000000000000000000" pitchFamily="2" charset="2"/>
+              </a:rPr>
+              <a:t> </a:t>
+            </a:r>
+            <a:r>
+              <a:rPr lang="de-CH" sz="2200" dirty="0" err="1">
+                <a:sym typeface="Wingdings" panose="05000000000000000000" pitchFamily="2" charset="2"/>
+              </a:rPr>
+              <a:t>for</a:t>
+            </a:r>
+            <a:r>
+              <a:rPr lang="de-CH" sz="2200" dirty="0">
+                <a:sym typeface="Wingdings" panose="05000000000000000000" pitchFamily="2" charset="2"/>
+              </a:rPr>
+              <a:t> </a:t>
+            </a:r>
+            <a:r>
+              <a:rPr lang="de-CH" sz="2200" dirty="0" err="1">
+                <a:sym typeface="Wingdings" panose="05000000000000000000" pitchFamily="2" charset="2"/>
+              </a:rPr>
+              <a:t>adaptation</a:t>
+            </a:r>
+            <a:r>
+              <a:rPr lang="de-CH" sz="2200" dirty="0">
+                <a:sym typeface="Wingdings" panose="05000000000000000000" pitchFamily="2" charset="2"/>
+              </a:rPr>
+              <a:t>/</a:t>
+            </a:r>
+            <a:r>
+              <a:rPr lang="de-CH" sz="2200" dirty="0" err="1">
+                <a:sym typeface="Wingdings" panose="05000000000000000000" pitchFamily="2" charset="2"/>
+              </a:rPr>
+              <a:t>evolution</a:t>
+            </a:r>
+            <a:endParaRPr lang="de-CH" sz="2200" dirty="0">
+              <a:sym typeface="Wingdings" panose="05000000000000000000" pitchFamily="2" charset="2"/>
+            </a:endParaRPr>
+          </a:p>
+          <a:p>
+            <a:r>
+              <a:rPr lang="de-CH" sz="2200" dirty="0">
+                <a:sym typeface="Wingdings" panose="05000000000000000000" pitchFamily="2" charset="2"/>
+              </a:rPr>
+              <a:t>Haploid, </a:t>
+            </a:r>
+            <a:r>
+              <a:rPr lang="de-CH" sz="2200" dirty="0" err="1">
+                <a:sym typeface="Wingdings" panose="05000000000000000000" pitchFamily="2" charset="2"/>
+              </a:rPr>
+              <a:t>asexuall</a:t>
+            </a:r>
+            <a:r>
+              <a:rPr lang="de-CH" sz="2200" dirty="0">
+                <a:sym typeface="Wingdings" panose="05000000000000000000" pitchFamily="2" charset="2"/>
+              </a:rPr>
+              <a:t> </a:t>
+            </a:r>
+            <a:r>
+              <a:rPr lang="de-CH" sz="2200" dirty="0" err="1">
+                <a:sym typeface="Wingdings" panose="05000000000000000000" pitchFamily="2" charset="2"/>
+              </a:rPr>
+              <a:t>populations</a:t>
+            </a:r>
+            <a:endParaRPr lang="de-CH" sz="2200" dirty="0">
+              <a:sym typeface="Wingdings" panose="05000000000000000000" pitchFamily="2" charset="2"/>
+            </a:endParaRPr>
           </a:p>
           <a:p>
             <a:pPr marL="0" indent="0">
               <a:buNone/>
             </a:pPr>
-            <a:r>
-              <a:rPr lang="en-US" sz="1100" dirty="0"/>
+            <a:endParaRPr lang="de-CH" sz="2200" dirty="0">
+              <a:sym typeface="Wingdings" panose="05000000000000000000" pitchFamily="2" charset="2"/>
+            </a:endParaRPr>
+          </a:p>
+          <a:p>
+            <a:pPr marL="0" indent="0">
+              <a:buNone/>
+            </a:pPr>
+            <a:r>
+              <a:rPr lang="de-CH" sz="2200" b="1" dirty="0" err="1">
+                <a:sym typeface="Wingdings" panose="05000000000000000000" pitchFamily="2" charset="2"/>
+              </a:rPr>
+              <a:t>Limitations</a:t>
+            </a:r>
+            <a:r>
+              <a:rPr lang="de-CH" sz="2200" b="1" dirty="0">
+                <a:sym typeface="Wingdings" panose="05000000000000000000" pitchFamily="2" charset="2"/>
+              </a:rPr>
+              <a:t>:</a:t>
+            </a:r>
+          </a:p>
+          <a:p>
+            <a:r>
+              <a:rPr lang="de-CH" sz="2200" dirty="0">
+                <a:sym typeface="Wingdings" panose="05000000000000000000" pitchFamily="2" charset="2"/>
+              </a:rPr>
+              <a:t>Models still </a:t>
+            </a:r>
+            <a:r>
+              <a:rPr lang="de-CH" sz="2200" dirty="0" err="1">
+                <a:sym typeface="Wingdings" panose="05000000000000000000" pitchFamily="2" charset="2"/>
+              </a:rPr>
+              <a:t>are</a:t>
+            </a:r>
+            <a:r>
+              <a:rPr lang="de-CH" sz="2200" dirty="0">
+                <a:sym typeface="Wingdings" panose="05000000000000000000" pitchFamily="2" charset="2"/>
+              </a:rPr>
+              <a:t> different: </a:t>
+            </a:r>
+            <a:r>
+              <a:rPr lang="de-CH" sz="2200" dirty="0" err="1">
+                <a:sym typeface="Wingdings" panose="05000000000000000000" pitchFamily="2" charset="2"/>
+              </a:rPr>
+              <a:t>no</a:t>
+            </a:r>
+            <a:r>
+              <a:rPr lang="de-CH" sz="2200" dirty="0">
+                <a:sym typeface="Wingdings" panose="05000000000000000000" pitchFamily="2" charset="2"/>
+              </a:rPr>
+              <a:t> </a:t>
+            </a:r>
+            <a:r>
+              <a:rPr lang="de-CH" sz="2200" dirty="0" err="1">
+                <a:sym typeface="Wingdings" panose="05000000000000000000" pitchFamily="2" charset="2"/>
+              </a:rPr>
+              <a:t>use</a:t>
+            </a:r>
+            <a:r>
+              <a:rPr lang="de-CH" sz="2200" dirty="0">
+                <a:sym typeface="Wingdings" panose="05000000000000000000" pitchFamily="2" charset="2"/>
+              </a:rPr>
+              <a:t> </a:t>
+            </a:r>
+            <a:r>
+              <a:rPr lang="de-CH" sz="2200" dirty="0" err="1">
+                <a:sym typeface="Wingdings" panose="05000000000000000000" pitchFamily="2" charset="2"/>
+              </a:rPr>
+              <a:t>of</a:t>
+            </a:r>
+            <a:r>
+              <a:rPr lang="de-CH" sz="2200" dirty="0">
+                <a:sym typeface="Wingdings" panose="05000000000000000000" pitchFamily="2" charset="2"/>
+              </a:rPr>
+              <a:t> </a:t>
+            </a:r>
+            <a:r>
+              <a:rPr lang="de-CH" sz="2200" dirty="0" err="1">
+                <a:sym typeface="Wingdings" panose="05000000000000000000" pitchFamily="2" charset="2"/>
+              </a:rPr>
+              <a:t>exactly</a:t>
+            </a:r>
+            <a:r>
+              <a:rPr lang="de-CH" sz="2200" dirty="0">
+                <a:sym typeface="Wingdings" panose="05000000000000000000" pitchFamily="2" charset="2"/>
+              </a:rPr>
+              <a:t> 2 </a:t>
+            </a:r>
+            <a:r>
+              <a:rPr lang="de-CH" sz="2200" dirty="0" err="1">
+                <a:sym typeface="Wingdings" panose="05000000000000000000" pitchFamily="2" charset="2"/>
+              </a:rPr>
+              <a:t>deleterious</a:t>
+            </a:r>
+            <a:r>
+              <a:rPr lang="de-CH" sz="2200" dirty="0">
+                <a:sym typeface="Wingdings" panose="05000000000000000000" pitchFamily="2" charset="2"/>
+              </a:rPr>
+              <a:t> </a:t>
+            </a:r>
+            <a:r>
+              <a:rPr lang="de-CH" sz="2200" dirty="0" err="1">
+                <a:sym typeface="Wingdings" panose="05000000000000000000" pitchFamily="2" charset="2"/>
+              </a:rPr>
+              <a:t>mutations</a:t>
+            </a:r>
+            <a:r>
+              <a:rPr lang="de-CH" sz="2200" dirty="0">
+                <a:sym typeface="Wingdings" panose="05000000000000000000" pitchFamily="2" charset="2"/>
+              </a:rPr>
+              <a:t> </a:t>
+            </a:r>
+            <a:r>
+              <a:rPr lang="de-CH" sz="2200" dirty="0" err="1">
+                <a:sym typeface="Wingdings" panose="05000000000000000000" pitchFamily="2" charset="2"/>
+              </a:rPr>
+              <a:t>which</a:t>
+            </a:r>
+            <a:r>
+              <a:rPr lang="de-CH" sz="2200" dirty="0">
+                <a:sym typeface="Wingdings" panose="05000000000000000000" pitchFamily="2" charset="2"/>
+              </a:rPr>
+              <a:t> </a:t>
+            </a:r>
+            <a:r>
+              <a:rPr lang="de-CH" sz="2200" dirty="0" err="1">
+                <a:sym typeface="Wingdings" panose="05000000000000000000" pitchFamily="2" charset="2"/>
+              </a:rPr>
+              <a:t>mutate</a:t>
+            </a:r>
+            <a:r>
+              <a:rPr lang="de-CH" sz="2200" dirty="0">
+                <a:sym typeface="Wingdings" panose="05000000000000000000" pitchFamily="2" charset="2"/>
+              </a:rPr>
+              <a:t>, </a:t>
+            </a:r>
+            <a:r>
+              <a:rPr lang="de-CH" sz="2200" dirty="0" err="1">
+                <a:sym typeface="Wingdings" panose="05000000000000000000" pitchFamily="2" charset="2"/>
+              </a:rPr>
+              <a:t>including</a:t>
+            </a:r>
+            <a:r>
+              <a:rPr lang="de-CH" sz="2200" dirty="0">
+                <a:sym typeface="Wingdings" panose="05000000000000000000" pitchFamily="2" charset="2"/>
+              </a:rPr>
+              <a:t> back </a:t>
+            </a:r>
+            <a:r>
+              <a:rPr lang="de-CH" sz="2200" dirty="0" err="1">
+                <a:sym typeface="Wingdings" panose="05000000000000000000" pitchFamily="2" charset="2"/>
+              </a:rPr>
+              <a:t>mutations</a:t>
+            </a:r>
+            <a:r>
+              <a:rPr lang="de-CH" sz="2200" dirty="0">
+                <a:sym typeface="Wingdings" panose="05000000000000000000" pitchFamily="2" charset="2"/>
+              </a:rPr>
+              <a:t> </a:t>
+            </a:r>
+          </a:p>
+          <a:p>
+            <a:r>
+              <a:rPr lang="de-CH" sz="2200" dirty="0">
+                <a:sym typeface="Wingdings" panose="05000000000000000000" pitchFamily="2" charset="2"/>
+              </a:rPr>
+              <a:t>Can not </a:t>
+            </a:r>
+            <a:r>
+              <a:rPr lang="de-CH" sz="2200" dirty="0" err="1">
+                <a:sym typeface="Wingdings" panose="05000000000000000000" pitchFamily="2" charset="2"/>
+              </a:rPr>
+              <a:t>really</a:t>
+            </a:r>
+            <a:r>
+              <a:rPr lang="de-CH" sz="2200" dirty="0">
+                <a:sym typeface="Wingdings" panose="05000000000000000000" pitchFamily="2" charset="2"/>
+              </a:rPr>
+              <a:t> </a:t>
+            </a:r>
+            <a:r>
+              <a:rPr lang="de-CH" sz="2200" dirty="0" err="1">
+                <a:sym typeface="Wingdings" panose="05000000000000000000" pitchFamily="2" charset="2"/>
+              </a:rPr>
+              <a:t>confirm</a:t>
+            </a:r>
+            <a:r>
+              <a:rPr lang="de-CH" sz="2200" dirty="0">
+                <a:sym typeface="Wingdings" panose="05000000000000000000" pitchFamily="2" charset="2"/>
+              </a:rPr>
+              <a:t> </a:t>
+            </a:r>
+            <a:r>
+              <a:rPr lang="de-CH" sz="2200" dirty="0" err="1">
+                <a:sym typeface="Wingdings" panose="05000000000000000000" pitchFamily="2" charset="2"/>
+              </a:rPr>
+              <a:t>or</a:t>
+            </a:r>
+            <a:r>
+              <a:rPr lang="de-CH" sz="2200" dirty="0">
+                <a:sym typeface="Wingdings" panose="05000000000000000000" pitchFamily="2" charset="2"/>
+              </a:rPr>
+              <a:t> </a:t>
+            </a:r>
+            <a:r>
+              <a:rPr lang="de-CH" sz="2200" dirty="0" err="1">
+                <a:sym typeface="Wingdings" panose="05000000000000000000" pitchFamily="2" charset="2"/>
+              </a:rPr>
+              <a:t>disprove</a:t>
+            </a:r>
+            <a:r>
+              <a:rPr lang="de-CH" sz="2200" dirty="0">
+                <a:sym typeface="Wingdings" panose="05000000000000000000" pitchFamily="2" charset="2"/>
+              </a:rPr>
+              <a:t> </a:t>
+            </a:r>
+            <a:r>
+              <a:rPr lang="de-CH" sz="2200" dirty="0" err="1">
+                <a:sym typeface="Wingdings" panose="05000000000000000000" pitchFamily="2" charset="2"/>
+              </a:rPr>
+              <a:t>our</a:t>
+            </a:r>
+            <a:r>
+              <a:rPr lang="de-CH" sz="2200" dirty="0">
+                <a:sym typeface="Wingdings" panose="05000000000000000000" pitchFamily="2" charset="2"/>
+              </a:rPr>
+              <a:t> </a:t>
+            </a:r>
+            <a:r>
+              <a:rPr lang="de-CH" sz="2200" dirty="0" err="1">
+                <a:sym typeface="Wingdings" panose="05000000000000000000" pitchFamily="2" charset="2"/>
+              </a:rPr>
+              <a:t>results</a:t>
+            </a:r>
+            <a:r>
+              <a:rPr lang="de-CH" sz="2200" dirty="0">
+                <a:sym typeface="Wingdings" panose="05000000000000000000" pitchFamily="2" charset="2"/>
+              </a:rPr>
+              <a:t> </a:t>
+            </a:r>
+            <a:r>
+              <a:rPr lang="de-CH" sz="2200" dirty="0" err="1">
+                <a:sym typeface="Wingdings" panose="05000000000000000000" pitchFamily="2" charset="2"/>
+              </a:rPr>
+              <a:t>that</a:t>
+            </a:r>
+            <a:r>
+              <a:rPr lang="de-CH" sz="2200" dirty="0">
+                <a:sym typeface="Wingdings" panose="05000000000000000000" pitchFamily="2" charset="2"/>
+              </a:rPr>
+              <a:t> </a:t>
+            </a:r>
+            <a:r>
+              <a:rPr lang="de-CH" sz="2200" dirty="0" err="1">
+                <a:sym typeface="Wingdings" panose="05000000000000000000" pitchFamily="2" charset="2"/>
+              </a:rPr>
+              <a:t>the</a:t>
+            </a:r>
+            <a:r>
+              <a:rPr lang="de-CH" sz="2200" dirty="0">
+                <a:sym typeface="Wingdings" panose="05000000000000000000" pitchFamily="2" charset="2"/>
+              </a:rPr>
+              <a:t> strong </a:t>
+            </a:r>
+            <a:r>
+              <a:rPr lang="de-CH" sz="2200" dirty="0" err="1">
+                <a:sym typeface="Wingdings" panose="05000000000000000000" pitchFamily="2" charset="2"/>
+              </a:rPr>
+              <a:t>mutation</a:t>
+            </a:r>
+            <a:r>
+              <a:rPr lang="de-CH" sz="2200" dirty="0">
+                <a:sym typeface="Wingdings" panose="05000000000000000000" pitchFamily="2" charset="2"/>
+              </a:rPr>
+              <a:t> </a:t>
+            </a:r>
+            <a:r>
+              <a:rPr lang="de-CH" sz="2200" dirty="0" err="1">
+                <a:sym typeface="Wingdings" panose="05000000000000000000" pitchFamily="2" charset="2"/>
+              </a:rPr>
+              <a:t>does</a:t>
+            </a:r>
+            <a:r>
+              <a:rPr lang="de-CH" sz="2200" dirty="0">
+                <a:sym typeface="Wingdings" panose="05000000000000000000" pitchFamily="2" charset="2"/>
+              </a:rPr>
+              <a:t> </a:t>
+            </a:r>
+            <a:r>
+              <a:rPr lang="de-CH" sz="2200" dirty="0" err="1">
+                <a:sym typeface="Wingdings" panose="05000000000000000000" pitchFamily="2" charset="2"/>
+              </a:rPr>
+              <a:t>better</a:t>
+            </a:r>
+            <a:endParaRPr lang="de-CH" sz="2200" dirty="0">
+              <a:sym typeface="Wingdings" panose="05000000000000000000" pitchFamily="2" charset="2"/>
+            </a:endParaRPr>
+          </a:p>
+          <a:p>
+            <a:endParaRPr lang="de-CH" sz="2200" dirty="0">
+              <a:sym typeface="Wingdings" panose="05000000000000000000" pitchFamily="2" charset="2"/>
+            </a:endParaRPr>
+          </a:p>
+          <a:p>
+            <a:pPr marL="0" indent="0">
+              <a:buNone/>
+            </a:pPr>
+            <a:endParaRPr lang="en-US" sz="2000" dirty="0"/>
+          </a:p>
+          <a:p>
+            <a:pPr marL="0" indent="0">
+              <a:buNone/>
+            </a:pPr>
+            <a:r>
+              <a:rPr lang="en-US" sz="2000" dirty="0"/>
               <a:t>Sophie </a:t>
             </a:r>
             <a:r>
-              <a:rPr lang="en-US" sz="1100" dirty="0" err="1"/>
+              <a:rPr lang="en-US" sz="2000" dirty="0" err="1"/>
               <a:t>Maisnier</a:t>
             </a:r>
             <a:r>
-              <a:rPr lang="en-US" sz="1100" dirty="0"/>
+              <a:rPr lang="en-US" sz="2000" dirty="0"/>
               <a:t>-Patin, Dan I Andersson, Adaptation to the deleterious effects of antimicrobial drug resistance mutations by compensatory evolution, Research in Microbiology, Volume 155, Issue 5, 2004, Pages 360-369, ISSN 0923-2508, (</a:t>
             </a:r>
             <a:r>
-              <a:rPr lang="en-US" sz="1100" dirty="0">
+              <a:rPr lang="en-US" sz="2000" dirty="0">
                 <a:hlinkClick r:id="rId3"/>
               </a:rPr>
               <a:t>https://www.sciencedirect.com/science/article/pii/S0923250804000683</a:t>
             </a:r>
             <a:r>
-              <a:rPr lang="en-US" sz="1100" dirty="0"/>
+              <a:rPr lang="en-US" sz="2000" dirty="0"/>
               <a:t>) </a:t>
             </a:r>
           </a:p>
@@ -11716,501 +12231,7 @@
             <a:pPr marL="0" indent="0">
               <a:buNone/>
             </a:pPr>
-            <a:r>
-              <a:rPr lang="de-CH" sz="2000" dirty="0" err="1"/>
-              <a:t>Similarities</a:t>
-            </a:r>
-            <a:r>
-              <a:rPr lang="de-CH" sz="2000" dirty="0"/>
-              <a:t>:</a:t>
-            </a:r>
-          </a:p>
-          <a:p>
-            <a:r>
-              <a:rPr lang="de-CH" sz="2000" dirty="0"/>
-              <a:t>Resistance </a:t>
-            </a:r>
-            <a:r>
-              <a:rPr lang="de-CH" sz="2000" dirty="0" err="1"/>
-              <a:t>to</a:t>
-            </a:r>
-            <a:r>
-              <a:rPr lang="de-CH" sz="2000" dirty="0"/>
-              <a:t> </a:t>
-            </a:r>
-            <a:r>
-              <a:rPr lang="de-CH" sz="2000" dirty="0" err="1"/>
-              <a:t>antimicrobial</a:t>
-            </a:r>
-            <a:r>
-              <a:rPr lang="de-CH" sz="2000" dirty="0"/>
-              <a:t> </a:t>
-            </a:r>
-            <a:r>
-              <a:rPr lang="de-CH" sz="2000" dirty="0" err="1"/>
-              <a:t>drugs</a:t>
-            </a:r>
-            <a:r>
-              <a:rPr lang="de-CH" sz="2000" dirty="0"/>
-              <a:t> </a:t>
-            </a:r>
-            <a:r>
-              <a:rPr lang="de-CH" sz="2000" dirty="0" err="1"/>
-              <a:t>comes</a:t>
-            </a:r>
-            <a:r>
-              <a:rPr lang="de-CH" sz="2000" dirty="0"/>
-              <a:t> with </a:t>
-            </a:r>
-            <a:r>
-              <a:rPr lang="de-CH" sz="2000" dirty="0" err="1"/>
-              <a:t>fitness</a:t>
-            </a:r>
-            <a:r>
-              <a:rPr lang="de-CH" sz="2000" dirty="0"/>
-              <a:t> </a:t>
-            </a:r>
-            <a:r>
-              <a:rPr lang="de-CH" sz="2000" dirty="0" err="1"/>
-              <a:t>costs</a:t>
-            </a:r>
-            <a:endParaRPr lang="de-CH" sz="2000" dirty="0"/>
-          </a:p>
-          <a:p>
-            <a:r>
-              <a:rPr lang="de-CH" sz="2000" dirty="0" err="1"/>
-              <a:t>Mutations</a:t>
-            </a:r>
-            <a:r>
-              <a:rPr lang="de-CH" sz="2000" dirty="0"/>
-              <a:t> </a:t>
-            </a:r>
-            <a:r>
-              <a:rPr lang="de-CH" sz="2000" dirty="0" err="1"/>
-              <a:t>as</a:t>
-            </a:r>
-            <a:r>
-              <a:rPr lang="de-CH" sz="2000" dirty="0"/>
-              <a:t> a </a:t>
-            </a:r>
-            <a:r>
-              <a:rPr lang="de-CH" sz="2000" dirty="0" err="1"/>
-              <a:t>way</a:t>
-            </a:r>
-            <a:r>
-              <a:rPr lang="de-CH" sz="2000" dirty="0"/>
-              <a:t> </a:t>
-            </a:r>
-            <a:r>
-              <a:rPr lang="de-CH" sz="2000" dirty="0" err="1"/>
-              <a:t>to</a:t>
-            </a:r>
-            <a:r>
-              <a:rPr lang="de-CH" sz="2000" dirty="0"/>
-              <a:t> </a:t>
-            </a:r>
-            <a:r>
-              <a:rPr lang="de-CH" sz="2000" dirty="0" err="1"/>
-              <a:t>mask</a:t>
-            </a:r>
-            <a:r>
-              <a:rPr lang="de-CH" sz="2000" dirty="0"/>
-              <a:t> </a:t>
-            </a:r>
-            <a:r>
-              <a:rPr lang="de-CH" sz="2000" dirty="0" err="1"/>
-              <a:t>effect</a:t>
-            </a:r>
-            <a:r>
-              <a:rPr lang="de-CH" sz="2000" dirty="0"/>
-              <a:t> </a:t>
-            </a:r>
-            <a:r>
-              <a:rPr lang="de-CH" sz="2000" dirty="0" err="1"/>
-              <a:t>of</a:t>
-            </a:r>
-            <a:r>
-              <a:rPr lang="de-CH" sz="2000" dirty="0"/>
-              <a:t> </a:t>
-            </a:r>
-            <a:r>
-              <a:rPr lang="de-CH" sz="2000" dirty="0" err="1"/>
-              <a:t>deleterious</a:t>
-            </a:r>
-            <a:r>
-              <a:rPr lang="de-CH" sz="2000" dirty="0"/>
-              <a:t> </a:t>
-            </a:r>
-            <a:r>
-              <a:rPr lang="de-CH" sz="2000" dirty="0" err="1"/>
-              <a:t>effects</a:t>
-            </a:r>
-            <a:r>
-              <a:rPr lang="de-CH" sz="2000" dirty="0" err="1">
-                <a:sym typeface="Wingdings" panose="05000000000000000000" pitchFamily="2" charset="2"/>
-              </a:rPr>
-              <a:t>important</a:t>
-            </a:r>
-            <a:r>
-              <a:rPr lang="de-CH" sz="2000" dirty="0">
-                <a:sym typeface="Wingdings" panose="05000000000000000000" pitchFamily="2" charset="2"/>
-              </a:rPr>
-              <a:t> </a:t>
-            </a:r>
-            <a:r>
-              <a:rPr lang="de-CH" sz="2000" dirty="0" err="1">
-                <a:sym typeface="Wingdings" panose="05000000000000000000" pitchFamily="2" charset="2"/>
-              </a:rPr>
-              <a:t>for</a:t>
-            </a:r>
-            <a:r>
-              <a:rPr lang="de-CH" sz="2000" dirty="0">
-                <a:sym typeface="Wingdings" panose="05000000000000000000" pitchFamily="2" charset="2"/>
-              </a:rPr>
-              <a:t> </a:t>
-            </a:r>
-            <a:r>
-              <a:rPr lang="de-CH" sz="2000" dirty="0" err="1">
-                <a:sym typeface="Wingdings" panose="05000000000000000000" pitchFamily="2" charset="2"/>
-              </a:rPr>
-              <a:t>adaptation</a:t>
-            </a:r>
-            <a:r>
-              <a:rPr lang="de-CH" sz="2000" dirty="0">
-                <a:sym typeface="Wingdings" panose="05000000000000000000" pitchFamily="2" charset="2"/>
-              </a:rPr>
-              <a:t>/</a:t>
-            </a:r>
-            <a:r>
-              <a:rPr lang="de-CH" sz="2000" dirty="0" err="1">
-                <a:sym typeface="Wingdings" panose="05000000000000000000" pitchFamily="2" charset="2"/>
-              </a:rPr>
-              <a:t>evolution</a:t>
-            </a:r>
             <a:endParaRPr lang="de-CH" sz="2000" dirty="0">
-              <a:sym typeface="Wingdings" panose="05000000000000000000" pitchFamily="2" charset="2"/>
-            </a:endParaRPr>
-          </a:p>
-          <a:p>
-            <a:r>
-              <a:rPr lang="de-CH" sz="2000" dirty="0">
-                <a:sym typeface="Wingdings" panose="05000000000000000000" pitchFamily="2" charset="2"/>
-              </a:rPr>
-              <a:t>Haploid, </a:t>
-            </a:r>
-            <a:r>
-              <a:rPr lang="de-CH" sz="2000" dirty="0" err="1">
-                <a:sym typeface="Wingdings" panose="05000000000000000000" pitchFamily="2" charset="2"/>
-              </a:rPr>
-              <a:t>asexuall</a:t>
-            </a:r>
-            <a:r>
-              <a:rPr lang="de-CH" sz="2000" dirty="0">
-                <a:sym typeface="Wingdings" panose="05000000000000000000" pitchFamily="2" charset="2"/>
-              </a:rPr>
-              <a:t> </a:t>
-            </a:r>
-            <a:r>
-              <a:rPr lang="de-CH" sz="2000" dirty="0" err="1">
-                <a:sym typeface="Wingdings" panose="05000000000000000000" pitchFamily="2" charset="2"/>
-              </a:rPr>
-              <a:t>populations</a:t>
-            </a:r>
-            <a:endParaRPr lang="de-CH" sz="2000" dirty="0">
-              <a:sym typeface="Wingdings" panose="05000000000000000000" pitchFamily="2" charset="2"/>
-            </a:endParaRPr>
-          </a:p>
-          <a:p>
-            <a:pPr marL="0" indent="0">
-              <a:buNone/>
-            </a:pPr>
-            <a:r>
-              <a:rPr lang="de-CH" sz="2000" dirty="0" err="1">
-                <a:sym typeface="Wingdings" panose="05000000000000000000" pitchFamily="2" charset="2"/>
-              </a:rPr>
-              <a:t>Limitations</a:t>
-            </a:r>
-            <a:r>
-              <a:rPr lang="de-CH" sz="2000" dirty="0">
-                <a:sym typeface="Wingdings" panose="05000000000000000000" pitchFamily="2" charset="2"/>
-              </a:rPr>
-              <a:t>:</a:t>
-            </a:r>
-          </a:p>
-          <a:p>
-            <a:r>
-              <a:rPr lang="de-CH" sz="2000" dirty="0">
-                <a:sym typeface="Wingdings" panose="05000000000000000000" pitchFamily="2" charset="2"/>
-              </a:rPr>
-              <a:t>Models still </a:t>
-            </a:r>
-            <a:r>
-              <a:rPr lang="de-CH" sz="2000" dirty="0" err="1">
-                <a:sym typeface="Wingdings" panose="05000000000000000000" pitchFamily="2" charset="2"/>
-              </a:rPr>
-              <a:t>are</a:t>
-            </a:r>
-            <a:r>
-              <a:rPr lang="de-CH" sz="2000" dirty="0">
-                <a:sym typeface="Wingdings" panose="05000000000000000000" pitchFamily="2" charset="2"/>
-              </a:rPr>
-              <a:t> different: </a:t>
-            </a:r>
-            <a:r>
-              <a:rPr lang="de-CH" sz="2000" dirty="0" err="1">
-                <a:sym typeface="Wingdings" panose="05000000000000000000" pitchFamily="2" charset="2"/>
-              </a:rPr>
-              <a:t>no</a:t>
-            </a:r>
-            <a:r>
-              <a:rPr lang="de-CH" sz="2000" dirty="0">
-                <a:sym typeface="Wingdings" panose="05000000000000000000" pitchFamily="2" charset="2"/>
-              </a:rPr>
-              <a:t> </a:t>
-            </a:r>
-            <a:r>
-              <a:rPr lang="de-CH" sz="2000" dirty="0" err="1">
-                <a:sym typeface="Wingdings" panose="05000000000000000000" pitchFamily="2" charset="2"/>
-              </a:rPr>
-              <a:t>use</a:t>
-            </a:r>
-            <a:r>
-              <a:rPr lang="de-CH" sz="2000" dirty="0">
-                <a:sym typeface="Wingdings" panose="05000000000000000000" pitchFamily="2" charset="2"/>
-              </a:rPr>
-              <a:t> </a:t>
-            </a:r>
-            <a:r>
-              <a:rPr lang="de-CH" sz="2000" dirty="0" err="1">
-                <a:sym typeface="Wingdings" panose="05000000000000000000" pitchFamily="2" charset="2"/>
-              </a:rPr>
-              <a:t>of</a:t>
-            </a:r>
-            <a:r>
-              <a:rPr lang="de-CH" sz="2000" dirty="0">
-                <a:sym typeface="Wingdings" panose="05000000000000000000" pitchFamily="2" charset="2"/>
-              </a:rPr>
-              <a:t> </a:t>
-            </a:r>
-            <a:r>
-              <a:rPr lang="de-CH" sz="2000" dirty="0" err="1">
-                <a:sym typeface="Wingdings" panose="05000000000000000000" pitchFamily="2" charset="2"/>
-              </a:rPr>
-              <a:t>exactly</a:t>
-            </a:r>
-            <a:r>
-              <a:rPr lang="de-CH" sz="2000" dirty="0">
-                <a:sym typeface="Wingdings" panose="05000000000000000000" pitchFamily="2" charset="2"/>
-              </a:rPr>
-              <a:t> 2 </a:t>
-            </a:r>
-            <a:r>
-              <a:rPr lang="de-CH" sz="2000" dirty="0" err="1">
-                <a:sym typeface="Wingdings" panose="05000000000000000000" pitchFamily="2" charset="2"/>
-              </a:rPr>
-              <a:t>deleterious</a:t>
-            </a:r>
-            <a:r>
-              <a:rPr lang="de-CH" sz="2000" dirty="0">
-                <a:sym typeface="Wingdings" panose="05000000000000000000" pitchFamily="2" charset="2"/>
-              </a:rPr>
-              <a:t> </a:t>
-            </a:r>
-            <a:r>
-              <a:rPr lang="de-CH" sz="2000" dirty="0" err="1">
-                <a:sym typeface="Wingdings" panose="05000000000000000000" pitchFamily="2" charset="2"/>
-              </a:rPr>
-              <a:t>mutations</a:t>
-            </a:r>
-            <a:r>
-              <a:rPr lang="de-CH" sz="2000" dirty="0">
-                <a:sym typeface="Wingdings" panose="05000000000000000000" pitchFamily="2" charset="2"/>
-              </a:rPr>
-              <a:t> </a:t>
-            </a:r>
-            <a:r>
-              <a:rPr lang="de-CH" sz="2000" dirty="0" err="1">
-                <a:sym typeface="Wingdings" panose="05000000000000000000" pitchFamily="2" charset="2"/>
-              </a:rPr>
-              <a:t>which</a:t>
-            </a:r>
-            <a:r>
-              <a:rPr lang="de-CH" sz="2000" dirty="0">
-                <a:sym typeface="Wingdings" panose="05000000000000000000" pitchFamily="2" charset="2"/>
-              </a:rPr>
-              <a:t> </a:t>
-            </a:r>
-            <a:r>
-              <a:rPr lang="de-CH" sz="2000" dirty="0" err="1">
-                <a:sym typeface="Wingdings" panose="05000000000000000000" pitchFamily="2" charset="2"/>
-              </a:rPr>
-              <a:t>mutate</a:t>
-            </a:r>
-            <a:r>
-              <a:rPr lang="de-CH" sz="2000" dirty="0">
-                <a:sym typeface="Wingdings" panose="05000000000000000000" pitchFamily="2" charset="2"/>
-              </a:rPr>
-              <a:t>, </a:t>
-            </a:r>
-            <a:r>
-              <a:rPr lang="de-CH" sz="2000" dirty="0" err="1">
-                <a:sym typeface="Wingdings" panose="05000000000000000000" pitchFamily="2" charset="2"/>
-              </a:rPr>
-              <a:t>including</a:t>
-            </a:r>
-            <a:r>
-              <a:rPr lang="de-CH" sz="2000" dirty="0">
-                <a:sym typeface="Wingdings" panose="05000000000000000000" pitchFamily="2" charset="2"/>
-              </a:rPr>
-              <a:t> back </a:t>
-            </a:r>
-            <a:r>
-              <a:rPr lang="de-CH" sz="2000" dirty="0" err="1">
-                <a:sym typeface="Wingdings" panose="05000000000000000000" pitchFamily="2" charset="2"/>
-              </a:rPr>
-              <a:t>mutations</a:t>
-            </a:r>
-            <a:r>
-              <a:rPr lang="de-CH" sz="2000" dirty="0">
-                <a:sym typeface="Wingdings" panose="05000000000000000000" pitchFamily="2" charset="2"/>
-              </a:rPr>
-              <a:t> </a:t>
-            </a:r>
-          </a:p>
-          <a:p>
-            <a:r>
-              <a:rPr lang="de-CH" sz="2000" dirty="0">
-                <a:sym typeface="Wingdings" panose="05000000000000000000" pitchFamily="2" charset="2"/>
-              </a:rPr>
-              <a:t>Can not </a:t>
-            </a:r>
-            <a:r>
-              <a:rPr lang="de-CH" sz="2000" dirty="0" err="1">
-                <a:sym typeface="Wingdings" panose="05000000000000000000" pitchFamily="2" charset="2"/>
-              </a:rPr>
-              <a:t>really</a:t>
-            </a:r>
-            <a:r>
-              <a:rPr lang="de-CH" sz="2000" dirty="0">
-                <a:sym typeface="Wingdings" panose="05000000000000000000" pitchFamily="2" charset="2"/>
-              </a:rPr>
-              <a:t> </a:t>
-            </a:r>
-            <a:r>
-              <a:rPr lang="de-CH" sz="2000" dirty="0" err="1">
-                <a:sym typeface="Wingdings" panose="05000000000000000000" pitchFamily="2" charset="2"/>
-              </a:rPr>
-              <a:t>confirm</a:t>
-            </a:r>
-            <a:r>
-              <a:rPr lang="de-CH" sz="2000" dirty="0">
-                <a:sym typeface="Wingdings" panose="05000000000000000000" pitchFamily="2" charset="2"/>
-              </a:rPr>
-              <a:t> </a:t>
-            </a:r>
-            <a:r>
-              <a:rPr lang="de-CH" sz="2000" dirty="0" err="1">
-                <a:sym typeface="Wingdings" panose="05000000000000000000" pitchFamily="2" charset="2"/>
-              </a:rPr>
-              <a:t>or</a:t>
-            </a:r>
-            <a:r>
-              <a:rPr lang="de-CH" sz="2000" dirty="0">
-                <a:sym typeface="Wingdings" panose="05000000000000000000" pitchFamily="2" charset="2"/>
-              </a:rPr>
-              <a:t> </a:t>
-            </a:r>
-            <a:r>
-              <a:rPr lang="de-CH" sz="2000" dirty="0" err="1">
-                <a:sym typeface="Wingdings" panose="05000000000000000000" pitchFamily="2" charset="2"/>
-              </a:rPr>
-              <a:t>disprove</a:t>
-            </a:r>
-            <a:r>
-              <a:rPr lang="de-CH" sz="2000" dirty="0">
-                <a:sym typeface="Wingdings" panose="05000000000000000000" pitchFamily="2" charset="2"/>
-              </a:rPr>
-              <a:t> </a:t>
-            </a:r>
-            <a:r>
-              <a:rPr lang="de-CH" sz="2000" dirty="0" err="1">
-                <a:sym typeface="Wingdings" panose="05000000000000000000" pitchFamily="2" charset="2"/>
-              </a:rPr>
-              <a:t>our</a:t>
-            </a:r>
-            <a:r>
-              <a:rPr lang="de-CH" sz="2000" dirty="0">
-                <a:sym typeface="Wingdings" panose="05000000000000000000" pitchFamily="2" charset="2"/>
-              </a:rPr>
-              <a:t> </a:t>
-            </a:r>
-            <a:r>
-              <a:rPr lang="de-CH" sz="2000" dirty="0" err="1">
-                <a:sym typeface="Wingdings" panose="05000000000000000000" pitchFamily="2" charset="2"/>
-              </a:rPr>
-              <a:t>results</a:t>
-            </a:r>
-            <a:r>
-              <a:rPr lang="de-CH" sz="2000" dirty="0">
-                <a:sym typeface="Wingdings" panose="05000000000000000000" pitchFamily="2" charset="2"/>
-              </a:rPr>
-              <a:t> </a:t>
-            </a:r>
-            <a:r>
-              <a:rPr lang="de-CH" sz="2000" dirty="0" err="1">
-                <a:sym typeface="Wingdings" panose="05000000000000000000" pitchFamily="2" charset="2"/>
-              </a:rPr>
-              <a:t>that</a:t>
-            </a:r>
-            <a:r>
-              <a:rPr lang="de-CH" sz="2000" dirty="0">
-                <a:sym typeface="Wingdings" panose="05000000000000000000" pitchFamily="2" charset="2"/>
-              </a:rPr>
-              <a:t> </a:t>
-            </a:r>
-            <a:r>
-              <a:rPr lang="de-CH" sz="2000" dirty="0" err="1">
-                <a:sym typeface="Wingdings" panose="05000000000000000000" pitchFamily="2" charset="2"/>
-              </a:rPr>
-              <a:t>the</a:t>
-            </a:r>
-            <a:r>
-              <a:rPr lang="de-CH" sz="2000" dirty="0">
-                <a:sym typeface="Wingdings" panose="05000000000000000000" pitchFamily="2" charset="2"/>
-              </a:rPr>
-              <a:t> strong </a:t>
-            </a:r>
-            <a:r>
-              <a:rPr lang="de-CH" sz="2000" dirty="0" err="1">
-                <a:sym typeface="Wingdings" panose="05000000000000000000" pitchFamily="2" charset="2"/>
-              </a:rPr>
-              <a:t>mutation</a:t>
-            </a:r>
-            <a:r>
-              <a:rPr lang="de-CH" sz="2000" dirty="0">
-                <a:sym typeface="Wingdings" panose="05000000000000000000" pitchFamily="2" charset="2"/>
-              </a:rPr>
-              <a:t> </a:t>
-            </a:r>
-            <a:r>
-              <a:rPr lang="de-CH" sz="2000" dirty="0" err="1">
-                <a:sym typeface="Wingdings" panose="05000000000000000000" pitchFamily="2" charset="2"/>
-              </a:rPr>
-              <a:t>does</a:t>
-            </a:r>
-            <a:r>
-              <a:rPr lang="de-CH" sz="2000" dirty="0">
-                <a:sym typeface="Wingdings" panose="05000000000000000000" pitchFamily="2" charset="2"/>
-              </a:rPr>
-              <a:t> </a:t>
-            </a:r>
-            <a:r>
-              <a:rPr lang="de-CH" sz="2000" dirty="0" err="1">
-                <a:sym typeface="Wingdings" panose="05000000000000000000" pitchFamily="2" charset="2"/>
-              </a:rPr>
-              <a:t>better</a:t>
-            </a:r>
-            <a:endParaRPr lang="de-CH" sz="2000">
               <a:sym typeface="Wingdings" panose="05000000000000000000" pitchFamily="2" charset="2"/>
             </a:endParaRPr>
           </a:p>

--- a/THEE_project.pptx
+++ b/THEE_project.pptx
@@ -10643,8 +10643,8 @@
         </p:nvSpPr>
         <p:spPr>
           <a:xfrm>
-            <a:off x="838201" y="1931763"/>
-            <a:ext cx="3611880" cy="830997"/>
+            <a:off x="478971" y="1931764"/>
+            <a:ext cx="2950029" cy="1200329"/>
           </a:xfrm>
           <a:prstGeom prst="rect">
             <a:avLst/>
@@ -12940,7 +12940,7 @@
             </a:pPr>
             <a:r>
               <a:rPr lang="en-GB" dirty="0" err="1"/>
-              <a:t>Init_wd</a:t>
+              <a:t>init_wd</a:t>
             </a:r>
             <a:r>
               <a:rPr lang="en-GB" dirty="0"/>
@@ -12988,7 +12988,7 @@
             </a:pPr>
             <a:r>
               <a:rPr lang="en-GB" dirty="0" err="1"/>
-              <a:t>Decay_rate_sm</a:t>
+              <a:t>decay_rate_sm</a:t>
             </a:r>
             <a:endParaRPr lang="en-GB" dirty="0"/>
           </a:p>
@@ -13000,7 +13000,7 @@
             </a:pPr>
             <a:r>
               <a:rPr lang="en-GB" dirty="0" err="1"/>
-              <a:t>S_wm</a:t>
+              <a:t>s_wm</a:t>
             </a:r>
             <a:r>
               <a:rPr lang="en-GB" dirty="0"/>
@@ -13015,19 +13015,11 @@
             </a:pPr>
             <a:r>
               <a:rPr lang="en-GB" dirty="0" err="1"/>
-              <a:t>S_sm</a:t>
+              <a:t>s_sm</a:t>
             </a:r>
             <a:r>
               <a:rPr lang="en-GB" dirty="0"/>
-              <a:t>: selective </a:t>
-            </a:r>
-            <a:r>
-              <a:rPr lang="en-GB" dirty="0" err="1"/>
-              <a:t>strengthof</a:t>
-            </a:r>
-            <a:r>
-              <a:rPr lang="en-GB" dirty="0"/>
-              <a:t> strong mutation</a:t>
+              <a:t>: selective strength of strong mutation</a:t>
             </a:r>
           </a:p>
           <a:p>

--- a/THEE_project.pptx
+++ b/THEE_project.pptx
@@ -11092,8 +11092,8 @@
         </p:blipFill>
         <p:spPr>
           <a:xfrm>
-            <a:off x="0" y="2569028"/>
-            <a:ext cx="6252463" cy="3876527"/>
+            <a:off x="0" y="2569029"/>
+            <a:ext cx="6096000" cy="3779520"/>
           </a:xfrm>
           <a:prstGeom prst="rect">
             <a:avLst/>
@@ -11124,7 +11124,7 @@
         </p:blipFill>
         <p:spPr>
           <a:xfrm>
-            <a:off x="5917835" y="2569028"/>
+            <a:off x="5851734" y="2569028"/>
             <a:ext cx="6001270" cy="3675778"/>
           </a:xfrm>
           <a:prstGeom prst="rect">
@@ -12851,7 +12851,12 @@
             <p:ph type="title"/>
           </p:nvPr>
         </p:nvSpPr>
-        <p:spPr/>
+        <p:spPr>
+          <a:xfrm>
+            <a:off x="838200" y="111737"/>
+            <a:ext cx="10515600" cy="1325563"/>
+          </a:xfrm>
+        </p:spPr>
         <p:txBody>
           <a:bodyPr>
             <a:normAutofit fontScale="90000"/>
@@ -12869,184 +12874,1000 @@
           </a:p>
         </p:txBody>
       </p:sp>
-      <p:sp>
-        <p:nvSpPr>
-          <p:cNvPr id="5" name="Content Placeholder 4">
+      <p:graphicFrame>
+        <p:nvGraphicFramePr>
+          <p:cNvPr id="2" name="Table 1">
             <a:extLst>
               <a:ext uri="{FF2B5EF4-FFF2-40B4-BE49-F238E27FC236}">
-                <a16:creationId xmlns:a16="http://schemas.microsoft.com/office/drawing/2014/main" id="{DCEB1593-B8DA-FBE3-6E4C-1F8D57A2CBA1}"/>
+                <a16:creationId xmlns:a16="http://schemas.microsoft.com/office/drawing/2014/main" id="{2BA2DE82-A276-691C-0C8F-FDBCA4124F1F}"/>
               </a:ext>
             </a:extLst>
           </p:cNvPr>
-          <p:cNvSpPr>
-            <a:spLocks noGrp="1"/>
-          </p:cNvSpPr>
+          <p:cNvGraphicFramePr>
+            <a:graphicFrameLocks noGrp="1"/>
+          </p:cNvGraphicFramePr>
           <p:nvPr>
-            <p:ph idx="1"/>
+            <p:extLst>
+              <p:ext uri="{D42A27DB-BD31-4B8C-83A1-F6EECF244321}">
+                <p14:modId xmlns:p14="http://schemas.microsoft.com/office/powerpoint/2010/main" val="3881768923"/>
+              </p:ext>
+            </p:extLst>
           </p:nvPr>
-        </p:nvSpPr>
-        <p:spPr>
-          <a:xfrm>
-            <a:off x="838200" y="1317170"/>
-            <a:ext cx="10515600" cy="5420513"/>
-          </a:xfrm>
-        </p:spPr>
-        <p:txBody>
-          <a:bodyPr>
-            <a:normAutofit/>
-          </a:bodyPr>
-          <a:lstStyle/>
-          <a:p>
-            <a:pPr>
-              <a:lnSpc>
-                <a:spcPct val="150000"/>
-              </a:lnSpc>
-            </a:pPr>
-            <a:r>
-              <a:rPr lang="en-GB" dirty="0" err="1"/>
-              <a:t>N_end_wd</a:t>
-            </a:r>
-            <a:r>
-              <a:rPr lang="en-GB" dirty="0"/>
-              <a:t>, </a:t>
-            </a:r>
-            <a:r>
-              <a:rPr lang="en-GB" dirty="0" err="1"/>
-              <a:t>N_end_wb</a:t>
-            </a:r>
-            <a:r>
-              <a:rPr lang="en-GB" dirty="0"/>
-              <a:t>, </a:t>
-            </a:r>
-            <a:r>
-              <a:rPr lang="en-GB" dirty="0" err="1"/>
-              <a:t>N_end_sd</a:t>
-            </a:r>
-            <a:r>
-              <a:rPr lang="en-GB" dirty="0"/>
-              <a:t>, </a:t>
-            </a:r>
-            <a:r>
-              <a:rPr lang="en-GB" dirty="0" err="1"/>
-              <a:t>N_end_sb</a:t>
-            </a:r>
-            <a:endParaRPr lang="en-GB" dirty="0"/>
-          </a:p>
-          <a:p>
-            <a:pPr>
-              <a:lnSpc>
-                <a:spcPct val="150000"/>
-              </a:lnSpc>
-            </a:pPr>
-            <a:r>
-              <a:rPr lang="en-GB" dirty="0" err="1"/>
-              <a:t>init_wd</a:t>
-            </a:r>
-            <a:r>
-              <a:rPr lang="en-GB" dirty="0"/>
-              <a:t>, </a:t>
-            </a:r>
-            <a:r>
-              <a:rPr lang="en-GB" dirty="0" err="1"/>
-              <a:t>init_wb</a:t>
-            </a:r>
-            <a:r>
-              <a:rPr lang="en-GB" dirty="0"/>
-              <a:t>, </a:t>
-            </a:r>
-            <a:r>
-              <a:rPr lang="en-GB" dirty="0" err="1"/>
-              <a:t>init_sd</a:t>
-            </a:r>
-            <a:r>
-              <a:rPr lang="en-GB" dirty="0"/>
-              <a:t>, </a:t>
-            </a:r>
-            <a:r>
-              <a:rPr lang="en-GB" dirty="0" err="1"/>
-              <a:t>init_sb</a:t>
-            </a:r>
-            <a:endParaRPr lang="en-GB" dirty="0"/>
-          </a:p>
-          <a:p>
-            <a:pPr>
-              <a:lnSpc>
-                <a:spcPct val="150000"/>
-              </a:lnSpc>
-            </a:pPr>
-            <a:r>
-              <a:rPr lang="en-GB" dirty="0" err="1"/>
-              <a:t>decay_rate_wm</a:t>
-            </a:r>
-            <a:endParaRPr lang="en-GB" dirty="0"/>
-          </a:p>
-          <a:p>
-            <a:pPr>
-              <a:lnSpc>
-                <a:spcPct val="150000"/>
-              </a:lnSpc>
-            </a:pPr>
-            <a:r>
-              <a:rPr lang="en-GB" dirty="0" err="1"/>
-              <a:t>decay_rate_sm</a:t>
-            </a:r>
-            <a:endParaRPr lang="en-GB" dirty="0"/>
-          </a:p>
-          <a:p>
-            <a:pPr>
-              <a:lnSpc>
-                <a:spcPct val="150000"/>
-              </a:lnSpc>
-            </a:pPr>
-            <a:r>
-              <a:rPr lang="en-GB" dirty="0" err="1"/>
-              <a:t>s_wm</a:t>
-            </a:r>
-            <a:r>
-              <a:rPr lang="en-GB" dirty="0"/>
-              <a:t>: selective strength of weak mutation</a:t>
-            </a:r>
-          </a:p>
-          <a:p>
-            <a:pPr>
-              <a:lnSpc>
-                <a:spcPct val="150000"/>
-              </a:lnSpc>
-            </a:pPr>
-            <a:r>
-              <a:rPr lang="en-GB" dirty="0" err="1"/>
-              <a:t>s_sm</a:t>
-            </a:r>
-            <a:r>
-              <a:rPr lang="en-GB" dirty="0"/>
-              <a:t>: selective strength of strong mutation</a:t>
-            </a:r>
-          </a:p>
-          <a:p>
-            <a:pPr>
-              <a:lnSpc>
-                <a:spcPct val="150000"/>
-              </a:lnSpc>
-            </a:pPr>
-            <a:r>
-              <a:rPr lang="en-GB" dirty="0" err="1"/>
-              <a:t>m_rate_wm</a:t>
-            </a:r>
-            <a:r>
-              <a:rPr lang="en-GB" dirty="0"/>
-              <a:t>, </a:t>
-            </a:r>
-            <a:r>
-              <a:rPr lang="en-GB" dirty="0" err="1"/>
-              <a:t>m_rate_sm</a:t>
-            </a:r>
-            <a:endParaRPr lang="en-GB" dirty="0"/>
-          </a:p>
-          <a:p>
-            <a:endParaRPr lang="en-GB" dirty="0"/>
-          </a:p>
-        </p:txBody>
-      </p:sp>
+        </p:nvGraphicFramePr>
+        <p:xfrm>
+          <a:off x="2170323" y="961918"/>
+          <a:ext cx="7436386" cy="5486400"/>
+        </p:xfrm>
+        <a:graphic>
+          <a:graphicData uri="http://schemas.openxmlformats.org/drawingml/2006/table">
+            <a:tbl>
+              <a:tblPr firstRow="1" bandRow="1">
+                <a:tableStyleId>{5C22544A-7EE6-4342-B048-85BDC9FD1C3A}</a:tableStyleId>
+              </a:tblPr>
+              <a:tblGrid>
+                <a:gridCol w="2358934">
+                  <a:extLst>
+                    <a:ext uri="{9D8B030D-6E8A-4147-A177-3AD203B41FA5}">
+                      <a16:colId xmlns:a16="http://schemas.microsoft.com/office/drawing/2014/main" val="3490380615"/>
+                    </a:ext>
+                  </a:extLst>
+                </a:gridCol>
+                <a:gridCol w="2463756">
+                  <a:extLst>
+                    <a:ext uri="{9D8B030D-6E8A-4147-A177-3AD203B41FA5}">
+                      <a16:colId xmlns:a16="http://schemas.microsoft.com/office/drawing/2014/main" val="4251304122"/>
+                    </a:ext>
+                  </a:extLst>
+                </a:gridCol>
+                <a:gridCol w="2613696">
+                  <a:extLst>
+                    <a:ext uri="{9D8B030D-6E8A-4147-A177-3AD203B41FA5}">
+                      <a16:colId xmlns:a16="http://schemas.microsoft.com/office/drawing/2014/main" val="2948428968"/>
+                    </a:ext>
+                  </a:extLst>
+                </a:gridCol>
+              </a:tblGrid>
+              <a:tr h="156326">
+                <a:tc>
+                  <a:txBody>
+                    <a:bodyPr/>
+                    <a:lstStyle/>
+                    <a:p>
+                      <a:r>
+                        <a:rPr lang="de-CH" dirty="0"/>
+                        <a:t>Parameter/Variable</a:t>
+                      </a:r>
+                    </a:p>
+                  </a:txBody>
+                  <a:tcPr>
+                    <a:solidFill>
+                      <a:srgbClr val="D87C44"/>
+                    </a:solidFill>
+                  </a:tcPr>
+                </a:tc>
+                <a:tc>
+                  <a:txBody>
+                    <a:bodyPr/>
+                    <a:lstStyle/>
+                    <a:p>
+                      <a:r>
+                        <a:rPr lang="de-CH" dirty="0"/>
+                        <a:t>Description</a:t>
+                      </a:r>
+                    </a:p>
+                  </a:txBody>
+                  <a:tcPr>
+                    <a:solidFill>
+                      <a:srgbClr val="D87C44"/>
+                    </a:solidFill>
+                  </a:tcPr>
+                </a:tc>
+                <a:tc>
+                  <a:txBody>
+                    <a:bodyPr/>
+                    <a:lstStyle/>
+                    <a:p>
+                      <a:r>
+                        <a:rPr lang="de-CH" dirty="0" err="1"/>
+                        <a:t>Manipulated</a:t>
+                      </a:r>
+                      <a:endParaRPr lang="de-CH" dirty="0"/>
+                    </a:p>
+                  </a:txBody>
+                  <a:tcPr>
+                    <a:solidFill>
+                      <a:srgbClr val="D87C44"/>
+                    </a:solidFill>
+                  </a:tcPr>
+                </a:tc>
+                <a:extLst>
+                  <a:ext uri="{0D108BD9-81ED-4DB2-BD59-A6C34878D82A}">
+                    <a16:rowId xmlns:a16="http://schemas.microsoft.com/office/drawing/2014/main" val="1692317738"/>
+                  </a:ext>
+                </a:extLst>
+              </a:tr>
+              <a:tr h="595484">
+                <a:tc>
+                  <a:txBody>
+                    <a:bodyPr/>
+                    <a:lstStyle/>
+                    <a:p>
+                      <a:pPr marL="0" marR="0" lvl="0" indent="0" algn="l" defTabSz="914400" rtl="0" eaLnBrk="1" fontAlgn="auto" latinLnBrk="0" hangingPunct="1">
+                        <a:lnSpc>
+                          <a:spcPct val="100000"/>
+                        </a:lnSpc>
+                        <a:spcBef>
+                          <a:spcPts val="0"/>
+                        </a:spcBef>
+                        <a:spcAft>
+                          <a:spcPts val="0"/>
+                        </a:spcAft>
+                        <a:buClrTx/>
+                        <a:buSzTx/>
+                        <a:buFontTx/>
+                        <a:buNone/>
+                        <a:tabLst/>
+                        <a:defRPr/>
+                      </a:pPr>
+                      <a:r>
+                        <a:rPr lang="en-GB" dirty="0" err="1"/>
+                        <a:t>init_wd</a:t>
+                      </a:r>
+                      <a:r>
+                        <a:rPr lang="en-GB" dirty="0"/>
+                        <a:t>, </a:t>
+                      </a:r>
+                      <a:r>
+                        <a:rPr lang="en-GB" dirty="0" err="1"/>
+                        <a:t>init_wb</a:t>
+                      </a:r>
+                      <a:r>
+                        <a:rPr lang="en-GB" dirty="0"/>
+                        <a:t>, </a:t>
+                      </a:r>
+                      <a:r>
+                        <a:rPr lang="en-GB" dirty="0" err="1"/>
+                        <a:t>init_sd</a:t>
+                      </a:r>
+                      <a:r>
+                        <a:rPr lang="en-GB" dirty="0"/>
+                        <a:t>, </a:t>
+                      </a:r>
+                      <a:r>
+                        <a:rPr lang="en-GB" dirty="0" err="1"/>
+                        <a:t>init_sb</a:t>
+                      </a:r>
+                      <a:endParaRPr lang="en-GB" dirty="0"/>
+                    </a:p>
+                  </a:txBody>
+                  <a:tcPr>
+                    <a:solidFill>
+                      <a:schemeClr val="accent2">
+                        <a:lumMod val="40000"/>
+                        <a:lumOff val="60000"/>
+                      </a:schemeClr>
+                    </a:solidFill>
+                  </a:tcPr>
+                </a:tc>
+                <a:tc>
+                  <a:txBody>
+                    <a:bodyPr/>
+                    <a:lstStyle/>
+                    <a:p>
+                      <a:r>
+                        <a:rPr lang="de-CH" dirty="0"/>
+                        <a:t>initial </a:t>
+                      </a:r>
+                      <a:r>
+                        <a:rPr lang="de-CH" dirty="0" err="1"/>
+                        <a:t>population</a:t>
+                      </a:r>
+                      <a:r>
+                        <a:rPr lang="de-CH" dirty="0"/>
+                        <a:t> </a:t>
+                      </a:r>
+                      <a:r>
+                        <a:rPr lang="de-CH" dirty="0" err="1"/>
+                        <a:t>sizes</a:t>
+                      </a:r>
+                      <a:r>
+                        <a:rPr lang="de-CH" dirty="0"/>
+                        <a:t> </a:t>
+                      </a:r>
+                      <a:r>
+                        <a:rPr lang="de-CH" dirty="0" err="1"/>
+                        <a:t>of</a:t>
+                      </a:r>
+                      <a:r>
+                        <a:rPr lang="de-CH" dirty="0"/>
+                        <a:t> </a:t>
+                      </a:r>
+                      <a:r>
+                        <a:rPr lang="de-CH" dirty="0" err="1"/>
+                        <a:t>the</a:t>
+                      </a:r>
+                      <a:r>
+                        <a:rPr lang="de-CH" dirty="0"/>
+                        <a:t> 4 </a:t>
+                      </a:r>
+                      <a:r>
+                        <a:rPr lang="de-CH" dirty="0" err="1"/>
+                        <a:t>mutants</a:t>
+                      </a:r>
+                      <a:endParaRPr lang="de-CH" dirty="0"/>
+                    </a:p>
+                  </a:txBody>
+                  <a:tcPr>
+                    <a:solidFill>
+                      <a:schemeClr val="accent2">
+                        <a:lumMod val="40000"/>
+                        <a:lumOff val="60000"/>
+                      </a:schemeClr>
+                    </a:solidFill>
+                  </a:tcPr>
+                </a:tc>
+                <a:tc>
+                  <a:txBody>
+                    <a:bodyPr/>
+                    <a:lstStyle/>
+                    <a:p>
+                      <a:r>
+                        <a:rPr lang="de-CH" dirty="0" err="1"/>
+                        <a:t>always</a:t>
+                      </a:r>
+                      <a:r>
+                        <a:rPr lang="de-CH" dirty="0"/>
+                        <a:t> </a:t>
+                      </a:r>
+                      <a:r>
+                        <a:rPr lang="de-CH" dirty="0" err="1"/>
+                        <a:t>set</a:t>
+                      </a:r>
+                      <a:r>
+                        <a:rPr lang="de-CH" dirty="0"/>
+                        <a:t> at </a:t>
+                      </a:r>
+                      <a:r>
+                        <a:rPr lang="de-CH" dirty="0" err="1"/>
+                        <a:t>the</a:t>
+                      </a:r>
+                      <a:r>
+                        <a:rPr lang="de-CH" dirty="0"/>
+                        <a:t> same </a:t>
+                      </a:r>
+                      <a:r>
+                        <a:rPr lang="de-CH" dirty="0" err="1"/>
+                        <a:t>values</a:t>
+                      </a:r>
+                      <a:r>
+                        <a:rPr lang="de-CH" dirty="0"/>
+                        <a:t> </a:t>
+                      </a:r>
+                      <a:r>
+                        <a:rPr lang="de-CH" dirty="0" err="1"/>
+                        <a:t>for</a:t>
+                      </a:r>
+                      <a:r>
+                        <a:rPr lang="de-CH" dirty="0"/>
+                        <a:t> all 4 </a:t>
+                      </a:r>
+                      <a:r>
+                        <a:rPr lang="de-CH" dirty="0" err="1"/>
+                        <a:t>mutants</a:t>
+                      </a:r>
+                      <a:endParaRPr lang="de-CH" dirty="0"/>
+                    </a:p>
+                  </a:txBody>
+                  <a:tcPr>
+                    <a:solidFill>
+                      <a:schemeClr val="accent2">
+                        <a:lumMod val="40000"/>
+                        <a:lumOff val="60000"/>
+                      </a:schemeClr>
+                    </a:solidFill>
+                  </a:tcPr>
+                </a:tc>
+                <a:extLst>
+                  <a:ext uri="{0D108BD9-81ED-4DB2-BD59-A6C34878D82A}">
+                    <a16:rowId xmlns:a16="http://schemas.microsoft.com/office/drawing/2014/main" val="1463018515"/>
+                  </a:ext>
+                </a:extLst>
+              </a:tr>
+              <a:tr h="595484">
+                <a:tc>
+                  <a:txBody>
+                    <a:bodyPr/>
+                    <a:lstStyle/>
+                    <a:p>
+                      <a:pPr>
+                        <a:lnSpc>
+                          <a:spcPct val="150000"/>
+                        </a:lnSpc>
+                      </a:pPr>
+                      <a:r>
+                        <a:rPr lang="en-GB" dirty="0" err="1"/>
+                        <a:t>decay_rate_wm</a:t>
+                      </a:r>
+                      <a:endParaRPr lang="en-GB" dirty="0"/>
+                    </a:p>
+                  </a:txBody>
+                  <a:tcPr>
+                    <a:solidFill>
+                      <a:schemeClr val="accent2">
+                        <a:lumMod val="40000"/>
+                        <a:lumOff val="60000"/>
+                      </a:schemeClr>
+                    </a:solidFill>
+                  </a:tcPr>
+                </a:tc>
+                <a:tc>
+                  <a:txBody>
+                    <a:bodyPr/>
+                    <a:lstStyle/>
+                    <a:p>
+                      <a:r>
+                        <a:rPr lang="de-CH" dirty="0" err="1"/>
+                        <a:t>decay</a:t>
+                      </a:r>
+                      <a:r>
+                        <a:rPr lang="de-CH" dirty="0"/>
+                        <a:t> rate </a:t>
+                      </a:r>
+                      <a:r>
+                        <a:rPr lang="de-CH" dirty="0" err="1"/>
+                        <a:t>of</a:t>
+                      </a:r>
+                      <a:r>
+                        <a:rPr lang="de-CH" dirty="0"/>
+                        <a:t> </a:t>
+                      </a:r>
+                      <a:r>
+                        <a:rPr lang="de-CH" dirty="0" err="1"/>
+                        <a:t>the</a:t>
+                      </a:r>
+                      <a:r>
+                        <a:rPr lang="de-CH" dirty="0"/>
+                        <a:t> </a:t>
+                      </a:r>
+                      <a:r>
+                        <a:rPr lang="de-CH" dirty="0" err="1"/>
+                        <a:t>weak</a:t>
+                      </a:r>
+                      <a:r>
+                        <a:rPr lang="de-CH" dirty="0"/>
+                        <a:t> </a:t>
+                      </a:r>
+                      <a:r>
+                        <a:rPr lang="de-CH" dirty="0" err="1"/>
+                        <a:t>mutation</a:t>
+                      </a:r>
+                      <a:endParaRPr lang="de-CH" dirty="0"/>
+                    </a:p>
+                  </a:txBody>
+                  <a:tcPr>
+                    <a:solidFill>
+                      <a:schemeClr val="accent2">
+                        <a:lumMod val="40000"/>
+                        <a:lumOff val="60000"/>
+                      </a:schemeClr>
+                    </a:solidFill>
+                  </a:tcPr>
+                </a:tc>
+                <a:tc>
+                  <a:txBody>
+                    <a:bodyPr/>
+                    <a:lstStyle/>
+                    <a:p>
+                      <a:r>
+                        <a:rPr lang="de-CH" dirty="0" err="1"/>
+                        <a:t>fixed</a:t>
+                      </a:r>
+                      <a:endParaRPr lang="de-CH" dirty="0"/>
+                    </a:p>
+                  </a:txBody>
+                  <a:tcPr>
+                    <a:solidFill>
+                      <a:schemeClr val="accent2">
+                        <a:lumMod val="40000"/>
+                        <a:lumOff val="60000"/>
+                      </a:schemeClr>
+                    </a:solidFill>
+                  </a:tcPr>
+                </a:tc>
+                <a:extLst>
+                  <a:ext uri="{0D108BD9-81ED-4DB2-BD59-A6C34878D82A}">
+                    <a16:rowId xmlns:a16="http://schemas.microsoft.com/office/drawing/2014/main" val="927398735"/>
+                  </a:ext>
+                </a:extLst>
+              </a:tr>
+              <a:tr h="595484">
+                <a:tc>
+                  <a:txBody>
+                    <a:bodyPr/>
+                    <a:lstStyle/>
+                    <a:p>
+                      <a:pPr marL="0" marR="0" lvl="0" indent="0" algn="l" defTabSz="914400" rtl="0" eaLnBrk="1" fontAlgn="auto" latinLnBrk="0" hangingPunct="1">
+                        <a:lnSpc>
+                          <a:spcPct val="100000"/>
+                        </a:lnSpc>
+                        <a:spcBef>
+                          <a:spcPts val="0"/>
+                        </a:spcBef>
+                        <a:spcAft>
+                          <a:spcPts val="0"/>
+                        </a:spcAft>
+                        <a:buClrTx/>
+                        <a:buSzTx/>
+                        <a:buFontTx/>
+                        <a:buNone/>
+                        <a:tabLst/>
+                        <a:defRPr/>
+                      </a:pPr>
+                      <a:r>
+                        <a:rPr lang="en-GB" dirty="0" err="1"/>
+                        <a:t>decay_rate_sm</a:t>
+                      </a:r>
+                      <a:endParaRPr lang="en-GB" dirty="0"/>
+                    </a:p>
+                  </a:txBody>
+                  <a:tcPr>
+                    <a:solidFill>
+                      <a:schemeClr val="accent2">
+                        <a:lumMod val="40000"/>
+                        <a:lumOff val="60000"/>
+                      </a:schemeClr>
+                    </a:solidFill>
+                  </a:tcPr>
+                </a:tc>
+                <a:tc>
+                  <a:txBody>
+                    <a:bodyPr/>
+                    <a:lstStyle/>
+                    <a:p>
+                      <a:r>
+                        <a:rPr lang="de-CH" dirty="0" err="1"/>
+                        <a:t>decay</a:t>
+                      </a:r>
+                      <a:r>
+                        <a:rPr lang="de-CH" dirty="0"/>
+                        <a:t> rate </a:t>
+                      </a:r>
+                      <a:r>
+                        <a:rPr lang="de-CH" dirty="0" err="1"/>
+                        <a:t>of</a:t>
+                      </a:r>
+                      <a:r>
+                        <a:rPr lang="de-CH" dirty="0"/>
+                        <a:t> </a:t>
+                      </a:r>
+                      <a:r>
+                        <a:rPr lang="de-CH" dirty="0" err="1"/>
+                        <a:t>the</a:t>
+                      </a:r>
+                      <a:r>
+                        <a:rPr lang="de-CH" dirty="0"/>
+                        <a:t> strong </a:t>
+                      </a:r>
+                      <a:r>
+                        <a:rPr lang="de-CH" dirty="0" err="1"/>
+                        <a:t>mutation</a:t>
+                      </a:r>
+                      <a:endParaRPr lang="de-CH" dirty="0"/>
+                    </a:p>
+                  </a:txBody>
+                  <a:tcPr>
+                    <a:solidFill>
+                      <a:schemeClr val="accent2">
+                        <a:lumMod val="40000"/>
+                        <a:lumOff val="60000"/>
+                      </a:schemeClr>
+                    </a:solidFill>
+                  </a:tcPr>
+                </a:tc>
+                <a:tc>
+                  <a:txBody>
+                    <a:bodyPr/>
+                    <a:lstStyle/>
+                    <a:p>
+                      <a:r>
+                        <a:rPr lang="de-CH" dirty="0" err="1"/>
+                        <a:t>fixed</a:t>
+                      </a:r>
+                      <a:endParaRPr lang="de-CH" dirty="0"/>
+                    </a:p>
+                  </a:txBody>
+                  <a:tcPr>
+                    <a:solidFill>
+                      <a:schemeClr val="accent2">
+                        <a:lumMod val="40000"/>
+                        <a:lumOff val="60000"/>
+                      </a:schemeClr>
+                    </a:solidFill>
+                  </a:tcPr>
+                </a:tc>
+                <a:extLst>
+                  <a:ext uri="{0D108BD9-81ED-4DB2-BD59-A6C34878D82A}">
+                    <a16:rowId xmlns:a16="http://schemas.microsoft.com/office/drawing/2014/main" val="434036068"/>
+                  </a:ext>
+                </a:extLst>
+              </a:tr>
+              <a:tr h="595484">
+                <a:tc>
+                  <a:txBody>
+                    <a:bodyPr/>
+                    <a:lstStyle/>
+                    <a:p>
+                      <a:r>
+                        <a:rPr lang="de-CH" dirty="0" err="1"/>
+                        <a:t>s_wm</a:t>
+                      </a:r>
+                      <a:endParaRPr lang="de-CH" dirty="0"/>
+                    </a:p>
+                  </a:txBody>
+                  <a:tcPr>
+                    <a:solidFill>
+                      <a:schemeClr val="accent2">
+                        <a:lumMod val="40000"/>
+                        <a:lumOff val="60000"/>
+                      </a:schemeClr>
+                    </a:solidFill>
+                  </a:tcPr>
+                </a:tc>
+                <a:tc>
+                  <a:txBody>
+                    <a:bodyPr/>
+                    <a:lstStyle/>
+                    <a:p>
+                      <a:r>
+                        <a:rPr lang="de-CH" dirty="0" err="1"/>
+                        <a:t>selection-coefficient</a:t>
+                      </a:r>
+                      <a:r>
+                        <a:rPr lang="de-CH" dirty="0"/>
+                        <a:t> </a:t>
+                      </a:r>
+                      <a:r>
+                        <a:rPr lang="de-CH" dirty="0" err="1"/>
+                        <a:t>of</a:t>
+                      </a:r>
+                      <a:r>
+                        <a:rPr lang="de-CH" dirty="0"/>
+                        <a:t> </a:t>
+                      </a:r>
+                      <a:r>
+                        <a:rPr lang="de-CH" dirty="0" err="1"/>
+                        <a:t>weak</a:t>
+                      </a:r>
+                      <a:r>
+                        <a:rPr lang="de-CH" dirty="0"/>
+                        <a:t> </a:t>
+                      </a:r>
+                      <a:r>
+                        <a:rPr lang="de-CH" dirty="0" err="1"/>
+                        <a:t>mutation</a:t>
+                      </a:r>
+                      <a:endParaRPr lang="de-CH" dirty="0"/>
+                    </a:p>
+                  </a:txBody>
+                  <a:tcPr>
+                    <a:solidFill>
+                      <a:schemeClr val="accent2">
+                        <a:lumMod val="40000"/>
+                        <a:lumOff val="60000"/>
+                      </a:schemeClr>
+                    </a:solidFill>
+                  </a:tcPr>
+                </a:tc>
+                <a:tc>
+                  <a:txBody>
+                    <a:bodyPr/>
+                    <a:lstStyle/>
+                    <a:p>
+                      <a:r>
+                        <a:rPr lang="de-CH" dirty="0" err="1"/>
+                        <a:t>varied</a:t>
+                      </a:r>
+                      <a:endParaRPr lang="de-CH" dirty="0"/>
+                    </a:p>
+                  </a:txBody>
+                  <a:tcPr>
+                    <a:solidFill>
+                      <a:schemeClr val="accent2">
+                        <a:lumMod val="40000"/>
+                        <a:lumOff val="60000"/>
+                      </a:schemeClr>
+                    </a:solidFill>
+                  </a:tcPr>
+                </a:tc>
+                <a:extLst>
+                  <a:ext uri="{0D108BD9-81ED-4DB2-BD59-A6C34878D82A}">
+                    <a16:rowId xmlns:a16="http://schemas.microsoft.com/office/drawing/2014/main" val="1135737115"/>
+                  </a:ext>
+                </a:extLst>
+              </a:tr>
+              <a:tr h="595484">
+                <a:tc>
+                  <a:txBody>
+                    <a:bodyPr/>
+                    <a:lstStyle/>
+                    <a:p>
+                      <a:r>
+                        <a:rPr lang="de-CH" dirty="0" err="1"/>
+                        <a:t>s_sm</a:t>
+                      </a:r>
+                      <a:endParaRPr lang="de-CH" dirty="0"/>
+                    </a:p>
+                  </a:txBody>
+                  <a:tcPr>
+                    <a:solidFill>
+                      <a:schemeClr val="accent2">
+                        <a:lumMod val="40000"/>
+                        <a:lumOff val="60000"/>
+                      </a:schemeClr>
+                    </a:solidFill>
+                  </a:tcPr>
+                </a:tc>
+                <a:tc>
+                  <a:txBody>
+                    <a:bodyPr/>
+                    <a:lstStyle/>
+                    <a:p>
+                      <a:r>
+                        <a:rPr lang="de-CH" dirty="0" err="1"/>
+                        <a:t>melection-coefficient</a:t>
+                      </a:r>
+                      <a:r>
+                        <a:rPr lang="de-CH" dirty="0"/>
+                        <a:t> </a:t>
+                      </a:r>
+                      <a:r>
+                        <a:rPr lang="de-CH" dirty="0" err="1"/>
+                        <a:t>of</a:t>
+                      </a:r>
+                      <a:r>
+                        <a:rPr lang="de-CH" dirty="0"/>
+                        <a:t> strong </a:t>
+                      </a:r>
+                      <a:r>
+                        <a:rPr lang="de-CH" dirty="0" err="1"/>
+                        <a:t>mutation</a:t>
+                      </a:r>
+                      <a:endParaRPr lang="de-CH" dirty="0"/>
+                    </a:p>
+                  </a:txBody>
+                  <a:tcPr>
+                    <a:solidFill>
+                      <a:schemeClr val="accent2">
+                        <a:lumMod val="40000"/>
+                        <a:lumOff val="60000"/>
+                      </a:schemeClr>
+                    </a:solidFill>
+                  </a:tcPr>
+                </a:tc>
+                <a:tc>
+                  <a:txBody>
+                    <a:bodyPr/>
+                    <a:lstStyle/>
+                    <a:p>
+                      <a:r>
+                        <a:rPr lang="de-CH" dirty="0" err="1"/>
+                        <a:t>varied</a:t>
+                      </a:r>
+                      <a:endParaRPr lang="de-CH" dirty="0"/>
+                    </a:p>
+                    <a:p>
+                      <a:endParaRPr lang="de-CH" dirty="0"/>
+                    </a:p>
+                  </a:txBody>
+                  <a:tcPr>
+                    <a:solidFill>
+                      <a:schemeClr val="accent2">
+                        <a:lumMod val="40000"/>
+                        <a:lumOff val="60000"/>
+                      </a:schemeClr>
+                    </a:solidFill>
+                  </a:tcPr>
+                </a:tc>
+                <a:extLst>
+                  <a:ext uri="{0D108BD9-81ED-4DB2-BD59-A6C34878D82A}">
+                    <a16:rowId xmlns:a16="http://schemas.microsoft.com/office/drawing/2014/main" val="274197564"/>
+                  </a:ext>
+                </a:extLst>
+              </a:tr>
+              <a:tr h="595484">
+                <a:tc>
+                  <a:txBody>
+                    <a:bodyPr/>
+                    <a:lstStyle/>
+                    <a:p>
+                      <a:r>
+                        <a:rPr lang="de-CH" dirty="0" err="1"/>
+                        <a:t>m_rate_wm</a:t>
+                      </a:r>
+                      <a:endParaRPr lang="de-CH" dirty="0"/>
+                    </a:p>
+                  </a:txBody>
+                  <a:tcPr>
+                    <a:solidFill>
+                      <a:schemeClr val="accent2">
+                        <a:lumMod val="40000"/>
+                        <a:lumOff val="60000"/>
+                      </a:schemeClr>
+                    </a:solidFill>
+                  </a:tcPr>
+                </a:tc>
+                <a:tc>
+                  <a:txBody>
+                    <a:bodyPr/>
+                    <a:lstStyle/>
+                    <a:p>
+                      <a:r>
+                        <a:rPr lang="de-CH" dirty="0" err="1"/>
+                        <a:t>mutation</a:t>
+                      </a:r>
+                      <a:r>
+                        <a:rPr lang="de-CH" dirty="0"/>
+                        <a:t> rate </a:t>
+                      </a:r>
+                      <a:r>
+                        <a:rPr lang="de-CH" dirty="0" err="1"/>
+                        <a:t>of</a:t>
+                      </a:r>
+                      <a:r>
+                        <a:rPr lang="de-CH" dirty="0"/>
+                        <a:t> </a:t>
+                      </a:r>
+                      <a:r>
+                        <a:rPr lang="de-CH" dirty="0" err="1"/>
+                        <a:t>the</a:t>
+                      </a:r>
+                      <a:r>
+                        <a:rPr lang="de-CH" dirty="0"/>
+                        <a:t> </a:t>
+                      </a:r>
+                      <a:r>
+                        <a:rPr lang="de-CH" dirty="0" err="1"/>
+                        <a:t>weak</a:t>
+                      </a:r>
+                      <a:r>
+                        <a:rPr lang="de-CH" dirty="0"/>
+                        <a:t> </a:t>
+                      </a:r>
+                      <a:r>
+                        <a:rPr lang="de-CH" dirty="0" err="1"/>
+                        <a:t>mutation</a:t>
+                      </a:r>
+                      <a:endParaRPr lang="de-CH" dirty="0"/>
+                    </a:p>
+                  </a:txBody>
+                  <a:tcPr>
+                    <a:solidFill>
+                      <a:schemeClr val="accent2">
+                        <a:lumMod val="40000"/>
+                        <a:lumOff val="60000"/>
+                      </a:schemeClr>
+                    </a:solidFill>
+                  </a:tcPr>
+                </a:tc>
+                <a:tc>
+                  <a:txBody>
+                    <a:bodyPr/>
+                    <a:lstStyle/>
+                    <a:p>
+                      <a:r>
+                        <a:rPr lang="de-CH" dirty="0" err="1"/>
+                        <a:t>varied</a:t>
+                      </a:r>
+                      <a:endParaRPr lang="de-CH" dirty="0"/>
+                    </a:p>
+                  </a:txBody>
+                  <a:tcPr>
+                    <a:solidFill>
+                      <a:schemeClr val="accent2">
+                        <a:lumMod val="40000"/>
+                        <a:lumOff val="60000"/>
+                      </a:schemeClr>
+                    </a:solidFill>
+                  </a:tcPr>
+                </a:tc>
+                <a:extLst>
+                  <a:ext uri="{0D108BD9-81ED-4DB2-BD59-A6C34878D82A}">
+                    <a16:rowId xmlns:a16="http://schemas.microsoft.com/office/drawing/2014/main" val="72046322"/>
+                  </a:ext>
+                </a:extLst>
+              </a:tr>
+              <a:tr h="595484">
+                <a:tc>
+                  <a:txBody>
+                    <a:bodyPr/>
+                    <a:lstStyle/>
+                    <a:p>
+                      <a:r>
+                        <a:rPr lang="de-CH" dirty="0" err="1"/>
+                        <a:t>m_rate_sm</a:t>
+                      </a:r>
+                      <a:endParaRPr lang="de-CH" dirty="0"/>
+                    </a:p>
+                  </a:txBody>
+                  <a:tcPr>
+                    <a:solidFill>
+                      <a:schemeClr val="accent2">
+                        <a:lumMod val="40000"/>
+                        <a:lumOff val="60000"/>
+                      </a:schemeClr>
+                    </a:solidFill>
+                  </a:tcPr>
+                </a:tc>
+                <a:tc>
+                  <a:txBody>
+                    <a:bodyPr/>
+                    <a:lstStyle/>
+                    <a:p>
+                      <a:r>
+                        <a:rPr lang="de-CH" dirty="0" err="1"/>
+                        <a:t>mutation</a:t>
+                      </a:r>
+                      <a:r>
+                        <a:rPr lang="de-CH" dirty="0"/>
+                        <a:t> rate </a:t>
+                      </a:r>
+                      <a:r>
+                        <a:rPr lang="de-CH" dirty="0" err="1"/>
+                        <a:t>of</a:t>
+                      </a:r>
+                      <a:r>
+                        <a:rPr lang="de-CH" dirty="0"/>
+                        <a:t> </a:t>
+                      </a:r>
+                      <a:r>
+                        <a:rPr lang="de-CH" dirty="0" err="1"/>
+                        <a:t>the</a:t>
+                      </a:r>
+                      <a:r>
+                        <a:rPr lang="de-CH" dirty="0"/>
+                        <a:t> strong </a:t>
+                      </a:r>
+                      <a:r>
+                        <a:rPr lang="de-CH" dirty="0" err="1"/>
+                        <a:t>mutation</a:t>
+                      </a:r>
+                      <a:endParaRPr lang="de-CH" dirty="0"/>
+                    </a:p>
+                  </a:txBody>
+                  <a:tcPr>
+                    <a:solidFill>
+                      <a:schemeClr val="accent2">
+                        <a:lumMod val="40000"/>
+                        <a:lumOff val="60000"/>
+                      </a:schemeClr>
+                    </a:solidFill>
+                  </a:tcPr>
+                </a:tc>
+                <a:tc>
+                  <a:txBody>
+                    <a:bodyPr/>
+                    <a:lstStyle/>
+                    <a:p>
+                      <a:r>
+                        <a:rPr lang="de-CH" dirty="0" err="1"/>
+                        <a:t>varied</a:t>
+                      </a:r>
+                      <a:endParaRPr lang="de-CH" dirty="0"/>
+                    </a:p>
+                  </a:txBody>
+                  <a:tcPr>
+                    <a:solidFill>
+                      <a:schemeClr val="accent2">
+                        <a:lumMod val="40000"/>
+                        <a:lumOff val="60000"/>
+                      </a:schemeClr>
+                    </a:solidFill>
+                  </a:tcPr>
+                </a:tc>
+                <a:extLst>
+                  <a:ext uri="{0D108BD9-81ED-4DB2-BD59-A6C34878D82A}">
+                    <a16:rowId xmlns:a16="http://schemas.microsoft.com/office/drawing/2014/main" val="1327737153"/>
+                  </a:ext>
+                </a:extLst>
+              </a:tr>
+              <a:tr h="595484">
+                <a:tc>
+                  <a:txBody>
+                    <a:bodyPr/>
+                    <a:lstStyle/>
+                    <a:p>
+                      <a:r>
+                        <a:rPr lang="de-CH" dirty="0" err="1"/>
+                        <a:t>rescue_prob</a:t>
+                      </a:r>
+                      <a:endParaRPr lang="de-CH" dirty="0"/>
+                    </a:p>
+                  </a:txBody>
+                  <a:tcPr>
+                    <a:solidFill>
+                      <a:schemeClr val="accent2">
+                        <a:lumMod val="40000"/>
+                        <a:lumOff val="60000"/>
+                      </a:schemeClr>
+                    </a:solidFill>
+                  </a:tcPr>
+                </a:tc>
+                <a:tc>
+                  <a:txBody>
+                    <a:bodyPr/>
+                    <a:lstStyle/>
+                    <a:p>
+                      <a:r>
+                        <a:rPr lang="de-CH" dirty="0" err="1"/>
+                        <a:t>rescue-probabilities</a:t>
+                      </a:r>
+                      <a:r>
+                        <a:rPr lang="de-CH" dirty="0"/>
+                        <a:t> </a:t>
+                      </a:r>
+                      <a:r>
+                        <a:rPr lang="de-CH" dirty="0" err="1"/>
+                        <a:t>of</a:t>
+                      </a:r>
+                      <a:r>
+                        <a:rPr lang="de-CH" dirty="0"/>
+                        <a:t> </a:t>
+                      </a:r>
+                      <a:r>
+                        <a:rPr lang="de-CH" dirty="0" err="1"/>
+                        <a:t>the</a:t>
+                      </a:r>
+                      <a:r>
+                        <a:rPr lang="de-CH" dirty="0"/>
+                        <a:t> 4 </a:t>
+                      </a:r>
+                      <a:r>
+                        <a:rPr lang="de-CH" dirty="0" err="1"/>
+                        <a:t>mutants</a:t>
+                      </a:r>
+                      <a:endParaRPr lang="de-CH" dirty="0"/>
+                    </a:p>
+                  </a:txBody>
+                  <a:tcPr>
+                    <a:solidFill>
+                      <a:schemeClr val="accent2">
+                        <a:lumMod val="40000"/>
+                        <a:lumOff val="60000"/>
+                      </a:schemeClr>
+                    </a:solidFill>
+                  </a:tcPr>
+                </a:tc>
+                <a:tc>
+                  <a:txBody>
+                    <a:bodyPr/>
+                    <a:lstStyle/>
+                    <a:p>
+                      <a:r>
+                        <a:rPr lang="de-CH" dirty="0" err="1"/>
+                        <a:t>calculated</a:t>
+                      </a:r>
+                      <a:endParaRPr lang="de-CH" dirty="0"/>
+                    </a:p>
+                  </a:txBody>
+                  <a:tcPr>
+                    <a:solidFill>
+                      <a:schemeClr val="accent2">
+                        <a:lumMod val="40000"/>
+                        <a:lumOff val="60000"/>
+                      </a:schemeClr>
+                    </a:solidFill>
+                  </a:tcPr>
+                </a:tc>
+                <a:extLst>
+                  <a:ext uri="{0D108BD9-81ED-4DB2-BD59-A6C34878D82A}">
+                    <a16:rowId xmlns:a16="http://schemas.microsoft.com/office/drawing/2014/main" val="2654460903"/>
+                  </a:ext>
+                </a:extLst>
+              </a:tr>
+            </a:tbl>
+          </a:graphicData>
+        </a:graphic>
+      </p:graphicFrame>
     </p:spTree>
     <p:extLst>
       <p:ext uri="{BB962C8B-B14F-4D97-AF65-F5344CB8AC3E}">

--- a/THEE_project.pptx
+++ b/THEE_project.pptx
@@ -13900,10 +13900,10 @@
       </p:grpSpPr>
       <p:pic>
         <p:nvPicPr>
-          <p:cNvPr id="8" name="Picture 7">
+          <p:cNvPr id="3" name="Picture 2">
             <a:extLst>
               <a:ext uri="{FF2B5EF4-FFF2-40B4-BE49-F238E27FC236}">
-                <a16:creationId xmlns:a16="http://schemas.microsoft.com/office/drawing/2014/main" id="{96E3E938-96DB-157D-EAAA-479F391C7B2B}"/>
+                <a16:creationId xmlns:a16="http://schemas.microsoft.com/office/drawing/2014/main" id="{4EF3E99D-DE95-47CE-0CBA-5664789D695A}"/>
               </a:ext>
             </a:extLst>
           </p:cNvPr>
@@ -13920,8 +13920,8 @@
         </p:blipFill>
         <p:spPr>
           <a:xfrm>
-            <a:off x="88136" y="6039741"/>
-            <a:ext cx="5629619" cy="818259"/>
+            <a:off x="829937" y="159276"/>
+            <a:ext cx="10532125" cy="6539448"/>
           </a:xfrm>
           <a:prstGeom prst="rect">
             <a:avLst/>
@@ -13930,10 +13930,10 @@
       </p:pic>
       <p:pic>
         <p:nvPicPr>
-          <p:cNvPr id="11" name="Picture 10">
+          <p:cNvPr id="8" name="Picture 7">
             <a:extLst>
               <a:ext uri="{FF2B5EF4-FFF2-40B4-BE49-F238E27FC236}">
-                <a16:creationId xmlns:a16="http://schemas.microsoft.com/office/drawing/2014/main" id="{F48C4CB0-1F95-AE56-8E21-920E42CCD0F2}"/>
+                <a16:creationId xmlns:a16="http://schemas.microsoft.com/office/drawing/2014/main" id="{96E3E938-96DB-157D-EAAA-479F391C7B2B}"/>
               </a:ext>
             </a:extLst>
           </p:cNvPr>
@@ -13950,8 +13950,8 @@
         </p:blipFill>
         <p:spPr>
           <a:xfrm>
-            <a:off x="1189823" y="169816"/>
-            <a:ext cx="9420554" cy="5870780"/>
+            <a:off x="341523" y="5570934"/>
+            <a:ext cx="4065224" cy="590876"/>
           </a:xfrm>
           <a:prstGeom prst="rect">
             <a:avLst/>
@@ -14081,7 +14081,7 @@
         </p:blipFill>
         <p:spPr>
           <a:xfrm>
-            <a:off x="3848304" y="901972"/>
+            <a:off x="3625402" y="1543836"/>
             <a:ext cx="4495391" cy="3770328"/>
           </a:xfrm>
           <a:prstGeom prst="rect">

--- a/THEE_project.pptx
+++ b/THEE_project.pptx
@@ -1864,10 +1864,10 @@
             <a:defRPr cap="all"/>
           </a:pPr>
           <a:r>
-            <a:rPr lang="de-CH"/>
+            <a:rPr lang="de-CH" dirty="0"/>
             <a:t>Method </a:t>
           </a:r>
-          <a:endParaRPr lang="en-US"/>
+          <a:endParaRPr lang="en-US" dirty="0"/>
         </a:p>
       </dgm:t>
     </dgm:pt>
@@ -2877,10 +2877,10 @@
             <a:defRPr cap="all"/>
           </a:pPr>
           <a:r>
-            <a:rPr lang="de-CH" sz="2000" kern="1200"/>
+            <a:rPr lang="de-CH" sz="2000" kern="1200" dirty="0"/>
             <a:t>Method </a:t>
           </a:r>
-          <a:endParaRPr lang="en-US" sz="2000" kern="1200"/>
+          <a:endParaRPr lang="en-US" sz="2000" kern="1200" dirty="0"/>
         </a:p>
       </dsp:txBody>
       <dsp:txXfrm>

--- a/THEE_project.pptx
+++ b/THEE_project.pptx
@@ -6623,7 +6623,7 @@
           <a:p>
             <a:fld id="{2A07F06B-CB54-47B8-86A8-70FF2417EE14}" type="slidenum">
               <a:rPr lang="de-CH" smtClean="0"/>
-              <a:t>‹#›</a:t>
+              <a:t>‹Nr.›</a:t>
             </a:fld>
             <a:endParaRPr lang="de-CH"/>
           </a:p>
@@ -6823,7 +6823,7 @@
           <a:p>
             <a:fld id="{2A07F06B-CB54-47B8-86A8-70FF2417EE14}" type="slidenum">
               <a:rPr lang="de-CH" smtClean="0"/>
-              <a:t>‹#›</a:t>
+              <a:t>‹Nr.›</a:t>
             </a:fld>
             <a:endParaRPr lang="de-CH"/>
           </a:p>
@@ -7033,7 +7033,7 @@
           <a:p>
             <a:fld id="{2A07F06B-CB54-47B8-86A8-70FF2417EE14}" type="slidenum">
               <a:rPr lang="de-CH" smtClean="0"/>
-              <a:t>‹#›</a:t>
+              <a:t>‹Nr.›</a:t>
             </a:fld>
             <a:endParaRPr lang="de-CH"/>
           </a:p>
@@ -7233,7 +7233,7 @@
           <a:p>
             <a:fld id="{2A07F06B-CB54-47B8-86A8-70FF2417EE14}" type="slidenum">
               <a:rPr lang="de-CH" smtClean="0"/>
-              <a:t>‹#›</a:t>
+              <a:t>‹Nr.›</a:t>
             </a:fld>
             <a:endParaRPr lang="de-CH"/>
           </a:p>
@@ -7509,7 +7509,7 @@
           <a:p>
             <a:fld id="{2A07F06B-CB54-47B8-86A8-70FF2417EE14}" type="slidenum">
               <a:rPr lang="de-CH" smtClean="0"/>
-              <a:t>‹#›</a:t>
+              <a:t>‹Nr.›</a:t>
             </a:fld>
             <a:endParaRPr lang="de-CH"/>
           </a:p>
@@ -7777,7 +7777,7 @@
           <a:p>
             <a:fld id="{2A07F06B-CB54-47B8-86A8-70FF2417EE14}" type="slidenum">
               <a:rPr lang="de-CH" smtClean="0"/>
-              <a:t>‹#›</a:t>
+              <a:t>‹Nr.›</a:t>
             </a:fld>
             <a:endParaRPr lang="de-CH"/>
           </a:p>
@@ -8192,7 +8192,7 @@
           <a:p>
             <a:fld id="{2A07F06B-CB54-47B8-86A8-70FF2417EE14}" type="slidenum">
               <a:rPr lang="de-CH" smtClean="0"/>
-              <a:t>‹#›</a:t>
+              <a:t>‹Nr.›</a:t>
             </a:fld>
             <a:endParaRPr lang="de-CH"/>
           </a:p>
@@ -8334,7 +8334,7 @@
           <a:p>
             <a:fld id="{2A07F06B-CB54-47B8-86A8-70FF2417EE14}" type="slidenum">
               <a:rPr lang="de-CH" smtClean="0"/>
-              <a:t>‹#›</a:t>
+              <a:t>‹Nr.›</a:t>
             </a:fld>
             <a:endParaRPr lang="de-CH"/>
           </a:p>
@@ -8447,7 +8447,7 @@
           <a:p>
             <a:fld id="{2A07F06B-CB54-47B8-86A8-70FF2417EE14}" type="slidenum">
               <a:rPr lang="de-CH" smtClean="0"/>
-              <a:t>‹#›</a:t>
+              <a:t>‹Nr.›</a:t>
             </a:fld>
             <a:endParaRPr lang="de-CH"/>
           </a:p>
@@ -8760,7 +8760,7 @@
           <a:p>
             <a:fld id="{2A07F06B-CB54-47B8-86A8-70FF2417EE14}" type="slidenum">
               <a:rPr lang="de-CH" smtClean="0"/>
-              <a:t>‹#›</a:t>
+              <a:t>‹Nr.›</a:t>
             </a:fld>
             <a:endParaRPr lang="de-CH"/>
           </a:p>
@@ -9049,7 +9049,7 @@
           <a:p>
             <a:fld id="{2A07F06B-CB54-47B8-86A8-70FF2417EE14}" type="slidenum">
               <a:rPr lang="de-CH" smtClean="0"/>
-              <a:t>‹#›</a:t>
+              <a:t>‹Nr.›</a:t>
             </a:fld>
             <a:endParaRPr lang="de-CH"/>
           </a:p>
@@ -9328,7 +9328,7 @@
           <a:p>
             <a:fld id="{2A07F06B-CB54-47B8-86A8-70FF2417EE14}" type="slidenum">
               <a:rPr lang="de-CH" smtClean="0"/>
-              <a:t>‹#›</a:t>
+              <a:t>‹Nr.›</a:t>
             </a:fld>
             <a:endParaRPr lang="de-CH"/>
           </a:p>
@@ -10456,114 +10456,6 @@
           <a:chExt cx="0" cy="0"/>
         </a:xfrm>
       </p:grpSpPr>
-      <p:pic>
-        <p:nvPicPr>
-          <p:cNvPr id="8" name="Grafik 7" descr="Ein Bild, das Text, Screenshot, Diagramm, Reihe enthält.&#10;&#10;KI-generierte Inhalte können fehlerhaft sein.">
-            <a:extLst>
-              <a:ext uri="{FF2B5EF4-FFF2-40B4-BE49-F238E27FC236}">
-                <a16:creationId xmlns:a16="http://schemas.microsoft.com/office/drawing/2014/main" id="{5826D9C8-40EE-E2DF-3ECB-1D159335CC42}"/>
-              </a:ext>
-            </a:extLst>
-          </p:cNvPr>
-          <p:cNvPicPr>
-            <a:picLocks noChangeAspect="1"/>
-          </p:cNvPicPr>
-          <p:nvPr/>
-        </p:nvPicPr>
-        <p:blipFill>
-          <a:blip r:embed="rId2">
-            <a:extLst>
-              <a:ext uri="{28A0092B-C50C-407E-A947-70E740481C1C}">
-                <a14:useLocalDpi xmlns:a14="http://schemas.microsoft.com/office/drawing/2010/main" val="0"/>
-              </a:ext>
-            </a:extLst>
-          </a:blip>
-          <a:stretch>
-            <a:fillRect/>
-          </a:stretch>
-        </p:blipFill>
-        <p:spPr>
-          <a:xfrm>
-            <a:off x="1" y="3287580"/>
-            <a:ext cx="4257039" cy="3570420"/>
-          </a:xfrm>
-          <a:prstGeom prst="rect">
-            <a:avLst/>
-          </a:prstGeom>
-        </p:spPr>
-      </p:pic>
-      <p:pic>
-        <p:nvPicPr>
-          <p:cNvPr id="12" name="Grafik 11" descr="Ein Bild, das Text, Diagramm, Screenshot, Reihe enthält.&#10;&#10;KI-generierte Inhalte können fehlerhaft sein.">
-            <a:extLst>
-              <a:ext uri="{FF2B5EF4-FFF2-40B4-BE49-F238E27FC236}">
-                <a16:creationId xmlns:a16="http://schemas.microsoft.com/office/drawing/2014/main" id="{E1E9B559-AD7C-093F-0D20-535A35961994}"/>
-              </a:ext>
-            </a:extLst>
-          </p:cNvPr>
-          <p:cNvPicPr>
-            <a:picLocks noChangeAspect="1"/>
-          </p:cNvPicPr>
-          <p:nvPr/>
-        </p:nvPicPr>
-        <p:blipFill>
-          <a:blip r:embed="rId3">
-            <a:extLst>
-              <a:ext uri="{28A0092B-C50C-407E-A947-70E740481C1C}">
-                <a14:useLocalDpi xmlns:a14="http://schemas.microsoft.com/office/drawing/2010/main" val="0"/>
-              </a:ext>
-            </a:extLst>
-          </a:blip>
-          <a:stretch>
-            <a:fillRect/>
-          </a:stretch>
-        </p:blipFill>
-        <p:spPr>
-          <a:xfrm>
-            <a:off x="7731760" y="3117154"/>
-            <a:ext cx="4460240" cy="3740846"/>
-          </a:xfrm>
-          <a:prstGeom prst="rect">
-            <a:avLst/>
-          </a:prstGeom>
-        </p:spPr>
-      </p:pic>
-      <p:pic>
-        <p:nvPicPr>
-          <p:cNvPr id="14" name="Grafik 13" descr="Ein Bild, das Text, Screenshot, Schrift, Diagramm enthält.&#10;&#10;KI-generierte Inhalte können fehlerhaft sein.">
-            <a:extLst>
-              <a:ext uri="{FF2B5EF4-FFF2-40B4-BE49-F238E27FC236}">
-                <a16:creationId xmlns:a16="http://schemas.microsoft.com/office/drawing/2014/main" id="{877F9DB5-3919-82D2-72C7-66A3E003D38B}"/>
-              </a:ext>
-            </a:extLst>
-          </p:cNvPr>
-          <p:cNvPicPr>
-            <a:picLocks noChangeAspect="1"/>
-          </p:cNvPicPr>
-          <p:nvPr/>
-        </p:nvPicPr>
-        <p:blipFill>
-          <a:blip r:embed="rId4">
-            <a:extLst>
-              <a:ext uri="{28A0092B-C50C-407E-A947-70E740481C1C}">
-                <a14:useLocalDpi xmlns:a14="http://schemas.microsoft.com/office/drawing/2010/main" val="0"/>
-              </a:ext>
-            </a:extLst>
-          </a:blip>
-          <a:stretch>
-            <a:fillRect/>
-          </a:stretch>
-        </p:blipFill>
-        <p:spPr>
-          <a:xfrm>
-            <a:off x="3936796" y="1287913"/>
-            <a:ext cx="4133312" cy="3466649"/>
-          </a:xfrm>
-          <a:prstGeom prst="rect">
-            <a:avLst/>
-          </a:prstGeom>
-        </p:spPr>
-      </p:pic>
       <p:sp>
         <p:nvSpPr>
           <p:cNvPr id="2" name="Titel 1">
@@ -10644,7 +10536,7 @@
         <p:spPr>
           <a:xfrm>
             <a:off x="478971" y="1931764"/>
-            <a:ext cx="2950029" cy="1200329"/>
+            <a:ext cx="9227091" cy="1661993"/>
           </a:xfrm>
           <a:prstGeom prst="rect">
             <a:avLst/>
@@ -10658,44 +10550,219 @@
           <a:lstStyle/>
           <a:p>
             <a:r>
-              <a:rPr lang="de-CH" sz="2400" dirty="0"/>
+              <a:rPr lang="de-CH" dirty="0"/>
               <a:t>Initial </a:t>
             </a:r>
             <a:r>
-              <a:rPr lang="de-CH" sz="2400" dirty="0" err="1"/>
+              <a:rPr lang="de-CH" dirty="0" err="1"/>
               <a:t>populations</a:t>
             </a:r>
             <a:r>
-              <a:rPr lang="de-CH" sz="2400" dirty="0"/>
+              <a:rPr lang="de-CH" dirty="0"/>
               <a:t> </a:t>
             </a:r>
             <a:r>
-              <a:rPr lang="de-CH" sz="2400" dirty="0" err="1"/>
+              <a:rPr lang="de-CH" dirty="0" err="1"/>
               <a:t>for</a:t>
             </a:r>
             <a:r>
-              <a:rPr lang="de-CH" sz="2400" dirty="0"/>
+              <a:rPr lang="de-CH" dirty="0"/>
               <a:t> all </a:t>
             </a:r>
             <a:r>
-              <a:rPr lang="de-CH" sz="2400" dirty="0" err="1"/>
+              <a:rPr lang="de-CH" dirty="0" err="1"/>
               <a:t>four</a:t>
             </a:r>
             <a:r>
-              <a:rPr lang="de-CH" sz="2400" dirty="0"/>
+              <a:rPr lang="de-CH" dirty="0"/>
               <a:t> </a:t>
             </a:r>
             <a:r>
-              <a:rPr lang="de-CH" sz="2400" dirty="0" err="1"/>
+              <a:rPr lang="de-CH" dirty="0" err="1"/>
               <a:t>mutants</a:t>
             </a:r>
             <a:r>
-              <a:rPr lang="de-CH" sz="2400" dirty="0"/>
+              <a:rPr lang="de-CH" dirty="0"/>
               <a:t>: N = 50</a:t>
             </a:r>
+          </a:p>
+          <a:p>
+            <a:r>
+              <a:rPr lang="en-US" dirty="0" err="1"/>
+              <a:t>m_rate_wm</a:t>
+            </a:r>
+            <a:r>
+              <a:rPr lang="en-US" dirty="0"/>
+              <a:t> &lt;- 0.002, </a:t>
+            </a:r>
+            <a:r>
+              <a:rPr lang="en-US" dirty="0" err="1"/>
+              <a:t>m_rate_sm</a:t>
+            </a:r>
+            <a:r>
+              <a:rPr lang="en-US" dirty="0"/>
+              <a:t> &lt;- 0.003, </a:t>
+            </a:r>
+            <a:r>
+              <a:rPr lang="en-US" dirty="0" err="1"/>
+              <a:t>decay_rate_wm</a:t>
+            </a:r>
+            <a:r>
+              <a:rPr lang="en-US" dirty="0"/>
+              <a:t> &lt;- 0.1, </a:t>
+            </a:r>
+            <a:r>
+              <a:rPr lang="en-US" dirty="0" err="1"/>
+              <a:t>decay_rate_sm</a:t>
+            </a:r>
+            <a:r>
+              <a:rPr lang="en-US" dirty="0"/>
+              <a:t> &lt;- 0.2, </a:t>
+            </a:r>
+          </a:p>
+          <a:p>
+            <a:r>
+              <a:rPr lang="en-US" dirty="0" err="1"/>
+              <a:t>s_wm</a:t>
+            </a:r>
+            <a:r>
+              <a:rPr lang="en-US" dirty="0"/>
+              <a:t> &lt;- 0.1, </a:t>
+            </a:r>
+            <a:r>
+              <a:rPr lang="en-US" dirty="0" err="1"/>
+              <a:t>s_sm</a:t>
+            </a:r>
+            <a:r>
+              <a:rPr lang="en-US" dirty="0"/>
+              <a:t> &lt;- 0.2, </a:t>
+            </a:r>
+            <a:r>
+              <a:rPr lang="en-US" dirty="0" err="1"/>
+              <a:t>max_gen</a:t>
+            </a:r>
+            <a:r>
+              <a:rPr lang="en-US" dirty="0"/>
+              <a:t> &lt;- 1000, replicates &lt;- 30</a:t>
+            </a:r>
+            <a:endParaRPr lang="de-CH" dirty="0"/>
+          </a:p>
+          <a:p>
+            <a:endParaRPr lang="de-CH" sz="2400" dirty="0"/>
+          </a:p>
+          <a:p>
+            <a:endParaRPr lang="de-CH" sz="2400" dirty="0"/>
           </a:p>
         </p:txBody>
       </p:sp>
+      <p:pic>
+        <p:nvPicPr>
+          <p:cNvPr id="4" name="Grafik 3" descr="Ein Bild, das Text, Screenshot, Reihe, Diagramm enthält.&#10;&#10;KI-generierte Inhalte können fehlerhaft sein.">
+            <a:extLst>
+              <a:ext uri="{FF2B5EF4-FFF2-40B4-BE49-F238E27FC236}">
+                <a16:creationId xmlns:a16="http://schemas.microsoft.com/office/drawing/2014/main" id="{37B15F42-C33E-6107-3885-5EE65BC0E692}"/>
+              </a:ext>
+            </a:extLst>
+          </p:cNvPr>
+          <p:cNvPicPr>
+            <a:picLocks noChangeAspect="1"/>
+          </p:cNvPicPr>
+          <p:nvPr/>
+        </p:nvPicPr>
+        <p:blipFill>
+          <a:blip r:embed="rId2">
+            <a:extLst>
+              <a:ext uri="{28A0092B-C50C-407E-A947-70E740481C1C}">
+                <a14:useLocalDpi xmlns:a14="http://schemas.microsoft.com/office/drawing/2010/main" val="0"/>
+              </a:ext>
+            </a:extLst>
+          </a:blip>
+          <a:stretch>
+            <a:fillRect/>
+          </a:stretch>
+        </p:blipFill>
+        <p:spPr>
+          <a:xfrm>
+            <a:off x="7822439" y="3355467"/>
+            <a:ext cx="4364695" cy="3502533"/>
+          </a:xfrm>
+          <a:prstGeom prst="rect">
+            <a:avLst/>
+          </a:prstGeom>
+        </p:spPr>
+      </p:pic>
+      <p:pic>
+        <p:nvPicPr>
+          <p:cNvPr id="12" name="Grafik 11" descr="Ein Bild, das Text, Diagramm, Screenshot, Reihe enthält.&#10;&#10;KI-generierte Inhalte können fehlerhaft sein.">
+            <a:extLst>
+              <a:ext uri="{FF2B5EF4-FFF2-40B4-BE49-F238E27FC236}">
+                <a16:creationId xmlns:a16="http://schemas.microsoft.com/office/drawing/2014/main" id="{E1E9B559-AD7C-093F-0D20-535A35961994}"/>
+              </a:ext>
+            </a:extLst>
+          </p:cNvPr>
+          <p:cNvPicPr>
+            <a:picLocks noChangeAspect="1"/>
+          </p:cNvPicPr>
+          <p:nvPr/>
+        </p:nvPicPr>
+        <p:blipFill>
+          <a:blip r:embed="rId3">
+            <a:extLst>
+              <a:ext uri="{28A0092B-C50C-407E-A947-70E740481C1C}">
+                <a14:useLocalDpi xmlns:a14="http://schemas.microsoft.com/office/drawing/2010/main" val="0"/>
+              </a:ext>
+            </a:extLst>
+          </a:blip>
+          <a:stretch>
+            <a:fillRect/>
+          </a:stretch>
+        </p:blipFill>
+        <p:spPr>
+          <a:xfrm>
+            <a:off x="4051788" y="3396636"/>
+            <a:ext cx="4127012" cy="3461364"/>
+          </a:xfrm>
+          <a:prstGeom prst="rect">
+            <a:avLst/>
+          </a:prstGeom>
+        </p:spPr>
+      </p:pic>
+      <p:pic>
+        <p:nvPicPr>
+          <p:cNvPr id="6" name="Grafik 5" descr="Ein Bild, das Text, Screenshot, Diagramm, Schrift enthält.&#10;&#10;KI-generierte Inhalte können fehlerhaft sein.">
+            <a:extLst>
+              <a:ext uri="{FF2B5EF4-FFF2-40B4-BE49-F238E27FC236}">
+                <a16:creationId xmlns:a16="http://schemas.microsoft.com/office/drawing/2014/main" id="{4D69680D-8714-703D-6365-EAA4A4F4CE25}"/>
+              </a:ext>
+            </a:extLst>
+          </p:cNvPr>
+          <p:cNvPicPr>
+            <a:picLocks noChangeAspect="1"/>
+          </p:cNvPicPr>
+          <p:nvPr/>
+        </p:nvPicPr>
+        <p:blipFill>
+          <a:blip r:embed="rId4">
+            <a:extLst>
+              <a:ext uri="{28A0092B-C50C-407E-A947-70E740481C1C}">
+                <a14:useLocalDpi xmlns:a14="http://schemas.microsoft.com/office/drawing/2010/main" val="0"/>
+              </a:ext>
+            </a:extLst>
+          </a:blip>
+          <a:stretch>
+            <a:fillRect/>
+          </a:stretch>
+        </p:blipFill>
+        <p:spPr>
+          <a:xfrm>
+            <a:off x="4866" y="3429000"/>
+            <a:ext cx="4273062" cy="3429000"/>
+          </a:xfrm>
+          <a:prstGeom prst="rect">
+            <a:avLst/>
+          </a:prstGeom>
+        </p:spPr>
+      </p:pic>
     </p:spTree>
     <p:extLst>
       <p:ext uri="{BB962C8B-B14F-4D97-AF65-F5344CB8AC3E}">
@@ -14055,42 +14122,6 @@
       </p:sp>
       <p:pic>
         <p:nvPicPr>
-          <p:cNvPr id="7" name="Grafik 6">
-            <a:extLst>
-              <a:ext uri="{FF2B5EF4-FFF2-40B4-BE49-F238E27FC236}">
-                <a16:creationId xmlns:a16="http://schemas.microsoft.com/office/drawing/2014/main" id="{5BFBA0A0-986F-6CD4-7F83-DC042D4F7E8C}"/>
-              </a:ext>
-            </a:extLst>
-          </p:cNvPr>
-          <p:cNvPicPr>
-            <a:picLocks noChangeAspect="1"/>
-          </p:cNvPicPr>
-          <p:nvPr/>
-        </p:nvPicPr>
-        <p:blipFill>
-          <a:blip r:embed="rId2">
-            <a:extLst>
-              <a:ext uri="{28A0092B-C50C-407E-A947-70E740481C1C}">
-                <a14:useLocalDpi xmlns:a14="http://schemas.microsoft.com/office/drawing/2010/main" val="0"/>
-              </a:ext>
-            </a:extLst>
-          </a:blip>
-          <a:stretch>
-            <a:fillRect/>
-          </a:stretch>
-        </p:blipFill>
-        <p:spPr>
-          <a:xfrm>
-            <a:off x="3625402" y="1543836"/>
-            <a:ext cx="4495391" cy="3770328"/>
-          </a:xfrm>
-          <a:prstGeom prst="rect">
-            <a:avLst/>
-          </a:prstGeom>
-        </p:spPr>
-      </p:pic>
-      <p:pic>
-        <p:nvPicPr>
           <p:cNvPr id="5" name="Inhaltsplatzhalter 4" descr="Ein Bild, das Text, Diagramm, Reihe, Schrift enthält.&#10;&#10;KI-generierte Inhalte können fehlerhaft sein.">
             <a:extLst>
               <a:ext uri="{FF2B5EF4-FFF2-40B4-BE49-F238E27FC236}">
@@ -14106,7 +14137,7 @@
           </p:nvPr>
         </p:nvPicPr>
         <p:blipFill>
-          <a:blip r:embed="rId3">
+          <a:blip r:embed="rId2">
             <a:extLst>
               <a:ext uri="{28A0092B-C50C-407E-A947-70E740481C1C}">
                 <a14:useLocalDpi xmlns:a14="http://schemas.microsoft.com/office/drawing/2010/main" val="0"/>
@@ -14119,45 +14150,9 @@
         </p:blipFill>
         <p:spPr>
           <a:xfrm>
-            <a:off x="8006080" y="3347230"/>
-            <a:ext cx="4185919" cy="3510770"/>
+            <a:off x="7944374" y="3295477"/>
+            <a:ext cx="4247625" cy="3562523"/>
           </a:xfrm>
-        </p:spPr>
-      </p:pic>
-      <p:pic>
-        <p:nvPicPr>
-          <p:cNvPr id="9" name="Grafik 8" descr="Ein Bild, das Text, Diagramm, Screenshot, Schrift enthält.&#10;&#10;KI-generierte Inhalte können fehlerhaft sein.">
-            <a:extLst>
-              <a:ext uri="{FF2B5EF4-FFF2-40B4-BE49-F238E27FC236}">
-                <a16:creationId xmlns:a16="http://schemas.microsoft.com/office/drawing/2014/main" id="{8A8A826D-1322-785C-EEC7-C78077239A34}"/>
-              </a:ext>
-            </a:extLst>
-          </p:cNvPr>
-          <p:cNvPicPr>
-            <a:picLocks noChangeAspect="1"/>
-          </p:cNvPicPr>
-          <p:nvPr/>
-        </p:nvPicPr>
-        <p:blipFill>
-          <a:blip r:embed="rId4">
-            <a:extLst>
-              <a:ext uri="{28A0092B-C50C-407E-A947-70E740481C1C}">
-                <a14:useLocalDpi xmlns:a14="http://schemas.microsoft.com/office/drawing/2010/main" val="0"/>
-              </a:ext>
-            </a:extLst>
-          </a:blip>
-          <a:stretch>
-            <a:fillRect/>
-          </a:stretch>
-        </p:blipFill>
-        <p:spPr>
-          <a:xfrm>
-            <a:off x="1" y="3365044"/>
-            <a:ext cx="4071208" cy="3414562"/>
-          </a:xfrm>
-          <a:prstGeom prst="rect">
-            <a:avLst/>
-          </a:prstGeom>
         </p:spPr>
       </p:pic>
       <p:sp>
@@ -14227,6 +14222,78 @@
           </a:p>
         </p:txBody>
       </p:sp>
+      <p:pic>
+        <p:nvPicPr>
+          <p:cNvPr id="7" name="Grafik 6">
+            <a:extLst>
+              <a:ext uri="{FF2B5EF4-FFF2-40B4-BE49-F238E27FC236}">
+                <a16:creationId xmlns:a16="http://schemas.microsoft.com/office/drawing/2014/main" id="{5BFBA0A0-986F-6CD4-7F83-DC042D4F7E8C}"/>
+              </a:ext>
+            </a:extLst>
+          </p:cNvPr>
+          <p:cNvPicPr>
+            <a:picLocks noChangeAspect="1"/>
+          </p:cNvPicPr>
+          <p:nvPr/>
+        </p:nvPicPr>
+        <p:blipFill>
+          <a:blip r:embed="rId3">
+            <a:extLst>
+              <a:ext uri="{28A0092B-C50C-407E-A947-70E740481C1C}">
+                <a14:useLocalDpi xmlns:a14="http://schemas.microsoft.com/office/drawing/2010/main" val="0"/>
+              </a:ext>
+            </a:extLst>
+          </a:blip>
+          <a:stretch>
+            <a:fillRect/>
+          </a:stretch>
+        </p:blipFill>
+        <p:spPr>
+          <a:xfrm>
+            <a:off x="4110605" y="3332000"/>
+            <a:ext cx="4204076" cy="3525999"/>
+          </a:xfrm>
+          <a:prstGeom prst="rect">
+            <a:avLst/>
+          </a:prstGeom>
+        </p:spPr>
+      </p:pic>
+      <p:pic>
+        <p:nvPicPr>
+          <p:cNvPr id="9" name="Grafik 8" descr="Ein Bild, das Text, Diagramm, Screenshot, Schrift enthält.&#10;&#10;KI-generierte Inhalte können fehlerhaft sein.">
+            <a:extLst>
+              <a:ext uri="{FF2B5EF4-FFF2-40B4-BE49-F238E27FC236}">
+                <a16:creationId xmlns:a16="http://schemas.microsoft.com/office/drawing/2014/main" id="{8A8A826D-1322-785C-EEC7-C78077239A34}"/>
+              </a:ext>
+            </a:extLst>
+          </p:cNvPr>
+          <p:cNvPicPr>
+            <a:picLocks noChangeAspect="1"/>
+          </p:cNvPicPr>
+          <p:nvPr/>
+        </p:nvPicPr>
+        <p:blipFill>
+          <a:blip r:embed="rId4">
+            <a:extLst>
+              <a:ext uri="{28A0092B-C50C-407E-A947-70E740481C1C}">
+                <a14:useLocalDpi xmlns:a14="http://schemas.microsoft.com/office/drawing/2010/main" val="0"/>
+              </a:ext>
+            </a:extLst>
+          </a:blip>
+          <a:stretch>
+            <a:fillRect/>
+          </a:stretch>
+        </p:blipFill>
+        <p:spPr>
+          <a:xfrm>
+            <a:off x="0" y="3332001"/>
+            <a:ext cx="4110605" cy="3447605"/>
+          </a:xfrm>
+          <a:prstGeom prst="rect">
+            <a:avLst/>
+          </a:prstGeom>
+        </p:spPr>
+      </p:pic>
     </p:spTree>
     <p:extLst>
       <p:ext uri="{BB962C8B-B14F-4D97-AF65-F5344CB8AC3E}">
@@ -14324,45 +14391,10 @@
       </p:sp>
       <p:pic>
         <p:nvPicPr>
-          <p:cNvPr id="5" name="Inhaltsplatzhalter 4" descr="Ein Bild, das Text, Screenshot, Schrift, Diagramm enthält.&#10;&#10;KI-generierte Inhalte können fehlerhaft sein.">
+          <p:cNvPr id="11" name="Grafik 10" descr="Ein Bild, das Text, Screenshot, Schrift, Reihe enthält.&#10;&#10;KI-generierte Inhalte können fehlerhaft sein.">
             <a:extLst>
               <a:ext uri="{FF2B5EF4-FFF2-40B4-BE49-F238E27FC236}">
-                <a16:creationId xmlns:a16="http://schemas.microsoft.com/office/drawing/2014/main" id="{3076232D-E9E4-FC16-D795-93A90A5DB318}"/>
-              </a:ext>
-            </a:extLst>
-          </p:cNvPr>
-          <p:cNvPicPr>
-            <a:picLocks noGrp="1" noChangeAspect="1"/>
-          </p:cNvPicPr>
-          <p:nvPr>
-            <p:ph idx="1"/>
-          </p:nvPr>
-        </p:nvPicPr>
-        <p:blipFill>
-          <a:blip r:embed="rId2">
-            <a:extLst>
-              <a:ext uri="{28A0092B-C50C-407E-A947-70E740481C1C}">
-                <a14:useLocalDpi xmlns:a14="http://schemas.microsoft.com/office/drawing/2010/main" val="0"/>
-              </a:ext>
-            </a:extLst>
-          </a:blip>
-          <a:stretch>
-            <a:fillRect/>
-          </a:stretch>
-        </p:blipFill>
-        <p:spPr>
-          <a:xfrm>
-            <a:off x="-55676" y="3145481"/>
-            <a:ext cx="4434635" cy="3719372"/>
-          </a:xfrm>
-        </p:spPr>
-      </p:pic>
-      <p:pic>
-        <p:nvPicPr>
-          <p:cNvPr id="9" name="Grafik 8" descr="Ein Bild, das Text, Screenshot, Schrift, Reihe enthält.&#10;&#10;KI-generierte Inhalte können fehlerhaft sein.">
-            <a:extLst>
-              <a:ext uri="{FF2B5EF4-FFF2-40B4-BE49-F238E27FC236}">
-                <a16:creationId xmlns:a16="http://schemas.microsoft.com/office/drawing/2014/main" id="{2767FC86-5039-0DCD-9A18-0BF72288387D}"/>
+                <a16:creationId xmlns:a16="http://schemas.microsoft.com/office/drawing/2014/main" id="{F3D46F62-CDAB-7DF2-D5AD-8ECD93880F9B}"/>
               </a:ext>
             </a:extLst>
           </p:cNvPr>
@@ -14372,43 +14404,7 @@
           <p:nvPr/>
         </p:nvPicPr>
         <p:blipFill>
-          <a:blip r:embed="rId3">
-            <a:extLst>
-              <a:ext uri="{28A0092B-C50C-407E-A947-70E740481C1C}">
-                <a14:useLocalDpi xmlns:a14="http://schemas.microsoft.com/office/drawing/2010/main" val="0"/>
-              </a:ext>
-            </a:extLst>
-          </a:blip>
-          <a:stretch>
-            <a:fillRect/>
-          </a:stretch>
-        </p:blipFill>
-        <p:spPr>
-          <a:xfrm>
-            <a:off x="4140654" y="1027906"/>
-            <a:ext cx="4068626" cy="3412396"/>
-          </a:xfrm>
-          <a:prstGeom prst="rect">
-            <a:avLst/>
-          </a:prstGeom>
-        </p:spPr>
-      </p:pic>
-      <p:pic>
-        <p:nvPicPr>
-          <p:cNvPr id="11" name="Grafik 10" descr="Ein Bild, das Text, Screenshot, Schrift, Reihe enthält.&#10;&#10;KI-generierte Inhalte können fehlerhaft sein.">
-            <a:extLst>
-              <a:ext uri="{FF2B5EF4-FFF2-40B4-BE49-F238E27FC236}">
-                <a16:creationId xmlns:a16="http://schemas.microsoft.com/office/drawing/2014/main" id="{F3D46F62-CDAB-7DF2-D5AD-8ECD93880F9B}"/>
-              </a:ext>
-            </a:extLst>
-          </p:cNvPr>
-          <p:cNvPicPr>
-            <a:picLocks noChangeAspect="1"/>
-          </p:cNvPicPr>
-          <p:nvPr/>
-        </p:nvPicPr>
-        <p:blipFill>
-          <a:blip r:embed="rId4">
+          <a:blip r:embed="rId2">
             <a:extLst>
               <a:ext uri="{28A0092B-C50C-407E-A947-70E740481C1C}">
                 <a14:useLocalDpi xmlns:a14="http://schemas.microsoft.com/office/drawing/2010/main" val="0"/>
@@ -14496,6 +14492,77 @@
           </a:p>
         </p:txBody>
       </p:sp>
+      <p:pic>
+        <p:nvPicPr>
+          <p:cNvPr id="9" name="Grafik 8" descr="Ein Bild, das Text, Screenshot, Schrift, Reihe enthält.&#10;&#10;KI-generierte Inhalte können fehlerhaft sein.">
+            <a:extLst>
+              <a:ext uri="{FF2B5EF4-FFF2-40B4-BE49-F238E27FC236}">
+                <a16:creationId xmlns:a16="http://schemas.microsoft.com/office/drawing/2014/main" id="{2767FC86-5039-0DCD-9A18-0BF72288387D}"/>
+              </a:ext>
+            </a:extLst>
+          </p:cNvPr>
+          <p:cNvPicPr>
+            <a:picLocks noChangeAspect="1"/>
+          </p:cNvPicPr>
+          <p:nvPr/>
+        </p:nvPicPr>
+        <p:blipFill>
+          <a:blip r:embed="rId3">
+            <a:extLst>
+              <a:ext uri="{28A0092B-C50C-407E-A947-70E740481C1C}">
+                <a14:useLocalDpi xmlns:a14="http://schemas.microsoft.com/office/drawing/2010/main" val="0"/>
+              </a:ext>
+            </a:extLst>
+          </a:blip>
+          <a:stretch>
+            <a:fillRect/>
+          </a:stretch>
+        </p:blipFill>
+        <p:spPr>
+          <a:xfrm>
+            <a:off x="4122646" y="3238680"/>
+            <a:ext cx="4140509" cy="3472685"/>
+          </a:xfrm>
+          <a:prstGeom prst="rect">
+            <a:avLst/>
+          </a:prstGeom>
+        </p:spPr>
+      </p:pic>
+      <p:pic>
+        <p:nvPicPr>
+          <p:cNvPr id="5" name="Inhaltsplatzhalter 4" descr="Ein Bild, das Text, Screenshot, Schrift, Diagramm enthält.&#10;&#10;KI-generierte Inhalte können fehlerhaft sein.">
+            <a:extLst>
+              <a:ext uri="{FF2B5EF4-FFF2-40B4-BE49-F238E27FC236}">
+                <a16:creationId xmlns:a16="http://schemas.microsoft.com/office/drawing/2014/main" id="{3076232D-E9E4-FC16-D795-93A90A5DB318}"/>
+              </a:ext>
+            </a:extLst>
+          </p:cNvPr>
+          <p:cNvPicPr>
+            <a:picLocks noGrp="1" noChangeAspect="1"/>
+          </p:cNvPicPr>
+          <p:nvPr>
+            <p:ph idx="1"/>
+          </p:nvPr>
+        </p:nvPicPr>
+        <p:blipFill>
+          <a:blip r:embed="rId4">
+            <a:extLst>
+              <a:ext uri="{28A0092B-C50C-407E-A947-70E740481C1C}">
+                <a14:useLocalDpi xmlns:a14="http://schemas.microsoft.com/office/drawing/2010/main" val="0"/>
+              </a:ext>
+            </a:extLst>
+          </a:blip>
+          <a:stretch>
+            <a:fillRect/>
+          </a:stretch>
+        </p:blipFill>
+        <p:spPr>
+          <a:xfrm>
+            <a:off x="0" y="3173729"/>
+            <a:ext cx="4392784" cy="3684271"/>
+          </a:xfrm>
+        </p:spPr>
+      </p:pic>
     </p:spTree>
     <p:extLst>
       <p:ext uri="{BB962C8B-B14F-4D97-AF65-F5344CB8AC3E}">
@@ -14528,10 +14595,10 @@
       </p:grpSpPr>
       <p:pic>
         <p:nvPicPr>
-          <p:cNvPr id="14" name="Grafik 13" descr="Ein Bild, das Text, Screenshot, Schrift, Diagramm enthält.&#10;&#10;KI-generierte Inhalte können fehlerhaft sein.">
+          <p:cNvPr id="4" name="Grafik 3" descr="Ein Bild, das Text, Screenshot, Reihe, Diagramm enthält.&#10;&#10;KI-generierte Inhalte können fehlerhaft sein.">
             <a:extLst>
               <a:ext uri="{FF2B5EF4-FFF2-40B4-BE49-F238E27FC236}">
-                <a16:creationId xmlns:a16="http://schemas.microsoft.com/office/drawing/2014/main" id="{D782B588-ECE0-C3F9-5EB2-F894E28B2EC0}"/>
+                <a16:creationId xmlns:a16="http://schemas.microsoft.com/office/drawing/2014/main" id="{4919A927-7064-5ABA-CB57-D32700B8C3C7}"/>
               </a:ext>
             </a:extLst>
           </p:cNvPr>
@@ -14548,14 +14615,15 @@
               </a:ext>
             </a:extLst>
           </a:blip>
+          <a:srcRect r="3288"/>
           <a:stretch>
             <a:fillRect/>
           </a:stretch>
         </p:blipFill>
         <p:spPr>
           <a:xfrm>
-            <a:off x="3891280" y="944674"/>
-            <a:ext cx="4409439" cy="3698239"/>
+            <a:off x="8155457" y="3262013"/>
+            <a:ext cx="4069990" cy="3377065"/>
           </a:xfrm>
           <a:prstGeom prst="rect">
             <a:avLst/>
@@ -14584,44 +14652,8 @@
           <a:lstStyle/>
           <a:p>
             <a:r>
-              <a:rPr lang="de-CH" dirty="0"/>
-              <a:t>Plot </a:t>
-            </a:r>
-            <a:r>
-              <a:rPr lang="de-CH" dirty="0" err="1"/>
-              <a:t>showing</a:t>
-            </a:r>
-            <a:r>
-              <a:rPr lang="de-CH" dirty="0"/>
-              <a:t> multiple </a:t>
-            </a:r>
-            <a:r>
-              <a:rPr lang="de-CH" dirty="0" err="1"/>
-              <a:t>populations</a:t>
-            </a:r>
-            <a:r>
-              <a:rPr lang="de-CH" dirty="0"/>
-              <a:t> </a:t>
-            </a:r>
-            <a:r>
-              <a:rPr lang="de-CH" dirty="0" err="1"/>
-              <a:t>over</a:t>
-            </a:r>
-            <a:r>
-              <a:rPr lang="de-CH" dirty="0"/>
-              <a:t> a </a:t>
-            </a:r>
-            <a:r>
-              <a:rPr lang="de-CH" dirty="0" err="1"/>
-              <a:t>thousand</a:t>
-            </a:r>
-            <a:r>
-              <a:rPr lang="de-CH" dirty="0"/>
-              <a:t> </a:t>
-            </a:r>
-            <a:r>
-              <a:rPr lang="de-CH" dirty="0" err="1"/>
-              <a:t>generations</a:t>
+              <a:rPr lang="de-CH"/>
+              <a:t>Plot showing multiple populations over a thousand generations</a:t>
             </a:r>
             <a:endParaRPr lang="de-CH" dirty="0"/>
           </a:p>
@@ -14642,7 +14674,7 @@
         <p:spPr>
           <a:xfrm>
             <a:off x="838201" y="1931763"/>
-            <a:ext cx="2860040" cy="1200329"/>
+            <a:ext cx="7945072" cy="1200329"/>
           </a:xfrm>
           <a:prstGeom prst="rect">
             <a:avLst/>
@@ -14656,50 +14688,115 @@
           <a:lstStyle/>
           <a:p>
             <a:r>
-              <a:rPr lang="de-CH" sz="2400" dirty="0"/>
+              <a:rPr lang="de-CH" dirty="0"/>
               <a:t>Initial </a:t>
             </a:r>
             <a:r>
-              <a:rPr lang="de-CH" sz="2400" dirty="0" err="1"/>
+              <a:rPr lang="de-CH" dirty="0" err="1"/>
               <a:t>populations</a:t>
             </a:r>
             <a:r>
-              <a:rPr lang="de-CH" sz="2400" dirty="0"/>
+              <a:rPr lang="de-CH" dirty="0"/>
               <a:t> </a:t>
             </a:r>
             <a:r>
-              <a:rPr lang="de-CH" sz="2400" dirty="0" err="1"/>
+              <a:rPr lang="de-CH" dirty="0" err="1"/>
               <a:t>for</a:t>
             </a:r>
             <a:r>
-              <a:rPr lang="de-CH" sz="2400" dirty="0"/>
+              <a:rPr lang="de-CH" dirty="0"/>
               <a:t> all </a:t>
             </a:r>
             <a:r>
-              <a:rPr lang="de-CH" sz="2400" dirty="0" err="1"/>
+              <a:rPr lang="de-CH" dirty="0" err="1"/>
               <a:t>four</a:t>
             </a:r>
             <a:r>
-              <a:rPr lang="de-CH" sz="2400" dirty="0"/>
+              <a:rPr lang="de-CH" dirty="0"/>
               <a:t> </a:t>
             </a:r>
             <a:r>
-              <a:rPr lang="de-CH" sz="2400" dirty="0" err="1"/>
+              <a:rPr lang="de-CH" dirty="0" err="1"/>
               <a:t>mutants</a:t>
             </a:r>
             <a:r>
-              <a:rPr lang="de-CH" sz="2400" dirty="0"/>
+              <a:rPr lang="de-CH" dirty="0"/>
               <a:t>: N = 30</a:t>
             </a:r>
+          </a:p>
+          <a:p>
+            <a:r>
+              <a:rPr lang="en-US" dirty="0" err="1"/>
+              <a:t>m_rate_wm</a:t>
+            </a:r>
+            <a:r>
+              <a:rPr lang="en-US" dirty="0"/>
+              <a:t> &lt;- 0.003, </a:t>
+            </a:r>
+            <a:r>
+              <a:rPr lang="en-US" dirty="0" err="1"/>
+              <a:t>m_rate_sm</a:t>
+            </a:r>
+            <a:r>
+              <a:rPr lang="en-US" dirty="0"/>
+              <a:t> &lt;- 0.005, </a:t>
+            </a:r>
+            <a:r>
+              <a:rPr lang="en-US" dirty="0" err="1"/>
+              <a:t>decay_rate_wm</a:t>
+            </a:r>
+            <a:r>
+              <a:rPr lang="en-US" dirty="0"/>
+              <a:t> &lt;- 0.1, </a:t>
+            </a:r>
+            <a:r>
+              <a:rPr lang="en-US" dirty="0" err="1"/>
+              <a:t>decay_rate_sm</a:t>
+            </a:r>
+            <a:r>
+              <a:rPr lang="en-US" dirty="0"/>
+              <a:t> &lt;- 0.2, </a:t>
+            </a:r>
+            <a:r>
+              <a:rPr lang="en-US" dirty="0" err="1"/>
+              <a:t>s_wm</a:t>
+            </a:r>
+            <a:r>
+              <a:rPr lang="en-US" dirty="0"/>
+              <a:t> &lt;- 0.1, </a:t>
+            </a:r>
+            <a:r>
+              <a:rPr lang="en-US" dirty="0" err="1"/>
+              <a:t>s_sm</a:t>
+            </a:r>
+            <a:r>
+              <a:rPr lang="en-US" dirty="0"/>
+              <a:t> &lt;- 0.2, </a:t>
+            </a:r>
+            <a:r>
+              <a:rPr lang="en-US" dirty="0" err="1"/>
+              <a:t>max_gen</a:t>
+            </a:r>
+            <a:r>
+              <a:rPr lang="en-US" dirty="0"/>
+              <a:t> &lt;- 1000, </a:t>
+            </a:r>
+          </a:p>
+          <a:p>
+            <a:r>
+              <a:rPr lang="en-US" dirty="0"/>
+              <a:t>replicates &lt;- 30</a:t>
+            </a:r>
+            <a:endParaRPr lang="de-CH" dirty="0"/>
           </a:p>
         </p:txBody>
       </p:sp>
       <p:pic>
         <p:nvPicPr>
-          <p:cNvPr id="16" name="Grafik 15" descr="Ein Bild, das Text, Screenshot, Schrift, Diagramm enthält.&#10;&#10;KI-generierte Inhalte können fehlerhaft sein.">
+          <p:cNvPr id="6" name="Grafik 5" descr="Ein Bild, das Text, Screenshot, Schrift, Reihe enthält.&#10;&#10;KI-generierte Inhalte können fehlerhaft sein.">
             <a:extLst>
               <a:ext uri="{FF2B5EF4-FFF2-40B4-BE49-F238E27FC236}">
-                <a16:creationId xmlns:a16="http://schemas.microsoft.com/office/drawing/2014/main" id="{1CF1B61E-9E85-A7F5-0FA4-6FA0435C6607}"/>
+                <a16:creationId xmlns:a16="http://schemas.microsoft.com/office/drawing/2014/main" id="{8BEA3F3E-C93D-C7F7-B5FE-F5AE852E3DC9}"/>
               </a:ext>
             </a:extLst>
           </p:cNvPr>
@@ -14722,8 +14819,8 @@
         </p:blipFill>
         <p:spPr>
           <a:xfrm>
-            <a:off x="0" y="3312161"/>
-            <a:ext cx="4227733" cy="3545840"/>
+            <a:off x="4256648" y="3241040"/>
+            <a:ext cx="4234479" cy="3398038"/>
           </a:xfrm>
           <a:prstGeom prst="rect">
             <a:avLst/>
@@ -14732,10 +14829,10 @@
       </p:pic>
       <p:pic>
         <p:nvPicPr>
-          <p:cNvPr id="12" name="Grafik 11" descr="Ein Bild, das Text, Screenshot, Diagramm, Schrift enthält.&#10;&#10;KI-generierte Inhalte können fehlerhaft sein.">
+          <p:cNvPr id="9" name="Grafik 8" descr="Ein Bild, das Text, Diagramm, Screenshot, Reihe enthält.&#10;&#10;KI-generierte Inhalte können fehlerhaft sein.">
             <a:extLst>
               <a:ext uri="{FF2B5EF4-FFF2-40B4-BE49-F238E27FC236}">
-                <a16:creationId xmlns:a16="http://schemas.microsoft.com/office/drawing/2014/main" id="{0C2DE09A-9A31-12A2-1F69-ACD721E6B79D}"/>
+                <a16:creationId xmlns:a16="http://schemas.microsoft.com/office/drawing/2014/main" id="{5DED9D80-1879-EB5C-68CF-66D2AFDE1303}"/>
               </a:ext>
             </a:extLst>
           </p:cNvPr>
@@ -14758,8 +14855,8 @@
         </p:blipFill>
         <p:spPr>
           <a:xfrm>
-            <a:off x="7964266" y="3312159"/>
-            <a:ext cx="4227733" cy="3545841"/>
+            <a:off x="162346" y="3241040"/>
+            <a:ext cx="4260614" cy="3419011"/>
           </a:xfrm>
           <a:prstGeom prst="rect">
             <a:avLst/>

--- a/THEE_project.pptx
+++ b/THEE_project.pptx
@@ -4,6 +4,9 @@
   <p:sldMasterIdLst>
     <p:sldMasterId id="2147483648" r:id="rId1"/>
   </p:sldMasterIdLst>
+  <p:notesMasterIdLst>
+    <p:notesMasterId r:id="rId16"/>
+  </p:notesMasterIdLst>
   <p:sldIdLst>
     <p:sldId id="256" r:id="rId2"/>
     <p:sldId id="257" r:id="rId3"/>
@@ -6420,6 +6423,444 @@
 </inkml:ink>
 </file>
 
+<file path=ppt/notesMasters/notesMaster1.xml><?xml version="1.0" encoding="utf-8"?>
+<p:notesMaster xmlns:a="http://schemas.openxmlformats.org/drawingml/2006/main" xmlns:r="http://schemas.openxmlformats.org/officeDocument/2006/relationships" xmlns:p="http://schemas.openxmlformats.org/presentationml/2006/main">
+  <p:cSld>
+    <p:bg>
+      <p:bgRef idx="1001">
+        <a:schemeClr val="bg1"/>
+      </p:bgRef>
+    </p:bg>
+    <p:spTree>
+      <p:nvGrpSpPr>
+        <p:cNvPr id="1" name=""/>
+        <p:cNvGrpSpPr/>
+        <p:nvPr/>
+      </p:nvGrpSpPr>
+      <p:grpSpPr>
+        <a:xfrm>
+          <a:off x="0" y="0"/>
+          <a:ext cx="0" cy="0"/>
+          <a:chOff x="0" y="0"/>
+          <a:chExt cx="0" cy="0"/>
+        </a:xfrm>
+      </p:grpSpPr>
+      <p:sp>
+        <p:nvSpPr>
+          <p:cNvPr id="2" name="Kopfzeilenplatzhalter 1"/>
+          <p:cNvSpPr>
+            <a:spLocks noGrp="1"/>
+          </p:cNvSpPr>
+          <p:nvPr>
+            <p:ph type="hdr" sz="quarter"/>
+          </p:nvPr>
+        </p:nvSpPr>
+        <p:spPr>
+          <a:xfrm>
+            <a:off x="0" y="0"/>
+            <a:ext cx="2971800" cy="458788"/>
+          </a:xfrm>
+          <a:prstGeom prst="rect">
+            <a:avLst/>
+          </a:prstGeom>
+        </p:spPr>
+        <p:txBody>
+          <a:bodyPr vert="horz" lIns="91440" tIns="45720" rIns="91440" bIns="45720" rtlCol="0"/>
+          <a:lstStyle>
+            <a:lvl1pPr algn="l">
+              <a:defRPr sz="1200"/>
+            </a:lvl1pPr>
+          </a:lstStyle>
+          <a:p>
+            <a:endParaRPr lang="de-CH"/>
+          </a:p>
+        </p:txBody>
+      </p:sp>
+      <p:sp>
+        <p:nvSpPr>
+          <p:cNvPr id="3" name="Datumsplatzhalter 2"/>
+          <p:cNvSpPr>
+            <a:spLocks noGrp="1"/>
+          </p:cNvSpPr>
+          <p:nvPr>
+            <p:ph type="dt" idx="1"/>
+          </p:nvPr>
+        </p:nvSpPr>
+        <p:spPr>
+          <a:xfrm>
+            <a:off x="3884613" y="0"/>
+            <a:ext cx="2971800" cy="458788"/>
+          </a:xfrm>
+          <a:prstGeom prst="rect">
+            <a:avLst/>
+          </a:prstGeom>
+        </p:spPr>
+        <p:txBody>
+          <a:bodyPr vert="horz" lIns="91440" tIns="45720" rIns="91440" bIns="45720" rtlCol="0"/>
+          <a:lstStyle>
+            <a:lvl1pPr algn="r">
+              <a:defRPr sz="1200"/>
+            </a:lvl1pPr>
+          </a:lstStyle>
+          <a:p>
+            <a:fld id="{740372E1-B704-4512-BDBA-5D022C1A121C}" type="datetimeFigureOut">
+              <a:rPr lang="de-CH" smtClean="0"/>
+              <a:t>29.10.2025</a:t>
+            </a:fld>
+            <a:endParaRPr lang="de-CH"/>
+          </a:p>
+        </p:txBody>
+      </p:sp>
+      <p:sp>
+        <p:nvSpPr>
+          <p:cNvPr id="4" name="Folienbildplatzhalter 3"/>
+          <p:cNvSpPr>
+            <a:spLocks noGrp="1" noRot="1" noChangeAspect="1"/>
+          </p:cNvSpPr>
+          <p:nvPr>
+            <p:ph type="sldImg" idx="2"/>
+          </p:nvPr>
+        </p:nvSpPr>
+        <p:spPr>
+          <a:xfrm>
+            <a:off x="685800" y="1143000"/>
+            <a:ext cx="5486400" cy="3086100"/>
+          </a:xfrm>
+          <a:prstGeom prst="rect">
+            <a:avLst/>
+          </a:prstGeom>
+          <a:noFill/>
+          <a:ln w="12700">
+            <a:solidFill>
+              <a:prstClr val="black"/>
+            </a:solidFill>
+          </a:ln>
+        </p:spPr>
+        <p:txBody>
+          <a:bodyPr vert="horz" lIns="91440" tIns="45720" rIns="91440" bIns="45720" rtlCol="0" anchor="ctr"/>
+          <a:lstStyle/>
+          <a:p>
+            <a:endParaRPr lang="de-CH"/>
+          </a:p>
+        </p:txBody>
+      </p:sp>
+      <p:sp>
+        <p:nvSpPr>
+          <p:cNvPr id="5" name="Notizenplatzhalter 4"/>
+          <p:cNvSpPr>
+            <a:spLocks noGrp="1"/>
+          </p:cNvSpPr>
+          <p:nvPr>
+            <p:ph type="body" sz="quarter" idx="3"/>
+          </p:nvPr>
+        </p:nvSpPr>
+        <p:spPr>
+          <a:xfrm>
+            <a:off x="685800" y="4400550"/>
+            <a:ext cx="5486400" cy="3600450"/>
+          </a:xfrm>
+          <a:prstGeom prst="rect">
+            <a:avLst/>
+          </a:prstGeom>
+        </p:spPr>
+        <p:txBody>
+          <a:bodyPr vert="horz" lIns="91440" tIns="45720" rIns="91440" bIns="45720" rtlCol="0"/>
+          <a:lstStyle/>
+          <a:p>
+            <a:pPr lvl="0"/>
+            <a:r>
+              <a:rPr lang="de-DE"/>
+              <a:t>Mastertextformat bearbeiten</a:t>
+            </a:r>
+          </a:p>
+          <a:p>
+            <a:pPr lvl="1"/>
+            <a:r>
+              <a:rPr lang="de-DE"/>
+              <a:t>Zweite Ebene</a:t>
+            </a:r>
+          </a:p>
+          <a:p>
+            <a:pPr lvl="2"/>
+            <a:r>
+              <a:rPr lang="de-DE"/>
+              <a:t>Dritte Ebene</a:t>
+            </a:r>
+          </a:p>
+          <a:p>
+            <a:pPr lvl="3"/>
+            <a:r>
+              <a:rPr lang="de-DE"/>
+              <a:t>Vierte Ebene</a:t>
+            </a:r>
+          </a:p>
+          <a:p>
+            <a:pPr lvl="4"/>
+            <a:r>
+              <a:rPr lang="de-DE"/>
+              <a:t>Fünfte Ebene</a:t>
+            </a:r>
+            <a:endParaRPr lang="de-CH"/>
+          </a:p>
+        </p:txBody>
+      </p:sp>
+      <p:sp>
+        <p:nvSpPr>
+          <p:cNvPr id="6" name="Fußzeilenplatzhalter 5"/>
+          <p:cNvSpPr>
+            <a:spLocks noGrp="1"/>
+          </p:cNvSpPr>
+          <p:nvPr>
+            <p:ph type="ftr" sz="quarter" idx="4"/>
+          </p:nvPr>
+        </p:nvSpPr>
+        <p:spPr>
+          <a:xfrm>
+            <a:off x="0" y="8685213"/>
+            <a:ext cx="2971800" cy="458787"/>
+          </a:xfrm>
+          <a:prstGeom prst="rect">
+            <a:avLst/>
+          </a:prstGeom>
+        </p:spPr>
+        <p:txBody>
+          <a:bodyPr vert="horz" lIns="91440" tIns="45720" rIns="91440" bIns="45720" rtlCol="0" anchor="b"/>
+          <a:lstStyle>
+            <a:lvl1pPr algn="l">
+              <a:defRPr sz="1200"/>
+            </a:lvl1pPr>
+          </a:lstStyle>
+          <a:p>
+            <a:endParaRPr lang="de-CH"/>
+          </a:p>
+        </p:txBody>
+      </p:sp>
+      <p:sp>
+        <p:nvSpPr>
+          <p:cNvPr id="7" name="Foliennummernplatzhalter 6"/>
+          <p:cNvSpPr>
+            <a:spLocks noGrp="1"/>
+          </p:cNvSpPr>
+          <p:nvPr>
+            <p:ph type="sldNum" sz="quarter" idx="5"/>
+          </p:nvPr>
+        </p:nvSpPr>
+        <p:spPr>
+          <a:xfrm>
+            <a:off x="3884613" y="8685213"/>
+            <a:ext cx="2971800" cy="458787"/>
+          </a:xfrm>
+          <a:prstGeom prst="rect">
+            <a:avLst/>
+          </a:prstGeom>
+        </p:spPr>
+        <p:txBody>
+          <a:bodyPr vert="horz" lIns="91440" tIns="45720" rIns="91440" bIns="45720" rtlCol="0" anchor="b"/>
+          <a:lstStyle>
+            <a:lvl1pPr algn="r">
+              <a:defRPr sz="1200"/>
+            </a:lvl1pPr>
+          </a:lstStyle>
+          <a:p>
+            <a:fld id="{93DA30BD-7270-43EB-A73F-B6775BEA5F78}" type="slidenum">
+              <a:rPr lang="de-CH" smtClean="0"/>
+              <a:t>‹Nr.›</a:t>
+            </a:fld>
+            <a:endParaRPr lang="de-CH"/>
+          </a:p>
+        </p:txBody>
+      </p:sp>
+    </p:spTree>
+    <p:extLst>
+      <p:ext uri="{BB962C8B-B14F-4D97-AF65-F5344CB8AC3E}">
+        <p14:creationId xmlns:p14="http://schemas.microsoft.com/office/powerpoint/2010/main" val="1818162638"/>
+      </p:ext>
+    </p:extLst>
+  </p:cSld>
+  <p:clrMap bg1="lt1" tx1="dk1" bg2="lt2" tx2="dk2" accent1="accent1" accent2="accent2" accent3="accent3" accent4="accent4" accent5="accent5" accent6="accent6" hlink="hlink" folHlink="folHlink"/>
+  <p:notesStyle>
+    <a:lvl1pPr marL="0" algn="l" defTabSz="914400" rtl="0" eaLnBrk="1" latinLnBrk="0" hangingPunct="1">
+      <a:defRPr sz="1200" kern="1200">
+        <a:solidFill>
+          <a:schemeClr val="tx1"/>
+        </a:solidFill>
+        <a:latin typeface="+mn-lt"/>
+        <a:ea typeface="+mn-ea"/>
+        <a:cs typeface="+mn-cs"/>
+      </a:defRPr>
+    </a:lvl1pPr>
+    <a:lvl2pPr marL="457200" algn="l" defTabSz="914400" rtl="0" eaLnBrk="1" latinLnBrk="0" hangingPunct="1">
+      <a:defRPr sz="1200" kern="1200">
+        <a:solidFill>
+          <a:schemeClr val="tx1"/>
+        </a:solidFill>
+        <a:latin typeface="+mn-lt"/>
+        <a:ea typeface="+mn-ea"/>
+        <a:cs typeface="+mn-cs"/>
+      </a:defRPr>
+    </a:lvl2pPr>
+    <a:lvl3pPr marL="914400" algn="l" defTabSz="914400" rtl="0" eaLnBrk="1" latinLnBrk="0" hangingPunct="1">
+      <a:defRPr sz="1200" kern="1200">
+        <a:solidFill>
+          <a:schemeClr val="tx1"/>
+        </a:solidFill>
+        <a:latin typeface="+mn-lt"/>
+        <a:ea typeface="+mn-ea"/>
+        <a:cs typeface="+mn-cs"/>
+      </a:defRPr>
+    </a:lvl3pPr>
+    <a:lvl4pPr marL="1371600" algn="l" defTabSz="914400" rtl="0" eaLnBrk="1" latinLnBrk="0" hangingPunct="1">
+      <a:defRPr sz="1200" kern="1200">
+        <a:solidFill>
+          <a:schemeClr val="tx1"/>
+        </a:solidFill>
+        <a:latin typeface="+mn-lt"/>
+        <a:ea typeface="+mn-ea"/>
+        <a:cs typeface="+mn-cs"/>
+      </a:defRPr>
+    </a:lvl4pPr>
+    <a:lvl5pPr marL="1828800" algn="l" defTabSz="914400" rtl="0" eaLnBrk="1" latinLnBrk="0" hangingPunct="1">
+      <a:defRPr sz="1200" kern="1200">
+        <a:solidFill>
+          <a:schemeClr val="tx1"/>
+        </a:solidFill>
+        <a:latin typeface="+mn-lt"/>
+        <a:ea typeface="+mn-ea"/>
+        <a:cs typeface="+mn-cs"/>
+      </a:defRPr>
+    </a:lvl5pPr>
+    <a:lvl6pPr marL="2286000" algn="l" defTabSz="914400" rtl="0" eaLnBrk="1" latinLnBrk="0" hangingPunct="1">
+      <a:defRPr sz="1200" kern="1200">
+        <a:solidFill>
+          <a:schemeClr val="tx1"/>
+        </a:solidFill>
+        <a:latin typeface="+mn-lt"/>
+        <a:ea typeface="+mn-ea"/>
+        <a:cs typeface="+mn-cs"/>
+      </a:defRPr>
+    </a:lvl6pPr>
+    <a:lvl7pPr marL="2743200" algn="l" defTabSz="914400" rtl="0" eaLnBrk="1" latinLnBrk="0" hangingPunct="1">
+      <a:defRPr sz="1200" kern="1200">
+        <a:solidFill>
+          <a:schemeClr val="tx1"/>
+        </a:solidFill>
+        <a:latin typeface="+mn-lt"/>
+        <a:ea typeface="+mn-ea"/>
+        <a:cs typeface="+mn-cs"/>
+      </a:defRPr>
+    </a:lvl7pPr>
+    <a:lvl8pPr marL="3200400" algn="l" defTabSz="914400" rtl="0" eaLnBrk="1" latinLnBrk="0" hangingPunct="1">
+      <a:defRPr sz="1200" kern="1200">
+        <a:solidFill>
+          <a:schemeClr val="tx1"/>
+        </a:solidFill>
+        <a:latin typeface="+mn-lt"/>
+        <a:ea typeface="+mn-ea"/>
+        <a:cs typeface="+mn-cs"/>
+      </a:defRPr>
+    </a:lvl8pPr>
+    <a:lvl9pPr marL="3657600" algn="l" defTabSz="914400" rtl="0" eaLnBrk="1" latinLnBrk="0" hangingPunct="1">
+      <a:defRPr sz="1200" kern="1200">
+        <a:solidFill>
+          <a:schemeClr val="tx1"/>
+        </a:solidFill>
+        <a:latin typeface="+mn-lt"/>
+        <a:ea typeface="+mn-ea"/>
+        <a:cs typeface="+mn-cs"/>
+      </a:defRPr>
+    </a:lvl9pPr>
+  </p:notesStyle>
+</p:notesMaster>
+</file>
+
+<file path=ppt/notesSlides/notesSlide1.xml><?xml version="1.0" encoding="utf-8"?>
+<p:notes xmlns:a="http://schemas.openxmlformats.org/drawingml/2006/main" xmlns:r="http://schemas.openxmlformats.org/officeDocument/2006/relationships" xmlns:p="http://schemas.openxmlformats.org/presentationml/2006/main">
+  <p:cSld>
+    <p:spTree>
+      <p:nvGrpSpPr>
+        <p:cNvPr id="1" name=""/>
+        <p:cNvGrpSpPr/>
+        <p:nvPr/>
+      </p:nvGrpSpPr>
+      <p:grpSpPr>
+        <a:xfrm>
+          <a:off x="0" y="0"/>
+          <a:ext cx="0" cy="0"/>
+          <a:chOff x="0" y="0"/>
+          <a:chExt cx="0" cy="0"/>
+        </a:xfrm>
+      </p:grpSpPr>
+      <p:sp>
+        <p:nvSpPr>
+          <p:cNvPr id="2" name="Folienbildplatzhalter 1"/>
+          <p:cNvSpPr>
+            <a:spLocks noGrp="1" noRot="1" noChangeAspect="1"/>
+          </p:cNvSpPr>
+          <p:nvPr>
+            <p:ph type="sldImg"/>
+          </p:nvPr>
+        </p:nvSpPr>
+        <p:spPr/>
+      </p:sp>
+      <p:sp>
+        <p:nvSpPr>
+          <p:cNvPr id="3" name="Notizenplatzhalter 2"/>
+          <p:cNvSpPr>
+            <a:spLocks noGrp="1"/>
+          </p:cNvSpPr>
+          <p:nvPr>
+            <p:ph type="body" idx="1"/>
+          </p:nvPr>
+        </p:nvSpPr>
+        <p:spPr/>
+        <p:txBody>
+          <a:bodyPr/>
+          <a:lstStyle/>
+          <a:p>
+            <a:r>
+              <a:rPr lang="de-CH" dirty="0" err="1"/>
+              <a:t>limitations</a:t>
+            </a:r>
+            <a:endParaRPr lang="de-CH" dirty="0"/>
+          </a:p>
+        </p:txBody>
+      </p:sp>
+      <p:sp>
+        <p:nvSpPr>
+          <p:cNvPr id="4" name="Foliennummernplatzhalter 3"/>
+          <p:cNvSpPr>
+            <a:spLocks noGrp="1"/>
+          </p:cNvSpPr>
+          <p:nvPr>
+            <p:ph type="sldNum" sz="quarter" idx="5"/>
+          </p:nvPr>
+        </p:nvSpPr>
+        <p:spPr/>
+        <p:txBody>
+          <a:bodyPr/>
+          <a:lstStyle/>
+          <a:p>
+            <a:fld id="{93DA30BD-7270-43EB-A73F-B6775BEA5F78}" type="slidenum">
+              <a:rPr lang="de-CH" smtClean="0"/>
+              <a:t>4</a:t>
+            </a:fld>
+            <a:endParaRPr lang="de-CH"/>
+          </a:p>
+        </p:txBody>
+      </p:sp>
+    </p:spTree>
+    <p:extLst>
+      <p:ext uri="{BB962C8B-B14F-4D97-AF65-F5344CB8AC3E}">
+        <p14:creationId xmlns:p14="http://schemas.microsoft.com/office/powerpoint/2010/main" val="1803243213"/>
+      </p:ext>
+    </p:extLst>
+  </p:cSld>
+  <p:clrMapOvr>
+    <a:masterClrMapping/>
+  </p:clrMapOvr>
+</p:notes>
+</file>
+
 <file path=ppt/slideLayouts/slideLayout1.xml><?xml version="1.0" encoding="utf-8"?>
 <p:sldLayout xmlns:a="http://schemas.openxmlformats.org/drawingml/2006/main" xmlns:r="http://schemas.openxmlformats.org/officeDocument/2006/relationships" xmlns:p="http://schemas.openxmlformats.org/presentationml/2006/main" type="title" preserve="1">
   <p:cSld name="Titelfolie">
@@ -9665,7 +10106,7 @@
       </p:grpSpPr>
       <p:sp useBgFill="1">
         <p:nvSpPr>
-          <p:cNvPr id="8" name="Rectangle 7">
+          <p:cNvPr id="27" name="Rectangle 26">
             <a:extLst>
               <a:ext uri="{FF2B5EF4-FFF2-40B4-BE49-F238E27FC236}">
                 <a16:creationId xmlns:a16="http://schemas.microsoft.com/office/drawing/2014/main" id="{577D6B2E-37A3-429E-A37C-F30ED6487282}"/>
@@ -9741,7 +10182,7 @@
       </p:sp>
       <p:sp>
         <p:nvSpPr>
-          <p:cNvPr id="10" name="Rectangle 9">
+          <p:cNvPr id="29" name="Rectangle 28">
             <a:extLst>
               <a:ext uri="{FF2B5EF4-FFF2-40B4-BE49-F238E27FC236}">
                 <a16:creationId xmlns:a16="http://schemas.microsoft.com/office/drawing/2014/main" id="{5CEAD642-85CF-4750-8432-7C80C901F001}"/>
@@ -9814,7 +10255,7 @@
       </p:sp>
       <p:sp>
         <p:nvSpPr>
-          <p:cNvPr id="12" name="Rectangle 11">
+          <p:cNvPr id="31" name="Rectangle 30">
             <a:extLst>
               <a:ext uri="{FF2B5EF4-FFF2-40B4-BE49-F238E27FC236}">
                 <a16:creationId xmlns:a16="http://schemas.microsoft.com/office/drawing/2014/main" id="{FA33EEAE-15D5-4119-8C1E-89D943F911EF}"/>
@@ -9890,7 +10331,7 @@
       </p:sp>
       <p:sp>
         <p:nvSpPr>
-          <p:cNvPr id="14" name="Rectangle 13">
+          <p:cNvPr id="33" name="Rectangle 32">
             <a:extLst>
               <a:ext uri="{FF2B5EF4-FFF2-40B4-BE49-F238E27FC236}">
                 <a16:creationId xmlns:a16="http://schemas.microsoft.com/office/drawing/2014/main" id="{730D8B3B-9B80-4025-B934-26DC7D7CD231}"/>
@@ -9966,7 +10407,7 @@
       </p:sp>
       <p:sp>
         <p:nvSpPr>
-          <p:cNvPr id="16" name="Rectangle 15">
+          <p:cNvPr id="35" name="Rectangle 34">
             <a:extLst>
               <a:ext uri="{FF2B5EF4-FFF2-40B4-BE49-F238E27FC236}">
                 <a16:creationId xmlns:a16="http://schemas.microsoft.com/office/drawing/2014/main" id="{1064D5D5-227B-4F66-9AEA-46F570E793BD}"/>
@@ -10042,7 +10483,7 @@
       </p:sp>
       <p:sp>
         <p:nvSpPr>
-          <p:cNvPr id="18" name="Rectangle 17">
+          <p:cNvPr id="37" name="Rectangle 36">
             <a:extLst>
               <a:ext uri="{FF2B5EF4-FFF2-40B4-BE49-F238E27FC236}">
                 <a16:creationId xmlns:a16="http://schemas.microsoft.com/office/drawing/2014/main" id="{646B67A4-D328-4747-A82B-65E84FA46368}"/>
@@ -10118,7 +10559,7 @@
       </p:sp>
       <p:sp>
         <p:nvSpPr>
-          <p:cNvPr id="20" name="Oval 19">
+          <p:cNvPr id="39" name="Oval 38">
             <a:extLst>
               <a:ext uri="{FF2B5EF4-FFF2-40B4-BE49-F238E27FC236}">
                 <a16:creationId xmlns:a16="http://schemas.microsoft.com/office/drawing/2014/main" id="{B5A1B09C-1565-46F8-B70F-621C5EB48A09}"/>
@@ -10231,7 +10672,7 @@
               <a:t>A </a:t>
             </a:r>
             <a:r>
-              <a:rPr lang="de-CH" sz="4800" dirty="0" err="1">
+              <a:rPr lang="de-CH" sz="4800">
                 <a:solidFill>
                   <a:srgbClr val="FFFFFF"/>
                 </a:solidFill>
@@ -10247,7 +10688,7 @@
               <a:t> </a:t>
             </a:r>
             <a:r>
-              <a:rPr lang="de-CH" sz="4800" dirty="0" err="1">
+              <a:rPr lang="de-CH" sz="4800">
                 <a:solidFill>
                   <a:srgbClr val="FFFFFF"/>
                 </a:solidFill>
@@ -10263,7 +10704,7 @@
               <a:t> </a:t>
             </a:r>
             <a:r>
-              <a:rPr lang="de-CH" sz="4800" dirty="0" err="1">
+              <a:rPr lang="de-CH" sz="4800">
                 <a:solidFill>
                   <a:srgbClr val="FFFFFF"/>
                 </a:solidFill>
@@ -10279,7 +10720,7 @@
               <a:t> </a:t>
             </a:r>
             <a:r>
-              <a:rPr lang="de-CH" sz="4800" dirty="0" err="1">
+              <a:rPr lang="de-CH" sz="4800">
                 <a:solidFill>
                   <a:srgbClr val="FFFFFF"/>
                 </a:solidFill>
@@ -10295,7 +10736,7 @@
               <a:t> </a:t>
             </a:r>
             <a:r>
-              <a:rPr lang="de-CH" sz="4800" dirty="0" err="1">
+              <a:rPr lang="de-CH" sz="4800">
                 <a:solidFill>
                   <a:srgbClr val="FFFFFF"/>
                 </a:solidFill>
@@ -10312,7 +10753,7 @@
       </p:sp>
       <p:sp>
         <p:nvSpPr>
-          <p:cNvPr id="22" name="Rectangle 21">
+          <p:cNvPr id="41" name="Rectangle 40">
             <a:extLst>
               <a:ext uri="{FF2B5EF4-FFF2-40B4-BE49-F238E27FC236}">
                 <a16:creationId xmlns:a16="http://schemas.microsoft.com/office/drawing/2014/main" id="{8C516CC8-80AC-446C-A56E-9F54B7210402}"/>
@@ -10943,7 +11384,7 @@
           <p:nvPr/>
         </p:nvPicPr>
         <p:blipFill>
-          <a:blip r:embed="rId3"/>
+          <a:blip r:embed="rId2"/>
           <a:stretch>
             <a:fillRect/>
           </a:stretch>
@@ -10975,7 +11416,7 @@
           </p:nvPr>
         </p:nvPicPr>
         <p:blipFill>
-          <a:blip r:embed="rId4"/>
+          <a:blip r:embed="rId3"/>
           <a:stretch>
             <a:fillRect/>
           </a:stretch>
@@ -11930,19 +12371,7 @@
               <a:rPr lang="de-CH" sz="2200" dirty="0">
                 <a:sym typeface="Wingdings" panose="05000000000000000000" pitchFamily="2" charset="2"/>
               </a:rPr>
-              <a:t>Haploid, </a:t>
-            </a:r>
-            <a:r>
-              <a:rPr lang="de-CH" sz="2200" dirty="0" err="1">
-                <a:sym typeface="Wingdings" panose="05000000000000000000" pitchFamily="2" charset="2"/>
-              </a:rPr>
-              <a:t>asexuall</a:t>
-            </a:r>
-            <a:r>
-              <a:rPr lang="de-CH" sz="2200" dirty="0">
-                <a:sym typeface="Wingdings" panose="05000000000000000000" pitchFamily="2" charset="2"/>
-              </a:rPr>
-              <a:t> </a:t>
+              <a:t>Haploid, asexual </a:t>
             </a:r>
             <a:r>
               <a:rPr lang="de-CH" sz="2200" dirty="0" err="1">
@@ -12285,7 +12714,7 @@
             </a:r>
             <a:r>
               <a:rPr lang="en-US" sz="2000" dirty="0">
-                <a:hlinkClick r:id="rId3"/>
+                <a:hlinkClick r:id="rId2"/>
               </a:rPr>
               <a:t>https://www.sciencedirect.com/science/article/pii/S0923250804000683</a:t>
             </a:r>
@@ -12815,7 +13244,7 @@
       </p:sp>
       <mc:AlternateContent xmlns:mc="http://schemas.openxmlformats.org/markup-compatibility/2006" xmlns:p14="http://schemas.microsoft.com/office/powerpoint/2010/main">
         <mc:Choice Requires="p14">
-          <p:contentPart p14:bwMode="auto" r:id="rId2">
+          <p:contentPart p14:bwMode="auto" r:id="rId3">
             <p14:nvContentPartPr>
               <p14:cNvPr id="5" name="Freihand 4">
                 <a:extLst>
@@ -12847,7 +13276,7 @@
               <p:nvPr/>
             </p:nvPicPr>
             <p:blipFill>
-              <a:blip r:embed="rId3"/>
+              <a:blip r:embed="rId4"/>
               <a:stretch>
                 <a:fillRect/>
               </a:stretch>
@@ -14879,6 +15308,321 @@
 <file path=ppt/theme/theme1.xml><?xml version="1.0" encoding="utf-8"?>
 <a:theme xmlns:a="http://schemas.openxmlformats.org/drawingml/2006/main" name="Office">
   <a:themeElements>
+    <a:clrScheme name="Blau II">
+      <a:dk1>
+        <a:sysClr val="windowText" lastClr="000000"/>
+      </a:dk1>
+      <a:lt1>
+        <a:sysClr val="window" lastClr="FFFFFF"/>
+      </a:lt1>
+      <a:dk2>
+        <a:srgbClr val="335B74"/>
+      </a:dk2>
+      <a:lt2>
+        <a:srgbClr val="DFE3E5"/>
+      </a:lt2>
+      <a:accent1>
+        <a:srgbClr val="1CADE4"/>
+      </a:accent1>
+      <a:accent2>
+        <a:srgbClr val="2683C6"/>
+      </a:accent2>
+      <a:accent3>
+        <a:srgbClr val="27CED7"/>
+      </a:accent3>
+      <a:accent4>
+        <a:srgbClr val="42BA97"/>
+      </a:accent4>
+      <a:accent5>
+        <a:srgbClr val="3E8853"/>
+      </a:accent5>
+      <a:accent6>
+        <a:srgbClr val="62A39F"/>
+      </a:accent6>
+      <a:hlink>
+        <a:srgbClr val="6EAC1C"/>
+      </a:hlink>
+      <a:folHlink>
+        <a:srgbClr val="B26B02"/>
+      </a:folHlink>
+    </a:clrScheme>
+    <a:fontScheme name="Office">
+      <a:majorFont>
+        <a:latin typeface="Aptos Display" panose="02110004020202020204"/>
+        <a:ea typeface=""/>
+        <a:cs typeface=""/>
+        <a:font script="Jpan" typeface="游ゴシック Light"/>
+        <a:font script="Hang" typeface="맑은 고딕"/>
+        <a:font script="Hans" typeface="等线 Light"/>
+        <a:font script="Hant" typeface="新細明體"/>
+        <a:font script="Arab" typeface="Times New Roman"/>
+        <a:font script="Hebr" typeface="Times New Roman"/>
+        <a:font script="Thai" typeface="Angsana New"/>
+        <a:font script="Ethi" typeface="Nyala"/>
+        <a:font script="Beng" typeface="Vrinda"/>
+        <a:font script="Gujr" typeface="Shruti"/>
+        <a:font script="Khmr" typeface="MoolBoran"/>
+        <a:font script="Knda" typeface="Tunga"/>
+        <a:font script="Guru" typeface="Raavi"/>
+        <a:font script="Cans" typeface="Euphemia"/>
+        <a:font script="Cher" typeface="Plantagenet Cherokee"/>
+        <a:font script="Yiii" typeface="Microsoft Yi Baiti"/>
+        <a:font script="Tibt" typeface="Microsoft Himalaya"/>
+        <a:font script="Thaa" typeface="MV Boli"/>
+        <a:font script="Deva" typeface="Mangal"/>
+        <a:font script="Telu" typeface="Gautami"/>
+        <a:font script="Taml" typeface="Latha"/>
+        <a:font script="Syrc" typeface="Estrangelo Edessa"/>
+        <a:font script="Orya" typeface="Kalinga"/>
+        <a:font script="Mlym" typeface="Kartika"/>
+        <a:font script="Laoo" typeface="DokChampa"/>
+        <a:font script="Sinh" typeface="Iskoola Pota"/>
+        <a:font script="Mong" typeface="Mongolian Baiti"/>
+        <a:font script="Viet" typeface="Times New Roman"/>
+        <a:font script="Uigh" typeface="Microsoft Uighur"/>
+        <a:font script="Geor" typeface="Sylfaen"/>
+        <a:font script="Armn" typeface="Arial"/>
+        <a:font script="Bugi" typeface="Leelawadee UI"/>
+        <a:font script="Bopo" typeface="Microsoft JhengHei"/>
+        <a:font script="Java" typeface="Javanese Text"/>
+        <a:font script="Lisu" typeface="Segoe UI"/>
+        <a:font script="Mymr" typeface="Myanmar Text"/>
+        <a:font script="Nkoo" typeface="Ebrima"/>
+        <a:font script="Olck" typeface="Nirmala UI"/>
+        <a:font script="Osma" typeface="Ebrima"/>
+        <a:font script="Phag" typeface="Phagspa"/>
+        <a:font script="Syrn" typeface="Estrangelo Edessa"/>
+        <a:font script="Syrj" typeface="Estrangelo Edessa"/>
+        <a:font script="Syre" typeface="Estrangelo Edessa"/>
+        <a:font script="Sora" typeface="Nirmala UI"/>
+        <a:font script="Tale" typeface="Microsoft Tai Le"/>
+        <a:font script="Talu" typeface="Microsoft New Tai Lue"/>
+        <a:font script="Tfng" typeface="Ebrima"/>
+      </a:majorFont>
+      <a:minorFont>
+        <a:latin typeface="Aptos" panose="02110004020202020204"/>
+        <a:ea typeface=""/>
+        <a:cs typeface=""/>
+        <a:font script="Jpan" typeface="游ゴシック"/>
+        <a:font script="Hang" typeface="맑은 고딕"/>
+        <a:font script="Hans" typeface="等线"/>
+        <a:font script="Hant" typeface="新細明體"/>
+        <a:font script="Arab" typeface="Arial"/>
+        <a:font script="Hebr" typeface="Arial"/>
+        <a:font script="Thai" typeface="Cordia New"/>
+        <a:font script="Ethi" typeface="Nyala"/>
+        <a:font script="Beng" typeface="Vrinda"/>
+        <a:font script="Gujr" typeface="Shruti"/>
+        <a:font script="Khmr" typeface="DaunPenh"/>
+        <a:font script="Knda" typeface="Tunga"/>
+        <a:font script="Guru" typeface="Raavi"/>
+        <a:font script="Cans" typeface="Euphemia"/>
+        <a:font script="Cher" typeface="Plantagenet Cherokee"/>
+        <a:font script="Yiii" typeface="Microsoft Yi Baiti"/>
+        <a:font script="Tibt" typeface="Microsoft Himalaya"/>
+        <a:font script="Thaa" typeface="MV Boli"/>
+        <a:font script="Deva" typeface="Mangal"/>
+        <a:font script="Telu" typeface="Gautami"/>
+        <a:font script="Taml" typeface="Latha"/>
+        <a:font script="Syrc" typeface="Estrangelo Edessa"/>
+        <a:font script="Orya" typeface="Kalinga"/>
+        <a:font script="Mlym" typeface="Kartika"/>
+        <a:font script="Laoo" typeface="DokChampa"/>
+        <a:font script="Sinh" typeface="Iskoola Pota"/>
+        <a:font script="Mong" typeface="Mongolian Baiti"/>
+        <a:font script="Viet" typeface="Arial"/>
+        <a:font script="Uigh" typeface="Microsoft Uighur"/>
+        <a:font script="Geor" typeface="Sylfaen"/>
+        <a:font script="Armn" typeface="Arial"/>
+        <a:font script="Bugi" typeface="Leelawadee UI"/>
+        <a:font script="Bopo" typeface="Microsoft JhengHei"/>
+        <a:font script="Java" typeface="Javanese Text"/>
+        <a:font script="Lisu" typeface="Segoe UI"/>
+        <a:font script="Mymr" typeface="Myanmar Text"/>
+        <a:font script="Nkoo" typeface="Ebrima"/>
+        <a:font script="Olck" typeface="Nirmala UI"/>
+        <a:font script="Osma" typeface="Ebrima"/>
+        <a:font script="Phag" typeface="Phagspa"/>
+        <a:font script="Syrn" typeface="Estrangelo Edessa"/>
+        <a:font script="Syrj" typeface="Estrangelo Edessa"/>
+        <a:font script="Syre" typeface="Estrangelo Edessa"/>
+        <a:font script="Sora" typeface="Nirmala UI"/>
+        <a:font script="Tale" typeface="Microsoft Tai Le"/>
+        <a:font script="Talu" typeface="Microsoft New Tai Lue"/>
+        <a:font script="Tfng" typeface="Ebrima"/>
+      </a:minorFont>
+    </a:fontScheme>
+    <a:fmtScheme name="Office">
+      <a:fillStyleLst>
+        <a:solidFill>
+          <a:schemeClr val="phClr"/>
+        </a:solidFill>
+        <a:gradFill rotWithShape="1">
+          <a:gsLst>
+            <a:gs pos="0">
+              <a:schemeClr val="phClr">
+                <a:lumMod val="110000"/>
+                <a:satMod val="105000"/>
+                <a:tint val="67000"/>
+              </a:schemeClr>
+            </a:gs>
+            <a:gs pos="50000">
+              <a:schemeClr val="phClr">
+                <a:lumMod val="105000"/>
+                <a:satMod val="103000"/>
+                <a:tint val="73000"/>
+              </a:schemeClr>
+            </a:gs>
+            <a:gs pos="100000">
+              <a:schemeClr val="phClr">
+                <a:lumMod val="105000"/>
+                <a:satMod val="109000"/>
+                <a:tint val="81000"/>
+              </a:schemeClr>
+            </a:gs>
+          </a:gsLst>
+          <a:lin ang="5400000" scaled="0"/>
+        </a:gradFill>
+        <a:gradFill rotWithShape="1">
+          <a:gsLst>
+            <a:gs pos="0">
+              <a:schemeClr val="phClr">
+                <a:satMod val="103000"/>
+                <a:lumMod val="102000"/>
+                <a:tint val="94000"/>
+              </a:schemeClr>
+            </a:gs>
+            <a:gs pos="50000">
+              <a:schemeClr val="phClr">
+                <a:satMod val="110000"/>
+                <a:lumMod val="100000"/>
+                <a:shade val="100000"/>
+              </a:schemeClr>
+            </a:gs>
+            <a:gs pos="100000">
+              <a:schemeClr val="phClr">
+                <a:lumMod val="99000"/>
+                <a:satMod val="120000"/>
+                <a:shade val="78000"/>
+              </a:schemeClr>
+            </a:gs>
+          </a:gsLst>
+          <a:lin ang="5400000" scaled="0"/>
+        </a:gradFill>
+      </a:fillStyleLst>
+      <a:lnStyleLst>
+        <a:ln w="12700" cap="flat" cmpd="sng" algn="ctr">
+          <a:solidFill>
+            <a:schemeClr val="phClr"/>
+          </a:solidFill>
+          <a:prstDash val="solid"/>
+          <a:miter lim="800000"/>
+        </a:ln>
+        <a:ln w="19050" cap="flat" cmpd="sng" algn="ctr">
+          <a:solidFill>
+            <a:schemeClr val="phClr"/>
+          </a:solidFill>
+          <a:prstDash val="solid"/>
+          <a:miter lim="800000"/>
+        </a:ln>
+        <a:ln w="25400" cap="flat" cmpd="sng" algn="ctr">
+          <a:solidFill>
+            <a:schemeClr val="phClr"/>
+          </a:solidFill>
+          <a:prstDash val="solid"/>
+          <a:miter lim="800000"/>
+        </a:ln>
+      </a:lnStyleLst>
+      <a:effectStyleLst>
+        <a:effectStyle>
+          <a:effectLst/>
+        </a:effectStyle>
+        <a:effectStyle>
+          <a:effectLst/>
+        </a:effectStyle>
+        <a:effectStyle>
+          <a:effectLst>
+            <a:outerShdw blurRad="57150" dist="19050" dir="5400000" algn="ctr" rotWithShape="0">
+              <a:srgbClr val="000000">
+                <a:alpha val="63000"/>
+              </a:srgbClr>
+            </a:outerShdw>
+          </a:effectLst>
+        </a:effectStyle>
+      </a:effectStyleLst>
+      <a:bgFillStyleLst>
+        <a:solidFill>
+          <a:schemeClr val="phClr"/>
+        </a:solidFill>
+        <a:solidFill>
+          <a:schemeClr val="phClr">
+            <a:tint val="95000"/>
+            <a:satMod val="170000"/>
+          </a:schemeClr>
+        </a:solidFill>
+        <a:gradFill rotWithShape="1">
+          <a:gsLst>
+            <a:gs pos="0">
+              <a:schemeClr val="phClr">
+                <a:tint val="93000"/>
+                <a:satMod val="150000"/>
+                <a:shade val="98000"/>
+                <a:lumMod val="102000"/>
+              </a:schemeClr>
+            </a:gs>
+            <a:gs pos="50000">
+              <a:schemeClr val="phClr">
+                <a:tint val="98000"/>
+                <a:satMod val="130000"/>
+                <a:shade val="90000"/>
+                <a:lumMod val="103000"/>
+              </a:schemeClr>
+            </a:gs>
+            <a:gs pos="100000">
+              <a:schemeClr val="phClr">
+                <a:shade val="63000"/>
+                <a:satMod val="120000"/>
+              </a:schemeClr>
+            </a:gs>
+          </a:gsLst>
+          <a:lin ang="5400000" scaled="0"/>
+        </a:gradFill>
+      </a:bgFillStyleLst>
+    </a:fmtScheme>
+  </a:themeElements>
+  <a:objectDefaults>
+    <a:lnDef>
+      <a:spPr/>
+      <a:bodyPr/>
+      <a:lstStyle/>
+      <a:style>
+        <a:lnRef idx="2">
+          <a:schemeClr val="accent1"/>
+        </a:lnRef>
+        <a:fillRef idx="0">
+          <a:schemeClr val="accent1"/>
+        </a:fillRef>
+        <a:effectRef idx="1">
+          <a:schemeClr val="accent1"/>
+        </a:effectRef>
+        <a:fontRef idx="minor">
+          <a:schemeClr val="tx1"/>
+        </a:fontRef>
+      </a:style>
+    </a:lnDef>
+  </a:objectDefaults>
+  <a:extraClrSchemeLst/>
+  <a:extLst>
+    <a:ext uri="{05A4C25C-085E-4340-85A3-A5531E510DB2}">
+      <thm15:themeFamily xmlns:thm15="http://schemas.microsoft.com/office/thememl/2012/main" name="Office Theme" id="{2E142A2C-CD16-42D6-873A-C26D2A0506FA}" vid="{1BDDFF52-6CD6-40A5-AB3C-68EB2F1E4D0A}"/>
+    </a:ext>
+  </a:extLst>
+</a:theme>
+</file>
+
+<file path=ppt/theme/theme2.xml><?xml version="1.0" encoding="utf-8"?>
+<a:theme xmlns:a="http://schemas.openxmlformats.org/drawingml/2006/main" name="Office">
+  <a:themeElements>
     <a:clrScheme name="Office">
       <a:dk1>
         <a:sysClr val="windowText" lastClr="000000"/>
@@ -15189,133 +15933,4 @@
     </a:ext>
   </a:extLst>
 </a:theme>
-</file>
-
-<file path=ppt/theme/themeOverride1.xml><?xml version="1.0" encoding="utf-8"?>
-<a:themeOverride xmlns:a="http://schemas.openxmlformats.org/drawingml/2006/main">
-  <a:clrScheme name="Office">
-    <a:dk1>
-      <a:sysClr val="windowText" lastClr="000000"/>
-    </a:dk1>
-    <a:lt1>
-      <a:sysClr val="window" lastClr="FFFFFF"/>
-    </a:lt1>
-    <a:dk2>
-      <a:srgbClr val="0E2841"/>
-    </a:dk2>
-    <a:lt2>
-      <a:srgbClr val="E8E8E8"/>
-    </a:lt2>
-    <a:accent1>
-      <a:srgbClr val="156082"/>
-    </a:accent1>
-    <a:accent2>
-      <a:srgbClr val="E97132"/>
-    </a:accent2>
-    <a:accent3>
-      <a:srgbClr val="196B24"/>
-    </a:accent3>
-    <a:accent4>
-      <a:srgbClr val="0F9ED5"/>
-    </a:accent4>
-    <a:accent5>
-      <a:srgbClr val="A02B93"/>
-    </a:accent5>
-    <a:accent6>
-      <a:srgbClr val="4EA72E"/>
-    </a:accent6>
-    <a:hlink>
-      <a:srgbClr val="467886"/>
-    </a:hlink>
-    <a:folHlink>
-      <a:srgbClr val="96607D"/>
-    </a:folHlink>
-  </a:clrScheme>
-</a:themeOverride>
-</file>
-
-<file path=ppt/theme/themeOverride2.xml><?xml version="1.0" encoding="utf-8"?>
-<a:themeOverride xmlns:a="http://schemas.openxmlformats.org/drawingml/2006/main">
-  <a:clrScheme name="Office">
-    <a:dk1>
-      <a:sysClr val="windowText" lastClr="000000"/>
-    </a:dk1>
-    <a:lt1>
-      <a:sysClr val="window" lastClr="FFFFFF"/>
-    </a:lt1>
-    <a:dk2>
-      <a:srgbClr val="0E2841"/>
-    </a:dk2>
-    <a:lt2>
-      <a:srgbClr val="E8E8E8"/>
-    </a:lt2>
-    <a:accent1>
-      <a:srgbClr val="156082"/>
-    </a:accent1>
-    <a:accent2>
-      <a:srgbClr val="E97132"/>
-    </a:accent2>
-    <a:accent3>
-      <a:srgbClr val="196B24"/>
-    </a:accent3>
-    <a:accent4>
-      <a:srgbClr val="0F9ED5"/>
-    </a:accent4>
-    <a:accent5>
-      <a:srgbClr val="A02B93"/>
-    </a:accent5>
-    <a:accent6>
-      <a:srgbClr val="4EA72E"/>
-    </a:accent6>
-    <a:hlink>
-      <a:srgbClr val="467886"/>
-    </a:hlink>
-    <a:folHlink>
-      <a:srgbClr val="96607D"/>
-    </a:folHlink>
-  </a:clrScheme>
-</a:themeOverride>
-</file>
-
-<file path=ppt/theme/themeOverride3.xml><?xml version="1.0" encoding="utf-8"?>
-<a:themeOverride xmlns:a="http://schemas.openxmlformats.org/drawingml/2006/main">
-  <a:clrScheme name="Office">
-    <a:dk1>
-      <a:sysClr val="windowText" lastClr="000000"/>
-    </a:dk1>
-    <a:lt1>
-      <a:sysClr val="window" lastClr="FFFFFF"/>
-    </a:lt1>
-    <a:dk2>
-      <a:srgbClr val="0E2841"/>
-    </a:dk2>
-    <a:lt2>
-      <a:srgbClr val="E8E8E8"/>
-    </a:lt2>
-    <a:accent1>
-      <a:srgbClr val="156082"/>
-    </a:accent1>
-    <a:accent2>
-      <a:srgbClr val="E97132"/>
-    </a:accent2>
-    <a:accent3>
-      <a:srgbClr val="196B24"/>
-    </a:accent3>
-    <a:accent4>
-      <a:srgbClr val="0F9ED5"/>
-    </a:accent4>
-    <a:accent5>
-      <a:srgbClr val="A02B93"/>
-    </a:accent5>
-    <a:accent6>
-      <a:srgbClr val="4EA72E"/>
-    </a:accent6>
-    <a:hlink>
-      <a:srgbClr val="467886"/>
-    </a:hlink>
-    <a:folHlink>
-      <a:srgbClr val="96607D"/>
-    </a:folHlink>
-  </a:clrScheme>
-</a:themeOverride>
 </file>
--- a/THEE_project.pptx
+++ b/THEE_project.pptx
@@ -14598,8 +14598,8 @@
         </p:nvSpPr>
         <p:spPr>
           <a:xfrm>
-            <a:off x="838199" y="1913343"/>
-            <a:ext cx="2860041" cy="1200329"/>
+            <a:off x="838200" y="1913343"/>
+            <a:ext cx="4715312" cy="1569660"/>
           </a:xfrm>
           <a:prstGeom prst="rect">
             <a:avLst/>
@@ -14613,41 +14613,106 @@
           <a:lstStyle/>
           <a:p>
             <a:r>
-              <a:rPr lang="de-CH" sz="2400" dirty="0"/>
+              <a:rPr lang="de-CH" dirty="0"/>
               <a:t>Initial </a:t>
             </a:r>
             <a:r>
-              <a:rPr lang="de-CH" sz="2400" dirty="0" err="1"/>
+              <a:rPr lang="de-CH" dirty="0" err="1"/>
               <a:t>populations</a:t>
             </a:r>
             <a:r>
-              <a:rPr lang="de-CH" sz="2400" dirty="0"/>
+              <a:rPr lang="de-CH" dirty="0"/>
               <a:t> </a:t>
             </a:r>
             <a:r>
-              <a:rPr lang="de-CH" sz="2400" dirty="0" err="1"/>
+              <a:rPr lang="de-CH" dirty="0" err="1"/>
               <a:t>for</a:t>
             </a:r>
             <a:r>
-              <a:rPr lang="de-CH" sz="2400" dirty="0"/>
+              <a:rPr lang="de-CH" dirty="0"/>
               <a:t> all </a:t>
             </a:r>
             <a:r>
-              <a:rPr lang="de-CH" sz="2400" dirty="0" err="1"/>
+              <a:rPr lang="de-CH" dirty="0" err="1"/>
               <a:t>four</a:t>
             </a:r>
             <a:r>
-              <a:rPr lang="de-CH" sz="2400" dirty="0"/>
+              <a:rPr lang="de-CH" dirty="0"/>
               <a:t> </a:t>
             </a:r>
             <a:r>
-              <a:rPr lang="de-CH" sz="2400" dirty="0" err="1"/>
+              <a:rPr lang="de-CH" dirty="0" err="1"/>
               <a:t>mutants</a:t>
             </a:r>
             <a:r>
-              <a:rPr lang="de-CH" sz="2400" dirty="0"/>
-              <a:t>: N = 30</a:t>
-            </a:r>
+              <a:rPr lang="de-CH" dirty="0"/>
+              <a:t>: N = 30,</a:t>
+            </a:r>
+          </a:p>
+          <a:p>
+            <a:r>
+              <a:rPr lang="en-US" dirty="0" err="1"/>
+              <a:t>m_rate_wm</a:t>
+            </a:r>
+            <a:r>
+              <a:rPr lang="en-US" dirty="0"/>
+              <a:t> &lt;- 0.003, </a:t>
+            </a:r>
+            <a:r>
+              <a:rPr lang="en-US" dirty="0" err="1"/>
+              <a:t>m_rate_sm</a:t>
+            </a:r>
+            <a:r>
+              <a:rPr lang="en-US" dirty="0"/>
+              <a:t> </a:t>
+            </a:r>
+            <a:r>
+              <a:rPr lang="en-US"/>
+              <a:t>&lt;- 0.005, </a:t>
+            </a:r>
+            <a:r>
+              <a:rPr lang="en-US" dirty="0" err="1"/>
+              <a:t>decay_rate_wm</a:t>
+            </a:r>
+            <a:r>
+              <a:rPr lang="en-US" dirty="0"/>
+              <a:t> &lt;- 0.1, </a:t>
+            </a:r>
+            <a:r>
+              <a:rPr lang="en-US" dirty="0" err="1"/>
+              <a:t>decay_rate_sm</a:t>
+            </a:r>
+            <a:r>
+              <a:rPr lang="en-US" dirty="0"/>
+              <a:t> &lt;- 0.2, </a:t>
+            </a:r>
+            <a:r>
+              <a:rPr lang="en-US" dirty="0" err="1"/>
+              <a:t>s_wm</a:t>
+            </a:r>
+            <a:r>
+              <a:rPr lang="en-US" dirty="0"/>
+              <a:t> &lt;- 0.1, </a:t>
+            </a:r>
+            <a:r>
+              <a:rPr lang="en-US" dirty="0" err="1"/>
+              <a:t>s_sm</a:t>
+            </a:r>
+            <a:r>
+              <a:rPr lang="en-US" dirty="0"/>
+              <a:t> &lt;- 0.2, </a:t>
+            </a:r>
+            <a:r>
+              <a:rPr lang="en-US" dirty="0" err="1"/>
+              <a:t>max_gen</a:t>
+            </a:r>
+            <a:r>
+              <a:rPr lang="en-US" dirty="0"/>
+              <a:t> &lt;- 1000</a:t>
+            </a:r>
+          </a:p>
+          <a:p>
+            <a:endParaRPr lang="de-CH" sz="2400" dirty="0"/>
           </a:p>
         </p:txBody>
       </p:sp>
@@ -14868,8 +14933,8 @@
         </p:nvSpPr>
         <p:spPr>
           <a:xfrm>
-            <a:off x="838200" y="2047406"/>
-            <a:ext cx="2860040" cy="1200329"/>
+            <a:off x="838198" y="2047406"/>
+            <a:ext cx="5017318" cy="1846659"/>
           </a:xfrm>
           <a:prstGeom prst="rect">
             <a:avLst/>
@@ -14883,41 +14948,109 @@
           <a:lstStyle/>
           <a:p>
             <a:r>
-              <a:rPr lang="de-CH" sz="2400" dirty="0"/>
+              <a:rPr lang="de-CH" dirty="0"/>
               <a:t>Initial </a:t>
             </a:r>
             <a:r>
-              <a:rPr lang="de-CH" sz="2400" dirty="0" err="1"/>
+              <a:rPr lang="de-CH" dirty="0" err="1"/>
               <a:t>populations</a:t>
             </a:r>
             <a:r>
-              <a:rPr lang="de-CH" sz="2400" dirty="0"/>
+              <a:rPr lang="de-CH" dirty="0"/>
               <a:t> </a:t>
             </a:r>
             <a:r>
-              <a:rPr lang="de-CH" sz="2400" dirty="0" err="1"/>
+              <a:rPr lang="de-CH" dirty="0" err="1"/>
               <a:t>for</a:t>
             </a:r>
             <a:r>
-              <a:rPr lang="de-CH" sz="2400" dirty="0"/>
+              <a:rPr lang="de-CH" dirty="0"/>
               <a:t> all </a:t>
             </a:r>
             <a:r>
-              <a:rPr lang="de-CH" sz="2400" dirty="0" err="1"/>
+              <a:rPr lang="de-CH" dirty="0" err="1"/>
               <a:t>four</a:t>
             </a:r>
             <a:r>
-              <a:rPr lang="de-CH" sz="2400" dirty="0"/>
+              <a:rPr lang="de-CH" dirty="0"/>
               <a:t> </a:t>
             </a:r>
             <a:r>
-              <a:rPr lang="de-CH" sz="2400" dirty="0" err="1"/>
+              <a:rPr lang="de-CH" dirty="0" err="1"/>
               <a:t>mutants</a:t>
             </a:r>
             <a:r>
-              <a:rPr lang="de-CH" sz="2400" dirty="0"/>
-              <a:t>: N = 50</a:t>
-            </a:r>
+              <a:rPr lang="de-CH" dirty="0"/>
+              <a:t>: N = 50,</a:t>
+            </a:r>
+          </a:p>
+          <a:p>
+            <a:r>
+              <a:rPr lang="en-US" dirty="0" err="1"/>
+              <a:t>m_rate_wm</a:t>
+            </a:r>
+            <a:r>
+              <a:rPr lang="en-US" dirty="0"/>
+              <a:t> &lt;- 0.002, </a:t>
+            </a:r>
+            <a:r>
+              <a:rPr lang="en-US" dirty="0" err="1"/>
+              <a:t>m_rate_sm</a:t>
+            </a:r>
+            <a:r>
+              <a:rPr lang="en-US" dirty="0"/>
+              <a:t> &lt;- 0.003, </a:t>
+            </a:r>
+            <a:r>
+              <a:rPr lang="en-US" dirty="0" err="1"/>
+              <a:t>decay_rate_wm</a:t>
+            </a:r>
+            <a:r>
+              <a:rPr lang="en-US" dirty="0"/>
+              <a:t> &lt;- 0.1, </a:t>
+            </a:r>
+            <a:r>
+              <a:rPr lang="en-US" dirty="0" err="1"/>
+              <a:t>decay_rate_sm</a:t>
+            </a:r>
+            <a:r>
+              <a:rPr lang="en-US" dirty="0"/>
+              <a:t> &lt;- 0.2, </a:t>
+            </a:r>
+            <a:r>
+              <a:rPr lang="en-US" dirty="0" err="1"/>
+              <a:t>s_wm</a:t>
+            </a:r>
+            <a:r>
+              <a:rPr lang="en-US" dirty="0"/>
+              <a:t> &lt;- 0.1, </a:t>
+            </a:r>
+            <a:r>
+              <a:rPr lang="en-US" dirty="0" err="1"/>
+              <a:t>s_sm</a:t>
+            </a:r>
+            <a:r>
+              <a:rPr lang="en-US" dirty="0"/>
+              <a:t> &lt;- 0.2, </a:t>
+            </a:r>
+            <a:r>
+              <a:rPr lang="en-US" dirty="0" err="1"/>
+              <a:t>max_gen</a:t>
+            </a:r>
+            <a:r>
+              <a:rPr lang="en-US" dirty="0"/>
+              <a:t> &lt;- 1000</a:t>
+            </a:r>
+          </a:p>
+          <a:p>
+            <a:r>
+              <a:rPr lang="en-US" dirty="0"/>
+              <a:t>replicates &lt;- 30</a:t>
+            </a:r>
+            <a:endParaRPr lang="de-CH" dirty="0"/>
+          </a:p>
+          <a:p>
+            <a:endParaRPr lang="de-CH" sz="2400" dirty="0"/>
           </a:p>
         </p:txBody>
       </p:sp>

--- a/THEE_project.pptx
+++ b/THEE_project.pptx
@@ -2367,7 +2367,7 @@
         <a:p>
           <a:r>
             <a:rPr lang="en-US" dirty="0"/>
-            <a:t>Strong mutations won’t persist, because the costs of the trade off are too high. Therefore, the individuals with the weak mutations will take over the population.</a:t>
+            <a:t>Strong deleterious mutation won’t persist, because the costs of the trade off are too high. Therefore, the individuals with the weak  and strong beneficial mutations will take over the population.</a:t>
           </a:r>
         </a:p>
       </dgm:t>
@@ -2403,7 +2403,7 @@
         <a:p>
           <a:r>
             <a:rPr lang="en-US" dirty="0"/>
-            <a:t>Thus, the population will be rescued if there are enough individuals with weak mutations at the beginning.</a:t>
+            <a:t>Thus, the population will be rescued if there are enough individuals with weak mutations or strong beneficial at the beginning.</a:t>
           </a:r>
         </a:p>
       </dgm:t>
@@ -2569,7 +2569,7 @@
   <dgm:whole/>
   <dgm:extLst>
     <a:ext uri="http://schemas.microsoft.com/office/drawing/2008/diagram">
-      <dsp:dataModelExt xmlns:dsp="http://schemas.microsoft.com/office/drawing/2008/diagram" relId="rId6" minVer="http://schemas.openxmlformats.org/drawingml/2006/diagram"/>
+      <dsp:dataModelExt xmlns:dsp="http://schemas.microsoft.com/office/drawing/2008/diagram" relId="rId7" minVer="http://schemas.openxmlformats.org/drawingml/2006/diagram"/>
     </a:ext>
   </dgm:extLst>
 </dgm:dataModel>
@@ -3218,8 +3218,8 @@
       </dsp:nvSpPr>
       <dsp:spPr>
         <a:xfrm>
-          <a:off x="4414" y="102798"/>
-          <a:ext cx="3789866" cy="950400"/>
+          <a:off x="4414" y="219798"/>
+          <a:ext cx="3789866" cy="864000"/>
         </a:xfrm>
         <a:prstGeom prst="roundRect">
           <a:avLst>
@@ -3263,12 +3263,12 @@
         </a:fontRef>
       </dsp:style>
       <dsp:txBody>
-        <a:bodyPr spcFirstLastPara="0" vert="horz" wrap="square" lIns="156464" tIns="156464" rIns="156464" bIns="83820" numCol="1" spcCol="1270" anchor="t" anchorCtr="0">
+        <a:bodyPr spcFirstLastPara="0" vert="horz" wrap="square" lIns="142240" tIns="142240" rIns="142240" bIns="76200" numCol="1" spcCol="1270" anchor="t" anchorCtr="0">
           <a:noAutofit/>
         </a:bodyPr>
         <a:lstStyle/>
         <a:p>
-          <a:pPr marL="0" lvl="0" indent="0" algn="l" defTabSz="977900">
+          <a:pPr marL="0" lvl="0" indent="0" algn="l" defTabSz="889000">
             <a:lnSpc>
               <a:spcPct val="90000"/>
             </a:lnSpc>
@@ -3281,14 +3281,14 @@
             <a:buNone/>
           </a:pPr>
           <a:r>
-            <a:rPr lang="en-US" sz="2200" kern="1200" dirty="0"/>
+            <a:rPr lang="en-US" sz="2000" kern="1200" dirty="0"/>
             <a:t>Hypothesis: </a:t>
           </a:r>
         </a:p>
       </dsp:txBody>
       <dsp:txXfrm>
-        <a:off x="4414" y="102798"/>
-        <a:ext cx="3789866" cy="633600"/>
+        <a:off x="4414" y="219798"/>
+        <a:ext cx="3789866" cy="576000"/>
       </dsp:txXfrm>
     </dsp:sp>
     <dsp:sp modelId="{F1E03C76-40C5-4169-861D-4BEC21B7B644}">
@@ -3298,8 +3298,8 @@
       </dsp:nvSpPr>
       <dsp:spPr>
         <a:xfrm>
-          <a:off x="780652" y="736397"/>
-          <a:ext cx="3789866" cy="4365900"/>
+          <a:off x="780652" y="795798"/>
+          <a:ext cx="3789866" cy="4189500"/>
         </a:xfrm>
         <a:prstGeom prst="roundRect">
           <a:avLst>
@@ -3342,12 +3342,12 @@
         <a:fontRef idx="minor"/>
       </dsp:style>
       <dsp:txBody>
-        <a:bodyPr spcFirstLastPara="0" vert="horz" wrap="square" lIns="156464" tIns="156464" rIns="156464" bIns="156464" numCol="1" spcCol="1270" anchor="t" anchorCtr="0">
+        <a:bodyPr spcFirstLastPara="0" vert="horz" wrap="square" lIns="142240" tIns="142240" rIns="142240" bIns="142240" numCol="1" spcCol="1270" anchor="t" anchorCtr="0">
           <a:noAutofit/>
         </a:bodyPr>
         <a:lstStyle/>
         <a:p>
-          <a:pPr marL="228600" lvl="1" indent="-228600" algn="l" defTabSz="977900">
+          <a:pPr marL="228600" lvl="1" indent="-228600" algn="l" defTabSz="889000">
             <a:lnSpc>
               <a:spcPct val="90000"/>
             </a:lnSpc>
@@ -3360,15 +3360,15 @@
             <a:buChar char="•"/>
           </a:pPr>
           <a:r>
-            <a:rPr lang="en-US" sz="2200" kern="1200" dirty="0"/>
+            <a:rPr lang="en-US" sz="2000" kern="1200" dirty="0"/>
             <a:t>How do 2 mutations, which can alternate between beneficial and deleterious versions of the same strength, influence the probability of rescue and how does their frequency in the population change?</a:t>
           </a:r>
-          <a:endParaRPr lang="de-CH" sz="2200" kern="1200" dirty="0"/>
+          <a:endParaRPr lang="de-CH" sz="2000" kern="1200" dirty="0"/>
         </a:p>
       </dsp:txBody>
       <dsp:txXfrm>
-        <a:off x="891653" y="847398"/>
-        <a:ext cx="3567864" cy="4143898"/>
+        <a:off x="891653" y="906799"/>
+        <a:ext cx="3567864" cy="3967498"/>
       </dsp:txXfrm>
     </dsp:sp>
     <dsp:sp modelId="{2224B8D8-D42D-4740-BEC7-297B685CEA61}">
@@ -3378,7 +3378,7 @@
       </dsp:nvSpPr>
       <dsp:spPr>
         <a:xfrm>
-          <a:off x="4368811" y="-52185"/>
+          <a:off x="4368811" y="36014"/>
           <a:ext cx="1218003" cy="943567"/>
         </a:xfrm>
         <a:prstGeom prst="rightArrow">
@@ -3421,7 +3421,7 @@
         </a:bodyPr>
         <a:lstStyle/>
         <a:p>
-          <a:pPr marL="0" lvl="0" indent="0" algn="ctr" defTabSz="800100">
+          <a:pPr marL="0" lvl="0" indent="0" algn="ctr" defTabSz="711200">
             <a:lnSpc>
               <a:spcPct val="90000"/>
             </a:lnSpc>
@@ -3433,11 +3433,11 @@
             </a:spcAft>
             <a:buNone/>
           </a:pPr>
-          <a:endParaRPr lang="en-US" sz="1800" kern="1200"/>
+          <a:endParaRPr lang="en-US" sz="1600" kern="1200"/>
         </a:p>
       </dsp:txBody>
       <dsp:txXfrm>
-        <a:off x="4368811" y="136528"/>
+        <a:off x="4368811" y="224727"/>
         <a:ext cx="934933" cy="566141"/>
       </dsp:txXfrm>
     </dsp:sp>
@@ -3448,8 +3448,8 @@
       </dsp:nvSpPr>
       <dsp:spPr>
         <a:xfrm>
-          <a:off x="6092401" y="102798"/>
-          <a:ext cx="3789866" cy="950400"/>
+          <a:off x="6092401" y="219798"/>
+          <a:ext cx="3789866" cy="864000"/>
         </a:xfrm>
         <a:prstGeom prst="roundRect">
           <a:avLst>
@@ -3493,12 +3493,12 @@
         </a:fontRef>
       </dsp:style>
       <dsp:txBody>
-        <a:bodyPr spcFirstLastPara="0" vert="horz" wrap="square" lIns="156464" tIns="156464" rIns="156464" bIns="83820" numCol="1" spcCol="1270" anchor="t" anchorCtr="0">
+        <a:bodyPr spcFirstLastPara="0" vert="horz" wrap="square" lIns="142240" tIns="142240" rIns="142240" bIns="76200" numCol="1" spcCol="1270" anchor="t" anchorCtr="0">
           <a:noAutofit/>
         </a:bodyPr>
         <a:lstStyle/>
         <a:p>
-          <a:pPr marL="0" lvl="0" indent="0" algn="l" defTabSz="977900">
+          <a:pPr marL="0" lvl="0" indent="0" algn="l" defTabSz="889000">
             <a:lnSpc>
               <a:spcPct val="90000"/>
             </a:lnSpc>
@@ -3511,14 +3511,14 @@
             <a:buNone/>
           </a:pPr>
           <a:r>
-            <a:rPr lang="en-US" sz="2200" kern="1200" dirty="0"/>
+            <a:rPr lang="en-US" sz="2000" kern="1200" dirty="0"/>
             <a:t>Predictions:</a:t>
           </a:r>
         </a:p>
       </dsp:txBody>
       <dsp:txXfrm>
-        <a:off x="6092401" y="102798"/>
-        <a:ext cx="3789866" cy="633600"/>
+        <a:off x="6092401" y="219798"/>
+        <a:ext cx="3789866" cy="576000"/>
       </dsp:txXfrm>
     </dsp:sp>
     <dsp:sp modelId="{256D9188-9040-44B6-AF4A-581BCA4191B5}">
@@ -3528,8 +3528,8 @@
       </dsp:nvSpPr>
       <dsp:spPr>
         <a:xfrm>
-          <a:off x="6868638" y="736397"/>
-          <a:ext cx="3789866" cy="4365900"/>
+          <a:off x="6868638" y="795798"/>
+          <a:ext cx="3789866" cy="4189500"/>
         </a:xfrm>
         <a:prstGeom prst="roundRect">
           <a:avLst>
@@ -3572,12 +3572,12 @@
         <a:fontRef idx="minor"/>
       </dsp:style>
       <dsp:txBody>
-        <a:bodyPr spcFirstLastPara="0" vert="horz" wrap="square" lIns="156464" tIns="156464" rIns="156464" bIns="156464" numCol="1" spcCol="1270" anchor="t" anchorCtr="0">
+        <a:bodyPr spcFirstLastPara="0" vert="horz" wrap="square" lIns="142240" tIns="142240" rIns="142240" bIns="142240" numCol="1" spcCol="1270" anchor="t" anchorCtr="0">
           <a:noAutofit/>
         </a:bodyPr>
         <a:lstStyle/>
         <a:p>
-          <a:pPr marL="228600" lvl="1" indent="-228600" algn="l" defTabSz="977900">
+          <a:pPr marL="228600" lvl="1" indent="-228600" algn="l" defTabSz="889000">
             <a:lnSpc>
               <a:spcPct val="90000"/>
             </a:lnSpc>
@@ -3590,12 +3590,12 @@
             <a:buChar char="•"/>
           </a:pPr>
           <a:r>
-            <a:rPr lang="en-US" sz="2200" kern="1200" dirty="0"/>
-            <a:t>Strong mutations won’t persist, because the costs of the trade off are too high. Therefore, the individuals with the weak mutations will take over the population.</a:t>
+            <a:rPr lang="en-US" sz="2000" kern="1200" dirty="0"/>
+            <a:t>Strong deleterious mutation won’t persist, because the costs of the trade off are too high. Therefore, the individuals with the weak  and strong beneficial mutations will take over the population.</a:t>
           </a:r>
         </a:p>
         <a:p>
-          <a:pPr marL="228600" lvl="1" indent="-228600" algn="l" defTabSz="977900">
+          <a:pPr marL="228600" lvl="1" indent="-228600" algn="l" defTabSz="889000">
             <a:lnSpc>
               <a:spcPct val="90000"/>
             </a:lnSpc>
@@ -3608,14 +3608,14 @@
             <a:buChar char="•"/>
           </a:pPr>
           <a:r>
-            <a:rPr lang="en-US" sz="2200" kern="1200" dirty="0"/>
-            <a:t>Thus, the population will be rescued if there are enough individuals with weak mutations at the beginning.</a:t>
+            <a:rPr lang="en-US" sz="2000" kern="1200" dirty="0"/>
+            <a:t>Thus, the population will be rescued if there are enough individuals with weak mutations or strong beneficial at the beginning.</a:t>
           </a:r>
         </a:p>
       </dsp:txBody>
       <dsp:txXfrm>
-        <a:off x="6979639" y="847398"/>
-        <a:ext cx="3567864" cy="4143898"/>
+        <a:off x="6979639" y="906799"/>
+        <a:ext cx="3567864" cy="3967498"/>
       </dsp:txXfrm>
     </dsp:sp>
   </dsp:spTree>
@@ -6283,17 +6283,6 @@
   <inkml:trace contextRef="#ctx0" brushRef="#br0">32484 6785,'0'8801,"11735"-8801</inkml:trace>
   <inkml:trace contextRef="#ctx0" brushRef="#br0">32326 7100,'158'-315,"0"630</inkml:trace>
   <inkml:trace contextRef="#ctx0" brushRef="#br0">43903 15428,'316'158,"-632"-1</inkml:trace>
-  <inkml:trace contextRef="#ctx1" brushRef="#br1">28945 12998 2953,'4'-2'6915,"16"4"-7322,-12 0 791,68 0-125,0-2 1,138-22 0,-132 8-99,-74 12-302,0 0 1,0-2 0,0 2 0,-2-2 0,2 0 0,0 0 0,-2 0 0,8-6-1,-2-2-596</inkml:trace>
-  <inkml:trace contextRef="#ctx1" brushRef="#br1">28915 13010 3145,'-16'-22'6738,"10"6"-6627,2-2-1,0 0 0,0 0 0,2 0 0,0 2 0,0-2 0,2 0 0,4-26 0,2 4-578,-2 14-547,-2 0 0,2-42 1,-4 56-195</inkml:trace>
-  <inkml:trace contextRef="#ctx1" brushRef="#br1">29177 13004 5689,'0'-8'6079,"0"-10"-5738,12-212-1685,-12 212 629</inkml:trace>
-  <inkml:trace contextRef="#ctx1" brushRef="#br1">29313 12570 2264,'-16'-6'7018,"28"4"-5870,8 2-1296,6-2 21,-2 2 273,46-10 1,-62 8-282,-2 2 0,0-2 1,2-2-1,-2 2 1,0 0-1,2-2 1,-2 2-1,0-2 0,-2 0 1,4-2-1,4-4 1,2-4-843,-12 8 98</inkml:trace>
-  <inkml:trace contextRef="#ctx1" brushRef="#br1">29007 12516 5801,'0'-2'5801</inkml:trace>
-  <inkml:trace contextRef="#ctx1" brushRef="#br1">28979 12334 2353,'-2'12'6091,"10"-6"-5894,-6-6-207,8 4-11,2 0 0,-2 0 0,2-4 0,-2 2 0,2 0 0,0 0 0,-2-2 0,2 0 0,-2-2-1,2 2 1,0-2 0,18-6 0,14-4 53,78-34-1,-74 24 147,-18 12-901,0-6-1,50-26 1,-70 36-288</inkml:trace>
-  <inkml:trace contextRef="#ctx1" brushRef="#br1">29353 12424 6137,'0'2'186,"-2"-2"0,0 2 0,0-2 0,2 0 0,-2 2 0,2-2-1,-2 2 1,-2-2 0,2 0 0,2 2 0,-2-2 0,0 0 0,0 0 0,0 0-1,2 2 1,-2-2 0,0 0 0,0-2 0,0 2 0,0 0 0,0 0 0,0 0-1,0-2 1,2 2 0,-2 0 0,0-2 0,-2 0 0,2 0-214,-2-4 0,2 4 0,0-2-1,0 0 1,-2 0 0,4 0 0,-2 0 0,0 0 0,0 0 0,0-6 0,-2 0-157,0 0-1,4-2 1,-4 4-1,2-4 1,2 2-1,-2 0 1,2 0-1,0-2 1,0 2 0,2 0-1,0-2 1,0 2-1,0 2 1,0-4-1,2 2 1,0 0-1,10-16 1,-2 4-709</inkml:trace>
-  <inkml:trace contextRef="#ctx1" brushRef="#br1">29547 11994 2393,'20'0'1776,"-34"4"979,-40 2 1474,32-6-3863,0 0 0,0-4 0,2 0 0,-2 0 0,0 0 0,2-4 0,0 0 0,0 0 0,-34-18-1,52 24-361,-2 0-1,4 0 1,-4 2-1,0-2 1,4 0-1,-2 0 1,-2 0-1,2 0 1,2 0-1,-2-2 1,-2 4-1,2-4 1,2 0-1,0 4 1,-2-4-1,0 0 1,0 4-1,2-4 1,-2 0-1,2 2 1,0 0-1,0-2 1,0 2-1,0-2 1,0 2-1,0-2 1,0 2-1,0 0 1,0-2-1,0 0 1,0 2-1,2-2 1,-2 2-1,4-6 1,2-6-84,2 0 0,0 0 0,2 0 0,20-26 1,-18 26 98,-10 10-25,4-2-1,-2 0 1,0 2 0,2-2-1,-2 2 1,2 0-1,0 0 1,0 0 0,-2 0-1,4 0 1,-2 2 0,0-2-1,0 2 1,0 0-1,10-2 1,-6 2-10,0 2 0,0 0 1,0 0-1,-2 0 0,2 2 0,0 0 0,0 0 0,0 0 1,-2 0-1,16 6 0,20 14-96,-32-16-711,4 0-1,-4 0 1,0 0 0,28 2-1,-18-6-872</inkml:trace>
-  <inkml:trace contextRef="#ctx1" brushRef="#br1">29431 11624 4105,'0'0'3469,"0"-4"-1581,2-8-1690,-2 0 0,0 0 0,-2 0 0,0 2 0,0-4 0,0 4 0,0-2 0,-2 2-1,2-2 1,-4 0 0,2 4 0,-10-16 0,10 14-44,0 2 0,-2-2-1,0 0 1,0 2 0,0 0-1,-2 0 1,0 0 0,0 2-1,0-2 1,0 2 0,0 0-1,0 0 1,0 0 0,-16-6-1,20 12 6,0 0 0,-4-2-1,4 0 1,0 2 0,-2 0-1,2 0 1,-2 0 0,2 0-1,-2 0 1,0 2 0,2-2-1,-8 2 1,10 0-147,0-2-1,0 0 1,0 2-1,2 0 1,-2-2-1,0 2 1,0-2 0,0 0-1,2 2 1,-2 0-1,2-2 1,-2 2-1,0 0 1,0-2-1,2 2 1,0 0-1,0 0 1,-2 0-1,2-2 1,-2 2 0,2 0-1,-2 0 1,2 0-1,0 0 1,0 0-1,-2 0 1,2 0-1,0-2 1,0 2-1,0 0 1,0 2 0,2-4-1,-2 2 1,0 0-1,0 0 1,2 0-1,2 6-99,-4 0-1,4-2 0,0 0 0,0 0 1,0 0-1,0 2 0,0-4 1,0 2-1,2 0 0,0-2 0,-2 2 1,2-2-1,0 0 0,0 2 1,0-4-1,0 4 0,0-4 0,10 4 1,8 4-53,2 0 0,-2-4 1,46 8-1,-64-12 102,0 0 1,-2-2 0,4 2-1,-4-2 1,2 0 0,0-2-1,0 2 1,0 0 0,-2-2-1,4 0 1,-4 2 0,2-2-1,8-4 1,-8 4-78,-4-2 0,2 2-1,0 0 1,-4-2 0,4 2 0,0 0 0,-2-2 0,0 2-1,2-4 1,-4 4 0,2-2 0,0 0 0,0 2-1,0-4 1,-2 4 0,2-4 0,0 4 0,-2-4 0,2 4-1,-2-6 1,2-6-523,-2-2-1,0 2 1,0 0-1,-2 2 1,-4-20-1,2 2-719</inkml:trace>
-  <inkml:trace contextRef="#ctx1" brushRef="#br1">29227 11020 3969,'-34'2'1944,"34"-2"-1856,0 2 1,0-2-1,-2 0 0,2 0 0,-2 2 1,2-2-1,-2 0 0,2 2 0,-2-2 0,2 0 1,0 0-1,0 2 0,-2-2 0,2 2 0,0-2 1,-2 2-1,2-2 0,0 2 0,-2-2 0,2 0 1,0 2-1,0-2 0,0 2 0,-2 0 0,2 24 1002,0-20-760,-2 2-191,2 0-1,2-2 1,-2 2-1,0 0 1,0-2-1,6 12 1,-4-14-150,-2-2 1,0 2-1,2-2 1,0 2-1,0 0 1,0-2-1,0 2 1,0-2-1,2 0 1,-4 2-1,4-2 1,-2 0-1,0 2 1,2-2-1,4 2 1,-6-2-68,0-2 0,0 2 1,0-2-1,2 0 1,-4 0-1,4 0 0,-2 0 1,0 0-1,0 0 0,2 0 1,-2 0-1,0 0 1,0 0-1,2-2 0,-4 2 1,2-2-1,2 2 1,-2-2-1,-2 2 0,4-2 1,-2 2-1,0-2 1,-2 0-1,4 0 0,-2 0 1,0 2-1,-2-2 1,4-4-1,8-6-499,0-2 0,16-30 1,-14 26 505,12-24-73,-22 32 359,2-2 0,0 4 0,2-2 0,0 0 0,-2 0 0,2 2 0,2 0 0,6-10 0,-14 18-113,-2 0-1,2 0 0,0 0 1,-2 0-1,2-2 1,-2 2-1,2 0 1,-2-2-1,2 2 1,0 0-1,0 0 1,-2 0-1,0 0 1,2 0-1,0 0 1,-2 0-1,2 0 1,0 0-1,-2 0 1,0 0-1,2 2 1,0-2-1,-2 0 0,4 2 1,-2-2 54,0 2 1,2 0-1,-4 0 1,4 0-1,-2 0 1,0 2-1,-2-2 1,4-2-1,0 8 0,4 6 174,-2 0-1,-2-2 0,8 20 0,-10-26-250,10 28 165,-6-18-305,0-2 1,-2 2-1,0-2 0,0 2 1,2 22-1</inkml:trace>
-  <inkml:trace contextRef="#ctx1" brushRef="#br1">29211 10664 3113,'-4'12'1769,"-16"38"3236,18-40-4565,-2 2 0,2-4 0,0 4 1,2-2-1,-2 16 0,2-18-399,0 0 0,2-2 0,-2 0-1,0 0 1,2 2 0,0-2 0,0 2 0,6 10 0,-6-16-120,-2 0-1,0 0 1,2-2 0,0 2 0,0 0 0,0 0 0,-2 0 0,0-2 0,2 2 0,0 0 0,2 0 0,-4 0 0,2-2 0,0 0 0,0 2 0,0-2 0,0 2-1,0-2 1,0 2 0,0-2 0,0 0 0,0 0 0,0 2 0,0-2 0,0 0 0,0 0 0,2 0 0,-4-2 0,2 2 0,2 0 0,-2 0 0,-2-2 0,6 0 0,-2 0-261,2 2 1,-2-4 0,0 2-1,0 0 1,0-2 0,0 0-1,0 2 1,0-2 0,0 2-1,4-6 1,30-48-1812,-14 22 1701,-14 18 958,-2 2-1,2-2 1,6-22 0,-10 26 386,0-2 0,-2 4 0,4-4 0,-2 4 1,2-2-1,14-14 0,-22 26-791,2-2 0,-2 2 0,0 0 0,0-2 0,0 2 0,2 0 0,-2-2 0,2 2 0,-2 0-1,2-2 1,-2 2 0,2 0 0,-2 0 0,0 0 0,0 0 0,2 0 0,-2 0 0,2 0 0,0 0 0,-2 0 0,2 0 0,-2 0 0,0 0 0,0 0 0,2 0 0,2 0 0,-2 2 40,-2-2-1,2 2 1,0 0 0,0 0 0,0-2-1,-2 2 1,2 0 0,0 0 0,0 0 0,0-2-1,0 4 1,4 8 265,2 0 0,-4 0 0,6 12 0,-8-16-185,12 24 265,6 18-274,-6-16-2986,-12-22 478</inkml:trace>
   <inkml:trace contextRef="#ctx1" brushRef="#br1">34435 17842 1144,'-34'66'1303,"34"-60"-1215,-2 0 0,0 0 0,0 0 0,2 2-1,-2-2 1,2 0 0,0 2 0,0-2 0,0 0 0,2 2-1,2 8 1,-2 0 254,-2-4-30,0-6 250,2 0 0,-2 2 1,2-2-1,0 0 0,2 12 1581,-10-32 1933,2 6-4018,0-2 0,0 0 0,0-2 0,0 4 0,4-4 0,-4 2-1,2 0 1,2-2 0,-2 0 0,2 4 0,2-4 0,-2 0 0,2 2-1,0 0 1,0-2 0,0 2 0,2 0 0,-2 0 0,4 0 0,4-10-1,-8 10-92,4 2 0,-4 0 0,4 0 0,-2 2 0,2-2 0,0 0 0,0 2-1,10-10 1,-14 14 17,0-2 0,2 4-1,-2-4 1,0 2-1,2 0 1,-2 2 0,2-2-1,0 0 1,-2 0 0,2 0-1,-2 2 1,2 0-1,0-2 1,0 2 0,0-2-1,-2 2 1,2 0 0,0 0-1,0 0 1,-2 0-1,2 0 1,0 2 0,0-2-1,0 2 1,-2-2 0,8 4-1,-2 0 10,-2 0 0,0 2 0,2 0 0,-2-2 0,-2 2 0,2 0 0,0 2 0,-2-2 0,2 0 0,-2 0 0,0 0 0,4 14 0,6 10 85,14 56 0,-24-76-51,20 78 845,-24-88-642,0-2-136,0 2 1,0 0 0,0-2-1,0 0 1,2 0-1,-2 2 1,0-2 0,0 2-1,0-2 1,0 2-1,0-2 1,2 0 0,0 0-1,-2 2-19,26-50-132,0 2 0,62-80 0,-76 114-43,-10 14 75,0 0-1,-2-2 0,2 2 0,0-2 0,0 2 0,0-2 0,-2 2 1,2 0-1,0-2 0,0 2 0,0 0 0,-2 0 0,2 0 0,0 0 1,0 0-1,0 0 0,-2 0 0,2 0 0,0 0 0,0 2 1,0-2-1,-2 0 0,2 2 0,0-2 0,0 0 0,0 2 0,-2 0 1,2-2-1,0 0 0,0 0 0,-2 2 0,2 0 0,-2 0 1,2-2-1,2 4 0,6 10-34,2 2-1,-2 0 1,0 0 0,-2 0-1,12 24 1,-14-24-124,2 2 0,2-2 0,0 0-1,0 0 1,14 20 0,-2-24-817,-12-6 33</inkml:trace>
   <inkml:trace contextRef="#ctx1" brushRef="#br1">35161 17840 2873,'-6'-4'2955,"0"-4"-129,0 20-2711,6-2-106,-2 0 0,2-2 1,2 2-1,-2 0 0,2 0 1,-2-2-1,2 2 0,0-2 1,2 0-1,-2 2 1,2-2-1,-2 2 0,4-2 1,-2 0-1,2 0 0,-2 0 1,14 12-1,-12-12 61,2 2 0,2-2 0,-2 0 0,2 0 0,-2-2 1,2 2-1,0 0 0,0-4 0,0 2 0,0 0 0,2-2 0,-2 0 0,24 4 0,-28-6 26,0 0 1,0-2-1,0 2 0,0-2 0,2 0 1,-2 0-1,0-2 0,-2 2 0,4-2 1,-2 2-1,0-2 0,0 2 0,0-4 1,0 2-1,-2 0 0,2-2 0,0 2 0,0-2 1,-2 0-1,2 2 0,-2-4 0,2 4 1,4-12-1,-4 8 56,-2 2 1,0-4-1,0 4 0,0-2 1,-2 0-1,0-2 0,2 2 0,-2 0 1,4-14-1,-4-4 541,4-36-1,-6 48-515,0 4-103,0 0 0,0-2 1,0 2-1,-2-2 0,-2 2 1,2-2-1,0 2 0,-2 0 0,2 0 1,-12-16-1,22 38-765,0 2 0,-2 0 0,10 18-1,-12-18 670,2 0-1,0-2 0,2 2 1,16 24-1,-16-28-2,2 0 1,0-2-1,2 2 0,16 12 1,-24-20-284,2 0 0,-2-2 0,2 2 0,0 0 0,0-4 0,-2 4 0,4-2 0,-4 0 0,2-2 0,0 2 0,2 0 0,-2 0 0,12-2 0,-10-4-1155</inkml:trace>
   <inkml:trace contextRef="#ctx1" brushRef="#br1">35777 17556 3713,'-20'8'4251,"18"-8"-4122,0 0-1,2 2 1,-2 0 0,2 0-1,-2 0 1,0-2 0,0 0-1,2 2 1,0 0 0,-2 0-1,2 0 1,-2 0 0,2 0-1,-2 2 1,2 4-120,0 0 0,0 0 0,0 0 0,2 0 0,0 0 0,0 0 0,0 0 0,0 0 0,6 12-1,40 72-119,-36-72 98,-4-4 63,20 36-498,0-4-1,70 88 0,-76-118-32</inkml:trace>
@@ -6420,6 +6409,774 @@
   <inkml:trace contextRef="#ctx1" brushRef="#br4">53498 9564 4201,'-2'-4'622,"-26"-18"3718,28 20-4195,-2 2-1,0 0 1,2 0-1,0 0 1,-2-2 0,0 2-1,2 0 1,-2 0-1,0-2 1,2 2-1,0 0 1,-2 0 0,0 0-1,0 0 1,0 0-1,2 0 1,0 0-1,-2 0 1,0 2 0,2-2-1,-2 0 1,0 0-1,2 0 1,-2 2-1,0-2-22,4 6-122,-2 0 1,2 0 0,-2 0-1,2 0 1,0 0 0,2-2-1,-4 4 1,8 6 0,0-4-3,-4 2-177,0-2 0,4 0 0,-2-2 0,0 2-1,0 0 1,2-2 0,0 2 0,0-2 0,0 0 0,2-2 0,0 2 0,0-2 0,-2 0 0,2 0 0,0-2 0,2 2 0,-2-2 0,20 6 0,-16-8-568</inkml:trace>
   <inkml:trace contextRef="#ctx1" brushRef="#br4">53468 9238 3265,'-12'-16'3785,"0"-6"1968,10 20-5425,8 2-1945,10 0 841,4 0-392</inkml:trace>
   <inkml:trace contextRef="#ctx1" brushRef="#br4">53722 9648 4905,'-2'-18'2132,"2"0"1,0-2-1,0-28 0,2 40-1990,0 0-1,0 2 0,0 0 0,0 0 0,0-2 1,2 2-1,-2-2 0,4 2 0,-4 2 0,2-2 1,0-2-1,10-4 0,-8 4-133,2 2 0,0-2 0,0 2 0,2-2 0,-2 4 0,0-2 1,2 0-1,0 2 0,0 0 0,0 0 0,-2 0 0,2 2 0,2 0 0,-2 0 0,18 0 0,-24 2-21,2 0-1,-2 0 1,2 2-1,-2 0 1,0 0-1,2 0 0,-4-2 1,4 2-1,-2 2 1,2-2-1,-4 0 1,4 2-1,-4-2 0,2 2 1,0 0-1,4 4 1,2 4-12,2 0 0,-4 4 0,16 18 0,-16-16 34,0 2 0,8 28 0,14 22-2182,-24-60 1297,0 0-569</inkml:trace>
+</inkml:ink>
+</file>
+
+<file path=ppt/ink/ink10.xml><?xml version="1.0" encoding="utf-8"?>
+<inkml:ink xmlns:inkml="http://www.w3.org/2003/InkML">
+  <inkml:definitions>
+    <inkml:context xml:id="ctx0">
+      <inkml:inkSource xml:id="inkSrc0">
+        <inkml:traceFormat>
+          <inkml:channel name="X" type="integer" min="-2.14748E9" max="2.14748E9" units="cm"/>
+          <inkml:channel name="Y" type="integer" min="-2.14748E9" max="2.14748E9" units="cm"/>
+          <inkml:channel name="F" type="integer" max="32767" units="dev"/>
+          <inkml:channel name="OA" type="integer" max="360" units="deg"/>
+          <inkml:channel name="OE" type="integer" max="90" units="deg"/>
+        </inkml:traceFormat>
+        <inkml:channelProperties>
+          <inkml:channelProperty channel="X" name="resolution" value="1000" units="1/cm"/>
+          <inkml:channelProperty channel="Y" name="resolution" value="1000" units="1/cm"/>
+          <inkml:channelProperty channel="F" name="resolution" value="0" units="1/dev"/>
+          <inkml:channelProperty channel="OA" name="resolution" value="1000" units="1/deg"/>
+          <inkml:channelProperty channel="OE" name="resolution" value="1000" units="1/deg"/>
+        </inkml:channelProperties>
+      </inkml:inkSource>
+      <inkml:timestamp xml:id="ts0" timeString="2025-10-29T17:26:36.202"/>
+    </inkml:context>
+    <inkml:brush xml:id="br0">
+      <inkml:brushProperty name="width" value="0.1" units="cm"/>
+      <inkml:brushProperty name="height" value="0.1" units="cm"/>
+      <inkml:brushProperty name="color" value="#66CC00"/>
+    </inkml:brush>
+  </inkml:definitions>
+  <inkml:trace contextRef="#ctx0" brushRef="#br0">31 65 6577 0 0,'-12'0'2425'0'0,"3"-2"-1841"0"0,4-1-584 0 0,1-5-48 0 0,4-1-912 0 0,0-4 704 0 0,0 0-264 0 0,2-4-289 0 0</inkml:trace>
+</inkml:ink>
+</file>
+
+<file path=ppt/ink/ink11.xml><?xml version="1.0" encoding="utf-8"?>
+<inkml:ink xmlns:inkml="http://www.w3.org/2003/InkML">
+  <inkml:definitions>
+    <inkml:context xml:id="ctx0">
+      <inkml:inkSource xml:id="inkSrc0">
+        <inkml:traceFormat>
+          <inkml:channel name="X" type="integer" min="-2.14748E9" max="2.14748E9" units="cm"/>
+          <inkml:channel name="Y" type="integer" min="-2.14748E9" max="2.14748E9" units="cm"/>
+          <inkml:channel name="F" type="integer" max="32767" units="dev"/>
+          <inkml:channel name="OA" type="integer" max="360" units="deg"/>
+          <inkml:channel name="OE" type="integer" max="90" units="deg"/>
+        </inkml:traceFormat>
+        <inkml:channelProperties>
+          <inkml:channelProperty channel="X" name="resolution" value="1000" units="1/cm"/>
+          <inkml:channelProperty channel="Y" name="resolution" value="1000" units="1/cm"/>
+          <inkml:channelProperty channel="F" name="resolution" value="0" units="1/dev"/>
+          <inkml:channelProperty channel="OA" name="resolution" value="1000" units="1/deg"/>
+          <inkml:channelProperty channel="OE" name="resolution" value="1000" units="1/deg"/>
+        </inkml:channelProperties>
+      </inkml:inkSource>
+      <inkml:timestamp xml:id="ts0" timeString="2025-10-29T17:26:36.886"/>
+    </inkml:context>
+    <inkml:brush xml:id="br0">
+      <inkml:brushProperty name="width" value="0.1" units="cm"/>
+      <inkml:brushProperty name="height" value="0.1" units="cm"/>
+      <inkml:brushProperty name="color" value="#66CC00"/>
+    </inkml:brush>
+  </inkml:definitions>
+  <inkml:trace contextRef="#ctx0" brushRef="#br0">116 31 5721 0 0,'-10'4'590'0'0,"0"1"0"0"0,0 0 0 0 0,1 0 0 0 0,-11 9 0 0 0,16-10-394 0 0,0 0 1 0 0,0 0-1 0 0,0 0 0 0 0,1 0 1 0 0,-1 1-1 0 0,1-1 1 0 0,0 1-1 0 0,1 0 1 0 0,-1 0-1 0 0,-2 9 1 0 0,1-5-181 0 0,1 1-1 0 0,0 0 1 0 0,1-1 0 0 0,0 1 0 0 0,0 0 0 0 0,1 0 0 0 0,1 0-1 0 0,-1 0 1 0 0,2 1 0 0 0,-1-1 0 0 0,1 0 0 0 0,1 0 0 0 0,0-1 0 0 0,0 1-1 0 0,1 0 1 0 0,0-1 0 0 0,1 1 0 0 0,0-1 0 0 0,1 0 0 0 0,0 0 0 0 0,0 0-1 0 0,0-1 1 0 0,1 0 0 0 0,1 0 0 0 0,-1-1 0 0 0,1 1 0 0 0,1-1-1 0 0,-1-1 1 0 0,1 1 0 0 0,0-1 0 0 0,1-1 0 0 0,-1 0 0 0 0,1 0 0 0 0,11 4-1 0 0,-14-6-46 0 0,1-1-1 0 0,-1 1 1 0 0,0-2 0 0 0,1 1-1 0 0,-1-1 1 0 0,1 0-1 0 0,-1 0 1 0 0,1-1-1 0 0,0 0 1 0 0,-1 0-1 0 0,1 0 1 0 0,0-1-1 0 0,-1 0 1 0 0,1-1-1 0 0,-1 1 1 0 0,0-1-1 0 0,1 0 1 0 0,-1-1 0 0 0,0 1-1 0 0,0-1 1 0 0,9-6-1 0 0,-8 3 16 0 0,0 0 0 0 0,-1 0 1 0 0,0 0-1 0 0,0-1 0 0 0,0 0 0 0 0,-1 0 0 0 0,0 0 1 0 0,0-1-1 0 0,-1 0 0 0 0,0 0 0 0 0,0 0 0 0 0,-1 0 0 0 0,0 0 1 0 0,0-1-1 0 0,1-14 0 0 0,0 6 180 0 0,-1-1 0 0 0,-1 0 0 0 0,-1 0-1 0 0,-1 0 1 0 0,0 0 0 0 0,-1 0 0 0 0,-4-20 0 0 0,4 32-59 0 0,-1 1 0 0 0,1-1 0 0 0,-1 0-1 0 0,0 1 1 0 0,-1 0 0 0 0,1-1 0 0 0,-1 1 0 0 0,0 0 0 0 0,0 0 0 0 0,-1 1-1 0 0,1-1 1 0 0,-1 1 0 0 0,0-1 0 0 0,0 1 0 0 0,-1 0 0 0 0,1 1 0 0 0,-1-1-1 0 0,0 1 1 0 0,0 0 0 0 0,0 0 0 0 0,0 0 0 0 0,0 1 0 0 0,-1 0 0 0 0,1 0-1 0 0,-1 0 1 0 0,-5 0 0 0 0,1 0-15 0 0,7 0-419 0 0,0 1 0 0 0,0 1 0 0 0,0-1 1 0 0,-1 0-1 0 0,1 1 0 0 0,0 0 0 0 0,0-1 0 0 0,0 1 1 0 0,0 0-1 0 0,-1 1 0 0 0,1-1 0 0 0,0 1 0 0 0,0-1 0 0 0,0 1 1 0 0,0 0-1 0 0,0 0 0 0 0,0 0 0 0 0,0 0 0 0 0,-5 4 0 0 0,-1 3-1246 0 0</inkml:trace>
+</inkml:ink>
+</file>
+
+<file path=ppt/ink/ink12.xml><?xml version="1.0" encoding="utf-8"?>
+<inkml:ink xmlns:inkml="http://www.w3.org/2003/InkML">
+  <inkml:definitions>
+    <inkml:context xml:id="ctx0">
+      <inkml:inkSource xml:id="inkSrc0">
+        <inkml:traceFormat>
+          <inkml:channel name="X" type="integer" min="-2.14748E9" max="2.14748E9" units="cm"/>
+          <inkml:channel name="Y" type="integer" min="-2.14748E9" max="2.14748E9" units="cm"/>
+          <inkml:channel name="F" type="integer" max="32767" units="dev"/>
+          <inkml:channel name="OA" type="integer" max="360" units="deg"/>
+          <inkml:channel name="OE" type="integer" max="90" units="deg"/>
+        </inkml:traceFormat>
+        <inkml:channelProperties>
+          <inkml:channelProperty channel="X" name="resolution" value="1000" units="1/cm"/>
+          <inkml:channelProperty channel="Y" name="resolution" value="1000" units="1/cm"/>
+          <inkml:channelProperty channel="F" name="resolution" value="0" units="1/dev"/>
+          <inkml:channelProperty channel="OA" name="resolution" value="1000" units="1/deg"/>
+          <inkml:channelProperty channel="OE" name="resolution" value="1000" units="1/deg"/>
+        </inkml:channelProperties>
+      </inkml:inkSource>
+      <inkml:timestamp xml:id="ts0" timeString="2025-10-29T17:26:38.271"/>
+    </inkml:context>
+    <inkml:brush xml:id="br0">
+      <inkml:brushProperty name="width" value="0.1" units="cm"/>
+      <inkml:brushProperty name="height" value="0.1" units="cm"/>
+      <inkml:brushProperty name="color" value="#66CC00"/>
+    </inkml:brush>
+  </inkml:definitions>
+  <inkml:trace contextRef="#ctx0" brushRef="#br0">83 59 4849 0 0,'-7'4'3328'0'0,"-5"11"-2567"0"0,-1 1-282 0 0,11-14-473 0 0,-4 5 204 0 0,-1 0-1 0 0,1 0 1 0 0,0 1-1 0 0,1 0 1 0 0,-6 12-1 0 0,9-17-244 0 0,1-1-1 0 0,0 1 0 0 0,0-1 1 0 0,1 1-1 0 0,-1-1 0 0 0,0 1 1 0 0,1-1-1 0 0,0 1 0 0 0,0-1 1 0 0,-1 1-1 0 0,1 0 0 0 0,1-1 1 0 0,-1 1-1 0 0,0-1 0 0 0,1 1 1 0 0,-1 0-1 0 0,1-1 0 0 0,0 1 1 0 0,0-1-1 0 0,0 0 0 0 0,0 1 1 0 0,0-1-1 0 0,0 0 0 0 0,1 1 1 0 0,-1-1-1 0 0,1 0 0 0 0,0 0 1 0 0,3 3-1 0 0,8 5-115 0 0,0 0 0 0 0,1-1 0 0 0,0 0 0 0 0,0-1 0 0 0,1-1 0 0 0,0 0 0 0 0,0-1 0 0 0,1 0 1 0 0,0-2-1 0 0,0 0 0 0 0,0 0 0 0 0,0-2 0 0 0,1 0 0 0 0,-1-1 0 0 0,29-1 0 0 0,-38-1 103 0 0,-1-1 1 0 0,1 0-1 0 0,-1 0 1 0 0,0 0-1 0 0,0-1 1 0 0,0 1-1 0 0,0-1 1 0 0,-1-1-1 0 0,1 1 1 0 0,-1-1-1 0 0,0 0 0 0 0,0-1 1 0 0,0 1-1 0 0,0-1 1 0 0,-1 0-1 0 0,0 0 1 0 0,0 0-1 0 0,0 0 1 0 0,-1-1-1 0 0,1 0 1 0 0,2-8-1 0 0,3-6-72 0 0,-1 0 1 0 0,-1-1-1 0 0,-1 1 0 0 0,0-2 0 0 0,2-26 1 0 0,-3 12-6 0 0,1 0-24 0 0</inkml:trace>
+</inkml:ink>
+</file>
+
+<file path=ppt/ink/ink13.xml><?xml version="1.0" encoding="utf-8"?>
+<inkml:ink xmlns:inkml="http://www.w3.org/2003/InkML">
+  <inkml:definitions>
+    <inkml:context xml:id="ctx0">
+      <inkml:inkSource xml:id="inkSrc0">
+        <inkml:traceFormat>
+          <inkml:channel name="X" type="integer" min="-2.14748E9" max="2.14748E9" units="cm"/>
+          <inkml:channel name="Y" type="integer" min="-2.14748E9" max="2.14748E9" units="cm"/>
+          <inkml:channel name="F" type="integer" max="32767" units="dev"/>
+          <inkml:channel name="OA" type="integer" max="360" units="deg"/>
+          <inkml:channel name="OE" type="integer" max="90" units="deg"/>
+        </inkml:traceFormat>
+        <inkml:channelProperties>
+          <inkml:channelProperty channel="X" name="resolution" value="1000" units="1/cm"/>
+          <inkml:channelProperty channel="Y" name="resolution" value="1000" units="1/cm"/>
+          <inkml:channelProperty channel="F" name="resolution" value="0" units="1/dev"/>
+          <inkml:channelProperty channel="OA" name="resolution" value="1000" units="1/deg"/>
+          <inkml:channelProperty channel="OE" name="resolution" value="1000" units="1/deg"/>
+        </inkml:channelProperties>
+      </inkml:inkSource>
+      <inkml:timestamp xml:id="ts0" timeString="2025-10-29T17:26:40.907"/>
+    </inkml:context>
+    <inkml:brush xml:id="br0">
+      <inkml:brushProperty name="width" value="0.1" units="cm"/>
+      <inkml:brushProperty name="height" value="0.1" units="cm"/>
+      <inkml:brushProperty name="color" value="#66CC00"/>
+    </inkml:brush>
+  </inkml:definitions>
+  <inkml:trace contextRef="#ctx0" brushRef="#br0">122 93 3801 0 0,'-4'0'8814'0'0,"0"0"-8708"0"0,0 1-1 0 0,0 0 1 0 0,0 0 0 0 0,0 1-1 0 0,0-1 1 0 0,0 1 0 0 0,-4 2-1 0 0,-1 3-27 0 0,-1-1 0 0 0,1 1 0 0 0,0 1 0 0 0,1 0 0 0 0,-9 9 0 0 0,15-15-129 0 0,0 0 0 0 0,1 0 0 0 0,-1 0 0 0 0,1 0 0 0 0,-1 0 0 0 0,1 0 0 0 0,-1 0 0 0 0,1 1 0 0 0,0-1 0 0 0,0 1 0 0 0,0-1 0 0 0,1 0 0 0 0,-1 1 0 0 0,1 0 0 0 0,-1-1 0 0 0,1 1 0 0 0,0-1 0 0 0,0 1 0 0 0,0-1 0 0 0,0 1 1 0 0,0 0-1 0 0,0-1 0 0 0,1 1 0 0 0,-1-1 0 0 0,1 1 0 0 0,0-1 0 0 0,0 0 0 0 0,0 1 0 0 0,0-1 0 0 0,0 0 0 0 0,1 1 0 0 0,-1-1 0 0 0,3 3 0 0 0,5 4-167 0 0,1 0 0 0 0,0-1 0 0 0,0-1 0 0 0,1 1 1 0 0,-1-2-1 0 0,2 1 0 0 0,-1-2 0 0 0,1 1 0 0 0,-1-2 1 0 0,22 7-1 0 0,-14-6 126 0 0,1-1 0 0 0,0-1-1 0 0,-1-1 1 0 0,1 0 0 0 0,0-1 0 0 0,23-3 0 0 0,-39 2 76 0 0,0 0 1 0 0,0-1-1 0 0,0 1 1 0 0,0-1-1 0 0,0 0 1 0 0,0-1-1 0 0,0 1 1 0 0,0-1-1 0 0,0 1 1 0 0,0-1-1 0 0,-1 0 1 0 0,1-1-1 0 0,-1 1 1 0 0,0-1-1 0 0,1 1 0 0 0,-1-1 1 0 0,0 0-1 0 0,3-5 1 0 0,-3 4 57 0 0,0-1 0 0 0,-1 1-1 0 0,0-1 1 0 0,0 0 0 0 0,-1 1 0 0 0,1-1 0 0 0,-1 0 0 0 0,0 0 0 0 0,0 0-1 0 0,-1 0 1 0 0,1-1 0 0 0,-1 1 0 0 0,-1-6 0 0 0,0-1 211 0 0,0 1 1 0 0,-1 0 0 0 0,-1 0 0 0 0,0 0-1 0 0,0 0 1 0 0,-1 0 0 0 0,-1 1-1 0 0,0 0 1 0 0,0 0 0 0 0,-1 0-1 0 0,0 0 1 0 0,-13-15 0 0 0,10 17 88 0 0,1 0 1 0 0,-2 1 0 0 0,1 0-1 0 0,-1 0 1 0 0,0 1 0 0 0,-18-9-1 0 0,23 13-304 0 0,0-1-1 0 0,0 1 0 0 0,0 1 0 0 0,0-1 1 0 0,-1 1-1 0 0,1 0 0 0 0,0 0 0 0 0,-1 1 0 0 0,1-1 1 0 0,-1 1-1 0 0,1 0 0 0 0,-1 1 0 0 0,1-1 0 0 0,0 1 1 0 0,-1 0-1 0 0,-8 3 0 0 0,11-2-237 0 0,1 0-1 0 0,-1 0 1 0 0,1 1 0 0 0,-1-1-1 0 0,1 0 1 0 0,0 1 0 0 0,0-1-1 0 0,0 1 1 0 0,1 0 0 0 0,-1 0-1 0 0,0-1 1 0 0,0 5-1 0 0,-2 1-877 0 0</inkml:trace>
+</inkml:ink>
+</file>
+
+<file path=ppt/ink/ink14.xml><?xml version="1.0" encoding="utf-8"?>
+<inkml:ink xmlns:inkml="http://www.w3.org/2003/InkML">
+  <inkml:definitions>
+    <inkml:context xml:id="ctx0">
+      <inkml:inkSource xml:id="inkSrc0">
+        <inkml:traceFormat>
+          <inkml:channel name="X" type="integer" min="-2.14748E9" max="2.14748E9" units="cm"/>
+          <inkml:channel name="Y" type="integer" min="-2.14748E9" max="2.14748E9" units="cm"/>
+          <inkml:channel name="F" type="integer" max="32767" units="dev"/>
+          <inkml:channel name="OA" type="integer" max="360" units="deg"/>
+          <inkml:channel name="OE" type="integer" max="90" units="deg"/>
+        </inkml:traceFormat>
+        <inkml:channelProperties>
+          <inkml:channelProperty channel="X" name="resolution" value="1000" units="1/cm"/>
+          <inkml:channelProperty channel="Y" name="resolution" value="1000" units="1/cm"/>
+          <inkml:channelProperty channel="F" name="resolution" value="0" units="1/dev"/>
+          <inkml:channelProperty channel="OA" name="resolution" value="1000" units="1/deg"/>
+          <inkml:channelProperty channel="OE" name="resolution" value="1000" units="1/deg"/>
+        </inkml:channelProperties>
+      </inkml:inkSource>
+      <inkml:timestamp xml:id="ts0" timeString="2025-10-29T17:26:42.320"/>
+    </inkml:context>
+    <inkml:brush xml:id="br0">
+      <inkml:brushProperty name="width" value="0.1" units="cm"/>
+      <inkml:brushProperty name="height" value="0.1" units="cm"/>
+      <inkml:brushProperty name="color" value="#66CC00"/>
+    </inkml:brush>
+  </inkml:definitions>
+  <inkml:trace contextRef="#ctx0" brushRef="#br0">195 310 848 0 0,'4'-1'125'0'0,"-1"1"-1"0"0,0-1 1 0 0,1 0 0 0 0,-1 1-1 0 0,0-2 1 0 0,0 1 0 0 0,0 0-1 0 0,1-1 1 0 0,-1 1 0 0 0,-1-1-1 0 0,7-4 1 0 0,-8 5 5 0 0,0-1 1 0 0,0 0 0 0 0,0 0-1 0 0,0 0 1 0 0,0 0-1 0 0,-1 0 1 0 0,1 0 0 0 0,-1 0-1 0 0,1-1 1 0 0,-1 1-1 0 0,1 0 1 0 0,-1 0 0 0 0,0 0-1 0 0,0 0 1 0 0,0-1-1 0 0,-1 1 1 0 0,1 0 0 0 0,0 0-1 0 0,-1 0 1 0 0,-1-4-1 0 0,-1-11 635 0 0,-2 0-1 0 0,0 0 1 0 0,0 0-1 0 0,-2 1 0 0 0,0 0 1 0 0,-14-22-1 0 0,18 33-555 0 0,-1 0 0 0 0,1 0 0 0 0,-1 0 0 0 0,-1 1 0 0 0,1-1 0 0 0,-1 1 0 0 0,1 0 0 0 0,-1 0 0 0 0,0 1 0 0 0,-1-1 0 0 0,1 1-1 0 0,0 0 1 0 0,-1 0 0 0 0,0 1 0 0 0,0 0 0 0 0,0 0 0 0 0,0 0 0 0 0,0 1 0 0 0,0 0 0 0 0,0 0 0 0 0,-10 0 0 0 0,10 1-204 0 0,0 0 1 0 0,0 0-1 0 0,1 1 0 0 0,-1 0 1 0 0,0 0-1 0 0,-9 3 0 0 0,13-3-75 0 0,1-1-1 0 0,0 1 0 0 0,0-1 0 0 0,0 1 0 0 0,0-1 0 0 0,0 1 0 0 0,0 0 0 0 0,0 0 0 0 0,1-1 1 0 0,-1 1-1 0 0,0 0 0 0 0,0 0 0 0 0,1 0 0 0 0,-1 0 0 0 0,0 0 0 0 0,1 0 0 0 0,-1 0 0 0 0,1 0 1 0 0,-1 0-1 0 0,1 0 0 0 0,-1 0 0 0 0,1 0 0 0 0,0 1 0 0 0,0-1 0 0 0,0 0 0 0 0,0 0 0 0 0,-1 0 0 0 0,1 0 1 0 0,1 1-1 0 0,-1-1 0 0 0,0 0 0 0 0,0 0 0 0 0,0 0 0 0 0,1 0 0 0 0,-1 0 0 0 0,0 1 0 0 0,1-1 1 0 0,0 2-1 0 0,5 8-278 0 0,-1 0 1 0 0,1-1 0 0 0,1 1 0 0 0,0-1 0 0 0,1 0-1 0 0,0-1 1 0 0,11 11 0 0 0,71 58-286 0 0,-63-56 477 0 0,-12-10 88 0 0,-9-6 67 0 0,-1 0 0 0 0,1-1 0 0 0,1 0 0 0 0,-1-1 0 0 0,1 1 1 0 0,0-1-1 0 0,0 0 0 0 0,0-1 0 0 0,0 0 0 0 0,0 0 0 0 0,1 0 0 0 0,14 2 1 0 0,-19-6-8 0 0,-1 1 1 0 0,0-1 0 0 0,1 0 0 0 0,-1 0 0 0 0,0 0 0 0 0,0 0 0 0 0,0 0 0 0 0,0 0 0 0 0,0-1 0 0 0,0 1 0 0 0,0-1 0 0 0,0 0 0 0 0,0 1 0 0 0,-1-1 0 0 0,1 0 0 0 0,-1 0 0 0 0,1 0 0 0 0,-1 0 0 0 0,0 0 0 0 0,1-3 0 0 0,2-1-15 0 0,-1 0-1 0 0,0 0 1 0 0,0 0 0 0 0,-1 0-1 0 0,0-1 1 0 0,2-8-1 0 0,0-29-26 0 0,-2 0-1 0 0,-2 0 0 0 0,-8-59 1 0 0,5 78-210 0 0</inkml:trace>
+</inkml:ink>
+</file>
+
+<file path=ppt/ink/ink15.xml><?xml version="1.0" encoding="utf-8"?>
+<inkml:ink xmlns:inkml="http://www.w3.org/2003/InkML">
+  <inkml:definitions>
+    <inkml:context xml:id="ctx0">
+      <inkml:inkSource xml:id="inkSrc0">
+        <inkml:traceFormat>
+          <inkml:channel name="X" type="integer" min="-2.14748E9" max="2.14748E9" units="cm"/>
+          <inkml:channel name="Y" type="integer" min="-2.14748E9" max="2.14748E9" units="cm"/>
+          <inkml:channel name="F" type="integer" max="32767" units="dev"/>
+          <inkml:channel name="OA" type="integer" max="360" units="deg"/>
+          <inkml:channel name="OE" type="integer" max="90" units="deg"/>
+        </inkml:traceFormat>
+        <inkml:channelProperties>
+          <inkml:channelProperty channel="X" name="resolution" value="1000" units="1/cm"/>
+          <inkml:channelProperty channel="Y" name="resolution" value="1000" units="1/cm"/>
+          <inkml:channelProperty channel="F" name="resolution" value="0" units="1/dev"/>
+          <inkml:channelProperty channel="OA" name="resolution" value="1000" units="1/deg"/>
+          <inkml:channelProperty channel="OE" name="resolution" value="1000" units="1/deg"/>
+        </inkml:channelProperties>
+      </inkml:inkSource>
+      <inkml:timestamp xml:id="ts0" timeString="2025-10-29T17:26:42.843"/>
+    </inkml:context>
+    <inkml:brush xml:id="br0">
+      <inkml:brushProperty name="width" value="0.1" units="cm"/>
+      <inkml:brushProperty name="height" value="0.1" units="cm"/>
+      <inkml:brushProperty name="color" value="#66CC00"/>
+    </inkml:brush>
+  </inkml:definitions>
+  <inkml:trace contextRef="#ctx0" brushRef="#br0">157 1 4177 0 0,'-8'0'592'0'0,"0"-1"1"0"0,-1 2-1 0 0,1-1 1 0 0,0 1-1 0 0,0 0 1 0 0,0 1-1 0 0,0 0 1 0 0,0 0-1 0 0,1 0 1 0 0,-1 1-1 0 0,1 1 0 0 0,-11 5 1 0 0,15-7-544 0 0,0 0 0 0 0,0 0 1 0 0,0 0-1 0 0,0 0 0 0 0,0 0 0 0 0,1 1 0 0 0,-1-1 1 0 0,1 1-1 0 0,0 0 0 0 0,0 0 0 0 0,0 0 0 0 0,0 0 1 0 0,0 0-1 0 0,1 0 0 0 0,-1 0 0 0 0,1 0 0 0 0,0 1 1 0 0,0-1-1 0 0,0 1 0 0 0,0-1 0 0 0,1 1 0 0 0,0-1 1 0 0,-1 1-1 0 0,1-1 0 0 0,0 1 0 0 0,1-1 1 0 0,-1 1-1 0 0,1-1 0 0 0,-1 1 0 0 0,1-1 0 0 0,1 4 1 0 0,1-2-140 0 0,-1-1 0 0 0,0 1 0 0 0,1-1 1 0 0,0 0-1 0 0,0 1 0 0 0,1-1 0 0 0,-1-1 0 0 0,1 1 1 0 0,-1 0-1 0 0,1-1 0 0 0,1 0 0 0 0,-1 0 1 0 0,9 5-1 0 0,7 3-298 0 0,38 14 0 0 0,-51-22 321 0 0,28 11-68 0 0,-1-2-1 0 0,2-2 1 0 0,0 0-1 0 0,0-3 1 0 0,60 5 0 0 0,-82-11 23 0 0,0 0 0 0 0,0-1 0 0 0,0-1 1 0 0,0-1-1 0 0,-1 0 0 0 0,1 0 1 0 0,0-2-1 0 0,-1 0 0 0 0,0 0 1 0 0,0-1-1 0 0,0-1 0 0 0,0 0 1 0 0,-1 0-1 0 0,0-2 0 0 0,0 1 1 0 0,-1-1-1 0 0,20-20 0 0 0,-27 25-100 0 0,-1 0-1 0 0,0-1 1 0 0,1 0-1 0 0,-2 1 1 0 0,1-1-1 0 0,0 0 1 0 0,-1-1-1 0 0,0 1 1 0 0,0 0-1 0 0,0-1 1 0 0,2-6-1 0 0,-3 4-599 0 0</inkml:trace>
+</inkml:ink>
+</file>
+
+<file path=ppt/ink/ink16.xml><?xml version="1.0" encoding="utf-8"?>
+<inkml:ink xmlns:inkml="http://www.w3.org/2003/InkML">
+  <inkml:definitions>
+    <inkml:context xml:id="ctx0">
+      <inkml:inkSource xml:id="inkSrc0">
+        <inkml:traceFormat>
+          <inkml:channel name="X" type="integer" min="-2.14748E9" max="2.14748E9" units="cm"/>
+          <inkml:channel name="Y" type="integer" min="-2.14748E9" max="2.14748E9" units="cm"/>
+          <inkml:channel name="F" type="integer" max="32767" units="dev"/>
+          <inkml:channel name="OA" type="integer" max="360" units="deg"/>
+          <inkml:channel name="OE" type="integer" max="90" units="deg"/>
+        </inkml:traceFormat>
+        <inkml:channelProperties>
+          <inkml:channelProperty channel="X" name="resolution" value="1000" units="1/cm"/>
+          <inkml:channelProperty channel="Y" name="resolution" value="1000" units="1/cm"/>
+          <inkml:channelProperty channel="F" name="resolution" value="0" units="1/dev"/>
+          <inkml:channelProperty channel="OA" name="resolution" value="1000" units="1/deg"/>
+          <inkml:channelProperty channel="OE" name="resolution" value="1000" units="1/deg"/>
+        </inkml:channelProperties>
+      </inkml:inkSource>
+      <inkml:timestamp xml:id="ts0" timeString="2025-10-29T17:26:43.067"/>
+    </inkml:context>
+    <inkml:brush xml:id="br0">
+      <inkml:brushProperty name="width" value="0.1" units="cm"/>
+      <inkml:brushProperty name="height" value="0.1" units="cm"/>
+      <inkml:brushProperty name="color" value="#66CC00"/>
+    </inkml:brush>
+  </inkml:definitions>
+  <inkml:trace contextRef="#ctx0" brushRef="#br0">1 384 2609 0 0,'6'-40'3535'0'0,"20"-33"-2577"0"0,-16 47-878 0 0,14-51 0 0 0,-11 23-407 0 0,4-31-1068 0 0,-16 57 504 0 0</inkml:trace>
+</inkml:ink>
+</file>
+
+<file path=ppt/ink/ink17.xml><?xml version="1.0" encoding="utf-8"?>
+<inkml:ink xmlns:inkml="http://www.w3.org/2003/InkML">
+  <inkml:definitions>
+    <inkml:context xml:id="ctx0">
+      <inkml:inkSource xml:id="inkSrc0">
+        <inkml:traceFormat>
+          <inkml:channel name="X" type="integer" min="-2.14748E9" max="2.14748E9" units="cm"/>
+          <inkml:channel name="Y" type="integer" min="-2.14748E9" max="2.14748E9" units="cm"/>
+          <inkml:channel name="F" type="integer" max="32767" units="dev"/>
+          <inkml:channel name="OA" type="integer" max="360" units="deg"/>
+          <inkml:channel name="OE" type="integer" max="90" units="deg"/>
+        </inkml:traceFormat>
+        <inkml:channelProperties>
+          <inkml:channelProperty channel="X" name="resolution" value="1000" units="1/cm"/>
+          <inkml:channelProperty channel="Y" name="resolution" value="1000" units="1/cm"/>
+          <inkml:channelProperty channel="F" name="resolution" value="0" units="1/dev"/>
+          <inkml:channelProperty channel="OA" name="resolution" value="1000" units="1/deg"/>
+          <inkml:channelProperty channel="OE" name="resolution" value="1000" units="1/deg"/>
+        </inkml:channelProperties>
+      </inkml:inkSource>
+      <inkml:timestamp xml:id="ts0" timeString="2025-10-29T17:26:43.465"/>
+    </inkml:context>
+    <inkml:brush xml:id="br0">
+      <inkml:brushProperty name="width" value="0.1" units="cm"/>
+      <inkml:brushProperty name="height" value="0.1" units="cm"/>
+      <inkml:brushProperty name="color" value="#66CC00"/>
+    </inkml:brush>
+  </inkml:definitions>
+  <inkml:trace contextRef="#ctx0" brushRef="#br0">71 1 6649 0 0,'-10'6'6049'0'0,"-1"9"-4224"0"0,-3 13-1343 0 0,13-24-478 0 0,0 0 0 0 0,-1-1 0 0 0,1 0 0 0 0,-1 1 0 0 0,1-1 0 0 0,-1 0 0 0 0,0 1 0 0 0,-1-1 1 0 0,-3 3-1 0 0,-3 7-20 0 0,8-12-10 0 0,0 1 0 0 0,1 0 0 0 0,-1 0 0 0 0,1-1 0 0 0,-1 1 0 0 0,1 0 0 0 0,-1 0 0 0 0,1 0 0 0 0,0 0 1 0 0,0-1-1 0 0,0 1 0 0 0,0 0 0 0 0,0 0 0 0 0,0 0 0 0 0,1 0 0 0 0,-1 0 0 0 0,0-1 0 0 0,1 1 0 0 0,0 0 0 0 0,-1 0 0 0 0,1-1 0 0 0,0 1 0 0 0,0 0 0 0 0,2 2 0 0 0,1 2-135 0 0,1-1 0 0 0,0 1 0 0 0,0-1 0 0 0,8 7 0 0 0,-11-10 95 0 0,13 9-78 0 0,0 0 0 0 0,0-1 1 0 0,1-1-1 0 0,0 0 0 0 0,1-1 1 0 0,0-1-1 0 0,0-1 0 0 0,0 0 1 0 0,1-1-1 0 0,0-1 0 0 0,0-1 1 0 0,33 2-1 0 0,-21-3-88 0 0,1-2 0 0 0,0-2 0 0 0,-1 0 0 0 0,0-2 0 0 0,1-2 0 0 0,55-17 0 0 0,-66 17-164 0 0,-2-2-1 0 0,1 0 1 0 0,-1-1-1 0 0,0 0 1 0 0,-1-2 0 0 0,0 0-1 0 0,19-17 1 0 0,-23 12-198 0 0,-6 0-170 0 0</inkml:trace>
+</inkml:ink>
+</file>
+
+<file path=ppt/ink/ink18.xml><?xml version="1.0" encoding="utf-8"?>
+<inkml:ink xmlns:inkml="http://www.w3.org/2003/InkML">
+  <inkml:definitions>
+    <inkml:context xml:id="ctx0">
+      <inkml:inkSource xml:id="inkSrc0">
+        <inkml:traceFormat>
+          <inkml:channel name="X" type="integer" min="-2.14748E9" max="2.14748E9" units="cm"/>
+          <inkml:channel name="Y" type="integer" min="-2.14748E9" max="2.14748E9" units="cm"/>
+          <inkml:channel name="F" type="integer" max="32767" units="dev"/>
+          <inkml:channel name="OA" type="integer" max="360" units="deg"/>
+          <inkml:channel name="OE" type="integer" max="90" units="deg"/>
+        </inkml:traceFormat>
+        <inkml:channelProperties>
+          <inkml:channelProperty channel="X" name="resolution" value="1000" units="1/cm"/>
+          <inkml:channelProperty channel="Y" name="resolution" value="1000" units="1/cm"/>
+          <inkml:channelProperty channel="F" name="resolution" value="0" units="1/dev"/>
+          <inkml:channelProperty channel="OA" name="resolution" value="1000" units="1/deg"/>
+          <inkml:channelProperty channel="OE" name="resolution" value="1000" units="1/deg"/>
+        </inkml:channelProperties>
+      </inkml:inkSource>
+      <inkml:timestamp xml:id="ts0" timeString="2025-10-29T17:26:43.671"/>
+    </inkml:context>
+    <inkml:brush xml:id="br0">
+      <inkml:brushProperty name="width" value="0.1" units="cm"/>
+      <inkml:brushProperty name="height" value="0.1" units="cm"/>
+      <inkml:brushProperty name="color" value="#66CC00"/>
+    </inkml:brush>
+  </inkml:definitions>
+  <inkml:trace contextRef="#ctx0" brushRef="#br0">9 271 5169 0 0,'-1'0'28'0'0,"1"0"0"0"0,0 0 1 0 0,-1 0-1 0 0,1 0 0 0 0,0 0 0 0 0,-1 0 0 0 0,1 0 1 0 0,0 0-1 0 0,-1 0 0 0 0,1 0 0 0 0,0-1 0 0 0,-1 1 1 0 0,1 0-1 0 0,0 0 0 0 0,-1 0 0 0 0,1 0 0 0 0,0-1 1 0 0,0 1-1 0 0,-1 0 0 0 0,1 0 0 0 0,0-1 0 0 0,0 1 1 0 0,0 0-1 0 0,-1 0 0 0 0,1-1 0 0 0,0 1 0 0 0,0 0 1 0 0,0-1-1 0 0,0 1 0 0 0,-1 0 0 0 0,1 0 0 0 0,0-1 1 0 0,0 1-1 0 0,0 0 0 0 0,0-1 0 0 0,0 1 0 0 0,0 0 0 0 0,0-1 1 0 0,0 1-1 0 0,0 0 0 0 0,0-1 0 0 0,0 1 0 0 0,0 0 1 0 0,0-1-1 0 0,1 1 0 0 0,-1 0 0 0 0,0-1 0 0 0,0 1 1 0 0,0 0-1 0 0,0-1 0 0 0,0 1 0 0 0,1 0 0 0 0,-1 0 1 0 0,0-1-1 0 0,15-24-797 0 0,-14 24 859 0 0,55-97-192 0 0,3-10-201 0 0,-46 83 84 0 0</inkml:trace>
+</inkml:ink>
+</file>
+
+<file path=ppt/ink/ink19.xml><?xml version="1.0" encoding="utf-8"?>
+<inkml:ink xmlns:inkml="http://www.w3.org/2003/InkML">
+  <inkml:definitions>
+    <inkml:context xml:id="ctx0">
+      <inkml:inkSource xml:id="inkSrc0">
+        <inkml:traceFormat>
+          <inkml:channel name="X" type="integer" min="-2.14748E9" max="2.14748E9" units="cm"/>
+          <inkml:channel name="Y" type="integer" min="-2.14748E9" max="2.14748E9" units="cm"/>
+          <inkml:channel name="F" type="integer" max="32767" units="dev"/>
+          <inkml:channel name="OA" type="integer" max="360" units="deg"/>
+          <inkml:channel name="OE" type="integer" max="90" units="deg"/>
+        </inkml:traceFormat>
+        <inkml:channelProperties>
+          <inkml:channelProperty channel="X" name="resolution" value="1000" units="1/cm"/>
+          <inkml:channelProperty channel="Y" name="resolution" value="1000" units="1/cm"/>
+          <inkml:channelProperty channel="F" name="resolution" value="0" units="1/dev"/>
+          <inkml:channelProperty channel="OA" name="resolution" value="1000" units="1/deg"/>
+          <inkml:channelProperty channel="OE" name="resolution" value="1000" units="1/deg"/>
+        </inkml:channelProperties>
+      </inkml:inkSource>
+      <inkml:timestamp xml:id="ts0" timeString="2025-10-29T17:26:43.877"/>
+    </inkml:context>
+    <inkml:brush xml:id="br0">
+      <inkml:brushProperty name="width" value="0.1" units="cm"/>
+      <inkml:brushProperty name="height" value="0.1" units="cm"/>
+      <inkml:brushProperty name="color" value="#66CC00"/>
+    </inkml:brush>
+  </inkml:definitions>
+  <inkml:trace contextRef="#ctx0" brushRef="#br0">0 118 8274 0 0,'6'-2'2305'0'0,"32"-10"-2834"0"0,182-85-1873 0 0,-207 91 1451 0 0</inkml:trace>
+</inkml:ink>
+</file>
+
+<file path=ppt/ink/ink2.xml><?xml version="1.0" encoding="utf-8"?>
+<inkml:ink xmlns:inkml="http://www.w3.org/2003/InkML">
+  <inkml:definitions>
+    <inkml:context xml:id="ctx0">
+      <inkml:inkSource xml:id="inkSrc0">
+        <inkml:traceFormat>
+          <inkml:channel name="X" type="integer" min="-2.14748E9" max="2.14748E9" units="cm"/>
+          <inkml:channel name="Y" type="integer" min="-2.14748E9" max="2.14748E9" units="cm"/>
+          <inkml:channel name="F" type="integer" max="32767" units="dev"/>
+          <inkml:channel name="OA" type="integer" max="360" units="deg"/>
+          <inkml:channel name="OE" type="integer" max="90" units="deg"/>
+        </inkml:traceFormat>
+        <inkml:channelProperties>
+          <inkml:channelProperty channel="X" name="resolution" value="1000" units="1/cm"/>
+          <inkml:channelProperty channel="Y" name="resolution" value="1000" units="1/cm"/>
+          <inkml:channelProperty channel="F" name="resolution" value="0" units="1/dev"/>
+          <inkml:channelProperty channel="OA" name="resolution" value="1000" units="1/deg"/>
+          <inkml:channelProperty channel="OE" name="resolution" value="1000" units="1/deg"/>
+        </inkml:channelProperties>
+      </inkml:inkSource>
+      <inkml:timestamp xml:id="ts0" timeString="2025-10-29T17:26:32.697"/>
+    </inkml:context>
+    <inkml:brush xml:id="br0">
+      <inkml:brushProperty name="width" value="0.1" units="cm"/>
+      <inkml:brushProperty name="height" value="0.1" units="cm"/>
+      <inkml:brushProperty name="color" value="#66CC00"/>
+    </inkml:brush>
+  </inkml:definitions>
+  <inkml:trace contextRef="#ctx0" brushRef="#br0">99 84 360 0 0,'-5'-4'1091'0'0,"1"0"0"0"0,-1 0 0 0 0,0 0 0 0 0,0 1 0 0 0,0 0 0 0 0,0 0 0 0 0,0 0 0 0 0,-1 1 0 0 0,1 0 0 0 0,-1 0 0 0 0,-7-2 0 0 0,11 5-1088 0 0,1 1 0 0 0,-1-1-1 0 0,1 1 1 0 0,-1 0 0 0 0,1-1 0 0 0,0 1-1 0 0,0 0 1 0 0,0 0 0 0 0,0-1 0 0 0,0 1-1 0 0,0 0 1 0 0,1 0 0 0 0,-1 0 0 0 0,0 0-1 0 0,1 3 1 0 0,-1-3-7 0 0,-2 9-66 0 0,0-1 0 0 0,1 1 0 0 0,1 0 0 0 0,0-1 0 0 0,0 13 0 0 0,1-19 3 0 0,0 1 1 0 0,0-1-1 0 0,1 0 0 0 0,0 0 1 0 0,0 0-1 0 0,0 0 0 0 0,0 0 0 0 0,3 5 1 0 0,-3-8 18 0 0,0 1 0 0 0,0-1 0 0 0,0 1 0 0 0,0-1 0 0 0,0 0 0 0 0,0 1 0 0 0,0-1 0 0 0,1 0 0 0 0,-1 0 0 0 0,0 0 0 0 0,1 0 0 0 0,-1 0 0 0 0,1 0 0 0 0,-1 0 0 0 0,1 0 0 0 0,0-1 0 0 0,-1 1 0 0 0,1-1 0 0 0,0 1 0 0 0,2 0 0 0 0,-2-2-11 0 0,0 1-1 0 0,0 0 1 0 0,0 0 0 0 0,0-1 0 0 0,0 1 0 0 0,0-1 0 0 0,0 1-1 0 0,0-1 1 0 0,0 0 0 0 0,0 0 0 0 0,0 0 0 0 0,-1 0-1 0 0,1 0 1 0 0,0 0 0 0 0,-1-1 0 0 0,1 1 0 0 0,2-3 0 0 0,27-32-454 0 0,-22 24 358 0 0,8-7-75 0 0,0 1-1 0 0,1 1 1 0 0,29-22-1 0 0,-36 31 165 0 0,1 0 1 0 0,0 1-1 0 0,0 0 0 0 0,0 1 0 0 0,0 1 1 0 0,1 0-1 0 0,24-7 0 0 0,-32 11 158 0 0,0 1 0 0 0,0-1 0 0 0,-1 1 1 0 0,1 0-1 0 0,0 0 0 0 0,0 0 0 0 0,0 1 0 0 0,0-1 0 0 0,-1 1 0 0 0,1 0 0 0 0,0 1 0 0 0,-1-1 0 0 0,1 1 1 0 0,-1 0-1 0 0,8 4 0 0 0,-6-1 85 0 0,0-1 0 0 0,-1 0 0 0 0,0 1 0 0 0,0 0 1 0 0,0 1-1 0 0,-1-1 0 0 0,0 1 0 0 0,0-1 0 0 0,7 13 1 0 0,-4-1 132 0 0,0-1 1 0 0,-1 1 0 0 0,-1 1 0 0 0,0-1 0 0 0,-2 1 0 0 0,0 0 0 0 0,2 30 0 0 0,-5-42-313 0 0,0 1 0 0 0,-1-1 0 0 0,0 1-1 0 0,0-1 1 0 0,0 1 0 0 0,-1-1 0 0 0,1 0-1 0 0,-6 11 1 0 0,7-15-108 0 0,-1-1-1 0 0,0 1 0 0 0,0 0 1 0 0,0-1-1 0 0,0 1 1 0 0,0-1-1 0 0,0 1 1 0 0,0-1-1 0 0,-1 0 1 0 0,1 1-1 0 0,0-1 0 0 0,-1 0 1 0 0,1 0-1 0 0,-1 0 1 0 0,1 0-1 0 0,-1 0 1 0 0,0 0-1 0 0,1-1 0 0 0,-1 1 1 0 0,0 0-1 0 0,0-1 1 0 0,1 1-1 0 0,-1-1 1 0 0,0 0-1 0 0,0 1 0 0 0,0-1 1 0 0,1 0-1 0 0,-1 0 1 0 0,0 0-1 0 0,0-1 1 0 0,0 1-1 0 0,-3-1 1 0 0,-7-2-1188 0 0</inkml:trace>
+</inkml:ink>
+</file>
+
+<file path=ppt/ink/ink20.xml><?xml version="1.0" encoding="utf-8"?>
+<inkml:ink xmlns:inkml="http://www.w3.org/2003/InkML">
+  <inkml:definitions>
+    <inkml:context xml:id="ctx0">
+      <inkml:inkSource xml:id="inkSrc0">
+        <inkml:traceFormat>
+          <inkml:channel name="X" type="integer" min="-2.14748E9" max="2.14748E9" units="cm"/>
+          <inkml:channel name="Y" type="integer" min="-2.14748E9" max="2.14748E9" units="cm"/>
+          <inkml:channel name="F" type="integer" max="32767" units="dev"/>
+          <inkml:channel name="OA" type="integer" max="360" units="deg"/>
+          <inkml:channel name="OE" type="integer" max="90" units="deg"/>
+        </inkml:traceFormat>
+        <inkml:channelProperties>
+          <inkml:channelProperty channel="X" name="resolution" value="1000" units="1/cm"/>
+          <inkml:channelProperty channel="Y" name="resolution" value="1000" units="1/cm"/>
+          <inkml:channelProperty channel="F" name="resolution" value="0" units="1/dev"/>
+          <inkml:channelProperty channel="OA" name="resolution" value="1000" units="1/deg"/>
+          <inkml:channelProperty channel="OE" name="resolution" value="1000" units="1/deg"/>
+        </inkml:channelProperties>
+      </inkml:inkSource>
+      <inkml:timestamp xml:id="ts0" timeString="2025-10-29T17:26:44.067"/>
+    </inkml:context>
+    <inkml:brush xml:id="br0">
+      <inkml:brushProperty name="width" value="0.1" units="cm"/>
+      <inkml:brushProperty name="height" value="0.1" units="cm"/>
+      <inkml:brushProperty name="color" value="#66CC00"/>
+    </inkml:brush>
+  </inkml:definitions>
+  <inkml:trace contextRef="#ctx0" brushRef="#br0">30 49 3801 0 0,'-6'-4'1952'0'0,"1"-1"-1168"0"0,1-1-608 0 0,-1 1 265 0 0,3-1-1234 0 0,1-2 569 0 0,-4-1-360 0 0,4 4-264 0 0</inkml:trace>
+</inkml:ink>
+</file>
+
+<file path=ppt/ink/ink21.xml><?xml version="1.0" encoding="utf-8"?>
+<inkml:ink xmlns:inkml="http://www.w3.org/2003/InkML">
+  <inkml:definitions>
+    <inkml:context xml:id="ctx0">
+      <inkml:inkSource xml:id="inkSrc0">
+        <inkml:traceFormat>
+          <inkml:channel name="X" type="integer" min="-2.14748E9" max="2.14748E9" units="cm"/>
+          <inkml:channel name="Y" type="integer" min="-2.14748E9" max="2.14748E9" units="cm"/>
+          <inkml:channel name="F" type="integer" max="32767" units="dev"/>
+          <inkml:channel name="OA" type="integer" max="360" units="deg"/>
+          <inkml:channel name="OE" type="integer" max="90" units="deg"/>
+        </inkml:traceFormat>
+        <inkml:channelProperties>
+          <inkml:channelProperty channel="X" name="resolution" value="1000" units="1/cm"/>
+          <inkml:channelProperty channel="Y" name="resolution" value="1000" units="1/cm"/>
+          <inkml:channelProperty channel="F" name="resolution" value="0" units="1/dev"/>
+          <inkml:channelProperty channel="OA" name="resolution" value="1000" units="1/deg"/>
+          <inkml:channelProperty channel="OE" name="resolution" value="1000" units="1/deg"/>
+        </inkml:channelProperties>
+      </inkml:inkSource>
+      <inkml:timestamp xml:id="ts0" timeString="2025-10-29T17:26:44.659"/>
+    </inkml:context>
+    <inkml:brush xml:id="br0">
+      <inkml:brushProperty name="width" value="0.1" units="cm"/>
+      <inkml:brushProperty name="height" value="0.1" units="cm"/>
+      <inkml:brushProperty name="color" value="#66CC00"/>
+    </inkml:brush>
+  </inkml:definitions>
+  <inkml:trace contextRef="#ctx0" brushRef="#br0">224 371 2224 0 0,'2'-40'7468'0'0,"-2"34"-7267"0"0,1 1 1 0 0,-1-1-1 0 0,1 0 0 0 0,-2 1 1 0 0,1-1-1 0 0,-1 0 1 0 0,1 1-1 0 0,-2-1 1 0 0,1 1-1 0 0,0-1 0 0 0,-1 1 1 0 0,0 0-1 0 0,-1-1 1 0 0,1 1-1 0 0,-1 0 1 0 0,-3-5-1 0 0,-6-7 650 0 0,0 0 0 0 0,-21-22 0 0 0,29 34-690 0 0,-1 0 1 0 0,0 1 0 0 0,0 0 0 0 0,0 0-1 0 0,0 0 1 0 0,-1 1 0 0 0,1 0-1 0 0,-1 0 1 0 0,0 0 0 0 0,0 1-1 0 0,-12-4 1 0 0,14 5-183 0 0,0 0-1 0 0,-1 1 1 0 0,1-1 0 0 0,0 1-1 0 0,-1 0 1 0 0,1 0 0 0 0,0 1-1 0 0,-1-1 1 0 0,-7 3 0 0 0,11-3-38 0 0,0 1 1 0 0,0 0 0 0 0,-1-1 0 0 0,1 1 0 0 0,0 0-1 0 0,0 0 1 0 0,0 0 0 0 0,0 0 0 0 0,0 0-1 0 0,0 0 1 0 0,0 0 0 0 0,0 0 0 0 0,0 0 0 0 0,1 1-1 0 0,-1-1 1 0 0,0 0 0 0 0,1 1 0 0 0,-1-1-1 0 0,1 0 1 0 0,-1 1 0 0 0,1-1 0 0 0,0 0 0 0 0,-1 1-1 0 0,1-1 1 0 0,0 1 0 0 0,0-1 0 0 0,0 1-1 0 0,0-1 1 0 0,0 0 0 0 0,1 1 0 0 0,-1-1 0 0 0,0 1-1 0 0,1-1 1 0 0,0 2 0 0 0,1 5-100 0 0,0 0 0 0 0,1 0 0 0 0,0-1 0 0 0,1 1 0 0 0,0-1 0 0 0,0 0 0 0 0,0 0 0 0 0,1 0 0 0 0,0 0 0 0 0,1-1 0 0 0,-1 0 0 0 0,1 0 0 0 0,0 0 0 0 0,1-1 0 0 0,-1 0 0 0 0,1 0 0 0 0,0-1 0 0 0,0 1 0 0 0,9 2 0 0 0,-6-2 123 0 0,1 0 0 0 0,-1-2 0 0 0,1 1 1 0 0,-1-1-1 0 0,1-1 0 0 0,0 0 1 0 0,0 0-1 0 0,0-2 0 0 0,0 1 1 0 0,1-1-1 0 0,-1 0 0 0 0,0-1 1 0 0,0-1-1 0 0,12-2 0 0 0,-18 2-8 0 0,0 0 1 0 0,0 0-1 0 0,0 0 0 0 0,0-1 1 0 0,-1 0-1 0 0,1 1 0 0 0,-1-1 0 0 0,0-1 1 0 0,0 1-1 0 0,0-1 0 0 0,-1 1 1 0 0,1-1-1 0 0,-1 0 0 0 0,0-1 0 0 0,0 1 1 0 0,0 0-1 0 0,0-1 0 0 0,-1 0 1 0 0,0 0-1 0 0,0 1 0 0 0,0-1 0 0 0,-1 0 1 0 0,1-1-1 0 0,0-6 0 0 0,1-12-540 0 0,0 0 0 0 0,-2 0 0 0 0,-3-48 0 0 0,1 53 286 0 0,0-24-674 0 0</inkml:trace>
+</inkml:ink>
+</file>
+
+<file path=ppt/ink/ink22.xml><?xml version="1.0" encoding="utf-8"?>
+<inkml:ink xmlns:inkml="http://www.w3.org/2003/InkML">
+  <inkml:definitions>
+    <inkml:context xml:id="ctx0">
+      <inkml:inkSource xml:id="inkSrc0">
+        <inkml:traceFormat>
+          <inkml:channel name="X" type="integer" min="-2.14748E9" max="2.14748E9" units="cm"/>
+          <inkml:channel name="Y" type="integer" min="-2.14748E9" max="2.14748E9" units="cm"/>
+          <inkml:channel name="F" type="integer" max="32767" units="dev"/>
+          <inkml:channel name="OA" type="integer" max="360" units="deg"/>
+          <inkml:channel name="OE" type="integer" max="90" units="deg"/>
+        </inkml:traceFormat>
+        <inkml:channelProperties>
+          <inkml:channelProperty channel="X" name="resolution" value="1000" units="1/cm"/>
+          <inkml:channelProperty channel="Y" name="resolution" value="1000" units="1/cm"/>
+          <inkml:channelProperty channel="F" name="resolution" value="0" units="1/dev"/>
+          <inkml:channelProperty channel="OA" name="resolution" value="1000" units="1/deg"/>
+          <inkml:channelProperty channel="OE" name="resolution" value="1000" units="1/deg"/>
+        </inkml:channelProperties>
+      </inkml:inkSource>
+      <inkml:timestamp xml:id="ts0" timeString="2025-10-29T17:26:46.851"/>
+    </inkml:context>
+    <inkml:brush xml:id="br0">
+      <inkml:brushProperty name="width" value="0.1" units="cm"/>
+      <inkml:brushProperty name="height" value="0.1" units="cm"/>
+      <inkml:brushProperty name="color" value="#66CC00"/>
+    </inkml:brush>
+  </inkml:definitions>
+  <inkml:trace contextRef="#ctx0" brushRef="#br0">197 302 1072 0 0,'8'6'41'0'0,"14"10"930"0"0,46 26-1 0 0,-26-25-285 0 0,-39-16-540 0 0,0 0 1 0 0,-1 0-1 0 0,1 0 0 0 0,0-1 0 0 0,15-2 7549 0 0,-46-6-8256 0 0,22 6 976 0 0,-24-9-495 0 0,0-1 1 0 0,1-1 0 0 0,0-1-1 0 0,1-2 1 0 0,1-1 0 0 0,1-1-1 0 0,0-1 1 0 0,-42-42 0 0 0,63 55 102 0 0,0 1 1 0 0,1-1-1 0 0,0 0 0 0 0,0 0 1 0 0,1 0-1 0 0,0-1 1 0 0,0 1-1 0 0,0-1 0 0 0,1 0 1 0 0,-2-9-1 0 0,3 14-23 0 0,1-1-1 0 0,-1 1 0 0 0,1-1 1 0 0,0 0-1 0 0,0 1 1 0 0,0-1-1 0 0,1 1 1 0 0,-1-1-1 0 0,1 0 0 0 0,-1 1 1 0 0,1-1-1 0 0,0 1 1 0 0,0-1-1 0 0,0 1 0 0 0,0 0 1 0 0,0-1-1 0 0,1 1 1 0 0,-1 0-1 0 0,1 0 1 0 0,-1 0-1 0 0,1 0 0 0 0,0 0 1 0 0,0 0-1 0 0,0 0 1 0 0,0 1-1 0 0,0-1 0 0 0,0 1 1 0 0,0-1-1 0 0,1 1 1 0 0,2-1-1 0 0,15-7 8 0 0,1 1 1 0 0,0 1-1 0 0,0 1 0 0 0,1 0 0 0 0,-1 2 0 0 0,1 1 1 0 0,0 0-1 0 0,0 2 0 0 0,0 0 0 0 0,1 2 1 0 0,-1 0-1 0 0,0 2 0 0 0,-1 0 0 0 0,1 2 0 0 0,0 0 1 0 0,-1 1-1 0 0,27 12 0 0 0,-19-8-2378 0 0,-21-7 917 0 0</inkml:trace>
+</inkml:ink>
+</file>
+
+<file path=ppt/ink/ink23.xml><?xml version="1.0" encoding="utf-8"?>
+<inkml:ink xmlns:inkml="http://www.w3.org/2003/InkML">
+  <inkml:definitions>
+    <inkml:context xml:id="ctx0">
+      <inkml:inkSource xml:id="inkSrc0">
+        <inkml:traceFormat>
+          <inkml:channel name="X" type="integer" min="-2.14748E9" max="2.14748E9" units="cm"/>
+          <inkml:channel name="Y" type="integer" min="-2.14748E9" max="2.14748E9" units="cm"/>
+          <inkml:channel name="F" type="integer" max="32767" units="dev"/>
+          <inkml:channel name="OA" type="integer" max="360" units="deg"/>
+          <inkml:channel name="OE" type="integer" max="90" units="deg"/>
+        </inkml:traceFormat>
+        <inkml:channelProperties>
+          <inkml:channelProperty channel="X" name="resolution" value="1000" units="1/cm"/>
+          <inkml:channelProperty channel="Y" name="resolution" value="1000" units="1/cm"/>
+          <inkml:channelProperty channel="F" name="resolution" value="0" units="1/dev"/>
+          <inkml:channelProperty channel="OA" name="resolution" value="1000" units="1/deg"/>
+          <inkml:channelProperty channel="OE" name="resolution" value="1000" units="1/deg"/>
+        </inkml:channelProperties>
+      </inkml:inkSource>
+      <inkml:timestamp xml:id="ts0" timeString="2025-10-29T17:26:56.765"/>
+    </inkml:context>
+    <inkml:brush xml:id="br0">
+      <inkml:brushProperty name="width" value="0.1" units="cm"/>
+      <inkml:brushProperty name="height" value="0.1" units="cm"/>
+      <inkml:brushProperty name="color" value="#66CC00"/>
+    </inkml:brush>
+  </inkml:definitions>
+  <inkml:trace contextRef="#ctx0" brushRef="#br0">161 324 1136 0 0,'7'-1'182'0'0,"0"1"1"0"0,0 0-1 0 0,0 0 0 0 0,1 0 0 0 0,-1 1 0 0 0,0 0 0 0 0,0 0 1 0 0,0 0-1 0 0,8 4 0 0 0,-2-2 646 0 0,1-1 1 0 0,-1 0-1 0 0,1 0 1 0 0,21-2-1 0 0,-30 0 308 0 0,-27 0 37 0 0,-43-7 0 0 0,50 5-1230 0 0,0-2 0 0 0,1 0 0 0 0,0 0 0 0 0,0-1 0 0 0,0-1 0 0 0,0 0 0 0 0,1-1 0 0 0,0 0 0 0 0,1-1 0 0 0,-1-1 0 0 0,-17-16 0 0 0,21 16-6 0 0,1 3 1 0 0,1-1 1 0 0,0-1-1 0 0,0 1 1 0 0,-11-17-1 0 0,17 21 59 0 0,-1 0-1 0 0,1 1 0 0 0,0-1 0 0 0,0 0 0 0 0,0 0 0 0 0,0 0 1 0 0,1 0-1 0 0,-1 0 0 0 0,1 0 0 0 0,0 0 0 0 0,0 0 1 0 0,0 0-1 0 0,0 0 0 0 0,0 0 0 0 0,1 0 0 0 0,-1 1 0 0 0,1-1 1 0 0,0 0-1 0 0,0 0 0 0 0,0 0 0 0 0,2-3 0 0 0,1-3-2 0 0,0 0-1 0 0,1 0 1 0 0,0 0-1 0 0,1 1 1 0 0,0 0-1 0 0,1 0 0 0 0,-1 1 1 0 0,1 0-1 0 0,1 0 1 0 0,12-10-1 0 0,-15 14 71 0 0,0 1-1 0 0,0-1 0 0 0,1 1 1 0 0,-1 0-1 0 0,0 0 0 0 0,1 0 1 0 0,0 1-1 0 0,-1 0 0 0 0,1 0 1 0 0,0 0-1 0 0,0 1 0 0 0,-1-1 1 0 0,1 2-1 0 0,0-1 0 0 0,0 1 1 0 0,0-1-1 0 0,-1 2 1 0 0,1-1-1 0 0,8 4 0 0 0,70 28 932 0 0,-57-21-1462 0 0,0-1 0 0 0,1-2 0 0 0,50 11 0 0 0,-67-18-616 0 0</inkml:trace>
+</inkml:ink>
+</file>
+
+<file path=ppt/ink/ink24.xml><?xml version="1.0" encoding="utf-8"?>
+<inkml:ink xmlns:inkml="http://www.w3.org/2003/InkML">
+  <inkml:definitions>
+    <inkml:context xml:id="ctx0">
+      <inkml:inkSource xml:id="inkSrc0">
+        <inkml:traceFormat>
+          <inkml:channel name="X" type="integer" min="-2.14748E9" max="2.14748E9" units="cm"/>
+          <inkml:channel name="Y" type="integer" min="-2.14748E9" max="2.14748E9" units="cm"/>
+          <inkml:channel name="F" type="integer" max="32767" units="dev"/>
+          <inkml:channel name="OA" type="integer" max="360" units="deg"/>
+          <inkml:channel name="OE" type="integer" max="90" units="deg"/>
+        </inkml:traceFormat>
+        <inkml:channelProperties>
+          <inkml:channelProperty channel="X" name="resolution" value="1000" units="1/cm"/>
+          <inkml:channelProperty channel="Y" name="resolution" value="1000" units="1/cm"/>
+          <inkml:channelProperty channel="F" name="resolution" value="0" units="1/dev"/>
+          <inkml:channelProperty channel="OA" name="resolution" value="1000" units="1/deg"/>
+          <inkml:channelProperty channel="OE" name="resolution" value="1000" units="1/deg"/>
+        </inkml:channelProperties>
+      </inkml:inkSource>
+      <inkml:timestamp xml:id="ts0" timeString="2025-10-29T17:26:57.353"/>
+    </inkml:context>
+    <inkml:brush xml:id="br0">
+      <inkml:brushProperty name="width" value="0.1" units="cm"/>
+      <inkml:brushProperty name="height" value="0.1" units="cm"/>
+      <inkml:brushProperty name="color" value="#66CC00"/>
+    </inkml:brush>
+  </inkml:definitions>
+  <inkml:trace contextRef="#ctx0" brushRef="#br0">0 29 3241 0 0,'0'0'7293'0'0,"11"5"-7345"0"0,15 2-21 0 0,-1-2 1 0 0,1 0-1 0 0,-1-2 0 0 0,1-1 0 0 0,41-1 1 0 0,-1 0 37 0 0,-26-1-297 0 0,1-2 0 0 0,-1-1 0 0 0,0-3-1 0 0,0-1 1 0 0,77-24 0 0 0,-89 22-388 0 0</inkml:trace>
+</inkml:ink>
+</file>
+
+<file path=ppt/ink/ink25.xml><?xml version="1.0" encoding="utf-8"?>
+<inkml:ink xmlns:inkml="http://www.w3.org/2003/InkML">
+  <inkml:definitions>
+    <inkml:context xml:id="ctx0">
+      <inkml:inkSource xml:id="inkSrc0">
+        <inkml:traceFormat>
+          <inkml:channel name="X" type="integer" min="-2.14748E9" max="2.14748E9" units="cm"/>
+          <inkml:channel name="Y" type="integer" min="-2.14748E9" max="2.14748E9" units="cm"/>
+          <inkml:channel name="F" type="integer" max="32767" units="dev"/>
+          <inkml:channel name="OA" type="integer" max="360" units="deg"/>
+          <inkml:channel name="OE" type="integer" max="90" units="deg"/>
+        </inkml:traceFormat>
+        <inkml:channelProperties>
+          <inkml:channelProperty channel="X" name="resolution" value="1000" units="1/cm"/>
+          <inkml:channelProperty channel="Y" name="resolution" value="1000" units="1/cm"/>
+          <inkml:channelProperty channel="F" name="resolution" value="0" units="1/dev"/>
+          <inkml:channelProperty channel="OA" name="resolution" value="1000" units="1/deg"/>
+          <inkml:channelProperty channel="OE" name="resolution" value="1000" units="1/deg"/>
+        </inkml:channelProperties>
+      </inkml:inkSource>
+      <inkml:timestamp xml:id="ts0" timeString="2025-10-29T17:26:57.559"/>
+    </inkml:context>
+    <inkml:brush xml:id="br0">
+      <inkml:brushProperty name="width" value="0.1" units="cm"/>
+      <inkml:brushProperty name="height" value="0.1" units="cm"/>
+      <inkml:brushProperty name="color" value="#66CC00"/>
+    </inkml:brush>
+  </inkml:definitions>
+  <inkml:trace contextRef="#ctx0" brushRef="#br0">15 290 6049 0 0,'-5'0'2105'0'0,"2"-1"-1433"0"0,-1-6-464 0 0,3 2-136 0 0,0-3-48 0 0,1-2 16 0 0,0-3-72 0 0,4 0-56 0 0,-3-4 40 0 0,4-1 24 0 0,-5-4 32 0 0,4 1 0 0 0,-3-4 32 0 0,2 2-96 0 0,4-2-200 0 0,-7-2 248 0 0,1 1-136 0 0,0-3-152 0 0</inkml:trace>
+</inkml:ink>
+</file>
+
+<file path=ppt/ink/ink3.xml><?xml version="1.0" encoding="utf-8"?>
+<inkml:ink xmlns:inkml="http://www.w3.org/2003/InkML">
+  <inkml:definitions>
+    <inkml:context xml:id="ctx0">
+      <inkml:inkSource xml:id="inkSrc0">
+        <inkml:traceFormat>
+          <inkml:channel name="X" type="integer" min="-2.14748E9" max="2.14748E9" units="cm"/>
+          <inkml:channel name="Y" type="integer" min="-2.14748E9" max="2.14748E9" units="cm"/>
+          <inkml:channel name="F" type="integer" max="32767" units="dev"/>
+          <inkml:channel name="OA" type="integer" max="360" units="deg"/>
+          <inkml:channel name="OE" type="integer" max="90" units="deg"/>
+        </inkml:traceFormat>
+        <inkml:channelProperties>
+          <inkml:channelProperty channel="X" name="resolution" value="1000" units="1/cm"/>
+          <inkml:channelProperty channel="Y" name="resolution" value="1000" units="1/cm"/>
+          <inkml:channelProperty channel="F" name="resolution" value="0" units="1/dev"/>
+          <inkml:channelProperty channel="OA" name="resolution" value="1000" units="1/deg"/>
+          <inkml:channelProperty channel="OE" name="resolution" value="1000" units="1/deg"/>
+        </inkml:channelProperties>
+      </inkml:inkSource>
+      <inkml:timestamp xml:id="ts0" timeString="2025-10-29T17:26:33.266"/>
+    </inkml:context>
+    <inkml:brush xml:id="br0">
+      <inkml:brushProperty name="width" value="0.1" units="cm"/>
+      <inkml:brushProperty name="height" value="0.1" units="cm"/>
+      <inkml:brushProperty name="color" value="#66CC00"/>
+    </inkml:brush>
+  </inkml:definitions>
+  <inkml:trace contextRef="#ctx0" brushRef="#br0">259 291 3057 0 0,'18'13'537'0'0,"-15"-10"-382"0"0,0 0 0 0 0,1 0 1 0 0,-1-1-1 0 0,1 0 1 0 0,0 1-1 0 0,-1-1 0 0 0,1-1 1 0 0,0 1-1 0 0,7 2 1 0 0,-11-4-89 0 0,1 0 0 0 0,-1 0 0 0 0,0 0 0 0 0,1 0 0 0 0,-1 0 1 0 0,0-1-1 0 0,1 1 0 0 0,-1 0 0 0 0,0 0 0 0 0,0 0 0 0 0,1 0 0 0 0,-1 0 1 0 0,0-1-1 0 0,1 1 0 0 0,-1 0 0 0 0,0 0 0 0 0,0 0 0 0 0,0-1 0 0 0,1 1 1 0 0,-1 0-1 0 0,0 0 0 0 0,0-1 0 0 0,0 1 0 0 0,1 0 0 0 0,-1 0 0 0 0,0-1 1 0 0,0 1-1 0 0,0 0 0 0 0,0-1 0 0 0,0 1 0 0 0,0 0 0 0 0,0 0 0 0 0,0-1 1 0 0,0 1-1 0 0,0 0 0 0 0,0-1 0 0 0,0 1 0 0 0,0 0 0 0 0,0-1 0 0 0,0 1 1 0 0,0 0-1 0 0,0-1 0 0 0,0 1 0 0 0,0-1 0 0 0,-2-15 1260 0 0,1 15-1482 0 0,-3-19 445 0 0,0 1 1 0 0,-2 0-1 0 0,0 1 1 0 0,-1-1-1 0 0,-1 1 1 0 0,-1 1-1 0 0,-1-1 1 0 0,0 2 0 0 0,-1-1-1 0 0,-1 1 1 0 0,0 1-1 0 0,-1 0 1 0 0,-16-14-1 0 0,24 26-221 0 0,0 0 0 0 0,0 1 0 0 0,0-1-1 0 0,-1 1 1 0 0,1 0 0 0 0,-1 0 0 0 0,1 1 0 0 0,-1-1 0 0 0,1 1-1 0 0,-1 1 1 0 0,0-1 0 0 0,1 1 0 0 0,-1 0 0 0 0,0 0 0 0 0,1 0-1 0 0,-1 1 1 0 0,0 0 0 0 0,1 0 0 0 0,-1 1 0 0 0,1-1-1 0 0,-1 1 1 0 0,-8 5 0 0 0,11-6-140 0 0,0 0-1 0 0,0 1 1 0 0,0 0 0 0 0,0 0-1 0 0,1 0 1 0 0,-1 0-1 0 0,0 0 1 0 0,1 0 0 0 0,0 1-1 0 0,-1-1 1 0 0,1 1 0 0 0,0-1-1 0 0,1 1 1 0 0,-1 0-1 0 0,0 0 1 0 0,1 0 0 0 0,-1 0-1 0 0,1 0 1 0 0,0 0-1 0 0,0 0 1 0 0,0 1 0 0 0,1-1-1 0 0,-1 0 1 0 0,1 0 0 0 0,-1 1-1 0 0,1-1 1 0 0,0 0-1 0 0,1 1 1 0 0,-1-1 0 0 0,0 0-1 0 0,1 1 1 0 0,0-1 0 0 0,0 0-1 0 0,0 0 1 0 0,0 0-1 0 0,0 0 1 0 0,1 0 0 0 0,-1 0-1 0 0,4 4 1 0 0,0 1-66 0 0,1 0 0 0 0,0-1 0 0 0,0 0 1 0 0,0 0-1 0 0,1-1 0 0 0,0 0 0 0 0,0 0 0 0 0,1-1 0 0 0,0 0 0 0 0,0 0 1 0 0,0 0-1 0 0,12 4 0 0 0,-5-3 31 0 0,1-1-1 0 0,0 0 1 0 0,0-1 0 0 0,0 0-1 0 0,0-2 1 0 0,20 2 0 0 0,-26-4 87 0 0,0 0 0 0 0,0 0 0 0 0,0-1 0 0 0,0-1 1 0 0,0 1-1 0 0,0-1 0 0 0,-1-1 0 0 0,1 0 0 0 0,-1-1 0 0 0,0 1 1 0 0,0-2-1 0 0,0 1 0 0 0,0-1 0 0 0,10-9 0 0 0,-13 10 22 0 0,-1-1 1 0 0,0 0-1 0 0,0 0 0 0 0,0-1 0 0 0,-1 0 0 0 0,0 0 0 0 0,0 0 0 0 0,-1 0 0 0 0,1 0 0 0 0,-1-1 0 0 0,-1 1 0 0 0,1-1 1 0 0,-1 0-1 0 0,0 0 0 0 0,-1 0 0 0 0,1 0 0 0 0,-1 0 0 0 0,-1 0 0 0 0,0 0 0 0 0,0-12 0 0 0,-1 13-59 0 0,1-1-1 0 0,-1 1 1 0 0,-1 0-1 0 0,1 0 1 0 0,-1-1-1 0 0,0 1 1 0 0,-5-8-1 0 0,-5-4-260 0 0</inkml:trace>
+</inkml:ink>
+</file>
+
+<file path=ppt/ink/ink4.xml><?xml version="1.0" encoding="utf-8"?>
+<inkml:ink xmlns:inkml="http://www.w3.org/2003/InkML">
+  <inkml:definitions>
+    <inkml:context xml:id="ctx0">
+      <inkml:inkSource xml:id="inkSrc0">
+        <inkml:traceFormat>
+          <inkml:channel name="X" type="integer" min="-2.14748E9" max="2.14748E9" units="cm"/>
+          <inkml:channel name="Y" type="integer" min="-2.14748E9" max="2.14748E9" units="cm"/>
+          <inkml:channel name="F" type="integer" max="32767" units="dev"/>
+          <inkml:channel name="OA" type="integer" max="360" units="deg"/>
+          <inkml:channel name="OE" type="integer" max="90" units="deg"/>
+        </inkml:traceFormat>
+        <inkml:channelProperties>
+          <inkml:channelProperty channel="X" name="resolution" value="1000" units="1/cm"/>
+          <inkml:channelProperty channel="Y" name="resolution" value="1000" units="1/cm"/>
+          <inkml:channelProperty channel="F" name="resolution" value="0" units="1/dev"/>
+          <inkml:channelProperty channel="OA" name="resolution" value="1000" units="1/deg"/>
+          <inkml:channelProperty channel="OE" name="resolution" value="1000" units="1/deg"/>
+        </inkml:channelProperties>
+      </inkml:inkSource>
+      <inkml:timestamp xml:id="ts0" timeString="2025-10-29T17:26:33.709"/>
+    </inkml:context>
+    <inkml:brush xml:id="br0">
+      <inkml:brushProperty name="width" value="0.1" units="cm"/>
+      <inkml:brushProperty name="height" value="0.1" units="cm"/>
+      <inkml:brushProperty name="color" value="#66CC00"/>
+    </inkml:brush>
+  </inkml:definitions>
+  <inkml:trace contextRef="#ctx0" brushRef="#br0">20 48 2393 0 0,'-8'3'1783'0'0,"-3"2"1627"0"0,20-1-2450 0 0,17 7-1059 0 0,-12-6 134 0 0,0 0 0 0 0,0-1 0 0 0,0 0 0 0 0,0-1 0 0 0,1 0 0 0 0,22 0 1 0 0,-14-2 29 0 0,0-1 1 0 0,0-1-1 0 0,0-1 1 0 0,-1-1 0 0 0,1 0-1 0 0,0-2 1 0 0,-1-1 0 0 0,23-9-1 0 0,-20 4-210 0 0,-19 9-58 0 0,0 0 0 0 0,0-1 1 0 0,0 1-1 0 0,0-2 0 0 0,-1 1 1 0 0,0 0-1 0 0,1-1 0 0 0,-1 0 1 0 0,8-9-1 0 0,-3 0-739 0 0</inkml:trace>
+</inkml:ink>
+</file>
+
+<file path=ppt/ink/ink5.xml><?xml version="1.0" encoding="utf-8"?>
+<inkml:ink xmlns:inkml="http://www.w3.org/2003/InkML">
+  <inkml:definitions>
+    <inkml:context xml:id="ctx0">
+      <inkml:inkSource xml:id="inkSrc0">
+        <inkml:traceFormat>
+          <inkml:channel name="X" type="integer" min="-2.14748E9" max="2.14748E9" units="cm"/>
+          <inkml:channel name="Y" type="integer" min="-2.14748E9" max="2.14748E9" units="cm"/>
+          <inkml:channel name="F" type="integer" max="32767" units="dev"/>
+          <inkml:channel name="OA" type="integer" max="360" units="deg"/>
+          <inkml:channel name="OE" type="integer" max="90" units="deg"/>
+        </inkml:traceFormat>
+        <inkml:channelProperties>
+          <inkml:channelProperty channel="X" name="resolution" value="1000" units="1/cm"/>
+          <inkml:channelProperty channel="Y" name="resolution" value="1000" units="1/cm"/>
+          <inkml:channelProperty channel="F" name="resolution" value="0" units="1/dev"/>
+          <inkml:channelProperty channel="OA" name="resolution" value="1000" units="1/deg"/>
+          <inkml:channelProperty channel="OE" name="resolution" value="1000" units="1/deg"/>
+        </inkml:channelProperties>
+      </inkml:inkSource>
+      <inkml:timestamp xml:id="ts0" timeString="2025-10-29T17:26:34.264"/>
+    </inkml:context>
+    <inkml:brush xml:id="br0">
+      <inkml:brushProperty name="width" value="0.1" units="cm"/>
+      <inkml:brushProperty name="height" value="0.1" units="cm"/>
+      <inkml:brushProperty name="color" value="#66CC00"/>
+    </inkml:brush>
+  </inkml:definitions>
+  <inkml:trace contextRef="#ctx0" brushRef="#br0">261 373 24 0 0,'1'1'41'0'0,"0"-1"0"0"0,1 0 0 0 0,-1 0-1 0 0,0 0 1 0 0,1 1 0 0 0,-1-1 0 0 0,1-1 0 0 0,-1 1 0 0 0,0 0-1 0 0,1 0 1 0 0,-1 0 0 0 0,0-1 0 0 0,1 1 0 0 0,-1-1 0 0 0,0 1-1 0 0,1-1 1 0 0,-1 1 0 0 0,0-1 0 0 0,0 0 0 0 0,0 0 0 0 0,0 1-1 0 0,1-1 1 0 0,-1 0 0 0 0,0 0 0 0 0,-1 0 0 0 0,1 0 0 0 0,2-2-1 0 0,-3-1 235 0 0,1-1 0 0 0,-1 1 0 0 0,0 0 0 0 0,0 0 0 0 0,0-1 0 0 0,0 1 0 0 0,-1 0 0 0 0,0 0 0 0 0,-1-5 0 0 0,-3-12 531 0 0,-1 1 1 0 0,-1 1 0 0 0,-1-1-1 0 0,-1 1 1 0 0,-1 1-1 0 0,0-1 1 0 0,-1 2-1 0 0,-1-1 1 0 0,-26-27 0 0 0,32 38-524 0 0,0 1 1 0 0,0 0 0 0 0,-1 1-1 0 0,0 0 1 0 0,0 0-1 0 0,0 0 1 0 0,-1 1 0 0 0,-11-5-1 0 0,15 8-146 0 0,0-1 0 0 0,0 1 0 0 0,0-1 0 0 0,-1 1 0 0 0,1 0-1 0 0,-1 1 1 0 0,1-1 0 0 0,0 1 0 0 0,-1 0 0 0 0,1 0-1 0 0,-1 0 1 0 0,1 0 0 0 0,-1 1 0 0 0,1 0 0 0 0,-1 0 0 0 0,1 0-1 0 0,-8 4 1 0 0,10-4-173 0 0,1 0 1 0 0,0 0-1 0 0,-1 0 0 0 0,1 1 0 0 0,0-1 0 0 0,-1 0 1 0 0,1 1-1 0 0,0-1 0 0 0,0 1 0 0 0,0 0 0 0 0,1-1 1 0 0,-1 1-1 0 0,0 0 0 0 0,0-1 0 0 0,1 1 0 0 0,-1 0 0 0 0,1 0 1 0 0,0-1-1 0 0,-1 1 0 0 0,1 0 0 0 0,0 0 0 0 0,0 0 1 0 0,0 0-1 0 0,0-1 0 0 0,1 1 0 0 0,-1 0 0 0 0,0 0 1 0 0,1 0-1 0 0,1 2 0 0 0,1 8-295 0 0,1-1 0 0 0,0 1-1 0 0,8 12 1 0 0,-9-19 210 0 0,5 10-77 0 0,1 0 0 0 0,0-1 1 0 0,1-1-1 0 0,0 0 1 0 0,1 0-1 0 0,1-1 0 0 0,0 0 1 0 0,14 10-1 0 0,-16-15 150 0 0,0 1 0 0 0,0-2 0 0 0,1 1 0 0 0,0-1 0 0 0,0-1 0 0 0,0 0 1 0 0,1-1-1 0 0,0 0 0 0 0,0-1 0 0 0,0 0 0 0 0,18 2 0 0 0,-26-5 28 0 0,0 0-1 0 0,0 0 1 0 0,0 0 0 0 0,0 0 0 0 0,0-1-1 0 0,0 1 1 0 0,0-1 0 0 0,0 0-1 0 0,0 0 1 0 0,0-1 0 0 0,0 1 0 0 0,-1-1-1 0 0,1 0 1 0 0,-1 0 0 0 0,1 0-1 0 0,4-4 1 0 0,-4 2 14 0 0,0-1 0 0 0,0 1 1 0 0,-1-1-1 0 0,1 1 0 0 0,-1-1 0 0 0,0 0 0 0 0,-1 0 1 0 0,1-1-1 0 0,-1 1 0 0 0,2-7 0 0 0,2-11-164 0 0,-1 0-1 0 0,-2 0 1 0 0,0 0 0 0 0,-1-35-1 0 0,-2 53 72 0 0,0-16-572 0 0,-1-1 1 0 0,-4-23 0 0 0,1 17-465 0 0</inkml:trace>
+</inkml:ink>
+</file>
+
+<file path=ppt/ink/ink6.xml><?xml version="1.0" encoding="utf-8"?>
+<inkml:ink xmlns:inkml="http://www.w3.org/2003/InkML">
+  <inkml:definitions>
+    <inkml:context xml:id="ctx0">
+      <inkml:inkSource xml:id="inkSrc0">
+        <inkml:traceFormat>
+          <inkml:channel name="X" type="integer" min="-2.14748E9" max="2.14748E9" units="cm"/>
+          <inkml:channel name="Y" type="integer" min="-2.14748E9" max="2.14748E9" units="cm"/>
+          <inkml:channel name="F" type="integer" max="32767" units="dev"/>
+          <inkml:channel name="OA" type="integer" max="360" units="deg"/>
+          <inkml:channel name="OE" type="integer" max="90" units="deg"/>
+        </inkml:traceFormat>
+        <inkml:channelProperties>
+          <inkml:channelProperty channel="X" name="resolution" value="1000" units="1/cm"/>
+          <inkml:channelProperty channel="Y" name="resolution" value="1000" units="1/cm"/>
+          <inkml:channelProperty channel="F" name="resolution" value="0" units="1/dev"/>
+          <inkml:channelProperty channel="OA" name="resolution" value="1000" units="1/deg"/>
+          <inkml:channelProperty channel="OE" name="resolution" value="1000" units="1/deg"/>
+        </inkml:channelProperties>
+      </inkml:inkSource>
+      <inkml:timestamp xml:id="ts0" timeString="2025-10-29T17:26:35.139"/>
+    </inkml:context>
+    <inkml:brush xml:id="br0">
+      <inkml:brushProperty name="width" value="0.1" units="cm"/>
+      <inkml:brushProperty name="height" value="0.1" units="cm"/>
+      <inkml:brushProperty name="color" value="#66CC00"/>
+    </inkml:brush>
+  </inkml:definitions>
+  <inkml:trace contextRef="#ctx0" brushRef="#br0">155 193 5033 0 0,'-17'-9'6259'0'0,"-6"5"-4169"0"0,-16 4-2028 0 0,35 1 298 0 0,0-1-239 0 0,0 0-1 0 0,0 1 1 0 0,0-1 0 0 0,0 1-1 0 0,1 0 1 0 0,-1 0-1 0 0,0 1 1 0 0,0-1 0 0 0,0 1-1 0 0,1 0 1 0 0,-6 3-1 0 0,7-3-130 0 0,0-1 1 0 0,1 1-1 0 0,-1-1 0 0 0,1 1 0 0 0,-1 0 0 0 0,1 0 0 0 0,0 0 1 0 0,-1 0-1 0 0,1 0 0 0 0,0 0 0 0 0,0 0 0 0 0,0 0 0 0 0,1 0 1 0 0,-1 0-1 0 0,0 4 0 0 0,0-1-102 0 0,1-1 1 0 0,1 0-1 0 0,-1 0 0 0 0,0 0 0 0 0,1 0 1 0 0,0 0-1 0 0,0 0 0 0 0,0 0 1 0 0,0 0-1 0 0,1-1 0 0 0,0 1 0 0 0,-1 0 1 0 0,1-1-1 0 0,1 1 0 0 0,-1-1 1 0 0,0 0-1 0 0,1 1 0 0 0,0-1 0 0 0,0-1 1 0 0,3 5-1 0 0,12 8-291 0 0,1-1 0 0 0,0-1 1 0 0,41 22-1 0 0,-47-29 327 0 0,1 0-1 0 0,0 0 1 0 0,0-1 0 0 0,0-1-1 0 0,1-1 1 0 0,-1 0 0 0 0,21 2-1 0 0,-30-6 49 0 0,0 1 0 0 0,0-1-1 0 0,0 0 1 0 0,-1-1 0 0 0,1 1-1 0 0,0-1 1 0 0,-1 0 0 0 0,1 0 0 0 0,-1 0-1 0 0,0 0 1 0 0,0-1 0 0 0,0 0-1 0 0,0 0 1 0 0,0 0 0 0 0,-1 0-1 0 0,1-1 1 0 0,-1 0 0 0 0,0 1 0 0 0,0-1-1 0 0,0 0 1 0 0,0 0 0 0 0,-1-1-1 0 0,0 1 1 0 0,0 0 0 0 0,0-1 0 0 0,0 0-1 0 0,-1 1 1 0 0,0-1 0 0 0,0 0-1 0 0,0 0 1 0 0,0-5 0 0 0,8-140 129 0 0,-5 97-36 0 0,-2 41-252 0 0,0 1-1 0 0,-2-1 1 0 0,1 0-1 0 0,-1 0 1 0 0,-1 0 0 0 0,-4-18-1 0 0,2 14-485 0 0</inkml:trace>
+</inkml:ink>
+</file>
+
+<file path=ppt/ink/ink7.xml><?xml version="1.0" encoding="utf-8"?>
+<inkml:ink xmlns:inkml="http://www.w3.org/2003/InkML">
+  <inkml:definitions>
+    <inkml:context xml:id="ctx0">
+      <inkml:inkSource xml:id="inkSrc0">
+        <inkml:traceFormat>
+          <inkml:channel name="X" type="integer" min="-2.14748E9" max="2.14748E9" units="cm"/>
+          <inkml:channel name="Y" type="integer" min="-2.14748E9" max="2.14748E9" units="cm"/>
+          <inkml:channel name="F" type="integer" max="32767" units="dev"/>
+          <inkml:channel name="OA" type="integer" max="360" units="deg"/>
+          <inkml:channel name="OE" type="integer" max="90" units="deg"/>
+        </inkml:traceFormat>
+        <inkml:channelProperties>
+          <inkml:channelProperty channel="X" name="resolution" value="1000" units="1/cm"/>
+          <inkml:channelProperty channel="Y" name="resolution" value="1000" units="1/cm"/>
+          <inkml:channelProperty channel="F" name="resolution" value="0" units="1/dev"/>
+          <inkml:channelProperty channel="OA" name="resolution" value="1000" units="1/deg"/>
+          <inkml:channelProperty channel="OE" name="resolution" value="1000" units="1/deg"/>
+        </inkml:channelProperties>
+      </inkml:inkSource>
+      <inkml:timestamp xml:id="ts0" timeString="2025-10-29T17:26:35.520"/>
+    </inkml:context>
+    <inkml:brush xml:id="br0">
+      <inkml:brushProperty name="width" value="0.1" units="cm"/>
+      <inkml:brushProperty name="height" value="0.1" units="cm"/>
+      <inkml:brushProperty name="color" value="#66CC00"/>
+    </inkml:brush>
+  </inkml:definitions>
+  <inkml:trace contextRef="#ctx0" brushRef="#br0">51 106 6201 0 0,'-51'16'5927'0'0,"135"-2"-7251"0"0,-38-9 1302 0 0,-1-2 1 0 0,1-2-1 0 0,90-11 1 0 0,-111 6-91 0 0,1 0 0 0 0,-1-3 0 0 0,0 0-1 0 0,0-1 1 0 0,-1-1 0 0 0,0-2 0 0 0,-1 0 0 0 0,30-20 0 0 0,-50 29 27 0 0,1 0 1 0 0,-1-1-1 0 0,0 1 0 0 0,-1-1 1 0 0,1 0-1 0 0,0 0 0 0 0,-1 0 1 0 0,3-3-1 0 0,4-10-524 0 0</inkml:trace>
+</inkml:ink>
+</file>
+
+<file path=ppt/ink/ink8.xml><?xml version="1.0" encoding="utf-8"?>
+<inkml:ink xmlns:inkml="http://www.w3.org/2003/InkML">
+  <inkml:definitions>
+    <inkml:context xml:id="ctx0">
+      <inkml:inkSource xml:id="inkSrc0">
+        <inkml:traceFormat>
+          <inkml:channel name="X" type="integer" min="-2.14748E9" max="2.14748E9" units="cm"/>
+          <inkml:channel name="Y" type="integer" min="-2.14748E9" max="2.14748E9" units="cm"/>
+          <inkml:channel name="F" type="integer" max="32767" units="dev"/>
+          <inkml:channel name="OA" type="integer" max="360" units="deg"/>
+          <inkml:channel name="OE" type="integer" max="90" units="deg"/>
+        </inkml:traceFormat>
+        <inkml:channelProperties>
+          <inkml:channelProperty channel="X" name="resolution" value="1000" units="1/cm"/>
+          <inkml:channelProperty channel="Y" name="resolution" value="1000" units="1/cm"/>
+          <inkml:channelProperty channel="F" name="resolution" value="0" units="1/dev"/>
+          <inkml:channelProperty channel="OA" name="resolution" value="1000" units="1/deg"/>
+          <inkml:channelProperty channel="OE" name="resolution" value="1000" units="1/deg"/>
+        </inkml:channelProperties>
+      </inkml:inkSource>
+      <inkml:timestamp xml:id="ts0" timeString="2025-10-29T17:26:35.726"/>
+    </inkml:context>
+    <inkml:brush xml:id="br0">
+      <inkml:brushProperty name="width" value="0.1" units="cm"/>
+      <inkml:brushProperty name="height" value="0.1" units="cm"/>
+      <inkml:brushProperty name="color" value="#66CC00"/>
+    </inkml:brush>
+  </inkml:definitions>
+  <inkml:trace contextRef="#ctx0" brushRef="#br0">10 342 4713 0 0,'-1'0'49'0'0,"1"1"0"0"0,0-1-1 0 0,0 0 1 0 0,0 0 0 0 0,-1 0 0 0 0,1 0 0 0 0,0 0-1 0 0,0 0 1 0 0,0 1 0 0 0,-1-1 0 0 0,1 0 0 0 0,0 0-1 0 0,0 0 1 0 0,0 0 0 0 0,-1 0 0 0 0,1 0-1 0 0,0 0 1 0 0,0 0 0 0 0,-1 0 0 0 0,1 0 0 0 0,0 0-1 0 0,0 0 1 0 0,0 0 0 0 0,-1 0 0 0 0,1 0 0 0 0,0 0-1 0 0,0 0 1 0 0,0 0 0 0 0,-1-1 0 0 0,1 1 0 0 0,0 0-1 0 0,0 0 1 0 0,0 0 0 0 0,-1 0 0 0 0,1 0 0 0 0,0 0-1 0 0,0-1 1 0 0,0 1 0 0 0,0 0 0 0 0,-1 0-1 0 0,1 0 1 0 0,0 0 0 0 0,0-1 0 0 0,0 1 0 0 0,0 0-1 0 0,0 0 1 0 0,0-1 0 0 0,0 1 0 0 0,0 0 0 0 0,-1 0-1 0 0,1 0 1 0 0,0-1 0 0 0,0 1 0 0 0,0 0 0 0 0,0 0-1 0 0,0-1 1 0 0,0 1 0 0 0,0 0 0 0 0,0 0 0 0 0,1 0-1 0 0,-1-1 1 0 0,0 1 0 0 0,0 0 0 0 0,0 0 0 0 0,0 0-1 0 0,0-1 1 0 0,0 1 0 0 0,0 0 0 0 0,1-18-269 0 0,4-11 63 0 0,1 0 1 0 0,2 0-1 0 0,1 0 0 0 0,1 1 0 0 0,1 0 0 0 0,2 1 0 0 0,1 1 0 0 0,33-50 0 0 0,-35 59-354 0 0</inkml:trace>
+</inkml:ink>
+</file>
+
+<file path=ppt/ink/ink9.xml><?xml version="1.0" encoding="utf-8"?>
+<inkml:ink xmlns:inkml="http://www.w3.org/2003/InkML">
+  <inkml:definitions>
+    <inkml:context xml:id="ctx0">
+      <inkml:inkSource xml:id="inkSrc0">
+        <inkml:traceFormat>
+          <inkml:channel name="X" type="integer" min="-2.14748E9" max="2.14748E9" units="cm"/>
+          <inkml:channel name="Y" type="integer" min="-2.14748E9" max="2.14748E9" units="cm"/>
+          <inkml:channel name="F" type="integer" max="32767" units="dev"/>
+          <inkml:channel name="OA" type="integer" max="360" units="deg"/>
+          <inkml:channel name="OE" type="integer" max="90" units="deg"/>
+        </inkml:traceFormat>
+        <inkml:channelProperties>
+          <inkml:channelProperty channel="X" name="resolution" value="1000" units="1/cm"/>
+          <inkml:channelProperty channel="Y" name="resolution" value="1000" units="1/cm"/>
+          <inkml:channelProperty channel="F" name="resolution" value="0" units="1/dev"/>
+          <inkml:channelProperty channel="OA" name="resolution" value="1000" units="1/deg"/>
+          <inkml:channelProperty channel="OE" name="resolution" value="1000" units="1/deg"/>
+        </inkml:channelProperties>
+      </inkml:inkSource>
+      <inkml:timestamp xml:id="ts0" timeString="2025-10-29T17:26:35.996"/>
+    </inkml:context>
+    <inkml:brush xml:id="br0">
+      <inkml:brushProperty name="width" value="0.1" units="cm"/>
+      <inkml:brushProperty name="height" value="0.1" units="cm"/>
+      <inkml:brushProperty name="color" value="#66CC00"/>
+    </inkml:brush>
+  </inkml:definitions>
+  <inkml:trace contextRef="#ctx0" brushRef="#br0">1 60 5281 0 0,'0'48'4877'0'0,"35"-46"-5445"0"0,-18-1 523 0 0,0-1 0 0 0,1-1 1 0 0,-1 0-1 0 0,0-1 0 0 0,1-1 0 0 0,-1-1 1 0 0,-1 0-1 0 0,1-1 0 0 0,0-1 0 0 0,17-9 0 0 0,-21 8-470 0 0,0 0 0 0 0,-1-1 0 0 0,-1 0 0 0 0,18-17-1 0 0,-13 10-524 0 0</inkml:trace>
 </inkml:ink>
 </file>
 
@@ -6818,10 +7575,457 @@
           <a:lstStyle/>
           <a:p>
             <a:r>
+              <a:rPr lang="de-DE" dirty="0" err="1"/>
+              <a:t>Why</a:t>
+            </a:r>
+            <a:r>
+              <a:rPr lang="de-DE" dirty="0"/>
+              <a:t> </a:t>
+            </a:r>
+            <a:r>
+              <a:rPr lang="de-DE" dirty="0" err="1"/>
+              <a:t>is</a:t>
+            </a:r>
+            <a:r>
+              <a:rPr lang="de-DE" dirty="0"/>
+              <a:t> </a:t>
+            </a:r>
+            <a:r>
+              <a:rPr lang="de-DE" dirty="0" err="1"/>
+              <a:t>this</a:t>
+            </a:r>
+            <a:r>
+              <a:rPr lang="de-DE" dirty="0"/>
+              <a:t> </a:t>
+            </a:r>
+            <a:r>
+              <a:rPr lang="de-DE" dirty="0" err="1"/>
+              <a:t>question</a:t>
+            </a:r>
+            <a:r>
+              <a:rPr lang="de-DE" dirty="0"/>
+              <a:t> </a:t>
+            </a:r>
+            <a:r>
+              <a:rPr lang="de-DE" dirty="0" err="1"/>
+              <a:t>important</a:t>
+            </a:r>
+            <a:r>
+              <a:rPr lang="de-DE" dirty="0"/>
+              <a:t>?:  </a:t>
+            </a:r>
+            <a:r>
+              <a:rPr lang="de-DE" dirty="0" err="1"/>
+              <a:t>bacterial</a:t>
+            </a:r>
+            <a:r>
+              <a:rPr lang="de-DE" dirty="0"/>
+              <a:t> </a:t>
+            </a:r>
+            <a:r>
+              <a:rPr lang="de-DE" dirty="0" err="1"/>
+              <a:t>resistance</a:t>
+            </a:r>
+            <a:r>
+              <a:rPr lang="de-DE" dirty="0"/>
+              <a:t> </a:t>
+            </a:r>
+            <a:r>
+              <a:rPr lang="de-DE" dirty="0" err="1"/>
+              <a:t>against</a:t>
+            </a:r>
+            <a:r>
+              <a:rPr lang="de-DE" dirty="0"/>
+              <a:t> </a:t>
+            </a:r>
+            <a:r>
+              <a:rPr lang="de-DE" dirty="0" err="1"/>
+              <a:t>antibiotics</a:t>
+            </a:r>
+            <a:r>
+              <a:rPr lang="de-DE" dirty="0"/>
+              <a:t> </a:t>
+            </a:r>
+            <a:r>
+              <a:rPr lang="de-DE" dirty="0" err="1"/>
+              <a:t>which</a:t>
+            </a:r>
+            <a:r>
+              <a:rPr lang="de-DE" dirty="0"/>
+              <a:t> </a:t>
+            </a:r>
+            <a:r>
+              <a:rPr lang="de-DE" dirty="0" err="1"/>
+              <a:t>is</a:t>
+            </a:r>
+            <a:r>
+              <a:rPr lang="de-DE" dirty="0"/>
+              <a:t> </a:t>
+            </a:r>
+            <a:r>
+              <a:rPr lang="de-DE" dirty="0" err="1"/>
+              <a:t>growing</a:t>
+            </a:r>
+            <a:r>
+              <a:rPr lang="de-DE" dirty="0"/>
+              <a:t> </a:t>
+            </a:r>
+            <a:r>
+              <a:rPr lang="de-DE" dirty="0" err="1"/>
+              <a:t>problem</a:t>
+            </a:r>
+            <a:r>
+              <a:rPr lang="de-DE" dirty="0"/>
+              <a:t> =&gt;</a:t>
+            </a:r>
+            <a:r>
+              <a:rPr lang="de-DE" dirty="0" err="1"/>
+              <a:t>need</a:t>
+            </a:r>
+            <a:r>
+              <a:rPr lang="de-DE" dirty="0"/>
+              <a:t> </a:t>
+            </a:r>
+            <a:r>
+              <a:rPr lang="de-DE" dirty="0" err="1"/>
+              <a:t>to</a:t>
+            </a:r>
+            <a:r>
+              <a:rPr lang="de-DE" dirty="0"/>
+              <a:t> </a:t>
+            </a:r>
+            <a:r>
+              <a:rPr lang="de-DE" dirty="0" err="1"/>
+              <a:t>know</a:t>
+            </a:r>
+            <a:r>
+              <a:rPr lang="de-DE" dirty="0"/>
+              <a:t> </a:t>
+            </a:r>
+            <a:r>
+              <a:rPr lang="de-DE" dirty="0" err="1"/>
+              <a:t>to</a:t>
+            </a:r>
+            <a:r>
+              <a:rPr lang="de-DE" dirty="0"/>
+              <a:t> </a:t>
+            </a:r>
+            <a:r>
+              <a:rPr lang="de-DE" dirty="0" err="1"/>
+              <a:t>prevent</a:t>
+            </a:r>
+            <a:r>
+              <a:rPr lang="de-DE" dirty="0"/>
+              <a:t>, lab</a:t>
+            </a:r>
+            <a:endParaRPr lang="de-CH" dirty="0"/>
+          </a:p>
+        </p:txBody>
+      </p:sp>
+      <p:sp>
+        <p:nvSpPr>
+          <p:cNvPr id="4" name="Foliennummernplatzhalter 3"/>
+          <p:cNvSpPr>
+            <a:spLocks noGrp="1"/>
+          </p:cNvSpPr>
+          <p:nvPr>
+            <p:ph type="sldNum" sz="quarter" idx="5"/>
+          </p:nvPr>
+        </p:nvSpPr>
+        <p:spPr/>
+        <p:txBody>
+          <a:bodyPr/>
+          <a:lstStyle/>
+          <a:p>
+            <a:fld id="{93DA30BD-7270-43EB-A73F-B6775BEA5F78}" type="slidenum">
+              <a:rPr lang="de-CH" smtClean="0"/>
+              <a:t>3</a:t>
+            </a:fld>
+            <a:endParaRPr lang="de-CH"/>
+          </a:p>
+        </p:txBody>
+      </p:sp>
+    </p:spTree>
+    <p:extLst>
+      <p:ext uri="{BB962C8B-B14F-4D97-AF65-F5344CB8AC3E}">
+        <p14:creationId xmlns:p14="http://schemas.microsoft.com/office/powerpoint/2010/main" val="3804426"/>
+      </p:ext>
+    </p:extLst>
+  </p:cSld>
+  <p:clrMapOvr>
+    <a:masterClrMapping/>
+  </p:clrMapOvr>
+</p:notes>
+</file>
+
+<file path=ppt/notesSlides/notesSlide2.xml><?xml version="1.0" encoding="utf-8"?>
+<p:notes xmlns:a="http://schemas.openxmlformats.org/drawingml/2006/main" xmlns:r="http://schemas.openxmlformats.org/officeDocument/2006/relationships" xmlns:p="http://schemas.openxmlformats.org/presentationml/2006/main">
+  <p:cSld>
+    <p:spTree>
+      <p:nvGrpSpPr>
+        <p:cNvPr id="1" name=""/>
+        <p:cNvGrpSpPr/>
+        <p:nvPr/>
+      </p:nvGrpSpPr>
+      <p:grpSpPr>
+        <a:xfrm>
+          <a:off x="0" y="0"/>
+          <a:ext cx="0" cy="0"/>
+          <a:chOff x="0" y="0"/>
+          <a:chExt cx="0" cy="0"/>
+        </a:xfrm>
+      </p:grpSpPr>
+      <p:sp>
+        <p:nvSpPr>
+          <p:cNvPr id="2" name="Folienbildplatzhalter 1"/>
+          <p:cNvSpPr>
+            <a:spLocks noGrp="1" noRot="1" noChangeAspect="1"/>
+          </p:cNvSpPr>
+          <p:nvPr>
+            <p:ph type="sldImg"/>
+          </p:nvPr>
+        </p:nvSpPr>
+        <p:spPr/>
+      </p:sp>
+      <p:sp>
+        <p:nvSpPr>
+          <p:cNvPr id="3" name="Notizenplatzhalter 2"/>
+          <p:cNvSpPr>
+            <a:spLocks noGrp="1"/>
+          </p:cNvSpPr>
+          <p:nvPr>
+            <p:ph type="body" idx="1"/>
+          </p:nvPr>
+        </p:nvSpPr>
+        <p:spPr/>
+        <p:txBody>
+          <a:bodyPr/>
+          <a:lstStyle/>
+          <a:p>
+            <a:r>
               <a:rPr lang="de-CH" dirty="0" err="1"/>
-              <a:t>limitations</a:t>
-            </a:r>
-            <a:endParaRPr lang="de-CH" dirty="0"/>
+              <a:t>Limitations</a:t>
+            </a:r>
+            <a:r>
+              <a:rPr lang="de-CH" dirty="0"/>
+              <a:t>: 1 </a:t>
+            </a:r>
+            <a:r>
+              <a:rPr lang="de-CH" dirty="0" err="1"/>
+              <a:t>value</a:t>
+            </a:r>
+            <a:r>
+              <a:rPr lang="de-CH" dirty="0"/>
+              <a:t> </a:t>
+            </a:r>
+            <a:r>
+              <a:rPr lang="de-CH" dirty="0" err="1"/>
+              <a:t>for</a:t>
+            </a:r>
+            <a:r>
+              <a:rPr lang="de-CH" dirty="0"/>
+              <a:t> </a:t>
+            </a:r>
+            <a:r>
+              <a:rPr lang="de-CH" dirty="0" err="1"/>
+              <a:t>selection</a:t>
+            </a:r>
+            <a:r>
+              <a:rPr lang="de-CH" dirty="0"/>
+              <a:t> </a:t>
+            </a:r>
+            <a:r>
+              <a:rPr lang="de-CH" dirty="0" err="1"/>
+              <a:t>coefficient</a:t>
+            </a:r>
+            <a:r>
+              <a:rPr lang="de-CH" dirty="0"/>
+              <a:t>, </a:t>
+            </a:r>
+            <a:r>
+              <a:rPr lang="de-CH" dirty="0" err="1"/>
+              <a:t>decay</a:t>
+            </a:r>
+            <a:r>
+              <a:rPr lang="de-CH" dirty="0"/>
+              <a:t> rate and </a:t>
+            </a:r>
+            <a:r>
+              <a:rPr lang="de-CH" dirty="0" err="1"/>
+              <a:t>mutation</a:t>
+            </a:r>
+            <a:r>
+              <a:rPr lang="de-CH" dirty="0"/>
+              <a:t> rate, in </a:t>
+            </a:r>
+            <a:r>
+              <a:rPr lang="de-CH" dirty="0" err="1"/>
+              <a:t>reality</a:t>
+            </a:r>
+            <a:r>
+              <a:rPr lang="de-CH" dirty="0"/>
+              <a:t> </a:t>
+            </a:r>
+            <a:r>
+              <a:rPr lang="de-CH" dirty="0" err="1"/>
+              <a:t>much</a:t>
+            </a:r>
+            <a:r>
+              <a:rPr lang="de-CH" dirty="0"/>
+              <a:t> </a:t>
+            </a:r>
+            <a:r>
+              <a:rPr lang="de-CH" dirty="0" err="1"/>
+              <a:t>more</a:t>
+            </a:r>
+            <a:r>
+              <a:rPr lang="de-CH" dirty="0"/>
+              <a:t> </a:t>
+            </a:r>
+            <a:r>
+              <a:rPr lang="de-CH" dirty="0" err="1"/>
+              <a:t>compex</a:t>
+            </a:r>
+            <a:r>
+              <a:rPr lang="de-CH" dirty="0"/>
+              <a:t>, also not </a:t>
+            </a:r>
+            <a:r>
+              <a:rPr lang="de-CH" dirty="0" err="1"/>
+              <a:t>only</a:t>
+            </a:r>
+            <a:r>
+              <a:rPr lang="de-CH" dirty="0"/>
+              <a:t> 2 </a:t>
+            </a:r>
+            <a:r>
+              <a:rPr lang="de-CH" dirty="0" err="1"/>
+              <a:t>mutations</a:t>
+            </a:r>
+            <a:r>
+              <a:rPr lang="de-CH" dirty="0"/>
+              <a:t> </a:t>
+            </a:r>
+            <a:r>
+              <a:rPr lang="de-CH" dirty="0" err="1"/>
+              <a:t>exist</a:t>
+            </a:r>
+            <a:r>
+              <a:rPr lang="de-CH" dirty="0"/>
+              <a:t> in </a:t>
+            </a:r>
+            <a:r>
+              <a:rPr lang="de-CH" dirty="0" err="1"/>
+              <a:t>individuals</a:t>
+            </a:r>
+            <a:r>
+              <a:rPr lang="de-CH" dirty="0"/>
+              <a:t>, </a:t>
+            </a:r>
+            <a:r>
+              <a:rPr lang="de-CH" dirty="0" err="1"/>
+              <a:t>selection</a:t>
+            </a:r>
+            <a:r>
+              <a:rPr lang="de-CH" dirty="0"/>
+              <a:t> </a:t>
+            </a:r>
+            <a:r>
+              <a:rPr lang="de-CH" dirty="0" err="1"/>
+              <a:t>coefficient</a:t>
+            </a:r>
+            <a:r>
+              <a:rPr lang="de-CH" dirty="0"/>
+              <a:t> </a:t>
+            </a:r>
+            <a:r>
+              <a:rPr lang="de-CH" dirty="0" err="1"/>
+              <a:t>might</a:t>
+            </a:r>
+            <a:r>
+              <a:rPr lang="de-CH" dirty="0"/>
+              <a:t> </a:t>
+            </a:r>
+            <a:r>
+              <a:rPr lang="de-CH" dirty="0" err="1"/>
+              <a:t>be</a:t>
+            </a:r>
+            <a:r>
+              <a:rPr lang="de-CH" dirty="0"/>
+              <a:t> </a:t>
+            </a:r>
+            <a:r>
+              <a:rPr lang="de-CH" dirty="0" err="1"/>
+              <a:t>too</a:t>
+            </a:r>
+            <a:r>
+              <a:rPr lang="de-CH" dirty="0"/>
+              <a:t> high, </a:t>
+            </a:r>
+            <a:r>
+              <a:rPr lang="de-CH" dirty="0" err="1"/>
+              <a:t>although</a:t>
+            </a:r>
+            <a:r>
+              <a:rPr lang="de-CH" dirty="0"/>
+              <a:t> </a:t>
+            </a:r>
+            <a:r>
+              <a:rPr lang="de-CH" dirty="0" err="1"/>
+              <a:t>for</a:t>
+            </a:r>
+            <a:r>
+              <a:rPr lang="de-CH" dirty="0"/>
+              <a:t> </a:t>
+            </a:r>
+            <a:r>
+              <a:rPr lang="de-CH" dirty="0" err="1"/>
+              <a:t>bacteria</a:t>
+            </a:r>
+            <a:r>
+              <a:rPr lang="de-CH" dirty="0"/>
+              <a:t> </a:t>
+            </a:r>
+            <a:r>
+              <a:rPr lang="de-CH" dirty="0" err="1"/>
+              <a:t>they</a:t>
+            </a:r>
+            <a:r>
+              <a:rPr lang="de-CH" dirty="0"/>
+              <a:t> </a:t>
+            </a:r>
+            <a:r>
+              <a:rPr lang="de-CH" dirty="0" err="1"/>
+              <a:t>seem</a:t>
+            </a:r>
+            <a:r>
+              <a:rPr lang="de-CH" dirty="0"/>
+              <a:t> </a:t>
+            </a:r>
+            <a:r>
+              <a:rPr lang="de-CH" dirty="0" err="1"/>
+              <a:t>fine</a:t>
+            </a:r>
+            <a:r>
+              <a:rPr lang="de-CH" dirty="0"/>
+              <a:t> (0.05-0.5 </a:t>
+            </a:r>
+            <a:r>
+              <a:rPr lang="de-CH" dirty="0" err="1"/>
+              <a:t>under</a:t>
+            </a:r>
+            <a:r>
+              <a:rPr lang="de-CH" dirty="0"/>
+              <a:t> </a:t>
+            </a:r>
+            <a:r>
+              <a:rPr lang="de-CH" dirty="0" err="1"/>
+              <a:t>antibiotics</a:t>
+            </a:r>
+            <a:r>
+              <a:rPr lang="de-CH" dirty="0"/>
+              <a:t>)</a:t>
+            </a:r>
           </a:p>
         </p:txBody>
       </p:sp>
@@ -13148,7 +14352,7 @@
             <p:ph idx="1"/>
             <p:extLst>
               <p:ext uri="{D42A27DB-BD31-4B8C-83A1-F6EECF244321}">
-                <p14:modId xmlns:p14="http://schemas.microsoft.com/office/powerpoint/2010/main" val="793787696"/>
+                <p14:modId xmlns:p14="http://schemas.microsoft.com/office/powerpoint/2010/main" val="54443947"/>
               </p:ext>
             </p:extLst>
           </p:nvPr>
@@ -13159,7 +14363,7 @@
         </p:xfrm>
         <a:graphic>
           <a:graphicData uri="http://schemas.openxmlformats.org/drawingml/2006/diagram">
-            <dgm:relIds xmlns:dgm="http://schemas.openxmlformats.org/drawingml/2006/diagram" xmlns:r="http://schemas.openxmlformats.org/officeDocument/2006/relationships" r:dm="rId2" r:lo="rId3" r:qs="rId4" r:cs="rId5"/>
+            <dgm:relIds xmlns:dgm="http://schemas.openxmlformats.org/drawingml/2006/diagram" xmlns:r="http://schemas.openxmlformats.org/officeDocument/2006/relationships" r:dm="rId3" r:lo="rId4" r:qs="rId5" r:cs="rId6"/>
           </a:graphicData>
         </a:graphic>
       </p:graphicFrame>
@@ -13257,8 +14461,8 @@
               <p14:nvPr/>
             </p14:nvContentPartPr>
             <p14:xfrm>
-              <a:off x="1193800" y="1864995"/>
-              <a:ext cx="9094788" cy="4084638"/>
+              <a:off x="1880680" y="1864995"/>
+              <a:ext cx="8408160" cy="4085280"/>
             </p14:xfrm>
           </p:contentPart>
         </mc:Choice>
@@ -13293,6 +14497,1251 @@
           </p:pic>
         </mc:Fallback>
       </mc:AlternateContent>
+      <p:grpSp>
+        <p:nvGrpSpPr>
+          <p:cNvPr id="40" name="Gruppieren 39">
+            <a:extLst>
+              <a:ext uri="{FF2B5EF4-FFF2-40B4-BE49-F238E27FC236}">
+                <a16:creationId xmlns:a16="http://schemas.microsoft.com/office/drawing/2014/main" id="{1BC771B4-523E-BF7E-3C7A-FE2EF8B7DFBA}"/>
+              </a:ext>
+            </a:extLst>
+          </p:cNvPr>
+          <p:cNvGrpSpPr/>
+          <p:nvPr/>
+        </p:nvGrpSpPr>
+        <p:grpSpPr>
+          <a:xfrm>
+            <a:off x="1097178" y="2874732"/>
+            <a:ext cx="609840" cy="1162800"/>
+            <a:chOff x="1097178" y="2874732"/>
+            <a:chExt cx="609840" cy="1162800"/>
+          </a:xfrm>
+        </p:grpSpPr>
+        <mc:AlternateContent xmlns:mc="http://schemas.openxmlformats.org/markup-compatibility/2006">
+          <mc:Choice xmlns:p14="http://schemas.microsoft.com/office/powerpoint/2010/main" Requires="p14">
+            <p:contentPart p14:bwMode="auto" r:id="rId5">
+              <p14:nvContentPartPr>
+                <p14:cNvPr id="4" name="Freihand 3">
+                  <a:extLst>
+                    <a:ext uri="{FF2B5EF4-FFF2-40B4-BE49-F238E27FC236}">
+                      <a16:creationId xmlns:a16="http://schemas.microsoft.com/office/drawing/2014/main" id="{74D8FE78-CAC8-E09C-0405-80E2C140C25D}"/>
+                    </a:ext>
+                  </a:extLst>
+                </p14:cNvPr>
+                <p14:cNvContentPartPr/>
+                <p14:nvPr/>
+              </p14:nvContentPartPr>
+              <p14:xfrm>
+                <a:off x="1097178" y="3904692"/>
+                <a:ext cx="185760" cy="124200"/>
+              </p14:xfrm>
+            </p:contentPart>
+          </mc:Choice>
+          <mc:Fallback>
+            <p:pic>
+              <p:nvPicPr>
+                <p:cNvPr id="4" name="Freihand 3">
+                  <a:extLst>
+                    <a:ext uri="{FF2B5EF4-FFF2-40B4-BE49-F238E27FC236}">
+                      <a16:creationId xmlns:a16="http://schemas.microsoft.com/office/drawing/2014/main" id="{74D8FE78-CAC8-E09C-0405-80E2C140C25D}"/>
+                    </a:ext>
+                  </a:extLst>
+                </p:cNvPr>
+                <p:cNvPicPr/>
+                <p:nvPr/>
+              </p:nvPicPr>
+              <p:blipFill>
+                <a:blip r:embed="rId6"/>
+                <a:stretch>
+                  <a:fillRect/>
+                </a:stretch>
+              </p:blipFill>
+              <p:spPr>
+                <a:xfrm>
+                  <a:off x="1079538" y="3887052"/>
+                  <a:ext cx="221400" cy="159840"/>
+                </a:xfrm>
+                <a:prstGeom prst="rect">
+                  <a:avLst/>
+                </a:prstGeom>
+              </p:spPr>
+            </p:pic>
+          </mc:Fallback>
+        </mc:AlternateContent>
+        <mc:AlternateContent xmlns:mc="http://schemas.openxmlformats.org/markup-compatibility/2006">
+          <mc:Choice xmlns:p14="http://schemas.microsoft.com/office/powerpoint/2010/main" Requires="p14">
+            <p:contentPart p14:bwMode="auto" r:id="rId7">
+              <p14:nvContentPartPr>
+                <p14:cNvPr id="6" name="Freihand 5">
+                  <a:extLst>
+                    <a:ext uri="{FF2B5EF4-FFF2-40B4-BE49-F238E27FC236}">
+                      <a16:creationId xmlns:a16="http://schemas.microsoft.com/office/drawing/2014/main" id="{3E03D582-8D08-531B-061B-1DDC0969879A}"/>
+                    </a:ext>
+                  </a:extLst>
+                </p14:cNvPr>
+                <p14:cNvContentPartPr/>
+                <p14:nvPr/>
+              </p14:nvContentPartPr>
+              <p14:xfrm>
+                <a:off x="1148298" y="3772212"/>
+                <a:ext cx="166680" cy="118440"/>
+              </p14:xfrm>
+            </p:contentPart>
+          </mc:Choice>
+          <mc:Fallback>
+            <p:pic>
+              <p:nvPicPr>
+                <p:cNvPr id="6" name="Freihand 5">
+                  <a:extLst>
+                    <a:ext uri="{FF2B5EF4-FFF2-40B4-BE49-F238E27FC236}">
+                      <a16:creationId xmlns:a16="http://schemas.microsoft.com/office/drawing/2014/main" id="{3E03D582-8D08-531B-061B-1DDC0969879A}"/>
+                    </a:ext>
+                  </a:extLst>
+                </p:cNvPr>
+                <p:cNvPicPr/>
+                <p:nvPr/>
+              </p:nvPicPr>
+              <p:blipFill>
+                <a:blip r:embed="rId8"/>
+                <a:stretch>
+                  <a:fillRect/>
+                </a:stretch>
+              </p:blipFill>
+              <p:spPr>
+                <a:xfrm>
+                  <a:off x="1130298" y="3754572"/>
+                  <a:ext cx="202320" cy="154080"/>
+                </a:xfrm>
+                <a:prstGeom prst="rect">
+                  <a:avLst/>
+                </a:prstGeom>
+              </p:spPr>
+            </p:pic>
+          </mc:Fallback>
+        </mc:AlternateContent>
+        <mc:AlternateContent xmlns:mc="http://schemas.openxmlformats.org/markup-compatibility/2006">
+          <mc:Choice xmlns:p14="http://schemas.microsoft.com/office/powerpoint/2010/main" Requires="p14">
+            <p:contentPart p14:bwMode="auto" r:id="rId9">
+              <p14:nvContentPartPr>
+                <p14:cNvPr id="7" name="Freihand 6">
+                  <a:extLst>
+                    <a:ext uri="{FF2B5EF4-FFF2-40B4-BE49-F238E27FC236}">
+                      <a16:creationId xmlns:a16="http://schemas.microsoft.com/office/drawing/2014/main" id="{BE9D69B1-7D8E-EADF-942B-6682C7F9558B}"/>
+                    </a:ext>
+                  </a:extLst>
+                </p14:cNvPr>
+                <p14:cNvContentPartPr/>
+                <p14:nvPr/>
+              </p14:nvContentPartPr>
+              <p14:xfrm>
+                <a:off x="1129218" y="3721812"/>
+                <a:ext cx="174240" cy="36000"/>
+              </p14:xfrm>
+            </p:contentPart>
+          </mc:Choice>
+          <mc:Fallback>
+            <p:pic>
+              <p:nvPicPr>
+                <p:cNvPr id="7" name="Freihand 6">
+                  <a:extLst>
+                    <a:ext uri="{FF2B5EF4-FFF2-40B4-BE49-F238E27FC236}">
+                      <a16:creationId xmlns:a16="http://schemas.microsoft.com/office/drawing/2014/main" id="{BE9D69B1-7D8E-EADF-942B-6682C7F9558B}"/>
+                    </a:ext>
+                  </a:extLst>
+                </p:cNvPr>
+                <p:cNvPicPr/>
+                <p:nvPr/>
+              </p:nvPicPr>
+              <p:blipFill>
+                <a:blip r:embed="rId10"/>
+                <a:stretch>
+                  <a:fillRect/>
+                </a:stretch>
+              </p:blipFill>
+              <p:spPr>
+                <a:xfrm>
+                  <a:off x="1111578" y="3703812"/>
+                  <a:ext cx="209880" cy="71640"/>
+                </a:xfrm>
+                <a:prstGeom prst="rect">
+                  <a:avLst/>
+                </a:prstGeom>
+              </p:spPr>
+            </p:pic>
+          </mc:Fallback>
+        </mc:AlternateContent>
+        <mc:AlternateContent xmlns:mc="http://schemas.openxmlformats.org/markup-compatibility/2006">
+          <mc:Choice xmlns:p14="http://schemas.microsoft.com/office/powerpoint/2010/main" Requires="p14">
+            <p:contentPart p14:bwMode="auto" r:id="rId11">
+              <p14:nvContentPartPr>
+                <p14:cNvPr id="8" name="Freihand 7">
+                  <a:extLst>
+                    <a:ext uri="{FF2B5EF4-FFF2-40B4-BE49-F238E27FC236}">
+                      <a16:creationId xmlns:a16="http://schemas.microsoft.com/office/drawing/2014/main" id="{9FED3B46-AE7D-E968-B61D-F2CB8CB9F4DB}"/>
+                    </a:ext>
+                  </a:extLst>
+                </p14:cNvPr>
+                <p14:cNvContentPartPr/>
+                <p14:nvPr/>
+              </p14:nvContentPartPr>
+              <p14:xfrm>
+                <a:off x="1155858" y="3579612"/>
+                <a:ext cx="149400" cy="135000"/>
+              </p14:xfrm>
+            </p:contentPart>
+          </mc:Choice>
+          <mc:Fallback>
+            <p:pic>
+              <p:nvPicPr>
+                <p:cNvPr id="8" name="Freihand 7">
+                  <a:extLst>
+                    <a:ext uri="{FF2B5EF4-FFF2-40B4-BE49-F238E27FC236}">
+                      <a16:creationId xmlns:a16="http://schemas.microsoft.com/office/drawing/2014/main" id="{9FED3B46-AE7D-E968-B61D-F2CB8CB9F4DB}"/>
+                    </a:ext>
+                  </a:extLst>
+                </p:cNvPr>
+                <p:cNvPicPr/>
+                <p:nvPr/>
+              </p:nvPicPr>
+              <p:blipFill>
+                <a:blip r:embed="rId12"/>
+                <a:stretch>
+                  <a:fillRect/>
+                </a:stretch>
+              </p:blipFill>
+              <p:spPr>
+                <a:xfrm>
+                  <a:off x="1137858" y="3561612"/>
+                  <a:ext cx="185040" cy="170640"/>
+                </a:xfrm>
+                <a:prstGeom prst="rect">
+                  <a:avLst/>
+                </a:prstGeom>
+              </p:spPr>
+            </p:pic>
+          </mc:Fallback>
+        </mc:AlternateContent>
+        <mc:AlternateContent xmlns:mc="http://schemas.openxmlformats.org/markup-compatibility/2006">
+          <mc:Choice xmlns:p14="http://schemas.microsoft.com/office/powerpoint/2010/main" Requires="p14">
+            <p:contentPart p14:bwMode="auto" r:id="rId13">
+              <p14:nvContentPartPr>
+                <p14:cNvPr id="9" name="Freihand 8">
+                  <a:extLst>
+                    <a:ext uri="{FF2B5EF4-FFF2-40B4-BE49-F238E27FC236}">
+                      <a16:creationId xmlns:a16="http://schemas.microsoft.com/office/drawing/2014/main" id="{B97932FC-076C-F030-0902-73E8C6C9C42A}"/>
+                    </a:ext>
+                  </a:extLst>
+                </p14:cNvPr>
+                <p14:cNvContentPartPr/>
+                <p14:nvPr/>
+              </p14:nvContentPartPr>
+              <p14:xfrm>
+                <a:off x="1176378" y="3380532"/>
+                <a:ext cx="146160" cy="153720"/>
+              </p14:xfrm>
+            </p:contentPart>
+          </mc:Choice>
+          <mc:Fallback>
+            <p:pic>
+              <p:nvPicPr>
+                <p:cNvPr id="9" name="Freihand 8">
+                  <a:extLst>
+                    <a:ext uri="{FF2B5EF4-FFF2-40B4-BE49-F238E27FC236}">
+                      <a16:creationId xmlns:a16="http://schemas.microsoft.com/office/drawing/2014/main" id="{B97932FC-076C-F030-0902-73E8C6C9C42A}"/>
+                    </a:ext>
+                  </a:extLst>
+                </p:cNvPr>
+                <p:cNvPicPr/>
+                <p:nvPr/>
+              </p:nvPicPr>
+              <p:blipFill>
+                <a:blip r:embed="rId14"/>
+                <a:stretch>
+                  <a:fillRect/>
+                </a:stretch>
+              </p:blipFill>
+              <p:spPr>
+                <a:xfrm>
+                  <a:off x="1158378" y="3362892"/>
+                  <a:ext cx="181800" cy="189360"/>
+                </a:xfrm>
+                <a:prstGeom prst="rect">
+                  <a:avLst/>
+                </a:prstGeom>
+              </p:spPr>
+            </p:pic>
+          </mc:Fallback>
+        </mc:AlternateContent>
+        <mc:AlternateContent xmlns:mc="http://schemas.openxmlformats.org/markup-compatibility/2006">
+          <mc:Choice xmlns:p14="http://schemas.microsoft.com/office/powerpoint/2010/main" Requires="p14">
+            <p:contentPart p14:bwMode="auto" r:id="rId15">
+              <p14:nvContentPartPr>
+                <p14:cNvPr id="10" name="Freihand 9">
+                  <a:extLst>
+                    <a:ext uri="{FF2B5EF4-FFF2-40B4-BE49-F238E27FC236}">
+                      <a16:creationId xmlns:a16="http://schemas.microsoft.com/office/drawing/2014/main" id="{D25C57FD-4D42-889C-07BD-217C9DA22C63}"/>
+                    </a:ext>
+                  </a:extLst>
+                </p14:cNvPr>
+                <p14:cNvContentPartPr/>
+                <p14:nvPr/>
+              </p14:nvContentPartPr>
+              <p14:xfrm>
+                <a:off x="1125618" y="3297372"/>
+                <a:ext cx="231840" cy="52200"/>
+              </p14:xfrm>
+            </p:contentPart>
+          </mc:Choice>
+          <mc:Fallback>
+            <p:pic>
+              <p:nvPicPr>
+                <p:cNvPr id="10" name="Freihand 9">
+                  <a:extLst>
+                    <a:ext uri="{FF2B5EF4-FFF2-40B4-BE49-F238E27FC236}">
+                      <a16:creationId xmlns:a16="http://schemas.microsoft.com/office/drawing/2014/main" id="{D25C57FD-4D42-889C-07BD-217C9DA22C63}"/>
+                    </a:ext>
+                  </a:extLst>
+                </p:cNvPr>
+                <p:cNvPicPr/>
+                <p:nvPr/>
+              </p:nvPicPr>
+              <p:blipFill>
+                <a:blip r:embed="rId16"/>
+                <a:stretch>
+                  <a:fillRect/>
+                </a:stretch>
+              </p:blipFill>
+              <p:spPr>
+                <a:xfrm>
+                  <a:off x="1107618" y="3279372"/>
+                  <a:ext cx="267480" cy="87840"/>
+                </a:xfrm>
+                <a:prstGeom prst="rect">
+                  <a:avLst/>
+                </a:prstGeom>
+              </p:spPr>
+            </p:pic>
+          </mc:Fallback>
+        </mc:AlternateContent>
+        <mc:AlternateContent xmlns:mc="http://schemas.openxmlformats.org/markup-compatibility/2006">
+          <mc:Choice xmlns:p14="http://schemas.microsoft.com/office/powerpoint/2010/main" Requires="p14">
+            <p:contentPart p14:bwMode="auto" r:id="rId17">
+              <p14:nvContentPartPr>
+                <p14:cNvPr id="11" name="Freihand 10">
+                  <a:extLst>
+                    <a:ext uri="{FF2B5EF4-FFF2-40B4-BE49-F238E27FC236}">
+                      <a16:creationId xmlns:a16="http://schemas.microsoft.com/office/drawing/2014/main" id="{B98A0EDA-5E44-996A-3717-341BA0610088}"/>
+                    </a:ext>
+                  </a:extLst>
+                </p14:cNvPr>
+                <p14:cNvContentPartPr/>
+                <p14:nvPr/>
+              </p14:nvContentPartPr>
+              <p14:xfrm>
+                <a:off x="1227498" y="3309972"/>
+                <a:ext cx="49680" cy="124200"/>
+              </p14:xfrm>
+            </p:contentPart>
+          </mc:Choice>
+          <mc:Fallback>
+            <p:pic>
+              <p:nvPicPr>
+                <p:cNvPr id="11" name="Freihand 10">
+                  <a:extLst>
+                    <a:ext uri="{FF2B5EF4-FFF2-40B4-BE49-F238E27FC236}">
+                      <a16:creationId xmlns:a16="http://schemas.microsoft.com/office/drawing/2014/main" id="{B98A0EDA-5E44-996A-3717-341BA0610088}"/>
+                    </a:ext>
+                  </a:extLst>
+                </p:cNvPr>
+                <p:cNvPicPr/>
+                <p:nvPr/>
+              </p:nvPicPr>
+              <p:blipFill>
+                <a:blip r:embed="rId18"/>
+                <a:stretch>
+                  <a:fillRect/>
+                </a:stretch>
+              </p:blipFill>
+              <p:spPr>
+                <a:xfrm>
+                  <a:off x="1209498" y="3291972"/>
+                  <a:ext cx="85320" cy="159840"/>
+                </a:xfrm>
+                <a:prstGeom prst="rect">
+                  <a:avLst/>
+                </a:prstGeom>
+              </p:spPr>
+            </p:pic>
+          </mc:Fallback>
+        </mc:AlternateContent>
+        <mc:AlternateContent xmlns:mc="http://schemas.openxmlformats.org/markup-compatibility/2006">
+          <mc:Choice xmlns:p14="http://schemas.microsoft.com/office/powerpoint/2010/main" Requires="p14">
+            <p:contentPart p14:bwMode="auto" r:id="rId19">
+              <p14:nvContentPartPr>
+                <p14:cNvPr id="12" name="Freihand 11">
+                  <a:extLst>
+                    <a:ext uri="{FF2B5EF4-FFF2-40B4-BE49-F238E27FC236}">
+                      <a16:creationId xmlns:a16="http://schemas.microsoft.com/office/drawing/2014/main" id="{3FE7BA6B-D7E5-333B-5972-CE9942CDCBAA}"/>
+                    </a:ext>
+                  </a:extLst>
+                </p14:cNvPr>
+                <p14:cNvContentPartPr/>
+                <p14:nvPr/>
+              </p14:nvContentPartPr>
+              <p14:xfrm>
+                <a:off x="1230738" y="3233652"/>
+                <a:ext cx="120600" cy="40320"/>
+              </p14:xfrm>
+            </p:contentPart>
+          </mc:Choice>
+          <mc:Fallback>
+            <p:pic>
+              <p:nvPicPr>
+                <p:cNvPr id="12" name="Freihand 11">
+                  <a:extLst>
+                    <a:ext uri="{FF2B5EF4-FFF2-40B4-BE49-F238E27FC236}">
+                      <a16:creationId xmlns:a16="http://schemas.microsoft.com/office/drawing/2014/main" id="{3FE7BA6B-D7E5-333B-5972-CE9942CDCBAA}"/>
+                    </a:ext>
+                  </a:extLst>
+                </p:cNvPr>
+                <p:cNvPicPr/>
+                <p:nvPr/>
+              </p:nvPicPr>
+              <p:blipFill>
+                <a:blip r:embed="rId20"/>
+                <a:stretch>
+                  <a:fillRect/>
+                </a:stretch>
+              </p:blipFill>
+              <p:spPr>
+                <a:xfrm>
+                  <a:off x="1213098" y="3215652"/>
+                  <a:ext cx="156240" cy="75960"/>
+                </a:xfrm>
+                <a:prstGeom prst="rect">
+                  <a:avLst/>
+                </a:prstGeom>
+              </p:spPr>
+            </p:pic>
+          </mc:Fallback>
+        </mc:AlternateContent>
+        <mc:AlternateContent xmlns:mc="http://schemas.openxmlformats.org/markup-compatibility/2006">
+          <mc:Choice xmlns:p14="http://schemas.microsoft.com/office/powerpoint/2010/main" Requires="p14">
+            <p:contentPart p14:bwMode="auto" r:id="rId21">
+              <p14:nvContentPartPr>
+                <p14:cNvPr id="13" name="Freihand 12">
+                  <a:extLst>
+                    <a:ext uri="{FF2B5EF4-FFF2-40B4-BE49-F238E27FC236}">
+                      <a16:creationId xmlns:a16="http://schemas.microsoft.com/office/drawing/2014/main" id="{F298565C-5835-BCB9-683B-A33704E28166}"/>
+                    </a:ext>
+                  </a:extLst>
+                </p14:cNvPr>
+                <p14:cNvContentPartPr/>
+                <p14:nvPr/>
+              </p14:nvContentPartPr>
+              <p14:xfrm>
+                <a:off x="1131018" y="3214932"/>
+                <a:ext cx="11160" cy="23760"/>
+              </p14:xfrm>
+            </p:contentPart>
+          </mc:Choice>
+          <mc:Fallback>
+            <p:pic>
+              <p:nvPicPr>
+                <p:cNvPr id="13" name="Freihand 12">
+                  <a:extLst>
+                    <a:ext uri="{FF2B5EF4-FFF2-40B4-BE49-F238E27FC236}">
+                      <a16:creationId xmlns:a16="http://schemas.microsoft.com/office/drawing/2014/main" id="{F298565C-5835-BCB9-683B-A33704E28166}"/>
+                    </a:ext>
+                  </a:extLst>
+                </p:cNvPr>
+                <p:cNvPicPr/>
+                <p:nvPr/>
+              </p:nvPicPr>
+              <p:blipFill>
+                <a:blip r:embed="rId22"/>
+                <a:stretch>
+                  <a:fillRect/>
+                </a:stretch>
+              </p:blipFill>
+              <p:spPr>
+                <a:xfrm>
+                  <a:off x="1113378" y="3196932"/>
+                  <a:ext cx="46800" cy="59400"/>
+                </a:xfrm>
+                <a:prstGeom prst="rect">
+                  <a:avLst/>
+                </a:prstGeom>
+              </p:spPr>
+            </p:pic>
+          </mc:Fallback>
+        </mc:AlternateContent>
+        <mc:AlternateContent xmlns:mc="http://schemas.openxmlformats.org/markup-compatibility/2006">
+          <mc:Choice xmlns:p14="http://schemas.microsoft.com/office/powerpoint/2010/main" Requires="p14">
+            <p:contentPart p14:bwMode="auto" r:id="rId23">
+              <p14:nvContentPartPr>
+                <p14:cNvPr id="14" name="Freihand 13">
+                  <a:extLst>
+                    <a:ext uri="{FF2B5EF4-FFF2-40B4-BE49-F238E27FC236}">
+                      <a16:creationId xmlns:a16="http://schemas.microsoft.com/office/drawing/2014/main" id="{E3102A07-5790-A4BC-AA35-D85B81A7B234}"/>
+                    </a:ext>
+                  </a:extLst>
+                </p14:cNvPr>
+                <p14:cNvContentPartPr/>
+                <p14:nvPr/>
+              </p14:nvContentPartPr>
+              <p14:xfrm>
+                <a:off x="1196538" y="3096852"/>
+                <a:ext cx="138240" cy="158040"/>
+              </p14:xfrm>
+            </p:contentPart>
+          </mc:Choice>
+          <mc:Fallback>
+            <p:pic>
+              <p:nvPicPr>
+                <p:cNvPr id="14" name="Freihand 13">
+                  <a:extLst>
+                    <a:ext uri="{FF2B5EF4-FFF2-40B4-BE49-F238E27FC236}">
+                      <a16:creationId xmlns:a16="http://schemas.microsoft.com/office/drawing/2014/main" id="{E3102A07-5790-A4BC-AA35-D85B81A7B234}"/>
+                    </a:ext>
+                  </a:extLst>
+                </p:cNvPr>
+                <p:cNvPicPr/>
+                <p:nvPr/>
+              </p:nvPicPr>
+              <p:blipFill>
+                <a:blip r:embed="rId24"/>
+                <a:stretch>
+                  <a:fillRect/>
+                </a:stretch>
+              </p:blipFill>
+              <p:spPr>
+                <a:xfrm>
+                  <a:off x="1178538" y="3078852"/>
+                  <a:ext cx="173880" cy="193680"/>
+                </a:xfrm>
+                <a:prstGeom prst="rect">
+                  <a:avLst/>
+                </a:prstGeom>
+              </p:spPr>
+            </p:pic>
+          </mc:Fallback>
+        </mc:AlternateContent>
+        <mc:AlternateContent xmlns:mc="http://schemas.openxmlformats.org/markup-compatibility/2006">
+          <mc:Choice xmlns:p14="http://schemas.microsoft.com/office/powerpoint/2010/main" Requires="p14">
+            <p:contentPart p14:bwMode="auto" r:id="rId25">
+              <p14:nvContentPartPr>
+                <p14:cNvPr id="17" name="Freihand 16">
+                  <a:extLst>
+                    <a:ext uri="{FF2B5EF4-FFF2-40B4-BE49-F238E27FC236}">
+                      <a16:creationId xmlns:a16="http://schemas.microsoft.com/office/drawing/2014/main" id="{DF51A875-F9AC-1D03-BBE3-E553B8EFB010}"/>
+                    </a:ext>
+                  </a:extLst>
+                </p14:cNvPr>
+                <p14:cNvContentPartPr/>
+                <p14:nvPr/>
+              </p14:nvContentPartPr>
+              <p14:xfrm>
+                <a:off x="1414338" y="3923772"/>
+                <a:ext cx="166320" cy="113760"/>
+              </p14:xfrm>
+            </p:contentPart>
+          </mc:Choice>
+          <mc:Fallback>
+            <p:pic>
+              <p:nvPicPr>
+                <p:cNvPr id="17" name="Freihand 16">
+                  <a:extLst>
+                    <a:ext uri="{FF2B5EF4-FFF2-40B4-BE49-F238E27FC236}">
+                      <a16:creationId xmlns:a16="http://schemas.microsoft.com/office/drawing/2014/main" id="{DF51A875-F9AC-1D03-BBE3-E553B8EFB010}"/>
+                    </a:ext>
+                  </a:extLst>
+                </p:cNvPr>
+                <p:cNvPicPr/>
+                <p:nvPr/>
+              </p:nvPicPr>
+              <p:blipFill>
+                <a:blip r:embed="rId26"/>
+                <a:stretch>
+                  <a:fillRect/>
+                </a:stretch>
+              </p:blipFill>
+              <p:spPr>
+                <a:xfrm>
+                  <a:off x="1396338" y="3906132"/>
+                  <a:ext cx="201960" cy="149400"/>
+                </a:xfrm>
+                <a:prstGeom prst="rect">
+                  <a:avLst/>
+                </a:prstGeom>
+              </p:spPr>
+            </p:pic>
+          </mc:Fallback>
+        </mc:AlternateContent>
+        <mc:AlternateContent xmlns:mc="http://schemas.openxmlformats.org/markup-compatibility/2006">
+          <mc:Choice xmlns:p14="http://schemas.microsoft.com/office/powerpoint/2010/main" Requires="p14">
+            <p:contentPart p14:bwMode="auto" r:id="rId27">
+              <p14:nvContentPartPr>
+                <p14:cNvPr id="21" name="Freihand 20">
+                  <a:extLst>
+                    <a:ext uri="{FF2B5EF4-FFF2-40B4-BE49-F238E27FC236}">
+                      <a16:creationId xmlns:a16="http://schemas.microsoft.com/office/drawing/2014/main" id="{5B15EEBC-1F6A-040D-38D6-8F2CE52B552E}"/>
+                    </a:ext>
+                  </a:extLst>
+                </p14:cNvPr>
+                <p14:cNvContentPartPr/>
+                <p14:nvPr/>
+              </p14:nvContentPartPr>
+              <p14:xfrm>
+                <a:off x="1449618" y="3804972"/>
+                <a:ext cx="146520" cy="122040"/>
+              </p14:xfrm>
+            </p:contentPart>
+          </mc:Choice>
+          <mc:Fallback>
+            <p:pic>
+              <p:nvPicPr>
+                <p:cNvPr id="21" name="Freihand 20">
+                  <a:extLst>
+                    <a:ext uri="{FF2B5EF4-FFF2-40B4-BE49-F238E27FC236}">
+                      <a16:creationId xmlns:a16="http://schemas.microsoft.com/office/drawing/2014/main" id="{5B15EEBC-1F6A-040D-38D6-8F2CE52B552E}"/>
+                    </a:ext>
+                  </a:extLst>
+                </p:cNvPr>
+                <p:cNvPicPr/>
+                <p:nvPr/>
+              </p:nvPicPr>
+              <p:blipFill>
+                <a:blip r:embed="rId28"/>
+                <a:stretch>
+                  <a:fillRect/>
+                </a:stretch>
+              </p:blipFill>
+              <p:spPr>
+                <a:xfrm>
+                  <a:off x="1431978" y="3786972"/>
+                  <a:ext cx="182160" cy="157680"/>
+                </a:xfrm>
+                <a:prstGeom prst="rect">
+                  <a:avLst/>
+                </a:prstGeom>
+              </p:spPr>
+            </p:pic>
+          </mc:Fallback>
+        </mc:AlternateContent>
+        <mc:AlternateContent xmlns:mc="http://schemas.openxmlformats.org/markup-compatibility/2006">
+          <mc:Choice xmlns:p14="http://schemas.microsoft.com/office/powerpoint/2010/main" Requires="p14">
+            <p:contentPart p14:bwMode="auto" r:id="rId29">
+              <p14:nvContentPartPr>
+                <p14:cNvPr id="23" name="Freihand 22">
+                  <a:extLst>
+                    <a:ext uri="{FF2B5EF4-FFF2-40B4-BE49-F238E27FC236}">
+                      <a16:creationId xmlns:a16="http://schemas.microsoft.com/office/drawing/2014/main" id="{C0B6B350-8906-0B9C-8D26-40D37E2818FA}"/>
+                    </a:ext>
+                  </a:extLst>
+                </p14:cNvPr>
+                <p14:cNvContentPartPr/>
+                <p14:nvPr/>
+              </p14:nvContentPartPr>
+              <p14:xfrm>
+                <a:off x="1464378" y="3670332"/>
+                <a:ext cx="133560" cy="124560"/>
+              </p14:xfrm>
+            </p:contentPart>
+          </mc:Choice>
+          <mc:Fallback>
+            <p:pic>
+              <p:nvPicPr>
+                <p:cNvPr id="23" name="Freihand 22">
+                  <a:extLst>
+                    <a:ext uri="{FF2B5EF4-FFF2-40B4-BE49-F238E27FC236}">
+                      <a16:creationId xmlns:a16="http://schemas.microsoft.com/office/drawing/2014/main" id="{C0B6B350-8906-0B9C-8D26-40D37E2818FA}"/>
+                    </a:ext>
+                  </a:extLst>
+                </p:cNvPr>
+                <p:cNvPicPr/>
+                <p:nvPr/>
+              </p:nvPicPr>
+              <p:blipFill>
+                <a:blip r:embed="rId30"/>
+                <a:stretch>
+                  <a:fillRect/>
+                </a:stretch>
+              </p:blipFill>
+              <p:spPr>
+                <a:xfrm>
+                  <a:off x="1446378" y="3652332"/>
+                  <a:ext cx="169200" cy="160200"/>
+                </a:xfrm>
+                <a:prstGeom prst="rect">
+                  <a:avLst/>
+                </a:prstGeom>
+              </p:spPr>
+            </p:pic>
+          </mc:Fallback>
+        </mc:AlternateContent>
+        <mc:AlternateContent xmlns:mc="http://schemas.openxmlformats.org/markup-compatibility/2006">
+          <mc:Choice xmlns:p14="http://schemas.microsoft.com/office/powerpoint/2010/main" Requires="p14">
+            <p:contentPart p14:bwMode="auto" r:id="rId31">
+              <p14:nvContentPartPr>
+                <p14:cNvPr id="24" name="Freihand 23">
+                  <a:extLst>
+                    <a:ext uri="{FF2B5EF4-FFF2-40B4-BE49-F238E27FC236}">
+                      <a16:creationId xmlns:a16="http://schemas.microsoft.com/office/drawing/2014/main" id="{B4AE60B6-2C0D-621B-F5BC-112407DAE490}"/>
+                    </a:ext>
+                  </a:extLst>
+                </p14:cNvPr>
+                <p14:cNvContentPartPr/>
+                <p14:nvPr/>
+              </p14:nvContentPartPr>
+              <p14:xfrm>
+                <a:off x="1408938" y="3502932"/>
+                <a:ext cx="255240" cy="105120"/>
+              </p14:xfrm>
+            </p:contentPart>
+          </mc:Choice>
+          <mc:Fallback>
+            <p:pic>
+              <p:nvPicPr>
+                <p:cNvPr id="24" name="Freihand 23">
+                  <a:extLst>
+                    <a:ext uri="{FF2B5EF4-FFF2-40B4-BE49-F238E27FC236}">
+                      <a16:creationId xmlns:a16="http://schemas.microsoft.com/office/drawing/2014/main" id="{B4AE60B6-2C0D-621B-F5BC-112407DAE490}"/>
+                    </a:ext>
+                  </a:extLst>
+                </p:cNvPr>
+                <p:cNvPicPr/>
+                <p:nvPr/>
+              </p:nvPicPr>
+              <p:blipFill>
+                <a:blip r:embed="rId32"/>
+                <a:stretch>
+                  <a:fillRect/>
+                </a:stretch>
+              </p:blipFill>
+              <p:spPr>
+                <a:xfrm>
+                  <a:off x="1390938" y="3484932"/>
+                  <a:ext cx="290880" cy="140760"/>
+                </a:xfrm>
+                <a:prstGeom prst="rect">
+                  <a:avLst/>
+                </a:prstGeom>
+              </p:spPr>
+            </p:pic>
+          </mc:Fallback>
+        </mc:AlternateContent>
+        <mc:AlternateContent xmlns:mc="http://schemas.openxmlformats.org/markup-compatibility/2006">
+          <mc:Choice xmlns:p14="http://schemas.microsoft.com/office/powerpoint/2010/main" Requires="p14">
+            <p:contentPart p14:bwMode="auto" r:id="rId33">
+              <p14:nvContentPartPr>
+                <p14:cNvPr id="25" name="Freihand 24">
+                  <a:extLst>
+                    <a:ext uri="{FF2B5EF4-FFF2-40B4-BE49-F238E27FC236}">
+                      <a16:creationId xmlns:a16="http://schemas.microsoft.com/office/drawing/2014/main" id="{0552745E-DDD7-D756-88DC-10D30513679E}"/>
+                    </a:ext>
+                  </a:extLst>
+                </p14:cNvPr>
+                <p14:cNvContentPartPr/>
+                <p14:nvPr/>
+              </p14:nvContentPartPr>
+              <p14:xfrm>
+                <a:off x="1533858" y="3522732"/>
+                <a:ext cx="35280" cy="138240"/>
+              </p14:xfrm>
+            </p:contentPart>
+          </mc:Choice>
+          <mc:Fallback>
+            <p:pic>
+              <p:nvPicPr>
+                <p:cNvPr id="25" name="Freihand 24">
+                  <a:extLst>
+                    <a:ext uri="{FF2B5EF4-FFF2-40B4-BE49-F238E27FC236}">
+                      <a16:creationId xmlns:a16="http://schemas.microsoft.com/office/drawing/2014/main" id="{0552745E-DDD7-D756-88DC-10D30513679E}"/>
+                    </a:ext>
+                  </a:extLst>
+                </p:cNvPr>
+                <p:cNvPicPr/>
+                <p:nvPr/>
+              </p:nvPicPr>
+              <p:blipFill>
+                <a:blip r:embed="rId34"/>
+                <a:stretch>
+                  <a:fillRect/>
+                </a:stretch>
+              </p:blipFill>
+              <p:spPr>
+                <a:xfrm>
+                  <a:off x="1516218" y="3505092"/>
+                  <a:ext cx="70920" cy="173880"/>
+                </a:xfrm>
+                <a:prstGeom prst="rect">
+                  <a:avLst/>
+                </a:prstGeom>
+              </p:spPr>
+            </p:pic>
+          </mc:Fallback>
+        </mc:AlternateContent>
+        <mc:AlternateContent xmlns:mc="http://schemas.openxmlformats.org/markup-compatibility/2006">
+          <mc:Choice xmlns:p14="http://schemas.microsoft.com/office/powerpoint/2010/main" Requires="p14">
+            <p:contentPart p14:bwMode="auto" r:id="rId35">
+              <p14:nvContentPartPr>
+                <p14:cNvPr id="26" name="Freihand 25">
+                  <a:extLst>
+                    <a:ext uri="{FF2B5EF4-FFF2-40B4-BE49-F238E27FC236}">
+                      <a16:creationId xmlns:a16="http://schemas.microsoft.com/office/drawing/2014/main" id="{EAE8CCA8-594A-1D4F-9E87-453B932C94CB}"/>
+                    </a:ext>
+                  </a:extLst>
+                </p14:cNvPr>
+                <p14:cNvContentPartPr/>
+                <p14:nvPr/>
+              </p14:nvContentPartPr>
+              <p14:xfrm>
+                <a:off x="1438458" y="3407172"/>
+                <a:ext cx="268560" cy="100440"/>
+              </p14:xfrm>
+            </p:contentPart>
+          </mc:Choice>
+          <mc:Fallback>
+            <p:pic>
+              <p:nvPicPr>
+                <p:cNvPr id="26" name="Freihand 25">
+                  <a:extLst>
+                    <a:ext uri="{FF2B5EF4-FFF2-40B4-BE49-F238E27FC236}">
+                      <a16:creationId xmlns:a16="http://schemas.microsoft.com/office/drawing/2014/main" id="{EAE8CCA8-594A-1D4F-9E87-453B932C94CB}"/>
+                    </a:ext>
+                  </a:extLst>
+                </p:cNvPr>
+                <p:cNvPicPr/>
+                <p:nvPr/>
+              </p:nvPicPr>
+              <p:blipFill>
+                <a:blip r:embed="rId36"/>
+                <a:stretch>
+                  <a:fillRect/>
+                </a:stretch>
+              </p:blipFill>
+              <p:spPr>
+                <a:xfrm>
+                  <a:off x="1420818" y="3389532"/>
+                  <a:ext cx="304200" cy="136080"/>
+                </a:xfrm>
+                <a:prstGeom prst="rect">
+                  <a:avLst/>
+                </a:prstGeom>
+              </p:spPr>
+            </p:pic>
+          </mc:Fallback>
+        </mc:AlternateContent>
+        <mc:AlternateContent xmlns:mc="http://schemas.openxmlformats.org/markup-compatibility/2006">
+          <mc:Choice xmlns:p14="http://schemas.microsoft.com/office/powerpoint/2010/main" Requires="p14">
+            <p:contentPart p14:bwMode="auto" r:id="rId37">
+              <p14:nvContentPartPr>
+                <p14:cNvPr id="27" name="Freihand 26">
+                  <a:extLst>
+                    <a:ext uri="{FF2B5EF4-FFF2-40B4-BE49-F238E27FC236}">
+                      <a16:creationId xmlns:a16="http://schemas.microsoft.com/office/drawing/2014/main" id="{EE3D24E1-D05F-9A54-186C-24C8C92278E8}"/>
+                    </a:ext>
+                  </a:extLst>
+                </p14:cNvPr>
+                <p14:cNvContentPartPr/>
+                <p14:nvPr/>
+              </p14:nvContentPartPr>
+              <p14:xfrm>
+                <a:off x="1555458" y="3450732"/>
+                <a:ext cx="52920" cy="97560"/>
+              </p14:xfrm>
+            </p:contentPart>
+          </mc:Choice>
+          <mc:Fallback>
+            <p:pic>
+              <p:nvPicPr>
+                <p:cNvPr id="27" name="Freihand 26">
+                  <a:extLst>
+                    <a:ext uri="{FF2B5EF4-FFF2-40B4-BE49-F238E27FC236}">
+                      <a16:creationId xmlns:a16="http://schemas.microsoft.com/office/drawing/2014/main" id="{EE3D24E1-D05F-9A54-186C-24C8C92278E8}"/>
+                    </a:ext>
+                  </a:extLst>
+                </p:cNvPr>
+                <p:cNvPicPr/>
+                <p:nvPr/>
+              </p:nvPicPr>
+              <p:blipFill>
+                <a:blip r:embed="rId38"/>
+                <a:stretch>
+                  <a:fillRect/>
+                </a:stretch>
+              </p:blipFill>
+              <p:spPr>
+                <a:xfrm>
+                  <a:off x="1537458" y="3433092"/>
+                  <a:ext cx="88560" cy="133200"/>
+                </a:xfrm>
+                <a:prstGeom prst="rect">
+                  <a:avLst/>
+                </a:prstGeom>
+              </p:spPr>
+            </p:pic>
+          </mc:Fallback>
+        </mc:AlternateContent>
+        <mc:AlternateContent xmlns:mc="http://schemas.openxmlformats.org/markup-compatibility/2006">
+          <mc:Choice xmlns:p14="http://schemas.microsoft.com/office/powerpoint/2010/main" Requires="p14">
+            <p:contentPart p14:bwMode="auto" r:id="rId39">
+              <p14:nvContentPartPr>
+                <p14:cNvPr id="28" name="Freihand 27">
+                  <a:extLst>
+                    <a:ext uri="{FF2B5EF4-FFF2-40B4-BE49-F238E27FC236}">
+                      <a16:creationId xmlns:a16="http://schemas.microsoft.com/office/drawing/2014/main" id="{B33F4B8A-070F-7FB3-A619-04EB6F6E14FF}"/>
+                    </a:ext>
+                  </a:extLst>
+                </p14:cNvPr>
+                <p14:cNvContentPartPr/>
+                <p14:nvPr/>
+              </p14:nvContentPartPr>
+              <p14:xfrm>
+                <a:off x="1555098" y="3374412"/>
+                <a:ext cx="100080" cy="42480"/>
+              </p14:xfrm>
+            </p:contentPart>
+          </mc:Choice>
+          <mc:Fallback>
+            <p:pic>
+              <p:nvPicPr>
+                <p:cNvPr id="28" name="Freihand 27">
+                  <a:extLst>
+                    <a:ext uri="{FF2B5EF4-FFF2-40B4-BE49-F238E27FC236}">
+                      <a16:creationId xmlns:a16="http://schemas.microsoft.com/office/drawing/2014/main" id="{B33F4B8A-070F-7FB3-A619-04EB6F6E14FF}"/>
+                    </a:ext>
+                  </a:extLst>
+                </p:cNvPr>
+                <p:cNvPicPr/>
+                <p:nvPr/>
+              </p:nvPicPr>
+              <p:blipFill>
+                <a:blip r:embed="rId40"/>
+                <a:stretch>
+                  <a:fillRect/>
+                </a:stretch>
+              </p:blipFill>
+              <p:spPr>
+                <a:xfrm>
+                  <a:off x="1537098" y="3356772"/>
+                  <a:ext cx="135720" cy="78120"/>
+                </a:xfrm>
+                <a:prstGeom prst="rect">
+                  <a:avLst/>
+                </a:prstGeom>
+              </p:spPr>
+            </p:pic>
+          </mc:Fallback>
+        </mc:AlternateContent>
+        <mc:AlternateContent xmlns:mc="http://schemas.openxmlformats.org/markup-compatibility/2006">
+          <mc:Choice xmlns:p14="http://schemas.microsoft.com/office/powerpoint/2010/main" Requires="p14">
+            <p:contentPart p14:bwMode="auto" r:id="rId41">
+              <p14:nvContentPartPr>
+                <p14:cNvPr id="29" name="Freihand 28">
+                  <a:extLst>
+                    <a:ext uri="{FF2B5EF4-FFF2-40B4-BE49-F238E27FC236}">
+                      <a16:creationId xmlns:a16="http://schemas.microsoft.com/office/drawing/2014/main" id="{9B109B4E-C08F-67C4-BAC1-19BC3A37A44C}"/>
+                    </a:ext>
+                  </a:extLst>
+                </p14:cNvPr>
+                <p14:cNvContentPartPr/>
+                <p14:nvPr/>
+              </p14:nvContentPartPr>
+              <p14:xfrm>
+                <a:off x="1431978" y="3371172"/>
+                <a:ext cx="11160" cy="17640"/>
+              </p14:xfrm>
+            </p:contentPart>
+          </mc:Choice>
+          <mc:Fallback>
+            <p:pic>
+              <p:nvPicPr>
+                <p:cNvPr id="29" name="Freihand 28">
+                  <a:extLst>
+                    <a:ext uri="{FF2B5EF4-FFF2-40B4-BE49-F238E27FC236}">
+                      <a16:creationId xmlns:a16="http://schemas.microsoft.com/office/drawing/2014/main" id="{9B109B4E-C08F-67C4-BAC1-19BC3A37A44C}"/>
+                    </a:ext>
+                  </a:extLst>
+                </p:cNvPr>
+                <p:cNvPicPr/>
+                <p:nvPr/>
+              </p:nvPicPr>
+              <p:blipFill>
+                <a:blip r:embed="rId42"/>
+                <a:stretch>
+                  <a:fillRect/>
+                </a:stretch>
+              </p:blipFill>
+              <p:spPr>
+                <a:xfrm>
+                  <a:off x="1414338" y="3353532"/>
+                  <a:ext cx="46800" cy="53280"/>
+                </a:xfrm>
+                <a:prstGeom prst="rect">
+                  <a:avLst/>
+                </a:prstGeom>
+              </p:spPr>
+            </p:pic>
+          </mc:Fallback>
+        </mc:AlternateContent>
+        <mc:AlternateContent xmlns:mc="http://schemas.openxmlformats.org/markup-compatibility/2006">
+          <mc:Choice xmlns:p14="http://schemas.microsoft.com/office/powerpoint/2010/main" Requires="p14">
+            <p:contentPart p14:bwMode="auto" r:id="rId43">
+              <p14:nvContentPartPr>
+                <p14:cNvPr id="30" name="Freihand 29">
+                  <a:extLst>
+                    <a:ext uri="{FF2B5EF4-FFF2-40B4-BE49-F238E27FC236}">
+                      <a16:creationId xmlns:a16="http://schemas.microsoft.com/office/drawing/2014/main" id="{C0ABF932-7C0C-151C-2A5E-DB2007D13D31}"/>
+                    </a:ext>
+                  </a:extLst>
+                </p14:cNvPr>
+                <p14:cNvContentPartPr/>
+                <p14:nvPr/>
+              </p14:nvContentPartPr>
+              <p14:xfrm>
+                <a:off x="1506498" y="3197652"/>
+                <a:ext cx="136800" cy="133560"/>
+              </p14:xfrm>
+            </p:contentPart>
+          </mc:Choice>
+          <mc:Fallback>
+            <p:pic>
+              <p:nvPicPr>
+                <p:cNvPr id="30" name="Freihand 29">
+                  <a:extLst>
+                    <a:ext uri="{FF2B5EF4-FFF2-40B4-BE49-F238E27FC236}">
+                      <a16:creationId xmlns:a16="http://schemas.microsoft.com/office/drawing/2014/main" id="{C0ABF932-7C0C-151C-2A5E-DB2007D13D31}"/>
+                    </a:ext>
+                  </a:extLst>
+                </p:cNvPr>
+                <p:cNvPicPr/>
+                <p:nvPr/>
+              </p:nvPicPr>
+              <p:blipFill>
+                <a:blip r:embed="rId44"/>
+                <a:stretch>
+                  <a:fillRect/>
+                </a:stretch>
+              </p:blipFill>
+              <p:spPr>
+                <a:xfrm>
+                  <a:off x="1488498" y="3179652"/>
+                  <a:ext cx="172440" cy="169200"/>
+                </a:xfrm>
+                <a:prstGeom prst="rect">
+                  <a:avLst/>
+                </a:prstGeom>
+              </p:spPr>
+            </p:pic>
+          </mc:Fallback>
+        </mc:AlternateContent>
+        <mc:AlternateContent xmlns:mc="http://schemas.openxmlformats.org/markup-compatibility/2006">
+          <mc:Choice xmlns:p14="http://schemas.microsoft.com/office/powerpoint/2010/main" Requires="p14">
+            <p:contentPart p14:bwMode="auto" r:id="rId45">
+              <p14:nvContentPartPr>
+                <p14:cNvPr id="35" name="Freihand 34">
+                  <a:extLst>
+                    <a:ext uri="{FF2B5EF4-FFF2-40B4-BE49-F238E27FC236}">
+                      <a16:creationId xmlns:a16="http://schemas.microsoft.com/office/drawing/2014/main" id="{B91E3E48-5AB0-5AF3-64BA-7345FFBB78AC}"/>
+                    </a:ext>
+                  </a:extLst>
+                </p14:cNvPr>
+                <p14:cNvContentPartPr/>
+                <p14:nvPr/>
+              </p14:nvContentPartPr>
+              <p14:xfrm>
+                <a:off x="1193658" y="2926212"/>
+                <a:ext cx="176400" cy="139680"/>
+              </p14:xfrm>
+            </p:contentPart>
+          </mc:Choice>
+          <mc:Fallback>
+            <p:pic>
+              <p:nvPicPr>
+                <p:cNvPr id="35" name="Freihand 34">
+                  <a:extLst>
+                    <a:ext uri="{FF2B5EF4-FFF2-40B4-BE49-F238E27FC236}">
+                      <a16:creationId xmlns:a16="http://schemas.microsoft.com/office/drawing/2014/main" id="{B91E3E48-5AB0-5AF3-64BA-7345FFBB78AC}"/>
+                    </a:ext>
+                  </a:extLst>
+                </p:cNvPr>
+                <p:cNvPicPr/>
+                <p:nvPr/>
+              </p:nvPicPr>
+              <p:blipFill>
+                <a:blip r:embed="rId46"/>
+                <a:stretch>
+                  <a:fillRect/>
+                </a:stretch>
+              </p:blipFill>
+              <p:spPr>
+                <a:xfrm>
+                  <a:off x="1175658" y="2908212"/>
+                  <a:ext cx="212040" cy="175320"/>
+                </a:xfrm>
+                <a:prstGeom prst="rect">
+                  <a:avLst/>
+                </a:prstGeom>
+              </p:spPr>
+            </p:pic>
+          </mc:Fallback>
+        </mc:AlternateContent>
+        <mc:AlternateContent xmlns:mc="http://schemas.openxmlformats.org/markup-compatibility/2006">
+          <mc:Choice xmlns:p14="http://schemas.microsoft.com/office/powerpoint/2010/main" Requires="p14">
+            <p:contentPart p14:bwMode="auto" r:id="rId47">
+              <p14:nvContentPartPr>
+                <p14:cNvPr id="37" name="Freihand 36">
+                  <a:extLst>
+                    <a:ext uri="{FF2B5EF4-FFF2-40B4-BE49-F238E27FC236}">
+                      <a16:creationId xmlns:a16="http://schemas.microsoft.com/office/drawing/2014/main" id="{48C741AA-FD6A-5F2A-5A1C-F5C8BFF65DA5}"/>
+                    </a:ext>
+                  </a:extLst>
+                </p14:cNvPr>
+                <p14:cNvContentPartPr/>
+                <p14:nvPr/>
+              </p14:nvContentPartPr>
+              <p14:xfrm>
+                <a:off x="1485618" y="3034212"/>
+                <a:ext cx="166680" cy="123120"/>
+              </p14:xfrm>
+            </p:contentPart>
+          </mc:Choice>
+          <mc:Fallback>
+            <p:pic>
+              <p:nvPicPr>
+                <p:cNvPr id="37" name="Freihand 36">
+                  <a:extLst>
+                    <a:ext uri="{FF2B5EF4-FFF2-40B4-BE49-F238E27FC236}">
+                      <a16:creationId xmlns:a16="http://schemas.microsoft.com/office/drawing/2014/main" id="{48C741AA-FD6A-5F2A-5A1C-F5C8BFF65DA5}"/>
+                    </a:ext>
+                  </a:extLst>
+                </p:cNvPr>
+                <p:cNvPicPr/>
+                <p:nvPr/>
+              </p:nvPicPr>
+              <p:blipFill>
+                <a:blip r:embed="rId48"/>
+                <a:stretch>
+                  <a:fillRect/>
+                </a:stretch>
+              </p:blipFill>
+              <p:spPr>
+                <a:xfrm>
+                  <a:off x="1467978" y="3016212"/>
+                  <a:ext cx="202320" cy="158760"/>
+                </a:xfrm>
+                <a:prstGeom prst="rect">
+                  <a:avLst/>
+                </a:prstGeom>
+              </p:spPr>
+            </p:pic>
+          </mc:Fallback>
+        </mc:AlternateContent>
+        <mc:AlternateContent xmlns:mc="http://schemas.openxmlformats.org/markup-compatibility/2006">
+          <mc:Choice xmlns:p14="http://schemas.microsoft.com/office/powerpoint/2010/main" Requires="p14">
+            <p:contentPart p14:bwMode="auto" r:id="rId49">
+              <p14:nvContentPartPr>
+                <p14:cNvPr id="38" name="Freihand 37">
+                  <a:extLst>
+                    <a:ext uri="{FF2B5EF4-FFF2-40B4-BE49-F238E27FC236}">
+                      <a16:creationId xmlns:a16="http://schemas.microsoft.com/office/drawing/2014/main" id="{5F5299EC-E25F-3FC7-9973-31E26AAF4959}"/>
+                    </a:ext>
+                  </a:extLst>
+                </p14:cNvPr>
+                <p14:cNvContentPartPr/>
+                <p14:nvPr/>
+              </p14:nvContentPartPr>
+              <p14:xfrm>
+                <a:off x="1422258" y="2907132"/>
+                <a:ext cx="222480" cy="21240"/>
+              </p14:xfrm>
+            </p:contentPart>
+          </mc:Choice>
+          <mc:Fallback>
+            <p:pic>
+              <p:nvPicPr>
+                <p:cNvPr id="38" name="Freihand 37">
+                  <a:extLst>
+                    <a:ext uri="{FF2B5EF4-FFF2-40B4-BE49-F238E27FC236}">
+                      <a16:creationId xmlns:a16="http://schemas.microsoft.com/office/drawing/2014/main" id="{5F5299EC-E25F-3FC7-9973-31E26AAF4959}"/>
+                    </a:ext>
+                  </a:extLst>
+                </p:cNvPr>
+                <p:cNvPicPr/>
+                <p:nvPr/>
+              </p:nvPicPr>
+              <p:blipFill>
+                <a:blip r:embed="rId50"/>
+                <a:stretch>
+                  <a:fillRect/>
+                </a:stretch>
+              </p:blipFill>
+              <p:spPr>
+                <a:xfrm>
+                  <a:off x="1404258" y="2889132"/>
+                  <a:ext cx="258120" cy="56880"/>
+                </a:xfrm>
+                <a:prstGeom prst="rect">
+                  <a:avLst/>
+                </a:prstGeom>
+              </p:spPr>
+            </p:pic>
+          </mc:Fallback>
+        </mc:AlternateContent>
+        <mc:AlternateContent xmlns:mc="http://schemas.openxmlformats.org/markup-compatibility/2006">
+          <mc:Choice xmlns:p14="http://schemas.microsoft.com/office/powerpoint/2010/main" Requires="p14">
+            <p:contentPart p14:bwMode="auto" r:id="rId51">
+              <p14:nvContentPartPr>
+                <p14:cNvPr id="39" name="Freihand 38">
+                  <a:extLst>
+                    <a:ext uri="{FF2B5EF4-FFF2-40B4-BE49-F238E27FC236}">
+                      <a16:creationId xmlns:a16="http://schemas.microsoft.com/office/drawing/2014/main" id="{DF58030E-F380-FFFD-9085-1734E7A6D5D3}"/>
+                    </a:ext>
+                  </a:extLst>
+                </p14:cNvPr>
+                <p14:cNvContentPartPr/>
+                <p14:nvPr/>
+              </p14:nvContentPartPr>
+              <p14:xfrm>
+                <a:off x="1516578" y="2874732"/>
+                <a:ext cx="10080" cy="104760"/>
+              </p14:xfrm>
+            </p:contentPart>
+          </mc:Choice>
+          <mc:Fallback>
+            <p:pic>
+              <p:nvPicPr>
+                <p:cNvPr id="39" name="Freihand 38">
+                  <a:extLst>
+                    <a:ext uri="{FF2B5EF4-FFF2-40B4-BE49-F238E27FC236}">
+                      <a16:creationId xmlns:a16="http://schemas.microsoft.com/office/drawing/2014/main" id="{DF58030E-F380-FFFD-9085-1734E7A6D5D3}"/>
+                    </a:ext>
+                  </a:extLst>
+                </p:cNvPr>
+                <p:cNvPicPr/>
+                <p:nvPr/>
+              </p:nvPicPr>
+              <p:blipFill>
+                <a:blip r:embed="rId52"/>
+                <a:stretch>
+                  <a:fillRect/>
+                </a:stretch>
+              </p:blipFill>
+              <p:spPr>
+                <a:xfrm>
+                  <a:off x="1498938" y="2856732"/>
+                  <a:ext cx="45720" cy="140400"/>
+                </a:xfrm>
+                <a:prstGeom prst="rect">
+                  <a:avLst/>
+                </a:prstGeom>
+              </p:spPr>
+            </p:pic>
+          </mc:Fallback>
+        </mc:AlternateContent>
+      </p:grpSp>
     </p:spTree>
     <p:extLst>
       <p:ext uri="{BB962C8B-B14F-4D97-AF65-F5344CB8AC3E}">

--- a/THEE_project.pptx
+++ b/THEE_project.pptx
@@ -18,7 +18,8 @@
     <p:sldId id="269" r:id="rId12"/>
     <p:sldId id="270" r:id="rId13"/>
     <p:sldId id="271" r:id="rId14"/>
-    <p:sldId id="272" r:id="rId15"/>
+    <p:sldId id="273" r:id="rId15"/>
+    <p:sldId id="272" r:id="rId16"/>
   </p:sldIdLst>
   <p:sldSz cx="12192000" cy="6858000"/>
   <p:notesSz cx="6858000" cy="9144000"/>
@@ -6623,7 +6624,7 @@
           <a:p>
             <a:fld id="{2A07F06B-CB54-47B8-86A8-70FF2417EE14}" type="slidenum">
               <a:rPr lang="de-CH" smtClean="0"/>
-              <a:t>‹Nr.›</a:t>
+              <a:t>‹#›</a:t>
             </a:fld>
             <a:endParaRPr lang="de-CH"/>
           </a:p>
@@ -6823,7 +6824,7 @@
           <a:p>
             <a:fld id="{2A07F06B-CB54-47B8-86A8-70FF2417EE14}" type="slidenum">
               <a:rPr lang="de-CH" smtClean="0"/>
-              <a:t>‹Nr.›</a:t>
+              <a:t>‹#›</a:t>
             </a:fld>
             <a:endParaRPr lang="de-CH"/>
           </a:p>
@@ -7033,7 +7034,7 @@
           <a:p>
             <a:fld id="{2A07F06B-CB54-47B8-86A8-70FF2417EE14}" type="slidenum">
               <a:rPr lang="de-CH" smtClean="0"/>
-              <a:t>‹Nr.›</a:t>
+              <a:t>‹#›</a:t>
             </a:fld>
             <a:endParaRPr lang="de-CH"/>
           </a:p>
@@ -7233,7 +7234,7 @@
           <a:p>
             <a:fld id="{2A07F06B-CB54-47B8-86A8-70FF2417EE14}" type="slidenum">
               <a:rPr lang="de-CH" smtClean="0"/>
-              <a:t>‹Nr.›</a:t>
+              <a:t>‹#›</a:t>
             </a:fld>
             <a:endParaRPr lang="de-CH"/>
           </a:p>
@@ -7509,7 +7510,7 @@
           <a:p>
             <a:fld id="{2A07F06B-CB54-47B8-86A8-70FF2417EE14}" type="slidenum">
               <a:rPr lang="de-CH" smtClean="0"/>
-              <a:t>‹Nr.›</a:t>
+              <a:t>‹#›</a:t>
             </a:fld>
             <a:endParaRPr lang="de-CH"/>
           </a:p>
@@ -7777,7 +7778,7 @@
           <a:p>
             <a:fld id="{2A07F06B-CB54-47B8-86A8-70FF2417EE14}" type="slidenum">
               <a:rPr lang="de-CH" smtClean="0"/>
-              <a:t>‹Nr.›</a:t>
+              <a:t>‹#›</a:t>
             </a:fld>
             <a:endParaRPr lang="de-CH"/>
           </a:p>
@@ -8192,7 +8193,7 @@
           <a:p>
             <a:fld id="{2A07F06B-CB54-47B8-86A8-70FF2417EE14}" type="slidenum">
               <a:rPr lang="de-CH" smtClean="0"/>
-              <a:t>‹Nr.›</a:t>
+              <a:t>‹#›</a:t>
             </a:fld>
             <a:endParaRPr lang="de-CH"/>
           </a:p>
@@ -8334,7 +8335,7 @@
           <a:p>
             <a:fld id="{2A07F06B-CB54-47B8-86A8-70FF2417EE14}" type="slidenum">
               <a:rPr lang="de-CH" smtClean="0"/>
-              <a:t>‹Nr.›</a:t>
+              <a:t>‹#›</a:t>
             </a:fld>
             <a:endParaRPr lang="de-CH"/>
           </a:p>
@@ -8447,7 +8448,7 @@
           <a:p>
             <a:fld id="{2A07F06B-CB54-47B8-86A8-70FF2417EE14}" type="slidenum">
               <a:rPr lang="de-CH" smtClean="0"/>
-              <a:t>‹Nr.›</a:t>
+              <a:t>‹#›</a:t>
             </a:fld>
             <a:endParaRPr lang="de-CH"/>
           </a:p>
@@ -8760,7 +8761,7 @@
           <a:p>
             <a:fld id="{2A07F06B-CB54-47B8-86A8-70FF2417EE14}" type="slidenum">
               <a:rPr lang="de-CH" smtClean="0"/>
-              <a:t>‹Nr.›</a:t>
+              <a:t>‹#›</a:t>
             </a:fld>
             <a:endParaRPr lang="de-CH"/>
           </a:p>
@@ -9049,7 +9050,7 @@
           <a:p>
             <a:fld id="{2A07F06B-CB54-47B8-86A8-70FF2417EE14}" type="slidenum">
               <a:rPr lang="de-CH" smtClean="0"/>
-              <a:t>‹Nr.›</a:t>
+              <a:t>‹#›</a:t>
             </a:fld>
             <a:endParaRPr lang="de-CH"/>
           </a:p>
@@ -9328,7 +9329,7 @@
           <a:p>
             <a:fld id="{2A07F06B-CB54-47B8-86A8-70FF2417EE14}" type="slidenum">
               <a:rPr lang="de-CH" smtClean="0"/>
-              <a:t>‹Nr.›</a:t>
+              <a:t>‹#›</a:t>
             </a:fld>
             <a:endParaRPr lang="de-CH"/>
           </a:p>
@@ -11191,7 +11192,7 @@
         </p:blipFill>
         <p:spPr>
           <a:xfrm>
-            <a:off x="5851734" y="2569028"/>
+            <a:off x="6094475" y="2569029"/>
             <a:ext cx="6001270" cy="3675778"/>
           </a:xfrm>
           <a:prstGeom prst="rect">
@@ -11237,42 +11238,12 @@
           <a:chExt cx="0" cy="0"/>
         </a:xfrm>
       </p:grpSpPr>
-      <p:pic>
-        <p:nvPicPr>
-          <p:cNvPr id="11" name="Picture 10">
+      <p:sp useBgFill="1">
+        <p:nvSpPr>
+          <p:cNvPr id="25" name="Rectangle 24">
             <a:extLst>
               <a:ext uri="{FF2B5EF4-FFF2-40B4-BE49-F238E27FC236}">
-                <a16:creationId xmlns:a16="http://schemas.microsoft.com/office/drawing/2014/main" id="{591EB2BD-D872-37C5-CA49-463AB2EFC65B}"/>
-              </a:ext>
-            </a:extLst>
-          </p:cNvPr>
-          <p:cNvPicPr>
-            <a:picLocks noChangeAspect="1"/>
-          </p:cNvPicPr>
-          <p:nvPr/>
-        </p:nvPicPr>
-        <p:blipFill>
-          <a:blip r:embed="rId2"/>
-          <a:stretch>
-            <a:fillRect/>
-          </a:stretch>
-        </p:blipFill>
-        <p:spPr>
-          <a:xfrm>
-            <a:off x="7022885" y="3525673"/>
-            <a:ext cx="4453533" cy="3251079"/>
-          </a:xfrm>
-          <a:prstGeom prst="rect">
-            <a:avLst/>
-          </a:prstGeom>
-        </p:spPr>
-      </p:pic>
-      <p:sp>
-        <p:nvSpPr>
-          <p:cNvPr id="19" name="Rectangle 18">
-            <a:extLst>
-              <a:ext uri="{FF2B5EF4-FFF2-40B4-BE49-F238E27FC236}">
-                <a16:creationId xmlns:a16="http://schemas.microsoft.com/office/drawing/2014/main" id="{417CDA24-35F8-4540-8C52-3096D6D94949}"/>
+                <a16:creationId xmlns:a16="http://schemas.microsoft.com/office/drawing/2014/main" id="{8761DDFE-071F-4200-B0AA-394476C2D2D6}"/>
               </a:ext>
               <a:ext uri="{C183D7F6-B498-43B3-948B-1728B52AA6E4}">
                 <adec:decorative xmlns:adec="http://schemas.microsoft.com/office/drawing/2017/decorative" val="1"/>
@@ -11292,114 +11263,12 @@
         </p:nvSpPr>
         <p:spPr>
           <a:xfrm>
-            <a:off x="6050280" y="0"/>
-            <a:ext cx="91440" cy="6858000"/>
+            <a:off x="-1" y="0"/>
+            <a:ext cx="12188952" cy="6858000"/>
           </a:xfrm>
           <a:prstGeom prst="rect">
             <a:avLst/>
           </a:prstGeom>
-          <a:solidFill>
-            <a:schemeClr val="tx1">
-              <a:lumMod val="75000"/>
-              <a:lumOff val="25000"/>
-            </a:schemeClr>
-          </a:solidFill>
-          <a:ln>
-            <a:noFill/>
-          </a:ln>
-        </p:spPr>
-        <p:style>
-          <a:lnRef idx="2">
-            <a:schemeClr val="accent1">
-              <a:shade val="50000"/>
-            </a:schemeClr>
-          </a:lnRef>
-          <a:fillRef idx="1">
-            <a:schemeClr val="accent1"/>
-          </a:fillRef>
-          <a:effectRef idx="0">
-            <a:schemeClr val="accent1"/>
-          </a:effectRef>
-          <a:fontRef idx="minor">
-            <a:schemeClr val="lt1"/>
-          </a:fontRef>
-        </p:style>
-        <p:txBody>
-          <a:bodyPr rtlCol="0" anchor="ctr"/>
-          <a:lstStyle/>
-          <a:p>
-            <a:pPr algn="ctr"/>
-            <a:endParaRPr lang="en-US"/>
-          </a:p>
-        </p:txBody>
-      </p:sp>
-      <p:pic>
-        <p:nvPicPr>
-          <p:cNvPr id="5" name="Picture 4">
-            <a:extLst>
-              <a:ext uri="{FF2B5EF4-FFF2-40B4-BE49-F238E27FC236}">
-                <a16:creationId xmlns:a16="http://schemas.microsoft.com/office/drawing/2014/main" id="{AA32F8ED-B5C0-05F3-7F17-D4A8D0A3121D}"/>
-              </a:ext>
-            </a:extLst>
-          </p:cNvPr>
-          <p:cNvPicPr>
-            <a:picLocks noChangeAspect="1"/>
-          </p:cNvPicPr>
-          <p:nvPr/>
-        </p:nvPicPr>
-        <p:blipFill>
-          <a:blip r:embed="rId3"/>
-          <a:stretch>
-            <a:fillRect/>
-          </a:stretch>
-        </p:blipFill>
-        <p:spPr>
-          <a:xfrm>
-            <a:off x="906786" y="126355"/>
-            <a:ext cx="4147170" cy="3245160"/>
-          </a:xfrm>
-          <a:prstGeom prst="rect">
-            <a:avLst/>
-          </a:prstGeom>
-        </p:spPr>
-      </p:pic>
-      <p:sp>
-        <p:nvSpPr>
-          <p:cNvPr id="18" name="Rectangle 17">
-            <a:extLst>
-              <a:ext uri="{FF2B5EF4-FFF2-40B4-BE49-F238E27FC236}">
-                <a16:creationId xmlns:a16="http://schemas.microsoft.com/office/drawing/2014/main" id="{8658BFE0-4E65-4174-9C75-687C94E88273}"/>
-              </a:ext>
-              <a:ext uri="{C183D7F6-B498-43B3-948B-1728B52AA6E4}">
-                <adec:decorative xmlns:adec="http://schemas.microsoft.com/office/drawing/2017/decorative" val="1"/>
-              </a:ext>
-            </a:extLst>
-          </p:cNvPr>
-          <p:cNvSpPr>
-            <a:spLocks noGrp="1" noRot="1" noChangeAspect="1" noMove="1" noResize="1" noEditPoints="1" noAdjustHandles="1" noChangeArrowheads="1" noChangeShapeType="1" noTextEdit="1"/>
-          </p:cNvSpPr>
-          <p:nvPr>
-            <p:extLst>
-              <p:ext uri="{386F3935-93C4-4BCD-93E2-E3B085C9AB24}">
-                <p16:designElem xmlns:p16="http://schemas.microsoft.com/office/powerpoint/2015/main" val="1"/>
-              </p:ext>
-            </p:extLst>
-          </p:nvPr>
-        </p:nvSpPr>
-        <p:spPr>
-          <a:xfrm>
-            <a:off x="0" y="3383280"/>
-            <a:ext cx="6126480" cy="91440"/>
-          </a:xfrm>
-          <a:prstGeom prst="rect">
-            <a:avLst/>
-          </a:prstGeom>
-          <a:solidFill>
-            <a:schemeClr val="tx1">
-              <a:lumMod val="75000"/>
-              <a:lumOff val="25000"/>
-            </a:schemeClr>
-          </a:solidFill>
           <a:ln>
             <a:noFill/>
           </a:ln>
@@ -11431,76 +11300,52 @@
       </p:sp>
       <p:sp>
         <p:nvSpPr>
-          <p:cNvPr id="20" name="Rectangle 19">
+          <p:cNvPr id="2" name="TextBox 1">
             <a:extLst>
               <a:ext uri="{FF2B5EF4-FFF2-40B4-BE49-F238E27FC236}">
-                <a16:creationId xmlns:a16="http://schemas.microsoft.com/office/drawing/2014/main" id="{FA75DFED-A0C1-4A83-BE1D-0271C1826EF6}"/>
-              </a:ext>
-              <a:ext uri="{C183D7F6-B498-43B3-948B-1728B52AA6E4}">
-                <adec:decorative xmlns:adec="http://schemas.microsoft.com/office/drawing/2017/decorative" val="1"/>
+                <a16:creationId xmlns:a16="http://schemas.microsoft.com/office/drawing/2014/main" id="{B0D7AA42-C68B-C927-D21E-34F73AD545C3}"/>
               </a:ext>
             </a:extLst>
           </p:cNvPr>
-          <p:cNvSpPr>
-            <a:spLocks noGrp="1" noRot="1" noChangeAspect="1" noMove="1" noResize="1" noEditPoints="1" noAdjustHandles="1" noChangeArrowheads="1" noChangeShapeType="1" noTextEdit="1"/>
-          </p:cNvSpPr>
-          <p:nvPr>
-            <p:extLst>
-              <p:ext uri="{386F3935-93C4-4BCD-93E2-E3B085C9AB24}">
-                <p16:designElem xmlns:p16="http://schemas.microsoft.com/office/powerpoint/2015/main" val="1"/>
-              </p:ext>
-            </p:extLst>
-          </p:nvPr>
+          <p:cNvSpPr txBox="1"/>
+          <p:nvPr/>
         </p:nvSpPr>
         <p:spPr>
           <a:xfrm>
-            <a:off x="6065520" y="3383280"/>
-            <a:ext cx="6126480" cy="91440"/>
+            <a:off x="700219" y="157524"/>
+            <a:ext cx="6005380" cy="1327698"/>
           </a:xfrm>
           <a:prstGeom prst="rect">
             <a:avLst/>
           </a:prstGeom>
-          <a:solidFill>
-            <a:schemeClr val="tx1">
-              <a:lumMod val="75000"/>
-              <a:lumOff val="25000"/>
-            </a:schemeClr>
-          </a:solidFill>
-          <a:ln>
-            <a:noFill/>
-          </a:ln>
         </p:spPr>
-        <p:style>
-          <a:lnRef idx="2">
-            <a:schemeClr val="accent1">
-              <a:shade val="50000"/>
-            </a:schemeClr>
-          </a:lnRef>
-          <a:fillRef idx="1">
-            <a:schemeClr val="accent1"/>
-          </a:fillRef>
-          <a:effectRef idx="0">
-            <a:schemeClr val="accent1"/>
-          </a:effectRef>
-          <a:fontRef idx="minor">
-            <a:schemeClr val="lt1"/>
-          </a:fontRef>
-        </p:style>
         <p:txBody>
-          <a:bodyPr rtlCol="0" anchor="ctr"/>
+          <a:bodyPr vert="horz" lIns="91440" tIns="45720" rIns="91440" bIns="45720" rtlCol="0" anchor="ctr">
+            <a:normAutofit/>
+          </a:bodyPr>
           <a:lstStyle/>
           <a:p>
-            <a:pPr algn="ctr"/>
-            <a:endParaRPr lang="en-US"/>
+            <a:pPr>
+              <a:lnSpc>
+                <a:spcPct val="90000"/>
+              </a:lnSpc>
+              <a:spcAft>
+                <a:spcPts val="600"/>
+              </a:spcAft>
+            </a:pPr>
+            <a:r>
+              <a:rPr lang="en-US" sz="2000" dirty="0"/>
+              <a:t>Initial population size for all four mutants: N=50</a:t>
+            </a:r>
           </a:p>
         </p:txBody>
       </p:sp>
       <p:pic>
         <p:nvPicPr>
-          <p:cNvPr id="7" name="Picture 6">
+          <p:cNvPr id="5" name="Picture 4">
             <a:extLst>
               <a:ext uri="{FF2B5EF4-FFF2-40B4-BE49-F238E27FC236}">
-                <a16:creationId xmlns:a16="http://schemas.microsoft.com/office/drawing/2014/main" id="{4DB0F3BC-5BB3-4FA8-84EE-7AB34CC58DCB}"/>
+                <a16:creationId xmlns:a16="http://schemas.microsoft.com/office/drawing/2014/main" id="{AA32F8ED-B5C0-05F3-7F17-D4A8D0A3121D}"/>
               </a:ext>
             </a:extLst>
           </p:cNvPr>
@@ -11510,15 +11355,15 @@
           <p:nvPr/>
         </p:nvPicPr>
         <p:blipFill>
-          <a:blip r:embed="rId4"/>
+          <a:blip r:embed="rId2"/>
           <a:stretch>
             <a:fillRect/>
           </a:stretch>
         </p:blipFill>
         <p:spPr>
           <a:xfrm>
-            <a:off x="6965050" y="35997"/>
-            <a:ext cx="4569204" cy="3335518"/>
+            <a:off x="301344" y="1485221"/>
+            <a:ext cx="5793131" cy="4533125"/>
           </a:xfrm>
           <a:prstGeom prst="rect">
             <a:avLst/>
@@ -11527,10 +11372,10 @@
       </p:pic>
       <p:pic>
         <p:nvPicPr>
-          <p:cNvPr id="9" name="Picture 8">
+          <p:cNvPr id="7" name="Picture 6">
             <a:extLst>
               <a:ext uri="{FF2B5EF4-FFF2-40B4-BE49-F238E27FC236}">
-                <a16:creationId xmlns:a16="http://schemas.microsoft.com/office/drawing/2014/main" id="{A46C3F18-DE9B-0A55-4889-9B8ED94DF332}"/>
+                <a16:creationId xmlns:a16="http://schemas.microsoft.com/office/drawing/2014/main" id="{4DB0F3BC-5BB3-4FA8-84EE-7AB34CC58DCB}"/>
               </a:ext>
             </a:extLst>
           </p:cNvPr>
@@ -11540,96 +11385,21 @@
           <p:nvPr/>
         </p:nvPicPr>
         <p:blipFill>
-          <a:blip r:embed="rId5"/>
+          <a:blip r:embed="rId3"/>
           <a:stretch>
             <a:fillRect/>
           </a:stretch>
         </p:blipFill>
         <p:spPr>
           <a:xfrm>
-            <a:off x="906786" y="3696597"/>
-            <a:ext cx="4176482" cy="3080155"/>
+            <a:off x="6186619" y="1634419"/>
+            <a:ext cx="6005381" cy="4383927"/>
           </a:xfrm>
           <a:prstGeom prst="rect">
             <a:avLst/>
           </a:prstGeom>
         </p:spPr>
       </p:pic>
-      <p:sp>
-        <p:nvSpPr>
-          <p:cNvPr id="2" name="TextBox 1">
-            <a:extLst>
-              <a:ext uri="{FF2B5EF4-FFF2-40B4-BE49-F238E27FC236}">
-                <a16:creationId xmlns:a16="http://schemas.microsoft.com/office/drawing/2014/main" id="{B0D7AA42-C68B-C927-D21E-34F73AD545C3}"/>
-              </a:ext>
-            </a:extLst>
-          </p:cNvPr>
-          <p:cNvSpPr txBox="1"/>
-          <p:nvPr/>
-        </p:nvSpPr>
-        <p:spPr>
-          <a:xfrm>
-            <a:off x="4451258" y="191589"/>
-            <a:ext cx="1426028" cy="954107"/>
-          </a:xfrm>
-          <a:prstGeom prst="rect">
-            <a:avLst/>
-          </a:prstGeom>
-          <a:noFill/>
-        </p:spPr>
-        <p:txBody>
-          <a:bodyPr wrap="square" rtlCol="0">
-            <a:spAutoFit/>
-          </a:bodyPr>
-          <a:lstStyle/>
-          <a:p>
-            <a:r>
-              <a:rPr lang="de-CH" sz="1400" dirty="0"/>
-              <a:t>Initial </a:t>
-            </a:r>
-            <a:r>
-              <a:rPr lang="de-CH" sz="1400" dirty="0" err="1"/>
-              <a:t>population</a:t>
-            </a:r>
-            <a:r>
-              <a:rPr lang="de-CH" sz="1400" dirty="0"/>
-              <a:t> </a:t>
-            </a:r>
-            <a:r>
-              <a:rPr lang="de-CH" sz="1400" dirty="0" err="1"/>
-              <a:t>size</a:t>
-            </a:r>
-            <a:r>
-              <a:rPr lang="de-CH" sz="1400" dirty="0"/>
-              <a:t> </a:t>
-            </a:r>
-            <a:r>
-              <a:rPr lang="de-CH" sz="1400" dirty="0" err="1"/>
-              <a:t>for</a:t>
-            </a:r>
-            <a:r>
-              <a:rPr lang="de-CH" sz="1400" dirty="0"/>
-              <a:t> all </a:t>
-            </a:r>
-            <a:r>
-              <a:rPr lang="de-CH" sz="1400" dirty="0" err="1"/>
-              <a:t>four</a:t>
-            </a:r>
-            <a:r>
-              <a:rPr lang="de-CH" sz="1400" dirty="0"/>
-              <a:t> </a:t>
-            </a:r>
-            <a:r>
-              <a:rPr lang="de-CH" sz="1400" dirty="0" err="1"/>
-              <a:t>mutants</a:t>
-            </a:r>
-            <a:r>
-              <a:rPr lang="de-CH" sz="1400" dirty="0"/>
-              <a:t>: N=50</a:t>
-            </a:r>
-          </a:p>
-        </p:txBody>
-      </p:sp>
     </p:spTree>
     <p:extLst>
       <p:ext uri="{BB962C8B-B14F-4D97-AF65-F5344CB8AC3E}">
@@ -11644,6 +11414,104 @@
 </file>
 
 <file path=ppt/slides/slide14.xml><?xml version="1.0" encoding="utf-8"?>
+<p:sld xmlns:a="http://schemas.openxmlformats.org/drawingml/2006/main" xmlns:r="http://schemas.openxmlformats.org/officeDocument/2006/relationships" xmlns:p="http://schemas.openxmlformats.org/presentationml/2006/main">
+  <p:cSld>
+    <p:bg>
+      <p:bgPr>
+        <a:solidFill>
+          <a:schemeClr val="bg1"/>
+        </a:solidFill>
+        <a:effectLst/>
+      </p:bgPr>
+    </p:bg>
+    <p:spTree>
+      <p:nvGrpSpPr>
+        <p:cNvPr id="1" name=""/>
+        <p:cNvGrpSpPr/>
+        <p:nvPr/>
+      </p:nvGrpSpPr>
+      <p:grpSpPr>
+        <a:xfrm>
+          <a:off x="0" y="0"/>
+          <a:ext cx="0" cy="0"/>
+          <a:chOff x="0" y="0"/>
+          <a:chExt cx="0" cy="0"/>
+        </a:xfrm>
+      </p:grpSpPr>
+      <p:pic>
+        <p:nvPicPr>
+          <p:cNvPr id="2" name="Picture 1">
+            <a:extLst>
+              <a:ext uri="{FF2B5EF4-FFF2-40B4-BE49-F238E27FC236}">
+                <a16:creationId xmlns:a16="http://schemas.microsoft.com/office/drawing/2014/main" id="{60AE00C0-3FDC-F9E4-8FAD-A35D3654604C}"/>
+              </a:ext>
+            </a:extLst>
+          </p:cNvPr>
+          <p:cNvPicPr>
+            <a:picLocks noChangeAspect="1"/>
+          </p:cNvPicPr>
+          <p:nvPr/>
+        </p:nvPicPr>
+        <p:blipFill>
+          <a:blip r:embed="rId2"/>
+          <a:stretch>
+            <a:fillRect/>
+          </a:stretch>
+        </p:blipFill>
+        <p:spPr>
+          <a:xfrm>
+            <a:off x="77410" y="1121334"/>
+            <a:ext cx="6258076" cy="4615329"/>
+          </a:xfrm>
+          <a:prstGeom prst="rect">
+            <a:avLst/>
+          </a:prstGeom>
+        </p:spPr>
+      </p:pic>
+      <p:pic>
+        <p:nvPicPr>
+          <p:cNvPr id="3" name="Picture 2">
+            <a:extLst>
+              <a:ext uri="{FF2B5EF4-FFF2-40B4-BE49-F238E27FC236}">
+                <a16:creationId xmlns:a16="http://schemas.microsoft.com/office/drawing/2014/main" id="{BF4817BF-5292-92DE-8C7A-9C5DDE4E381D}"/>
+              </a:ext>
+            </a:extLst>
+          </p:cNvPr>
+          <p:cNvPicPr>
+            <a:picLocks noChangeAspect="1"/>
+          </p:cNvPicPr>
+          <p:nvPr/>
+        </p:nvPicPr>
+        <p:blipFill>
+          <a:blip r:embed="rId3"/>
+          <a:stretch>
+            <a:fillRect/>
+          </a:stretch>
+        </p:blipFill>
+        <p:spPr>
+          <a:xfrm>
+            <a:off x="6406072" y="1317135"/>
+            <a:ext cx="5785928" cy="4223725"/>
+          </a:xfrm>
+          <a:prstGeom prst="rect">
+            <a:avLst/>
+          </a:prstGeom>
+        </p:spPr>
+      </p:pic>
+    </p:spTree>
+    <p:extLst>
+      <p:ext uri="{BB962C8B-B14F-4D97-AF65-F5344CB8AC3E}">
+        <p14:creationId xmlns:p14="http://schemas.microsoft.com/office/powerpoint/2010/main" val="3900087127"/>
+      </p:ext>
+    </p:extLst>
+  </p:cSld>
+  <p:clrMapOvr>
+    <a:masterClrMapping/>
+  </p:clrMapOvr>
+</p:sld>
+</file>
+
+<file path=ppt/slides/slide15.xml><?xml version="1.0" encoding="utf-8"?>
 <p:sld xmlns:a="http://schemas.openxmlformats.org/drawingml/2006/main" xmlns:r="http://schemas.openxmlformats.org/officeDocument/2006/relationships" xmlns:p="http://schemas.openxmlformats.org/presentationml/2006/main">
   <p:cSld>
     <p:bg>

--- a/THEE_project.pptx
+++ b/THEE_project.pptx
@@ -6570,7 +6570,7 @@
           <a:p>
             <a:fld id="{256E0D5A-877C-43E6-8161-BEA82FD88084}" type="datetimeFigureOut">
               <a:rPr lang="de-CH" smtClean="0"/>
-              <a:t>29.10.2025</a:t>
+              <a:t>30.10.2025</a:t>
             </a:fld>
             <a:endParaRPr lang="de-CH"/>
           </a:p>
@@ -6770,7 +6770,7 @@
           <a:p>
             <a:fld id="{256E0D5A-877C-43E6-8161-BEA82FD88084}" type="datetimeFigureOut">
               <a:rPr lang="de-CH" smtClean="0"/>
-              <a:t>29.10.2025</a:t>
+              <a:t>30.10.2025</a:t>
             </a:fld>
             <a:endParaRPr lang="de-CH"/>
           </a:p>
@@ -6980,7 +6980,7 @@
           <a:p>
             <a:fld id="{256E0D5A-877C-43E6-8161-BEA82FD88084}" type="datetimeFigureOut">
               <a:rPr lang="de-CH" smtClean="0"/>
-              <a:t>29.10.2025</a:t>
+              <a:t>30.10.2025</a:t>
             </a:fld>
             <a:endParaRPr lang="de-CH"/>
           </a:p>
@@ -7180,7 +7180,7 @@
           <a:p>
             <a:fld id="{256E0D5A-877C-43E6-8161-BEA82FD88084}" type="datetimeFigureOut">
               <a:rPr lang="de-CH" smtClean="0"/>
-              <a:t>29.10.2025</a:t>
+              <a:t>30.10.2025</a:t>
             </a:fld>
             <a:endParaRPr lang="de-CH"/>
           </a:p>
@@ -7456,7 +7456,7 @@
           <a:p>
             <a:fld id="{256E0D5A-877C-43E6-8161-BEA82FD88084}" type="datetimeFigureOut">
               <a:rPr lang="de-CH" smtClean="0"/>
-              <a:t>29.10.2025</a:t>
+              <a:t>30.10.2025</a:t>
             </a:fld>
             <a:endParaRPr lang="de-CH"/>
           </a:p>
@@ -7724,7 +7724,7 @@
           <a:p>
             <a:fld id="{256E0D5A-877C-43E6-8161-BEA82FD88084}" type="datetimeFigureOut">
               <a:rPr lang="de-CH" smtClean="0"/>
-              <a:t>29.10.2025</a:t>
+              <a:t>30.10.2025</a:t>
             </a:fld>
             <a:endParaRPr lang="de-CH"/>
           </a:p>
@@ -8139,7 +8139,7 @@
           <a:p>
             <a:fld id="{256E0D5A-877C-43E6-8161-BEA82FD88084}" type="datetimeFigureOut">
               <a:rPr lang="de-CH" smtClean="0"/>
-              <a:t>29.10.2025</a:t>
+              <a:t>30.10.2025</a:t>
             </a:fld>
             <a:endParaRPr lang="de-CH"/>
           </a:p>
@@ -8281,7 +8281,7 @@
           <a:p>
             <a:fld id="{256E0D5A-877C-43E6-8161-BEA82FD88084}" type="datetimeFigureOut">
               <a:rPr lang="de-CH" smtClean="0"/>
-              <a:t>29.10.2025</a:t>
+              <a:t>30.10.2025</a:t>
             </a:fld>
             <a:endParaRPr lang="de-CH"/>
           </a:p>
@@ -8394,7 +8394,7 @@
           <a:p>
             <a:fld id="{256E0D5A-877C-43E6-8161-BEA82FD88084}" type="datetimeFigureOut">
               <a:rPr lang="de-CH" smtClean="0"/>
-              <a:t>29.10.2025</a:t>
+              <a:t>30.10.2025</a:t>
             </a:fld>
             <a:endParaRPr lang="de-CH"/>
           </a:p>
@@ -8707,7 +8707,7 @@
           <a:p>
             <a:fld id="{256E0D5A-877C-43E6-8161-BEA82FD88084}" type="datetimeFigureOut">
               <a:rPr lang="de-CH" smtClean="0"/>
-              <a:t>29.10.2025</a:t>
+              <a:t>30.10.2025</a:t>
             </a:fld>
             <a:endParaRPr lang="de-CH"/>
           </a:p>
@@ -8996,7 +8996,7 @@
           <a:p>
             <a:fld id="{256E0D5A-877C-43E6-8161-BEA82FD88084}" type="datetimeFigureOut">
               <a:rPr lang="de-CH" smtClean="0"/>
-              <a:t>29.10.2025</a:t>
+              <a:t>30.10.2025</a:t>
             </a:fld>
             <a:endParaRPr lang="de-CH"/>
           </a:p>
@@ -9239,7 +9239,7 @@
           <a:p>
             <a:fld id="{256E0D5A-877C-43E6-8161-BEA82FD88084}" type="datetimeFigureOut">
               <a:rPr lang="de-CH" smtClean="0"/>
-              <a:t>29.10.2025</a:t>
+              <a:t>30.10.2025</a:t>
             </a:fld>
             <a:endParaRPr lang="de-CH"/>
           </a:p>
@@ -13835,10 +13835,10 @@
       </p:grpSpPr>
       <p:pic>
         <p:nvPicPr>
-          <p:cNvPr id="3" name="Picture 2">
+          <p:cNvPr id="4" name="Picture 3">
             <a:extLst>
               <a:ext uri="{FF2B5EF4-FFF2-40B4-BE49-F238E27FC236}">
-                <a16:creationId xmlns:a16="http://schemas.microsoft.com/office/drawing/2014/main" id="{4EF3E99D-DE95-47CE-0CBA-5664789D695A}"/>
+                <a16:creationId xmlns:a16="http://schemas.microsoft.com/office/drawing/2014/main" id="{2F3FB1AD-D5C2-89CE-AC6A-B1ED06628C83}"/>
               </a:ext>
             </a:extLst>
           </p:cNvPr>
@@ -13855,8 +13855,8 @@
         </p:blipFill>
         <p:spPr>
           <a:xfrm>
-            <a:off x="829937" y="159276"/>
-            <a:ext cx="10532125" cy="6539448"/>
+            <a:off x="844898" y="64956"/>
+            <a:ext cx="10334730" cy="6728088"/>
           </a:xfrm>
           <a:prstGeom prst="rect">
             <a:avLst/>

--- a/THEE_project.pptx
+++ b/THEE_project.pptx
@@ -4,6 +4,9 @@
   <p:sldMasterIdLst>
     <p:sldMasterId id="2147483648" r:id="rId1"/>
   </p:sldMasterIdLst>
+  <p:notesMasterIdLst>
+    <p:notesMasterId r:id="rId17"/>
+  </p:notesMasterIdLst>
   <p:sldIdLst>
     <p:sldId id="256" r:id="rId2"/>
     <p:sldId id="257" r:id="rId3"/>
@@ -1822,10 +1825,14 @@
             <a:defRPr cap="all"/>
           </a:pPr>
           <a:r>
-            <a:rPr lang="de-CH"/>
-            <a:t>Hypothesis and predictions</a:t>
+            <a:rPr lang="de-CH" dirty="0"/>
+            <a:t>Question and </a:t>
           </a:r>
-          <a:endParaRPr lang="en-US"/>
+          <a:r>
+            <a:rPr lang="de-CH" dirty="0" err="1"/>
+            <a:t>predictions</a:t>
+          </a:r>
+          <a:endParaRPr lang="en-US" dirty="0"/>
         </a:p>
       </dgm:t>
     </dgm:pt>
@@ -2293,7 +2300,7 @@
         <a:p>
           <a:r>
             <a:rPr lang="en-US" dirty="0"/>
-            <a:t>Hypothesis: </a:t>
+            <a:t>Question: </a:t>
           </a:r>
         </a:p>
       </dgm:t>
@@ -2365,7 +2372,7 @@
         <a:p>
           <a:r>
             <a:rPr lang="en-US" dirty="0"/>
-            <a:t>Strong mutations won’t persist, because the costs of the trade off are too high. Therefore, the individuals with the weak mutations will take over the population.</a:t>
+            <a:t>Strong deleterious mutations won’t persist, because the costs of the trade off are too high. Therefore, the individuals with the weak and strong beneficial mutations  will take over the population.</a:t>
           </a:r>
         </a:p>
       </dgm:t>
@@ -2401,7 +2408,7 @@
         <a:p>
           <a:r>
             <a:rPr lang="en-US" dirty="0"/>
-            <a:t>Thus, the population will be rescued if there are enough individuals with weak mutations at the beginning.</a:t>
+            <a:t>Thus, the population will be rescued if there are enough individuals with weak  and strong beneficial mutations at the beginning.</a:t>
           </a:r>
         </a:p>
       </dgm:t>
@@ -2567,7 +2574,7 @@
   <dgm:whole/>
   <dgm:extLst>
     <a:ext uri="http://schemas.microsoft.com/office/drawing/2008/diagram">
-      <dsp:dataModelExt xmlns:dsp="http://schemas.microsoft.com/office/drawing/2008/diagram" relId="rId6" minVer="http://schemas.openxmlformats.org/drawingml/2006/diagram"/>
+      <dsp:dataModelExt xmlns:dsp="http://schemas.microsoft.com/office/drawing/2008/diagram" relId="rId7" minVer="http://schemas.openxmlformats.org/drawingml/2006/diagram"/>
     </a:ext>
   </dgm:extLst>
 </dgm:dataModel>
@@ -2710,7 +2717,7 @@
         </a:bodyPr>
         <a:lstStyle/>
         <a:p>
-          <a:pPr marL="0" lvl="0" indent="0" algn="ctr" defTabSz="889000">
+          <a:pPr marL="0" lvl="0" indent="0" algn="ctr" defTabSz="1022350">
             <a:lnSpc>
               <a:spcPct val="100000"/>
             </a:lnSpc>
@@ -2724,10 +2731,14 @@
             <a:defRPr cap="all"/>
           </a:pPr>
           <a:r>
-            <a:rPr lang="de-CH" sz="2000" kern="1200"/>
-            <a:t>Hypothesis and predictions</a:t>
+            <a:rPr lang="de-CH" sz="2300" kern="1200" dirty="0"/>
+            <a:t>Question and </a:t>
           </a:r>
-          <a:endParaRPr lang="en-US" sz="2000" kern="1200"/>
+          <a:r>
+            <a:rPr lang="de-CH" sz="2300" kern="1200" dirty="0" err="1"/>
+            <a:t>predictions</a:t>
+          </a:r>
+          <a:endParaRPr lang="en-US" sz="2300" kern="1200" dirty="0"/>
         </a:p>
       </dsp:txBody>
       <dsp:txXfrm>
@@ -2864,7 +2875,7 @@
         </a:bodyPr>
         <a:lstStyle/>
         <a:p>
-          <a:pPr marL="0" lvl="0" indent="0" algn="ctr" defTabSz="889000">
+          <a:pPr marL="0" lvl="0" indent="0" algn="ctr" defTabSz="1022350">
             <a:lnSpc>
               <a:spcPct val="100000"/>
             </a:lnSpc>
@@ -2878,10 +2889,10 @@
             <a:defRPr cap="all"/>
           </a:pPr>
           <a:r>
-            <a:rPr lang="de-CH" sz="2000" kern="1200" dirty="0"/>
+            <a:rPr lang="de-CH" sz="2300" kern="1200" dirty="0"/>
             <a:t>Method </a:t>
           </a:r>
-          <a:endParaRPr lang="en-US" sz="2000" kern="1200" dirty="0"/>
+          <a:endParaRPr lang="en-US" sz="2300" kern="1200" dirty="0"/>
         </a:p>
       </dsp:txBody>
       <dsp:txXfrm>
@@ -3018,7 +3029,7 @@
         </a:bodyPr>
         <a:lstStyle/>
         <a:p>
-          <a:pPr marL="0" lvl="0" indent="0" algn="ctr" defTabSz="889000">
+          <a:pPr marL="0" lvl="0" indent="0" algn="ctr" defTabSz="1022350">
             <a:lnSpc>
               <a:spcPct val="100000"/>
             </a:lnSpc>
@@ -3032,10 +3043,10 @@
             <a:defRPr cap="all"/>
           </a:pPr>
           <a:r>
-            <a:rPr lang="de-CH" sz="2000" kern="1200"/>
+            <a:rPr lang="de-CH" sz="2300" kern="1200"/>
             <a:t>Results and conclusion</a:t>
           </a:r>
-          <a:endParaRPr lang="en-US" sz="2000" kern="1200"/>
+          <a:endParaRPr lang="en-US" sz="2300" kern="1200"/>
         </a:p>
       </dsp:txBody>
       <dsp:txXfrm>
@@ -3172,7 +3183,7 @@
         </a:bodyPr>
         <a:lstStyle/>
         <a:p>
-          <a:pPr marL="0" lvl="0" indent="0" algn="ctr" defTabSz="889000">
+          <a:pPr marL="0" lvl="0" indent="0" algn="ctr" defTabSz="1022350">
             <a:lnSpc>
               <a:spcPct val="100000"/>
             </a:lnSpc>
@@ -3186,10 +3197,10 @@
             <a:defRPr cap="all"/>
           </a:pPr>
           <a:r>
-            <a:rPr lang="de-CH" sz="2000" kern="1200"/>
+            <a:rPr lang="de-CH" sz="2300" kern="1200"/>
             <a:t>Biological applications</a:t>
           </a:r>
-          <a:endParaRPr lang="en-US" sz="2000" kern="1200"/>
+          <a:endParaRPr lang="en-US" sz="2300" kern="1200"/>
         </a:p>
       </dsp:txBody>
       <dsp:txXfrm>
@@ -3216,8 +3227,8 @@
       </dsp:nvSpPr>
       <dsp:spPr>
         <a:xfrm>
-          <a:off x="4414" y="102798"/>
-          <a:ext cx="3789866" cy="950400"/>
+          <a:off x="4414" y="219798"/>
+          <a:ext cx="3789866" cy="864000"/>
         </a:xfrm>
         <a:prstGeom prst="roundRect">
           <a:avLst>
@@ -3261,12 +3272,12 @@
         </a:fontRef>
       </dsp:style>
       <dsp:txBody>
-        <a:bodyPr spcFirstLastPara="0" vert="horz" wrap="square" lIns="156464" tIns="156464" rIns="156464" bIns="83820" numCol="1" spcCol="1270" anchor="t" anchorCtr="0">
+        <a:bodyPr spcFirstLastPara="0" vert="horz" wrap="square" lIns="142240" tIns="142240" rIns="142240" bIns="76200" numCol="1" spcCol="1270" anchor="t" anchorCtr="0">
           <a:noAutofit/>
         </a:bodyPr>
         <a:lstStyle/>
         <a:p>
-          <a:pPr marL="0" lvl="0" indent="0" algn="l" defTabSz="977900">
+          <a:pPr marL="0" lvl="0" indent="0" algn="l" defTabSz="889000">
             <a:lnSpc>
               <a:spcPct val="90000"/>
             </a:lnSpc>
@@ -3279,14 +3290,14 @@
             <a:buNone/>
           </a:pPr>
           <a:r>
-            <a:rPr lang="en-US" sz="2200" kern="1200" dirty="0"/>
-            <a:t>Hypothesis: </a:t>
+            <a:rPr lang="en-US" sz="2000" kern="1200" dirty="0"/>
+            <a:t>Question: </a:t>
           </a:r>
         </a:p>
       </dsp:txBody>
       <dsp:txXfrm>
-        <a:off x="4414" y="102798"/>
-        <a:ext cx="3789866" cy="633600"/>
+        <a:off x="4414" y="219798"/>
+        <a:ext cx="3789866" cy="576000"/>
       </dsp:txXfrm>
     </dsp:sp>
     <dsp:sp modelId="{F1E03C76-40C5-4169-861D-4BEC21B7B644}">
@@ -3296,8 +3307,8 @@
       </dsp:nvSpPr>
       <dsp:spPr>
         <a:xfrm>
-          <a:off x="780652" y="736397"/>
-          <a:ext cx="3789866" cy="4365900"/>
+          <a:off x="780652" y="795798"/>
+          <a:ext cx="3789866" cy="4189500"/>
         </a:xfrm>
         <a:prstGeom prst="roundRect">
           <a:avLst>
@@ -3340,12 +3351,12 @@
         <a:fontRef idx="minor"/>
       </dsp:style>
       <dsp:txBody>
-        <a:bodyPr spcFirstLastPara="0" vert="horz" wrap="square" lIns="156464" tIns="156464" rIns="156464" bIns="156464" numCol="1" spcCol="1270" anchor="t" anchorCtr="0">
+        <a:bodyPr spcFirstLastPara="0" vert="horz" wrap="square" lIns="142240" tIns="142240" rIns="142240" bIns="142240" numCol="1" spcCol="1270" anchor="t" anchorCtr="0">
           <a:noAutofit/>
         </a:bodyPr>
         <a:lstStyle/>
         <a:p>
-          <a:pPr marL="228600" lvl="1" indent="-228600" algn="l" defTabSz="977900">
+          <a:pPr marL="228600" lvl="1" indent="-228600" algn="l" defTabSz="889000">
             <a:lnSpc>
               <a:spcPct val="90000"/>
             </a:lnSpc>
@@ -3358,15 +3369,15 @@
             <a:buChar char="•"/>
           </a:pPr>
           <a:r>
-            <a:rPr lang="en-US" sz="2200" kern="1200" dirty="0"/>
+            <a:rPr lang="en-US" sz="2000" kern="1200" dirty="0"/>
             <a:t>How do 2 mutations, which can alternate between beneficial and deleterious versions of the same strength, influence the probability of rescue and how does their frequency in the population change?</a:t>
           </a:r>
-          <a:endParaRPr lang="de-CH" sz="2200" kern="1200" dirty="0"/>
+          <a:endParaRPr lang="de-CH" sz="2000" kern="1200" dirty="0"/>
         </a:p>
       </dsp:txBody>
       <dsp:txXfrm>
-        <a:off x="891653" y="847398"/>
-        <a:ext cx="3567864" cy="4143898"/>
+        <a:off x="891653" y="906799"/>
+        <a:ext cx="3567864" cy="3967498"/>
       </dsp:txXfrm>
     </dsp:sp>
     <dsp:sp modelId="{2224B8D8-D42D-4740-BEC7-297B685CEA61}">
@@ -3376,7 +3387,7 @@
       </dsp:nvSpPr>
       <dsp:spPr>
         <a:xfrm>
-          <a:off x="4368811" y="-52185"/>
+          <a:off x="4368811" y="36014"/>
           <a:ext cx="1218003" cy="943567"/>
         </a:xfrm>
         <a:prstGeom prst="rightArrow">
@@ -3419,7 +3430,7 @@
         </a:bodyPr>
         <a:lstStyle/>
         <a:p>
-          <a:pPr marL="0" lvl="0" indent="0" algn="ctr" defTabSz="800100">
+          <a:pPr marL="0" lvl="0" indent="0" algn="ctr" defTabSz="711200">
             <a:lnSpc>
               <a:spcPct val="90000"/>
             </a:lnSpc>
@@ -3431,11 +3442,11 @@
             </a:spcAft>
             <a:buNone/>
           </a:pPr>
-          <a:endParaRPr lang="en-US" sz="1800" kern="1200"/>
+          <a:endParaRPr lang="en-US" sz="1600" kern="1200"/>
         </a:p>
       </dsp:txBody>
       <dsp:txXfrm>
-        <a:off x="4368811" y="136528"/>
+        <a:off x="4368811" y="224727"/>
         <a:ext cx="934933" cy="566141"/>
       </dsp:txXfrm>
     </dsp:sp>
@@ -3446,8 +3457,8 @@
       </dsp:nvSpPr>
       <dsp:spPr>
         <a:xfrm>
-          <a:off x="6092401" y="102798"/>
-          <a:ext cx="3789866" cy="950400"/>
+          <a:off x="6092401" y="219798"/>
+          <a:ext cx="3789866" cy="864000"/>
         </a:xfrm>
         <a:prstGeom prst="roundRect">
           <a:avLst>
@@ -3491,12 +3502,12 @@
         </a:fontRef>
       </dsp:style>
       <dsp:txBody>
-        <a:bodyPr spcFirstLastPara="0" vert="horz" wrap="square" lIns="156464" tIns="156464" rIns="156464" bIns="83820" numCol="1" spcCol="1270" anchor="t" anchorCtr="0">
+        <a:bodyPr spcFirstLastPara="0" vert="horz" wrap="square" lIns="142240" tIns="142240" rIns="142240" bIns="76200" numCol="1" spcCol="1270" anchor="t" anchorCtr="0">
           <a:noAutofit/>
         </a:bodyPr>
         <a:lstStyle/>
         <a:p>
-          <a:pPr marL="0" lvl="0" indent="0" algn="l" defTabSz="977900">
+          <a:pPr marL="0" lvl="0" indent="0" algn="l" defTabSz="889000">
             <a:lnSpc>
               <a:spcPct val="90000"/>
             </a:lnSpc>
@@ -3509,14 +3520,14 @@
             <a:buNone/>
           </a:pPr>
           <a:r>
-            <a:rPr lang="en-US" sz="2200" kern="1200" dirty="0"/>
+            <a:rPr lang="en-US" sz="2000" kern="1200" dirty="0"/>
             <a:t>Predictions:</a:t>
           </a:r>
         </a:p>
       </dsp:txBody>
       <dsp:txXfrm>
-        <a:off x="6092401" y="102798"/>
-        <a:ext cx="3789866" cy="633600"/>
+        <a:off x="6092401" y="219798"/>
+        <a:ext cx="3789866" cy="576000"/>
       </dsp:txXfrm>
     </dsp:sp>
     <dsp:sp modelId="{256D9188-9040-44B6-AF4A-581BCA4191B5}">
@@ -3526,8 +3537,8 @@
       </dsp:nvSpPr>
       <dsp:spPr>
         <a:xfrm>
-          <a:off x="6868638" y="736397"/>
-          <a:ext cx="3789866" cy="4365900"/>
+          <a:off x="6868638" y="795798"/>
+          <a:ext cx="3789866" cy="4189500"/>
         </a:xfrm>
         <a:prstGeom prst="roundRect">
           <a:avLst>
@@ -3570,12 +3581,12 @@
         <a:fontRef idx="minor"/>
       </dsp:style>
       <dsp:txBody>
-        <a:bodyPr spcFirstLastPara="0" vert="horz" wrap="square" lIns="156464" tIns="156464" rIns="156464" bIns="156464" numCol="1" spcCol="1270" anchor="t" anchorCtr="0">
+        <a:bodyPr spcFirstLastPara="0" vert="horz" wrap="square" lIns="142240" tIns="142240" rIns="142240" bIns="142240" numCol="1" spcCol="1270" anchor="t" anchorCtr="0">
           <a:noAutofit/>
         </a:bodyPr>
         <a:lstStyle/>
         <a:p>
-          <a:pPr marL="228600" lvl="1" indent="-228600" algn="l" defTabSz="977900">
+          <a:pPr marL="228600" lvl="1" indent="-228600" algn="l" defTabSz="889000">
             <a:lnSpc>
               <a:spcPct val="90000"/>
             </a:lnSpc>
@@ -3588,12 +3599,12 @@
             <a:buChar char="•"/>
           </a:pPr>
           <a:r>
-            <a:rPr lang="en-US" sz="2200" kern="1200" dirty="0"/>
-            <a:t>Strong mutations won’t persist, because the costs of the trade off are too high. Therefore, the individuals with the weak mutations will take over the population.</a:t>
+            <a:rPr lang="en-US" sz="2000" kern="1200" dirty="0"/>
+            <a:t>Strong deleterious mutations won’t persist, because the costs of the trade off are too high. Therefore, the individuals with the weak and strong beneficial mutations  will take over the population.</a:t>
           </a:r>
         </a:p>
         <a:p>
-          <a:pPr marL="228600" lvl="1" indent="-228600" algn="l" defTabSz="977900">
+          <a:pPr marL="228600" lvl="1" indent="-228600" algn="l" defTabSz="889000">
             <a:lnSpc>
               <a:spcPct val="90000"/>
             </a:lnSpc>
@@ -3606,14 +3617,14 @@
             <a:buChar char="•"/>
           </a:pPr>
           <a:r>
-            <a:rPr lang="en-US" sz="2200" kern="1200" dirty="0"/>
-            <a:t>Thus, the population will be rescued if there are enough individuals with weak mutations at the beginning.</a:t>
+            <a:rPr lang="en-US" sz="2000" kern="1200" dirty="0"/>
+            <a:t>Thus, the population will be rescued if there are enough individuals with weak  and strong beneficial mutations at the beginning.</a:t>
           </a:r>
         </a:p>
       </dsp:txBody>
       <dsp:txXfrm>
-        <a:off x="6979639" y="847398"/>
-        <a:ext cx="3567864" cy="4143898"/>
+        <a:off x="6979639" y="906799"/>
+        <a:ext cx="3567864" cy="3967498"/>
       </dsp:txXfrm>
     </dsp:sp>
   </dsp:spTree>
@@ -6281,17 +6292,6 @@
   <inkml:trace contextRef="#ctx0" brushRef="#br0">32484 6785,'0'8801,"11735"-8801</inkml:trace>
   <inkml:trace contextRef="#ctx0" brushRef="#br0">32326 7100,'158'-315,"0"630</inkml:trace>
   <inkml:trace contextRef="#ctx0" brushRef="#br0">43903 15428,'316'158,"-632"-1</inkml:trace>
-  <inkml:trace contextRef="#ctx1" brushRef="#br1">28945 12998 2953,'4'-2'6915,"16"4"-7322,-12 0 791,68 0-125,0-2 1,138-22 0,-132 8-99,-74 12-302,0 0 1,0-2 0,0 2 0,-2-2 0,2 0 0,0 0 0,-2 0 0,8-6-1,-2-2-596</inkml:trace>
-  <inkml:trace contextRef="#ctx1" brushRef="#br1">28915 13010 3145,'-16'-22'6738,"10"6"-6627,2-2-1,0 0 0,0 0 0,2 0 0,0 2 0,0-2 0,2 0 0,4-26 0,2 4-578,-2 14-547,-2 0 0,2-42 1,-4 56-195</inkml:trace>
-  <inkml:trace contextRef="#ctx1" brushRef="#br1">29177 13004 5689,'0'-8'6079,"0"-10"-5738,12-212-1685,-12 212 629</inkml:trace>
-  <inkml:trace contextRef="#ctx1" brushRef="#br1">29313 12570 2264,'-16'-6'7018,"28"4"-5870,8 2-1296,6-2 21,-2 2 273,46-10 1,-62 8-282,-2 2 0,0-2 1,2-2-1,-2 2 1,0 0-1,2-2 1,-2 2-1,0-2 0,-2 0 1,4-2-1,4-4 1,2-4-843,-12 8 98</inkml:trace>
-  <inkml:trace contextRef="#ctx1" brushRef="#br1">29007 12516 5801,'0'-2'5801</inkml:trace>
-  <inkml:trace contextRef="#ctx1" brushRef="#br1">28979 12334 2353,'-2'12'6091,"10"-6"-5894,-6-6-207,8 4-11,2 0 0,-2 0 0,2-4 0,-2 2 0,2 0 0,0 0 0,-2-2 0,2 0 0,-2-2-1,2 2 1,0-2 0,18-6 0,14-4 53,78-34-1,-74 24 147,-18 12-901,0-6-1,50-26 1,-70 36-288</inkml:trace>
-  <inkml:trace contextRef="#ctx1" brushRef="#br1">29353 12424 6137,'0'2'186,"-2"-2"0,0 2 0,0-2 0,2 0 0,-2 2 0,2-2-1,-2 2 1,-2-2 0,2 0 0,2 2 0,-2-2 0,0 0 0,0 0 0,0 0-1,2 2 1,-2-2 0,0 0 0,0-2 0,0 2 0,0 0 0,0 0 0,0 0-1,0-2 1,2 2 0,-2 0 0,0-2 0,-2 0 0,2 0-214,-2-4 0,2 4 0,0-2-1,0 0 1,-2 0 0,4 0 0,-2 0 0,0 0 0,0 0 0,0-6 0,-2 0-157,0 0-1,4-2 1,-4 4-1,2-4 1,2 2-1,-2 0 1,2 0-1,0-2 1,0 2 0,2 0-1,0-2 1,0 2-1,0 2 1,0-4-1,2 2 1,0 0-1,10-16 1,-2 4-709</inkml:trace>
-  <inkml:trace contextRef="#ctx1" brushRef="#br1">29547 11994 2393,'20'0'1776,"-34"4"979,-40 2 1474,32-6-3863,0 0 0,0-4 0,2 0 0,-2 0 0,0 0 0,2-4 0,0 0 0,0 0 0,-34-18-1,52 24-361,-2 0-1,4 0 1,-4 2-1,0-2 1,4 0-1,-2 0 1,-2 0-1,2 0 1,2 0-1,-2-2 1,-2 4-1,2-4 1,2 0-1,0 4 1,-2-4-1,0 0 1,0 4-1,2-4 1,-2 0-1,2 2 1,0 0-1,0-2 1,0 2-1,0-2 1,0 2-1,0-2 1,0 2-1,0 0 1,0-2-1,0 0 1,0 2-1,2-2 1,-2 2-1,4-6 1,2-6-84,2 0 0,0 0 0,2 0 0,20-26 1,-18 26 98,-10 10-25,4-2-1,-2 0 1,0 2 0,2-2-1,-2 2 1,2 0-1,0 0 1,0 0 0,-2 0-1,4 0 1,-2 2 0,0-2-1,0 2 1,0 0-1,10-2 1,-6 2-10,0 2 0,0 0 1,0 0-1,-2 0 0,2 2 0,0 0 0,0 0 0,0 0 1,-2 0-1,16 6 0,20 14-96,-32-16-711,4 0-1,-4 0 1,0 0 0,28 2-1,-18-6-872</inkml:trace>
-  <inkml:trace contextRef="#ctx1" brushRef="#br1">29431 11624 4105,'0'0'3469,"0"-4"-1581,2-8-1690,-2 0 0,0 0 0,-2 0 0,0 2 0,0-4 0,0 4 0,0-2 0,-2 2-1,2-2 1,-4 0 0,2 4 0,-10-16 0,10 14-44,0 2 0,-2-2-1,0 0 1,0 2 0,0 0-1,-2 0 1,0 0 0,0 2-1,0-2 1,0 2 0,0 0-1,0 0 1,0 0 0,-16-6-1,20 12 6,0 0 0,-4-2-1,4 0 1,0 2 0,-2 0-1,2 0 1,-2 0 0,2 0-1,-2 0 1,0 2 0,2-2-1,-8 2 1,10 0-147,0-2-1,0 0 1,0 2-1,2 0 1,-2-2-1,0 2 1,0-2 0,0 0-1,2 2 1,-2 0-1,2-2 1,-2 2-1,0 0 1,0-2-1,2 2 1,0 0-1,0 0 1,-2 0-1,2-2 1,-2 2 0,2 0-1,-2 0 1,2 0-1,0 0 1,0 0-1,-2 0 1,2 0-1,0-2 1,0 2-1,0 0 1,0 2 0,2-4-1,-2 2 1,0 0-1,0 0 1,2 0-1,2 6-99,-4 0-1,4-2 0,0 0 0,0 0 1,0 0-1,0 2 0,0-4 1,0 2-1,2 0 0,0-2 0,-2 2 1,2-2-1,0 0 0,0 2 1,0-4-1,0 4 0,0-4 0,10 4 1,8 4-53,2 0 0,-2-4 1,46 8-1,-64-12 102,0 0 1,-2-2 0,4 2-1,-4-2 1,2 0 0,0-2-1,0 2 1,0 0 0,-2-2-1,4 0 1,-4 2 0,2-2-1,8-4 1,-8 4-78,-4-2 0,2 2-1,0 0 1,-4-2 0,4 2 0,0 0 0,-2-2 0,0 2-1,2-4 1,-4 4 0,2-2 0,0 0 0,0 2-1,0-4 1,-2 4 0,2-4 0,0 4 0,-2-4 0,2 4-1,-2-6 1,2-6-523,-2-2-1,0 2 1,0 0-1,-2 2 1,-4-20-1,2 2-719</inkml:trace>
-  <inkml:trace contextRef="#ctx1" brushRef="#br1">29227 11020 3969,'-34'2'1944,"34"-2"-1856,0 2 1,0-2-1,-2 0 0,2 0 0,-2 2 1,2-2-1,-2 0 0,2 2 0,-2-2 0,2 0 1,0 0-1,0 2 0,-2-2 0,2 2 0,0-2 1,-2 2-1,2-2 0,0 2 0,-2-2 0,2 0 1,0 2-1,0-2 0,0 2 0,-2 0 0,2 24 1002,0-20-760,-2 2-191,2 0-1,2-2 1,-2 2-1,0 0 1,0-2-1,6 12 1,-4-14-150,-2-2 1,0 2-1,2-2 1,0 2-1,0 0 1,0-2-1,0 2 1,0-2-1,2 0 1,-4 2-1,4-2 1,-2 0-1,0 2 1,2-2-1,4 2 1,-6-2-68,0-2 0,0 2 1,0-2-1,2 0 1,-4 0-1,4 0 0,-2 0 1,0 0-1,0 0 0,2 0 1,-2 0-1,0 0 1,0 0-1,2-2 0,-4 2 1,2-2-1,2 2 1,-2-2-1,-2 2 0,4-2 1,-2 2-1,0-2 1,-2 0-1,4 0 0,-2 0 1,0 2-1,-2-2 1,4-4-1,8-6-499,0-2 0,16-30 1,-14 26 505,12-24-73,-22 32 359,2-2 0,0 4 0,2-2 0,0 0 0,-2 0 0,2 2 0,2 0 0,6-10 0,-14 18-113,-2 0-1,2 0 0,0 0 1,-2 0-1,2-2 1,-2 2-1,2 0 1,-2-2-1,2 2 1,0 0-1,0 0 1,-2 0-1,0 0 1,2 0-1,0 0 1,-2 0-1,2 0 1,0 0-1,-2 0 1,0 0-1,2 2 1,0-2-1,-2 0 0,4 2 1,-2-2 54,0 2 1,2 0-1,-4 0 1,4 0-1,-2 0 1,0 2-1,-2-2 1,4-2-1,0 8 0,4 6 174,-2 0-1,-2-2 0,8 20 0,-10-26-250,10 28 165,-6-18-305,0-2 1,-2 2-1,0-2 0,0 2 1,2 22-1</inkml:trace>
-  <inkml:trace contextRef="#ctx1" brushRef="#br1">29211 10664 3113,'-4'12'1769,"-16"38"3236,18-40-4565,-2 2 0,2-4 0,0 4 1,2-2-1,-2 16 0,2-18-399,0 0 0,2-2 0,-2 0-1,0 0 1,2 2 0,0-2 0,0 2 0,6 10 0,-6-16-120,-2 0-1,0 0 1,2-2 0,0 2 0,0 0 0,0 0 0,-2 0 0,0-2 0,2 2 0,0 0 0,2 0 0,-4 0 0,2-2 0,0 0 0,0 2 0,0-2 0,0 2-1,0-2 1,0 2 0,0-2 0,0 0 0,0 0 0,0 2 0,0-2 0,0 0 0,0 0 0,2 0 0,-4-2 0,2 2 0,2 0 0,-2 0 0,-2-2 0,6 0 0,-2 0-261,2 2 1,-2-4 0,0 2-1,0 0 1,0-2 0,0 0-1,0 2 1,0-2 0,0 2-1,4-6 1,30-48-1812,-14 22 1701,-14 18 958,-2 2-1,2-2 1,6-22 0,-10 26 386,0-2 0,-2 4 0,4-4 0,-2 4 1,2-2-1,14-14 0,-22 26-791,2-2 0,-2 2 0,0 0 0,0-2 0,0 2 0,2 0 0,-2-2 0,2 2 0,-2 0-1,2-2 1,-2 2 0,2 0 0,-2 0 0,0 0 0,0 0 0,2 0 0,-2 0 0,2 0 0,0 0 0,-2 0 0,2 0 0,-2 0 0,0 0 0,0 0 0,2 0 0,2 0 0,-2 2 40,-2-2-1,2 2 1,0 0 0,0 0 0,0-2-1,-2 2 1,2 0 0,0 0 0,0 0 0,0-2-1,0 4 1,4 8 265,2 0 0,-4 0 0,6 12 0,-8-16-185,12 24 265,6 18-274,-6-16-2986,-12-22 478</inkml:trace>
   <inkml:trace contextRef="#ctx1" brushRef="#br1">34435 17842 1144,'-34'66'1303,"34"-60"-1215,-2 0 0,0 0 0,0 0 0,2 2-1,-2-2 1,2 0 0,0 2 0,0-2 0,0 0 0,2 2-1,2 8 1,-2 0 254,-2-4-30,0-6 250,2 0 0,-2 2 1,2-2-1,0 0 0,2 12 1581,-10-32 1933,2 6-4018,0-2 0,0 0 0,0-2 0,0 4 0,4-4 0,-4 2-1,2 0 1,2-2 0,-2 0 0,2 4 0,2-4 0,-2 0 0,2 2-1,0 0 1,0-2 0,0 2 0,2 0 0,-2 0 0,4 0 0,4-10-1,-8 10-92,4 2 0,-4 0 0,4 0 0,-2 2 0,2-2 0,0 0 0,0 2-1,10-10 1,-14 14 17,0-2 0,2 4-1,-2-4 1,0 2-1,2 0 1,-2 2 0,2-2-1,0 0 1,-2 0 0,2 0-1,-2 2 1,2 0-1,0-2 1,0 2 0,0-2-1,-2 2 1,2 0 0,0 0-1,0 0 1,-2 0-1,2 0 1,0 2 0,0-2-1,0 2 1,-2-2 0,8 4-1,-2 0 10,-2 0 0,0 2 0,2 0 0,-2-2 0,-2 2 0,2 0 0,0 2 0,-2-2 0,2 0 0,-2 0 0,0 0 0,4 14 0,6 10 85,14 56 0,-24-76-51,20 78 845,-24-88-642,0-2-136,0 2 1,0 0 0,0-2-1,0 0 1,2 0-1,-2 2 1,0-2 0,0 2-1,0-2 1,0 2-1,0-2 1,2 0 0,0 0-1,-2 2-19,26-50-132,0 2 0,62-80 0,-76 114-43,-10 14 75,0 0-1,-2-2 0,2 2 0,0-2 0,0 2 0,0-2 0,-2 2 1,2 0-1,0-2 0,0 2 0,0 0 0,-2 0 0,2 0 0,0 0 1,0 0-1,0 0 0,-2 0 0,2 0 0,0 0 0,0 2 1,0-2-1,-2 0 0,2 2 0,0-2 0,0 0 0,0 2 0,-2 0 1,2-2-1,0 0 0,0 0 0,-2 2 0,2 0 0,-2 0 1,2-2-1,2 4 0,6 10-34,2 2-1,-2 0 1,0 0 0,-2 0-1,12 24 1,-14-24-124,2 2 0,2-2 0,0 0-1,0 0 1,14 20 0,-2-24-817,-12-6 33</inkml:trace>
   <inkml:trace contextRef="#ctx1" brushRef="#br1">35161 17840 2873,'-6'-4'2955,"0"-4"-129,0 20-2711,6-2-106,-2 0 0,2-2 1,2 2-1,-2 0 0,2 0 1,-2-2-1,2 2 0,0-2 1,2 0-1,-2 2 1,2-2-1,-2 2 0,4-2 1,-2 0-1,2 0 0,-2 0 1,14 12-1,-12-12 61,2 2 0,2-2 0,-2 0 0,2 0 0,-2-2 1,2 2-1,0 0 0,0-4 0,0 2 0,0 0 0,2-2 0,-2 0 0,24 4 0,-28-6 26,0 0 1,0-2-1,0 2 0,0-2 0,2 0 1,-2 0-1,0-2 0,-2 2 0,4-2 1,-2 2-1,0-2 0,0 2 0,0-4 1,0 2-1,-2 0 0,2-2 0,0 2 0,0-2 1,-2 0-1,2 2 0,-2-4 0,2 4 1,4-12-1,-4 8 56,-2 2 1,0-4-1,0 4 0,0-2 1,-2 0-1,0-2 0,2 2 0,-2 0 1,4-14-1,-4-4 541,4-36-1,-6 48-515,0 4-103,0 0 0,0-2 1,0 2-1,-2-2 0,-2 2 1,2-2-1,0 2 0,-2 0 0,2 0 1,-12-16-1,22 38-765,0 2 0,-2 0 0,10 18-1,-12-18 670,2 0-1,0-2 0,2 2 1,16 24-1,-16-28-2,2 0 1,0-2-1,2 2 0,16 12 1,-24-20-284,2 0 0,-2-2 0,2 2 0,0 0 0,0-4 0,-2 4 0,4-2 0,-4 0 0,2-2 0,0 2 0,2 0 0,-2 0 0,12-2 0,-10-4-1155</inkml:trace>
   <inkml:trace contextRef="#ctx1" brushRef="#br1">35777 17556 3713,'-20'8'4251,"18"-8"-4122,0 0-1,2 2 1,-2 0 0,2 0-1,-2 0 1,0-2 0,0 0-1,2 2 1,0 0 0,-2 0-1,2 0 1,-2 0 0,2 0-1,-2 2 1,2 4-120,0 0 0,0 0 0,0 0 0,2 0 0,0 0 0,0 0 0,0 0 0,0 0 0,6 12-1,40 72-119,-36-72 98,-4-4 63,20 36-498,0-4-1,70 88 0,-76-118-32</inkml:trace>
@@ -6421,6 +6421,1316 @@
 </inkml:ink>
 </file>
 
+<file path=ppt/ink/ink10.xml><?xml version="1.0" encoding="utf-8"?>
+<inkml:ink xmlns:inkml="http://www.w3.org/2003/InkML">
+  <inkml:definitions>
+    <inkml:context xml:id="ctx0">
+      <inkml:inkSource xml:id="inkSrc0">
+        <inkml:traceFormat>
+          <inkml:channel name="X" type="integer" min="-2.14748E9" max="2.14748E9" units="cm"/>
+          <inkml:channel name="Y" type="integer" min="-2.14748E9" max="2.14748E9" units="cm"/>
+          <inkml:channel name="F" type="integer" max="32767" units="dev"/>
+          <inkml:channel name="OA" type="integer" max="360" units="deg"/>
+          <inkml:channel name="OE" type="integer" max="90" units="deg"/>
+        </inkml:traceFormat>
+        <inkml:channelProperties>
+          <inkml:channelProperty channel="X" name="resolution" value="1000" units="1/cm"/>
+          <inkml:channelProperty channel="Y" name="resolution" value="1000" units="1/cm"/>
+          <inkml:channelProperty channel="F" name="resolution" value="0" units="1/dev"/>
+          <inkml:channelProperty channel="OA" name="resolution" value="1000" units="1/deg"/>
+          <inkml:channelProperty channel="OE" name="resolution" value="1000" units="1/deg"/>
+        </inkml:channelProperties>
+      </inkml:inkSource>
+      <inkml:timestamp xml:id="ts0" timeString="2025-10-30T07:43:21.895"/>
+    </inkml:context>
+    <inkml:brush xml:id="br0">
+      <inkml:brushProperty name="width" value="0.1" units="cm"/>
+      <inkml:brushProperty name="height" value="0.1" units="cm"/>
+      <inkml:brushProperty name="color" value="#66CC00"/>
+    </inkml:brush>
+  </inkml:definitions>
+  <inkml:trace contextRef="#ctx0" brushRef="#br0">22 12 7618 0 0,'-6'-2'3544'0'0,"1"1"-2399"0"0,1-2-585 0 0,3 3-120 0 0,-1-1-488 0 0,1-1 112 0 0,-2 0-1144 0 0</inkml:trace>
+</inkml:ink>
+</file>
+
+<file path=ppt/ink/ink11.xml><?xml version="1.0" encoding="utf-8"?>
+<inkml:ink xmlns:inkml="http://www.w3.org/2003/InkML">
+  <inkml:definitions>
+    <inkml:context xml:id="ctx0">
+      <inkml:inkSource xml:id="inkSrc0">
+        <inkml:traceFormat>
+          <inkml:channel name="X" type="integer" min="-2.14748E9" max="2.14748E9" units="cm"/>
+          <inkml:channel name="Y" type="integer" min="-2.14748E9" max="2.14748E9" units="cm"/>
+          <inkml:channel name="F" type="integer" max="32767" units="dev"/>
+          <inkml:channel name="OA" type="integer" max="360" units="deg"/>
+          <inkml:channel name="OE" type="integer" max="90" units="deg"/>
+        </inkml:traceFormat>
+        <inkml:channelProperties>
+          <inkml:channelProperty channel="X" name="resolution" value="1000" units="1/cm"/>
+          <inkml:channelProperty channel="Y" name="resolution" value="1000" units="1/cm"/>
+          <inkml:channelProperty channel="F" name="resolution" value="0" units="1/dev"/>
+          <inkml:channelProperty channel="OA" name="resolution" value="1000" units="1/deg"/>
+          <inkml:channelProperty channel="OE" name="resolution" value="1000" units="1/deg"/>
+        </inkml:channelProperties>
+      </inkml:inkSource>
+      <inkml:timestamp xml:id="ts0" timeString="2025-10-30T07:43:22.504"/>
+    </inkml:context>
+    <inkml:brush xml:id="br0">
+      <inkml:brushProperty name="width" value="0.1" units="cm"/>
+      <inkml:brushProperty name="height" value="0.1" units="cm"/>
+      <inkml:brushProperty name="color" value="#66CC00"/>
+    </inkml:brush>
+  </inkml:definitions>
+  <inkml:trace contextRef="#ctx0" brushRef="#br0">140 147 4945 0 0,'-5'1'158'0'0,"-5"2"361"0"0,0 0 0 0 0,1 0 0 0 0,-1 1 0 0 0,1 0 0 0 0,0 1-1 0 0,1 0 1 0 0,-1 0 0 0 0,-7 7 0 0 0,5-3 480 0 0,6-6-681 0 0,1 0-1 0 0,0 0 1 0 0,1 0 0 0 0,-1 1-1 0 0,-5 6 1 0 0,9-9-306 0 0,-1 0 1 0 0,0 0 0 0 0,1 0-1 0 0,-1 0 1 0 0,1 0 0 0 0,0 0-1 0 0,-1 0 1 0 0,1 1 0 0 0,0-1-1 0 0,-1 0 1 0 0,1 0 0 0 0,0 0 0 0 0,0 1-1 0 0,0-1 1 0 0,0 0 0 0 0,0 0-1 0 0,0 1 1 0 0,1-1 0 0 0,-1 0-1 0 0,0 0 1 0 0,1 0 0 0 0,-1 0-1 0 0,0 1 1 0 0,1-1 0 0 0,0 0-1 0 0,-1 0 1 0 0,1 0 0 0 0,1 2-1 0 0,4 4-63 0 0,0-1-1 0 0,1 1 1 0 0,0-1-1 0 0,0 0 1 0 0,1 0-1 0 0,-1-1 0 0 0,1 0 1 0 0,0-1-1 0 0,1 0 1 0 0,-1 0-1 0 0,1 0 1 0 0,-1-1-1 0 0,1-1 0 0 0,0 1 1 0 0,0-2-1 0 0,14 2 1 0 0,-4-1 25 0 0,0-1 0 0 0,-1-1 0 0 0,1 0 1 0 0,0-2-1 0 0,-1 0 0 0 0,1-1 0 0 0,23-7 1 0 0,-35 8 43 0 0,1-1 0 0 0,-1 0 0 0 0,0 0 0 0 0,0 0 0 0 0,0-1-1 0 0,0 0 1 0 0,-1-1 0 0 0,1 1 0 0 0,-1-1 0 0 0,0 0 0 0 0,9-12 0 0 0,-12 14 22 0 0,-1 0 0 0 0,0 0 0 0 0,0-1 0 0 0,0 1 0 0 0,-1 0 0 0 0,1-1-1 0 0,-1 0 1 0 0,0 1 0 0 0,0-1 0 0 0,0 0 0 0 0,-1 0 0 0 0,1 0 0 0 0,-1 1 0 0 0,0-1-1 0 0,0 0 1 0 0,0 0 0 0 0,0 0 0 0 0,-1 0 0 0 0,0 1 0 0 0,1-1 0 0 0,-1 0 0 0 0,-1 0-1 0 0,1 1 1 0 0,-1-1 0 0 0,1 1 0 0 0,-4-5 0 0 0,-2-4 159 0 0,-2 0 0 0 0,1 0 0 0 0,-2 1 0 0 0,1 0 0 0 0,-2 0 0 0 0,1 1 0 0 0,-1 1 0 0 0,-1 0 0 0 0,0 0 0 0 0,-25-13 0 0 0,27 16-171 0 0,-1 1 1 0 0,1 1-1 0 0,-1 0 0 0 0,0 0 1 0 0,0 1-1 0 0,0 0 1 0 0,0 1-1 0 0,-1 0 1 0 0,1 1-1 0 0,-1 0 0 0 0,1 1 1 0 0,-1 0-1 0 0,1 1 1 0 0,-18 3-1 0 0,21-2-295 0 0,1 1 1 0 0,1 0-1 0 0,-1 1 0 0 0,0-1 0 0 0,1 1 1 0 0,-1 0-1 0 0,1 1 0 0 0,1 0 1 0 0,-1 0-1 0 0,0 0 0 0 0,1 0 0 0 0,0 1 1 0 0,1 0-1 0 0,-1 0 0 0 0,-6 13 0 0 0,10-10-573 0 0</inkml:trace>
+</inkml:ink>
+</file>
+
+<file path=ppt/ink/ink12.xml><?xml version="1.0" encoding="utf-8"?>
+<inkml:ink xmlns:inkml="http://www.w3.org/2003/InkML">
+  <inkml:definitions>
+    <inkml:context xml:id="ctx0">
+      <inkml:inkSource xml:id="inkSrc0">
+        <inkml:traceFormat>
+          <inkml:channel name="X" type="integer" min="-2.14748E9" max="2.14748E9" units="cm"/>
+          <inkml:channel name="Y" type="integer" min="-2.14748E9" max="2.14748E9" units="cm"/>
+          <inkml:channel name="F" type="integer" max="32767" units="dev"/>
+          <inkml:channel name="OA" type="integer" max="360" units="deg"/>
+          <inkml:channel name="OE" type="integer" max="90" units="deg"/>
+        </inkml:traceFormat>
+        <inkml:channelProperties>
+          <inkml:channelProperty channel="X" name="resolution" value="1000" units="1/cm"/>
+          <inkml:channelProperty channel="Y" name="resolution" value="1000" units="1/cm"/>
+          <inkml:channelProperty channel="F" name="resolution" value="0" units="1/dev"/>
+          <inkml:channelProperty channel="OA" name="resolution" value="1000" units="1/deg"/>
+          <inkml:channelProperty channel="OE" name="resolution" value="1000" units="1/deg"/>
+        </inkml:channelProperties>
+      </inkml:inkSource>
+      <inkml:timestamp xml:id="ts0" timeString="2025-10-30T07:43:22.975"/>
+    </inkml:context>
+    <inkml:brush xml:id="br0">
+      <inkml:brushProperty name="width" value="0.1" units="cm"/>
+      <inkml:brushProperty name="height" value="0.1" units="cm"/>
+      <inkml:brushProperty name="color" value="#66CC00"/>
+    </inkml:brush>
+  </inkml:definitions>
+  <inkml:trace contextRef="#ctx0" brushRef="#br0">359 411 1880 0 0,'0'0'6111'0'0,"-12"2"-2721"0"0,1 1-3252 0 0,0 0-1 0 0,-1-1 0 0 0,1 0 1 0 0,0-1-1 0 0,-1-1 1 0 0,1 0-1 0 0,-1 0 1 0 0,1-1-1 0 0,-1 0 0 0 0,1-1 1 0 0,0-1-1 0 0,-1 1 1 0 0,1-2-1 0 0,1 0 1 0 0,-1 0-1 0 0,0-1 0 0 0,1 0 1 0 0,0 0-1 0 0,-13-11 1 0 0,15 11-96 0 0,0-1 0 0 0,0 0 0 0 0,0 0 1 0 0,1-1-1 0 0,-1 0 0 0 0,2 0 0 0 0,-1-1 1 0 0,1 0-1 0 0,0 0 0 0 0,1 0 0 0 0,0-1 1 0 0,0 0-1 0 0,0 0 0 0 0,2 0 1 0 0,-1 0-1 0 0,1-1 0 0 0,0 1 0 0 0,-2-18 1 0 0,4 21-38 0 0,0-1 1 0 0,1 0 0 0 0,0 0-1 0 0,0 0 1 0 0,0 0 0 0 0,1 1-1 0 0,0-1 1 0 0,0 0 0 0 0,1 0 0 0 0,0 1-1 0 0,0-1 1 0 0,0 1 0 0 0,1 0-1 0 0,0-1 1 0 0,0 1 0 0 0,1 1 0 0 0,8-12-1 0 0,-7 10-6 0 0,1 1 0 0 0,0-1 0 0 0,0 1 0 0 0,0 0 0 0 0,1 1 0 0 0,0 0 0 0 0,0 0 0 0 0,0 0 0 0 0,1 1-1 0 0,0 0 1 0 0,-1 0 0 0 0,13-3 0 0 0,-14 5 2 0 0,1 1 0 0 0,0 0 0 0 0,0 0 0 0 0,0 0-1 0 0,0 1 1 0 0,-1 0 0 0 0,1 0 0 0 0,0 1 0 0 0,0 0-1 0 0,0 0 1 0 0,-1 1 0 0 0,1 0 0 0 0,0 0 0 0 0,-1 0 0 0 0,0 1-1 0 0,8 4 1 0 0,19 12-306 0 0,-1 1-1 0 0,-1 2 1 0 0,40 36 0 0 0,-54-41-274 0 0</inkml:trace>
+</inkml:ink>
+</file>
+
+<file path=ppt/ink/ink13.xml><?xml version="1.0" encoding="utf-8"?>
+<inkml:ink xmlns:inkml="http://www.w3.org/2003/InkML">
+  <inkml:definitions>
+    <inkml:context xml:id="ctx0">
+      <inkml:inkSource xml:id="inkSrc0">
+        <inkml:traceFormat>
+          <inkml:channel name="X" type="integer" min="-2.14748E9" max="2.14748E9" units="cm"/>
+          <inkml:channel name="Y" type="integer" min="-2.14748E9" max="2.14748E9" units="cm"/>
+          <inkml:channel name="F" type="integer" max="32767" units="dev"/>
+          <inkml:channel name="OA" type="integer" max="360" units="deg"/>
+          <inkml:channel name="OE" type="integer" max="90" units="deg"/>
+        </inkml:traceFormat>
+        <inkml:channelProperties>
+          <inkml:channelProperty channel="X" name="resolution" value="1000" units="1/cm"/>
+          <inkml:channelProperty channel="Y" name="resolution" value="1000" units="1/cm"/>
+          <inkml:channelProperty channel="F" name="resolution" value="0" units="1/dev"/>
+          <inkml:channelProperty channel="OA" name="resolution" value="1000" units="1/deg"/>
+          <inkml:channelProperty channel="OE" name="resolution" value="1000" units="1/deg"/>
+        </inkml:channelProperties>
+      </inkml:inkSource>
+      <inkml:timestamp xml:id="ts0" timeString="2025-10-30T07:43:24.034"/>
+    </inkml:context>
+    <inkml:brush xml:id="br0">
+      <inkml:brushProperty name="width" value="0.1" units="cm"/>
+      <inkml:brushProperty name="height" value="0.1" units="cm"/>
+      <inkml:brushProperty name="color" value="#66CC00"/>
+    </inkml:brush>
+  </inkml:definitions>
+  <inkml:trace contextRef="#ctx0" brushRef="#br0">135 196 3705 0 0,'-2'-1'397'0'0,"-5"-2"214"0"0,1 1 1 0 0,-1 0-1 0 0,1 0 1 0 0,-1 0 0 0 0,0 1-1 0 0,0 0 1 0 0,0 0 0 0 0,0 1-1 0 0,0 0 1 0 0,0 0-1 0 0,-7 2 1 0 0,12-1-603 0 0,1 1 0 0 0,-1-1 1 0 0,1 1-1 0 0,-1-1 0 0 0,1 1 0 0 0,0 0 0 0 0,0-1 0 0 0,-1 1 0 0 0,1 0 1 0 0,1 0-1 0 0,-1 0 0 0 0,-1 2 0 0 0,-3 7-32 0 0,-13 26-194 0 0,17-34 159 0 0,0 0 0 0 0,1 0 0 0 0,-1-1 0 0 0,1 1 0 0 0,0 0 0 0 0,-1 0 0 0 0,1 0 0 0 0,0 0 0 0 0,1 0 0 0 0,-1 0 0 0 0,1 0 0 0 0,-1 0 0 0 0,1-1 0 0 0,0 1 0 0 0,0 0-1 0 0,0 0 1 0 0,0-1 0 0 0,0 1 0 0 0,3 3 0 0 0,1 1-238 0 0,0 0-1 0 0,0 0 0 0 0,0 0 0 0 0,12 10 0 0 0,-9-11 138 0 0,1 0-1 0 0,0-1 0 0 0,0 0 1 0 0,0 0-1 0 0,0-1 1 0 0,1 0-1 0 0,0 0 0 0 0,0-1 1 0 0,0 0-1 0 0,0-1 1 0 0,0 0-1 0 0,0-1 0 0 0,19 0 1 0 0,-12-1 42 0 0,-1 0 0 0 0,1-1 0 0 0,0-1 1 0 0,-1-1-1 0 0,0 0 0 0 0,1-1 0 0 0,28-12 1 0 0,-36 12 88 0 0,1 0 0 0 0,-2-1 0 0 0,1 0 0 0 0,0-1 0 0 0,-1 0 0 0 0,0 0 0 0 0,-1-1 0 0 0,1 0 0 0 0,-1 0 0 0 0,-1-1 1 0 0,1 0-1 0 0,-2 0 0 0 0,1 0 0 0 0,-1-1 0 0 0,0 0 0 0 0,0 0 0 0 0,-1 0 0 0 0,-1-1 0 0 0,1 1 0 0 0,-2-1 0 0 0,1 0 1 0 0,-1 0-1 0 0,-1 0 0 0 0,0 0 0 0 0,0 0 0 0 0,-1-18 0 0 0,-1 18-29 0 0,0 0 0 0 0,-1 0-1 0 0,0 0 1 0 0,0 0 0 0 0,-1 0 0 0 0,0 1-1 0 0,-1-1 1 0 0,0 1 0 0 0,0 0 0 0 0,-12-17 0 0 0,2 0-338 0 0</inkml:trace>
+</inkml:ink>
+</file>
+
+<file path=ppt/ink/ink14.xml><?xml version="1.0" encoding="utf-8"?>
+<inkml:ink xmlns:inkml="http://www.w3.org/2003/InkML">
+  <inkml:definitions>
+    <inkml:context xml:id="ctx0">
+      <inkml:inkSource xml:id="inkSrc0">
+        <inkml:traceFormat>
+          <inkml:channel name="X" type="integer" min="-2.14748E9" max="2.14748E9" units="cm"/>
+          <inkml:channel name="Y" type="integer" min="-2.14748E9" max="2.14748E9" units="cm"/>
+          <inkml:channel name="F" type="integer" max="32767" units="dev"/>
+          <inkml:channel name="OA" type="integer" max="360" units="deg"/>
+          <inkml:channel name="OE" type="integer" max="90" units="deg"/>
+        </inkml:traceFormat>
+        <inkml:channelProperties>
+          <inkml:channelProperty channel="X" name="resolution" value="1000" units="1/cm"/>
+          <inkml:channelProperty channel="Y" name="resolution" value="1000" units="1/cm"/>
+          <inkml:channelProperty channel="F" name="resolution" value="0" units="1/dev"/>
+          <inkml:channelProperty channel="OA" name="resolution" value="1000" units="1/deg"/>
+          <inkml:channelProperty channel="OE" name="resolution" value="1000" units="1/deg"/>
+        </inkml:channelProperties>
+      </inkml:inkSource>
+      <inkml:timestamp xml:id="ts0" timeString="2025-10-30T07:43:24.332"/>
+    </inkml:context>
+    <inkml:brush xml:id="br0">
+      <inkml:brushProperty name="width" value="0.1" units="cm"/>
+      <inkml:brushProperty name="height" value="0.1" units="cm"/>
+      <inkml:brushProperty name="color" value="#66CC00"/>
+    </inkml:brush>
+  </inkml:definitions>
+  <inkml:trace contextRef="#ctx0" brushRef="#br0">23 149 7450 0 0,'-2'2'409'0'0,"0"-1"1"0"0,0 1 0 0 0,0 0 0 0 0,0 1 0 0 0,1-1-1 0 0,-1 0 1 0 0,1 0 0 0 0,0 1 0 0 0,-1-1-1 0 0,1 1 1 0 0,0-1 0 0 0,0 1 0 0 0,1-1 0 0 0,-1 1-1 0 0,0 0 1 0 0,1-1 0 0 0,-1 6 0 0 0,2-6-374 0 0,-1 1-1 0 0,1-1 1 0 0,-1 1 0 0 0,1-1 0 0 0,0 0 0 0 0,0 0-1 0 0,0 1 1 0 0,0-1 0 0 0,0 0 0 0 0,1 0 0 0 0,-1 0-1 0 0,1 0 1 0 0,-1 0 0 0 0,1-1 0 0 0,0 1 0 0 0,2 2-1 0 0,2 0-239 0 0,1 1 0 0 0,-1-1 0 0 0,1-1 0 0 0,0 1-1 0 0,0-1 1 0 0,0 0 0 0 0,0-1 0 0 0,1 1 0 0 0,-1-2-1 0 0,1 1 1 0 0,11 0 0 0 0,5 0 35 0 0,1-2 0 0 0,0-1 0 0 0,0-1 0 0 0,-1-1 0 0 0,1-1 0 0 0,42-13 0 0 0,-53 12 129 0 0,0 0 0 0 0,-1-1 1 0 0,0-1-1 0 0,0 0 0 0 0,0 0 1 0 0,-1-1-1 0 0,0-1 0 0 0,0 0 1 0 0,-1-1-1 0 0,0 0 0 0 0,-1-1 1 0 0,16-21-1 0 0,-7-5 235 0 0,-18 36-148 0 0,-1 0 0 0 0,0 0-1 0 0,1-1 1 0 0,-1 1-1 0 0,0 0 1 0 0,1 0 0 0 0,-1 0-1 0 0,0 0 1 0 0,0-1 0 0 0,0 1-1 0 0,0 0 1 0 0,0 0 0 0 0,0 0-1 0 0,0-1 1 0 0,0 1 0 0 0,-1 0-1 0 0,1 0 1 0 0,0 0 0 0 0,-1 0-1 0 0,1 0 1 0 0,-1 0 0 0 0,1 0-1 0 0,-1 0 1 0 0,0 0 0 0 0,1 0-1 0 0,-1 0 1 0 0,0 0 0 0 0,0 0-1 0 0,0 0 1 0 0,-1-1 0 0 0,-14-5 387 0 0,0 0 0 0 0,0 1 0 0 0,0 0 0 0 0,-1 2 0 0 0,0 0 0 0 0,-25-3 0 0 0,-5 3-49 0 0,-56 3 1 0 0,87 1-499 0 0,-1 1 1 0 0,1 1-1 0 0,-16 4 1 0 0,28-5-84 0 0,0-1 0 0 0,1 1 0 0 0,-1 0 0 0 0,1 0 0 0 0,-1 1-1 0 0,1-1 1 0 0,0 1 0 0 0,0 0 0 0 0,-1-1 0 0 0,1 1 0 0 0,0 1 0 0 0,1-1 0 0 0,-1 0 0 0 0,0 1 0 0 0,1 0-1 0 0,-1-1 1 0 0,1 1 0 0 0,0 0 0 0 0,-4 6 0 0 0,6-7 1 0 0,-1-1 0 0 0,1 1 0 0 0,-1-1 0 0 0,1 1 0 0 0,0 0 0 0 0,0-1 0 0 0,0 1 0 0 0,0 0 0 0 0,0-1 0 0 0,0 1 0 0 0,0 0 0 0 0,0-1 0 0 0,1 1 0 0 0,-1-1 0 0 0,0 1 0 0 0,1 0 0 0 0,0-1 0 0 0,-1 1-1 0 0,1-1 1 0 0,1 2 0 0 0,9 9-1528 0 0</inkml:trace>
+</inkml:ink>
+</file>
+
+<file path=ppt/ink/ink15.xml><?xml version="1.0" encoding="utf-8"?>
+<inkml:ink xmlns:inkml="http://www.w3.org/2003/InkML">
+  <inkml:definitions>
+    <inkml:context xml:id="ctx0">
+      <inkml:inkSource xml:id="inkSrc0">
+        <inkml:traceFormat>
+          <inkml:channel name="X" type="integer" min="-2.14748E9" max="2.14748E9" units="cm"/>
+          <inkml:channel name="Y" type="integer" min="-2.14748E9" max="2.14748E9" units="cm"/>
+          <inkml:channel name="F" type="integer" max="32767" units="dev"/>
+          <inkml:channel name="OA" type="integer" max="360" units="deg"/>
+          <inkml:channel name="OE" type="integer" max="90" units="deg"/>
+        </inkml:traceFormat>
+        <inkml:channelProperties>
+          <inkml:channelProperty channel="X" name="resolution" value="1000" units="1/cm"/>
+          <inkml:channelProperty channel="Y" name="resolution" value="1000" units="1/cm"/>
+          <inkml:channelProperty channel="F" name="resolution" value="0" units="1/dev"/>
+          <inkml:channelProperty channel="OA" name="resolution" value="1000" units="1/deg"/>
+          <inkml:channelProperty channel="OE" name="resolution" value="1000" units="1/deg"/>
+        </inkml:channelProperties>
+      </inkml:inkSource>
+      <inkml:timestamp xml:id="ts0" timeString="2025-10-30T07:43:24.917"/>
+    </inkml:context>
+    <inkml:brush xml:id="br0">
+      <inkml:brushProperty name="width" value="0.1" units="cm"/>
+      <inkml:brushProperty name="height" value="0.1" units="cm"/>
+      <inkml:brushProperty name="color" value="#66CC00"/>
+    </inkml:brush>
+  </inkml:definitions>
+  <inkml:trace contextRef="#ctx0" brushRef="#br0">216 313 2801 0 0,'33'28'1121'0'0,"-33"-27"-1099"0"0,1-1 0 0 0,-1 0-1 0 0,0 1 1 0 0,0-1 0 0 0,1 0 0 0 0,-1 1-1 0 0,1-1 1 0 0,-1 0 0 0 0,0 1 0 0 0,1-1-1 0 0,-1 0 1 0 0,1 0 0 0 0,-1 1-1 0 0,1-1 1 0 0,-1 0 0 0 0,0 0 0 0 0,1 0-1 0 0,-1 0 1 0 0,1 0 0 0 0,-1 0 0 0 0,1 0-1 0 0,-1 0 1 0 0,1 0 0 0 0,-1 0 0 0 0,1 0-1 0 0,-1 0 1 0 0,1 0 0 0 0,-1 0-1 0 0,1 0 1 0 0,-1 0 0 0 0,1 0 0 0 0,-1-1-1 0 0,0 1 1 0 0,1 0 0 0 0,-1 0 0 0 0,1 0-1 0 0,-1-1 1 0 0,1 1 0 0 0,-1 0 0 0 0,0-1-1 0 0,1 1 1 0 0,-1 0 0 0 0,0-1-1 0 0,1 1 1 0 0,-1-1 0 0 0,0 1 0 0 0,0 0-1 0 0,0-1 1 0 0,1 1 0 0 0,-1-1 0 0 0,0 1-1 0 0,0-1 1 0 0,0 1 0 0 0,0-1 0 0 0,0 1-1 0 0,1-1 1 0 0,2-32 788 0 0,-3 28-770 0 0,0-4 228 0 0,0 0 1 0 0,-1 1-1 0 0,0-1 1 0 0,0 0-1 0 0,-1 1 1 0 0,0-1 0 0 0,0 1-1 0 0,-1 0 1 0 0,0-1-1 0 0,-1 2 1 0 0,0-1-1 0 0,0 0 1 0 0,-1 1-1 0 0,1-1 1 0 0,-13-12 0 0 0,11 14 129 0 0,0-1 0 0 0,0 1 0 0 0,-1 1 1 0 0,0-1-1 0 0,-1 1 0 0 0,1 0 1 0 0,-1 1-1 0 0,0-1 0 0 0,-13-4 1 0 0,16 8-262 0 0,1 0 1 0 0,0 0 0 0 0,-1 1-1 0 0,1 0 1 0 0,-1-1-1 0 0,1 1 1 0 0,0 1 0 0 0,-1-1-1 0 0,1 1 1 0 0,0 0 0 0 0,-1 0-1 0 0,1 0 1 0 0,0 0-1 0 0,0 1 1 0 0,0-1 0 0 0,0 1-1 0 0,0 0 1 0 0,0 1-1 0 0,0-1 1 0 0,1 1 0 0 0,-5 3-1 0 0,4-3-211 0 0,1-1 0 0 0,0 1-1 0 0,0 0 1 0 0,1 0 0 0 0,-1 0-1 0 0,0 0 1 0 0,1 1 0 0 0,0-1-1 0 0,0 0 1 0 0,0 1-1 0 0,0 0 1 0 0,0-1 0 0 0,1 1-1 0 0,0 0 1 0 0,0 0 0 0 0,0 0-1 0 0,0 0 1 0 0,0 0 0 0 0,1 0-1 0 0,0 0 1 0 0,0 0 0 0 0,0 0-1 0 0,0 0 1 0 0,1 0 0 0 0,-1 0-1 0 0,1 0 1 0 0,0 0-1 0 0,0 0 1 0 0,1 0 0 0 0,-1 0-1 0 0,1 0 1 0 0,3 5 0 0 0,0-1-115 0 0,0 0 0 0 0,0-1-1 0 0,1 0 1 0 0,0 0 0 0 0,0 0 0 0 0,1-1 0 0 0,0 0 0 0 0,0 0 0 0 0,0-1 0 0 0,1 1 0 0 0,0-2-1 0 0,0 1 1 0 0,14 5 0 0 0,-9-6 80 0 0,1 0 1 0 0,-1-1-1 0 0,1 0 0 0 0,0-1 0 0 0,0-1 0 0 0,0 0 0 0 0,0-1 1 0 0,0-1-1 0 0,-1 0 0 0 0,1-1 0 0 0,0 0 0 0 0,13-4 0 0 0,-20 3 36 0 0,0 1-1 0 0,0-1 0 0 0,0-1 0 0 0,0 1 0 0 0,-1-1 1 0 0,0 0-1 0 0,0 0 0 0 0,0-1 0 0 0,0 0 1 0 0,-1 0-1 0 0,1 0 0 0 0,-1-1 0 0 0,-1 0 0 0 0,1 0 1 0 0,-1 0-1 0 0,0 0 0 0 0,0-1 0 0 0,-1 0 1 0 0,0 0-1 0 0,4-11 0 0 0,-2 5-232 0 0,-1-1 0 0 0,-1 1 0 0 0,0 0 0 0 0,0-1 0 0 0,-1 0 0 0 0,-1 0 1 0 0,-1 1-1 0 0,0-1 0 0 0,0 0 0 0 0,-5-21 0 0 0,-3 7-530 0 0,-5 1-175 0 0</inkml:trace>
+</inkml:ink>
+</file>
+
+<file path=ppt/ink/ink16.xml><?xml version="1.0" encoding="utf-8"?>
+<inkml:ink xmlns:inkml="http://www.w3.org/2003/InkML">
+  <inkml:definitions>
+    <inkml:context xml:id="ctx0">
+      <inkml:inkSource xml:id="inkSrc0">
+        <inkml:traceFormat>
+          <inkml:channel name="X" type="integer" min="-2.14748E9" max="2.14748E9" units="cm"/>
+          <inkml:channel name="Y" type="integer" min="-2.14748E9" max="2.14748E9" units="cm"/>
+          <inkml:channel name="F" type="integer" max="32767" units="dev"/>
+          <inkml:channel name="OA" type="integer" max="360" units="deg"/>
+          <inkml:channel name="OE" type="integer" max="90" units="deg"/>
+        </inkml:traceFormat>
+        <inkml:channelProperties>
+          <inkml:channelProperty channel="X" name="resolution" value="1000" units="1/cm"/>
+          <inkml:channelProperty channel="Y" name="resolution" value="1000" units="1/cm"/>
+          <inkml:channelProperty channel="F" name="resolution" value="0" units="1/dev"/>
+          <inkml:channelProperty channel="OA" name="resolution" value="1000" units="1/deg"/>
+          <inkml:channelProperty channel="OE" name="resolution" value="1000" units="1/deg"/>
+        </inkml:channelProperties>
+      </inkml:inkSource>
+      <inkml:timestamp xml:id="ts0" timeString="2025-10-30T07:43:25.314"/>
+    </inkml:context>
+    <inkml:brush xml:id="br0">
+      <inkml:brushProperty name="width" value="0.1" units="cm"/>
+      <inkml:brushProperty name="height" value="0.1" units="cm"/>
+      <inkml:brushProperty name="color" value="#66CC00"/>
+    </inkml:brush>
+  </inkml:definitions>
+  <inkml:trace contextRef="#ctx0" brushRef="#br0">158 34 3481 0 0,'-16'10'1192'0'0,"1"0"0"0"0,-1 1 1 0 0,-18 19-1 0 0,18-19-412 0 0,-4 6 197 0 0,3 6-258 0 0,15-21-700 0 0,0-1-1 0 0,0 1 1 0 0,0 0-1 0 0,0 0 1 0 0,1 1-1 0 0,-1-1 1 0 0,1 0 0 0 0,-1 1-1 0 0,1-1 1 0 0,0 1-1 0 0,0-1 1 0 0,0 1-1 0 0,0-1 1 0 0,0 1 0 0 0,1 0-1 0 0,-1-1 1 0 0,1 1-1 0 0,0 0 1 0 0,0-1-1 0 0,0 1 1 0 0,0 0 0 0 0,0 0-1 0 0,1 4 1 0 0,1-3-65 0 0,-2-1 22 0 0,0-1 0 0 0,1 1 0 0 0,-1-1 0 0 0,1 1 0 0 0,0-1 0 0 0,0 0 0 0 0,0 1 0 0 0,0-1 1 0 0,0 0-1 0 0,0 0 0 0 0,1 1 0 0 0,-1-1 0 0 0,1 0 0 0 0,0-1 0 0 0,-1 1 0 0 0,1 0 0 0 0,0 0 0 0 0,0-1 0 0 0,0 1 0 0 0,0-1 0 0 0,0 1 1 0 0,3 0-1 0 0,4 2-39 0 0,0 0 1 0 0,0-1 0 0 0,0 0-1 0 0,0 0 1 0 0,0-1 0 0 0,1 0-1 0 0,-1-1 1 0 0,16 1 0 0 0,3-2-57 0 0,48-6 0 0 0,-48 2 106 0 0,0-2-1 0 0,0 0 1 0 0,0-2 0 0 0,-1-1 0 0 0,0-1 0 0 0,-1-2 0 0 0,38-22 0 0 0,-22 8-785 0 0,-2-3 0 0 0,-1-1 0 0 0,54-53 0 0 0,-72 61-113 0 0</inkml:trace>
+</inkml:ink>
+</file>
+
+<file path=ppt/ink/ink17.xml><?xml version="1.0" encoding="utf-8"?>
+<inkml:ink xmlns:inkml="http://www.w3.org/2003/InkML">
+  <inkml:definitions>
+    <inkml:context xml:id="ctx0">
+      <inkml:inkSource xml:id="inkSrc0">
+        <inkml:traceFormat>
+          <inkml:channel name="X" type="integer" min="-2.14748E9" max="2.14748E9" units="cm"/>
+          <inkml:channel name="Y" type="integer" min="-2.14748E9" max="2.14748E9" units="cm"/>
+          <inkml:channel name="F" type="integer" max="32767" units="dev"/>
+          <inkml:channel name="OA" type="integer" max="360" units="deg"/>
+          <inkml:channel name="OE" type="integer" max="90" units="deg"/>
+        </inkml:traceFormat>
+        <inkml:channelProperties>
+          <inkml:channelProperty channel="X" name="resolution" value="1000" units="1/cm"/>
+          <inkml:channelProperty channel="Y" name="resolution" value="1000" units="1/cm"/>
+          <inkml:channelProperty channel="F" name="resolution" value="0" units="1/dev"/>
+          <inkml:channelProperty channel="OA" name="resolution" value="1000" units="1/deg"/>
+          <inkml:channelProperty channel="OE" name="resolution" value="1000" units="1/deg"/>
+        </inkml:channelProperties>
+      </inkml:inkSource>
+      <inkml:timestamp xml:id="ts0" timeString="2025-10-30T07:43:25.534"/>
+    </inkml:context>
+    <inkml:brush xml:id="br0">
+      <inkml:brushProperty name="width" value="0.1" units="cm"/>
+      <inkml:brushProperty name="height" value="0.1" units="cm"/>
+      <inkml:brushProperty name="color" value="#66CC00"/>
+    </inkml:brush>
+  </inkml:definitions>
+  <inkml:trace contextRef="#ctx0" brushRef="#br0">36 484 5961 0 0,'-1'1'331'0'0,"1"0"0"0"0,-1 1 0 0 0,0-1-1 0 0,0 0 1 0 0,1 0 0 0 0,-1 0 0 0 0,0 0-1 0 0,0 0 1 0 0,0 0 0 0 0,0-1 0 0 0,-1 1-1 0 0,1 0 1 0 0,0 0 0 0 0,-1 0 0 0 0,1-1-309 0 0,1 0 0 0 0,-1 0 0 0 0,1 0 0 0 0,0 0 0 0 0,-1 0 0 0 0,1 0 0 0 0,-1 0 0 0 0,1-1 0 0 0,0 1 0 0 0,-1 0 0 0 0,1 0 0 0 0,0 0 0 0 0,-1 0 0 0 0,1-1 0 0 0,0 1 0 0 0,-1 0 0 0 0,1 0 0 0 0,0-1 0 0 0,-1 1 1 0 0,1 0-1 0 0,0 0 0 0 0,0-1 0 0 0,0 1 0 0 0,-1 0 0 0 0,1-1 0 0 0,0 1 0 0 0,0 0 0 0 0,0-1 0 0 0,-1 1 0 0 0,1-1 0 0 0,-7-43-1556 0 0,6 40 1710 0 0,-2-82-684 0 0,4 0 1 0 0,15-109 0 0 0,-11 142-175 0 0,-4 29 160 0 0</inkml:trace>
+</inkml:ink>
+</file>
+
+<file path=ppt/ink/ink18.xml><?xml version="1.0" encoding="utf-8"?>
+<inkml:ink xmlns:inkml="http://www.w3.org/2003/InkML">
+  <inkml:definitions>
+    <inkml:context xml:id="ctx0">
+      <inkml:inkSource xml:id="inkSrc0">
+        <inkml:traceFormat>
+          <inkml:channel name="X" type="integer" min="-2.14748E9" max="2.14748E9" units="cm"/>
+          <inkml:channel name="Y" type="integer" min="-2.14748E9" max="2.14748E9" units="cm"/>
+          <inkml:channel name="F" type="integer" max="32767" units="dev"/>
+          <inkml:channel name="OA" type="integer" max="360" units="deg"/>
+          <inkml:channel name="OE" type="integer" max="90" units="deg"/>
+        </inkml:traceFormat>
+        <inkml:channelProperties>
+          <inkml:channelProperty channel="X" name="resolution" value="1000" units="1/cm"/>
+          <inkml:channelProperty channel="Y" name="resolution" value="1000" units="1/cm"/>
+          <inkml:channelProperty channel="F" name="resolution" value="0" units="1/dev"/>
+          <inkml:channelProperty channel="OA" name="resolution" value="1000" units="1/deg"/>
+          <inkml:channelProperty channel="OE" name="resolution" value="1000" units="1/deg"/>
+        </inkml:channelProperties>
+      </inkml:inkSource>
+      <inkml:timestamp xml:id="ts0" timeString="2025-10-30T07:43:25.805"/>
+    </inkml:context>
+    <inkml:brush xml:id="br0">
+      <inkml:brushProperty name="width" value="0.1" units="cm"/>
+      <inkml:brushProperty name="height" value="0.1" units="cm"/>
+      <inkml:brushProperty name="color" value="#66CC00"/>
+    </inkml:brush>
+  </inkml:definitions>
+  <inkml:trace contextRef="#ctx0" brushRef="#br0">20 1 7378 0 0,'-3'4'422'0'0,"0"0"0"0"0,1 0 1 0 0,0 1-1 0 0,0-1 1 0 0,1 1-1 0 0,-1-1 1 0 0,1 1-1 0 0,0-1 0 0 0,0 1 1 0 0,0 0-1 0 0,1 0 1 0 0,-1 4-1 0 0,2-5-444 0 0,0 0-1 0 0,-1 0 1 0 0,1 0-1 0 0,1 0 1 0 0,-1 0-1 0 0,0 0 1 0 0,1-1-1 0 0,0 1 1 0 0,0-1-1 0 0,0 1 1 0 0,0-1-1 0 0,1 0 1 0 0,-1 0-1 0 0,1 0 1 0 0,0 0-1 0 0,0 0 1 0 0,0 0-1 0 0,0-1 1 0 0,0 0-1 0 0,1 0 1 0 0,-1 1-1 0 0,6 1 1 0 0,9 4-100 0 0,0 0-1 0 0,1-1 1 0 0,0-1-1 0 0,0-1 1 0 0,0 0-1 0 0,1-2 1 0 0,0 0-1 0 0,35 0 1 0 0,-19-3-61 0 0,0-2 0 0 0,1-2 0 0 0,69-16 0 0 0,-71 11-280 0 0,-1-2 1 0 0,0-2-1 0 0,-1-1 0 0 0,33-19 0 0 0,-27 9-435 0 0</inkml:trace>
+</inkml:ink>
+</file>
+
+<file path=ppt/ink/ink19.xml><?xml version="1.0" encoding="utf-8"?>
+<inkml:ink xmlns:inkml="http://www.w3.org/2003/InkML">
+  <inkml:definitions>
+    <inkml:context xml:id="ctx0">
+      <inkml:inkSource xml:id="inkSrc0">
+        <inkml:traceFormat>
+          <inkml:channel name="X" type="integer" min="-2.14748E9" max="2.14748E9" units="cm"/>
+          <inkml:channel name="Y" type="integer" min="-2.14748E9" max="2.14748E9" units="cm"/>
+          <inkml:channel name="F" type="integer" max="32767" units="dev"/>
+          <inkml:channel name="OA" type="integer" max="360" units="deg"/>
+          <inkml:channel name="OE" type="integer" max="90" units="deg"/>
+        </inkml:traceFormat>
+        <inkml:channelProperties>
+          <inkml:channelProperty channel="X" name="resolution" value="1000" units="1/cm"/>
+          <inkml:channelProperty channel="Y" name="resolution" value="1000" units="1/cm"/>
+          <inkml:channelProperty channel="F" name="resolution" value="0" units="1/dev"/>
+          <inkml:channelProperty channel="OA" name="resolution" value="1000" units="1/deg"/>
+          <inkml:channelProperty channel="OE" name="resolution" value="1000" units="1/deg"/>
+        </inkml:channelProperties>
+      </inkml:inkSource>
+      <inkml:timestamp xml:id="ts0" timeString="2025-10-30T07:43:25.993"/>
+    </inkml:context>
+    <inkml:brush xml:id="br0">
+      <inkml:brushProperty name="width" value="0.1" units="cm"/>
+      <inkml:brushProperty name="height" value="0.1" units="cm"/>
+      <inkml:brushProperty name="color" value="#66CC00"/>
+    </inkml:brush>
+  </inkml:definitions>
+  <inkml:trace contextRef="#ctx0" brushRef="#br0">23 416 6849 0 0,'-1'1'246'0'0,"1"0"-1"0"0,0 0 1 0 0,0 0-1 0 0,-1 0 1 0 0,1-1-1 0 0,0 1 1 0 0,-1 0-1 0 0,1 0 0 0 0,-1 0 1 0 0,1-1-1 0 0,-1 1 1 0 0,1 0-1 0 0,-1-1 1 0 0,0 1-1 0 0,1-1 1 0 0,-1 1-1 0 0,0-1 1 0 0,1 1-1 0 0,-1-1 0 0 0,-1 1 1 0 0,2-1-264 0 0,-1 0 0 0 0,1 0 0 0 0,-1 0 0 0 0,1 0-1 0 0,-1 0 1 0 0,1 0 0 0 0,0 0 0 0 0,-1-1 0 0 0,1 1 0 0 0,-1 0 0 0 0,1 0 0 0 0,0-1 0 0 0,-1 1 0 0 0,1 0 0 0 0,-1-1-1 0 0,1 1 1 0 0,0 0 0 0 0,0-1 0 0 0,-1 1 0 0 0,1 0 0 0 0,0-1 0 0 0,0 1 0 0 0,-1-1 0 0 0,1 1 0 0 0,0 0 0 0 0,0-1-1 0 0,0 1 1 0 0,0-1 0 0 0,-1 1 0 0 0,1-1 0 0 0,0 1 0 0 0,0-1 0 0 0,0 1 0 0 0,0 0 0 0 0,0-1 0 0 0,0 1 0 0 0,0-1 0 0 0,1 0-1 0 0,-3-59-909 0 0,4-1-1 0 0,16-108 0 0 0,-6 71-199 0 0,-8 69 545 0 0</inkml:trace>
+</inkml:ink>
+</file>
+
+<file path=ppt/ink/ink2.xml><?xml version="1.0" encoding="utf-8"?>
+<inkml:ink xmlns:inkml="http://www.w3.org/2003/InkML">
+  <inkml:definitions>
+    <inkml:context xml:id="ctx0">
+      <inkml:inkSource xml:id="inkSrc0">
+        <inkml:traceFormat>
+          <inkml:channel name="X" type="integer" min="-2.14748E9" max="2.14748E9" units="cm"/>
+          <inkml:channel name="Y" type="integer" min="-2.14748E9" max="2.14748E9" units="cm"/>
+          <inkml:channel name="F" type="integer" max="32767" units="dev"/>
+          <inkml:channel name="OA" type="integer" max="360" units="deg"/>
+          <inkml:channel name="OE" type="integer" max="90" units="deg"/>
+        </inkml:traceFormat>
+        <inkml:channelProperties>
+          <inkml:channelProperty channel="X" name="resolution" value="1000" units="1/cm"/>
+          <inkml:channelProperty channel="Y" name="resolution" value="1000" units="1/cm"/>
+          <inkml:channelProperty channel="F" name="resolution" value="0" units="1/dev"/>
+          <inkml:channelProperty channel="OA" name="resolution" value="1000" units="1/deg"/>
+          <inkml:channelProperty channel="OE" name="resolution" value="1000" units="1/deg"/>
+        </inkml:channelProperties>
+      </inkml:inkSource>
+      <inkml:timestamp xml:id="ts0" timeString="2025-10-30T07:43:19.036"/>
+    </inkml:context>
+    <inkml:brush xml:id="br0">
+      <inkml:brushProperty name="width" value="0.1" units="cm"/>
+      <inkml:brushProperty name="height" value="0.1" units="cm"/>
+      <inkml:brushProperty name="color" value="#66CC00"/>
+    </inkml:brush>
+  </inkml:definitions>
+  <inkml:trace contextRef="#ctx0" brushRef="#br0">55 182 1152 0 0,'1'-1'201'0'0,"-1"0"1"0"0,0 1-1 0 0,0-1 0 0 0,0 0 0 0 0,0 1 0 0 0,0-1 0 0 0,0 0 1 0 0,-1 1-1 0 0,1-1 0 0 0,0 0 0 0 0,0 1 0 0 0,0-1 0 0 0,-1 0 1 0 0,1 1-1 0 0,0-1 0 0 0,0 0 0 0 0,-1 1 0 0 0,1-1 0 0 0,-1 1 0 0 0,1-1 1 0 0,-1 1-1 0 0,1-1 0 0 0,-1 1 0 0 0,1-1 0 0 0,-1 1 0 0 0,1-1 1 0 0,-1 1-1 0 0,1 0 0 0 0,-1-1 0 0 0,0 1 0 0 0,1 0 0 0 0,-1 0 1 0 0,0-1-1 0 0,1 1 0 0 0,-1 0 0 0 0,-1 0 0 0 0,1 0-130 0 0,0 0 0 0 0,0 0-1 0 0,0 0 1 0 0,0 1 0 0 0,0-1 0 0 0,0 0-1 0 0,0 1 1 0 0,0-1 0 0 0,0 0 0 0 0,0 1-1 0 0,0-1 1 0 0,0 1 0 0 0,1 0 0 0 0,-1-1-1 0 0,0 1 1 0 0,0 0 0 0 0,0-1-1 0 0,1 1 1 0 0,-1 0 0 0 0,0 0 0 0 0,1 0-1 0 0,-2 1 1 0 0,-1 7-139 0 0,-1 0 0 0 0,1-1 0 0 0,1 1-1 0 0,-1 0 1 0 0,2 1 0 0 0,-1-1 0 0 0,1 0 0 0 0,1 0-1 0 0,-1 1 1 0 0,2-1 0 0 0,-1 0 0 0 0,1 0 0 0 0,1 1-1 0 0,-1-1 1 0 0,2 0 0 0 0,-1 0 0 0 0,1 0 0 0 0,1-1-1 0 0,-1 1 1 0 0,1-1 0 0 0,1 0 0 0 0,0 0-1 0 0,0 0 1 0 0,0-1 0 0 0,1 1 0 0 0,0-1 0 0 0,12 10-1 0 0,-16-16 23 0 0,1 2-44 0 0,0 0-1 0 0,0-1 0 0 0,0 1 1 0 0,0-1-1 0 0,0 0 1 0 0,1 0-1 0 0,-1 0 0 0 0,1-1 1 0 0,-1 1-1 0 0,5 0 1 0 0,3-15-1605 0 0,1 0 1592 0 0,-1 0 1 0 0,-1-1-1 0 0,-1-1 1 0 0,15-26-1 0 0,29-75 186 0 0,-23 48 475 0 0,25-54 1231 0 0,-54 120-1768 0 0,0 0 0 0 0,0 0 0 0 0,-1 0 0 0 0,1 0 0 0 0,0 0 0 0 0,0 0 0 0 0,1 0 0 0 0,-1 0 0 0 0,0 1 0 0 0,1-1 0 0 0,-1 0 0 0 0,1 1-1 0 0,-1-1 1 0 0,1 1 0 0 0,0 0 0 0 0,0 0 0 0 0,-1-1 0 0 0,1 1 0 0 0,0 0 0 0 0,0 1 0 0 0,0-1 0 0 0,0 0 0 0 0,0 0 0 0 0,0 1 0 0 0,1-1 0 0 0,1 1 0 0 0,0 0 32 0 0,0 0 0 0 0,-1 1 1 0 0,1-1-1 0 0,-1 1 0 0 0,1 0 1 0 0,-1 0-1 0 0,1 1 0 0 0,-1-1 1 0 0,0 0-1 0 0,1 1 0 0 0,-1 0 1 0 0,0 0-1 0 0,0 0 1 0 0,5 4-1 0 0,6 9 167 0 0,-1-1 0 0 0,0 2 0 0 0,-1 0 0 0 0,0 0 1 0 0,-1 1-1 0 0,-1 0 0 0 0,-1 1 0 0 0,-1 0 0 0 0,0 1 0 0 0,-1 0 0 0 0,-1 0 1 0 0,-1 0-1 0 0,5 36 0 0 0,-9-46-22 0 0,-1 0 1 0 0,0 0-1 0 0,-1 0 0 0 0,-3 17 1 0 0,4-24-279 0 0,0 1 0 0 0,-1-1 1 0 0,1 1-1 0 0,-1-1 0 0 0,0 0 1 0 0,1 0-1 0 0,-1 1 0 0 0,0-1 1 0 0,0 0-1 0 0,-1 0 0 0 0,1 0 1 0 0,0 0-1 0 0,-1 0 0 0 0,1 0 1 0 0,-1-1-1 0 0,0 1 0 0 0,1 0 1 0 0,-1-1-1 0 0,0 1 0 0 0,0-1 1 0 0,0 0-1 0 0,0 1 0 0 0,-3 0 1 0 0,4-2 7 0 0,1 0 0 0 0,-1 0 0 0 0,0 0 1 0 0,0 1-1 0 0,0-1 0 0 0,1 0 1 0 0,-1 0-1 0 0,0 0 0 0 0,0-1 0 0 0,1 1 1 0 0,-1 0-1 0 0,0 0 0 0 0,0 0 0 0 0,1 0 1 0 0,-1-1-1 0 0,0 1 0 0 0,0 0 0 0 0,1-1 1 0 0,-1 1-1 0 0,0-1 0 0 0,1 1 0 0 0,-1-1 1 0 0,0 0-1 0 0,-6-5-1464 0 0</inkml:trace>
+</inkml:ink>
+</file>
+
+<file path=ppt/ink/ink20.xml><?xml version="1.0" encoding="utf-8"?>
+<inkml:ink xmlns:inkml="http://www.w3.org/2003/InkML">
+  <inkml:definitions>
+    <inkml:context xml:id="ctx0">
+      <inkml:inkSource xml:id="inkSrc0">
+        <inkml:traceFormat>
+          <inkml:channel name="X" type="integer" min="-2.14748E9" max="2.14748E9" units="cm"/>
+          <inkml:channel name="Y" type="integer" min="-2.14748E9" max="2.14748E9" units="cm"/>
+          <inkml:channel name="F" type="integer" max="32767" units="dev"/>
+          <inkml:channel name="OA" type="integer" max="360" units="deg"/>
+          <inkml:channel name="OE" type="integer" max="90" units="deg"/>
+        </inkml:traceFormat>
+        <inkml:channelProperties>
+          <inkml:channelProperty channel="X" name="resolution" value="1000" units="1/cm"/>
+          <inkml:channelProperty channel="Y" name="resolution" value="1000" units="1/cm"/>
+          <inkml:channelProperty channel="F" name="resolution" value="0" units="1/dev"/>
+          <inkml:channelProperty channel="OA" name="resolution" value="1000" units="1/deg"/>
+          <inkml:channelProperty channel="OE" name="resolution" value="1000" units="1/deg"/>
+        </inkml:channelProperties>
+      </inkml:inkSource>
+      <inkml:timestamp xml:id="ts0" timeString="2025-10-30T07:43:26.168"/>
+    </inkml:context>
+    <inkml:brush xml:id="br0">
+      <inkml:brushProperty name="width" value="0.1" units="cm"/>
+      <inkml:brushProperty name="height" value="0.1" units="cm"/>
+      <inkml:brushProperty name="color" value="#66CC00"/>
+    </inkml:brush>
+  </inkml:definitions>
+  <inkml:trace contextRef="#ctx0" brushRef="#br0">3 137 7930 0 0,'-1'9'2654'0'0,"1"-9"-2528"0"0,0 1 0 0 0,0-1 0 0 0,-1 1 1 0 0,1 0-1 0 0,0-1 0 0 0,0 1 0 0 0,0 0 0 0 0,0-1 0 0 0,-1 1 1 0 0,1 0-1 0 0,0-1 0 0 0,0 1 0 0 0,1 0 0 0 0,-1-1 1 0 0,0 1-1 0 0,0-1 0 0 0,0 1 0 0 0,0 0 0 0 0,0-1 0 0 0,1 1 1 0 0,-1 0-1 0 0,0-1 0 0 0,1 1 0 0 0,-1-1 0 0 0,0 1 1 0 0,1-1-1 0 0,-1 1 0 0 0,1 0 0 0 0,0-1-55 0 0,17 0-807 0 0,-6-2 462 0 0,0 1 1 0 0,0-2 0 0 0,0 1 0 0 0,0-2 0 0 0,-1 1-1 0 0,0-2 1 0 0,1 0 0 0 0,-1 0 0 0 0,-1-1 0 0 0,1 0-1 0 0,-1 0 1 0 0,0-2 0 0 0,-1 1 0 0 0,0-1 0 0 0,0 0-1 0 0,0-1 1 0 0,-1 0 0 0 0,0-1 0 0 0,-1 1 0 0 0,9-16-1 0 0,-8 2-1189 0 0</inkml:trace>
+</inkml:ink>
+</file>
+
+<file path=ppt/ink/ink21.xml><?xml version="1.0" encoding="utf-8"?>
+<inkml:ink xmlns:inkml="http://www.w3.org/2003/InkML">
+  <inkml:definitions>
+    <inkml:context xml:id="ctx0">
+      <inkml:inkSource xml:id="inkSrc0">
+        <inkml:traceFormat>
+          <inkml:channel name="X" type="integer" min="-2.14748E9" max="2.14748E9" units="cm"/>
+          <inkml:channel name="Y" type="integer" min="-2.14748E9" max="2.14748E9" units="cm"/>
+          <inkml:channel name="F" type="integer" max="32767" units="dev"/>
+          <inkml:channel name="OA" type="integer" max="360" units="deg"/>
+          <inkml:channel name="OE" type="integer" max="90" units="deg"/>
+        </inkml:traceFormat>
+        <inkml:channelProperties>
+          <inkml:channelProperty channel="X" name="resolution" value="1000" units="1/cm"/>
+          <inkml:channelProperty channel="Y" name="resolution" value="1000" units="1/cm"/>
+          <inkml:channelProperty channel="F" name="resolution" value="0" units="1/dev"/>
+          <inkml:channelProperty channel="OA" name="resolution" value="1000" units="1/deg"/>
+          <inkml:channelProperty channel="OE" name="resolution" value="1000" units="1/deg"/>
+        </inkml:channelProperties>
+      </inkml:inkSource>
+      <inkml:timestamp xml:id="ts0" timeString="2025-10-30T07:43:26.388"/>
+    </inkml:context>
+    <inkml:brush xml:id="br0">
+      <inkml:brushProperty name="width" value="0.1" units="cm"/>
+      <inkml:brushProperty name="height" value="0.1" units="cm"/>
+      <inkml:brushProperty name="color" value="#66CC00"/>
+    </inkml:brush>
+  </inkml:definitions>
+  <inkml:trace contextRef="#ctx0" brushRef="#br0">33 1 8282 0 0,'-9'2'3328'0'0,"0"0"-2431"0"0,5 0-753 0 0,2-1-152 0 0,-5-1-1105 0 0,6 0 1017 0 0</inkml:trace>
+</inkml:ink>
+</file>
+
+<file path=ppt/ink/ink22.xml><?xml version="1.0" encoding="utf-8"?>
+<inkml:ink xmlns:inkml="http://www.w3.org/2003/InkML">
+  <inkml:definitions>
+    <inkml:context xml:id="ctx0">
+      <inkml:inkSource xml:id="inkSrc0">
+        <inkml:traceFormat>
+          <inkml:channel name="X" type="integer" min="-2.14748E9" max="2.14748E9" units="cm"/>
+          <inkml:channel name="Y" type="integer" min="-2.14748E9" max="2.14748E9" units="cm"/>
+          <inkml:channel name="F" type="integer" max="32767" units="dev"/>
+          <inkml:channel name="OA" type="integer" max="360" units="deg"/>
+          <inkml:channel name="OE" type="integer" max="90" units="deg"/>
+        </inkml:traceFormat>
+        <inkml:channelProperties>
+          <inkml:channelProperty channel="X" name="resolution" value="1000" units="1/cm"/>
+          <inkml:channelProperty channel="Y" name="resolution" value="1000" units="1/cm"/>
+          <inkml:channelProperty channel="F" name="resolution" value="0" units="1/dev"/>
+          <inkml:channelProperty channel="OA" name="resolution" value="1000" units="1/deg"/>
+          <inkml:channelProperty channel="OE" name="resolution" value="1000" units="1/deg"/>
+        </inkml:channelProperties>
+      </inkml:inkSource>
+      <inkml:timestamp xml:id="ts0" timeString="2025-10-30T07:43:26.846"/>
+    </inkml:context>
+    <inkml:brush xml:id="br0">
+      <inkml:brushProperty name="width" value="0.1" units="cm"/>
+      <inkml:brushProperty name="height" value="0.1" units="cm"/>
+      <inkml:brushProperty name="color" value="#66CC00"/>
+    </inkml:brush>
+  </inkml:definitions>
+  <inkml:trace contextRef="#ctx0" brushRef="#br0">65 27 6497 0 0,'-2'-2'292'0'0,"0"0"1"0"0,-1 0-1 0 0,1 0 0 0 0,-1 0 0 0 0,1 1 0 0 0,-1-1 0 0 0,0 1 0 0 0,1 0 0 0 0,-6-2 0 0 0,7 3-226 0 0,0 0-1 0 0,0 0 0 0 0,-1 0 1 0 0,1 1-1 0 0,0-1 1 0 0,0 0-1 0 0,0 1 1 0 0,0-1-1 0 0,0 1 1 0 0,0-1-1 0 0,0 1 1 0 0,0-1-1 0 0,0 1 1 0 0,0 0-1 0 0,0-1 1 0 0,1 1-1 0 0,-1 0 0 0 0,0 0 1 0 0,0 0-1 0 0,1 0 1 0 0,-1 0-1 0 0,0 0 1 0 0,1 0-1 0 0,-1 0 1 0 0,1 0-1 0 0,-1 0 1 0 0,1 0-1 0 0,0 0 1 0 0,0 0-1 0 0,-1 0 1 0 0,1 0-1 0 0,0 2 0 0 0,-3 6 60 0 0,1 0 0 0 0,0 0 0 0 0,1 0 0 0 0,0 0 0 0 0,0 17 0 0 0,1-22-181 0 0,1 0 1 0 0,-1 0-1 0 0,1 0 1 0 0,-1 0 0 0 0,1 0-1 0 0,0 0 1 0 0,1 0-1 0 0,-1 0 1 0 0,1 0 0 0 0,-1 0-1 0 0,1-1 1 0 0,0 1-1 0 0,0-1 1 0 0,1 0 0 0 0,4 6-1 0 0,-1-3-32 0 0,1 0 0 0 0,1-1 0 0 0,-1 0 1 0 0,1 0-1 0 0,0 0 0 0 0,0-1 0 0 0,0 0 0 0 0,0-1 0 0 0,1 0 0 0 0,-1 0 0 0 0,1-1 0 0 0,0 0 1 0 0,0 0-1 0 0,0-1 0 0 0,0 0 0 0 0,0-1 0 0 0,0 0 0 0 0,0-1 0 0 0,0 1 0 0 0,0-2 0 0 0,0 1 1 0 0,0-1-1 0 0,0-1 0 0 0,0 1 0 0 0,-1-1 0 0 0,0-1 0 0 0,1 0 0 0 0,-1 0 0 0 0,0-1 0 0 0,11-8 1 0 0,-9 6-167 0 0,-1-1 1 0 0,1 0 0 0 0,-1-1 0 0 0,-1 0 0 0 0,1 0-1 0 0,-2-1 1 0 0,1 0 0 0 0,-1 0 0 0 0,-1-1 0 0 0,0 0 0 0 0,0 0-1 0 0,7-22 1 0 0,-4-4-619 0 0</inkml:trace>
+</inkml:ink>
+</file>
+
+<file path=ppt/ink/ink23.xml><?xml version="1.0" encoding="utf-8"?>
+<inkml:ink xmlns:inkml="http://www.w3.org/2003/InkML">
+  <inkml:definitions>
+    <inkml:context xml:id="ctx0">
+      <inkml:inkSource xml:id="inkSrc0">
+        <inkml:traceFormat>
+          <inkml:channel name="X" type="integer" min="-2.14748E9" max="2.14748E9" units="cm"/>
+          <inkml:channel name="Y" type="integer" min="-2.14748E9" max="2.14748E9" units="cm"/>
+          <inkml:channel name="F" type="integer" max="32767" units="dev"/>
+          <inkml:channel name="OA" type="integer" max="360" units="deg"/>
+          <inkml:channel name="OE" type="integer" max="90" units="deg"/>
+        </inkml:traceFormat>
+        <inkml:channelProperties>
+          <inkml:channelProperty channel="X" name="resolution" value="1000" units="1/cm"/>
+          <inkml:channelProperty channel="Y" name="resolution" value="1000" units="1/cm"/>
+          <inkml:channelProperty channel="F" name="resolution" value="0" units="1/dev"/>
+          <inkml:channelProperty channel="OA" name="resolution" value="1000" units="1/deg"/>
+          <inkml:channelProperty channel="OE" name="resolution" value="1000" units="1/deg"/>
+        </inkml:channelProperties>
+      </inkml:inkSource>
+      <inkml:timestamp xml:id="ts0" timeString="2025-10-30T07:43:27.069"/>
+    </inkml:context>
+    <inkml:brush xml:id="br0">
+      <inkml:brushProperty name="width" value="0.1" units="cm"/>
+      <inkml:brushProperty name="height" value="0.1" units="cm"/>
+      <inkml:brushProperty name="color" value="#66CC00"/>
+    </inkml:brush>
+  </inkml:definitions>
+  <inkml:trace contextRef="#ctx0" brushRef="#br0">0 203 6921 0 0,'2'3'324'0'0,"0"-1"0"0"0,0 1 0 0 0,-1-1 0 0 0,2 0 0 0 0,-1 0 0 0 0,0 0 0 0 0,0 0 0 0 0,1 0 0 0 0,-1 0 0 0 0,1-1 0 0 0,-1 1 0 0 0,1-1 0 0 0,3 2 0 0 0,-3-2-239 0 0,0-1 0 0 0,0 1 0 0 0,0-1 0 0 0,1 1 0 0 0,-1-1 0 0 0,0 0 0 0 0,1-1 0 0 0,-1 1 0 0 0,0 0 0 0 0,0-1 1 0 0,1 0-1 0 0,-1 0 0 0 0,0 0 0 0 0,0 0 0 0 0,0 0 0 0 0,4-2 0 0 0,5-5-145 0 0,0 0 0 0 0,0 0 0 0 0,-1-1 1 0 0,0 0-1 0 0,15-17 0 0 0,-15 13-139 0 0,0-1 1 0 0,-1 0-1 0 0,10-19 1 0 0,-11 17-854 0 0,1 1 0 0 0,19-23 0 0 0,-14 24-188 0 0</inkml:trace>
+</inkml:ink>
+</file>
+
+<file path=ppt/ink/ink24.xml><?xml version="1.0" encoding="utf-8"?>
+<inkml:ink xmlns:inkml="http://www.w3.org/2003/InkML">
+  <inkml:definitions>
+    <inkml:context xml:id="ctx0">
+      <inkml:inkSource xml:id="inkSrc0">
+        <inkml:traceFormat>
+          <inkml:channel name="X" type="integer" min="-2.14748E9" max="2.14748E9" units="cm"/>
+          <inkml:channel name="Y" type="integer" min="-2.14748E9" max="2.14748E9" units="cm"/>
+          <inkml:channel name="F" type="integer" max="32767" units="dev"/>
+          <inkml:channel name="OA" type="integer" max="360" units="deg"/>
+          <inkml:channel name="OE" type="integer" max="90" units="deg"/>
+        </inkml:traceFormat>
+        <inkml:channelProperties>
+          <inkml:channelProperty channel="X" name="resolution" value="1000" units="1/cm"/>
+          <inkml:channelProperty channel="Y" name="resolution" value="1000" units="1/cm"/>
+          <inkml:channelProperty channel="F" name="resolution" value="0" units="1/dev"/>
+          <inkml:channelProperty channel="OA" name="resolution" value="1000" units="1/deg"/>
+          <inkml:channelProperty channel="OE" name="resolution" value="1000" units="1/deg"/>
+        </inkml:channelProperties>
+      </inkml:inkSource>
+      <inkml:timestamp xml:id="ts0" timeString="2025-10-30T07:43:27.226"/>
+    </inkml:context>
+    <inkml:brush xml:id="br0">
+      <inkml:brushProperty name="width" value="0.1" units="cm"/>
+      <inkml:brushProperty name="height" value="0.1" units="cm"/>
+      <inkml:brushProperty name="color" value="#66CC00"/>
+    </inkml:brush>
+  </inkml:definitions>
+  <inkml:trace contextRef="#ctx0" brushRef="#br0">71 16 7009 0 0,'-16'12'3513'0'0,"7"-4"-1640"0"0,1-3-1577 0 0,0-5 368 0 0,-3-3-720 0 0,5 1-416 0 0,1-5 536 0 0,0-6-488 0 0,2-2-689 0 0</inkml:trace>
+</inkml:ink>
+</file>
+
+<file path=ppt/ink/ink25.xml><?xml version="1.0" encoding="utf-8"?>
+<inkml:ink xmlns:inkml="http://www.w3.org/2003/InkML">
+  <inkml:definitions>
+    <inkml:context xml:id="ctx0">
+      <inkml:inkSource xml:id="inkSrc0">
+        <inkml:traceFormat>
+          <inkml:channel name="X" type="integer" min="-2.14748E9" max="2.14748E9" units="cm"/>
+          <inkml:channel name="Y" type="integer" min="-2.14748E9" max="2.14748E9" units="cm"/>
+          <inkml:channel name="F" type="integer" max="32767" units="dev"/>
+          <inkml:channel name="OA" type="integer" max="360" units="deg"/>
+          <inkml:channel name="OE" type="integer" max="90" units="deg"/>
+        </inkml:traceFormat>
+        <inkml:channelProperties>
+          <inkml:channelProperty channel="X" name="resolution" value="1000" units="1/cm"/>
+          <inkml:channelProperty channel="Y" name="resolution" value="1000" units="1/cm"/>
+          <inkml:channelProperty channel="F" name="resolution" value="0" units="1/dev"/>
+          <inkml:channelProperty channel="OA" name="resolution" value="1000" units="1/deg"/>
+          <inkml:channelProperty channel="OE" name="resolution" value="1000" units="1/deg"/>
+        </inkml:channelProperties>
+      </inkml:inkSource>
+      <inkml:timestamp xml:id="ts0" timeString="2025-10-30T07:43:27.750"/>
+    </inkml:context>
+    <inkml:brush xml:id="br0">
+      <inkml:brushProperty name="width" value="0.1" units="cm"/>
+      <inkml:brushProperty name="height" value="0.1" units="cm"/>
+      <inkml:brushProperty name="color" value="#66CC00"/>
+    </inkml:brush>
+  </inkml:definitions>
+  <inkml:trace contextRef="#ctx0" brushRef="#br0">307 435 1720 0 0,'2'-1'190'0'0,"0"-1"-1"0"0,1 1 0 0 0,-1-1 1 0 0,0 0-1 0 0,0 1 1 0 0,0-1-1 0 0,0 0 0 0 0,0 0 1 0 0,-1 0-1 0 0,1-1 0 0 0,0 1 1 0 0,-1 0-1 0 0,0-1 1 0 0,1 1-1 0 0,-1-1 0 0 0,0 1 1 0 0,0-1-1 0 0,-1 1 0 0 0,1-1 1 0 0,0 0-1 0 0,-1 1 1 0 0,1-6-1 0 0,-1-1 118 0 0,1 0-1 0 0,-1 0 1 0 0,0 1 0 0 0,-1-1 0 0 0,-3-16-1 0 0,-2 5 309 0 0,0 0 0 0 0,-2 1 0 0 0,0 0 0 0 0,0 0 0 0 0,-23-32 0 0 0,26 42-413 0 0,-1 1 0 0 0,0 0 0 0 0,-1 0 0 0 0,0 0 0 0 0,0 1 0 0 0,-1 0 0 0 0,0 1 0 0 0,0 0 1 0 0,-1 0-1 0 0,1 0 0 0 0,-1 1 0 0 0,0 1 0 0 0,-17-7 0 0 0,21 10-146 0 0,-1 0 1 0 0,1 0-1 0 0,0 1 0 0 0,-1 0 0 0 0,1 0 1 0 0,0 0-1 0 0,-1 0 0 0 0,1 1 1 0 0,0 0-1 0 0,0 0 0 0 0,0 1 0 0 0,-1-1 1 0 0,1 1-1 0 0,0 0 0 0 0,1 0 0 0 0,-8 5 1 0 0,8-5-50 0 0,1 1 0 0 0,-1-1-1 0 0,0 1 1 0 0,1 0 0 0 0,0 0 0 0 0,0 0 0 0 0,0 0 0 0 0,0 1 0 0 0,0-1 0 0 0,1 1 0 0 0,0-1 0 0 0,-1 1-1 0 0,1 0 1 0 0,0 0 0 0 0,1 0 0 0 0,-1 0 0 0 0,1 1 0 0 0,0-1 0 0 0,0 0 0 0 0,0 5 0 0 0,0-2-10 0 0,1 0 1 0 0,1 0 0 0 0,-1 0-1 0 0,1 0 1 0 0,0 0 0 0 0,1 0-1 0 0,0 0 1 0 0,0 0 0 0 0,0-1-1 0 0,6 11 1 0 0,-6-13 4 0 0,1 1-1 0 0,0-1 1 0 0,-1-1-1 0 0,1 1 1 0 0,1 0 0 0 0,-1-1-1 0 0,1 0 1 0 0,-1 0-1 0 0,1 0 1 0 0,0 0-1 0 0,0 0 1 0 0,0-1 0 0 0,0 0-1 0 0,1 0 1 0 0,-1 0-1 0 0,9 3 1 0 0,5 0-40 0 0,0-1-1 0 0,1-1 1 0 0,-1 0-1 0 0,0-1 1 0 0,1-1-1 0 0,0-1 1 0 0,-1 0-1 0 0,1-2 1 0 0,-1 0-1 0 0,0-1 1 0 0,1-1-1 0 0,31-10 1 0 0,-42 9-73 0 0,0 0-1 0 0,0 0 1 0 0,-1 0 0 0 0,1-1 0 0 0,-1 0-1 0 0,-1 0 1 0 0,1-1 0 0 0,-1 0 0 0 0,0 0-1 0 0,0-1 1 0 0,-1 1 0 0 0,0-1 0 0 0,-1 0-1 0 0,5-11 1 0 0,-3 5-234 0 0,0 0 0 0 0,-1-1 0 0 0,0 0-1 0 0,-1 0 1 0 0,-1 0 0 0 0,-1 0 0 0 0,2-26 0 0 0,-4 3-685 0 0</inkml:trace>
+</inkml:ink>
+</file>
+
+<file path=ppt/ink/ink26.xml><?xml version="1.0" encoding="utf-8"?>
+<inkml:ink xmlns:inkml="http://www.w3.org/2003/InkML">
+  <inkml:definitions>
+    <inkml:context xml:id="ctx0">
+      <inkml:inkSource xml:id="inkSrc0">
+        <inkml:traceFormat>
+          <inkml:channel name="X" type="integer" min="-2.14748E9" max="2.14748E9" units="cm"/>
+          <inkml:channel name="Y" type="integer" min="-2.14748E9" max="2.14748E9" units="cm"/>
+          <inkml:channel name="F" type="integer" max="32767" units="dev"/>
+          <inkml:channel name="OA" type="integer" max="360" units="deg"/>
+          <inkml:channel name="OE" type="integer" max="90" units="deg"/>
+        </inkml:traceFormat>
+        <inkml:channelProperties>
+          <inkml:channelProperty channel="X" name="resolution" value="1000" units="1/cm"/>
+          <inkml:channelProperty channel="Y" name="resolution" value="1000" units="1/cm"/>
+          <inkml:channelProperty channel="F" name="resolution" value="0" units="1/dev"/>
+          <inkml:channelProperty channel="OA" name="resolution" value="1000" units="1/deg"/>
+          <inkml:channelProperty channel="OE" name="resolution" value="1000" units="1/deg"/>
+        </inkml:channelProperties>
+      </inkml:inkSource>
+      <inkml:timestamp xml:id="ts0" timeString="2025-10-30T07:43:28.065"/>
+    </inkml:context>
+    <inkml:brush xml:id="br0">
+      <inkml:brushProperty name="width" value="0.1" units="cm"/>
+      <inkml:brushProperty name="height" value="0.1" units="cm"/>
+      <inkml:brushProperty name="color" value="#66CC00"/>
+    </inkml:brush>
+  </inkml:definitions>
+  <inkml:trace contextRef="#ctx0" brushRef="#br0">405 384 200 0 0,'3'-1'6402'0'0,"-12"-2"-3549"0"0,-27-5-1290 0 0,8 2-1111 0 0,1 0-1 0 0,0-2 1 0 0,1-1-1 0 0,0-1 0 0 0,-40-22 1 0 0,53 25-432 0 0,-1-1 0 0 0,2-1 1 0 0,-1 0-1 0 0,1 0 0 0 0,1-1 1 0 0,0-1-1 0 0,0 0 0 0 0,1 0 1 0 0,0-1-1 0 0,1-1 0 0 0,0 1 1 0 0,-8-18-1 0 0,15 26-11 0 0,1 0 0 0 0,-1 0 0 0 0,1 0-1 0 0,0-1 1 0 0,0 1 0 0 0,0 0 0 0 0,0 0 0 0 0,1-1 0 0 0,0 1 0 0 0,0 0 0 0 0,0-1-1 0 0,0 1 1 0 0,1 0 0 0 0,-1-1 0 0 0,1 1 0 0 0,0 0 0 0 0,1 0 0 0 0,-1 0-1 0 0,1 0 1 0 0,0 0 0 0 0,0 0 0 0 0,0 0 0 0 0,0 0 0 0 0,1 1 0 0 0,-1-1 0 0 0,1 1-1 0 0,0 0 1 0 0,0 0 0 0 0,0 0 0 0 0,0 0 0 0 0,1 0 0 0 0,-1 1 0 0 0,1 0 0 0 0,0-1-1 0 0,0 1 1 0 0,0 0 0 0 0,0 1 0 0 0,0-1 0 0 0,6-1 0 0 0,4 1 12 0 0,1 0 0 0 0,-1 0 0 0 0,0 2 0 0 0,1 0 1 0 0,-1 0-1 0 0,1 1 0 0 0,-1 1 0 0 0,23 6 0 0 0,6 4-367 0 0,59 26 0 0 0,4 2-1735 0 0,-86-32 1488 0 0</inkml:trace>
+</inkml:ink>
+</file>
+
+<file path=ppt/ink/ink27.xml><?xml version="1.0" encoding="utf-8"?>
+<inkml:ink xmlns:inkml="http://www.w3.org/2003/InkML">
+  <inkml:definitions>
+    <inkml:context xml:id="ctx0">
+      <inkml:inkSource xml:id="inkSrc0">
+        <inkml:traceFormat>
+          <inkml:channel name="X" type="integer" min="-2.14748E9" max="2.14748E9" units="cm"/>
+          <inkml:channel name="Y" type="integer" min="-2.14748E9" max="2.14748E9" units="cm"/>
+          <inkml:channel name="F" type="integer" max="32767" units="dev"/>
+          <inkml:channel name="OA" type="integer" max="360" units="deg"/>
+          <inkml:channel name="OE" type="integer" max="90" units="deg"/>
+        </inkml:traceFormat>
+        <inkml:channelProperties>
+          <inkml:channelProperty channel="X" name="resolution" value="1000" units="1/cm"/>
+          <inkml:channelProperty channel="Y" name="resolution" value="1000" units="1/cm"/>
+          <inkml:channelProperty channel="F" name="resolution" value="0" units="1/dev"/>
+          <inkml:channelProperty channel="OA" name="resolution" value="1000" units="1/deg"/>
+          <inkml:channelProperty channel="OE" name="resolution" value="1000" units="1/deg"/>
+        </inkml:channelProperties>
+      </inkml:inkSource>
+      <inkml:timestamp xml:id="ts0" timeString="2025-10-30T07:43:28.446"/>
+    </inkml:context>
+    <inkml:brush xml:id="br0">
+      <inkml:brushProperty name="width" value="0.1" units="cm"/>
+      <inkml:brushProperty name="height" value="0.1" units="cm"/>
+      <inkml:brushProperty name="color" value="#66CC00"/>
+    </inkml:brush>
+  </inkml:definitions>
+  <inkml:trace contextRef="#ctx0" brushRef="#br0">2 70 4945 0 0,'-1'-1'5562'0'0,"6"1"-4756"0"0,104-1-712 0 0,0-4 0 0 0,114-22-1 0 0,-175 18-246 0 0,88-14-2475 0 0,-109 20 1337 0 0</inkml:trace>
+</inkml:ink>
+</file>
+
+<file path=ppt/ink/ink28.xml><?xml version="1.0" encoding="utf-8"?>
+<inkml:ink xmlns:inkml="http://www.w3.org/2003/InkML">
+  <inkml:definitions>
+    <inkml:context xml:id="ctx0">
+      <inkml:inkSource xml:id="inkSrc0">
+        <inkml:traceFormat>
+          <inkml:channel name="X" type="integer" min="-2.14748E9" max="2.14748E9" units="cm"/>
+          <inkml:channel name="Y" type="integer" min="-2.14748E9" max="2.14748E9" units="cm"/>
+          <inkml:channel name="F" type="integer" max="32767" units="dev"/>
+          <inkml:channel name="OA" type="integer" max="360" units="deg"/>
+          <inkml:channel name="OE" type="integer" max="90" units="deg"/>
+        </inkml:traceFormat>
+        <inkml:channelProperties>
+          <inkml:channelProperty channel="X" name="resolution" value="1000" units="1/cm"/>
+          <inkml:channelProperty channel="Y" name="resolution" value="1000" units="1/cm"/>
+          <inkml:channelProperty channel="F" name="resolution" value="0" units="1/dev"/>
+          <inkml:channelProperty channel="OA" name="resolution" value="1000" units="1/deg"/>
+          <inkml:channelProperty channel="OE" name="resolution" value="1000" units="1/deg"/>
+        </inkml:channelProperties>
+      </inkml:inkSource>
+      <inkml:timestamp xml:id="ts0" timeString="2025-10-30T07:43:28.605"/>
+    </inkml:context>
+    <inkml:brush xml:id="br0">
+      <inkml:brushProperty name="width" value="0.1" units="cm"/>
+      <inkml:brushProperty name="height" value="0.1" units="cm"/>
+      <inkml:brushProperty name="color" value="#66CC00"/>
+    </inkml:brush>
+  </inkml:definitions>
+  <inkml:trace contextRef="#ctx0" brushRef="#br0">11 394 7970 0 0,'-3'-13'3376'0'0,"1"-4"-1943"0"0,-1 0-1001 0 0,0-7 56 0 0,3 0 8 0 0,0 5-16 0 0,0-6-320 0 0,4-2-64 0 0,-2-2-72 0 0,0 3-192 0 0,3 2 64 0 0,1-1-424 0 0,0-6-792 0 0,-2-2 1072 0 0,1 1-697 0 0,-5 4-455 0 0</inkml:trace>
+</inkml:ink>
+</file>
+
+<file path=ppt/ink/ink3.xml><?xml version="1.0" encoding="utf-8"?>
+<inkml:ink xmlns:inkml="http://www.w3.org/2003/InkML">
+  <inkml:definitions>
+    <inkml:context xml:id="ctx0">
+      <inkml:inkSource xml:id="inkSrc0">
+        <inkml:traceFormat>
+          <inkml:channel name="X" type="integer" min="-2.14748E9" max="2.14748E9" units="cm"/>
+          <inkml:channel name="Y" type="integer" min="-2.14748E9" max="2.14748E9" units="cm"/>
+          <inkml:channel name="F" type="integer" max="32767" units="dev"/>
+          <inkml:channel name="OA" type="integer" max="360" units="deg"/>
+          <inkml:channel name="OE" type="integer" max="90" units="deg"/>
+        </inkml:traceFormat>
+        <inkml:channelProperties>
+          <inkml:channelProperty channel="X" name="resolution" value="1000" units="1/cm"/>
+          <inkml:channelProperty channel="Y" name="resolution" value="1000" units="1/cm"/>
+          <inkml:channelProperty channel="F" name="resolution" value="0" units="1/dev"/>
+          <inkml:channelProperty channel="OA" name="resolution" value="1000" units="1/deg"/>
+          <inkml:channelProperty channel="OE" name="resolution" value="1000" units="1/deg"/>
+        </inkml:channelProperties>
+      </inkml:inkSource>
+      <inkml:timestamp xml:id="ts0" timeString="2025-10-30T07:43:19.633"/>
+    </inkml:context>
+    <inkml:brush xml:id="br0">
+      <inkml:brushProperty name="width" value="0.1" units="cm"/>
+      <inkml:brushProperty name="height" value="0.1" units="cm"/>
+      <inkml:brushProperty name="color" value="#66CC00"/>
+    </inkml:brush>
+  </inkml:definitions>
+  <inkml:trace contextRef="#ctx0" brushRef="#br0">162 486 1024 0 0,'1'0'137'0'0,"1"-1"-1"0"0,-1 0 1 0 0,0 0-1 0 0,1 0 1 0 0,-1 0-1 0 0,0 0 0 0 0,0 0 1 0 0,0 0-1 0 0,0-1 1 0 0,0 1-1 0 0,0 0 1 0 0,0 0-1 0 0,0-1 1 0 0,0 1-1 0 0,-1-1 1 0 0,1 1-1 0 0,-1-1 0 0 0,2-1 1 0 0,1-5 33 0 0,0 2-17 0 0,0 0-1 0 0,0 1 0 0 0,-1-2 0 0 0,0 1 0 0 0,0 0 0 0 0,0 0 0 0 0,-1-1 0 0 0,0 1 0 0 0,0 0 0 0 0,-1-1 0 0 0,0 1 0 0 0,0-1 0 0 0,0 1 0 0 0,-1-1 0 0 0,-2-10 0 0 0,2 13-60 0 0,-2-8 381 0 0,0 0 0 0 0,-1 0 1 0 0,0 1-1 0 0,-1-1 0 0 0,0 1 1 0 0,-1 0-1 0 0,0 0 0 0 0,-14-18 1 0 0,19 28-356 0 0,0 0 1 0 0,-1-1-1 0 0,1 1 1 0 0,0 0-1 0 0,-1 0 1 0 0,1 0 0 0 0,-1 0-1 0 0,1 0 1 0 0,-1 0-1 0 0,0 1 1 0 0,1-1 0 0 0,-1 0-1 0 0,0 1 1 0 0,0 0-1 0 0,1-1 1 0 0,-1 1-1 0 0,0 0 1 0 0,0 0 0 0 0,0 0-1 0 0,1 0 1 0 0,-4 0-1 0 0,2 1 15 0 0,-1 0 0 0 0,0 0-1 0 0,1 0 1 0 0,-1 1-1 0 0,0-1 1 0 0,1 1 0 0 0,-1 0-1 0 0,1 0 1 0 0,-5 4-1 0 0,1-1-192 0 0,1 1 0 0 0,0-1 0 0 0,1 1 0 0 0,-1 0 0 0 0,1 1 0 0 0,0-1 0 0 0,1 1 0 0 0,0 0 0 0 0,-5 9 0 0 0,8-11-61 0 0,-1 0 1 0 0,1 0-1 0 0,-1 1 1 0 0,1-1-1 0 0,1 0 1 0 0,-1 1-1 0 0,1-1 1 0 0,0 0-1 0 0,0 1 1 0 0,1-1-1 0 0,-1 0 1 0 0,1 1-1 0 0,0-1 1 0 0,1 0-1 0 0,-1 0 1 0 0,1 0-1 0 0,0 0 1 0 0,0 0-1 0 0,1 0 1 0 0,0-1-1 0 0,-1 1 1 0 0,1-1-1 0 0,1 1 1 0 0,-1-1-1 0 0,1 0 1 0 0,0 0-1 0 0,-1-1 1 0 0,2 1-1 0 0,-1-1 1 0 0,5 3-1 0 0,-3-2 86 0 0,0 0 1 0 0,1-1-1 0 0,-1 0 0 0 0,1 0 0 0 0,0 0 0 0 0,0-1 0 0 0,0 0 0 0 0,0 0 0 0 0,0-1 0 0 0,0 0 0 0 0,1 0 0 0 0,-1-1 0 0 0,0 0 1 0 0,1 0-1 0 0,-1-1 0 0 0,0 1 0 0 0,0-2 0 0 0,0 1 0 0 0,1-1 0 0 0,-1 0 0 0 0,-1-1 0 0 0,9-3 0 0 0,-5 0-2 0 0,0-1 1 0 0,-1 0-1 0 0,0 0 0 0 0,0-1 0 0 0,0-1 0 0 0,-1 1 0 0 0,0-1 0 0 0,-1-1 0 0 0,0 1 1 0 0,-1-1-1 0 0,0 0 0 0 0,0-1 0 0 0,5-13 0 0 0,2-8 94 0 0,-2 0 0 0 0,-1-1-1 0 0,8-43 1 0 0,-16 63-261 0 0,1 0 0 0 0,-2 0 1 0 0,0 0-1 0 0,0 0 0 0 0,-1 0 0 0 0,-1 0 1 0 0,0 0-1 0 0,-4-18 0 0 0,0 18-783 0 0</inkml:trace>
+</inkml:ink>
+</file>
+
+<file path=ppt/ink/ink4.xml><?xml version="1.0" encoding="utf-8"?>
+<inkml:ink xmlns:inkml="http://www.w3.org/2003/InkML">
+  <inkml:definitions>
+    <inkml:context xml:id="ctx0">
+      <inkml:inkSource xml:id="inkSrc0">
+        <inkml:traceFormat>
+          <inkml:channel name="X" type="integer" min="-2.14748E9" max="2.14748E9" units="cm"/>
+          <inkml:channel name="Y" type="integer" min="-2.14748E9" max="2.14748E9" units="cm"/>
+          <inkml:channel name="F" type="integer" max="32767" units="dev"/>
+          <inkml:channel name="OA" type="integer" max="360" units="deg"/>
+          <inkml:channel name="OE" type="integer" max="90" units="deg"/>
+        </inkml:traceFormat>
+        <inkml:channelProperties>
+          <inkml:channelProperty channel="X" name="resolution" value="1000" units="1/cm"/>
+          <inkml:channelProperty channel="Y" name="resolution" value="1000" units="1/cm"/>
+          <inkml:channelProperty channel="F" name="resolution" value="0" units="1/dev"/>
+          <inkml:channelProperty channel="OA" name="resolution" value="1000" units="1/deg"/>
+          <inkml:channelProperty channel="OE" name="resolution" value="1000" units="1/deg"/>
+        </inkml:channelProperties>
+      </inkml:inkSource>
+      <inkml:timestamp xml:id="ts0" timeString="2025-10-30T07:43:19.967"/>
+    </inkml:context>
+    <inkml:brush xml:id="br0">
+      <inkml:brushProperty name="width" value="0.1" units="cm"/>
+      <inkml:brushProperty name="height" value="0.1" units="cm"/>
+      <inkml:brushProperty name="color" value="#66CC00"/>
+    </inkml:brush>
+  </inkml:definitions>
+  <inkml:trace contextRef="#ctx0" brushRef="#br0">0 140 3449 0 0,'0'0'5075'0'0,"13"6"-5349"0"0,-1-1 241 0 0,0-1 0 0 0,-1 0 0 0 0,2-1 0 0 0,-1 0 0 0 0,0-1 0 0 0,0 0 0 0 0,1-1 0 0 0,-1-1 0 0 0,1 0 0 0 0,-1 0 0 0 0,0-1 0 0 0,1-1 0 0 0,-1 0 0 0 0,13-4 0 0 0,12-6 235 0 0,0-2 1 0 0,0-2 0 0 0,35-20 0 0 0,-53 26-123 0 0,11-6-536 0 0,36-24 1 0 0,-45 25-78 0 0</inkml:trace>
+</inkml:ink>
+</file>
+
+<file path=ppt/ink/ink5.xml><?xml version="1.0" encoding="utf-8"?>
+<inkml:ink xmlns:inkml="http://www.w3.org/2003/InkML">
+  <inkml:definitions>
+    <inkml:context xml:id="ctx0">
+      <inkml:inkSource xml:id="inkSrc0">
+        <inkml:traceFormat>
+          <inkml:channel name="X" type="integer" min="-2.14748E9" max="2.14748E9" units="cm"/>
+          <inkml:channel name="Y" type="integer" min="-2.14748E9" max="2.14748E9" units="cm"/>
+          <inkml:channel name="F" type="integer" max="32767" units="dev"/>
+          <inkml:channel name="OA" type="integer" max="360" units="deg"/>
+          <inkml:channel name="OE" type="integer" max="90" units="deg"/>
+        </inkml:traceFormat>
+        <inkml:channelProperties>
+          <inkml:channelProperty channel="X" name="resolution" value="1000" units="1/cm"/>
+          <inkml:channelProperty channel="Y" name="resolution" value="1000" units="1/cm"/>
+          <inkml:channelProperty channel="F" name="resolution" value="0" units="1/dev"/>
+          <inkml:channelProperty channel="OA" name="resolution" value="1000" units="1/deg"/>
+          <inkml:channelProperty channel="OE" name="resolution" value="1000" units="1/deg"/>
+        </inkml:channelProperties>
+      </inkml:inkSource>
+      <inkml:timestamp xml:id="ts0" timeString="2025-10-30T07:43:20.599"/>
+    </inkml:context>
+    <inkml:brush xml:id="br0">
+      <inkml:brushProperty name="width" value="0.1" units="cm"/>
+      <inkml:brushProperty name="height" value="0.1" units="cm"/>
+      <inkml:brushProperty name="color" value="#66CC00"/>
+    </inkml:brush>
+  </inkml:definitions>
+  <inkml:trace contextRef="#ctx0" brushRef="#br0">168 286 1992 0 0,'4'27'719'0'0,"-4"-32"-278"0"0,0 0 0 0 0,0 0 0 0 0,0 0 0 0 0,1 0 1 0 0,0 0-1 0 0,1-6 0 0 0,0 4-344 0 0,-1 1 1 0 0,1 0 0 0 0,-2-1-1 0 0,1 1 1 0 0,-1 0 0 0 0,0-1-1 0 0,-1-11 1 0 0,-3-5 666 0 0,-1 0-1 0 0,-1 0 1 0 0,-1 0-1 0 0,-1 1 1 0 0,-1 0 0 0 0,-19-34-1 0 0,28 55-675 0 0,-1 0 1 0 0,0 0-1 0 0,0 0 0 0 0,0-1 1 0 0,0 1-1 0 0,0 0 0 0 0,0 0 0 0 0,0 0 1 0 0,0 1-1 0 0,0-1 0 0 0,-1 0 0 0 0,1 0 1 0 0,0 1-1 0 0,0-1 0 0 0,-1 0 0 0 0,1 1 1 0 0,0-1-1 0 0,-1 1 0 0 0,1 0 1 0 0,-1-1-1 0 0,1 1 0 0 0,-3 0 0 0 0,1 0-44 0 0,1 1-1 0 0,-1-1 0 0 0,1 1 0 0 0,-1 0 1 0 0,1 0-1 0 0,0 0 0 0 0,-1 0 0 0 0,1 0 1 0 0,0 0-1 0 0,0 1 0 0 0,0-1 0 0 0,-3 3 0 0 0,0 0-144 0 0,1 1-1 0 0,-1 0 1 0 0,1 0-1 0 0,0 0 1 0 0,0 0-1 0 0,0 0 0 0 0,1 1 1 0 0,0 0-1 0 0,-5 11 1 0 0,6-8-6 0 0,0 0 1 0 0,1 1-1 0 0,0-1 1 0 0,0 0-1 0 0,1 1 1 0 0,0-1-1 0 0,0 1 1 0 0,1-1 0 0 0,1 0-1 0 0,-1 1 1 0 0,1-1-1 0 0,1 0 1 0 0,0 0-1 0 0,0-1 1 0 0,5 10-1 0 0,-5-12 84 0 0,1 0 0 0 0,0 0 0 0 0,-1 0 0 0 0,2-1-1 0 0,-1 1 1 0 0,0-1 0 0 0,1 0 0 0 0,0-1 0 0 0,1 1-1 0 0,-1-1 1 0 0,1 0 0 0 0,-1 0 0 0 0,1 0-1 0 0,0-1 1 0 0,1 0 0 0 0,-1-1 0 0 0,0 1 0 0 0,1-1-1 0 0,0 0 1 0 0,-1-1 0 0 0,9 2 0 0 0,-2-2-42 0 0,1 0 1 0 0,-1 0 0 0 0,0-2 0 0 0,1 0-1 0 0,-1 0 1 0 0,0-1 0 0 0,0-1 0 0 0,19-5-1 0 0,-24 5 10 0 0,-1-1 0 0 0,0 1 0 0 0,0-1-1 0 0,0 0 1 0 0,-1 0 0 0 0,1-1-1 0 0,-1 0 1 0 0,0 0 0 0 0,0-1 0 0 0,-1 0-1 0 0,0 0 1 0 0,0 0 0 0 0,0 0-1 0 0,-1-1 1 0 0,7-12 0 0 0,-3 2-343 0 0,-1-1 0 0 0,-1 0 0 0 0,0-1 0 0 0,-1 0 0 0 0,-1 0 0 0 0,2-37 0 0 0,-5 20-488 0 0</inkml:trace>
+</inkml:ink>
+</file>
+
+<file path=ppt/ink/ink6.xml><?xml version="1.0" encoding="utf-8"?>
+<inkml:ink xmlns:inkml="http://www.w3.org/2003/InkML">
+  <inkml:definitions>
+    <inkml:context xml:id="ctx0">
+      <inkml:inkSource xml:id="inkSrc0">
+        <inkml:traceFormat>
+          <inkml:channel name="X" type="integer" min="-2.14748E9" max="2.14748E9" units="cm"/>
+          <inkml:channel name="Y" type="integer" min="-2.14748E9" max="2.14748E9" units="cm"/>
+          <inkml:channel name="F" type="integer" max="32767" units="dev"/>
+          <inkml:channel name="OA" type="integer" max="360" units="deg"/>
+          <inkml:channel name="OE" type="integer" max="90" units="deg"/>
+        </inkml:traceFormat>
+        <inkml:channelProperties>
+          <inkml:channelProperty channel="X" name="resolution" value="1000" units="1/cm"/>
+          <inkml:channelProperty channel="Y" name="resolution" value="1000" units="1/cm"/>
+          <inkml:channelProperty channel="F" name="resolution" value="0" units="1/dev"/>
+          <inkml:channelProperty channel="OA" name="resolution" value="1000" units="1/deg"/>
+          <inkml:channelProperty channel="OE" name="resolution" value="1000" units="1/deg"/>
+        </inkml:channelProperties>
+      </inkml:inkSource>
+      <inkml:timestamp xml:id="ts0" timeString="2025-10-30T07:43:20.977"/>
+    </inkml:context>
+    <inkml:brush xml:id="br0">
+      <inkml:brushProperty name="width" value="0.1" units="cm"/>
+      <inkml:brushProperty name="height" value="0.1" units="cm"/>
+      <inkml:brushProperty name="color" value="#66CC00"/>
+    </inkml:brush>
+  </inkml:definitions>
+  <inkml:trace contextRef="#ctx0" brushRef="#br0">81 166 5353 0 0,'-4'1'226'0'0,"0"1"1"0"0,0 1-1 0 0,0-1 0 0 0,0 0 0 0 0,0 1 1 0 0,1 0-1 0 0,-1 0 0 0 0,1 0 0 0 0,0 0 0 0 0,0 1 1 0 0,0-1-1 0 0,0 1 0 0 0,1 0 0 0 0,-1 0 1 0 0,1 0-1 0 0,0 0 0 0 0,0 0 0 0 0,0 0 1 0 0,1 1-1 0 0,0-1 0 0 0,-2 7 0 0 0,1-1-89 0 0,-11 64 12 0 0,12-68-230 0 0,1 0-1 0 0,-1-1 1 0 0,2 1 0 0 0,-1 0 0 0 0,1 0 0 0 0,0-1 0 0 0,0 1 0 0 0,0 0 0 0 0,1-1 0 0 0,4 10-1 0 0,-3-9 24 0 0,1-1 0 0 0,0 1 0 0 0,0-1 0 0 0,0 0 0 0 0,1-1 0 0 0,0 1 1 0 0,0-1-1 0 0,0 0 0 0 0,0 0 0 0 0,0 0 0 0 0,1-1 0 0 0,0 0 0 0 0,0 0 0 0 0,0 0 0 0 0,0-1 0 0 0,0 0 0 0 0,0 0 0 0 0,1 0 0 0 0,9 0 0 0 0,-8-1 16 0 0,0 0 0 0 0,1 0 1 0 0,-1-1-1 0 0,1-1 0 0 0,-1 1 1 0 0,1-1-1 0 0,-1-1 1 0 0,1 1-1 0 0,-1-1 0 0 0,0-1 1 0 0,0 0-1 0 0,0 0 0 0 0,0 0 1 0 0,11-8-1 0 0,-11 5 45 0 0,-1 0 0 0 0,0 0-1 0 0,0 0 1 0 0,0-1 0 0 0,-1 0 0 0 0,0 0-1 0 0,-1-1 1 0 0,1 1 0 0 0,-1-1 0 0 0,-1-1-1 0 0,1 1 1 0 0,-2-1 0 0 0,5-13 0 0 0,-3 5 24 0 0,-1 0 0 0 0,-1 0 0 0 0,-1-1 1 0 0,0 1-1 0 0,-1-1 0 0 0,-2-25 0 0 0,0 24-195 0 0,-1 1 0 0 0,0-1 0 0 0,-2 1 0 0 0,0-1-1 0 0,-1 1 1 0 0,-12-29 0 0 0,4 20-358 0 0</inkml:trace>
+</inkml:ink>
+</file>
+
+<file path=ppt/ink/ink7.xml><?xml version="1.0" encoding="utf-8"?>
+<inkml:ink xmlns:inkml="http://www.w3.org/2003/InkML">
+  <inkml:definitions>
+    <inkml:context xml:id="ctx0">
+      <inkml:inkSource xml:id="inkSrc0">
+        <inkml:traceFormat>
+          <inkml:channel name="X" type="integer" min="-2.14748E9" max="2.14748E9" units="cm"/>
+          <inkml:channel name="Y" type="integer" min="-2.14748E9" max="2.14748E9" units="cm"/>
+          <inkml:channel name="F" type="integer" max="32767" units="dev"/>
+          <inkml:channel name="OA" type="integer" max="360" units="deg"/>
+          <inkml:channel name="OE" type="integer" max="90" units="deg"/>
+        </inkml:traceFormat>
+        <inkml:channelProperties>
+          <inkml:channelProperty channel="X" name="resolution" value="1000" units="1/cm"/>
+          <inkml:channelProperty channel="Y" name="resolution" value="1000" units="1/cm"/>
+          <inkml:channelProperty channel="F" name="resolution" value="0" units="1/dev"/>
+          <inkml:channelProperty channel="OA" name="resolution" value="1000" units="1/deg"/>
+          <inkml:channelProperty channel="OE" name="resolution" value="1000" units="1/deg"/>
+        </inkml:channelProperties>
+      </inkml:inkSource>
+      <inkml:timestamp xml:id="ts0" timeString="2025-10-30T07:43:21.279"/>
+    </inkml:context>
+    <inkml:brush xml:id="br0">
+      <inkml:brushProperty name="width" value="0.1" units="cm"/>
+      <inkml:brushProperty name="height" value="0.1" units="cm"/>
+      <inkml:brushProperty name="color" value="#66CC00"/>
+    </inkml:brush>
+  </inkml:definitions>
+  <inkml:trace contextRef="#ctx0" brushRef="#br0">11 264 5497 0 0,'-10'-1'4978'0'0,"14"-3"-4681"0"0,24-5-1378 0 0,191-42 616 0 0,-186 40 565 0 0,0-1 0 0 0,-1-1 1 0 0,0-2-1 0 0,49-31 0 0 0,-62 33-437 0 0,0-1-1 0 0,0-1 0 0 0,-2 0 1 0 0,20-22-1 0 0,-31 30-99 0 0</inkml:trace>
+</inkml:ink>
+</file>
+
+<file path=ppt/ink/ink8.xml><?xml version="1.0" encoding="utf-8"?>
+<inkml:ink xmlns:inkml="http://www.w3.org/2003/InkML">
+  <inkml:definitions>
+    <inkml:context xml:id="ctx0">
+      <inkml:inkSource xml:id="inkSrc0">
+        <inkml:traceFormat>
+          <inkml:channel name="X" type="integer" min="-2.14748E9" max="2.14748E9" units="cm"/>
+          <inkml:channel name="Y" type="integer" min="-2.14748E9" max="2.14748E9" units="cm"/>
+          <inkml:channel name="F" type="integer" max="32767" units="dev"/>
+          <inkml:channel name="OA" type="integer" max="360" units="deg"/>
+          <inkml:channel name="OE" type="integer" max="90" units="deg"/>
+        </inkml:traceFormat>
+        <inkml:channelProperties>
+          <inkml:channelProperty channel="X" name="resolution" value="1000" units="1/cm"/>
+          <inkml:channelProperty channel="Y" name="resolution" value="1000" units="1/cm"/>
+          <inkml:channelProperty channel="F" name="resolution" value="0" units="1/dev"/>
+          <inkml:channelProperty channel="OA" name="resolution" value="1000" units="1/deg"/>
+          <inkml:channelProperty channel="OE" name="resolution" value="1000" units="1/deg"/>
+        </inkml:channelProperties>
+      </inkml:inkSource>
+      <inkml:timestamp xml:id="ts0" timeString="2025-10-30T07:43:21.482"/>
+    </inkml:context>
+    <inkml:brush xml:id="br0">
+      <inkml:brushProperty name="width" value="0.1" units="cm"/>
+      <inkml:brushProperty name="height" value="0.1" units="cm"/>
+      <inkml:brushProperty name="color" value="#66CC00"/>
+    </inkml:brush>
+  </inkml:definitions>
+  <inkml:trace contextRef="#ctx0" brushRef="#br0">14 338 6001 0 0,'-9'-4'4603'0'0,"5"-13"-3343"0"0,8-20-1979 0 0,5 5 496 0 0,1 0-1 0 0,25-49 1 0 0,8-23-1776 0 0,-31 73 1037 0 0</inkml:trace>
+</inkml:ink>
+</file>
+
+<file path=ppt/ink/ink9.xml><?xml version="1.0" encoding="utf-8"?>
+<inkml:ink xmlns:inkml="http://www.w3.org/2003/InkML">
+  <inkml:definitions>
+    <inkml:context xml:id="ctx0">
+      <inkml:inkSource xml:id="inkSrc0">
+        <inkml:traceFormat>
+          <inkml:channel name="X" type="integer" min="-2.14748E9" max="2.14748E9" units="cm"/>
+          <inkml:channel name="Y" type="integer" min="-2.14748E9" max="2.14748E9" units="cm"/>
+          <inkml:channel name="F" type="integer" max="32767" units="dev"/>
+          <inkml:channel name="OA" type="integer" max="360" units="deg"/>
+          <inkml:channel name="OE" type="integer" max="90" units="deg"/>
+        </inkml:traceFormat>
+        <inkml:channelProperties>
+          <inkml:channelProperty channel="X" name="resolution" value="1000" units="1/cm"/>
+          <inkml:channelProperty channel="Y" name="resolution" value="1000" units="1/cm"/>
+          <inkml:channelProperty channel="F" name="resolution" value="0" units="1/dev"/>
+          <inkml:channelProperty channel="OA" name="resolution" value="1000" units="1/deg"/>
+          <inkml:channelProperty channel="OE" name="resolution" value="1000" units="1/deg"/>
+        </inkml:channelProperties>
+      </inkml:inkSource>
+      <inkml:timestamp xml:id="ts0" timeString="2025-10-30T07:43:21.703"/>
+    </inkml:context>
+    <inkml:brush xml:id="br0">
+      <inkml:brushProperty name="width" value="0.1" units="cm"/>
+      <inkml:brushProperty name="height" value="0.1" units="cm"/>
+      <inkml:brushProperty name="color" value="#66CC00"/>
+    </inkml:brush>
+  </inkml:definitions>
+  <inkml:trace contextRef="#ctx0" brushRef="#br0">34 153 7258 0 0,'-33'50'4898'0'0,"64"-60"-4267"0"0,1-6-840 0 0,-2-1 0 0 0,0-2 0 0 0,-1 0 0 0 0,49-45 0 0 0,-17 14-3377 0 0,-50 42 2183 0 0</inkml:trace>
+</inkml:ink>
+</file>
+
+<file path=ppt/notesMasters/notesMaster1.xml><?xml version="1.0" encoding="utf-8"?>
+<p:notesMaster xmlns:a="http://schemas.openxmlformats.org/drawingml/2006/main" xmlns:r="http://schemas.openxmlformats.org/officeDocument/2006/relationships" xmlns:p="http://schemas.openxmlformats.org/presentationml/2006/main">
+  <p:cSld>
+    <p:bg>
+      <p:bgRef idx="1001">
+        <a:schemeClr val="bg1"/>
+      </p:bgRef>
+    </p:bg>
+    <p:spTree>
+      <p:nvGrpSpPr>
+        <p:cNvPr id="1" name=""/>
+        <p:cNvGrpSpPr/>
+        <p:nvPr/>
+      </p:nvGrpSpPr>
+      <p:grpSpPr>
+        <a:xfrm>
+          <a:off x="0" y="0"/>
+          <a:ext cx="0" cy="0"/>
+          <a:chOff x="0" y="0"/>
+          <a:chExt cx="0" cy="0"/>
+        </a:xfrm>
+      </p:grpSpPr>
+      <p:sp>
+        <p:nvSpPr>
+          <p:cNvPr id="2" name="Kopfzeilenplatzhalter 1"/>
+          <p:cNvSpPr>
+            <a:spLocks noGrp="1"/>
+          </p:cNvSpPr>
+          <p:nvPr>
+            <p:ph type="hdr" sz="quarter"/>
+          </p:nvPr>
+        </p:nvSpPr>
+        <p:spPr>
+          <a:xfrm>
+            <a:off x="0" y="0"/>
+            <a:ext cx="2971800" cy="458788"/>
+          </a:xfrm>
+          <a:prstGeom prst="rect">
+            <a:avLst/>
+          </a:prstGeom>
+        </p:spPr>
+        <p:txBody>
+          <a:bodyPr vert="horz" lIns="91440" tIns="45720" rIns="91440" bIns="45720" rtlCol="0"/>
+          <a:lstStyle>
+            <a:lvl1pPr algn="l">
+              <a:defRPr sz="1200"/>
+            </a:lvl1pPr>
+          </a:lstStyle>
+          <a:p>
+            <a:endParaRPr lang="de-CH"/>
+          </a:p>
+        </p:txBody>
+      </p:sp>
+      <p:sp>
+        <p:nvSpPr>
+          <p:cNvPr id="3" name="Datumsplatzhalter 2"/>
+          <p:cNvSpPr>
+            <a:spLocks noGrp="1"/>
+          </p:cNvSpPr>
+          <p:nvPr>
+            <p:ph type="dt" idx="1"/>
+          </p:nvPr>
+        </p:nvSpPr>
+        <p:spPr>
+          <a:xfrm>
+            <a:off x="3884613" y="0"/>
+            <a:ext cx="2971800" cy="458788"/>
+          </a:xfrm>
+          <a:prstGeom prst="rect">
+            <a:avLst/>
+          </a:prstGeom>
+        </p:spPr>
+        <p:txBody>
+          <a:bodyPr vert="horz" lIns="91440" tIns="45720" rIns="91440" bIns="45720" rtlCol="0"/>
+          <a:lstStyle>
+            <a:lvl1pPr algn="r">
+              <a:defRPr sz="1200"/>
+            </a:lvl1pPr>
+          </a:lstStyle>
+          <a:p>
+            <a:fld id="{F17C4E11-10FB-4EAA-9B7C-49C06558A741}" type="datetimeFigureOut">
+              <a:rPr lang="de-CH" smtClean="0"/>
+              <a:t>30.10.2025</a:t>
+            </a:fld>
+            <a:endParaRPr lang="de-CH"/>
+          </a:p>
+        </p:txBody>
+      </p:sp>
+      <p:sp>
+        <p:nvSpPr>
+          <p:cNvPr id="4" name="Folienbildplatzhalter 3"/>
+          <p:cNvSpPr>
+            <a:spLocks noGrp="1" noRot="1" noChangeAspect="1"/>
+          </p:cNvSpPr>
+          <p:nvPr>
+            <p:ph type="sldImg" idx="2"/>
+          </p:nvPr>
+        </p:nvSpPr>
+        <p:spPr>
+          <a:xfrm>
+            <a:off x="685800" y="1143000"/>
+            <a:ext cx="5486400" cy="3086100"/>
+          </a:xfrm>
+          <a:prstGeom prst="rect">
+            <a:avLst/>
+          </a:prstGeom>
+          <a:noFill/>
+          <a:ln w="12700">
+            <a:solidFill>
+              <a:prstClr val="black"/>
+            </a:solidFill>
+          </a:ln>
+        </p:spPr>
+        <p:txBody>
+          <a:bodyPr vert="horz" lIns="91440" tIns="45720" rIns="91440" bIns="45720" rtlCol="0" anchor="ctr"/>
+          <a:lstStyle/>
+          <a:p>
+            <a:endParaRPr lang="de-CH"/>
+          </a:p>
+        </p:txBody>
+      </p:sp>
+      <p:sp>
+        <p:nvSpPr>
+          <p:cNvPr id="5" name="Notizenplatzhalter 4"/>
+          <p:cNvSpPr>
+            <a:spLocks noGrp="1"/>
+          </p:cNvSpPr>
+          <p:nvPr>
+            <p:ph type="body" sz="quarter" idx="3"/>
+          </p:nvPr>
+        </p:nvSpPr>
+        <p:spPr>
+          <a:xfrm>
+            <a:off x="685800" y="4400550"/>
+            <a:ext cx="5486400" cy="3600450"/>
+          </a:xfrm>
+          <a:prstGeom prst="rect">
+            <a:avLst/>
+          </a:prstGeom>
+        </p:spPr>
+        <p:txBody>
+          <a:bodyPr vert="horz" lIns="91440" tIns="45720" rIns="91440" bIns="45720" rtlCol="0"/>
+          <a:lstStyle/>
+          <a:p>
+            <a:pPr lvl="0"/>
+            <a:r>
+              <a:rPr lang="de-DE"/>
+              <a:t>Mastertextformat bearbeiten</a:t>
+            </a:r>
+          </a:p>
+          <a:p>
+            <a:pPr lvl="1"/>
+            <a:r>
+              <a:rPr lang="de-DE"/>
+              <a:t>Zweite Ebene</a:t>
+            </a:r>
+          </a:p>
+          <a:p>
+            <a:pPr lvl="2"/>
+            <a:r>
+              <a:rPr lang="de-DE"/>
+              <a:t>Dritte Ebene</a:t>
+            </a:r>
+          </a:p>
+          <a:p>
+            <a:pPr lvl="3"/>
+            <a:r>
+              <a:rPr lang="de-DE"/>
+              <a:t>Vierte Ebene</a:t>
+            </a:r>
+          </a:p>
+          <a:p>
+            <a:pPr lvl="4"/>
+            <a:r>
+              <a:rPr lang="de-DE"/>
+              <a:t>Fünfte Ebene</a:t>
+            </a:r>
+            <a:endParaRPr lang="de-CH"/>
+          </a:p>
+        </p:txBody>
+      </p:sp>
+      <p:sp>
+        <p:nvSpPr>
+          <p:cNvPr id="6" name="Fußzeilenplatzhalter 5"/>
+          <p:cNvSpPr>
+            <a:spLocks noGrp="1"/>
+          </p:cNvSpPr>
+          <p:nvPr>
+            <p:ph type="ftr" sz="quarter" idx="4"/>
+          </p:nvPr>
+        </p:nvSpPr>
+        <p:spPr>
+          <a:xfrm>
+            <a:off x="0" y="8685213"/>
+            <a:ext cx="2971800" cy="458787"/>
+          </a:xfrm>
+          <a:prstGeom prst="rect">
+            <a:avLst/>
+          </a:prstGeom>
+        </p:spPr>
+        <p:txBody>
+          <a:bodyPr vert="horz" lIns="91440" tIns="45720" rIns="91440" bIns="45720" rtlCol="0" anchor="b"/>
+          <a:lstStyle>
+            <a:lvl1pPr algn="l">
+              <a:defRPr sz="1200"/>
+            </a:lvl1pPr>
+          </a:lstStyle>
+          <a:p>
+            <a:endParaRPr lang="de-CH"/>
+          </a:p>
+        </p:txBody>
+      </p:sp>
+      <p:sp>
+        <p:nvSpPr>
+          <p:cNvPr id="7" name="Foliennummernplatzhalter 6"/>
+          <p:cNvSpPr>
+            <a:spLocks noGrp="1"/>
+          </p:cNvSpPr>
+          <p:nvPr>
+            <p:ph type="sldNum" sz="quarter" idx="5"/>
+          </p:nvPr>
+        </p:nvSpPr>
+        <p:spPr>
+          <a:xfrm>
+            <a:off x="3884613" y="8685213"/>
+            <a:ext cx="2971800" cy="458787"/>
+          </a:xfrm>
+          <a:prstGeom prst="rect">
+            <a:avLst/>
+          </a:prstGeom>
+        </p:spPr>
+        <p:txBody>
+          <a:bodyPr vert="horz" lIns="91440" tIns="45720" rIns="91440" bIns="45720" rtlCol="0" anchor="b"/>
+          <a:lstStyle>
+            <a:lvl1pPr algn="r">
+              <a:defRPr sz="1200"/>
+            </a:lvl1pPr>
+          </a:lstStyle>
+          <a:p>
+            <a:fld id="{EB2A0D13-1493-4442-A315-6F78B7786EF8}" type="slidenum">
+              <a:rPr lang="de-CH" smtClean="0"/>
+              <a:t>‹Nr.›</a:t>
+            </a:fld>
+            <a:endParaRPr lang="de-CH"/>
+          </a:p>
+        </p:txBody>
+      </p:sp>
+    </p:spTree>
+    <p:extLst>
+      <p:ext uri="{BB962C8B-B14F-4D97-AF65-F5344CB8AC3E}">
+        <p14:creationId xmlns:p14="http://schemas.microsoft.com/office/powerpoint/2010/main" val="579255177"/>
+      </p:ext>
+    </p:extLst>
+  </p:cSld>
+  <p:clrMap bg1="lt1" tx1="dk1" bg2="lt2" tx2="dk2" accent1="accent1" accent2="accent2" accent3="accent3" accent4="accent4" accent5="accent5" accent6="accent6" hlink="hlink" folHlink="folHlink"/>
+  <p:notesStyle>
+    <a:lvl1pPr marL="0" algn="l" defTabSz="914400" rtl="0" eaLnBrk="1" latinLnBrk="0" hangingPunct="1">
+      <a:defRPr sz="1200" kern="1200">
+        <a:solidFill>
+          <a:schemeClr val="tx1"/>
+        </a:solidFill>
+        <a:latin typeface="+mn-lt"/>
+        <a:ea typeface="+mn-ea"/>
+        <a:cs typeface="+mn-cs"/>
+      </a:defRPr>
+    </a:lvl1pPr>
+    <a:lvl2pPr marL="457200" algn="l" defTabSz="914400" rtl="0" eaLnBrk="1" latinLnBrk="0" hangingPunct="1">
+      <a:defRPr sz="1200" kern="1200">
+        <a:solidFill>
+          <a:schemeClr val="tx1"/>
+        </a:solidFill>
+        <a:latin typeface="+mn-lt"/>
+        <a:ea typeface="+mn-ea"/>
+        <a:cs typeface="+mn-cs"/>
+      </a:defRPr>
+    </a:lvl2pPr>
+    <a:lvl3pPr marL="914400" algn="l" defTabSz="914400" rtl="0" eaLnBrk="1" latinLnBrk="0" hangingPunct="1">
+      <a:defRPr sz="1200" kern="1200">
+        <a:solidFill>
+          <a:schemeClr val="tx1"/>
+        </a:solidFill>
+        <a:latin typeface="+mn-lt"/>
+        <a:ea typeface="+mn-ea"/>
+        <a:cs typeface="+mn-cs"/>
+      </a:defRPr>
+    </a:lvl3pPr>
+    <a:lvl4pPr marL="1371600" algn="l" defTabSz="914400" rtl="0" eaLnBrk="1" latinLnBrk="0" hangingPunct="1">
+      <a:defRPr sz="1200" kern="1200">
+        <a:solidFill>
+          <a:schemeClr val="tx1"/>
+        </a:solidFill>
+        <a:latin typeface="+mn-lt"/>
+        <a:ea typeface="+mn-ea"/>
+        <a:cs typeface="+mn-cs"/>
+      </a:defRPr>
+    </a:lvl4pPr>
+    <a:lvl5pPr marL="1828800" algn="l" defTabSz="914400" rtl="0" eaLnBrk="1" latinLnBrk="0" hangingPunct="1">
+      <a:defRPr sz="1200" kern="1200">
+        <a:solidFill>
+          <a:schemeClr val="tx1"/>
+        </a:solidFill>
+        <a:latin typeface="+mn-lt"/>
+        <a:ea typeface="+mn-ea"/>
+        <a:cs typeface="+mn-cs"/>
+      </a:defRPr>
+    </a:lvl5pPr>
+    <a:lvl6pPr marL="2286000" algn="l" defTabSz="914400" rtl="0" eaLnBrk="1" latinLnBrk="0" hangingPunct="1">
+      <a:defRPr sz="1200" kern="1200">
+        <a:solidFill>
+          <a:schemeClr val="tx1"/>
+        </a:solidFill>
+        <a:latin typeface="+mn-lt"/>
+        <a:ea typeface="+mn-ea"/>
+        <a:cs typeface="+mn-cs"/>
+      </a:defRPr>
+    </a:lvl6pPr>
+    <a:lvl7pPr marL="2743200" algn="l" defTabSz="914400" rtl="0" eaLnBrk="1" latinLnBrk="0" hangingPunct="1">
+      <a:defRPr sz="1200" kern="1200">
+        <a:solidFill>
+          <a:schemeClr val="tx1"/>
+        </a:solidFill>
+        <a:latin typeface="+mn-lt"/>
+        <a:ea typeface="+mn-ea"/>
+        <a:cs typeface="+mn-cs"/>
+      </a:defRPr>
+    </a:lvl7pPr>
+    <a:lvl8pPr marL="3200400" algn="l" defTabSz="914400" rtl="0" eaLnBrk="1" latinLnBrk="0" hangingPunct="1">
+      <a:defRPr sz="1200" kern="1200">
+        <a:solidFill>
+          <a:schemeClr val="tx1"/>
+        </a:solidFill>
+        <a:latin typeface="+mn-lt"/>
+        <a:ea typeface="+mn-ea"/>
+        <a:cs typeface="+mn-cs"/>
+      </a:defRPr>
+    </a:lvl8pPr>
+    <a:lvl9pPr marL="3657600" algn="l" defTabSz="914400" rtl="0" eaLnBrk="1" latinLnBrk="0" hangingPunct="1">
+      <a:defRPr sz="1200" kern="1200">
+        <a:solidFill>
+          <a:schemeClr val="tx1"/>
+        </a:solidFill>
+        <a:latin typeface="+mn-lt"/>
+        <a:ea typeface="+mn-ea"/>
+        <a:cs typeface="+mn-cs"/>
+      </a:defRPr>
+    </a:lvl9pPr>
+  </p:notesStyle>
+</p:notesMaster>
+</file>
+
+<file path=ppt/notesSlides/notesSlide1.xml><?xml version="1.0" encoding="utf-8"?>
+<p:notes xmlns:a="http://schemas.openxmlformats.org/drawingml/2006/main" xmlns:r="http://schemas.openxmlformats.org/officeDocument/2006/relationships" xmlns:p="http://schemas.openxmlformats.org/presentationml/2006/main">
+  <p:cSld>
+    <p:spTree>
+      <p:nvGrpSpPr>
+        <p:cNvPr id="1" name=""/>
+        <p:cNvGrpSpPr/>
+        <p:nvPr/>
+      </p:nvGrpSpPr>
+      <p:grpSpPr>
+        <a:xfrm>
+          <a:off x="0" y="0"/>
+          <a:ext cx="0" cy="0"/>
+          <a:chOff x="0" y="0"/>
+          <a:chExt cx="0" cy="0"/>
+        </a:xfrm>
+      </p:grpSpPr>
+      <p:sp>
+        <p:nvSpPr>
+          <p:cNvPr id="2" name="Folienbildplatzhalter 1"/>
+          <p:cNvSpPr>
+            <a:spLocks noGrp="1" noRot="1" noChangeAspect="1"/>
+          </p:cNvSpPr>
+          <p:nvPr>
+            <p:ph type="sldImg"/>
+          </p:nvPr>
+        </p:nvSpPr>
+        <p:spPr/>
+      </p:sp>
+      <p:sp>
+        <p:nvSpPr>
+          <p:cNvPr id="3" name="Notizenplatzhalter 2"/>
+          <p:cNvSpPr>
+            <a:spLocks noGrp="1"/>
+          </p:cNvSpPr>
+          <p:nvPr>
+            <p:ph type="body" idx="1"/>
+          </p:nvPr>
+        </p:nvSpPr>
+        <p:spPr/>
+        <p:txBody>
+          <a:bodyPr/>
+          <a:lstStyle/>
+          <a:p>
+            <a:r>
+              <a:rPr lang="de-CH" dirty="0" err="1"/>
+              <a:t>Weak</a:t>
+            </a:r>
+            <a:r>
+              <a:rPr lang="de-CH" dirty="0"/>
+              <a:t> </a:t>
+            </a:r>
+            <a:r>
+              <a:rPr lang="de-CH" dirty="0" err="1"/>
+              <a:t>better</a:t>
+            </a:r>
+            <a:endParaRPr lang="de-CH" dirty="0"/>
+          </a:p>
+        </p:txBody>
+      </p:sp>
+      <p:sp>
+        <p:nvSpPr>
+          <p:cNvPr id="4" name="Foliennummernplatzhalter 3"/>
+          <p:cNvSpPr>
+            <a:spLocks noGrp="1"/>
+          </p:cNvSpPr>
+          <p:nvPr>
+            <p:ph type="sldNum" sz="quarter" idx="5"/>
+          </p:nvPr>
+        </p:nvSpPr>
+        <p:spPr/>
+        <p:txBody>
+          <a:bodyPr/>
+          <a:lstStyle/>
+          <a:p>
+            <a:fld id="{EB2A0D13-1493-4442-A315-6F78B7786EF8}" type="slidenum">
+              <a:rPr lang="de-CH" smtClean="0"/>
+              <a:t>3</a:t>
+            </a:fld>
+            <a:endParaRPr lang="de-CH"/>
+          </a:p>
+        </p:txBody>
+      </p:sp>
+    </p:spTree>
+    <p:extLst>
+      <p:ext uri="{BB962C8B-B14F-4D97-AF65-F5344CB8AC3E}">
+        <p14:creationId xmlns:p14="http://schemas.microsoft.com/office/powerpoint/2010/main" val="1186318258"/>
+      </p:ext>
+    </p:extLst>
+  </p:cSld>
+  <p:clrMapOvr>
+    <a:masterClrMapping/>
+  </p:clrMapOvr>
+</p:notes>
+</file>
+
 <file path=ppt/slideLayouts/slideLayout1.xml><?xml version="1.0" encoding="utf-8"?>
 <p:sldLayout xmlns:a="http://schemas.openxmlformats.org/drawingml/2006/main" xmlns:r="http://schemas.openxmlformats.org/officeDocument/2006/relationships" xmlns:p="http://schemas.openxmlformats.org/presentationml/2006/main" type="title" preserve="1">
   <p:cSld name="Titelfolie">
@@ -6624,7 +7934,7 @@
           <a:p>
             <a:fld id="{2A07F06B-CB54-47B8-86A8-70FF2417EE14}" type="slidenum">
               <a:rPr lang="de-CH" smtClean="0"/>
-              <a:t>‹#›</a:t>
+              <a:t>‹Nr.›</a:t>
             </a:fld>
             <a:endParaRPr lang="de-CH"/>
           </a:p>
@@ -6824,7 +8134,7 @@
           <a:p>
             <a:fld id="{2A07F06B-CB54-47B8-86A8-70FF2417EE14}" type="slidenum">
               <a:rPr lang="de-CH" smtClean="0"/>
-              <a:t>‹#›</a:t>
+              <a:t>‹Nr.›</a:t>
             </a:fld>
             <a:endParaRPr lang="de-CH"/>
           </a:p>
@@ -7034,7 +8344,7 @@
           <a:p>
             <a:fld id="{2A07F06B-CB54-47B8-86A8-70FF2417EE14}" type="slidenum">
               <a:rPr lang="de-CH" smtClean="0"/>
-              <a:t>‹#›</a:t>
+              <a:t>‹Nr.›</a:t>
             </a:fld>
             <a:endParaRPr lang="de-CH"/>
           </a:p>
@@ -7234,7 +8544,7 @@
           <a:p>
             <a:fld id="{2A07F06B-CB54-47B8-86A8-70FF2417EE14}" type="slidenum">
               <a:rPr lang="de-CH" smtClean="0"/>
-              <a:t>‹#›</a:t>
+              <a:t>‹Nr.›</a:t>
             </a:fld>
             <a:endParaRPr lang="de-CH"/>
           </a:p>
@@ -7510,7 +8820,7 @@
           <a:p>
             <a:fld id="{2A07F06B-CB54-47B8-86A8-70FF2417EE14}" type="slidenum">
               <a:rPr lang="de-CH" smtClean="0"/>
-              <a:t>‹#›</a:t>
+              <a:t>‹Nr.›</a:t>
             </a:fld>
             <a:endParaRPr lang="de-CH"/>
           </a:p>
@@ -7778,7 +9088,7 @@
           <a:p>
             <a:fld id="{2A07F06B-CB54-47B8-86A8-70FF2417EE14}" type="slidenum">
               <a:rPr lang="de-CH" smtClean="0"/>
-              <a:t>‹#›</a:t>
+              <a:t>‹Nr.›</a:t>
             </a:fld>
             <a:endParaRPr lang="de-CH"/>
           </a:p>
@@ -8193,7 +9503,7 @@
           <a:p>
             <a:fld id="{2A07F06B-CB54-47B8-86A8-70FF2417EE14}" type="slidenum">
               <a:rPr lang="de-CH" smtClean="0"/>
-              <a:t>‹#›</a:t>
+              <a:t>‹Nr.›</a:t>
             </a:fld>
             <a:endParaRPr lang="de-CH"/>
           </a:p>
@@ -8335,7 +9645,7 @@
           <a:p>
             <a:fld id="{2A07F06B-CB54-47B8-86A8-70FF2417EE14}" type="slidenum">
               <a:rPr lang="de-CH" smtClean="0"/>
-              <a:t>‹#›</a:t>
+              <a:t>‹Nr.›</a:t>
             </a:fld>
             <a:endParaRPr lang="de-CH"/>
           </a:p>
@@ -8448,7 +9758,7 @@
           <a:p>
             <a:fld id="{2A07F06B-CB54-47B8-86A8-70FF2417EE14}" type="slidenum">
               <a:rPr lang="de-CH" smtClean="0"/>
-              <a:t>‹#›</a:t>
+              <a:t>‹Nr.›</a:t>
             </a:fld>
             <a:endParaRPr lang="de-CH"/>
           </a:p>
@@ -8761,7 +10071,7 @@
           <a:p>
             <a:fld id="{2A07F06B-CB54-47B8-86A8-70FF2417EE14}" type="slidenum">
               <a:rPr lang="de-CH" smtClean="0"/>
-              <a:t>‹#›</a:t>
+              <a:t>‹Nr.›</a:t>
             </a:fld>
             <a:endParaRPr lang="de-CH"/>
           </a:p>
@@ -9050,7 +10360,7 @@
           <a:p>
             <a:fld id="{2A07F06B-CB54-47B8-86A8-70FF2417EE14}" type="slidenum">
               <a:rPr lang="de-CH" smtClean="0"/>
-              <a:t>‹#›</a:t>
+              <a:t>‹Nr.›</a:t>
             </a:fld>
             <a:endParaRPr lang="de-CH"/>
           </a:p>
@@ -9329,7 +10639,7 @@
           <a:p>
             <a:fld id="{2A07F06B-CB54-47B8-86A8-70FF2417EE14}" type="slidenum">
               <a:rPr lang="de-CH" smtClean="0"/>
-              <a:t>‹#›</a:t>
+              <a:t>‹Nr.›</a:t>
             </a:fld>
             <a:endParaRPr lang="de-CH"/>
           </a:p>
@@ -12493,7 +13803,7 @@
             <p:ph idx="1"/>
             <p:extLst>
               <p:ext uri="{D42A27DB-BD31-4B8C-83A1-F6EECF244321}">
-                <p14:modId xmlns:p14="http://schemas.microsoft.com/office/powerpoint/2010/main" val="2395582769"/>
+                <p14:modId xmlns:p14="http://schemas.microsoft.com/office/powerpoint/2010/main" val="1158043709"/>
               </p:ext>
             </p:extLst>
           </p:nvPr>
@@ -12561,7 +13871,7 @@
           <a:p>
             <a:r>
               <a:rPr lang="de-CH" dirty="0"/>
-              <a:t>Hypothesis and </a:t>
+              <a:t>Question and </a:t>
             </a:r>
             <a:r>
               <a:rPr lang="de-CH" dirty="0" err="1"/>
@@ -12587,7 +13897,7 @@
             <p:ph idx="1"/>
             <p:extLst>
               <p:ext uri="{D42A27DB-BD31-4B8C-83A1-F6EECF244321}">
-                <p14:modId xmlns:p14="http://schemas.microsoft.com/office/powerpoint/2010/main" val="793787696"/>
+                <p14:modId xmlns:p14="http://schemas.microsoft.com/office/powerpoint/2010/main" val="3156184991"/>
               </p:ext>
             </p:extLst>
           </p:nvPr>
@@ -12598,7 +13908,7 @@
         </p:xfrm>
         <a:graphic>
           <a:graphicData uri="http://schemas.openxmlformats.org/drawingml/2006/diagram">
-            <dgm:relIds xmlns:dgm="http://schemas.openxmlformats.org/drawingml/2006/diagram" xmlns:r="http://schemas.openxmlformats.org/officeDocument/2006/relationships" r:dm="rId2" r:lo="rId3" r:qs="rId4" r:cs="rId5"/>
+            <dgm:relIds xmlns:dgm="http://schemas.openxmlformats.org/drawingml/2006/diagram" xmlns:r="http://schemas.openxmlformats.org/officeDocument/2006/relationships" r:dm="rId3" r:lo="rId4" r:qs="rId5" r:cs="rId6"/>
           </a:graphicData>
         </a:graphic>
       </p:graphicFrame>
@@ -12696,8 +14006,8 @@
               <p14:nvPr/>
             </p14:nvContentPartPr>
             <p14:xfrm>
-              <a:off x="1193800" y="1864995"/>
-              <a:ext cx="9094788" cy="4084638"/>
+              <a:off x="1880680" y="1864995"/>
+              <a:ext cx="8408160" cy="4085280"/>
             </p14:xfrm>
           </p:contentPart>
         </mc:Choice>
@@ -12732,6 +14042,1404 @@
           </p:pic>
         </mc:Fallback>
       </mc:AlternateContent>
+      <p:grpSp>
+        <p:nvGrpSpPr>
+          <p:cNvPr id="33" name="Gruppieren 32">
+            <a:extLst>
+              <a:ext uri="{FF2B5EF4-FFF2-40B4-BE49-F238E27FC236}">
+                <a16:creationId xmlns:a16="http://schemas.microsoft.com/office/drawing/2014/main" id="{36802EAB-6953-29CB-8978-9321F3DDCABF}"/>
+              </a:ext>
+            </a:extLst>
+          </p:cNvPr>
+          <p:cNvGrpSpPr/>
+          <p:nvPr/>
+        </p:nvGrpSpPr>
+        <p:grpSpPr>
+          <a:xfrm>
+            <a:off x="954978" y="2824692"/>
+            <a:ext cx="633240" cy="1548360"/>
+            <a:chOff x="954978" y="2824692"/>
+            <a:chExt cx="633240" cy="1548360"/>
+          </a:xfrm>
+        </p:grpSpPr>
+        <mc:AlternateContent xmlns:mc="http://schemas.openxmlformats.org/markup-compatibility/2006">
+          <mc:Choice xmlns:p14="http://schemas.microsoft.com/office/powerpoint/2010/main" Requires="p14">
+            <p:contentPart p14:bwMode="auto" r:id="rId4">
+              <p14:nvContentPartPr>
+                <p14:cNvPr id="4" name="Freihand 3">
+                  <a:extLst>
+                    <a:ext uri="{FF2B5EF4-FFF2-40B4-BE49-F238E27FC236}">
+                      <a16:creationId xmlns:a16="http://schemas.microsoft.com/office/drawing/2014/main" id="{3E45B6EA-03EA-7E7B-8498-A2740826F9BF}"/>
+                    </a:ext>
+                  </a:extLst>
+                </p14:cNvPr>
+                <p14:cNvContentPartPr/>
+                <p14:nvPr/>
+              </p14:nvContentPartPr>
+              <p14:xfrm>
+                <a:off x="954978" y="4190892"/>
+                <a:ext cx="205560" cy="163080"/>
+              </p14:xfrm>
+            </p:contentPart>
+          </mc:Choice>
+          <mc:Fallback>
+            <p:pic>
+              <p:nvPicPr>
+                <p:cNvPr id="4" name="Freihand 3">
+                  <a:extLst>
+                    <a:ext uri="{FF2B5EF4-FFF2-40B4-BE49-F238E27FC236}">
+                      <a16:creationId xmlns:a16="http://schemas.microsoft.com/office/drawing/2014/main" id="{3E45B6EA-03EA-7E7B-8498-A2740826F9BF}"/>
+                    </a:ext>
+                  </a:extLst>
+                </p:cNvPr>
+                <p:cNvPicPr/>
+                <p:nvPr/>
+              </p:nvPicPr>
+              <p:blipFill>
+                <a:blip r:embed="rId5"/>
+                <a:stretch>
+                  <a:fillRect/>
+                </a:stretch>
+              </p:blipFill>
+              <p:spPr>
+                <a:xfrm>
+                  <a:off x="936978" y="4173252"/>
+                  <a:ext cx="241200" cy="198720"/>
+                </a:xfrm>
+                <a:prstGeom prst="rect">
+                  <a:avLst/>
+                </a:prstGeom>
+              </p:spPr>
+            </p:pic>
+          </mc:Fallback>
+        </mc:AlternateContent>
+        <mc:AlternateContent xmlns:mc="http://schemas.openxmlformats.org/markup-compatibility/2006">
+          <mc:Choice xmlns:p14="http://schemas.microsoft.com/office/powerpoint/2010/main" Requires="p14">
+            <p:contentPart p14:bwMode="auto" r:id="rId6">
+              <p14:nvContentPartPr>
+                <p14:cNvPr id="6" name="Freihand 5">
+                  <a:extLst>
+                    <a:ext uri="{FF2B5EF4-FFF2-40B4-BE49-F238E27FC236}">
+                      <a16:creationId xmlns:a16="http://schemas.microsoft.com/office/drawing/2014/main" id="{86BCA605-D6E7-D07B-9CF8-EA8CD474660E}"/>
+                    </a:ext>
+                  </a:extLst>
+                </p14:cNvPr>
+                <p14:cNvContentPartPr/>
+                <p14:nvPr/>
+              </p14:nvContentPartPr>
+              <p14:xfrm>
+                <a:off x="1035978" y="3996132"/>
+                <a:ext cx="145080" cy="175320"/>
+              </p14:xfrm>
+            </p:contentPart>
+          </mc:Choice>
+          <mc:Fallback>
+            <p:pic>
+              <p:nvPicPr>
+                <p:cNvPr id="6" name="Freihand 5">
+                  <a:extLst>
+                    <a:ext uri="{FF2B5EF4-FFF2-40B4-BE49-F238E27FC236}">
+                      <a16:creationId xmlns:a16="http://schemas.microsoft.com/office/drawing/2014/main" id="{86BCA605-D6E7-D07B-9CF8-EA8CD474660E}"/>
+                    </a:ext>
+                  </a:extLst>
+                </p:cNvPr>
+                <p:cNvPicPr/>
+                <p:nvPr/>
+              </p:nvPicPr>
+              <p:blipFill>
+                <a:blip r:embed="rId7"/>
+                <a:stretch>
+                  <a:fillRect/>
+                </a:stretch>
+              </p:blipFill>
+              <p:spPr>
+                <a:xfrm>
+                  <a:off x="1018338" y="3978132"/>
+                  <a:ext cx="180720" cy="210960"/>
+                </a:xfrm>
+                <a:prstGeom prst="rect">
+                  <a:avLst/>
+                </a:prstGeom>
+              </p:spPr>
+            </p:pic>
+          </mc:Fallback>
+        </mc:AlternateContent>
+        <mc:AlternateContent xmlns:mc="http://schemas.openxmlformats.org/markup-compatibility/2006">
+          <mc:Choice xmlns:p14="http://schemas.microsoft.com/office/powerpoint/2010/main" Requires="p14">
+            <p:contentPart p14:bwMode="auto" r:id="rId8">
+              <p14:nvContentPartPr>
+                <p14:cNvPr id="7" name="Freihand 6">
+                  <a:extLst>
+                    <a:ext uri="{FF2B5EF4-FFF2-40B4-BE49-F238E27FC236}">
+                      <a16:creationId xmlns:a16="http://schemas.microsoft.com/office/drawing/2014/main" id="{72198412-0C4C-92BD-AAA8-8ED62F7F8450}"/>
+                    </a:ext>
+                  </a:extLst>
+                </p14:cNvPr>
+                <p14:cNvContentPartPr/>
+                <p14:nvPr/>
+              </p14:nvContentPartPr>
+              <p14:xfrm>
+                <a:off x="993498" y="3957612"/>
+                <a:ext cx="190440" cy="61560"/>
+              </p14:xfrm>
+            </p:contentPart>
+          </mc:Choice>
+          <mc:Fallback>
+            <p:pic>
+              <p:nvPicPr>
+                <p:cNvPr id="7" name="Freihand 6">
+                  <a:extLst>
+                    <a:ext uri="{FF2B5EF4-FFF2-40B4-BE49-F238E27FC236}">
+                      <a16:creationId xmlns:a16="http://schemas.microsoft.com/office/drawing/2014/main" id="{72198412-0C4C-92BD-AAA8-8ED62F7F8450}"/>
+                    </a:ext>
+                  </a:extLst>
+                </p:cNvPr>
+                <p:cNvPicPr/>
+                <p:nvPr/>
+              </p:nvPicPr>
+              <p:blipFill>
+                <a:blip r:embed="rId9"/>
+                <a:stretch>
+                  <a:fillRect/>
+                </a:stretch>
+              </p:blipFill>
+              <p:spPr>
+                <a:xfrm>
+                  <a:off x="975498" y="3939612"/>
+                  <a:ext cx="226080" cy="97200"/>
+                </a:xfrm>
+                <a:prstGeom prst="rect">
+                  <a:avLst/>
+                </a:prstGeom>
+              </p:spPr>
+            </p:pic>
+          </mc:Fallback>
+        </mc:AlternateContent>
+        <mc:AlternateContent xmlns:mc="http://schemas.openxmlformats.org/markup-compatibility/2006">
+          <mc:Choice xmlns:p14="http://schemas.microsoft.com/office/powerpoint/2010/main" Requires="p14">
+            <p:contentPart p14:bwMode="auto" r:id="rId10">
+              <p14:nvContentPartPr>
+                <p14:cNvPr id="8" name="Freihand 7">
+                  <a:extLst>
+                    <a:ext uri="{FF2B5EF4-FFF2-40B4-BE49-F238E27FC236}">
+                      <a16:creationId xmlns:a16="http://schemas.microsoft.com/office/drawing/2014/main" id="{B76163D0-6547-304B-649B-33ADD3EAABFD}"/>
+                    </a:ext>
+                  </a:extLst>
+                </p14:cNvPr>
+                <p14:cNvContentPartPr/>
+                <p14:nvPr/>
+              </p14:nvContentPartPr>
+              <p14:xfrm>
+                <a:off x="1059378" y="3815412"/>
+                <a:ext cx="155880" cy="117720"/>
+              </p14:xfrm>
+            </p:contentPart>
+          </mc:Choice>
+          <mc:Fallback>
+            <p:pic>
+              <p:nvPicPr>
+                <p:cNvPr id="8" name="Freihand 7">
+                  <a:extLst>
+                    <a:ext uri="{FF2B5EF4-FFF2-40B4-BE49-F238E27FC236}">
+                      <a16:creationId xmlns:a16="http://schemas.microsoft.com/office/drawing/2014/main" id="{B76163D0-6547-304B-649B-33ADD3EAABFD}"/>
+                    </a:ext>
+                  </a:extLst>
+                </p:cNvPr>
+                <p:cNvPicPr/>
+                <p:nvPr/>
+              </p:nvPicPr>
+              <p:blipFill>
+                <a:blip r:embed="rId11"/>
+                <a:stretch>
+                  <a:fillRect/>
+                </a:stretch>
+              </p:blipFill>
+              <p:spPr>
+                <a:xfrm>
+                  <a:off x="1041738" y="3797412"/>
+                  <a:ext cx="191520" cy="153360"/>
+                </a:xfrm>
+                <a:prstGeom prst="rect">
+                  <a:avLst/>
+                </a:prstGeom>
+              </p:spPr>
+            </p:pic>
+          </mc:Fallback>
+        </mc:AlternateContent>
+        <mc:AlternateContent xmlns:mc="http://schemas.openxmlformats.org/markup-compatibility/2006">
+          <mc:Choice xmlns:p14="http://schemas.microsoft.com/office/powerpoint/2010/main" Requires="p14">
+            <p:contentPart p14:bwMode="auto" r:id="rId12">
+              <p14:nvContentPartPr>
+                <p14:cNvPr id="9" name="Freihand 8">
+                  <a:extLst>
+                    <a:ext uri="{FF2B5EF4-FFF2-40B4-BE49-F238E27FC236}">
+                      <a16:creationId xmlns:a16="http://schemas.microsoft.com/office/drawing/2014/main" id="{9E3CD41F-AD6A-E178-A438-E0D48856643C}"/>
+                    </a:ext>
+                  </a:extLst>
+                </p14:cNvPr>
+                <p14:cNvContentPartPr/>
+                <p14:nvPr/>
+              </p14:nvContentPartPr>
+              <p14:xfrm>
+                <a:off x="1087098" y="3592572"/>
+                <a:ext cx="130680" cy="172440"/>
+              </p14:xfrm>
+            </p:contentPart>
+          </mc:Choice>
+          <mc:Fallback>
+            <p:pic>
+              <p:nvPicPr>
+                <p:cNvPr id="9" name="Freihand 8">
+                  <a:extLst>
+                    <a:ext uri="{FF2B5EF4-FFF2-40B4-BE49-F238E27FC236}">
+                      <a16:creationId xmlns:a16="http://schemas.microsoft.com/office/drawing/2014/main" id="{9E3CD41F-AD6A-E178-A438-E0D48856643C}"/>
+                    </a:ext>
+                  </a:extLst>
+                </p:cNvPr>
+                <p:cNvPicPr/>
+                <p:nvPr/>
+              </p:nvPicPr>
+              <p:blipFill>
+                <a:blip r:embed="rId13"/>
+                <a:stretch>
+                  <a:fillRect/>
+                </a:stretch>
+              </p:blipFill>
+              <p:spPr>
+                <a:xfrm>
+                  <a:off x="1069098" y="3574932"/>
+                  <a:ext cx="166320" cy="208080"/>
+                </a:xfrm>
+                <a:prstGeom prst="rect">
+                  <a:avLst/>
+                </a:prstGeom>
+              </p:spPr>
+            </p:pic>
+          </mc:Fallback>
+        </mc:AlternateContent>
+        <mc:AlternateContent xmlns:mc="http://schemas.openxmlformats.org/markup-compatibility/2006">
+          <mc:Choice xmlns:p14="http://schemas.microsoft.com/office/powerpoint/2010/main" Requires="p14">
+            <p:contentPart p14:bwMode="auto" r:id="rId14">
+              <p14:nvContentPartPr>
+                <p14:cNvPr id="10" name="Freihand 9">
+                  <a:extLst>
+                    <a:ext uri="{FF2B5EF4-FFF2-40B4-BE49-F238E27FC236}">
+                      <a16:creationId xmlns:a16="http://schemas.microsoft.com/office/drawing/2014/main" id="{B2EE19A6-C90C-F772-CEA9-734AA1C99C0E}"/>
+                    </a:ext>
+                  </a:extLst>
+                </p14:cNvPr>
+                <p14:cNvContentPartPr/>
+                <p14:nvPr/>
+              </p14:nvContentPartPr>
+              <p14:xfrm>
+                <a:off x="996738" y="3489612"/>
+                <a:ext cx="208800" cy="95400"/>
+              </p14:xfrm>
+            </p:contentPart>
+          </mc:Choice>
+          <mc:Fallback>
+            <p:pic>
+              <p:nvPicPr>
+                <p:cNvPr id="10" name="Freihand 9">
+                  <a:extLst>
+                    <a:ext uri="{FF2B5EF4-FFF2-40B4-BE49-F238E27FC236}">
+                      <a16:creationId xmlns:a16="http://schemas.microsoft.com/office/drawing/2014/main" id="{B2EE19A6-C90C-F772-CEA9-734AA1C99C0E}"/>
+                    </a:ext>
+                  </a:extLst>
+                </p:cNvPr>
+                <p:cNvPicPr/>
+                <p:nvPr/>
+              </p:nvPicPr>
+              <p:blipFill>
+                <a:blip r:embed="rId15"/>
+                <a:stretch>
+                  <a:fillRect/>
+                </a:stretch>
+              </p:blipFill>
+              <p:spPr>
+                <a:xfrm>
+                  <a:off x="979098" y="3471972"/>
+                  <a:ext cx="244440" cy="131040"/>
+                </a:xfrm>
+                <a:prstGeom prst="rect">
+                  <a:avLst/>
+                </a:prstGeom>
+              </p:spPr>
+            </p:pic>
+          </mc:Fallback>
+        </mc:AlternateContent>
+        <mc:AlternateContent xmlns:mc="http://schemas.openxmlformats.org/markup-compatibility/2006">
+          <mc:Choice xmlns:p14="http://schemas.microsoft.com/office/powerpoint/2010/main" Requires="p14">
+            <p:contentPart p14:bwMode="auto" r:id="rId16">
+              <p14:nvContentPartPr>
+                <p14:cNvPr id="11" name="Freihand 10">
+                  <a:extLst>
+                    <a:ext uri="{FF2B5EF4-FFF2-40B4-BE49-F238E27FC236}">
+                      <a16:creationId xmlns:a16="http://schemas.microsoft.com/office/drawing/2014/main" id="{A6574975-717E-DD95-E9CF-C0F2CCC8E7FF}"/>
+                    </a:ext>
+                  </a:extLst>
+                </p14:cNvPr>
+                <p14:cNvContentPartPr/>
+                <p14:nvPr/>
+              </p14:nvContentPartPr>
+              <p14:xfrm>
+                <a:off x="1102938" y="3476652"/>
+                <a:ext cx="41040" cy="122040"/>
+              </p14:xfrm>
+            </p:contentPart>
+          </mc:Choice>
+          <mc:Fallback>
+            <p:pic>
+              <p:nvPicPr>
+                <p:cNvPr id="11" name="Freihand 10">
+                  <a:extLst>
+                    <a:ext uri="{FF2B5EF4-FFF2-40B4-BE49-F238E27FC236}">
+                      <a16:creationId xmlns:a16="http://schemas.microsoft.com/office/drawing/2014/main" id="{A6574975-717E-DD95-E9CF-C0F2CCC8E7FF}"/>
+                    </a:ext>
+                  </a:extLst>
+                </p:cNvPr>
+                <p:cNvPicPr/>
+                <p:nvPr/>
+              </p:nvPicPr>
+              <p:blipFill>
+                <a:blip r:embed="rId17"/>
+                <a:stretch>
+                  <a:fillRect/>
+                </a:stretch>
+              </p:blipFill>
+              <p:spPr>
+                <a:xfrm>
+                  <a:off x="1085298" y="3458652"/>
+                  <a:ext cx="76680" cy="157680"/>
+                </a:xfrm>
+                <a:prstGeom prst="rect">
+                  <a:avLst/>
+                </a:prstGeom>
+              </p:spPr>
+            </p:pic>
+          </mc:Fallback>
+        </mc:AlternateContent>
+        <mc:AlternateContent xmlns:mc="http://schemas.openxmlformats.org/markup-compatibility/2006">
+          <mc:Choice xmlns:p14="http://schemas.microsoft.com/office/powerpoint/2010/main" Requires="p14">
+            <p:contentPart p14:bwMode="auto" r:id="rId18">
+              <p14:nvContentPartPr>
+                <p14:cNvPr id="12" name="Freihand 11">
+                  <a:extLst>
+                    <a:ext uri="{FF2B5EF4-FFF2-40B4-BE49-F238E27FC236}">
+                      <a16:creationId xmlns:a16="http://schemas.microsoft.com/office/drawing/2014/main" id="{9548DF7C-1653-D4B7-3F40-FD190E87A1C8}"/>
+                    </a:ext>
+                  </a:extLst>
+                </p14:cNvPr>
+                <p14:cNvContentPartPr/>
+                <p14:nvPr/>
+              </p14:nvContentPartPr>
+              <p14:xfrm>
+                <a:off x="1108698" y="3389172"/>
+                <a:ext cx="109080" cy="73440"/>
+              </p14:xfrm>
+            </p:contentPart>
+          </mc:Choice>
+          <mc:Fallback>
+            <p:pic>
+              <p:nvPicPr>
+                <p:cNvPr id="12" name="Freihand 11">
+                  <a:extLst>
+                    <a:ext uri="{FF2B5EF4-FFF2-40B4-BE49-F238E27FC236}">
+                      <a16:creationId xmlns:a16="http://schemas.microsoft.com/office/drawing/2014/main" id="{9548DF7C-1653-D4B7-3F40-FD190E87A1C8}"/>
+                    </a:ext>
+                  </a:extLst>
+                </p:cNvPr>
+                <p:cNvPicPr/>
+                <p:nvPr/>
+              </p:nvPicPr>
+              <p:blipFill>
+                <a:blip r:embed="rId19"/>
+                <a:stretch>
+                  <a:fillRect/>
+                </a:stretch>
+              </p:blipFill>
+              <p:spPr>
+                <a:xfrm>
+                  <a:off x="1091058" y="3371172"/>
+                  <a:ext cx="144720" cy="109080"/>
+                </a:xfrm>
+                <a:prstGeom prst="rect">
+                  <a:avLst/>
+                </a:prstGeom>
+              </p:spPr>
+            </p:pic>
+          </mc:Fallback>
+        </mc:AlternateContent>
+        <mc:AlternateContent xmlns:mc="http://schemas.openxmlformats.org/markup-compatibility/2006">
+          <mc:Choice xmlns:p14="http://schemas.microsoft.com/office/powerpoint/2010/main" Requires="p14">
+            <p:contentPart p14:bwMode="auto" r:id="rId20">
+              <p14:nvContentPartPr>
+                <p14:cNvPr id="13" name="Freihand 12">
+                  <a:extLst>
+                    <a:ext uri="{FF2B5EF4-FFF2-40B4-BE49-F238E27FC236}">
+                      <a16:creationId xmlns:a16="http://schemas.microsoft.com/office/drawing/2014/main" id="{FB0B5731-42CA-FA71-3481-36A6029DBBA1}"/>
+                    </a:ext>
+                  </a:extLst>
+                </p14:cNvPr>
+                <p14:cNvContentPartPr/>
+                <p14:nvPr/>
+              </p14:nvContentPartPr>
+              <p14:xfrm>
+                <a:off x="990258" y="3416532"/>
+                <a:ext cx="8280" cy="4680"/>
+              </p14:xfrm>
+            </p:contentPart>
+          </mc:Choice>
+          <mc:Fallback>
+            <p:pic>
+              <p:nvPicPr>
+                <p:cNvPr id="13" name="Freihand 12">
+                  <a:extLst>
+                    <a:ext uri="{FF2B5EF4-FFF2-40B4-BE49-F238E27FC236}">
+                      <a16:creationId xmlns:a16="http://schemas.microsoft.com/office/drawing/2014/main" id="{FB0B5731-42CA-FA71-3481-36A6029DBBA1}"/>
+                    </a:ext>
+                  </a:extLst>
+                </p:cNvPr>
+                <p:cNvPicPr/>
+                <p:nvPr/>
+              </p:nvPicPr>
+              <p:blipFill>
+                <a:blip r:embed="rId21"/>
+                <a:stretch>
+                  <a:fillRect/>
+                </a:stretch>
+              </p:blipFill>
+              <p:spPr>
+                <a:xfrm>
+                  <a:off x="972258" y="3398892"/>
+                  <a:ext cx="43920" cy="40320"/>
+                </a:xfrm>
+                <a:prstGeom prst="rect">
+                  <a:avLst/>
+                </a:prstGeom>
+              </p:spPr>
+            </p:pic>
+          </mc:Fallback>
+        </mc:AlternateContent>
+        <mc:AlternateContent xmlns:mc="http://schemas.openxmlformats.org/markup-compatibility/2006">
+          <mc:Choice xmlns:p14="http://schemas.microsoft.com/office/powerpoint/2010/main" Requires="p14">
+            <p:contentPart p14:bwMode="auto" r:id="rId22">
+              <p14:nvContentPartPr>
+                <p14:cNvPr id="15" name="Freihand 14">
+                  <a:extLst>
+                    <a:ext uri="{FF2B5EF4-FFF2-40B4-BE49-F238E27FC236}">
+                      <a16:creationId xmlns:a16="http://schemas.microsoft.com/office/drawing/2014/main" id="{FB1DFBBC-FC7B-A3AB-79DB-AC8332416FDB}"/>
+                    </a:ext>
+                  </a:extLst>
+                </p14:cNvPr>
+                <p14:cNvContentPartPr/>
+                <p14:nvPr/>
+              </p14:nvContentPartPr>
+              <p14:xfrm>
+                <a:off x="1071618" y="3234372"/>
+                <a:ext cx="157680" cy="123120"/>
+              </p14:xfrm>
+            </p:contentPart>
+          </mc:Choice>
+          <mc:Fallback>
+            <p:pic>
+              <p:nvPicPr>
+                <p:cNvPr id="15" name="Freihand 14">
+                  <a:extLst>
+                    <a:ext uri="{FF2B5EF4-FFF2-40B4-BE49-F238E27FC236}">
+                      <a16:creationId xmlns:a16="http://schemas.microsoft.com/office/drawing/2014/main" id="{FB1DFBBC-FC7B-A3AB-79DB-AC8332416FDB}"/>
+                    </a:ext>
+                  </a:extLst>
+                </p:cNvPr>
+                <p:cNvPicPr/>
+                <p:nvPr/>
+              </p:nvPicPr>
+              <p:blipFill>
+                <a:blip r:embed="rId23"/>
+                <a:stretch>
+                  <a:fillRect/>
+                </a:stretch>
+              </p:blipFill>
+              <p:spPr>
+                <a:xfrm>
+                  <a:off x="1053618" y="3216732"/>
+                  <a:ext cx="193320" cy="158760"/>
+                </a:xfrm>
+                <a:prstGeom prst="rect">
+                  <a:avLst/>
+                </a:prstGeom>
+              </p:spPr>
+            </p:pic>
+          </mc:Fallback>
+        </mc:AlternateContent>
+        <mc:AlternateContent xmlns:mc="http://schemas.openxmlformats.org/markup-compatibility/2006">
+          <mc:Choice xmlns:p14="http://schemas.microsoft.com/office/powerpoint/2010/main" Requires="p14">
+            <p:contentPart p14:bwMode="auto" r:id="rId24">
+              <p14:nvContentPartPr>
+                <p14:cNvPr id="16" name="Freihand 15">
+                  <a:extLst>
+                    <a:ext uri="{FF2B5EF4-FFF2-40B4-BE49-F238E27FC236}">
+                      <a16:creationId xmlns:a16="http://schemas.microsoft.com/office/drawing/2014/main" id="{B74E3F3C-00DD-9E4B-97EC-EC95D5706F84}"/>
+                    </a:ext>
+                  </a:extLst>
+                </p14:cNvPr>
+                <p14:cNvContentPartPr/>
+                <p14:nvPr/>
+              </p14:nvContentPartPr>
+              <p14:xfrm>
+                <a:off x="1075578" y="3026292"/>
+                <a:ext cx="159120" cy="153000"/>
+              </p14:xfrm>
+            </p:contentPart>
+          </mc:Choice>
+          <mc:Fallback>
+            <p:pic>
+              <p:nvPicPr>
+                <p:cNvPr id="16" name="Freihand 15">
+                  <a:extLst>
+                    <a:ext uri="{FF2B5EF4-FFF2-40B4-BE49-F238E27FC236}">
+                      <a16:creationId xmlns:a16="http://schemas.microsoft.com/office/drawing/2014/main" id="{B74E3F3C-00DD-9E4B-97EC-EC95D5706F84}"/>
+                    </a:ext>
+                  </a:extLst>
+                </p:cNvPr>
+                <p:cNvPicPr/>
+                <p:nvPr/>
+              </p:nvPicPr>
+              <p:blipFill>
+                <a:blip r:embed="rId25"/>
+                <a:stretch>
+                  <a:fillRect/>
+                </a:stretch>
+              </p:blipFill>
+              <p:spPr>
+                <a:xfrm>
+                  <a:off x="1057938" y="3008292"/>
+                  <a:ext cx="194760" cy="188640"/>
+                </a:xfrm>
+                <a:prstGeom prst="rect">
+                  <a:avLst/>
+                </a:prstGeom>
+              </p:spPr>
+            </p:pic>
+          </mc:Fallback>
+        </mc:AlternateContent>
+        <mc:AlternateContent xmlns:mc="http://schemas.openxmlformats.org/markup-compatibility/2006">
+          <mc:Choice xmlns:p14="http://schemas.microsoft.com/office/powerpoint/2010/main" Requires="p14">
+            <p:contentPart p14:bwMode="auto" r:id="rId26">
+              <p14:nvContentPartPr>
+                <p14:cNvPr id="17" name="Freihand 16">
+                  <a:extLst>
+                    <a:ext uri="{FF2B5EF4-FFF2-40B4-BE49-F238E27FC236}">
+                      <a16:creationId xmlns:a16="http://schemas.microsoft.com/office/drawing/2014/main" id="{CFCE3404-84B7-1723-ACFC-247204E2FA29}"/>
+                    </a:ext>
+                  </a:extLst>
+                </p14:cNvPr>
+                <p14:cNvContentPartPr/>
+                <p14:nvPr/>
+              </p14:nvContentPartPr>
+              <p14:xfrm>
+                <a:off x="1327578" y="4224732"/>
+                <a:ext cx="182160" cy="148320"/>
+              </p14:xfrm>
+            </p:contentPart>
+          </mc:Choice>
+          <mc:Fallback>
+            <p:pic>
+              <p:nvPicPr>
+                <p:cNvPr id="17" name="Freihand 16">
+                  <a:extLst>
+                    <a:ext uri="{FF2B5EF4-FFF2-40B4-BE49-F238E27FC236}">
+                      <a16:creationId xmlns:a16="http://schemas.microsoft.com/office/drawing/2014/main" id="{CFCE3404-84B7-1723-ACFC-247204E2FA29}"/>
+                    </a:ext>
+                  </a:extLst>
+                </p:cNvPr>
+                <p:cNvPicPr/>
+                <p:nvPr/>
+              </p:nvPicPr>
+              <p:blipFill>
+                <a:blip r:embed="rId27"/>
+                <a:stretch>
+                  <a:fillRect/>
+                </a:stretch>
+              </p:blipFill>
+              <p:spPr>
+                <a:xfrm>
+                  <a:off x="1309578" y="4207092"/>
+                  <a:ext cx="217800" cy="183960"/>
+                </a:xfrm>
+                <a:prstGeom prst="rect">
+                  <a:avLst/>
+                </a:prstGeom>
+              </p:spPr>
+            </p:pic>
+          </mc:Fallback>
+        </mc:AlternateContent>
+        <mc:AlternateContent xmlns:mc="http://schemas.openxmlformats.org/markup-compatibility/2006">
+          <mc:Choice xmlns:p14="http://schemas.microsoft.com/office/powerpoint/2010/main" Requires="p14">
+            <p:contentPart p14:bwMode="auto" r:id="rId28">
+              <p14:nvContentPartPr>
+                <p14:cNvPr id="18" name="Freihand 17">
+                  <a:extLst>
+                    <a:ext uri="{FF2B5EF4-FFF2-40B4-BE49-F238E27FC236}">
+                      <a16:creationId xmlns:a16="http://schemas.microsoft.com/office/drawing/2014/main" id="{32B7A010-4352-F641-60B5-C3BC8BBAB91A}"/>
+                    </a:ext>
+                  </a:extLst>
+                </p14:cNvPr>
+                <p14:cNvContentPartPr/>
+                <p14:nvPr/>
+              </p14:nvContentPartPr>
+              <p14:xfrm>
+                <a:off x="1348098" y="4152732"/>
+                <a:ext cx="190800" cy="97920"/>
+              </p14:xfrm>
+            </p:contentPart>
+          </mc:Choice>
+          <mc:Fallback>
+            <p:pic>
+              <p:nvPicPr>
+                <p:cNvPr id="18" name="Freihand 17">
+                  <a:extLst>
+                    <a:ext uri="{FF2B5EF4-FFF2-40B4-BE49-F238E27FC236}">
+                      <a16:creationId xmlns:a16="http://schemas.microsoft.com/office/drawing/2014/main" id="{32B7A010-4352-F641-60B5-C3BC8BBAB91A}"/>
+                    </a:ext>
+                  </a:extLst>
+                </p:cNvPr>
+                <p:cNvPicPr/>
+                <p:nvPr/>
+              </p:nvPicPr>
+              <p:blipFill>
+                <a:blip r:embed="rId29"/>
+                <a:stretch>
+                  <a:fillRect/>
+                </a:stretch>
+              </p:blipFill>
+              <p:spPr>
+                <a:xfrm>
+                  <a:off x="1330098" y="4135092"/>
+                  <a:ext cx="226440" cy="133560"/>
+                </a:xfrm>
+                <a:prstGeom prst="rect">
+                  <a:avLst/>
+                </a:prstGeom>
+              </p:spPr>
+            </p:pic>
+          </mc:Fallback>
+        </mc:AlternateContent>
+        <mc:AlternateContent xmlns:mc="http://schemas.openxmlformats.org/markup-compatibility/2006">
+          <mc:Choice xmlns:p14="http://schemas.microsoft.com/office/powerpoint/2010/main" Requires="p14">
+            <p:contentPart p14:bwMode="auto" r:id="rId30">
+              <p14:nvContentPartPr>
+                <p14:cNvPr id="19" name="Freihand 18">
+                  <a:extLst>
+                    <a:ext uri="{FF2B5EF4-FFF2-40B4-BE49-F238E27FC236}">
+                      <a16:creationId xmlns:a16="http://schemas.microsoft.com/office/drawing/2014/main" id="{E3FD7046-3CC2-3368-012B-4FB82B85A6D9}"/>
+                    </a:ext>
+                  </a:extLst>
+                </p14:cNvPr>
+                <p14:cNvContentPartPr/>
+                <p14:nvPr/>
+              </p14:nvContentPartPr>
+              <p14:xfrm>
+                <a:off x="1378338" y="4003332"/>
+                <a:ext cx="162360" cy="127800"/>
+              </p14:xfrm>
+            </p:contentPart>
+          </mc:Choice>
+          <mc:Fallback>
+            <p:pic>
+              <p:nvPicPr>
+                <p:cNvPr id="19" name="Freihand 18">
+                  <a:extLst>
+                    <a:ext uri="{FF2B5EF4-FFF2-40B4-BE49-F238E27FC236}">
+                      <a16:creationId xmlns:a16="http://schemas.microsoft.com/office/drawing/2014/main" id="{E3FD7046-3CC2-3368-012B-4FB82B85A6D9}"/>
+                    </a:ext>
+                  </a:extLst>
+                </p:cNvPr>
+                <p:cNvPicPr/>
+                <p:nvPr/>
+              </p:nvPicPr>
+              <p:blipFill>
+                <a:blip r:embed="rId31"/>
+                <a:stretch>
+                  <a:fillRect/>
+                </a:stretch>
+              </p:blipFill>
+              <p:spPr>
+                <a:xfrm>
+                  <a:off x="1360698" y="3985692"/>
+                  <a:ext cx="198000" cy="163440"/>
+                </a:xfrm>
+                <a:prstGeom prst="rect">
+                  <a:avLst/>
+                </a:prstGeom>
+              </p:spPr>
+            </p:pic>
+          </mc:Fallback>
+        </mc:AlternateContent>
+        <mc:AlternateContent xmlns:mc="http://schemas.openxmlformats.org/markup-compatibility/2006">
+          <mc:Choice xmlns:p14="http://schemas.microsoft.com/office/powerpoint/2010/main" Requires="p14">
+            <p:contentPart p14:bwMode="auto" r:id="rId32">
+              <p14:nvContentPartPr>
+                <p14:cNvPr id="20" name="Freihand 19">
+                  <a:extLst>
+                    <a:ext uri="{FF2B5EF4-FFF2-40B4-BE49-F238E27FC236}">
+                      <a16:creationId xmlns:a16="http://schemas.microsoft.com/office/drawing/2014/main" id="{C81B9E7F-EBF4-E5DD-C419-9C2185693785}"/>
+                    </a:ext>
+                  </a:extLst>
+                </p14:cNvPr>
+                <p14:cNvContentPartPr/>
+                <p14:nvPr/>
+              </p14:nvContentPartPr>
+              <p14:xfrm>
+                <a:off x="1309218" y="3846732"/>
+                <a:ext cx="262800" cy="102600"/>
+              </p14:xfrm>
+            </p:contentPart>
+          </mc:Choice>
+          <mc:Fallback>
+            <p:pic>
+              <p:nvPicPr>
+                <p:cNvPr id="20" name="Freihand 19">
+                  <a:extLst>
+                    <a:ext uri="{FF2B5EF4-FFF2-40B4-BE49-F238E27FC236}">
+                      <a16:creationId xmlns:a16="http://schemas.microsoft.com/office/drawing/2014/main" id="{C81B9E7F-EBF4-E5DD-C419-9C2185693785}"/>
+                    </a:ext>
+                  </a:extLst>
+                </p:cNvPr>
+                <p:cNvPicPr/>
+                <p:nvPr/>
+              </p:nvPicPr>
+              <p:blipFill>
+                <a:blip r:embed="rId33"/>
+                <a:stretch>
+                  <a:fillRect/>
+                </a:stretch>
+              </p:blipFill>
+              <p:spPr>
+                <a:xfrm>
+                  <a:off x="1291578" y="3828732"/>
+                  <a:ext cx="298440" cy="138240"/>
+                </a:xfrm>
+                <a:prstGeom prst="rect">
+                  <a:avLst/>
+                </a:prstGeom>
+              </p:spPr>
+            </p:pic>
+          </mc:Fallback>
+        </mc:AlternateContent>
+        <mc:AlternateContent xmlns:mc="http://schemas.openxmlformats.org/markup-compatibility/2006">
+          <mc:Choice xmlns:p14="http://schemas.microsoft.com/office/powerpoint/2010/main" Requires="p14">
+            <p:contentPart p14:bwMode="auto" r:id="rId34">
+              <p14:nvContentPartPr>
+                <p14:cNvPr id="21" name="Freihand 20">
+                  <a:extLst>
+                    <a:ext uri="{FF2B5EF4-FFF2-40B4-BE49-F238E27FC236}">
+                      <a16:creationId xmlns:a16="http://schemas.microsoft.com/office/drawing/2014/main" id="{5AE25DFA-7529-4967-4D71-53563A4FB4F8}"/>
+                    </a:ext>
+                  </a:extLst>
+                </p14:cNvPr>
+                <p14:cNvContentPartPr/>
+                <p14:nvPr/>
+              </p14:nvContentPartPr>
+              <p14:xfrm>
+                <a:off x="1466898" y="3818652"/>
+                <a:ext cx="13320" cy="180000"/>
+              </p14:xfrm>
+            </p:contentPart>
+          </mc:Choice>
+          <mc:Fallback>
+            <p:pic>
+              <p:nvPicPr>
+                <p:cNvPr id="21" name="Freihand 20">
+                  <a:extLst>
+                    <a:ext uri="{FF2B5EF4-FFF2-40B4-BE49-F238E27FC236}">
+                      <a16:creationId xmlns:a16="http://schemas.microsoft.com/office/drawing/2014/main" id="{5AE25DFA-7529-4967-4D71-53563A4FB4F8}"/>
+                    </a:ext>
+                  </a:extLst>
+                </p:cNvPr>
+                <p:cNvPicPr/>
+                <p:nvPr/>
+              </p:nvPicPr>
+              <p:blipFill>
+                <a:blip r:embed="rId35"/>
+                <a:stretch>
+                  <a:fillRect/>
+                </a:stretch>
+              </p:blipFill>
+              <p:spPr>
+                <a:xfrm>
+                  <a:off x="1448898" y="3800652"/>
+                  <a:ext cx="48960" cy="215640"/>
+                </a:xfrm>
+                <a:prstGeom prst="rect">
+                  <a:avLst/>
+                </a:prstGeom>
+              </p:spPr>
+            </p:pic>
+          </mc:Fallback>
+        </mc:AlternateContent>
+        <mc:AlternateContent xmlns:mc="http://schemas.openxmlformats.org/markup-compatibility/2006">
+          <mc:Choice xmlns:p14="http://schemas.microsoft.com/office/powerpoint/2010/main" Requires="p14">
+            <p:contentPart p14:bwMode="auto" r:id="rId36">
+              <p14:nvContentPartPr>
+                <p14:cNvPr id="22" name="Freihand 21">
+                  <a:extLst>
+                    <a:ext uri="{FF2B5EF4-FFF2-40B4-BE49-F238E27FC236}">
+                      <a16:creationId xmlns:a16="http://schemas.microsoft.com/office/drawing/2014/main" id="{97C2A21B-6D3A-2055-EA0A-30B6F43B9A70}"/>
+                    </a:ext>
+                  </a:extLst>
+                </p14:cNvPr>
+                <p14:cNvContentPartPr/>
+                <p14:nvPr/>
+              </p14:nvContentPartPr>
+              <p14:xfrm>
+                <a:off x="1308138" y="3763212"/>
+                <a:ext cx="259200" cy="67680"/>
+              </p14:xfrm>
+            </p:contentPart>
+          </mc:Choice>
+          <mc:Fallback>
+            <p:pic>
+              <p:nvPicPr>
+                <p:cNvPr id="22" name="Freihand 21">
+                  <a:extLst>
+                    <a:ext uri="{FF2B5EF4-FFF2-40B4-BE49-F238E27FC236}">
+                      <a16:creationId xmlns:a16="http://schemas.microsoft.com/office/drawing/2014/main" id="{97C2A21B-6D3A-2055-EA0A-30B6F43B9A70}"/>
+                    </a:ext>
+                  </a:extLst>
+                </p:cNvPr>
+                <p:cNvPicPr/>
+                <p:nvPr/>
+              </p:nvPicPr>
+              <p:blipFill>
+                <a:blip r:embed="rId37"/>
+                <a:stretch>
+                  <a:fillRect/>
+                </a:stretch>
+              </p:blipFill>
+              <p:spPr>
+                <a:xfrm>
+                  <a:off x="1290138" y="3745572"/>
+                  <a:ext cx="294840" cy="103320"/>
+                </a:xfrm>
+                <a:prstGeom prst="rect">
+                  <a:avLst/>
+                </a:prstGeom>
+              </p:spPr>
+            </p:pic>
+          </mc:Fallback>
+        </mc:AlternateContent>
+        <mc:AlternateContent xmlns:mc="http://schemas.openxmlformats.org/markup-compatibility/2006">
+          <mc:Choice xmlns:p14="http://schemas.microsoft.com/office/powerpoint/2010/main" Requires="p14">
+            <p:contentPart p14:bwMode="auto" r:id="rId38">
+              <p14:nvContentPartPr>
+                <p14:cNvPr id="23" name="Freihand 22">
+                  <a:extLst>
+                    <a:ext uri="{FF2B5EF4-FFF2-40B4-BE49-F238E27FC236}">
+                      <a16:creationId xmlns:a16="http://schemas.microsoft.com/office/drawing/2014/main" id="{69F3B7B2-1DF8-F803-D62A-83815D66B42A}"/>
+                    </a:ext>
+                  </a:extLst>
+                </p14:cNvPr>
+                <p14:cNvContentPartPr/>
+                <p14:nvPr/>
+              </p14:nvContentPartPr>
+              <p14:xfrm>
+                <a:off x="1484898" y="3737652"/>
+                <a:ext cx="12960" cy="155520"/>
+              </p14:xfrm>
+            </p:contentPart>
+          </mc:Choice>
+          <mc:Fallback>
+            <p:pic>
+              <p:nvPicPr>
+                <p:cNvPr id="23" name="Freihand 22">
+                  <a:extLst>
+                    <a:ext uri="{FF2B5EF4-FFF2-40B4-BE49-F238E27FC236}">
+                      <a16:creationId xmlns:a16="http://schemas.microsoft.com/office/drawing/2014/main" id="{69F3B7B2-1DF8-F803-D62A-83815D66B42A}"/>
+                    </a:ext>
+                  </a:extLst>
+                </p:cNvPr>
+                <p:cNvPicPr/>
+                <p:nvPr/>
+              </p:nvPicPr>
+              <p:blipFill>
+                <a:blip r:embed="rId39"/>
+                <a:stretch>
+                  <a:fillRect/>
+                </a:stretch>
+              </p:blipFill>
+              <p:spPr>
+                <a:xfrm>
+                  <a:off x="1466898" y="3720012"/>
+                  <a:ext cx="48600" cy="191160"/>
+                </a:xfrm>
+                <a:prstGeom prst="rect">
+                  <a:avLst/>
+                </a:prstGeom>
+              </p:spPr>
+            </p:pic>
+          </mc:Fallback>
+        </mc:AlternateContent>
+        <mc:AlternateContent xmlns:mc="http://schemas.openxmlformats.org/markup-compatibility/2006">
+          <mc:Choice xmlns:p14="http://schemas.microsoft.com/office/powerpoint/2010/main" Requires="p14">
+            <p:contentPart p14:bwMode="auto" r:id="rId40">
+              <p14:nvContentPartPr>
+                <p14:cNvPr id="24" name="Freihand 23">
+                  <a:extLst>
+                    <a:ext uri="{FF2B5EF4-FFF2-40B4-BE49-F238E27FC236}">
+                      <a16:creationId xmlns:a16="http://schemas.microsoft.com/office/drawing/2014/main" id="{9F6CD467-453F-5EF0-4D6E-3EDD93B4EA01}"/>
+                    </a:ext>
+                  </a:extLst>
+                </p14:cNvPr>
+                <p14:cNvContentPartPr/>
+                <p14:nvPr/>
+              </p14:nvContentPartPr>
+              <p14:xfrm>
+                <a:off x="1451058" y="3660972"/>
+                <a:ext cx="91440" cy="59400"/>
+              </p14:xfrm>
+            </p:contentPart>
+          </mc:Choice>
+          <mc:Fallback>
+            <p:pic>
+              <p:nvPicPr>
+                <p:cNvPr id="24" name="Freihand 23">
+                  <a:extLst>
+                    <a:ext uri="{FF2B5EF4-FFF2-40B4-BE49-F238E27FC236}">
+                      <a16:creationId xmlns:a16="http://schemas.microsoft.com/office/drawing/2014/main" id="{9F6CD467-453F-5EF0-4D6E-3EDD93B4EA01}"/>
+                    </a:ext>
+                  </a:extLst>
+                </p:cNvPr>
+                <p:cNvPicPr/>
+                <p:nvPr/>
+              </p:nvPicPr>
+              <p:blipFill>
+                <a:blip r:embed="rId41"/>
+                <a:stretch>
+                  <a:fillRect/>
+                </a:stretch>
+              </p:blipFill>
+              <p:spPr>
+                <a:xfrm>
+                  <a:off x="1433058" y="3642972"/>
+                  <a:ext cx="127080" cy="95040"/>
+                </a:xfrm>
+                <a:prstGeom prst="rect">
+                  <a:avLst/>
+                </a:prstGeom>
+              </p:spPr>
+            </p:pic>
+          </mc:Fallback>
+        </mc:AlternateContent>
+        <mc:AlternateContent xmlns:mc="http://schemas.openxmlformats.org/markup-compatibility/2006">
+          <mc:Choice xmlns:p14="http://schemas.microsoft.com/office/powerpoint/2010/main" Requires="p14">
+            <p:contentPart p14:bwMode="auto" r:id="rId42">
+              <p14:nvContentPartPr>
+                <p14:cNvPr id="25" name="Freihand 24">
+                  <a:extLst>
+                    <a:ext uri="{FF2B5EF4-FFF2-40B4-BE49-F238E27FC236}">
+                      <a16:creationId xmlns:a16="http://schemas.microsoft.com/office/drawing/2014/main" id="{EE97EEB1-8404-4CE4-4BDA-EC71B16C6B64}"/>
+                    </a:ext>
+                  </a:extLst>
+                </p14:cNvPr>
+                <p14:cNvContentPartPr/>
+                <p14:nvPr/>
+              </p14:nvContentPartPr>
+              <p14:xfrm>
+                <a:off x="1316778" y="3675372"/>
+                <a:ext cx="11880" cy="3240"/>
+              </p14:xfrm>
+            </p:contentPart>
+          </mc:Choice>
+          <mc:Fallback>
+            <p:pic>
+              <p:nvPicPr>
+                <p:cNvPr id="25" name="Freihand 24">
+                  <a:extLst>
+                    <a:ext uri="{FF2B5EF4-FFF2-40B4-BE49-F238E27FC236}">
+                      <a16:creationId xmlns:a16="http://schemas.microsoft.com/office/drawing/2014/main" id="{EE97EEB1-8404-4CE4-4BDA-EC71B16C6B64}"/>
+                    </a:ext>
+                  </a:extLst>
+                </p:cNvPr>
+                <p:cNvPicPr/>
+                <p:nvPr/>
+              </p:nvPicPr>
+              <p:blipFill>
+                <a:blip r:embed="rId43"/>
+                <a:stretch>
+                  <a:fillRect/>
+                </a:stretch>
+              </p:blipFill>
+              <p:spPr>
+                <a:xfrm>
+                  <a:off x="1299138" y="3657732"/>
+                  <a:ext cx="47520" cy="38880"/>
+                </a:xfrm>
+                <a:prstGeom prst="rect">
+                  <a:avLst/>
+                </a:prstGeom>
+              </p:spPr>
+            </p:pic>
+          </mc:Fallback>
+        </mc:AlternateContent>
+        <mc:AlternateContent xmlns:mc="http://schemas.openxmlformats.org/markup-compatibility/2006">
+          <mc:Choice xmlns:p14="http://schemas.microsoft.com/office/powerpoint/2010/main" Requires="p14">
+            <p:contentPart p14:bwMode="auto" r:id="rId44">
+              <p14:nvContentPartPr>
+                <p14:cNvPr id="26" name="Freihand 25">
+                  <a:extLst>
+                    <a:ext uri="{FF2B5EF4-FFF2-40B4-BE49-F238E27FC236}">
+                      <a16:creationId xmlns:a16="http://schemas.microsoft.com/office/drawing/2014/main" id="{2F3750B5-F935-F121-D137-1F2A846DC4F6}"/>
+                    </a:ext>
+                  </a:extLst>
+                </p14:cNvPr>
+                <p14:cNvContentPartPr/>
+                <p14:nvPr/>
+              </p14:nvContentPartPr>
+              <p14:xfrm>
+                <a:off x="1414338" y="3547572"/>
+                <a:ext cx="149040" cy="82080"/>
+              </p14:xfrm>
+            </p:contentPart>
+          </mc:Choice>
+          <mc:Fallback>
+            <p:pic>
+              <p:nvPicPr>
+                <p:cNvPr id="26" name="Freihand 25">
+                  <a:extLst>
+                    <a:ext uri="{FF2B5EF4-FFF2-40B4-BE49-F238E27FC236}">
+                      <a16:creationId xmlns:a16="http://schemas.microsoft.com/office/drawing/2014/main" id="{2F3750B5-F935-F121-D137-1F2A846DC4F6}"/>
+                    </a:ext>
+                  </a:extLst>
+                </p:cNvPr>
+                <p:cNvPicPr/>
+                <p:nvPr/>
+              </p:nvPicPr>
+              <p:blipFill>
+                <a:blip r:embed="rId45"/>
+                <a:stretch>
+                  <a:fillRect/>
+                </a:stretch>
+              </p:blipFill>
+              <p:spPr>
+                <a:xfrm>
+                  <a:off x="1396338" y="3529932"/>
+                  <a:ext cx="184680" cy="117720"/>
+                </a:xfrm>
+                <a:prstGeom prst="rect">
+                  <a:avLst/>
+                </a:prstGeom>
+              </p:spPr>
+            </p:pic>
+          </mc:Fallback>
+        </mc:AlternateContent>
+        <mc:AlternateContent xmlns:mc="http://schemas.openxmlformats.org/markup-compatibility/2006">
+          <mc:Choice xmlns:p14="http://schemas.microsoft.com/office/powerpoint/2010/main" Requires="p14">
+            <p:contentPart p14:bwMode="auto" r:id="rId46">
+              <p14:nvContentPartPr>
+                <p14:cNvPr id="27" name="Freihand 26">
+                  <a:extLst>
+                    <a:ext uri="{FF2B5EF4-FFF2-40B4-BE49-F238E27FC236}">
+                      <a16:creationId xmlns:a16="http://schemas.microsoft.com/office/drawing/2014/main" id="{B17B66A4-9ED7-E8F0-7C7A-03B0212CA323}"/>
+                    </a:ext>
+                  </a:extLst>
+                </p14:cNvPr>
+                <p14:cNvContentPartPr/>
+                <p14:nvPr/>
+              </p14:nvContentPartPr>
+              <p14:xfrm>
+                <a:off x="1461498" y="3394212"/>
+                <a:ext cx="105120" cy="84600"/>
+              </p14:xfrm>
+            </p:contentPart>
+          </mc:Choice>
+          <mc:Fallback>
+            <p:pic>
+              <p:nvPicPr>
+                <p:cNvPr id="27" name="Freihand 26">
+                  <a:extLst>
+                    <a:ext uri="{FF2B5EF4-FFF2-40B4-BE49-F238E27FC236}">
+                      <a16:creationId xmlns:a16="http://schemas.microsoft.com/office/drawing/2014/main" id="{B17B66A4-9ED7-E8F0-7C7A-03B0212CA323}"/>
+                    </a:ext>
+                  </a:extLst>
+                </p:cNvPr>
+                <p:cNvPicPr/>
+                <p:nvPr/>
+              </p:nvPicPr>
+              <p:blipFill>
+                <a:blip r:embed="rId47"/>
+                <a:stretch>
+                  <a:fillRect/>
+                </a:stretch>
+              </p:blipFill>
+              <p:spPr>
+                <a:xfrm>
+                  <a:off x="1443498" y="3376212"/>
+                  <a:ext cx="140760" cy="120240"/>
+                </a:xfrm>
+                <a:prstGeom prst="rect">
+                  <a:avLst/>
+                </a:prstGeom>
+              </p:spPr>
+            </p:pic>
+          </mc:Fallback>
+        </mc:AlternateContent>
+        <mc:AlternateContent xmlns:mc="http://schemas.openxmlformats.org/markup-compatibility/2006">
+          <mc:Choice xmlns:p14="http://schemas.microsoft.com/office/powerpoint/2010/main" Requires="p14">
+            <p:contentPart p14:bwMode="auto" r:id="rId48">
+              <p14:nvContentPartPr>
+                <p14:cNvPr id="28" name="Freihand 27">
+                  <a:extLst>
+                    <a:ext uri="{FF2B5EF4-FFF2-40B4-BE49-F238E27FC236}">
+                      <a16:creationId xmlns:a16="http://schemas.microsoft.com/office/drawing/2014/main" id="{5EDE39AE-367F-16B6-C309-C0E069360F86}"/>
+                    </a:ext>
+                  </a:extLst>
+                </p14:cNvPr>
+                <p14:cNvContentPartPr/>
+                <p14:nvPr/>
+              </p14:nvContentPartPr>
+              <p14:xfrm>
+                <a:off x="1331898" y="3447492"/>
+                <a:ext cx="25560" cy="14760"/>
+              </p14:xfrm>
+            </p:contentPart>
+          </mc:Choice>
+          <mc:Fallback>
+            <p:pic>
+              <p:nvPicPr>
+                <p:cNvPr id="28" name="Freihand 27">
+                  <a:extLst>
+                    <a:ext uri="{FF2B5EF4-FFF2-40B4-BE49-F238E27FC236}">
+                      <a16:creationId xmlns:a16="http://schemas.microsoft.com/office/drawing/2014/main" id="{5EDE39AE-367F-16B6-C309-C0E069360F86}"/>
+                    </a:ext>
+                  </a:extLst>
+                </p:cNvPr>
+                <p:cNvPicPr/>
+                <p:nvPr/>
+              </p:nvPicPr>
+              <p:blipFill>
+                <a:blip r:embed="rId49"/>
+                <a:stretch>
+                  <a:fillRect/>
+                </a:stretch>
+              </p:blipFill>
+              <p:spPr>
+                <a:xfrm>
+                  <a:off x="1313898" y="3429852"/>
+                  <a:ext cx="61200" cy="50400"/>
+                </a:xfrm>
+                <a:prstGeom prst="rect">
+                  <a:avLst/>
+                </a:prstGeom>
+              </p:spPr>
+            </p:pic>
+          </mc:Fallback>
+        </mc:AlternateContent>
+        <mc:AlternateContent xmlns:mc="http://schemas.openxmlformats.org/markup-compatibility/2006">
+          <mc:Choice xmlns:p14="http://schemas.microsoft.com/office/powerpoint/2010/main" Requires="p14">
+            <p:contentPart p14:bwMode="auto" r:id="rId50">
+              <p14:nvContentPartPr>
+                <p14:cNvPr id="29" name="Freihand 28">
+                  <a:extLst>
+                    <a:ext uri="{FF2B5EF4-FFF2-40B4-BE49-F238E27FC236}">
+                      <a16:creationId xmlns:a16="http://schemas.microsoft.com/office/drawing/2014/main" id="{B567C079-DEC7-F7C0-632B-5F7A4E892AD2}"/>
+                    </a:ext>
+                  </a:extLst>
+                </p14:cNvPr>
+                <p14:cNvContentPartPr/>
+                <p14:nvPr/>
+              </p14:nvContentPartPr>
+              <p14:xfrm>
+                <a:off x="1376538" y="3213852"/>
+                <a:ext cx="177840" cy="156600"/>
+              </p14:xfrm>
+            </p:contentPart>
+          </mc:Choice>
+          <mc:Fallback>
+            <p:pic>
+              <p:nvPicPr>
+                <p:cNvPr id="29" name="Freihand 28">
+                  <a:extLst>
+                    <a:ext uri="{FF2B5EF4-FFF2-40B4-BE49-F238E27FC236}">
+                      <a16:creationId xmlns:a16="http://schemas.microsoft.com/office/drawing/2014/main" id="{B567C079-DEC7-F7C0-632B-5F7A4E892AD2}"/>
+                    </a:ext>
+                  </a:extLst>
+                </p:cNvPr>
+                <p:cNvPicPr/>
+                <p:nvPr/>
+              </p:nvPicPr>
+              <p:blipFill>
+                <a:blip r:embed="rId51"/>
+                <a:stretch>
+                  <a:fillRect/>
+                </a:stretch>
+              </p:blipFill>
+              <p:spPr>
+                <a:xfrm>
+                  <a:off x="1358538" y="3196212"/>
+                  <a:ext cx="213480" cy="192240"/>
+                </a:xfrm>
+                <a:prstGeom prst="rect">
+                  <a:avLst/>
+                </a:prstGeom>
+              </p:spPr>
+            </p:pic>
+          </mc:Fallback>
+        </mc:AlternateContent>
+        <mc:AlternateContent xmlns:mc="http://schemas.openxmlformats.org/markup-compatibility/2006">
+          <mc:Choice xmlns:p14="http://schemas.microsoft.com/office/powerpoint/2010/main" Requires="p14">
+            <p:contentPart p14:bwMode="auto" r:id="rId52">
+              <p14:nvContentPartPr>
+                <p14:cNvPr id="30" name="Freihand 29">
+                  <a:extLst>
+                    <a:ext uri="{FF2B5EF4-FFF2-40B4-BE49-F238E27FC236}">
+                      <a16:creationId xmlns:a16="http://schemas.microsoft.com/office/drawing/2014/main" id="{C98AE7EF-5FDB-12E2-25E3-5044920977A0}"/>
+                    </a:ext>
+                  </a:extLst>
+                </p14:cNvPr>
+                <p14:cNvContentPartPr/>
+                <p14:nvPr/>
+              </p14:nvContentPartPr>
+              <p14:xfrm>
+                <a:off x="1407498" y="3029172"/>
+                <a:ext cx="180720" cy="138240"/>
+              </p14:xfrm>
+            </p:contentPart>
+          </mc:Choice>
+          <mc:Fallback>
+            <p:pic>
+              <p:nvPicPr>
+                <p:cNvPr id="30" name="Freihand 29">
+                  <a:extLst>
+                    <a:ext uri="{FF2B5EF4-FFF2-40B4-BE49-F238E27FC236}">
+                      <a16:creationId xmlns:a16="http://schemas.microsoft.com/office/drawing/2014/main" id="{C98AE7EF-5FDB-12E2-25E3-5044920977A0}"/>
+                    </a:ext>
+                  </a:extLst>
+                </p:cNvPr>
+                <p:cNvPicPr/>
+                <p:nvPr/>
+              </p:nvPicPr>
+              <p:blipFill>
+                <a:blip r:embed="rId53"/>
+                <a:stretch>
+                  <a:fillRect/>
+                </a:stretch>
+              </p:blipFill>
+              <p:spPr>
+                <a:xfrm>
+                  <a:off x="1389858" y="3011532"/>
+                  <a:ext cx="216360" cy="173880"/>
+                </a:xfrm>
+                <a:prstGeom prst="rect">
+                  <a:avLst/>
+                </a:prstGeom>
+              </p:spPr>
+            </p:pic>
+          </mc:Fallback>
+        </mc:AlternateContent>
+        <mc:AlternateContent xmlns:mc="http://schemas.openxmlformats.org/markup-compatibility/2006">
+          <mc:Choice xmlns:p14="http://schemas.microsoft.com/office/powerpoint/2010/main" Requires="p14">
+            <p:contentPart p14:bwMode="auto" r:id="rId54">
+              <p14:nvContentPartPr>
+                <p14:cNvPr id="31" name="Freihand 30">
+                  <a:extLst>
+                    <a:ext uri="{FF2B5EF4-FFF2-40B4-BE49-F238E27FC236}">
+                      <a16:creationId xmlns:a16="http://schemas.microsoft.com/office/drawing/2014/main" id="{0EE6F698-7309-93E9-54D6-10626F111E11}"/>
+                    </a:ext>
+                  </a:extLst>
+                </p14:cNvPr>
+                <p14:cNvContentPartPr/>
+                <p14:nvPr/>
+              </p14:nvContentPartPr>
+              <p14:xfrm>
+                <a:off x="1342698" y="2917572"/>
+                <a:ext cx="236880" cy="25200"/>
+              </p14:xfrm>
+            </p:contentPart>
+          </mc:Choice>
+          <mc:Fallback>
+            <p:pic>
+              <p:nvPicPr>
+                <p:cNvPr id="31" name="Freihand 30">
+                  <a:extLst>
+                    <a:ext uri="{FF2B5EF4-FFF2-40B4-BE49-F238E27FC236}">
+                      <a16:creationId xmlns:a16="http://schemas.microsoft.com/office/drawing/2014/main" id="{0EE6F698-7309-93E9-54D6-10626F111E11}"/>
+                    </a:ext>
+                  </a:extLst>
+                </p:cNvPr>
+                <p:cNvPicPr/>
+                <p:nvPr/>
+              </p:nvPicPr>
+              <p:blipFill>
+                <a:blip r:embed="rId55"/>
+                <a:stretch>
+                  <a:fillRect/>
+                </a:stretch>
+              </p:blipFill>
+              <p:spPr>
+                <a:xfrm>
+                  <a:off x="1325058" y="2899932"/>
+                  <a:ext cx="272520" cy="60840"/>
+                </a:xfrm>
+                <a:prstGeom prst="rect">
+                  <a:avLst/>
+                </a:prstGeom>
+              </p:spPr>
+            </p:pic>
+          </mc:Fallback>
+        </mc:AlternateContent>
+        <mc:AlternateContent xmlns:mc="http://schemas.openxmlformats.org/markup-compatibility/2006">
+          <mc:Choice xmlns:p14="http://schemas.microsoft.com/office/powerpoint/2010/main" Requires="p14">
+            <p:contentPart p14:bwMode="auto" r:id="rId56">
+              <p14:nvContentPartPr>
+                <p14:cNvPr id="32" name="Freihand 31">
+                  <a:extLst>
+                    <a:ext uri="{FF2B5EF4-FFF2-40B4-BE49-F238E27FC236}">
+                      <a16:creationId xmlns:a16="http://schemas.microsoft.com/office/drawing/2014/main" id="{329E9008-D933-2E2D-73EE-3E44ECF8B922}"/>
+                    </a:ext>
+                  </a:extLst>
+                </p14:cNvPr>
+                <p14:cNvContentPartPr/>
+                <p14:nvPr/>
+              </p14:nvContentPartPr>
+              <p14:xfrm>
+                <a:off x="1461498" y="2824692"/>
+                <a:ext cx="12600" cy="142200"/>
+              </p14:xfrm>
+            </p:contentPart>
+          </mc:Choice>
+          <mc:Fallback>
+            <p:pic>
+              <p:nvPicPr>
+                <p:cNvPr id="32" name="Freihand 31">
+                  <a:extLst>
+                    <a:ext uri="{FF2B5EF4-FFF2-40B4-BE49-F238E27FC236}">
+                      <a16:creationId xmlns:a16="http://schemas.microsoft.com/office/drawing/2014/main" id="{329E9008-D933-2E2D-73EE-3E44ECF8B922}"/>
+                    </a:ext>
+                  </a:extLst>
+                </p:cNvPr>
+                <p:cNvPicPr/>
+                <p:nvPr/>
+              </p:nvPicPr>
+              <p:blipFill>
+                <a:blip r:embed="rId57"/>
+                <a:stretch>
+                  <a:fillRect/>
+                </a:stretch>
+              </p:blipFill>
+              <p:spPr>
+                <a:xfrm>
+                  <a:off x="1443498" y="2806692"/>
+                  <a:ext cx="48240" cy="177840"/>
+                </a:xfrm>
+                <a:prstGeom prst="rect">
+                  <a:avLst/>
+                </a:prstGeom>
+              </p:spPr>
+            </p:pic>
+          </mc:Fallback>
+        </mc:AlternateContent>
+      </p:grpSp>
     </p:spTree>
     <p:extLst>
       <p:ext uri="{BB962C8B-B14F-4D97-AF65-F5344CB8AC3E}">
@@ -15059,6 +17767,321 @@
 </a:theme>
 </file>
 
+<file path=ppt/theme/theme2.xml><?xml version="1.0" encoding="utf-8"?>
+<a:theme xmlns:a="http://schemas.openxmlformats.org/drawingml/2006/main" name="Office">
+  <a:themeElements>
+    <a:clrScheme name="Office">
+      <a:dk1>
+        <a:sysClr val="windowText" lastClr="000000"/>
+      </a:dk1>
+      <a:lt1>
+        <a:sysClr val="window" lastClr="FFFFFF"/>
+      </a:lt1>
+      <a:dk2>
+        <a:srgbClr val="0E2841"/>
+      </a:dk2>
+      <a:lt2>
+        <a:srgbClr val="E8E8E8"/>
+      </a:lt2>
+      <a:accent1>
+        <a:srgbClr val="156082"/>
+      </a:accent1>
+      <a:accent2>
+        <a:srgbClr val="E97132"/>
+      </a:accent2>
+      <a:accent3>
+        <a:srgbClr val="196B24"/>
+      </a:accent3>
+      <a:accent4>
+        <a:srgbClr val="0F9ED5"/>
+      </a:accent4>
+      <a:accent5>
+        <a:srgbClr val="A02B93"/>
+      </a:accent5>
+      <a:accent6>
+        <a:srgbClr val="4EA72E"/>
+      </a:accent6>
+      <a:hlink>
+        <a:srgbClr val="467886"/>
+      </a:hlink>
+      <a:folHlink>
+        <a:srgbClr val="96607D"/>
+      </a:folHlink>
+    </a:clrScheme>
+    <a:fontScheme name="Office">
+      <a:majorFont>
+        <a:latin typeface="Aptos Display" panose="02110004020202020204"/>
+        <a:ea typeface=""/>
+        <a:cs typeface=""/>
+        <a:font script="Jpan" typeface="游ゴシック Light"/>
+        <a:font script="Hang" typeface="맑은 고딕"/>
+        <a:font script="Hans" typeface="等线 Light"/>
+        <a:font script="Hant" typeface="新細明體"/>
+        <a:font script="Arab" typeface="Times New Roman"/>
+        <a:font script="Hebr" typeface="Times New Roman"/>
+        <a:font script="Thai" typeface="Angsana New"/>
+        <a:font script="Ethi" typeface="Nyala"/>
+        <a:font script="Beng" typeface="Vrinda"/>
+        <a:font script="Gujr" typeface="Shruti"/>
+        <a:font script="Khmr" typeface="MoolBoran"/>
+        <a:font script="Knda" typeface="Tunga"/>
+        <a:font script="Guru" typeface="Raavi"/>
+        <a:font script="Cans" typeface="Euphemia"/>
+        <a:font script="Cher" typeface="Plantagenet Cherokee"/>
+        <a:font script="Yiii" typeface="Microsoft Yi Baiti"/>
+        <a:font script="Tibt" typeface="Microsoft Himalaya"/>
+        <a:font script="Thaa" typeface="MV Boli"/>
+        <a:font script="Deva" typeface="Mangal"/>
+        <a:font script="Telu" typeface="Gautami"/>
+        <a:font script="Taml" typeface="Latha"/>
+        <a:font script="Syrc" typeface="Estrangelo Edessa"/>
+        <a:font script="Orya" typeface="Kalinga"/>
+        <a:font script="Mlym" typeface="Kartika"/>
+        <a:font script="Laoo" typeface="DokChampa"/>
+        <a:font script="Sinh" typeface="Iskoola Pota"/>
+        <a:font script="Mong" typeface="Mongolian Baiti"/>
+        <a:font script="Viet" typeface="Times New Roman"/>
+        <a:font script="Uigh" typeface="Microsoft Uighur"/>
+        <a:font script="Geor" typeface="Sylfaen"/>
+        <a:font script="Armn" typeface="Arial"/>
+        <a:font script="Bugi" typeface="Leelawadee UI"/>
+        <a:font script="Bopo" typeface="Microsoft JhengHei"/>
+        <a:font script="Java" typeface="Javanese Text"/>
+        <a:font script="Lisu" typeface="Segoe UI"/>
+        <a:font script="Mymr" typeface="Myanmar Text"/>
+        <a:font script="Nkoo" typeface="Ebrima"/>
+        <a:font script="Olck" typeface="Nirmala UI"/>
+        <a:font script="Osma" typeface="Ebrima"/>
+        <a:font script="Phag" typeface="Phagspa"/>
+        <a:font script="Syrn" typeface="Estrangelo Edessa"/>
+        <a:font script="Syrj" typeface="Estrangelo Edessa"/>
+        <a:font script="Syre" typeface="Estrangelo Edessa"/>
+        <a:font script="Sora" typeface="Nirmala UI"/>
+        <a:font script="Tale" typeface="Microsoft Tai Le"/>
+        <a:font script="Talu" typeface="Microsoft New Tai Lue"/>
+        <a:font script="Tfng" typeface="Ebrima"/>
+      </a:majorFont>
+      <a:minorFont>
+        <a:latin typeface="Aptos" panose="02110004020202020204"/>
+        <a:ea typeface=""/>
+        <a:cs typeface=""/>
+        <a:font script="Jpan" typeface="游ゴシック"/>
+        <a:font script="Hang" typeface="맑은 고딕"/>
+        <a:font script="Hans" typeface="等线"/>
+        <a:font script="Hant" typeface="新細明體"/>
+        <a:font script="Arab" typeface="Arial"/>
+        <a:font script="Hebr" typeface="Arial"/>
+        <a:font script="Thai" typeface="Cordia New"/>
+        <a:font script="Ethi" typeface="Nyala"/>
+        <a:font script="Beng" typeface="Vrinda"/>
+        <a:font script="Gujr" typeface="Shruti"/>
+        <a:font script="Khmr" typeface="DaunPenh"/>
+        <a:font script="Knda" typeface="Tunga"/>
+        <a:font script="Guru" typeface="Raavi"/>
+        <a:font script="Cans" typeface="Euphemia"/>
+        <a:font script="Cher" typeface="Plantagenet Cherokee"/>
+        <a:font script="Yiii" typeface="Microsoft Yi Baiti"/>
+        <a:font script="Tibt" typeface="Microsoft Himalaya"/>
+        <a:font script="Thaa" typeface="MV Boli"/>
+        <a:font script="Deva" typeface="Mangal"/>
+        <a:font script="Telu" typeface="Gautami"/>
+        <a:font script="Taml" typeface="Latha"/>
+        <a:font script="Syrc" typeface="Estrangelo Edessa"/>
+        <a:font script="Orya" typeface="Kalinga"/>
+        <a:font script="Mlym" typeface="Kartika"/>
+        <a:font script="Laoo" typeface="DokChampa"/>
+        <a:font script="Sinh" typeface="Iskoola Pota"/>
+        <a:font script="Mong" typeface="Mongolian Baiti"/>
+        <a:font script="Viet" typeface="Arial"/>
+        <a:font script="Uigh" typeface="Microsoft Uighur"/>
+        <a:font script="Geor" typeface="Sylfaen"/>
+        <a:font script="Armn" typeface="Arial"/>
+        <a:font script="Bugi" typeface="Leelawadee UI"/>
+        <a:font script="Bopo" typeface="Microsoft JhengHei"/>
+        <a:font script="Java" typeface="Javanese Text"/>
+        <a:font script="Lisu" typeface="Segoe UI"/>
+        <a:font script="Mymr" typeface="Myanmar Text"/>
+        <a:font script="Nkoo" typeface="Ebrima"/>
+        <a:font script="Olck" typeface="Nirmala UI"/>
+        <a:font script="Osma" typeface="Ebrima"/>
+        <a:font script="Phag" typeface="Phagspa"/>
+        <a:font script="Syrn" typeface="Estrangelo Edessa"/>
+        <a:font script="Syrj" typeface="Estrangelo Edessa"/>
+        <a:font script="Syre" typeface="Estrangelo Edessa"/>
+        <a:font script="Sora" typeface="Nirmala UI"/>
+        <a:font script="Tale" typeface="Microsoft Tai Le"/>
+        <a:font script="Talu" typeface="Microsoft New Tai Lue"/>
+        <a:font script="Tfng" typeface="Ebrima"/>
+      </a:minorFont>
+    </a:fontScheme>
+    <a:fmtScheme name="Office">
+      <a:fillStyleLst>
+        <a:solidFill>
+          <a:schemeClr val="phClr"/>
+        </a:solidFill>
+        <a:gradFill rotWithShape="1">
+          <a:gsLst>
+            <a:gs pos="0">
+              <a:schemeClr val="phClr">
+                <a:lumMod val="110000"/>
+                <a:satMod val="105000"/>
+                <a:tint val="67000"/>
+              </a:schemeClr>
+            </a:gs>
+            <a:gs pos="50000">
+              <a:schemeClr val="phClr">
+                <a:lumMod val="105000"/>
+                <a:satMod val="103000"/>
+                <a:tint val="73000"/>
+              </a:schemeClr>
+            </a:gs>
+            <a:gs pos="100000">
+              <a:schemeClr val="phClr">
+                <a:lumMod val="105000"/>
+                <a:satMod val="109000"/>
+                <a:tint val="81000"/>
+              </a:schemeClr>
+            </a:gs>
+          </a:gsLst>
+          <a:lin ang="5400000" scaled="0"/>
+        </a:gradFill>
+        <a:gradFill rotWithShape="1">
+          <a:gsLst>
+            <a:gs pos="0">
+              <a:schemeClr val="phClr">
+                <a:satMod val="103000"/>
+                <a:lumMod val="102000"/>
+                <a:tint val="94000"/>
+              </a:schemeClr>
+            </a:gs>
+            <a:gs pos="50000">
+              <a:schemeClr val="phClr">
+                <a:satMod val="110000"/>
+                <a:lumMod val="100000"/>
+                <a:shade val="100000"/>
+              </a:schemeClr>
+            </a:gs>
+            <a:gs pos="100000">
+              <a:schemeClr val="phClr">
+                <a:lumMod val="99000"/>
+                <a:satMod val="120000"/>
+                <a:shade val="78000"/>
+              </a:schemeClr>
+            </a:gs>
+          </a:gsLst>
+          <a:lin ang="5400000" scaled="0"/>
+        </a:gradFill>
+      </a:fillStyleLst>
+      <a:lnStyleLst>
+        <a:ln w="12700" cap="flat" cmpd="sng" algn="ctr">
+          <a:solidFill>
+            <a:schemeClr val="phClr"/>
+          </a:solidFill>
+          <a:prstDash val="solid"/>
+          <a:miter lim="800000"/>
+        </a:ln>
+        <a:ln w="19050" cap="flat" cmpd="sng" algn="ctr">
+          <a:solidFill>
+            <a:schemeClr val="phClr"/>
+          </a:solidFill>
+          <a:prstDash val="solid"/>
+          <a:miter lim="800000"/>
+        </a:ln>
+        <a:ln w="25400" cap="flat" cmpd="sng" algn="ctr">
+          <a:solidFill>
+            <a:schemeClr val="phClr"/>
+          </a:solidFill>
+          <a:prstDash val="solid"/>
+          <a:miter lim="800000"/>
+        </a:ln>
+      </a:lnStyleLst>
+      <a:effectStyleLst>
+        <a:effectStyle>
+          <a:effectLst/>
+        </a:effectStyle>
+        <a:effectStyle>
+          <a:effectLst/>
+        </a:effectStyle>
+        <a:effectStyle>
+          <a:effectLst>
+            <a:outerShdw blurRad="57150" dist="19050" dir="5400000" algn="ctr" rotWithShape="0">
+              <a:srgbClr val="000000">
+                <a:alpha val="63000"/>
+              </a:srgbClr>
+            </a:outerShdw>
+          </a:effectLst>
+        </a:effectStyle>
+      </a:effectStyleLst>
+      <a:bgFillStyleLst>
+        <a:solidFill>
+          <a:schemeClr val="phClr"/>
+        </a:solidFill>
+        <a:solidFill>
+          <a:schemeClr val="phClr">
+            <a:tint val="95000"/>
+            <a:satMod val="170000"/>
+          </a:schemeClr>
+        </a:solidFill>
+        <a:gradFill rotWithShape="1">
+          <a:gsLst>
+            <a:gs pos="0">
+              <a:schemeClr val="phClr">
+                <a:tint val="93000"/>
+                <a:satMod val="150000"/>
+                <a:shade val="98000"/>
+                <a:lumMod val="102000"/>
+              </a:schemeClr>
+            </a:gs>
+            <a:gs pos="50000">
+              <a:schemeClr val="phClr">
+                <a:tint val="98000"/>
+                <a:satMod val="130000"/>
+                <a:shade val="90000"/>
+                <a:lumMod val="103000"/>
+              </a:schemeClr>
+            </a:gs>
+            <a:gs pos="100000">
+              <a:schemeClr val="phClr">
+                <a:shade val="63000"/>
+                <a:satMod val="120000"/>
+              </a:schemeClr>
+            </a:gs>
+          </a:gsLst>
+          <a:lin ang="5400000" scaled="0"/>
+        </a:gradFill>
+      </a:bgFillStyleLst>
+    </a:fmtScheme>
+  </a:themeElements>
+  <a:objectDefaults>
+    <a:lnDef>
+      <a:spPr/>
+      <a:bodyPr/>
+      <a:lstStyle/>
+      <a:style>
+        <a:lnRef idx="2">
+          <a:schemeClr val="accent1"/>
+        </a:lnRef>
+        <a:fillRef idx="0">
+          <a:schemeClr val="accent1"/>
+        </a:fillRef>
+        <a:effectRef idx="1">
+          <a:schemeClr val="accent1"/>
+        </a:effectRef>
+        <a:fontRef idx="minor">
+          <a:schemeClr val="tx1"/>
+        </a:fontRef>
+      </a:style>
+    </a:lnDef>
+  </a:objectDefaults>
+  <a:extraClrSchemeLst/>
+  <a:extLst>
+    <a:ext uri="{05A4C25C-085E-4340-85A3-A5531E510DB2}">
+      <thm15:themeFamily xmlns:thm15="http://schemas.microsoft.com/office/thememl/2012/main" name="Office Theme" id="{2E142A2C-CD16-42D6-873A-C26D2A0506FA}" vid="{1BDDFF52-6CD6-40A5-AB3C-68EB2F1E4D0A}"/>
+    </a:ext>
+  </a:extLst>
+</a:theme>
+</file>
+
 <file path=ppt/theme/themeOverride1.xml><?xml version="1.0" encoding="utf-8"?>
 <a:themeOverride xmlns:a="http://schemas.openxmlformats.org/drawingml/2006/main">
   <a:clrScheme name="Office">

--- a/THEE_project.pptx
+++ b/THEE_project.pptx
@@ -5,7 +5,7 @@
     <p:sldMasterId id="2147483648" r:id="rId1"/>
   </p:sldMasterIdLst>
   <p:notesMasterIdLst>
-    <p:notesMasterId r:id="rId17"/>
+    <p:notesMasterId r:id="rId18"/>
   </p:notesMasterIdLst>
   <p:sldIdLst>
     <p:sldId id="256" r:id="rId2"/>
@@ -22,7 +22,8 @@
     <p:sldId id="270" r:id="rId13"/>
     <p:sldId id="271" r:id="rId14"/>
     <p:sldId id="273" r:id="rId15"/>
-    <p:sldId id="272" r:id="rId16"/>
+    <p:sldId id="274" r:id="rId16"/>
+    <p:sldId id="272" r:id="rId17"/>
   </p:sldIdLst>
   <p:sldSz cx="12192000" cy="6858000"/>
   <p:notesSz cx="6858000" cy="9144000"/>
@@ -7691,6 +7692,134 @@
               <a:rPr lang="de-CH" dirty="0" err="1"/>
               <a:t>better</a:t>
             </a:r>
+            <a:r>
+              <a:rPr lang="de-CH" dirty="0"/>
+              <a:t>, </a:t>
+            </a:r>
+            <a:r>
+              <a:rPr lang="de-CH" dirty="0" err="1"/>
+              <a:t>Why</a:t>
+            </a:r>
+            <a:r>
+              <a:rPr lang="de-CH" dirty="0"/>
+              <a:t> </a:t>
+            </a:r>
+            <a:r>
+              <a:rPr lang="de-CH" dirty="0" err="1"/>
+              <a:t>important</a:t>
+            </a:r>
+            <a:r>
+              <a:rPr lang="de-CH" dirty="0"/>
+              <a:t>? Model </a:t>
+            </a:r>
+            <a:r>
+              <a:rPr lang="de-CH" dirty="0" err="1"/>
+              <a:t>for</a:t>
+            </a:r>
+            <a:r>
+              <a:rPr lang="de-CH" dirty="0"/>
+              <a:t> </a:t>
+            </a:r>
+            <a:r>
+              <a:rPr lang="de-CH" dirty="0" err="1"/>
+              <a:t>antibiotic</a:t>
+            </a:r>
+            <a:r>
+              <a:rPr lang="de-CH" dirty="0"/>
+              <a:t> </a:t>
+            </a:r>
+            <a:r>
+              <a:rPr lang="de-CH" dirty="0" err="1"/>
+              <a:t>resistance</a:t>
+            </a:r>
+            <a:r>
+              <a:rPr lang="de-CH" dirty="0"/>
+              <a:t> in </a:t>
+            </a:r>
+            <a:r>
+              <a:rPr lang="de-CH" dirty="0" err="1"/>
+              <a:t>bacteria</a:t>
+            </a:r>
+            <a:r>
+              <a:rPr lang="de-CH" dirty="0"/>
+              <a:t> =&gt; </a:t>
+            </a:r>
+            <a:r>
+              <a:rPr lang="de-CH" dirty="0" err="1"/>
+              <a:t>situation</a:t>
+            </a:r>
+            <a:r>
+              <a:rPr lang="de-CH" dirty="0"/>
+              <a:t> </a:t>
+            </a:r>
+            <a:r>
+              <a:rPr lang="de-CH" dirty="0" err="1"/>
+              <a:t>where</a:t>
+            </a:r>
+            <a:r>
+              <a:rPr lang="de-CH" dirty="0"/>
+              <a:t> </a:t>
+            </a:r>
+            <a:r>
+              <a:rPr lang="de-CH" dirty="0" err="1"/>
+              <a:t>exposed</a:t>
+            </a:r>
+            <a:r>
+              <a:rPr lang="de-CH" dirty="0"/>
+              <a:t> </a:t>
+            </a:r>
+            <a:r>
+              <a:rPr lang="de-CH" dirty="0" err="1"/>
+              <a:t>to</a:t>
+            </a:r>
+            <a:r>
+              <a:rPr lang="de-CH" dirty="0"/>
+              <a:t> a </a:t>
+            </a:r>
+            <a:r>
+              <a:rPr lang="de-CH" dirty="0" err="1"/>
+              <a:t>antibiotic</a:t>
+            </a:r>
+            <a:r>
+              <a:rPr lang="de-CH" dirty="0"/>
+              <a:t> </a:t>
+            </a:r>
+            <a:r>
+              <a:rPr lang="de-CH" dirty="0" err="1"/>
+              <a:t>over</a:t>
+            </a:r>
+            <a:r>
+              <a:rPr lang="de-CH" dirty="0"/>
+              <a:t> </a:t>
+            </a:r>
+            <a:r>
+              <a:rPr lang="de-CH" dirty="0" err="1"/>
+              <a:t>longer</a:t>
+            </a:r>
+            <a:r>
+              <a:rPr lang="de-CH" dirty="0"/>
+              <a:t> time, also </a:t>
+            </a:r>
+            <a:r>
+              <a:rPr lang="de-CH" dirty="0" err="1"/>
+              <a:t>appliable</a:t>
+            </a:r>
+            <a:r>
+              <a:rPr lang="de-CH" dirty="0"/>
+              <a:t> </a:t>
+            </a:r>
+            <a:r>
+              <a:rPr lang="de-CH" dirty="0" err="1"/>
+              <a:t>for</a:t>
+            </a:r>
+            <a:r>
+              <a:rPr lang="de-CH" dirty="0"/>
+              <a:t> lab </a:t>
+            </a:r>
+            <a:r>
+              <a:rPr lang="de-CH"/>
+              <a:t>strains</a:t>
+            </a:r>
             <a:endParaRPr lang="de-CH" dirty="0"/>
           </a:p>
         </p:txBody>
@@ -7722,6 +7851,218 @@
     <p:extLst>
       <p:ext uri="{BB962C8B-B14F-4D97-AF65-F5344CB8AC3E}">
         <p14:creationId xmlns:p14="http://schemas.microsoft.com/office/powerpoint/2010/main" val="1186318258"/>
+      </p:ext>
+    </p:extLst>
+  </p:cSld>
+  <p:clrMapOvr>
+    <a:masterClrMapping/>
+  </p:clrMapOvr>
+</p:notes>
+</file>
+
+<file path=ppt/notesSlides/notesSlide2.xml><?xml version="1.0" encoding="utf-8"?>
+<p:notes xmlns:a="http://schemas.openxmlformats.org/drawingml/2006/main" xmlns:r="http://schemas.openxmlformats.org/officeDocument/2006/relationships" xmlns:p="http://schemas.openxmlformats.org/presentationml/2006/main">
+  <p:cSld>
+    <p:spTree>
+      <p:nvGrpSpPr>
+        <p:cNvPr id="1" name=""/>
+        <p:cNvGrpSpPr/>
+        <p:nvPr/>
+      </p:nvGrpSpPr>
+      <p:grpSpPr>
+        <a:xfrm>
+          <a:off x="0" y="0"/>
+          <a:ext cx="0" cy="0"/>
+          <a:chOff x="0" y="0"/>
+          <a:chExt cx="0" cy="0"/>
+        </a:xfrm>
+      </p:grpSpPr>
+      <p:sp>
+        <p:nvSpPr>
+          <p:cNvPr id="2" name="Folienbildplatzhalter 1"/>
+          <p:cNvSpPr>
+            <a:spLocks noGrp="1" noRot="1" noChangeAspect="1"/>
+          </p:cNvSpPr>
+          <p:nvPr>
+            <p:ph type="sldImg"/>
+          </p:nvPr>
+        </p:nvSpPr>
+        <p:spPr/>
+      </p:sp>
+      <p:sp>
+        <p:nvSpPr>
+          <p:cNvPr id="3" name="Notizenplatzhalter 2"/>
+          <p:cNvSpPr>
+            <a:spLocks noGrp="1"/>
+          </p:cNvSpPr>
+          <p:nvPr>
+            <p:ph type="body" idx="1"/>
+          </p:nvPr>
+        </p:nvSpPr>
+        <p:spPr/>
+        <p:txBody>
+          <a:bodyPr/>
+          <a:lstStyle/>
+          <a:p>
+            <a:r>
+              <a:rPr lang="de-CH" dirty="0"/>
+              <a:t>S </a:t>
+            </a:r>
+            <a:r>
+              <a:rPr lang="de-CH" dirty="0" err="1"/>
+              <a:t>get</a:t>
+            </a:r>
+            <a:r>
+              <a:rPr lang="de-CH" dirty="0"/>
+              <a:t> </a:t>
+            </a:r>
+            <a:r>
+              <a:rPr lang="de-CH" dirty="0" err="1"/>
+              <a:t>varied</a:t>
+            </a:r>
+            <a:r>
+              <a:rPr lang="de-CH" dirty="0"/>
+              <a:t> in </a:t>
+            </a:r>
+            <a:r>
+              <a:rPr lang="de-CH" dirty="0" err="1"/>
+              <a:t>one</a:t>
+            </a:r>
+            <a:r>
+              <a:rPr lang="de-CH" dirty="0"/>
+              <a:t> </a:t>
+            </a:r>
+            <a:r>
+              <a:rPr lang="de-CH" dirty="0" err="1"/>
+              <a:t>plot</a:t>
+            </a:r>
+            <a:endParaRPr lang="de-CH" dirty="0"/>
+          </a:p>
+        </p:txBody>
+      </p:sp>
+      <p:sp>
+        <p:nvSpPr>
+          <p:cNvPr id="4" name="Foliennummernplatzhalter 3"/>
+          <p:cNvSpPr>
+            <a:spLocks noGrp="1"/>
+          </p:cNvSpPr>
+          <p:nvPr>
+            <p:ph type="sldNum" sz="quarter" idx="5"/>
+          </p:nvPr>
+        </p:nvSpPr>
+        <p:spPr/>
+        <p:txBody>
+          <a:bodyPr/>
+          <a:lstStyle/>
+          <a:p>
+            <a:fld id="{EB2A0D13-1493-4442-A315-6F78B7786EF8}" type="slidenum">
+              <a:rPr lang="de-CH" smtClean="0"/>
+              <a:t>4</a:t>
+            </a:fld>
+            <a:endParaRPr lang="de-CH"/>
+          </a:p>
+        </p:txBody>
+      </p:sp>
+    </p:spTree>
+    <p:extLst>
+      <p:ext uri="{BB962C8B-B14F-4D97-AF65-F5344CB8AC3E}">
+        <p14:creationId xmlns:p14="http://schemas.microsoft.com/office/powerpoint/2010/main" val="991201624"/>
+      </p:ext>
+    </p:extLst>
+  </p:cSld>
+  <p:clrMapOvr>
+    <a:masterClrMapping/>
+  </p:clrMapOvr>
+</p:notes>
+</file>
+
+<file path=ppt/notesSlides/notesSlide3.xml><?xml version="1.0" encoding="utf-8"?>
+<p:notes xmlns:a="http://schemas.openxmlformats.org/drawingml/2006/main" xmlns:r="http://schemas.openxmlformats.org/officeDocument/2006/relationships" xmlns:p="http://schemas.openxmlformats.org/presentationml/2006/main">
+  <p:cSld>
+    <p:spTree>
+      <p:nvGrpSpPr>
+        <p:cNvPr id="1" name=""/>
+        <p:cNvGrpSpPr/>
+        <p:nvPr/>
+      </p:nvGrpSpPr>
+      <p:grpSpPr>
+        <a:xfrm>
+          <a:off x="0" y="0"/>
+          <a:ext cx="0" cy="0"/>
+          <a:chOff x="0" y="0"/>
+          <a:chExt cx="0" cy="0"/>
+        </a:xfrm>
+      </p:grpSpPr>
+      <p:sp>
+        <p:nvSpPr>
+          <p:cNvPr id="2" name="Folienbildplatzhalter 1"/>
+          <p:cNvSpPr>
+            <a:spLocks noGrp="1" noRot="1" noChangeAspect="1"/>
+          </p:cNvSpPr>
+          <p:nvPr>
+            <p:ph type="sldImg"/>
+          </p:nvPr>
+        </p:nvSpPr>
+        <p:spPr/>
+      </p:sp>
+      <p:sp>
+        <p:nvSpPr>
+          <p:cNvPr id="3" name="Notizenplatzhalter 2"/>
+          <p:cNvSpPr>
+            <a:spLocks noGrp="1"/>
+          </p:cNvSpPr>
+          <p:nvPr>
+            <p:ph type="body" idx="1"/>
+          </p:nvPr>
+        </p:nvSpPr>
+        <p:spPr/>
+        <p:txBody>
+          <a:bodyPr/>
+          <a:lstStyle/>
+          <a:p>
+            <a:r>
+              <a:rPr lang="en-US" dirty="0"/>
+              <a:t>Limitation: 1 value for selection coefficient, decay rate and mutation rate, in reality much more </a:t>
+            </a:r>
+            <a:r>
+              <a:rPr lang="en-US" dirty="0" err="1"/>
+              <a:t>compex</a:t>
+            </a:r>
+            <a:r>
+              <a:rPr lang="en-US" dirty="0"/>
+              <a:t>, also not only 2 mutations exist in individuals, selection coefficient might be too high, although for bacteria they seem fine</a:t>
+            </a:r>
+            <a:endParaRPr lang="de-CH" dirty="0"/>
+          </a:p>
+        </p:txBody>
+      </p:sp>
+      <p:sp>
+        <p:nvSpPr>
+          <p:cNvPr id="4" name="Foliennummernplatzhalter 3"/>
+          <p:cNvSpPr>
+            <a:spLocks noGrp="1"/>
+          </p:cNvSpPr>
+          <p:nvPr>
+            <p:ph type="sldNum" sz="quarter" idx="5"/>
+          </p:nvPr>
+        </p:nvSpPr>
+        <p:spPr/>
+        <p:txBody>
+          <a:bodyPr/>
+          <a:lstStyle/>
+          <a:p>
+            <a:fld id="{EB2A0D13-1493-4442-A315-6F78B7786EF8}" type="slidenum">
+              <a:rPr lang="de-CH" smtClean="0"/>
+              <a:t>6</a:t>
+            </a:fld>
+            <a:endParaRPr lang="de-CH"/>
+          </a:p>
+        </p:txBody>
+      </p:sp>
+    </p:spTree>
+    <p:extLst>
+      <p:ext uri="{BB962C8B-B14F-4D97-AF65-F5344CB8AC3E}">
+        <p14:creationId xmlns:p14="http://schemas.microsoft.com/office/powerpoint/2010/main" val="3195689024"/>
       </p:ext>
     </p:extLst>
   </p:cSld>
@@ -12846,6 +13187,234 @@
           <a:chExt cx="0" cy="0"/>
         </a:xfrm>
       </p:grpSpPr>
+      <p:sp useBgFill="1">
+        <p:nvSpPr>
+          <p:cNvPr id="12" name="Rectangle 11">
+            <a:extLst>
+              <a:ext uri="{FF2B5EF4-FFF2-40B4-BE49-F238E27FC236}">
+                <a16:creationId xmlns:a16="http://schemas.microsoft.com/office/drawing/2014/main" id="{74751229-0244-4FBB-BED1-407467F4C951}"/>
+              </a:ext>
+              <a:ext uri="{C183D7F6-B498-43B3-948B-1728B52AA6E4}">
+                <adec:decorative xmlns:adec="http://schemas.microsoft.com/office/drawing/2017/decorative" val="1"/>
+              </a:ext>
+            </a:extLst>
+          </p:cNvPr>
+          <p:cNvSpPr>
+            <a:spLocks noGrp="1" noRot="1" noChangeAspect="1" noMove="1" noResize="1" noEditPoints="1" noAdjustHandles="1" noChangeArrowheads="1" noChangeShapeType="1" noTextEdit="1"/>
+          </p:cNvSpPr>
+          <p:nvPr>
+            <p:extLst>
+              <p:ext uri="{386F3935-93C4-4BCD-93E2-E3B085C9AB24}">
+                <p16:designElem xmlns:p16="http://schemas.microsoft.com/office/powerpoint/2015/main" val="1"/>
+              </p:ext>
+            </p:extLst>
+          </p:nvPr>
+        </p:nvSpPr>
+        <p:spPr>
+          <a:xfrm>
+            <a:off x="0" y="0"/>
+            <a:ext cx="12188952" cy="6858000"/>
+          </a:xfrm>
+          <a:prstGeom prst="rect">
+            <a:avLst/>
+          </a:prstGeom>
+          <a:ln>
+            <a:noFill/>
+          </a:ln>
+        </p:spPr>
+        <p:style>
+          <a:lnRef idx="2">
+            <a:schemeClr val="accent1">
+              <a:shade val="50000"/>
+            </a:schemeClr>
+          </a:lnRef>
+          <a:fillRef idx="1">
+            <a:schemeClr val="accent1"/>
+          </a:fillRef>
+          <a:effectRef idx="0">
+            <a:schemeClr val="accent1"/>
+          </a:effectRef>
+          <a:fontRef idx="minor">
+            <a:schemeClr val="lt1"/>
+          </a:fontRef>
+        </p:style>
+        <p:txBody>
+          <a:bodyPr rtlCol="0" anchor="ctr"/>
+          <a:lstStyle/>
+          <a:p>
+            <a:pPr algn="ctr"/>
+            <a:endParaRPr lang="en-US"/>
+          </a:p>
+        </p:txBody>
+      </p:sp>
+      <p:sp>
+        <p:nvSpPr>
+          <p:cNvPr id="2" name="Titel 1">
+            <a:extLst>
+              <a:ext uri="{FF2B5EF4-FFF2-40B4-BE49-F238E27FC236}">
+                <a16:creationId xmlns:a16="http://schemas.microsoft.com/office/drawing/2014/main" id="{9FD755BD-3ED2-8BDA-9680-124B576823FE}"/>
+              </a:ext>
+            </a:extLst>
+          </p:cNvPr>
+          <p:cNvSpPr>
+            <a:spLocks noGrp="1"/>
+          </p:cNvSpPr>
+          <p:nvPr>
+            <p:ph type="title"/>
+          </p:nvPr>
+        </p:nvSpPr>
+        <p:spPr>
+          <a:xfrm>
+            <a:off x="2197101" y="735283"/>
+            <a:ext cx="4978399" cy="3165045"/>
+          </a:xfrm>
+        </p:spPr>
+        <p:txBody>
+          <a:bodyPr vert="horz" lIns="91440" tIns="45720" rIns="91440" bIns="45720" rtlCol="0" anchor="b">
+            <a:normAutofit/>
+          </a:bodyPr>
+          <a:lstStyle/>
+          <a:p>
+            <a:r>
+              <a:rPr lang="en-US" sz="5200" kern="1200">
+                <a:solidFill>
+                  <a:schemeClr val="tx1"/>
+                </a:solidFill>
+                <a:latin typeface="+mj-lt"/>
+                <a:ea typeface="+mj-ea"/>
+                <a:cs typeface="+mj-cs"/>
+              </a:rPr>
+              <a:t>Thank you for your attention!</a:t>
+            </a:r>
+          </a:p>
+        </p:txBody>
+      </p:sp>
+      <p:pic>
+        <p:nvPicPr>
+          <p:cNvPr id="7" name="Graphic 6" descr="Smiling Face with No Fill">
+            <a:extLst>
+              <a:ext uri="{FF2B5EF4-FFF2-40B4-BE49-F238E27FC236}">
+                <a16:creationId xmlns:a16="http://schemas.microsoft.com/office/drawing/2014/main" id="{EF2FD5E6-9BB9-9AF4-50F8-B506B02491BE}"/>
+              </a:ext>
+            </a:extLst>
+          </p:cNvPr>
+          <p:cNvPicPr>
+            <a:picLocks noChangeAspect="1"/>
+          </p:cNvPicPr>
+          <p:nvPr/>
+        </p:nvPicPr>
+        <p:blipFill>
+          <a:blip r:embed="rId2">
+            <a:extLst>
+              <a:ext uri="{28A0092B-C50C-407E-A947-70E740481C1C}">
+                <a14:useLocalDpi xmlns:a14="http://schemas.microsoft.com/office/drawing/2010/main" val="0"/>
+              </a:ext>
+              <a:ext uri="{96DAC541-7B7A-43D3-8B79-37D633B846F1}">
+                <asvg:svgBlip xmlns:asvg="http://schemas.microsoft.com/office/drawing/2016/SVG/main" r:embed="rId3"/>
+              </a:ext>
+            </a:extLst>
+          </a:blip>
+          <a:stretch>
+            <a:fillRect/>
+          </a:stretch>
+        </p:blipFill>
+        <p:spPr>
+          <a:xfrm>
+            <a:off x="717549" y="2776619"/>
+            <a:ext cx="1289051" cy="1289051"/>
+          </a:xfrm>
+          <a:prstGeom prst="rect">
+            <a:avLst/>
+          </a:prstGeom>
+        </p:spPr>
+      </p:pic>
+      <p:pic>
+        <p:nvPicPr>
+          <p:cNvPr id="9" name="Graphic 8" descr="Smiling Face with No Fill">
+            <a:extLst>
+              <a:ext uri="{FF2B5EF4-FFF2-40B4-BE49-F238E27FC236}">
+                <a16:creationId xmlns:a16="http://schemas.microsoft.com/office/drawing/2014/main" id="{3F88F41A-D650-421B-911B-FBCD4954AD78}"/>
+              </a:ext>
+              <a:ext uri="{C183D7F6-B498-43B3-948B-1728B52AA6E4}">
+                <adec:decorative xmlns:adec="http://schemas.microsoft.com/office/drawing/2017/decorative" val="1"/>
+              </a:ext>
+            </a:extLst>
+          </p:cNvPr>
+          <p:cNvPicPr>
+            <a:picLocks noGrp="1" noRot="1" noChangeAspect="1" noMove="1" noResize="1" noEditPoints="1" noAdjustHandles="1" noChangeArrowheads="1" noChangeShapeType="1" noCrop="1"/>
+          </p:cNvPicPr>
+          <p:nvPr>
+            <p:extLst>
+              <p:ext uri="{386F3935-93C4-4BCD-93E2-E3B085C9AB24}">
+                <p16:designElem xmlns:p16="http://schemas.microsoft.com/office/powerpoint/2015/main" val="1"/>
+              </p:ext>
+            </p:extLst>
+          </p:nvPr>
+        </p:nvPicPr>
+        <p:blipFill>
+          <a:blip r:embed="rId2">
+            <a:alphaModFix amt="15000"/>
+            <a:extLst>
+              <a:ext uri="{28A0092B-C50C-407E-A947-70E740481C1C}">
+                <a14:useLocalDpi xmlns:a14="http://schemas.microsoft.com/office/drawing/2010/main" val="0"/>
+              </a:ext>
+              <a:ext uri="{96DAC541-7B7A-43D3-8B79-37D633B846F1}">
+                <asvg:svgBlip xmlns:asvg="http://schemas.microsoft.com/office/drawing/2016/SVG/main" r:embed="rId3"/>
+              </a:ext>
+            </a:extLst>
+          </a:blip>
+          <a:stretch>
+            <a:fillRect/>
+          </a:stretch>
+        </p:blipFill>
+        <p:spPr>
+          <a:xfrm>
+            <a:off x="6607815" y="716407"/>
+            <a:ext cx="5411343" cy="5411343"/>
+          </a:xfrm>
+          <a:prstGeom prst="rect">
+            <a:avLst/>
+          </a:prstGeom>
+        </p:spPr>
+      </p:pic>
+    </p:spTree>
+    <p:extLst>
+      <p:ext uri="{BB962C8B-B14F-4D97-AF65-F5344CB8AC3E}">
+        <p14:creationId xmlns:p14="http://schemas.microsoft.com/office/powerpoint/2010/main" val="1577523199"/>
+      </p:ext>
+    </p:extLst>
+  </p:cSld>
+  <p:clrMapOvr>
+    <a:masterClrMapping/>
+  </p:clrMapOvr>
+</p:sld>
+</file>
+
+<file path=ppt/slides/slide16.xml><?xml version="1.0" encoding="utf-8"?>
+<p:sld xmlns:a="http://schemas.openxmlformats.org/drawingml/2006/main" xmlns:r="http://schemas.openxmlformats.org/officeDocument/2006/relationships" xmlns:p="http://schemas.openxmlformats.org/presentationml/2006/main">
+  <p:cSld>
+    <p:bg>
+      <p:bgPr>
+        <a:solidFill>
+          <a:schemeClr val="bg1"/>
+        </a:solidFill>
+        <a:effectLst/>
+      </p:bgPr>
+    </p:bg>
+    <p:spTree>
+      <p:nvGrpSpPr>
+        <p:cNvPr id="1" name=""/>
+        <p:cNvGrpSpPr/>
+        <p:nvPr/>
+      </p:nvGrpSpPr>
+      <p:grpSpPr>
+        <a:xfrm>
+          <a:off x="0" y="0"/>
+          <a:ext cx="0" cy="0"/>
+          <a:chOff x="0" y="0"/>
+          <a:chExt cx="0" cy="0"/>
+        </a:xfrm>
+      </p:grpSpPr>
       <p:sp>
         <p:nvSpPr>
           <p:cNvPr id="2" name="Title 1">
@@ -13993,7 +14562,7 @@
       </p:sp>
       <mc:AlternateContent xmlns:mc="http://schemas.openxmlformats.org/markup-compatibility/2006" xmlns:p14="http://schemas.microsoft.com/office/powerpoint/2010/main">
         <mc:Choice Requires="p14">
-          <p:contentPart p14:bwMode="auto" r:id="rId2">
+          <p:contentPart p14:bwMode="auto" r:id="rId3">
             <p14:nvContentPartPr>
               <p14:cNvPr id="5" name="Freihand 4">
                 <a:extLst>
@@ -14025,7 +14594,7 @@
               <p:nvPr/>
             </p:nvPicPr>
             <p:blipFill>
-              <a:blip r:embed="rId3"/>
+              <a:blip r:embed="rId4"/>
               <a:stretch>
                 <a:fillRect/>
               </a:stretch>
@@ -14062,9 +14631,9 @@
             <a:chExt cx="633240" cy="1548360"/>
           </a:xfrm>
         </p:grpSpPr>
-        <mc:AlternateContent xmlns:mc="http://schemas.openxmlformats.org/markup-compatibility/2006">
-          <mc:Choice xmlns:p14="http://schemas.microsoft.com/office/powerpoint/2010/main" Requires="p14">
-            <p:contentPart p14:bwMode="auto" r:id="rId4">
+        <mc:AlternateContent xmlns:mc="http://schemas.openxmlformats.org/markup-compatibility/2006" xmlns:p14="http://schemas.microsoft.com/office/powerpoint/2010/main">
+          <mc:Choice Requires="p14">
+            <p:contentPart p14:bwMode="auto" r:id="rId5">
               <p14:nvContentPartPr>
                 <p14:cNvPr id="4" name="Freihand 3">
                   <a:extLst>
@@ -14082,7 +14651,7 @@
               </p14:xfrm>
             </p:contentPart>
           </mc:Choice>
-          <mc:Fallback>
+          <mc:Fallback xmlns="">
             <p:pic>
               <p:nvPicPr>
                 <p:cNvPr id="4" name="Freihand 3">
@@ -14096,7 +14665,7 @@
                 <p:nvPr/>
               </p:nvPicPr>
               <p:blipFill>
-                <a:blip r:embed="rId5"/>
+                <a:blip r:embed="rId6"/>
                 <a:stretch>
                   <a:fillRect/>
                 </a:stretch>
@@ -14113,9 +14682,9 @@
             </p:pic>
           </mc:Fallback>
         </mc:AlternateContent>
-        <mc:AlternateContent xmlns:mc="http://schemas.openxmlformats.org/markup-compatibility/2006">
-          <mc:Choice xmlns:p14="http://schemas.microsoft.com/office/powerpoint/2010/main" Requires="p14">
-            <p:contentPart p14:bwMode="auto" r:id="rId6">
+        <mc:AlternateContent xmlns:mc="http://schemas.openxmlformats.org/markup-compatibility/2006" xmlns:p14="http://schemas.microsoft.com/office/powerpoint/2010/main">
+          <mc:Choice Requires="p14">
+            <p:contentPart p14:bwMode="auto" r:id="rId7">
               <p14:nvContentPartPr>
                 <p14:cNvPr id="6" name="Freihand 5">
                   <a:extLst>
@@ -14133,7 +14702,7 @@
               </p14:xfrm>
             </p:contentPart>
           </mc:Choice>
-          <mc:Fallback>
+          <mc:Fallback xmlns="">
             <p:pic>
               <p:nvPicPr>
                 <p:cNvPr id="6" name="Freihand 5">
@@ -14147,7 +14716,7 @@
                 <p:nvPr/>
               </p:nvPicPr>
               <p:blipFill>
-                <a:blip r:embed="rId7"/>
+                <a:blip r:embed="rId8"/>
                 <a:stretch>
                   <a:fillRect/>
                 </a:stretch>
@@ -14164,9 +14733,9 @@
             </p:pic>
           </mc:Fallback>
         </mc:AlternateContent>
-        <mc:AlternateContent xmlns:mc="http://schemas.openxmlformats.org/markup-compatibility/2006">
-          <mc:Choice xmlns:p14="http://schemas.microsoft.com/office/powerpoint/2010/main" Requires="p14">
-            <p:contentPart p14:bwMode="auto" r:id="rId8">
+        <mc:AlternateContent xmlns:mc="http://schemas.openxmlformats.org/markup-compatibility/2006" xmlns:p14="http://schemas.microsoft.com/office/powerpoint/2010/main">
+          <mc:Choice Requires="p14">
+            <p:contentPart p14:bwMode="auto" r:id="rId9">
               <p14:nvContentPartPr>
                 <p14:cNvPr id="7" name="Freihand 6">
                   <a:extLst>
@@ -14184,7 +14753,7 @@
               </p14:xfrm>
             </p:contentPart>
           </mc:Choice>
-          <mc:Fallback>
+          <mc:Fallback xmlns="">
             <p:pic>
               <p:nvPicPr>
                 <p:cNvPr id="7" name="Freihand 6">
@@ -14198,7 +14767,7 @@
                 <p:nvPr/>
               </p:nvPicPr>
               <p:blipFill>
-                <a:blip r:embed="rId9"/>
+                <a:blip r:embed="rId10"/>
                 <a:stretch>
                   <a:fillRect/>
                 </a:stretch>
@@ -14215,9 +14784,9 @@
             </p:pic>
           </mc:Fallback>
         </mc:AlternateContent>
-        <mc:AlternateContent xmlns:mc="http://schemas.openxmlformats.org/markup-compatibility/2006">
-          <mc:Choice xmlns:p14="http://schemas.microsoft.com/office/powerpoint/2010/main" Requires="p14">
-            <p:contentPart p14:bwMode="auto" r:id="rId10">
+        <mc:AlternateContent xmlns:mc="http://schemas.openxmlformats.org/markup-compatibility/2006" xmlns:p14="http://schemas.microsoft.com/office/powerpoint/2010/main">
+          <mc:Choice Requires="p14">
+            <p:contentPart p14:bwMode="auto" r:id="rId11">
               <p14:nvContentPartPr>
                 <p14:cNvPr id="8" name="Freihand 7">
                   <a:extLst>
@@ -14235,7 +14804,7 @@
               </p14:xfrm>
             </p:contentPart>
           </mc:Choice>
-          <mc:Fallback>
+          <mc:Fallback xmlns="">
             <p:pic>
               <p:nvPicPr>
                 <p:cNvPr id="8" name="Freihand 7">
@@ -14249,7 +14818,7 @@
                 <p:nvPr/>
               </p:nvPicPr>
               <p:blipFill>
-                <a:blip r:embed="rId11"/>
+                <a:blip r:embed="rId12"/>
                 <a:stretch>
                   <a:fillRect/>
                 </a:stretch>
@@ -14266,9 +14835,9 @@
             </p:pic>
           </mc:Fallback>
         </mc:AlternateContent>
-        <mc:AlternateContent xmlns:mc="http://schemas.openxmlformats.org/markup-compatibility/2006">
-          <mc:Choice xmlns:p14="http://schemas.microsoft.com/office/powerpoint/2010/main" Requires="p14">
-            <p:contentPart p14:bwMode="auto" r:id="rId12">
+        <mc:AlternateContent xmlns:mc="http://schemas.openxmlformats.org/markup-compatibility/2006" xmlns:p14="http://schemas.microsoft.com/office/powerpoint/2010/main">
+          <mc:Choice Requires="p14">
+            <p:contentPart p14:bwMode="auto" r:id="rId13">
               <p14:nvContentPartPr>
                 <p14:cNvPr id="9" name="Freihand 8">
                   <a:extLst>
@@ -14286,7 +14855,7 @@
               </p14:xfrm>
             </p:contentPart>
           </mc:Choice>
-          <mc:Fallback>
+          <mc:Fallback xmlns="">
             <p:pic>
               <p:nvPicPr>
                 <p:cNvPr id="9" name="Freihand 8">
@@ -14300,7 +14869,7 @@
                 <p:nvPr/>
               </p:nvPicPr>
               <p:blipFill>
-                <a:blip r:embed="rId13"/>
+                <a:blip r:embed="rId14"/>
                 <a:stretch>
                   <a:fillRect/>
                 </a:stretch>
@@ -14317,9 +14886,9 @@
             </p:pic>
           </mc:Fallback>
         </mc:AlternateContent>
-        <mc:AlternateContent xmlns:mc="http://schemas.openxmlformats.org/markup-compatibility/2006">
-          <mc:Choice xmlns:p14="http://schemas.microsoft.com/office/powerpoint/2010/main" Requires="p14">
-            <p:contentPart p14:bwMode="auto" r:id="rId14">
+        <mc:AlternateContent xmlns:mc="http://schemas.openxmlformats.org/markup-compatibility/2006" xmlns:p14="http://schemas.microsoft.com/office/powerpoint/2010/main">
+          <mc:Choice Requires="p14">
+            <p:contentPart p14:bwMode="auto" r:id="rId15">
               <p14:nvContentPartPr>
                 <p14:cNvPr id="10" name="Freihand 9">
                   <a:extLst>
@@ -14337,7 +14906,7 @@
               </p14:xfrm>
             </p:contentPart>
           </mc:Choice>
-          <mc:Fallback>
+          <mc:Fallback xmlns="">
             <p:pic>
               <p:nvPicPr>
                 <p:cNvPr id="10" name="Freihand 9">
@@ -14351,7 +14920,7 @@
                 <p:nvPr/>
               </p:nvPicPr>
               <p:blipFill>
-                <a:blip r:embed="rId15"/>
+                <a:blip r:embed="rId16"/>
                 <a:stretch>
                   <a:fillRect/>
                 </a:stretch>
@@ -14368,9 +14937,9 @@
             </p:pic>
           </mc:Fallback>
         </mc:AlternateContent>
-        <mc:AlternateContent xmlns:mc="http://schemas.openxmlformats.org/markup-compatibility/2006">
-          <mc:Choice xmlns:p14="http://schemas.microsoft.com/office/powerpoint/2010/main" Requires="p14">
-            <p:contentPart p14:bwMode="auto" r:id="rId16">
+        <mc:AlternateContent xmlns:mc="http://schemas.openxmlformats.org/markup-compatibility/2006" xmlns:p14="http://schemas.microsoft.com/office/powerpoint/2010/main">
+          <mc:Choice Requires="p14">
+            <p:contentPart p14:bwMode="auto" r:id="rId17">
               <p14:nvContentPartPr>
                 <p14:cNvPr id="11" name="Freihand 10">
                   <a:extLst>
@@ -14388,7 +14957,7 @@
               </p14:xfrm>
             </p:contentPart>
           </mc:Choice>
-          <mc:Fallback>
+          <mc:Fallback xmlns="">
             <p:pic>
               <p:nvPicPr>
                 <p:cNvPr id="11" name="Freihand 10">
@@ -14402,7 +14971,7 @@
                 <p:nvPr/>
               </p:nvPicPr>
               <p:blipFill>
-                <a:blip r:embed="rId17"/>
+                <a:blip r:embed="rId18"/>
                 <a:stretch>
                   <a:fillRect/>
                 </a:stretch>
@@ -14419,9 +14988,9 @@
             </p:pic>
           </mc:Fallback>
         </mc:AlternateContent>
-        <mc:AlternateContent xmlns:mc="http://schemas.openxmlformats.org/markup-compatibility/2006">
-          <mc:Choice xmlns:p14="http://schemas.microsoft.com/office/powerpoint/2010/main" Requires="p14">
-            <p:contentPart p14:bwMode="auto" r:id="rId18">
+        <mc:AlternateContent xmlns:mc="http://schemas.openxmlformats.org/markup-compatibility/2006" xmlns:p14="http://schemas.microsoft.com/office/powerpoint/2010/main">
+          <mc:Choice Requires="p14">
+            <p:contentPart p14:bwMode="auto" r:id="rId19">
               <p14:nvContentPartPr>
                 <p14:cNvPr id="12" name="Freihand 11">
                   <a:extLst>
@@ -14439,7 +15008,7 @@
               </p14:xfrm>
             </p:contentPart>
           </mc:Choice>
-          <mc:Fallback>
+          <mc:Fallback xmlns="">
             <p:pic>
               <p:nvPicPr>
                 <p:cNvPr id="12" name="Freihand 11">
@@ -14453,7 +15022,7 @@
                 <p:nvPr/>
               </p:nvPicPr>
               <p:blipFill>
-                <a:blip r:embed="rId19"/>
+                <a:blip r:embed="rId20"/>
                 <a:stretch>
                   <a:fillRect/>
                 </a:stretch>
@@ -14470,9 +15039,9 @@
             </p:pic>
           </mc:Fallback>
         </mc:AlternateContent>
-        <mc:AlternateContent xmlns:mc="http://schemas.openxmlformats.org/markup-compatibility/2006">
-          <mc:Choice xmlns:p14="http://schemas.microsoft.com/office/powerpoint/2010/main" Requires="p14">
-            <p:contentPart p14:bwMode="auto" r:id="rId20">
+        <mc:AlternateContent xmlns:mc="http://schemas.openxmlformats.org/markup-compatibility/2006" xmlns:p14="http://schemas.microsoft.com/office/powerpoint/2010/main">
+          <mc:Choice Requires="p14">
+            <p:contentPart p14:bwMode="auto" r:id="rId21">
               <p14:nvContentPartPr>
                 <p14:cNvPr id="13" name="Freihand 12">
                   <a:extLst>
@@ -14490,7 +15059,7 @@
               </p14:xfrm>
             </p:contentPart>
           </mc:Choice>
-          <mc:Fallback>
+          <mc:Fallback xmlns="">
             <p:pic>
               <p:nvPicPr>
                 <p:cNvPr id="13" name="Freihand 12">
@@ -14504,7 +15073,7 @@
                 <p:nvPr/>
               </p:nvPicPr>
               <p:blipFill>
-                <a:blip r:embed="rId21"/>
+                <a:blip r:embed="rId22"/>
                 <a:stretch>
                   <a:fillRect/>
                 </a:stretch>
@@ -14521,9 +15090,9 @@
             </p:pic>
           </mc:Fallback>
         </mc:AlternateContent>
-        <mc:AlternateContent xmlns:mc="http://schemas.openxmlformats.org/markup-compatibility/2006">
-          <mc:Choice xmlns:p14="http://schemas.microsoft.com/office/powerpoint/2010/main" Requires="p14">
-            <p:contentPart p14:bwMode="auto" r:id="rId22">
+        <mc:AlternateContent xmlns:mc="http://schemas.openxmlformats.org/markup-compatibility/2006" xmlns:p14="http://schemas.microsoft.com/office/powerpoint/2010/main">
+          <mc:Choice Requires="p14">
+            <p:contentPart p14:bwMode="auto" r:id="rId23">
               <p14:nvContentPartPr>
                 <p14:cNvPr id="15" name="Freihand 14">
                   <a:extLst>
@@ -14541,7 +15110,7 @@
               </p14:xfrm>
             </p:contentPart>
           </mc:Choice>
-          <mc:Fallback>
+          <mc:Fallback xmlns="">
             <p:pic>
               <p:nvPicPr>
                 <p:cNvPr id="15" name="Freihand 14">
@@ -14555,7 +15124,7 @@
                 <p:nvPr/>
               </p:nvPicPr>
               <p:blipFill>
-                <a:blip r:embed="rId23"/>
+                <a:blip r:embed="rId24"/>
                 <a:stretch>
                   <a:fillRect/>
                 </a:stretch>
@@ -14572,9 +15141,9 @@
             </p:pic>
           </mc:Fallback>
         </mc:AlternateContent>
-        <mc:AlternateContent xmlns:mc="http://schemas.openxmlformats.org/markup-compatibility/2006">
-          <mc:Choice xmlns:p14="http://schemas.microsoft.com/office/powerpoint/2010/main" Requires="p14">
-            <p:contentPart p14:bwMode="auto" r:id="rId24">
+        <mc:AlternateContent xmlns:mc="http://schemas.openxmlformats.org/markup-compatibility/2006" xmlns:p14="http://schemas.microsoft.com/office/powerpoint/2010/main">
+          <mc:Choice Requires="p14">
+            <p:contentPart p14:bwMode="auto" r:id="rId25">
               <p14:nvContentPartPr>
                 <p14:cNvPr id="16" name="Freihand 15">
                   <a:extLst>
@@ -14592,7 +15161,7 @@
               </p14:xfrm>
             </p:contentPart>
           </mc:Choice>
-          <mc:Fallback>
+          <mc:Fallback xmlns="">
             <p:pic>
               <p:nvPicPr>
                 <p:cNvPr id="16" name="Freihand 15">
@@ -14606,7 +15175,7 @@
                 <p:nvPr/>
               </p:nvPicPr>
               <p:blipFill>
-                <a:blip r:embed="rId25"/>
+                <a:blip r:embed="rId26"/>
                 <a:stretch>
                   <a:fillRect/>
                 </a:stretch>
@@ -14623,9 +15192,9 @@
             </p:pic>
           </mc:Fallback>
         </mc:AlternateContent>
-        <mc:AlternateContent xmlns:mc="http://schemas.openxmlformats.org/markup-compatibility/2006">
-          <mc:Choice xmlns:p14="http://schemas.microsoft.com/office/powerpoint/2010/main" Requires="p14">
-            <p:contentPart p14:bwMode="auto" r:id="rId26">
+        <mc:AlternateContent xmlns:mc="http://schemas.openxmlformats.org/markup-compatibility/2006" xmlns:p14="http://schemas.microsoft.com/office/powerpoint/2010/main">
+          <mc:Choice Requires="p14">
+            <p:contentPart p14:bwMode="auto" r:id="rId27">
               <p14:nvContentPartPr>
                 <p14:cNvPr id="17" name="Freihand 16">
                   <a:extLst>
@@ -14643,7 +15212,7 @@
               </p14:xfrm>
             </p:contentPart>
           </mc:Choice>
-          <mc:Fallback>
+          <mc:Fallback xmlns="">
             <p:pic>
               <p:nvPicPr>
                 <p:cNvPr id="17" name="Freihand 16">
@@ -14657,7 +15226,7 @@
                 <p:nvPr/>
               </p:nvPicPr>
               <p:blipFill>
-                <a:blip r:embed="rId27"/>
+                <a:blip r:embed="rId28"/>
                 <a:stretch>
                   <a:fillRect/>
                 </a:stretch>
@@ -14674,9 +15243,9 @@
             </p:pic>
           </mc:Fallback>
         </mc:AlternateContent>
-        <mc:AlternateContent xmlns:mc="http://schemas.openxmlformats.org/markup-compatibility/2006">
-          <mc:Choice xmlns:p14="http://schemas.microsoft.com/office/powerpoint/2010/main" Requires="p14">
-            <p:contentPart p14:bwMode="auto" r:id="rId28">
+        <mc:AlternateContent xmlns:mc="http://schemas.openxmlformats.org/markup-compatibility/2006" xmlns:p14="http://schemas.microsoft.com/office/powerpoint/2010/main">
+          <mc:Choice Requires="p14">
+            <p:contentPart p14:bwMode="auto" r:id="rId29">
               <p14:nvContentPartPr>
                 <p14:cNvPr id="18" name="Freihand 17">
                   <a:extLst>
@@ -14694,7 +15263,7 @@
               </p14:xfrm>
             </p:contentPart>
           </mc:Choice>
-          <mc:Fallback>
+          <mc:Fallback xmlns="">
             <p:pic>
               <p:nvPicPr>
                 <p:cNvPr id="18" name="Freihand 17">
@@ -14708,7 +15277,7 @@
                 <p:nvPr/>
               </p:nvPicPr>
               <p:blipFill>
-                <a:blip r:embed="rId29"/>
+                <a:blip r:embed="rId30"/>
                 <a:stretch>
                   <a:fillRect/>
                 </a:stretch>
@@ -14725,9 +15294,9 @@
             </p:pic>
           </mc:Fallback>
         </mc:AlternateContent>
-        <mc:AlternateContent xmlns:mc="http://schemas.openxmlformats.org/markup-compatibility/2006">
-          <mc:Choice xmlns:p14="http://schemas.microsoft.com/office/powerpoint/2010/main" Requires="p14">
-            <p:contentPart p14:bwMode="auto" r:id="rId30">
+        <mc:AlternateContent xmlns:mc="http://schemas.openxmlformats.org/markup-compatibility/2006" xmlns:p14="http://schemas.microsoft.com/office/powerpoint/2010/main">
+          <mc:Choice Requires="p14">
+            <p:contentPart p14:bwMode="auto" r:id="rId31">
               <p14:nvContentPartPr>
                 <p14:cNvPr id="19" name="Freihand 18">
                   <a:extLst>
@@ -14745,7 +15314,7 @@
               </p14:xfrm>
             </p:contentPart>
           </mc:Choice>
-          <mc:Fallback>
+          <mc:Fallback xmlns="">
             <p:pic>
               <p:nvPicPr>
                 <p:cNvPr id="19" name="Freihand 18">
@@ -14759,7 +15328,7 @@
                 <p:nvPr/>
               </p:nvPicPr>
               <p:blipFill>
-                <a:blip r:embed="rId31"/>
+                <a:blip r:embed="rId32"/>
                 <a:stretch>
                   <a:fillRect/>
                 </a:stretch>
@@ -14776,9 +15345,9 @@
             </p:pic>
           </mc:Fallback>
         </mc:AlternateContent>
-        <mc:AlternateContent xmlns:mc="http://schemas.openxmlformats.org/markup-compatibility/2006">
-          <mc:Choice xmlns:p14="http://schemas.microsoft.com/office/powerpoint/2010/main" Requires="p14">
-            <p:contentPart p14:bwMode="auto" r:id="rId32">
+        <mc:AlternateContent xmlns:mc="http://schemas.openxmlformats.org/markup-compatibility/2006" xmlns:p14="http://schemas.microsoft.com/office/powerpoint/2010/main">
+          <mc:Choice Requires="p14">
+            <p:contentPart p14:bwMode="auto" r:id="rId33">
               <p14:nvContentPartPr>
                 <p14:cNvPr id="20" name="Freihand 19">
                   <a:extLst>
@@ -14796,7 +15365,7 @@
               </p14:xfrm>
             </p:contentPart>
           </mc:Choice>
-          <mc:Fallback>
+          <mc:Fallback xmlns="">
             <p:pic>
               <p:nvPicPr>
                 <p:cNvPr id="20" name="Freihand 19">
@@ -14810,7 +15379,7 @@
                 <p:nvPr/>
               </p:nvPicPr>
               <p:blipFill>
-                <a:blip r:embed="rId33"/>
+                <a:blip r:embed="rId34"/>
                 <a:stretch>
                   <a:fillRect/>
                 </a:stretch>
@@ -14827,9 +15396,9 @@
             </p:pic>
           </mc:Fallback>
         </mc:AlternateContent>
-        <mc:AlternateContent xmlns:mc="http://schemas.openxmlformats.org/markup-compatibility/2006">
-          <mc:Choice xmlns:p14="http://schemas.microsoft.com/office/powerpoint/2010/main" Requires="p14">
-            <p:contentPart p14:bwMode="auto" r:id="rId34">
+        <mc:AlternateContent xmlns:mc="http://schemas.openxmlformats.org/markup-compatibility/2006" xmlns:p14="http://schemas.microsoft.com/office/powerpoint/2010/main">
+          <mc:Choice Requires="p14">
+            <p:contentPart p14:bwMode="auto" r:id="rId35">
               <p14:nvContentPartPr>
                 <p14:cNvPr id="21" name="Freihand 20">
                   <a:extLst>
@@ -14847,7 +15416,7 @@
               </p14:xfrm>
             </p:contentPart>
           </mc:Choice>
-          <mc:Fallback>
+          <mc:Fallback xmlns="">
             <p:pic>
               <p:nvPicPr>
                 <p:cNvPr id="21" name="Freihand 20">
@@ -14861,7 +15430,7 @@
                 <p:nvPr/>
               </p:nvPicPr>
               <p:blipFill>
-                <a:blip r:embed="rId35"/>
+                <a:blip r:embed="rId36"/>
                 <a:stretch>
                   <a:fillRect/>
                 </a:stretch>
@@ -14878,9 +15447,9 @@
             </p:pic>
           </mc:Fallback>
         </mc:AlternateContent>
-        <mc:AlternateContent xmlns:mc="http://schemas.openxmlformats.org/markup-compatibility/2006">
-          <mc:Choice xmlns:p14="http://schemas.microsoft.com/office/powerpoint/2010/main" Requires="p14">
-            <p:contentPart p14:bwMode="auto" r:id="rId36">
+        <mc:AlternateContent xmlns:mc="http://schemas.openxmlformats.org/markup-compatibility/2006" xmlns:p14="http://schemas.microsoft.com/office/powerpoint/2010/main">
+          <mc:Choice Requires="p14">
+            <p:contentPart p14:bwMode="auto" r:id="rId37">
               <p14:nvContentPartPr>
                 <p14:cNvPr id="22" name="Freihand 21">
                   <a:extLst>
@@ -14898,7 +15467,7 @@
               </p14:xfrm>
             </p:contentPart>
           </mc:Choice>
-          <mc:Fallback>
+          <mc:Fallback xmlns="">
             <p:pic>
               <p:nvPicPr>
                 <p:cNvPr id="22" name="Freihand 21">
@@ -14912,7 +15481,7 @@
                 <p:nvPr/>
               </p:nvPicPr>
               <p:blipFill>
-                <a:blip r:embed="rId37"/>
+                <a:blip r:embed="rId38"/>
                 <a:stretch>
                   <a:fillRect/>
                 </a:stretch>
@@ -14929,9 +15498,9 @@
             </p:pic>
           </mc:Fallback>
         </mc:AlternateContent>
-        <mc:AlternateContent xmlns:mc="http://schemas.openxmlformats.org/markup-compatibility/2006">
-          <mc:Choice xmlns:p14="http://schemas.microsoft.com/office/powerpoint/2010/main" Requires="p14">
-            <p:contentPart p14:bwMode="auto" r:id="rId38">
+        <mc:AlternateContent xmlns:mc="http://schemas.openxmlformats.org/markup-compatibility/2006" xmlns:p14="http://schemas.microsoft.com/office/powerpoint/2010/main">
+          <mc:Choice Requires="p14">
+            <p:contentPart p14:bwMode="auto" r:id="rId39">
               <p14:nvContentPartPr>
                 <p14:cNvPr id="23" name="Freihand 22">
                   <a:extLst>
@@ -14949,7 +15518,7 @@
               </p14:xfrm>
             </p:contentPart>
           </mc:Choice>
-          <mc:Fallback>
+          <mc:Fallback xmlns="">
             <p:pic>
               <p:nvPicPr>
                 <p:cNvPr id="23" name="Freihand 22">
@@ -14963,7 +15532,7 @@
                 <p:nvPr/>
               </p:nvPicPr>
               <p:blipFill>
-                <a:blip r:embed="rId39"/>
+                <a:blip r:embed="rId40"/>
                 <a:stretch>
                   <a:fillRect/>
                 </a:stretch>
@@ -14980,9 +15549,9 @@
             </p:pic>
           </mc:Fallback>
         </mc:AlternateContent>
-        <mc:AlternateContent xmlns:mc="http://schemas.openxmlformats.org/markup-compatibility/2006">
-          <mc:Choice xmlns:p14="http://schemas.microsoft.com/office/powerpoint/2010/main" Requires="p14">
-            <p:contentPart p14:bwMode="auto" r:id="rId40">
+        <mc:AlternateContent xmlns:mc="http://schemas.openxmlformats.org/markup-compatibility/2006" xmlns:p14="http://schemas.microsoft.com/office/powerpoint/2010/main">
+          <mc:Choice Requires="p14">
+            <p:contentPart p14:bwMode="auto" r:id="rId41">
               <p14:nvContentPartPr>
                 <p14:cNvPr id="24" name="Freihand 23">
                   <a:extLst>
@@ -15000,7 +15569,7 @@
               </p14:xfrm>
             </p:contentPart>
           </mc:Choice>
-          <mc:Fallback>
+          <mc:Fallback xmlns="">
             <p:pic>
               <p:nvPicPr>
                 <p:cNvPr id="24" name="Freihand 23">
@@ -15014,7 +15583,7 @@
                 <p:nvPr/>
               </p:nvPicPr>
               <p:blipFill>
-                <a:blip r:embed="rId41"/>
+                <a:blip r:embed="rId42"/>
                 <a:stretch>
                   <a:fillRect/>
                 </a:stretch>
@@ -15031,9 +15600,9 @@
             </p:pic>
           </mc:Fallback>
         </mc:AlternateContent>
-        <mc:AlternateContent xmlns:mc="http://schemas.openxmlformats.org/markup-compatibility/2006">
-          <mc:Choice xmlns:p14="http://schemas.microsoft.com/office/powerpoint/2010/main" Requires="p14">
-            <p:contentPart p14:bwMode="auto" r:id="rId42">
+        <mc:AlternateContent xmlns:mc="http://schemas.openxmlformats.org/markup-compatibility/2006" xmlns:p14="http://schemas.microsoft.com/office/powerpoint/2010/main">
+          <mc:Choice Requires="p14">
+            <p:contentPart p14:bwMode="auto" r:id="rId43">
               <p14:nvContentPartPr>
                 <p14:cNvPr id="25" name="Freihand 24">
                   <a:extLst>
@@ -15051,7 +15620,7 @@
               </p14:xfrm>
             </p:contentPart>
           </mc:Choice>
-          <mc:Fallback>
+          <mc:Fallback xmlns="">
             <p:pic>
               <p:nvPicPr>
                 <p:cNvPr id="25" name="Freihand 24">
@@ -15065,7 +15634,7 @@
                 <p:nvPr/>
               </p:nvPicPr>
               <p:blipFill>
-                <a:blip r:embed="rId43"/>
+                <a:blip r:embed="rId44"/>
                 <a:stretch>
                   <a:fillRect/>
                 </a:stretch>
@@ -15082,9 +15651,9 @@
             </p:pic>
           </mc:Fallback>
         </mc:AlternateContent>
-        <mc:AlternateContent xmlns:mc="http://schemas.openxmlformats.org/markup-compatibility/2006">
-          <mc:Choice xmlns:p14="http://schemas.microsoft.com/office/powerpoint/2010/main" Requires="p14">
-            <p:contentPart p14:bwMode="auto" r:id="rId44">
+        <mc:AlternateContent xmlns:mc="http://schemas.openxmlformats.org/markup-compatibility/2006" xmlns:p14="http://schemas.microsoft.com/office/powerpoint/2010/main">
+          <mc:Choice Requires="p14">
+            <p:contentPart p14:bwMode="auto" r:id="rId45">
               <p14:nvContentPartPr>
                 <p14:cNvPr id="26" name="Freihand 25">
                   <a:extLst>
@@ -15102,7 +15671,7 @@
               </p14:xfrm>
             </p:contentPart>
           </mc:Choice>
-          <mc:Fallback>
+          <mc:Fallback xmlns="">
             <p:pic>
               <p:nvPicPr>
                 <p:cNvPr id="26" name="Freihand 25">
@@ -15116,7 +15685,7 @@
                 <p:nvPr/>
               </p:nvPicPr>
               <p:blipFill>
-                <a:blip r:embed="rId45"/>
+                <a:blip r:embed="rId46"/>
                 <a:stretch>
                   <a:fillRect/>
                 </a:stretch>
@@ -15133,9 +15702,9 @@
             </p:pic>
           </mc:Fallback>
         </mc:AlternateContent>
-        <mc:AlternateContent xmlns:mc="http://schemas.openxmlformats.org/markup-compatibility/2006">
-          <mc:Choice xmlns:p14="http://schemas.microsoft.com/office/powerpoint/2010/main" Requires="p14">
-            <p:contentPart p14:bwMode="auto" r:id="rId46">
+        <mc:AlternateContent xmlns:mc="http://schemas.openxmlformats.org/markup-compatibility/2006" xmlns:p14="http://schemas.microsoft.com/office/powerpoint/2010/main">
+          <mc:Choice Requires="p14">
+            <p:contentPart p14:bwMode="auto" r:id="rId47">
               <p14:nvContentPartPr>
                 <p14:cNvPr id="27" name="Freihand 26">
                   <a:extLst>
@@ -15153,7 +15722,7 @@
               </p14:xfrm>
             </p:contentPart>
           </mc:Choice>
-          <mc:Fallback>
+          <mc:Fallback xmlns="">
             <p:pic>
               <p:nvPicPr>
                 <p:cNvPr id="27" name="Freihand 26">
@@ -15167,7 +15736,7 @@
                 <p:nvPr/>
               </p:nvPicPr>
               <p:blipFill>
-                <a:blip r:embed="rId47"/>
+                <a:blip r:embed="rId48"/>
                 <a:stretch>
                   <a:fillRect/>
                 </a:stretch>
@@ -15184,9 +15753,9 @@
             </p:pic>
           </mc:Fallback>
         </mc:AlternateContent>
-        <mc:AlternateContent xmlns:mc="http://schemas.openxmlformats.org/markup-compatibility/2006">
-          <mc:Choice xmlns:p14="http://schemas.microsoft.com/office/powerpoint/2010/main" Requires="p14">
-            <p:contentPart p14:bwMode="auto" r:id="rId48">
+        <mc:AlternateContent xmlns:mc="http://schemas.openxmlformats.org/markup-compatibility/2006" xmlns:p14="http://schemas.microsoft.com/office/powerpoint/2010/main">
+          <mc:Choice Requires="p14">
+            <p:contentPart p14:bwMode="auto" r:id="rId49">
               <p14:nvContentPartPr>
                 <p14:cNvPr id="28" name="Freihand 27">
                   <a:extLst>
@@ -15204,7 +15773,7 @@
               </p14:xfrm>
             </p:contentPart>
           </mc:Choice>
-          <mc:Fallback>
+          <mc:Fallback xmlns="">
             <p:pic>
               <p:nvPicPr>
                 <p:cNvPr id="28" name="Freihand 27">
@@ -15218,7 +15787,7 @@
                 <p:nvPr/>
               </p:nvPicPr>
               <p:blipFill>
-                <a:blip r:embed="rId49"/>
+                <a:blip r:embed="rId50"/>
                 <a:stretch>
                   <a:fillRect/>
                 </a:stretch>
@@ -15235,9 +15804,9 @@
             </p:pic>
           </mc:Fallback>
         </mc:AlternateContent>
-        <mc:AlternateContent xmlns:mc="http://schemas.openxmlformats.org/markup-compatibility/2006">
-          <mc:Choice xmlns:p14="http://schemas.microsoft.com/office/powerpoint/2010/main" Requires="p14">
-            <p:contentPart p14:bwMode="auto" r:id="rId50">
+        <mc:AlternateContent xmlns:mc="http://schemas.openxmlformats.org/markup-compatibility/2006" xmlns:p14="http://schemas.microsoft.com/office/powerpoint/2010/main">
+          <mc:Choice Requires="p14">
+            <p:contentPart p14:bwMode="auto" r:id="rId51">
               <p14:nvContentPartPr>
                 <p14:cNvPr id="29" name="Freihand 28">
                   <a:extLst>
@@ -15255,7 +15824,7 @@
               </p14:xfrm>
             </p:contentPart>
           </mc:Choice>
-          <mc:Fallback>
+          <mc:Fallback xmlns="">
             <p:pic>
               <p:nvPicPr>
                 <p:cNvPr id="29" name="Freihand 28">
@@ -15269,7 +15838,7 @@
                 <p:nvPr/>
               </p:nvPicPr>
               <p:blipFill>
-                <a:blip r:embed="rId51"/>
+                <a:blip r:embed="rId52"/>
                 <a:stretch>
                   <a:fillRect/>
                 </a:stretch>
@@ -15286,9 +15855,9 @@
             </p:pic>
           </mc:Fallback>
         </mc:AlternateContent>
-        <mc:AlternateContent xmlns:mc="http://schemas.openxmlformats.org/markup-compatibility/2006">
-          <mc:Choice xmlns:p14="http://schemas.microsoft.com/office/powerpoint/2010/main" Requires="p14">
-            <p:contentPart p14:bwMode="auto" r:id="rId52">
+        <mc:AlternateContent xmlns:mc="http://schemas.openxmlformats.org/markup-compatibility/2006" xmlns:p14="http://schemas.microsoft.com/office/powerpoint/2010/main">
+          <mc:Choice Requires="p14">
+            <p:contentPart p14:bwMode="auto" r:id="rId53">
               <p14:nvContentPartPr>
                 <p14:cNvPr id="30" name="Freihand 29">
                   <a:extLst>
@@ -15306,7 +15875,7 @@
               </p14:xfrm>
             </p:contentPart>
           </mc:Choice>
-          <mc:Fallback>
+          <mc:Fallback xmlns="">
             <p:pic>
               <p:nvPicPr>
                 <p:cNvPr id="30" name="Freihand 29">
@@ -15320,7 +15889,7 @@
                 <p:nvPr/>
               </p:nvPicPr>
               <p:blipFill>
-                <a:blip r:embed="rId53"/>
+                <a:blip r:embed="rId54"/>
                 <a:stretch>
                   <a:fillRect/>
                 </a:stretch>
@@ -15337,9 +15906,9 @@
             </p:pic>
           </mc:Fallback>
         </mc:AlternateContent>
-        <mc:AlternateContent xmlns:mc="http://schemas.openxmlformats.org/markup-compatibility/2006">
-          <mc:Choice xmlns:p14="http://schemas.microsoft.com/office/powerpoint/2010/main" Requires="p14">
-            <p:contentPart p14:bwMode="auto" r:id="rId54">
+        <mc:AlternateContent xmlns:mc="http://schemas.openxmlformats.org/markup-compatibility/2006" xmlns:p14="http://schemas.microsoft.com/office/powerpoint/2010/main">
+          <mc:Choice Requires="p14">
+            <p:contentPart p14:bwMode="auto" r:id="rId55">
               <p14:nvContentPartPr>
                 <p14:cNvPr id="31" name="Freihand 30">
                   <a:extLst>
@@ -15357,7 +15926,7 @@
               </p14:xfrm>
             </p:contentPart>
           </mc:Choice>
-          <mc:Fallback>
+          <mc:Fallback xmlns="">
             <p:pic>
               <p:nvPicPr>
                 <p:cNvPr id="31" name="Freihand 30">
@@ -15371,7 +15940,7 @@
                 <p:nvPr/>
               </p:nvPicPr>
               <p:blipFill>
-                <a:blip r:embed="rId55"/>
+                <a:blip r:embed="rId56"/>
                 <a:stretch>
                   <a:fillRect/>
                 </a:stretch>
@@ -15388,9 +15957,9 @@
             </p:pic>
           </mc:Fallback>
         </mc:AlternateContent>
-        <mc:AlternateContent xmlns:mc="http://schemas.openxmlformats.org/markup-compatibility/2006">
-          <mc:Choice xmlns:p14="http://schemas.microsoft.com/office/powerpoint/2010/main" Requires="p14">
-            <p:contentPart p14:bwMode="auto" r:id="rId56">
+        <mc:AlternateContent xmlns:mc="http://schemas.openxmlformats.org/markup-compatibility/2006" xmlns:p14="http://schemas.microsoft.com/office/powerpoint/2010/main">
+          <mc:Choice Requires="p14">
+            <p:contentPart p14:bwMode="auto" r:id="rId57">
               <p14:nvContentPartPr>
                 <p14:cNvPr id="32" name="Freihand 31">
                   <a:extLst>
@@ -15408,7 +15977,7 @@
               </p14:xfrm>
             </p:contentPart>
           </mc:Choice>
-          <mc:Fallback>
+          <mc:Fallback xmlns="">
             <p:pic>
               <p:nvPicPr>
                 <p:cNvPr id="32" name="Freihand 31">
@@ -15422,7 +15991,7 @@
                 <p:nvPr/>
               </p:nvPicPr>
               <p:blipFill>
-                <a:blip r:embed="rId57"/>
+                <a:blip r:embed="rId58"/>
                 <a:stretch>
                   <a:fillRect/>
                 </a:stretch>
@@ -15532,7 +16101,7 @@
           <p:nvPr>
             <p:extLst>
               <p:ext uri="{D42A27DB-BD31-4B8C-83A1-F6EECF244321}">
-                <p14:modId xmlns:p14="http://schemas.microsoft.com/office/powerpoint/2010/main" val="3881768923"/>
+                <p14:modId xmlns:p14="http://schemas.microsoft.com/office/powerpoint/2010/main" val="61552017"/>
               </p:ext>
             </p:extLst>
           </p:nvPr>
@@ -16157,7 +16726,7 @@
                     <a:p>
                       <a:r>
                         <a:rPr lang="de-CH" dirty="0" err="1"/>
-                        <a:t>melection-coefficient</a:t>
+                        <a:t>selection-coefficient</a:t>
                       </a:r>
                       <a:r>
                         <a:rPr lang="de-CH" dirty="0"/>
@@ -16556,7 +17125,7 @@
           <p:nvPr/>
         </p:nvPicPr>
         <p:blipFill>
-          <a:blip r:embed="rId2"/>
+          <a:blip r:embed="rId3"/>
           <a:stretch>
             <a:fillRect/>
           </a:stretch>
@@ -16586,7 +17155,7 @@
           <p:nvPr/>
         </p:nvPicPr>
         <p:blipFill>
-          <a:blip r:embed="rId3"/>
+          <a:blip r:embed="rId4"/>
           <a:stretch>
             <a:fillRect/>
           </a:stretch>

--- a/THEE_project.pptx
+++ b/THEE_project.pptx
@@ -1923,17 +1923,6 @@
         </a:p>
       </dgm:t>
     </dgm:pt>
-    <dgm:pt modelId="{1D024D4C-B68C-4D4D-ADC0-EB1B83FF6FA4}" type="parTrans" cxnId="{063D0E61-22DC-44F4-A0AE-6DBC889CC026}">
-      <dgm:prSet/>
-      <dgm:spPr/>
-      <dgm:t>
-        <a:bodyPr/>
-        <a:lstStyle/>
-        <a:p>
-          <a:endParaRPr lang="en-US"/>
-        </a:p>
-      </dgm:t>
-    </dgm:pt>
     <dgm:pt modelId="{CF091932-A4F2-483C-BBD3-176346E52478}" type="sibTrans" cxnId="{063D0E61-22DC-44F4-A0AE-6DBC889CC026}">
       <dgm:prSet/>
       <dgm:spPr/>
@@ -1945,39 +1934,7 @@
         </a:p>
       </dgm:t>
     </dgm:pt>
-    <dgm:pt modelId="{ECCD8D72-B279-471E-A87E-86BE0817D0D8}">
-      <dgm:prSet/>
-      <dgm:spPr/>
-      <dgm:t>
-        <a:bodyPr/>
-        <a:lstStyle/>
-        <a:p>
-          <a:pPr>
-            <a:lnSpc>
-              <a:spcPct val="100000"/>
-            </a:lnSpc>
-            <a:defRPr cap="all"/>
-          </a:pPr>
-          <a:r>
-            <a:rPr lang="de-CH"/>
-            <a:t>Biological applications</a:t>
-          </a:r>
-          <a:endParaRPr lang="en-US"/>
-        </a:p>
-      </dgm:t>
-    </dgm:pt>
-    <dgm:pt modelId="{3E02056E-91C7-4EC2-BF37-6727140DCD81}" type="parTrans" cxnId="{0B0C04E3-4AEE-48B3-A1AB-E912B729A6B4}">
-      <dgm:prSet/>
-      <dgm:spPr/>
-      <dgm:t>
-        <a:bodyPr/>
-        <a:lstStyle/>
-        <a:p>
-          <a:endParaRPr lang="en-US"/>
-        </a:p>
-      </dgm:t>
-    </dgm:pt>
-    <dgm:pt modelId="{A0E777A8-DDD8-4B9C-BFB9-398B55444E23}" type="sibTrans" cxnId="{0B0C04E3-4AEE-48B3-A1AB-E912B729A6B4}">
+    <dgm:pt modelId="{1D024D4C-B68C-4D4D-ADC0-EB1B83FF6FA4}" type="parTrans" cxnId="{063D0E61-22DC-44F4-A0AE-6DBC889CC026}">
       <dgm:prSet/>
       <dgm:spPr/>
       <dgm:t>
@@ -2002,7 +1959,7 @@
       <dgm:spPr/>
     </dgm:pt>
     <dgm:pt modelId="{18B11511-9B0E-4229-A0DA-1AB6B1E6DFE0}" type="pres">
-      <dgm:prSet presAssocID="{D986397A-BAE1-461A-BA09-574401FA0E03}" presName="iconBgRect" presStyleLbl="bgShp" presStyleIdx="0" presStyleCnt="4"/>
+      <dgm:prSet presAssocID="{D986397A-BAE1-461A-BA09-574401FA0E03}" presName="iconBgRect" presStyleLbl="bgShp" presStyleIdx="0" presStyleCnt="3"/>
       <dgm:spPr>
         <a:prstGeom prst="round2DiagRect">
           <a:avLst>
@@ -2013,7 +1970,7 @@
       </dgm:spPr>
     </dgm:pt>
     <dgm:pt modelId="{9E5042B6-5413-49C1-BC97-AD21AB5D97B8}" type="pres">
-      <dgm:prSet presAssocID="{D986397A-BAE1-461A-BA09-574401FA0E03}" presName="iconRect" presStyleLbl="node1" presStyleIdx="0" presStyleCnt="4"/>
+      <dgm:prSet presAssocID="{D986397A-BAE1-461A-BA09-574401FA0E03}" presName="iconRect" presStyleLbl="node1" presStyleIdx="0" presStyleCnt="3"/>
       <dgm:spPr>
         <a:blipFill>
           <a:blip xmlns:r="http://schemas.openxmlformats.org/officeDocument/2006/relationships" r:embed="rId1">
@@ -2045,7 +2002,7 @@
       <dgm:spPr/>
     </dgm:pt>
     <dgm:pt modelId="{B4832C2B-AD2F-4848-8256-80A73FAA2C0F}" type="pres">
-      <dgm:prSet presAssocID="{D986397A-BAE1-461A-BA09-574401FA0E03}" presName="textRect" presStyleLbl="revTx" presStyleIdx="0" presStyleCnt="4">
+      <dgm:prSet presAssocID="{D986397A-BAE1-461A-BA09-574401FA0E03}" presName="textRect" presStyleLbl="revTx" presStyleIdx="0" presStyleCnt="3">
         <dgm:presLayoutVars>
           <dgm:chMax val="1"/>
           <dgm:chPref val="1"/>
@@ -2062,7 +2019,7 @@
       <dgm:spPr/>
     </dgm:pt>
     <dgm:pt modelId="{89DF4E45-6CD0-442C-BFF3-38BF6EF6FD0C}" type="pres">
-      <dgm:prSet presAssocID="{AA616A56-8FF5-4016-B64E-63EB3166A0AA}" presName="iconBgRect" presStyleLbl="bgShp" presStyleIdx="1" presStyleCnt="4"/>
+      <dgm:prSet presAssocID="{AA616A56-8FF5-4016-B64E-63EB3166A0AA}" presName="iconBgRect" presStyleLbl="bgShp" presStyleIdx="1" presStyleCnt="3"/>
       <dgm:spPr>
         <a:prstGeom prst="round2DiagRect">
           <a:avLst>
@@ -2073,7 +2030,7 @@
       </dgm:spPr>
     </dgm:pt>
     <dgm:pt modelId="{C765938B-74E1-486A-8C4C-F581342757DB}" type="pres">
-      <dgm:prSet presAssocID="{AA616A56-8FF5-4016-B64E-63EB3166A0AA}" presName="iconRect" presStyleLbl="node1" presStyleIdx="1" presStyleCnt="4"/>
+      <dgm:prSet presAssocID="{AA616A56-8FF5-4016-B64E-63EB3166A0AA}" presName="iconRect" presStyleLbl="node1" presStyleIdx="1" presStyleCnt="3"/>
       <dgm:spPr>
         <a:blipFill>
           <a:blip xmlns:r="http://schemas.openxmlformats.org/officeDocument/2006/relationships" r:embed="rId3">
@@ -2105,7 +2062,7 @@
       <dgm:spPr/>
     </dgm:pt>
     <dgm:pt modelId="{6532EBAB-59F8-47B2-ACF8-031A641C8E0E}" type="pres">
-      <dgm:prSet presAssocID="{AA616A56-8FF5-4016-B64E-63EB3166A0AA}" presName="textRect" presStyleLbl="revTx" presStyleIdx="1" presStyleCnt="4">
+      <dgm:prSet presAssocID="{AA616A56-8FF5-4016-B64E-63EB3166A0AA}" presName="textRect" presStyleLbl="revTx" presStyleIdx="1" presStyleCnt="3">
         <dgm:presLayoutVars>
           <dgm:chMax val="1"/>
           <dgm:chPref val="1"/>
@@ -2122,7 +2079,7 @@
       <dgm:spPr/>
     </dgm:pt>
     <dgm:pt modelId="{7AE36B9E-A167-46DF-B0F1-B4ABF982681E}" type="pres">
-      <dgm:prSet presAssocID="{C2FFF8A1-3D42-4BDF-A997-611E90889DF0}" presName="iconBgRect" presStyleLbl="bgShp" presStyleIdx="2" presStyleCnt="4"/>
+      <dgm:prSet presAssocID="{C2FFF8A1-3D42-4BDF-A997-611E90889DF0}" presName="iconBgRect" presStyleLbl="bgShp" presStyleIdx="2" presStyleCnt="3"/>
       <dgm:spPr>
         <a:prstGeom prst="round2DiagRect">
           <a:avLst>
@@ -2133,7 +2090,7 @@
       </dgm:spPr>
     </dgm:pt>
     <dgm:pt modelId="{3B1DCC9A-41EA-47CD-965B-8CFEBAEB2D9C}" type="pres">
-      <dgm:prSet presAssocID="{C2FFF8A1-3D42-4BDF-A997-611E90889DF0}" presName="iconRect" presStyleLbl="node1" presStyleIdx="2" presStyleCnt="4"/>
+      <dgm:prSet presAssocID="{C2FFF8A1-3D42-4BDF-A997-611E90889DF0}" presName="iconRect" presStyleLbl="node1" presStyleIdx="2" presStyleCnt="3"/>
       <dgm:spPr>
         <a:blipFill>
           <a:blip xmlns:r="http://schemas.openxmlformats.org/officeDocument/2006/relationships" r:embed="rId5">
@@ -2165,67 +2122,7 @@
       <dgm:spPr/>
     </dgm:pt>
     <dgm:pt modelId="{CF67B3A7-EB03-4A28-89B7-C701B4F39277}" type="pres">
-      <dgm:prSet presAssocID="{C2FFF8A1-3D42-4BDF-A997-611E90889DF0}" presName="textRect" presStyleLbl="revTx" presStyleIdx="2" presStyleCnt="4">
-        <dgm:presLayoutVars>
-          <dgm:chMax val="1"/>
-          <dgm:chPref val="1"/>
-        </dgm:presLayoutVars>
-      </dgm:prSet>
-      <dgm:spPr/>
-    </dgm:pt>
-    <dgm:pt modelId="{7D3DE6A9-ADEF-4F20-AA28-17EE3ACA42CD}" type="pres">
-      <dgm:prSet presAssocID="{CF091932-A4F2-483C-BBD3-176346E52478}" presName="sibTrans" presStyleCnt="0"/>
-      <dgm:spPr/>
-    </dgm:pt>
-    <dgm:pt modelId="{6B35C88F-15CB-4A77-A1D4-40AEDF5A48A6}" type="pres">
-      <dgm:prSet presAssocID="{ECCD8D72-B279-471E-A87E-86BE0817D0D8}" presName="compNode" presStyleCnt="0"/>
-      <dgm:spPr/>
-    </dgm:pt>
-    <dgm:pt modelId="{9693ED17-E8AE-4553-88A4-30B1A2713F2A}" type="pres">
-      <dgm:prSet presAssocID="{ECCD8D72-B279-471E-A87E-86BE0817D0D8}" presName="iconBgRect" presStyleLbl="bgShp" presStyleIdx="3" presStyleCnt="4"/>
-      <dgm:spPr>
-        <a:prstGeom prst="round2DiagRect">
-          <a:avLst>
-            <a:gd name="adj1" fmla="val 29727"/>
-            <a:gd name="adj2" fmla="val 0"/>
-          </a:avLst>
-        </a:prstGeom>
-      </dgm:spPr>
-    </dgm:pt>
-    <dgm:pt modelId="{9CF71C80-CE95-4D88-8F39-06B3BBF1EBAE}" type="pres">
-      <dgm:prSet presAssocID="{ECCD8D72-B279-471E-A87E-86BE0817D0D8}" presName="iconRect" presStyleLbl="node1" presStyleIdx="3" presStyleCnt="4"/>
-      <dgm:spPr>
-        <a:blipFill>
-          <a:blip xmlns:r="http://schemas.openxmlformats.org/officeDocument/2006/relationships" r:embed="rId7">
-            <a:extLst>
-              <a:ext uri="{28A0092B-C50C-407E-A947-70E740481C1C}">
-                <a14:useLocalDpi xmlns:a14="http://schemas.microsoft.com/office/drawing/2010/main" val="0"/>
-              </a:ext>
-              <a:ext uri="{96DAC541-7B7A-43D3-8B79-37D633B846F1}">
-                <asvg:svgBlip xmlns:asvg="http://schemas.microsoft.com/office/drawing/2016/SVG/main" r:embed="rId8"/>
-              </a:ext>
-            </a:extLst>
-          </a:blip>
-          <a:stretch>
-            <a:fillRect/>
-          </a:stretch>
-        </a:blipFill>
-        <a:ln>
-          <a:noFill/>
-        </a:ln>
-      </dgm:spPr>
-      <dgm:extLst>
-        <a:ext uri="{E40237B7-FDA0-4F09-8148-C483321AD2D9}">
-          <dgm14:cNvPr xmlns:dgm14="http://schemas.microsoft.com/office/drawing/2010/diagram" id="0" name="" descr="DNA"/>
-        </a:ext>
-      </dgm:extLst>
-    </dgm:pt>
-    <dgm:pt modelId="{B6A25BC1-EB39-4303-8EC4-12A24BEF0FBC}" type="pres">
-      <dgm:prSet presAssocID="{ECCD8D72-B279-471E-A87E-86BE0817D0D8}" presName="spaceRect" presStyleCnt="0"/>
-      <dgm:spPr/>
-    </dgm:pt>
-    <dgm:pt modelId="{AEB7A81B-4B9F-4940-A404-BE78BC85D3D8}" type="pres">
-      <dgm:prSet presAssocID="{ECCD8D72-B279-471E-A87E-86BE0817D0D8}" presName="textRect" presStyleLbl="revTx" presStyleIdx="3" presStyleCnt="4">
+      <dgm:prSet presAssocID="{C2FFF8A1-3D42-4BDF-A997-611E90889DF0}" presName="textRect" presStyleLbl="revTx" presStyleIdx="2" presStyleCnt="3">
         <dgm:presLayoutVars>
           <dgm:chMax val="1"/>
           <dgm:chPref val="1"/>
@@ -2237,11 +2134,9 @@
   <dgm:cxnLst>
     <dgm:cxn modelId="{871B251C-9269-40D7-AA5C-1723F75EEA4E}" type="presOf" srcId="{C2FFF8A1-3D42-4BDF-A997-611E90889DF0}" destId="{CF67B3A7-EB03-4A28-89B7-C701B4F39277}" srcOrd="0" destOrd="0" presId="urn:microsoft.com/office/officeart/2018/5/layout/IconLeafLabelList"/>
     <dgm:cxn modelId="{063D0E61-22DC-44F4-A0AE-6DBC889CC026}" srcId="{573B30E6-20DD-429D-BFC8-5FF9A2401724}" destId="{C2FFF8A1-3D42-4BDF-A997-611E90889DF0}" srcOrd="2" destOrd="0" parTransId="{1D024D4C-B68C-4D4D-ADC0-EB1B83FF6FA4}" sibTransId="{CF091932-A4F2-483C-BBD3-176346E52478}"/>
-    <dgm:cxn modelId="{C45C1B47-79CE-4CBC-9635-2471D4E1AC22}" type="presOf" srcId="{ECCD8D72-B279-471E-A87E-86BE0817D0D8}" destId="{AEB7A81B-4B9F-4940-A404-BE78BC85D3D8}" srcOrd="0" destOrd="0" presId="urn:microsoft.com/office/officeart/2018/5/layout/IconLeafLabelList"/>
     <dgm:cxn modelId="{9F8A6E6E-60DD-481F-B97E-51041FF9654D}" srcId="{573B30E6-20DD-429D-BFC8-5FF9A2401724}" destId="{D986397A-BAE1-461A-BA09-574401FA0E03}" srcOrd="0" destOrd="0" parTransId="{45D15CDB-E319-41FE-8A01-502062F0F304}" sibTransId="{5FBA19A9-9EEA-443E-9201-45615173340E}"/>
     <dgm:cxn modelId="{3E021671-2677-42DB-B9A4-52508ACE867D}" type="presOf" srcId="{AA616A56-8FF5-4016-B64E-63EB3166A0AA}" destId="{6532EBAB-59F8-47B2-ACF8-031A641C8E0E}" srcOrd="0" destOrd="0" presId="urn:microsoft.com/office/officeart/2018/5/layout/IconLeafLabelList"/>
     <dgm:cxn modelId="{9840F2DE-918F-4780-9DD9-04496C795A43}" type="presOf" srcId="{D986397A-BAE1-461A-BA09-574401FA0E03}" destId="{B4832C2B-AD2F-4848-8256-80A73FAA2C0F}" srcOrd="0" destOrd="0" presId="urn:microsoft.com/office/officeart/2018/5/layout/IconLeafLabelList"/>
-    <dgm:cxn modelId="{0B0C04E3-4AEE-48B3-A1AB-E912B729A6B4}" srcId="{573B30E6-20DD-429D-BFC8-5FF9A2401724}" destId="{ECCD8D72-B279-471E-A87E-86BE0817D0D8}" srcOrd="3" destOrd="0" parTransId="{3E02056E-91C7-4EC2-BF37-6727140DCD81}" sibTransId="{A0E777A8-DDD8-4B9C-BFB9-398B55444E23}"/>
     <dgm:cxn modelId="{75E9C2E4-FB08-4525-BE8E-04DE5742ACD1}" srcId="{573B30E6-20DD-429D-BFC8-5FF9A2401724}" destId="{AA616A56-8FF5-4016-B64E-63EB3166A0AA}" srcOrd="1" destOrd="0" parTransId="{7583F6D3-47A8-46EC-9846-2BF55DFC3617}" sibTransId="{98AB26B6-645B-4999-921C-12C257FAB812}"/>
     <dgm:cxn modelId="{E3F822F8-B4E7-4FC3-BA47-447396D3CB53}" type="presOf" srcId="{573B30E6-20DD-429D-BFC8-5FF9A2401724}" destId="{EB3E9B66-B292-4A77-B812-89A54B331C63}" srcOrd="0" destOrd="0" presId="urn:microsoft.com/office/officeart/2018/5/layout/IconLeafLabelList"/>
     <dgm:cxn modelId="{D43D6432-43F9-412D-856A-ADC33E7E2FD6}" type="presParOf" srcId="{EB3E9B66-B292-4A77-B812-89A54B331C63}" destId="{F9E19EBA-7194-4B7E-ADCD-94CA1A481C60}" srcOrd="0" destOrd="0" presId="urn:microsoft.com/office/officeart/2018/5/layout/IconLeafLabelList"/>
@@ -2261,12 +2156,6 @@
     <dgm:cxn modelId="{4B1FDE05-421C-4DD7-A43F-36EE01D2E0B7}" type="presParOf" srcId="{75AFF167-F7FC-4575-B059-20336CB5819B}" destId="{3B1DCC9A-41EA-47CD-965B-8CFEBAEB2D9C}" srcOrd="1" destOrd="0" presId="urn:microsoft.com/office/officeart/2018/5/layout/IconLeafLabelList"/>
     <dgm:cxn modelId="{14309200-E5CA-49F7-B6D8-B3008BA78166}" type="presParOf" srcId="{75AFF167-F7FC-4575-B059-20336CB5819B}" destId="{867445C6-4234-4A68-96B5-294B38EFF173}" srcOrd="2" destOrd="0" presId="urn:microsoft.com/office/officeart/2018/5/layout/IconLeafLabelList"/>
     <dgm:cxn modelId="{8AE33598-F905-456F-8B13-C23DD5E83E2E}" type="presParOf" srcId="{75AFF167-F7FC-4575-B059-20336CB5819B}" destId="{CF67B3A7-EB03-4A28-89B7-C701B4F39277}" srcOrd="3" destOrd="0" presId="urn:microsoft.com/office/officeart/2018/5/layout/IconLeafLabelList"/>
-    <dgm:cxn modelId="{25861A0D-CFCE-4764-A536-44B657638B59}" type="presParOf" srcId="{EB3E9B66-B292-4A77-B812-89A54B331C63}" destId="{7D3DE6A9-ADEF-4F20-AA28-17EE3ACA42CD}" srcOrd="5" destOrd="0" presId="urn:microsoft.com/office/officeart/2018/5/layout/IconLeafLabelList"/>
-    <dgm:cxn modelId="{0AC7D801-D0A5-477D-B553-25F92DCA207E}" type="presParOf" srcId="{EB3E9B66-B292-4A77-B812-89A54B331C63}" destId="{6B35C88F-15CB-4A77-A1D4-40AEDF5A48A6}" srcOrd="6" destOrd="0" presId="urn:microsoft.com/office/officeart/2018/5/layout/IconLeafLabelList"/>
-    <dgm:cxn modelId="{69EFE1D8-AC37-4162-B186-D4C899251A4C}" type="presParOf" srcId="{6B35C88F-15CB-4A77-A1D4-40AEDF5A48A6}" destId="{9693ED17-E8AE-4553-88A4-30B1A2713F2A}" srcOrd="0" destOrd="0" presId="urn:microsoft.com/office/officeart/2018/5/layout/IconLeafLabelList"/>
-    <dgm:cxn modelId="{D09C4DAE-D537-43AE-81D7-F5DC3235DAFF}" type="presParOf" srcId="{6B35C88F-15CB-4A77-A1D4-40AEDF5A48A6}" destId="{9CF71C80-CE95-4D88-8F39-06B3BBF1EBAE}" srcOrd="1" destOrd="0" presId="urn:microsoft.com/office/officeart/2018/5/layout/IconLeafLabelList"/>
-    <dgm:cxn modelId="{CCC5041A-C14A-4D76-BC78-34C2FFE668A1}" type="presParOf" srcId="{6B35C88F-15CB-4A77-A1D4-40AEDF5A48A6}" destId="{B6A25BC1-EB39-4303-8EC4-12A24BEF0FBC}" srcOrd="2" destOrd="0" presId="urn:microsoft.com/office/officeart/2018/5/layout/IconLeafLabelList"/>
-    <dgm:cxn modelId="{753D6B93-C2B8-4B0A-9ABA-71AC67B7A012}" type="presParOf" srcId="{6B35C88F-15CB-4A77-A1D4-40AEDF5A48A6}" destId="{AEB7A81B-4B9F-4940-A404-BE78BC85D3D8}" srcOrd="3" destOrd="0" presId="urn:microsoft.com/office/officeart/2018/5/layout/IconLeafLabelList"/>
   </dgm:cxnLst>
   <dgm:bg/>
   <dgm:whole/>
@@ -2596,8 +2485,8 @@
       </dsp:nvSpPr>
       <dsp:spPr>
         <a:xfrm>
-          <a:off x="849772" y="981726"/>
-          <a:ext cx="1258737" cy="1258737"/>
+          <a:off x="620567" y="592127"/>
+          <a:ext cx="1852875" cy="1852875"/>
         </a:xfrm>
         <a:prstGeom prst="round2DiagRect">
           <a:avLst>
@@ -2638,8 +2527,8 @@
       </dsp:nvSpPr>
       <dsp:spPr>
         <a:xfrm>
-          <a:off x="1118028" y="1249981"/>
-          <a:ext cx="722226" cy="722226"/>
+          <a:off x="1015443" y="987002"/>
+          <a:ext cx="1063125" cy="1063125"/>
         </a:xfrm>
         <a:prstGeom prst="rect">
           <a:avLst/>
@@ -2688,8 +2577,8 @@
       </dsp:nvSpPr>
       <dsp:spPr>
         <a:xfrm>
-          <a:off x="447389" y="2632529"/>
-          <a:ext cx="2063504" cy="720000"/>
+          <a:off x="28255" y="3022128"/>
+          <a:ext cx="3037500" cy="720000"/>
         </a:xfrm>
         <a:prstGeom prst="rect">
           <a:avLst/>
@@ -2743,8 +2632,8 @@
         </a:p>
       </dsp:txBody>
       <dsp:txXfrm>
-        <a:off x="447389" y="2632529"/>
-        <a:ext cx="2063504" cy="720000"/>
+        <a:off x="28255" y="3022128"/>
+        <a:ext cx="3037500" cy="720000"/>
       </dsp:txXfrm>
     </dsp:sp>
     <dsp:sp modelId="{89DF4E45-6CD0-442C-BFF3-38BF6EF6FD0C}">
@@ -2754,8 +2643,8 @@
       </dsp:nvSpPr>
       <dsp:spPr>
         <a:xfrm>
-          <a:off x="3274390" y="981726"/>
-          <a:ext cx="1258737" cy="1258737"/>
+          <a:off x="4189630" y="592127"/>
+          <a:ext cx="1852875" cy="1852875"/>
         </a:xfrm>
         <a:prstGeom prst="round2DiagRect">
           <a:avLst>
@@ -2796,8 +2685,8 @@
       </dsp:nvSpPr>
       <dsp:spPr>
         <a:xfrm>
-          <a:off x="3542646" y="1249981"/>
-          <a:ext cx="722226" cy="722226"/>
+          <a:off x="4584505" y="987002"/>
+          <a:ext cx="1063125" cy="1063125"/>
         </a:xfrm>
         <a:prstGeom prst="rect">
           <a:avLst/>
@@ -2846,8 +2735,8 @@
       </dsp:nvSpPr>
       <dsp:spPr>
         <a:xfrm>
-          <a:off x="2872007" y="2632529"/>
-          <a:ext cx="2063504" cy="720000"/>
+          <a:off x="3597318" y="3022128"/>
+          <a:ext cx="3037500" cy="720000"/>
         </a:xfrm>
         <a:prstGeom prst="rect">
           <a:avLst/>
@@ -2897,8 +2786,8 @@
         </a:p>
       </dsp:txBody>
       <dsp:txXfrm>
-        <a:off x="2872007" y="2632529"/>
-        <a:ext cx="2063504" cy="720000"/>
+        <a:off x="3597318" y="3022128"/>
+        <a:ext cx="3037500" cy="720000"/>
       </dsp:txXfrm>
     </dsp:sp>
     <dsp:sp modelId="{7AE36B9E-A167-46DF-B0F1-B4ABF982681E}">
@@ -2908,8 +2797,8 @@
       </dsp:nvSpPr>
       <dsp:spPr>
         <a:xfrm>
-          <a:off x="5699007" y="981726"/>
-          <a:ext cx="1258737" cy="1258737"/>
+          <a:off x="7758693" y="592127"/>
+          <a:ext cx="1852875" cy="1852875"/>
         </a:xfrm>
         <a:prstGeom prst="round2DiagRect">
           <a:avLst>
@@ -2950,8 +2839,8 @@
       </dsp:nvSpPr>
       <dsp:spPr>
         <a:xfrm>
-          <a:off x="5967263" y="1249981"/>
-          <a:ext cx="722226" cy="722226"/>
+          <a:off x="8153568" y="987002"/>
+          <a:ext cx="1063125" cy="1063125"/>
         </a:xfrm>
         <a:prstGeom prst="rect">
           <a:avLst/>
@@ -3000,8 +2889,8 @@
       </dsp:nvSpPr>
       <dsp:spPr>
         <a:xfrm>
-          <a:off x="5296624" y="2632529"/>
-          <a:ext cx="2063504" cy="720000"/>
+          <a:off x="7166380" y="3022128"/>
+          <a:ext cx="3037500" cy="720000"/>
         </a:xfrm>
         <a:prstGeom prst="rect">
           <a:avLst/>
@@ -3051,162 +2940,8 @@
         </a:p>
       </dsp:txBody>
       <dsp:txXfrm>
-        <a:off x="5296624" y="2632529"/>
-        <a:ext cx="2063504" cy="720000"/>
-      </dsp:txXfrm>
-    </dsp:sp>
-    <dsp:sp modelId="{9693ED17-E8AE-4553-88A4-30B1A2713F2A}">
-      <dsp:nvSpPr>
-        <dsp:cNvPr id="0" name=""/>
-        <dsp:cNvSpPr/>
-      </dsp:nvSpPr>
-      <dsp:spPr>
-        <a:xfrm>
-          <a:off x="8123625" y="981726"/>
-          <a:ext cx="1258737" cy="1258737"/>
-        </a:xfrm>
-        <a:prstGeom prst="round2DiagRect">
-          <a:avLst>
-            <a:gd name="adj1" fmla="val 29727"/>
-            <a:gd name="adj2" fmla="val 0"/>
-          </a:avLst>
-        </a:prstGeom>
-        <a:solidFill>
-          <a:schemeClr val="accent5">
-            <a:hueOff val="0"/>
-            <a:satOff val="0"/>
-            <a:lumOff val="0"/>
-            <a:alphaOff val="0"/>
-          </a:schemeClr>
-        </a:solidFill>
-        <a:ln>
-          <a:noFill/>
-        </a:ln>
-        <a:effectLst/>
-      </dsp:spPr>
-      <dsp:style>
-        <a:lnRef idx="0">
-          <a:scrgbClr r="0" g="0" b="0"/>
-        </a:lnRef>
-        <a:fillRef idx="1">
-          <a:scrgbClr r="0" g="0" b="0"/>
-        </a:fillRef>
-        <a:effectRef idx="0">
-          <a:scrgbClr r="0" g="0" b="0"/>
-        </a:effectRef>
-        <a:fontRef idx="minor"/>
-      </dsp:style>
-    </dsp:sp>
-    <dsp:sp modelId="{9CF71C80-CE95-4D88-8F39-06B3BBF1EBAE}">
-      <dsp:nvSpPr>
-        <dsp:cNvPr id="0" name=""/>
-        <dsp:cNvSpPr/>
-      </dsp:nvSpPr>
-      <dsp:spPr>
-        <a:xfrm>
-          <a:off x="8391880" y="1249981"/>
-          <a:ext cx="722226" cy="722226"/>
-        </a:xfrm>
-        <a:prstGeom prst="rect">
-          <a:avLst/>
-        </a:prstGeom>
-        <a:blipFill>
-          <a:blip xmlns:r="http://schemas.openxmlformats.org/officeDocument/2006/relationships" r:embed="rId7">
-            <a:extLst>
-              <a:ext uri="{28A0092B-C50C-407E-A947-70E740481C1C}">
-                <a14:useLocalDpi xmlns:a14="http://schemas.microsoft.com/office/drawing/2010/main" val="0"/>
-              </a:ext>
-              <a:ext uri="{96DAC541-7B7A-43D3-8B79-37D633B846F1}">
-                <asvg:svgBlip xmlns:asvg="http://schemas.microsoft.com/office/drawing/2016/SVG/main" r:embed="rId8"/>
-              </a:ext>
-            </a:extLst>
-          </a:blip>
-          <a:stretch>
-            <a:fillRect/>
-          </a:stretch>
-        </a:blipFill>
-        <a:ln w="19050" cap="flat" cmpd="sng" algn="ctr">
-          <a:noFill/>
-          <a:prstDash val="solid"/>
-          <a:miter lim="800000"/>
-        </a:ln>
-        <a:effectLst/>
-      </dsp:spPr>
-      <dsp:style>
-        <a:lnRef idx="2">
-          <a:scrgbClr r="0" g="0" b="0"/>
-        </a:lnRef>
-        <a:fillRef idx="1">
-          <a:scrgbClr r="0" g="0" b="0"/>
-        </a:fillRef>
-        <a:effectRef idx="0">
-          <a:scrgbClr r="0" g="0" b="0"/>
-        </a:effectRef>
-        <a:fontRef idx="minor">
-          <a:schemeClr val="lt1"/>
-        </a:fontRef>
-      </dsp:style>
-    </dsp:sp>
-    <dsp:sp modelId="{AEB7A81B-4B9F-4940-A404-BE78BC85D3D8}">
-      <dsp:nvSpPr>
-        <dsp:cNvPr id="0" name=""/>
-        <dsp:cNvSpPr/>
-      </dsp:nvSpPr>
-      <dsp:spPr>
-        <a:xfrm>
-          <a:off x="7721242" y="2632529"/>
-          <a:ext cx="2063504" cy="720000"/>
-        </a:xfrm>
-        <a:prstGeom prst="rect">
-          <a:avLst/>
-        </a:prstGeom>
-        <a:noFill/>
-        <a:ln>
-          <a:noFill/>
-        </a:ln>
-        <a:effectLst/>
-      </dsp:spPr>
-      <dsp:style>
-        <a:lnRef idx="0">
-          <a:scrgbClr r="0" g="0" b="0"/>
-        </a:lnRef>
-        <a:fillRef idx="0">
-          <a:scrgbClr r="0" g="0" b="0"/>
-        </a:fillRef>
-        <a:effectRef idx="0">
-          <a:scrgbClr r="0" g="0" b="0"/>
-        </a:effectRef>
-        <a:fontRef idx="minor"/>
-      </dsp:style>
-      <dsp:txBody>
-        <a:bodyPr spcFirstLastPara="0" vert="horz" wrap="square" lIns="0" tIns="0" rIns="0" bIns="0" numCol="1" spcCol="1270" anchor="t" anchorCtr="0">
-          <a:noAutofit/>
-        </a:bodyPr>
-        <a:lstStyle/>
-        <a:p>
-          <a:pPr marL="0" lvl="0" indent="0" algn="ctr" defTabSz="1022350">
-            <a:lnSpc>
-              <a:spcPct val="100000"/>
-            </a:lnSpc>
-            <a:spcBef>
-              <a:spcPct val="0"/>
-            </a:spcBef>
-            <a:spcAft>
-              <a:spcPct val="35000"/>
-            </a:spcAft>
-            <a:buNone/>
-            <a:defRPr cap="all"/>
-          </a:pPr>
-          <a:r>
-            <a:rPr lang="de-CH" sz="2300" kern="1200"/>
-            <a:t>Biological applications</a:t>
-          </a:r>
-          <a:endParaRPr lang="en-US" sz="2300" kern="1200"/>
-        </a:p>
-      </dsp:txBody>
-      <dsp:txXfrm>
-        <a:off x="7721242" y="2632529"/>
-        <a:ext cx="2063504" cy="720000"/>
+        <a:off x="7166380" y="3022128"/>
+        <a:ext cx="3037500" cy="720000"/>
       </dsp:txXfrm>
     </dsp:sp>
   </dsp:spTree>
@@ -14372,7 +14107,7 @@
             <p:ph idx="1"/>
             <p:extLst>
               <p:ext uri="{D42A27DB-BD31-4B8C-83A1-F6EECF244321}">
-                <p14:modId xmlns:p14="http://schemas.microsoft.com/office/powerpoint/2010/main" val="1158043709"/>
+                <p14:modId xmlns:p14="http://schemas.microsoft.com/office/powerpoint/2010/main" val="1433791806"/>
               </p:ext>
             </p:extLst>
           </p:nvPr>

--- a/THEE_project.pptx
+++ b/THEE_project.pptx
@@ -17050,7 +17050,7 @@
         <p:spPr>
           <a:xfrm>
             <a:off x="838199" y="1913343"/>
-            <a:ext cx="2860041" cy="1200329"/>
+            <a:ext cx="9203423" cy="1569660"/>
           </a:xfrm>
           <a:prstGeom prst="rect">
             <a:avLst/>
@@ -17064,41 +17064,109 @@
           <a:lstStyle/>
           <a:p>
             <a:r>
-              <a:rPr lang="de-CH" sz="2400" dirty="0"/>
+              <a:rPr lang="de-CH" dirty="0"/>
               <a:t>Initial </a:t>
             </a:r>
             <a:r>
-              <a:rPr lang="de-CH" sz="2400" dirty="0" err="1"/>
+              <a:rPr lang="de-CH" dirty="0" err="1"/>
               <a:t>populations</a:t>
             </a:r>
             <a:r>
-              <a:rPr lang="de-CH" sz="2400" dirty="0"/>
+              <a:rPr lang="de-CH" dirty="0"/>
               <a:t> </a:t>
             </a:r>
             <a:r>
-              <a:rPr lang="de-CH" sz="2400" dirty="0" err="1"/>
+              <a:rPr lang="de-CH" dirty="0" err="1"/>
               <a:t>for</a:t>
             </a:r>
             <a:r>
-              <a:rPr lang="de-CH" sz="2400" dirty="0"/>
+              <a:rPr lang="de-CH" dirty="0"/>
               <a:t> all </a:t>
             </a:r>
             <a:r>
-              <a:rPr lang="de-CH" sz="2400" dirty="0" err="1"/>
+              <a:rPr lang="de-CH" dirty="0" err="1"/>
               <a:t>four</a:t>
             </a:r>
             <a:r>
-              <a:rPr lang="de-CH" sz="2400" dirty="0"/>
+              <a:rPr lang="de-CH" dirty="0"/>
               <a:t> </a:t>
             </a:r>
             <a:r>
-              <a:rPr lang="de-CH" sz="2400" dirty="0" err="1"/>
+              <a:rPr lang="de-CH" dirty="0" err="1"/>
               <a:t>mutants</a:t>
             </a:r>
             <a:r>
-              <a:rPr lang="de-CH" sz="2400" dirty="0"/>
-              <a:t>: N = 30</a:t>
-            </a:r>
+              <a:rPr lang="de-CH" dirty="0"/>
+              <a:t>: N = 30,</a:t>
+            </a:r>
+          </a:p>
+          <a:p>
+            <a:r>
+              <a:rPr lang="en-US" dirty="0" err="1"/>
+              <a:t>m_rate_wm</a:t>
+            </a:r>
+            <a:r>
+              <a:rPr lang="en-US" dirty="0"/>
+              <a:t> &lt;- 0.003, </a:t>
+            </a:r>
+            <a:r>
+              <a:rPr lang="en-US" dirty="0" err="1"/>
+              <a:t>m_rate_sm</a:t>
+            </a:r>
+            <a:r>
+              <a:rPr lang="en-US" dirty="0"/>
+              <a:t> &lt;- 0.005, </a:t>
+            </a:r>
+            <a:r>
+              <a:rPr lang="en-US" dirty="0" err="1"/>
+              <a:t>decay_rate_wm</a:t>
+            </a:r>
+            <a:r>
+              <a:rPr lang="en-US" dirty="0"/>
+              <a:t> &lt;- 0.1, </a:t>
+            </a:r>
+            <a:r>
+              <a:rPr lang="en-US" dirty="0" err="1"/>
+              <a:t>decay_rate_sm</a:t>
+            </a:r>
+            <a:r>
+              <a:rPr lang="en-US" dirty="0"/>
+              <a:t> &lt;- 0.2, </a:t>
+            </a:r>
+            <a:r>
+              <a:rPr lang="en-US" dirty="0" err="1"/>
+              <a:t>s_wm</a:t>
+            </a:r>
+            <a:r>
+              <a:rPr lang="en-US" dirty="0"/>
+              <a:t> &lt;- 0.1, </a:t>
+            </a:r>
+            <a:r>
+              <a:rPr lang="en-US" dirty="0" err="1"/>
+              <a:t>s_sm</a:t>
+            </a:r>
+            <a:r>
+              <a:rPr lang="en-US" dirty="0"/>
+              <a:t> &lt;- 0.2, </a:t>
+            </a:r>
+            <a:r>
+              <a:rPr lang="en-US" dirty="0" err="1"/>
+              <a:t>max_gen</a:t>
+            </a:r>
+            <a:r>
+              <a:rPr lang="en-US" dirty="0"/>
+              <a:t> &lt;- 1000, </a:t>
+            </a:r>
+          </a:p>
+          <a:p>
+            <a:r>
+              <a:rPr lang="en-US" dirty="0"/>
+              <a:t>replicates &lt;- 30</a:t>
+            </a:r>
+            <a:endParaRPr lang="de-CH" dirty="0"/>
+          </a:p>
+          <a:p>
+            <a:endParaRPr lang="de-CH" sz="2400" dirty="0"/>
           </a:p>
         </p:txBody>
       </p:sp>
@@ -17320,7 +17388,7 @@
         <p:spPr>
           <a:xfrm>
             <a:off x="838200" y="2047406"/>
-            <a:ext cx="2860040" cy="1200329"/>
+            <a:ext cx="9572538" cy="1292662"/>
           </a:xfrm>
           <a:prstGeom prst="rect">
             <a:avLst/>
@@ -17334,41 +17402,105 @@
           <a:lstStyle/>
           <a:p>
             <a:r>
-              <a:rPr lang="de-CH" sz="2400" dirty="0"/>
+              <a:rPr lang="de-CH" dirty="0"/>
               <a:t>Initial </a:t>
             </a:r>
             <a:r>
-              <a:rPr lang="de-CH" sz="2400" dirty="0" err="1"/>
+              <a:rPr lang="de-CH" dirty="0" err="1"/>
               <a:t>populations</a:t>
             </a:r>
             <a:r>
-              <a:rPr lang="de-CH" sz="2400" dirty="0"/>
+              <a:rPr lang="de-CH" dirty="0"/>
               <a:t> </a:t>
             </a:r>
             <a:r>
-              <a:rPr lang="de-CH" sz="2400" dirty="0" err="1"/>
+              <a:rPr lang="de-CH" dirty="0" err="1"/>
               <a:t>for</a:t>
             </a:r>
             <a:r>
-              <a:rPr lang="de-CH" sz="2400" dirty="0"/>
+              <a:rPr lang="de-CH" dirty="0"/>
               <a:t> all </a:t>
             </a:r>
             <a:r>
-              <a:rPr lang="de-CH" sz="2400" dirty="0" err="1"/>
+              <a:rPr lang="de-CH" dirty="0" err="1"/>
               <a:t>four</a:t>
             </a:r>
             <a:r>
-              <a:rPr lang="de-CH" sz="2400" dirty="0"/>
+              <a:rPr lang="de-CH" dirty="0"/>
               <a:t> </a:t>
             </a:r>
             <a:r>
-              <a:rPr lang="de-CH" sz="2400" dirty="0" err="1"/>
+              <a:rPr lang="de-CH" dirty="0" err="1"/>
               <a:t>mutants</a:t>
             </a:r>
             <a:r>
-              <a:rPr lang="de-CH" sz="2400" dirty="0"/>
-              <a:t>: N = 50</a:t>
-            </a:r>
+              <a:rPr lang="de-CH" dirty="0"/>
+              <a:t>: N = 50,</a:t>
+            </a:r>
+          </a:p>
+          <a:p>
+            <a:r>
+              <a:rPr lang="en-US" dirty="0" err="1"/>
+              <a:t>m_rate_wm</a:t>
+            </a:r>
+            <a:r>
+              <a:rPr lang="en-US" dirty="0"/>
+              <a:t> &lt;- 0.002, </a:t>
+            </a:r>
+            <a:r>
+              <a:rPr lang="en-US" dirty="0" err="1"/>
+              <a:t>m_rate_sm</a:t>
+            </a:r>
+            <a:r>
+              <a:rPr lang="en-US" dirty="0"/>
+              <a:t> &lt;- 0.003, </a:t>
+            </a:r>
+            <a:r>
+              <a:rPr lang="en-US" dirty="0" err="1"/>
+              <a:t>decay_rate_wm</a:t>
+            </a:r>
+            <a:r>
+              <a:rPr lang="en-US" dirty="0"/>
+              <a:t> &lt;- 0.1, </a:t>
+            </a:r>
+            <a:r>
+              <a:rPr lang="en-US" dirty="0" err="1"/>
+              <a:t>decay_rate_sm</a:t>
+            </a:r>
+            <a:r>
+              <a:rPr lang="en-US" dirty="0"/>
+              <a:t> &lt;- 0.2, </a:t>
+            </a:r>
+          </a:p>
+          <a:p>
+            <a:r>
+              <a:rPr lang="en-US" dirty="0" err="1"/>
+              <a:t>s_wm</a:t>
+            </a:r>
+            <a:r>
+              <a:rPr lang="en-US" dirty="0"/>
+              <a:t> &lt;- 0.1, </a:t>
+            </a:r>
+            <a:r>
+              <a:rPr lang="en-US" dirty="0" err="1"/>
+              <a:t>s_sm</a:t>
+            </a:r>
+            <a:r>
+              <a:rPr lang="en-US" dirty="0"/>
+              <a:t> &lt;- 0.2, </a:t>
+            </a:r>
+            <a:r>
+              <a:rPr lang="en-US" dirty="0" err="1"/>
+              <a:t>max_gen</a:t>
+            </a:r>
+            <a:r>
+              <a:rPr lang="en-US" dirty="0"/>
+              <a:t> &lt;- 1000, replicates &lt;- 30</a:t>
+            </a:r>
+            <a:endParaRPr lang="de-CH" dirty="0"/>
+          </a:p>
+          <a:p>
+            <a:endParaRPr lang="de-CH" sz="2400" dirty="0"/>
           </a:p>
         </p:txBody>
       </p:sp>

--- a/THEE_project.pptx
+++ b/THEE_project.pptx
@@ -7103,7 +7103,7 @@
           <a:p>
             <a:fld id="{F17C4E11-10FB-4EAA-9B7C-49C06558A741}" type="datetimeFigureOut">
               <a:rPr lang="de-CH" smtClean="0"/>
-              <a:t>30.10.2025</a:t>
+              <a:t>31.10.2025</a:t>
             </a:fld>
             <a:endParaRPr lang="de-CH"/>
           </a:p>
@@ -7262,7 +7262,7 @@
           <a:p>
             <a:fld id="{EB2A0D13-1493-4442-A315-6F78B7786EF8}" type="slidenum">
               <a:rPr lang="de-CH" smtClean="0"/>
-              <a:t>‹Nr.›</a:t>
+              <a:t>‹#›</a:t>
             </a:fld>
             <a:endParaRPr lang="de-CH"/>
           </a:p>
@@ -7956,7 +7956,7 @@
           <a:p>
             <a:fld id="{256E0D5A-877C-43E6-8161-BEA82FD88084}" type="datetimeFigureOut">
               <a:rPr lang="de-CH" smtClean="0"/>
-              <a:t>30.10.2025</a:t>
+              <a:t>31.10.2025</a:t>
             </a:fld>
             <a:endParaRPr lang="de-CH"/>
           </a:p>
@@ -8010,7 +8010,7 @@
           <a:p>
             <a:fld id="{2A07F06B-CB54-47B8-86A8-70FF2417EE14}" type="slidenum">
               <a:rPr lang="de-CH" smtClean="0"/>
-              <a:t>‹Nr.›</a:t>
+              <a:t>‹#›</a:t>
             </a:fld>
             <a:endParaRPr lang="de-CH"/>
           </a:p>
@@ -8156,7 +8156,7 @@
           <a:p>
             <a:fld id="{256E0D5A-877C-43E6-8161-BEA82FD88084}" type="datetimeFigureOut">
               <a:rPr lang="de-CH" smtClean="0"/>
-              <a:t>30.10.2025</a:t>
+              <a:t>31.10.2025</a:t>
             </a:fld>
             <a:endParaRPr lang="de-CH"/>
           </a:p>
@@ -8210,7 +8210,7 @@
           <a:p>
             <a:fld id="{2A07F06B-CB54-47B8-86A8-70FF2417EE14}" type="slidenum">
               <a:rPr lang="de-CH" smtClean="0"/>
-              <a:t>‹Nr.›</a:t>
+              <a:t>‹#›</a:t>
             </a:fld>
             <a:endParaRPr lang="de-CH"/>
           </a:p>
@@ -8366,7 +8366,7 @@
           <a:p>
             <a:fld id="{256E0D5A-877C-43E6-8161-BEA82FD88084}" type="datetimeFigureOut">
               <a:rPr lang="de-CH" smtClean="0"/>
-              <a:t>30.10.2025</a:t>
+              <a:t>31.10.2025</a:t>
             </a:fld>
             <a:endParaRPr lang="de-CH"/>
           </a:p>
@@ -8420,7 +8420,7 @@
           <a:p>
             <a:fld id="{2A07F06B-CB54-47B8-86A8-70FF2417EE14}" type="slidenum">
               <a:rPr lang="de-CH" smtClean="0"/>
-              <a:t>‹Nr.›</a:t>
+              <a:t>‹#›</a:t>
             </a:fld>
             <a:endParaRPr lang="de-CH"/>
           </a:p>
@@ -8566,7 +8566,7 @@
           <a:p>
             <a:fld id="{256E0D5A-877C-43E6-8161-BEA82FD88084}" type="datetimeFigureOut">
               <a:rPr lang="de-CH" smtClean="0"/>
-              <a:t>30.10.2025</a:t>
+              <a:t>31.10.2025</a:t>
             </a:fld>
             <a:endParaRPr lang="de-CH"/>
           </a:p>
@@ -8620,7 +8620,7 @@
           <a:p>
             <a:fld id="{2A07F06B-CB54-47B8-86A8-70FF2417EE14}" type="slidenum">
               <a:rPr lang="de-CH" smtClean="0"/>
-              <a:t>‹Nr.›</a:t>
+              <a:t>‹#›</a:t>
             </a:fld>
             <a:endParaRPr lang="de-CH"/>
           </a:p>
@@ -8842,7 +8842,7 @@
           <a:p>
             <a:fld id="{256E0D5A-877C-43E6-8161-BEA82FD88084}" type="datetimeFigureOut">
               <a:rPr lang="de-CH" smtClean="0"/>
-              <a:t>30.10.2025</a:t>
+              <a:t>31.10.2025</a:t>
             </a:fld>
             <a:endParaRPr lang="de-CH"/>
           </a:p>
@@ -8896,7 +8896,7 @@
           <a:p>
             <a:fld id="{2A07F06B-CB54-47B8-86A8-70FF2417EE14}" type="slidenum">
               <a:rPr lang="de-CH" smtClean="0"/>
-              <a:t>‹Nr.›</a:t>
+              <a:t>‹#›</a:t>
             </a:fld>
             <a:endParaRPr lang="de-CH"/>
           </a:p>
@@ -9110,7 +9110,7 @@
           <a:p>
             <a:fld id="{256E0D5A-877C-43E6-8161-BEA82FD88084}" type="datetimeFigureOut">
               <a:rPr lang="de-CH" smtClean="0"/>
-              <a:t>30.10.2025</a:t>
+              <a:t>31.10.2025</a:t>
             </a:fld>
             <a:endParaRPr lang="de-CH"/>
           </a:p>
@@ -9164,7 +9164,7 @@
           <a:p>
             <a:fld id="{2A07F06B-CB54-47B8-86A8-70FF2417EE14}" type="slidenum">
               <a:rPr lang="de-CH" smtClean="0"/>
-              <a:t>‹Nr.›</a:t>
+              <a:t>‹#›</a:t>
             </a:fld>
             <a:endParaRPr lang="de-CH"/>
           </a:p>
@@ -9525,7 +9525,7 @@
           <a:p>
             <a:fld id="{256E0D5A-877C-43E6-8161-BEA82FD88084}" type="datetimeFigureOut">
               <a:rPr lang="de-CH" smtClean="0"/>
-              <a:t>30.10.2025</a:t>
+              <a:t>31.10.2025</a:t>
             </a:fld>
             <a:endParaRPr lang="de-CH"/>
           </a:p>
@@ -9579,7 +9579,7 @@
           <a:p>
             <a:fld id="{2A07F06B-CB54-47B8-86A8-70FF2417EE14}" type="slidenum">
               <a:rPr lang="de-CH" smtClean="0"/>
-              <a:t>‹Nr.›</a:t>
+              <a:t>‹#›</a:t>
             </a:fld>
             <a:endParaRPr lang="de-CH"/>
           </a:p>
@@ -9667,7 +9667,7 @@
           <a:p>
             <a:fld id="{256E0D5A-877C-43E6-8161-BEA82FD88084}" type="datetimeFigureOut">
               <a:rPr lang="de-CH" smtClean="0"/>
-              <a:t>30.10.2025</a:t>
+              <a:t>31.10.2025</a:t>
             </a:fld>
             <a:endParaRPr lang="de-CH"/>
           </a:p>
@@ -9721,7 +9721,7 @@
           <a:p>
             <a:fld id="{2A07F06B-CB54-47B8-86A8-70FF2417EE14}" type="slidenum">
               <a:rPr lang="de-CH" smtClean="0"/>
-              <a:t>‹Nr.›</a:t>
+              <a:t>‹#›</a:t>
             </a:fld>
             <a:endParaRPr lang="de-CH"/>
           </a:p>
@@ -9780,7 +9780,7 @@
           <a:p>
             <a:fld id="{256E0D5A-877C-43E6-8161-BEA82FD88084}" type="datetimeFigureOut">
               <a:rPr lang="de-CH" smtClean="0"/>
-              <a:t>30.10.2025</a:t>
+              <a:t>31.10.2025</a:t>
             </a:fld>
             <a:endParaRPr lang="de-CH"/>
           </a:p>
@@ -9834,7 +9834,7 @@
           <a:p>
             <a:fld id="{2A07F06B-CB54-47B8-86A8-70FF2417EE14}" type="slidenum">
               <a:rPr lang="de-CH" smtClean="0"/>
-              <a:t>‹Nr.›</a:t>
+              <a:t>‹#›</a:t>
             </a:fld>
             <a:endParaRPr lang="de-CH"/>
           </a:p>
@@ -10093,7 +10093,7 @@
           <a:p>
             <a:fld id="{256E0D5A-877C-43E6-8161-BEA82FD88084}" type="datetimeFigureOut">
               <a:rPr lang="de-CH" smtClean="0"/>
-              <a:t>30.10.2025</a:t>
+              <a:t>31.10.2025</a:t>
             </a:fld>
             <a:endParaRPr lang="de-CH"/>
           </a:p>
@@ -10147,7 +10147,7 @@
           <a:p>
             <a:fld id="{2A07F06B-CB54-47B8-86A8-70FF2417EE14}" type="slidenum">
               <a:rPr lang="de-CH" smtClean="0"/>
-              <a:t>‹Nr.›</a:t>
+              <a:t>‹#›</a:t>
             </a:fld>
             <a:endParaRPr lang="de-CH"/>
           </a:p>
@@ -10382,7 +10382,7 @@
           <a:p>
             <a:fld id="{256E0D5A-877C-43E6-8161-BEA82FD88084}" type="datetimeFigureOut">
               <a:rPr lang="de-CH" smtClean="0"/>
-              <a:t>30.10.2025</a:t>
+              <a:t>31.10.2025</a:t>
             </a:fld>
             <a:endParaRPr lang="de-CH"/>
           </a:p>
@@ -10436,7 +10436,7 @@
           <a:p>
             <a:fld id="{2A07F06B-CB54-47B8-86A8-70FF2417EE14}" type="slidenum">
               <a:rPr lang="de-CH" smtClean="0"/>
-              <a:t>‹Nr.›</a:t>
+              <a:t>‹#›</a:t>
             </a:fld>
             <a:endParaRPr lang="de-CH"/>
           </a:p>
@@ -10625,7 +10625,7 @@
           <a:p>
             <a:fld id="{256E0D5A-877C-43E6-8161-BEA82FD88084}" type="datetimeFigureOut">
               <a:rPr lang="de-CH" smtClean="0"/>
-              <a:t>30.10.2025</a:t>
+              <a:t>31.10.2025</a:t>
             </a:fld>
             <a:endParaRPr lang="de-CH"/>
           </a:p>
@@ -10715,7 +10715,7 @@
           <a:p>
             <a:fld id="{2A07F06B-CB54-47B8-86A8-70FF2417EE14}" type="slidenum">
               <a:rPr lang="de-CH" smtClean="0"/>
-              <a:t>‹Nr.›</a:t>
+              <a:t>‹#›</a:t>
             </a:fld>
             <a:endParaRPr lang="de-CH"/>
           </a:p>
@@ -15836,7 +15836,7 @@
           <p:nvPr>
             <p:extLst>
               <p:ext uri="{D42A27DB-BD31-4B8C-83A1-F6EECF244321}">
-                <p14:modId xmlns:p14="http://schemas.microsoft.com/office/powerpoint/2010/main" val="61552017"/>
+                <p14:modId xmlns:p14="http://schemas.microsoft.com/office/powerpoint/2010/main" val="15710994"/>
               </p:ext>
             </p:extLst>
           </p:nvPr>
@@ -15915,8 +15915,8 @@
                     <a:lstStyle/>
                     <a:p>
                       <a:r>
-                        <a:rPr lang="de-CH" dirty="0" err="1"/>
-                        <a:t>Manipulated</a:t>
+                        <a:rPr lang="de-CH"/>
+                        <a:t>Manipulation</a:t>
                       </a:r>
                       <a:endParaRPr lang="de-CH" dirty="0"/>
                     </a:p>
